--- a/01 Classes/Aula 07 Programação Python - Tipos de Dados Aglomerados.pptx
+++ b/01 Classes/Aula 07 Programação Python - Tipos de Dados Aglomerados.pptx
@@ -5,7 +5,7 @@
     <p:sldMasterId id="2147483671" r:id="rId1"/>
   </p:sldMasterIdLst>
   <p:notesMasterIdLst>
-    <p:notesMasterId r:id="rId25"/>
+    <p:notesMasterId r:id="rId26"/>
   </p:notesMasterIdLst>
   <p:sldIdLst>
     <p:sldId id="256" r:id="rId2"/>
@@ -26,11 +26,12 @@
     <p:sldId id="345" r:id="rId17"/>
     <p:sldId id="346" r:id="rId18"/>
     <p:sldId id="347" r:id="rId19"/>
-    <p:sldId id="323" r:id="rId20"/>
-    <p:sldId id="333" r:id="rId21"/>
-    <p:sldId id="334" r:id="rId22"/>
-    <p:sldId id="337" r:id="rId23"/>
-    <p:sldId id="309" r:id="rId24"/>
+    <p:sldId id="353" r:id="rId20"/>
+    <p:sldId id="323" r:id="rId21"/>
+    <p:sldId id="333" r:id="rId22"/>
+    <p:sldId id="334" r:id="rId23"/>
+    <p:sldId id="337" r:id="rId24"/>
+    <p:sldId id="309" r:id="rId25"/>
   </p:sldIdLst>
   <p:sldSz cx="9144000" cy="5143500" type="screen16x9"/>
   <p:notesSz cx="6858000" cy="9144000"/>
@@ -907,7 +908,7 @@
     </p:spTree>
     <p:extLst>
       <p:ext uri="{BB962C8B-B14F-4D97-AF65-F5344CB8AC3E}">
-        <p14:creationId xmlns:p14="http://schemas.microsoft.com/office/powerpoint/2010/main" val="2709569597"/>
+        <p14:creationId xmlns:p14="http://schemas.microsoft.com/office/powerpoint/2010/main" val="3398795520"/>
       </p:ext>
     </p:extLst>
   </p:cSld>
@@ -973,7 +974,7 @@
     </p:spTree>
     <p:extLst>
       <p:ext uri="{BB962C8B-B14F-4D97-AF65-F5344CB8AC3E}">
-        <p14:creationId xmlns:p14="http://schemas.microsoft.com/office/powerpoint/2010/main" val="585304384"/>
+        <p14:creationId xmlns:p14="http://schemas.microsoft.com/office/powerpoint/2010/main" val="2709569597"/>
       </p:ext>
     </p:extLst>
   </p:cSld>
@@ -1039,7 +1040,7 @@
     </p:spTree>
     <p:extLst>
       <p:ext uri="{BB962C8B-B14F-4D97-AF65-F5344CB8AC3E}">
-        <p14:creationId xmlns:p14="http://schemas.microsoft.com/office/powerpoint/2010/main" val="2296249050"/>
+        <p14:creationId xmlns:p14="http://schemas.microsoft.com/office/powerpoint/2010/main" val="585304384"/>
       </p:ext>
     </p:extLst>
   </p:cSld>
@@ -1171,6 +1172,72 @@
     </p:spTree>
     <p:extLst>
       <p:ext uri="{BB962C8B-B14F-4D97-AF65-F5344CB8AC3E}">
+        <p14:creationId xmlns:p14="http://schemas.microsoft.com/office/powerpoint/2010/main" val="2296249050"/>
+      </p:ext>
+    </p:extLst>
+  </p:cSld>
+  <p:clrMapOvr>
+    <a:masterClrMapping/>
+  </p:clrMapOvr>
+</p:notes>
+</file>
+
+<file path=ppt/notesSlides/notesSlide21.xml><?xml version="1.0" encoding="utf-8"?>
+<p:notes xmlns:a="http://schemas.openxmlformats.org/drawingml/2006/main" xmlns:r="http://schemas.openxmlformats.org/officeDocument/2006/relationships" xmlns:p="http://schemas.openxmlformats.org/presentationml/2006/main">
+  <p:cSld>
+    <p:spTree>
+      <p:nvGrpSpPr>
+        <p:cNvPr id="1" name=""/>
+        <p:cNvGrpSpPr/>
+        <p:nvPr/>
+      </p:nvGrpSpPr>
+      <p:grpSpPr>
+        <a:xfrm>
+          <a:off x="0" y="0"/>
+          <a:ext cx="0" cy="0"/>
+          <a:chOff x="0" y="0"/>
+          <a:chExt cx="0" cy="0"/>
+        </a:xfrm>
+      </p:grpSpPr>
+      <p:sp>
+        <p:nvSpPr>
+          <p:cNvPr id="2" name="Espaço Reservado para Imagem de Slide 1"/>
+          <p:cNvSpPr>
+            <a:spLocks noGrp="1" noRot="1" noChangeAspect="1"/>
+          </p:cNvSpPr>
+          <p:nvPr>
+            <p:ph type="sldImg"/>
+          </p:nvPr>
+        </p:nvSpPr>
+        <p:spPr>
+          <a:xfrm>
+            <a:off x="381000" y="685800"/>
+            <a:ext cx="6096000" cy="3429000"/>
+          </a:xfrm>
+        </p:spPr>
+      </p:sp>
+      <p:sp>
+        <p:nvSpPr>
+          <p:cNvPr id="3" name="Espaço Reservado para Anotações 2"/>
+          <p:cNvSpPr>
+            <a:spLocks noGrp="1"/>
+          </p:cNvSpPr>
+          <p:nvPr>
+            <p:ph type="body" idx="1"/>
+          </p:nvPr>
+        </p:nvSpPr>
+        <p:spPr/>
+        <p:txBody>
+          <a:bodyPr/>
+          <a:lstStyle/>
+          <a:p>
+            <a:endParaRPr lang="pt-BR" dirty="0"/>
+          </a:p>
+        </p:txBody>
+      </p:sp>
+    </p:spTree>
+    <p:extLst>
+      <p:ext uri="{BB962C8B-B14F-4D97-AF65-F5344CB8AC3E}">
         <p14:creationId xmlns:p14="http://schemas.microsoft.com/office/powerpoint/2010/main" val="4290351292"/>
       </p:ext>
     </p:extLst>
@@ -1782,7 +1849,7 @@
           <a:p>
             <a:fld id="{48A87A34-81AB-432B-8DAE-1953F412C126}" type="datetimeFigureOut">
               <a:rPr lang="en-US" smtClean="0"/>
-              <a:t>4/22/2022</a:t>
+              <a:t>8/23/2022</a:t>
             </a:fld>
             <a:endParaRPr lang="en-US" dirty="0"/>
           </a:p>
@@ -1993,7 +2060,7 @@
           <a:p>
             <a:fld id="{48A87A34-81AB-432B-8DAE-1953F412C126}" type="datetimeFigureOut">
               <a:rPr lang="en-US" smtClean="0"/>
-              <a:t>4/22/2022</a:t>
+              <a:t>8/23/2022</a:t>
             </a:fld>
             <a:endParaRPr lang="en-US" dirty="0"/>
           </a:p>
@@ -2208,7 +2275,7 @@
           <a:p>
             <a:fld id="{48A87A34-81AB-432B-8DAE-1953F412C126}" type="datetimeFigureOut">
               <a:rPr lang="en-US" smtClean="0"/>
-              <a:t>4/22/2022</a:t>
+              <a:t>8/23/2022</a:t>
             </a:fld>
             <a:endParaRPr lang="en-US" dirty="0"/>
           </a:p>
@@ -2576,7 +2643,7 @@
           <a:p>
             <a:fld id="{48A87A34-81AB-432B-8DAE-1953F412C126}" type="datetimeFigureOut">
               <a:rPr lang="en-US" smtClean="0"/>
-              <a:t>4/22/2022</a:t>
+              <a:t>8/23/2022</a:t>
             </a:fld>
             <a:endParaRPr lang="en-US" dirty="0"/>
           </a:p>
@@ -2855,7 +2922,7 @@
           <a:p>
             <a:fld id="{48A87A34-81AB-432B-8DAE-1953F412C126}" type="datetimeFigureOut">
               <a:rPr lang="en-US" smtClean="0"/>
-              <a:t>4/22/2022</a:t>
+              <a:t>8/23/2022</a:t>
             </a:fld>
             <a:endParaRPr lang="en-US" dirty="0"/>
           </a:p>
@@ -3123,7 +3190,7 @@
           <a:p>
             <a:fld id="{48A87A34-81AB-432B-8DAE-1953F412C126}" type="datetimeFigureOut">
               <a:rPr lang="en-US" smtClean="0"/>
-              <a:t>4/22/2022</a:t>
+              <a:t>8/23/2022</a:t>
             </a:fld>
             <a:endParaRPr lang="en-US" dirty="0"/>
           </a:p>
@@ -3539,7 +3606,7 @@
           <a:p>
             <a:fld id="{48A87A34-81AB-432B-8DAE-1953F412C126}" type="datetimeFigureOut">
               <a:rPr lang="en-US" smtClean="0"/>
-              <a:t>4/22/2022</a:t>
+              <a:t>8/23/2022</a:t>
             </a:fld>
             <a:endParaRPr lang="en-US" dirty="0"/>
           </a:p>
@@ -3688,7 +3755,7 @@
           <a:p>
             <a:fld id="{48A87A34-81AB-432B-8DAE-1953F412C126}" type="datetimeFigureOut">
               <a:rPr lang="en-US" smtClean="0"/>
-              <a:t>4/22/2022</a:t>
+              <a:t>8/23/2022</a:t>
             </a:fld>
             <a:endParaRPr lang="en-US" dirty="0"/>
           </a:p>
@@ -3814,7 +3881,7 @@
           <a:p>
             <a:fld id="{48A87A34-81AB-432B-8DAE-1953F412C126}" type="datetimeFigureOut">
               <a:rPr lang="en-US" smtClean="0"/>
-              <a:t>4/22/2022</a:t>
+              <a:t>8/23/2022</a:t>
             </a:fld>
             <a:endParaRPr lang="en-US" dirty="0"/>
           </a:p>
@@ -4065,7 +4132,7 @@
           <a:p>
             <a:fld id="{48A87A34-81AB-432B-8DAE-1953F412C126}" type="datetimeFigureOut">
               <a:rPr lang="en-US" smtClean="0"/>
-              <a:t>4/22/2022</a:t>
+              <a:t>8/23/2022</a:t>
             </a:fld>
             <a:endParaRPr lang="en-US" dirty="0"/>
           </a:p>
@@ -4511,7 +4578,7 @@
             <a:fld id="{48A87A34-81AB-432B-8DAE-1953F412C126}" type="datetimeFigureOut">
               <a:rPr lang="en-US" smtClean="0"/>
               <a:pPr/>
-              <a:t>4/22/2022</a:t>
+              <a:t>8/23/2022</a:t>
             </a:fld>
             <a:endParaRPr lang="en-US" dirty="0"/>
           </a:p>
@@ -4839,7 +4906,7 @@
             <a:fld id="{48A87A34-81AB-432B-8DAE-1953F412C126}" type="datetimeFigureOut">
               <a:rPr lang="en-US" smtClean="0"/>
               <a:pPr/>
-              <a:t>4/22/2022</a:t>
+              <a:t>8/23/2022</a:t>
             </a:fld>
             <a:endParaRPr lang="en-US" dirty="0"/>
           </a:p>
@@ -9230,12 +9297,20 @@
           <a:lstStyle/>
           <a:p>
             <a:r>
+              <a:rPr lang="en-US" b="1" dirty="0">
+                <a:solidFill>
+                  <a:srgbClr val="0070C0"/>
+                </a:solidFill>
+              </a:rPr>
+              <a:t>Python – </a:t>
+            </a:r>
+            <a:r>
               <a:rPr lang="en-US" b="1" dirty="0" err="1">
                 <a:solidFill>
                   <a:srgbClr val="0070C0"/>
                 </a:solidFill>
               </a:rPr>
-              <a:t>Leitura</a:t>
+              <a:t>TDados</a:t>
             </a:r>
             <a:r>
               <a:rPr lang="en-US" b="1" dirty="0">
@@ -9251,13 +9326,16 @@
                   <a:srgbClr val="0070C0"/>
                 </a:solidFill>
               </a:rPr>
-              <a:t>Específica</a:t>
-            </a:r>
-            <a:endParaRPr lang="en-US" b="1" dirty="0">
-              <a:solidFill>
-                <a:srgbClr val="0070C0"/>
-              </a:solidFill>
-            </a:endParaRPr>
+              <a:t>Aglomerados</a:t>
+            </a:r>
+            <a:r>
+              <a:rPr lang="en-US" b="1" dirty="0">
+                <a:solidFill>
+                  <a:srgbClr val="0070C0"/>
+                </a:solidFill>
+              </a:rPr>
+              <a:t> SETs</a:t>
+            </a:r>
           </a:p>
         </p:txBody>
       </p:sp>
@@ -9273,8 +9351,8 @@
         </p:nvSpPr>
         <p:spPr>
           <a:xfrm>
-            <a:off x="142865" y="1200151"/>
-            <a:ext cx="8865056" cy="3394472"/>
+            <a:off x="142865" y="1200150"/>
+            <a:ext cx="8865056" cy="3737370"/>
           </a:xfrm>
         </p:spPr>
         <p:txBody>
@@ -9283,10 +9361,66 @@
           </a:bodyPr>
           <a:lstStyle/>
           <a:p>
+            <a:pPr algn="just">
+              <a:buFont typeface="Wingdings" panose="05000000000000000000" pitchFamily="2" charset="2"/>
+              <a:buChar char="§"/>
+            </a:pPr>
+            <a:r>
+              <a:rPr lang="pt-BR" sz="2000" b="1" dirty="0">
+                <a:solidFill>
+                  <a:srgbClr val="FF0000"/>
+                </a:solidFill>
+                <a:latin typeface="Times New Roman" panose="02020603050405020304" pitchFamily="18" charset="0"/>
+                <a:cs typeface="Times New Roman" panose="02020603050405020304" pitchFamily="18" charset="0"/>
+              </a:rPr>
+              <a:t>Conjunto - </a:t>
+            </a:r>
+            <a:r>
+              <a:rPr lang="pt-BR" sz="2000" b="1" dirty="0">
+                <a:latin typeface="Times New Roman" panose="02020603050405020304" pitchFamily="18" charset="0"/>
+                <a:cs typeface="Times New Roman" panose="02020603050405020304" pitchFamily="18" charset="0"/>
+              </a:rPr>
+              <a:t>Sets</a:t>
+            </a:r>
+            <a:r>
+              <a:rPr lang="pt-BR" sz="2000" dirty="0">
+                <a:latin typeface="Times New Roman" panose="02020603050405020304" pitchFamily="18" charset="0"/>
+                <a:cs typeface="Times New Roman" panose="02020603050405020304" pitchFamily="18" charset="0"/>
+              </a:rPr>
+              <a:t> </a:t>
+            </a:r>
+          </a:p>
+          <a:p>
             <a:pPr marL="0" indent="0" algn="just">
               <a:buNone/>
             </a:pPr>
-            <a:endParaRPr lang="pt-BR" dirty="0">
+            <a:r>
+              <a:rPr lang="pt-BR" sz="2000" dirty="0">
+                <a:latin typeface="Times New Roman" panose="02020603050405020304" pitchFamily="18" charset="0"/>
+                <a:cs typeface="Times New Roman" panose="02020603050405020304" pitchFamily="18" charset="0"/>
+              </a:rPr>
+              <a:t>são estruturas disponíveis como </a:t>
+            </a:r>
+            <a:r>
+              <a:rPr lang="pt-BR" sz="2000" i="1" dirty="0" err="1">
+                <a:latin typeface="Times New Roman" panose="02020603050405020304" pitchFamily="18" charset="0"/>
+                <a:cs typeface="Times New Roman" panose="02020603050405020304" pitchFamily="18" charset="0"/>
+              </a:rPr>
+              <a:t>builtins</a:t>
+            </a:r>
+            <a:r>
+              <a:rPr lang="pt-BR" sz="2000" dirty="0">
+                <a:latin typeface="Times New Roman" panose="02020603050405020304" pitchFamily="18" charset="0"/>
+                <a:cs typeface="Times New Roman" panose="02020603050405020304" pitchFamily="18" charset="0"/>
+              </a:rPr>
+              <a:t> do Python, utilizadas para representar coleções desordenadas de elementos únicos.</a:t>
+            </a:r>
+          </a:p>
+          <a:p>
+            <a:pPr marL="0" indent="0" algn="just">
+              <a:buNone/>
+            </a:pPr>
+            <a:endParaRPr lang="pt-BR" sz="2000" dirty="0">
               <a:latin typeface="Times New Roman" panose="02020603050405020304" pitchFamily="18" charset="0"/>
               <a:cs typeface="Times New Roman" panose="02020603050405020304" pitchFamily="18" charset="0"/>
             </a:endParaRPr>
@@ -9296,11 +9430,11 @@
               <a:buNone/>
             </a:pPr>
             <a:r>
-              <a:rPr lang="pt-BR" dirty="0">
-                <a:latin typeface="Times New Roman" panose="02020603050405020304" pitchFamily="18" charset="0"/>
-                <a:cs typeface="Times New Roman" panose="02020603050405020304" pitchFamily="18" charset="0"/>
-              </a:rPr>
-              <a:t>[1] Site:</a:t>
+              <a:rPr lang="pt-BR" sz="2000" dirty="0">
+                <a:latin typeface="Times New Roman" panose="02020603050405020304" pitchFamily="18" charset="0"/>
+                <a:cs typeface="Times New Roman" panose="02020603050405020304" pitchFamily="18" charset="0"/>
+              </a:rPr>
+              <a:t>Os elementos não são armazenados em uma ordem específica e confiável; Conjuntos não contém elementos repetidos.</a:t>
             </a:r>
           </a:p>
           <a:p>
@@ -9308,108 +9442,105 @@
               <a:buNone/>
             </a:pPr>
             <a:r>
-              <a:rPr lang="pt-BR" dirty="0">
-                <a:latin typeface="Times New Roman" panose="02020603050405020304" pitchFamily="18" charset="0"/>
-                <a:cs typeface="Times New Roman" panose="02020603050405020304" pitchFamily="18" charset="0"/>
-              </a:rPr>
-              <a:t> </a:t>
-            </a:r>
-            <a:r>
-              <a:rPr lang="pt-BR" dirty="0">
-                <a:latin typeface="Times New Roman" panose="02020603050405020304" pitchFamily="18" charset="0"/>
-                <a:cs typeface="Times New Roman" panose="02020603050405020304" pitchFamily="18" charset="0"/>
-                <a:hlinkClick r:id="rId3"/>
-              </a:rPr>
-              <a:t>https://www.w3schools.com/python/python_variables.asp</a:t>
-            </a:r>
-            <a:endParaRPr lang="pt-BR" dirty="0">
+              <a:rPr lang="da-DK" sz="2000" dirty="0">
+                <a:latin typeface="Times New Roman" panose="02020603050405020304" pitchFamily="18" charset="0"/>
+                <a:cs typeface="Times New Roman" panose="02020603050405020304" pitchFamily="18" charset="0"/>
+              </a:rPr>
+              <a:t>set([1, 2, 3, 4])</a:t>
+            </a:r>
+            <a:r>
+              <a:rPr lang="pt-BR" sz="2000" dirty="0">
+                <a:latin typeface="Times New Roman" panose="02020603050405020304" pitchFamily="18" charset="0"/>
+                <a:cs typeface="Times New Roman" panose="02020603050405020304" pitchFamily="18" charset="0"/>
+              </a:rPr>
+              <a:t> ou s </a:t>
+            </a:r>
+            <a:r>
+              <a:rPr lang="da-DK" sz="2000" dirty="0">
+                <a:latin typeface="Times New Roman" panose="02020603050405020304" pitchFamily="18" charset="0"/>
+                <a:cs typeface="Times New Roman" panose="02020603050405020304" pitchFamily="18" charset="0"/>
+              </a:rPr>
+              <a:t>= {1, 2, 3, 4}; </a:t>
+            </a:r>
+          </a:p>
+          <a:p>
+            <a:pPr marL="0" indent="0" algn="just">
+              <a:buNone/>
+            </a:pPr>
+            <a:r>
+              <a:rPr lang="da-DK" sz="2000" dirty="0">
+                <a:latin typeface="Times New Roman" panose="02020603050405020304" pitchFamily="18" charset="0"/>
+                <a:cs typeface="Times New Roman" panose="02020603050405020304" pitchFamily="18" charset="0"/>
+              </a:rPr>
+              <a:t>Ex.: </a:t>
+            </a:r>
+            <a:r>
+              <a:rPr lang="pt-BR" sz="2000" dirty="0">
+                <a:latin typeface="Times New Roman" panose="02020603050405020304" pitchFamily="18" charset="0"/>
+                <a:cs typeface="Times New Roman" panose="02020603050405020304" pitchFamily="18" charset="0"/>
+              </a:rPr>
+              <a:t>a </a:t>
+            </a:r>
+            <a:r>
+              <a:rPr lang="da-DK" sz="2000" dirty="0">
+                <a:latin typeface="Times New Roman" panose="02020603050405020304" pitchFamily="18" charset="0"/>
+                <a:cs typeface="Times New Roman" panose="02020603050405020304" pitchFamily="18" charset="0"/>
+              </a:rPr>
+              <a:t>= {1, 2, 3, 4};  e </a:t>
+            </a:r>
+            <a:r>
+              <a:rPr lang="pt-BR" sz="2000" dirty="0">
+                <a:latin typeface="Times New Roman" panose="02020603050405020304" pitchFamily="18" charset="0"/>
+                <a:cs typeface="Times New Roman" panose="02020603050405020304" pitchFamily="18" charset="0"/>
+              </a:rPr>
+              <a:t>b </a:t>
+            </a:r>
+            <a:r>
+              <a:rPr lang="da-DK" sz="2000" dirty="0">
+                <a:latin typeface="Times New Roman" panose="02020603050405020304" pitchFamily="18" charset="0"/>
+                <a:cs typeface="Times New Roman" panose="02020603050405020304" pitchFamily="18" charset="0"/>
+              </a:rPr>
+              <a:t>= {1</a:t>
+            </a:r>
+            <a:r>
+              <a:rPr lang="da-DK" sz="2000">
+                <a:latin typeface="Times New Roman" panose="02020603050405020304" pitchFamily="18" charset="0"/>
+                <a:cs typeface="Times New Roman" panose="02020603050405020304" pitchFamily="18" charset="0"/>
+              </a:rPr>
+              <a:t>, 5, </a:t>
+            </a:r>
+            <a:r>
+              <a:rPr lang="da-DK" sz="2000" dirty="0">
+                <a:latin typeface="Times New Roman" panose="02020603050405020304" pitchFamily="18" charset="0"/>
+                <a:cs typeface="Times New Roman" panose="02020603050405020304" pitchFamily="18" charset="0"/>
+              </a:rPr>
+              <a:t>3</a:t>
+            </a:r>
+            <a:r>
+              <a:rPr lang="da-DK" sz="2000">
+                <a:latin typeface="Times New Roman" panose="02020603050405020304" pitchFamily="18" charset="0"/>
+                <a:cs typeface="Times New Roman" panose="02020603050405020304" pitchFamily="18" charset="0"/>
+              </a:rPr>
+              <a:t>, 7}; </a:t>
+            </a:r>
+            <a:r>
+              <a:rPr lang="da-DK" sz="2000" dirty="0">
+                <a:latin typeface="Times New Roman" panose="02020603050405020304" pitchFamily="18" charset="0"/>
+                <a:cs typeface="Times New Roman" panose="02020603050405020304" pitchFamily="18" charset="0"/>
+              </a:rPr>
+              <a:t>a.union(b); a. intersection(b); a. difference(b)</a:t>
+            </a:r>
+            <a:endParaRPr lang="pt-BR" sz="2000" dirty="0">
               <a:latin typeface="Times New Roman" panose="02020603050405020304" pitchFamily="18" charset="0"/>
               <a:cs typeface="Times New Roman" panose="02020603050405020304" pitchFamily="18" charset="0"/>
             </a:endParaRPr>
           </a:p>
-          <a:p>
-            <a:pPr marL="0" indent="0" algn="just">
-              <a:buNone/>
-            </a:pPr>
-            <a:endParaRPr lang="pt-BR" dirty="0">
-              <a:latin typeface="Times New Roman" panose="02020603050405020304" pitchFamily="18" charset="0"/>
-              <a:cs typeface="Times New Roman" panose="02020603050405020304" pitchFamily="18" charset="0"/>
-            </a:endParaRPr>
-          </a:p>
-          <a:p>
-            <a:pPr marL="0" indent="0" algn="just">
-              <a:buNone/>
-            </a:pPr>
-            <a:r>
-              <a:rPr lang="pt-BR" dirty="0">
-                <a:latin typeface="Times New Roman" panose="02020603050405020304" pitchFamily="18" charset="0"/>
-                <a:cs typeface="Times New Roman" panose="02020603050405020304" pitchFamily="18" charset="0"/>
-              </a:rPr>
-              <a:t>[2] Site: </a:t>
-            </a:r>
-            <a:r>
-              <a:rPr lang="pt-BR" dirty="0">
-                <a:latin typeface="Times New Roman" panose="02020603050405020304" pitchFamily="18" charset="0"/>
-                <a:cs typeface="Times New Roman" panose="02020603050405020304" pitchFamily="18" charset="0"/>
-                <a:hlinkClick r:id="rId4"/>
-              </a:rPr>
-              <a:t>https://docs.python.org/pt-br/3/tutorial/</a:t>
-            </a:r>
-            <a:endParaRPr lang="pt-BR" dirty="0">
-              <a:latin typeface="Times New Roman" panose="02020603050405020304" pitchFamily="18" charset="0"/>
-              <a:cs typeface="Times New Roman" panose="02020603050405020304" pitchFamily="18" charset="0"/>
-            </a:endParaRPr>
-          </a:p>
-          <a:p>
-            <a:pPr marL="0" indent="0" algn="just">
-              <a:buNone/>
-            </a:pPr>
-            <a:endParaRPr lang="pt-BR" dirty="0">
-              <a:latin typeface="Times New Roman" panose="02020603050405020304" pitchFamily="18" charset="0"/>
-              <a:cs typeface="Times New Roman" panose="02020603050405020304" pitchFamily="18" charset="0"/>
-            </a:endParaRPr>
-          </a:p>
-          <a:p>
-            <a:pPr marL="0" indent="0" algn="just">
-              <a:buNone/>
-            </a:pPr>
-            <a:endParaRPr lang="pt-BR" dirty="0">
-              <a:latin typeface="Times New Roman" panose="02020603050405020304" pitchFamily="18" charset="0"/>
-              <a:cs typeface="Times New Roman" panose="02020603050405020304" pitchFamily="18" charset="0"/>
-            </a:endParaRPr>
-          </a:p>
-          <a:p>
-            <a:pPr marL="0" indent="0" algn="just">
-              <a:buNone/>
-            </a:pPr>
-            <a:endParaRPr lang="pt-BR" dirty="0">
-              <a:latin typeface="Times New Roman" panose="02020603050405020304" pitchFamily="18" charset="0"/>
-              <a:cs typeface="Times New Roman" panose="02020603050405020304" pitchFamily="18" charset="0"/>
-            </a:endParaRPr>
-          </a:p>
-          <a:p>
-            <a:pPr marL="0" indent="0" algn="just">
-              <a:buNone/>
-            </a:pPr>
-            <a:endParaRPr lang="pt-BR" dirty="0">
-              <a:latin typeface="Times New Roman" panose="02020603050405020304" pitchFamily="18" charset="0"/>
-              <a:cs typeface="Times New Roman" panose="02020603050405020304" pitchFamily="18" charset="0"/>
-            </a:endParaRPr>
-          </a:p>
-          <a:p>
-            <a:pPr marL="0" indent="0" algn="just">
-              <a:buNone/>
-            </a:pPr>
-            <a:endParaRPr lang="pt-BR" dirty="0">
-              <a:latin typeface="Calibri" panose="020F0502020204030204" pitchFamily="34" charset="0"/>
-            </a:endParaRPr>
-          </a:p>
         </p:txBody>
       </p:sp>
     </p:spTree>
     <p:extLst>
       <p:ext uri="{BB962C8B-B14F-4D97-AF65-F5344CB8AC3E}">
-        <p14:creationId xmlns:p14="http://schemas.microsoft.com/office/powerpoint/2010/main" val="2747596967"/>
+        <p14:creationId xmlns:p14="http://schemas.microsoft.com/office/powerpoint/2010/main" val="1679403773"/>
       </p:ext>
     </p:extLst>
   </p:cSld>
@@ -9583,7 +9714,7 @@
                   <a:schemeClr val="bg1"/>
                 </a:solidFill>
               </a:rPr>
-              <a:t>	Listas, Registros e </a:t>
+              <a:t>	Listas, </a:t>
             </a:r>
             <a:r>
               <a:rPr lang="pt-BR" sz="3200" b="1" dirty="0" err="1">
@@ -9591,7 +9722,23 @@
                   <a:schemeClr val="bg1"/>
                 </a:solidFill>
               </a:rPr>
-              <a:t>Tuplas</a:t>
+              <a:t>Registros,Tuplas</a:t>
+            </a:r>
+            <a:r>
+              <a:rPr lang="pt-BR" sz="3200" b="1" dirty="0">
+                <a:solidFill>
+                  <a:schemeClr val="bg1"/>
+                </a:solidFill>
+              </a:rPr>
+              <a:t> E </a:t>
+            </a:r>
+            <a:r>
+              <a:rPr lang="pt-BR" sz="3200" b="1" dirty="0" err="1">
+                <a:solidFill>
+                  <a:schemeClr val="bg1"/>
+                </a:solidFill>
+              </a:rPr>
+              <a:t>SETs</a:t>
             </a:r>
             <a:endParaRPr lang="pt-BR" sz="3200" b="1" dirty="0">
               <a:solidFill>
@@ -9954,7 +10101,7 @@
                   <a:srgbClr val="0070C0"/>
                 </a:solidFill>
               </a:rPr>
-              <a:t>Aprenda</a:t>
+              <a:t>Leitura</a:t>
             </a:r>
             <a:r>
               <a:rPr lang="en-US" b="1" dirty="0">
@@ -9962,8 +10109,21 @@
                   <a:srgbClr val="0070C0"/>
                 </a:solidFill>
               </a:rPr>
-              <a:t>+</a:t>
-            </a:r>
+              <a:t> </a:t>
+            </a:r>
+            <a:r>
+              <a:rPr lang="en-US" b="1" dirty="0" err="1">
+                <a:solidFill>
+                  <a:srgbClr val="0070C0"/>
+                </a:solidFill>
+              </a:rPr>
+              <a:t>Específica</a:t>
+            </a:r>
+            <a:endParaRPr lang="en-US" b="1" dirty="0">
+              <a:solidFill>
+                <a:srgbClr val="0070C0"/>
+              </a:solidFill>
+            </a:endParaRPr>
           </a:p>
         </p:txBody>
       </p:sp>
@@ -9992,7 +10152,7 @@
             <a:pPr marL="0" indent="0" algn="just">
               <a:buNone/>
             </a:pPr>
-            <a:endParaRPr lang="pt-BR" sz="2000" dirty="0">
+            <a:endParaRPr lang="pt-BR" dirty="0">
               <a:latin typeface="Times New Roman" panose="02020603050405020304" pitchFamily="18" charset="0"/>
               <a:cs typeface="Times New Roman" panose="02020603050405020304" pitchFamily="18" charset="0"/>
             </a:endParaRPr>
@@ -10002,21 +10162,33 @@
               <a:buNone/>
             </a:pPr>
             <a:r>
-              <a:rPr lang="pt-BR" sz="2000" dirty="0">
-                <a:latin typeface="Times New Roman" panose="02020603050405020304" pitchFamily="18" charset="0"/>
-                <a:cs typeface="Times New Roman" panose="02020603050405020304" pitchFamily="18" charset="0"/>
-              </a:rPr>
-              <a:t>[1] </a:t>
-            </a:r>
-            <a:r>
-              <a:rPr lang="pt-BR" sz="2000" dirty="0">
+              <a:rPr lang="pt-BR" dirty="0">
+                <a:latin typeface="Times New Roman" panose="02020603050405020304" pitchFamily="18" charset="0"/>
+                <a:cs typeface="Times New Roman" panose="02020603050405020304" pitchFamily="18" charset="0"/>
+              </a:rPr>
+              <a:t>[1] Site:</a:t>
+            </a:r>
+          </a:p>
+          <a:p>
+            <a:pPr marL="0" indent="0" algn="just">
+              <a:buNone/>
+            </a:pPr>
+            <a:r>
+              <a:rPr lang="pt-BR" dirty="0">
+                <a:latin typeface="Times New Roman" panose="02020603050405020304" pitchFamily="18" charset="0"/>
+                <a:cs typeface="Times New Roman" panose="02020603050405020304" pitchFamily="18" charset="0"/>
+              </a:rPr>
+              <a:t> </a:t>
+            </a:r>
+            <a:r>
+              <a:rPr lang="pt-BR" dirty="0">
                 <a:latin typeface="Times New Roman" panose="02020603050405020304" pitchFamily="18" charset="0"/>
                 <a:cs typeface="Times New Roman" panose="02020603050405020304" pitchFamily="18" charset="0"/>
                 <a:hlinkClick r:id="rId3"/>
               </a:rPr>
-              <a:t>https://www.programiz.com/python-programming/variables-constants-literals</a:t>
-            </a:r>
-            <a:endParaRPr lang="pt-BR" sz="2000" dirty="0">
+              <a:t>https://www.w3schools.com/python/python_variables.asp</a:t>
+            </a:r>
+            <a:endParaRPr lang="pt-BR" dirty="0">
               <a:latin typeface="Times New Roman" panose="02020603050405020304" pitchFamily="18" charset="0"/>
               <a:cs typeface="Times New Roman" panose="02020603050405020304" pitchFamily="18" charset="0"/>
             </a:endParaRPr>
@@ -10025,7 +10197,7 @@
             <a:pPr marL="0" indent="0" algn="just">
               <a:buNone/>
             </a:pPr>
-            <a:endParaRPr lang="pt-BR" sz="2000" dirty="0">
+            <a:endParaRPr lang="pt-BR" dirty="0">
               <a:latin typeface="Times New Roman" panose="02020603050405020304" pitchFamily="18" charset="0"/>
               <a:cs typeface="Times New Roman" panose="02020603050405020304" pitchFamily="18" charset="0"/>
             </a:endParaRPr>
@@ -10035,21 +10207,21 @@
               <a:buNone/>
             </a:pPr>
             <a:r>
-              <a:rPr lang="pt-BR" sz="2000" dirty="0">
-                <a:latin typeface="Times New Roman" panose="02020603050405020304" pitchFamily="18" charset="0"/>
-                <a:cs typeface="Times New Roman" panose="02020603050405020304" pitchFamily="18" charset="0"/>
-              </a:rPr>
-              <a:t>[2] </a:t>
-            </a:r>
-            <a:r>
-              <a:rPr lang="pt-BR" sz="2000" dirty="0">
+              <a:rPr lang="pt-BR" dirty="0">
+                <a:latin typeface="Times New Roman" panose="02020603050405020304" pitchFamily="18" charset="0"/>
+                <a:cs typeface="Times New Roman" panose="02020603050405020304" pitchFamily="18" charset="0"/>
+              </a:rPr>
+              <a:t>[2] Site: </a:t>
+            </a:r>
+            <a:r>
+              <a:rPr lang="pt-BR" dirty="0">
                 <a:latin typeface="Times New Roman" panose="02020603050405020304" pitchFamily="18" charset="0"/>
                 <a:cs typeface="Times New Roman" panose="02020603050405020304" pitchFamily="18" charset="0"/>
                 <a:hlinkClick r:id="rId4"/>
               </a:rPr>
-              <a:t>https://www.programiz.com/python-programming/examples/swap-variables</a:t>
-            </a:r>
-            <a:endParaRPr lang="pt-BR" sz="2000" dirty="0">
+              <a:t>https://docs.python.org/pt-br/3/tutorial/</a:t>
+            </a:r>
+            <a:endParaRPr lang="pt-BR" dirty="0">
               <a:latin typeface="Times New Roman" panose="02020603050405020304" pitchFamily="18" charset="0"/>
               <a:cs typeface="Times New Roman" panose="02020603050405020304" pitchFamily="18" charset="0"/>
             </a:endParaRPr>
@@ -10058,7 +10230,7 @@
             <a:pPr marL="0" indent="0" algn="just">
               <a:buNone/>
             </a:pPr>
-            <a:endParaRPr lang="pt-BR" sz="2000" dirty="0">
+            <a:endParaRPr lang="pt-BR" dirty="0">
               <a:latin typeface="Times New Roman" panose="02020603050405020304" pitchFamily="18" charset="0"/>
               <a:cs typeface="Times New Roman" panose="02020603050405020304" pitchFamily="18" charset="0"/>
             </a:endParaRPr>
@@ -10067,48 +10239,7 @@
             <a:pPr marL="0" indent="0" algn="just">
               <a:buNone/>
             </a:pPr>
-            <a:r>
-              <a:rPr lang="pt-BR" sz="2000" dirty="0">
-                <a:latin typeface="Times New Roman" panose="02020603050405020304" pitchFamily="18" charset="0"/>
-                <a:cs typeface="Times New Roman" panose="02020603050405020304" pitchFamily="18" charset="0"/>
-              </a:rPr>
-              <a:t>- </a:t>
-            </a:r>
-            <a:r>
-              <a:rPr lang="pt-BR" sz="2000" dirty="0" err="1">
-                <a:latin typeface="Times New Roman" panose="02020603050405020304" pitchFamily="18" charset="0"/>
-                <a:cs typeface="Times New Roman" panose="02020603050405020304" pitchFamily="18" charset="0"/>
-              </a:rPr>
-              <a:t>Tuplas</a:t>
-            </a:r>
-            <a:r>
-              <a:rPr lang="pt-BR" sz="2000" dirty="0">
-                <a:latin typeface="Times New Roman" panose="02020603050405020304" pitchFamily="18" charset="0"/>
-                <a:cs typeface="Times New Roman" panose="02020603050405020304" pitchFamily="18" charset="0"/>
-              </a:rPr>
-              <a:t> Nomeadas</a:t>
-            </a:r>
-          </a:p>
-          <a:p>
-            <a:pPr marL="0" indent="0" algn="just">
-              <a:buNone/>
-            </a:pPr>
-            <a:r>
-              <a:rPr lang="pt-BR" sz="2000" dirty="0">
-                <a:latin typeface="Times New Roman" panose="02020603050405020304" pitchFamily="18" charset="0"/>
-                <a:cs typeface="Times New Roman" panose="02020603050405020304" pitchFamily="18" charset="0"/>
-              </a:rPr>
-              <a:t>[3] </a:t>
-            </a:r>
-            <a:r>
-              <a:rPr lang="pt-BR" sz="2000" dirty="0">
-                <a:latin typeface="Times New Roman" panose="02020603050405020304" pitchFamily="18" charset="0"/>
-                <a:cs typeface="Times New Roman" panose="02020603050405020304" pitchFamily="18" charset="0"/>
-                <a:hlinkClick r:id="rId5"/>
-              </a:rPr>
-              <a:t>https://www.youtube.com/watch?v=IkoaXbLsUg8</a:t>
-            </a:r>
-            <a:endParaRPr lang="pt-BR" sz="2000" dirty="0">
+            <a:endParaRPr lang="pt-BR" dirty="0">
               <a:latin typeface="Times New Roman" panose="02020603050405020304" pitchFamily="18" charset="0"/>
               <a:cs typeface="Times New Roman" panose="02020603050405020304" pitchFamily="18" charset="0"/>
             </a:endParaRPr>
@@ -10117,7 +10248,7 @@
             <a:pPr marL="0" indent="0" algn="just">
               <a:buNone/>
             </a:pPr>
-            <a:endParaRPr lang="pt-BR" sz="2000" dirty="0">
+            <a:endParaRPr lang="pt-BR" dirty="0">
               <a:latin typeface="Times New Roman" panose="02020603050405020304" pitchFamily="18" charset="0"/>
               <a:cs typeface="Times New Roman" panose="02020603050405020304" pitchFamily="18" charset="0"/>
             </a:endParaRPr>
@@ -10126,7 +10257,7 @@
             <a:pPr marL="0" indent="0" algn="just">
               <a:buNone/>
             </a:pPr>
-            <a:endParaRPr lang="pt-BR" sz="2000" dirty="0">
+            <a:endParaRPr lang="pt-BR" dirty="0">
               <a:latin typeface="Times New Roman" panose="02020603050405020304" pitchFamily="18" charset="0"/>
               <a:cs typeface="Times New Roman" panose="02020603050405020304" pitchFamily="18" charset="0"/>
             </a:endParaRPr>
@@ -10135,7 +10266,7 @@
             <a:pPr marL="0" indent="0" algn="just">
               <a:buNone/>
             </a:pPr>
-            <a:endParaRPr lang="pt-BR" sz="2000" dirty="0">
+            <a:endParaRPr lang="pt-BR" dirty="0">
               <a:latin typeface="Calibri" panose="020F0502020204030204" pitchFamily="34" charset="0"/>
             </a:endParaRPr>
           </a:p>
@@ -10144,7 +10275,7 @@
     </p:spTree>
     <p:extLst>
       <p:ext uri="{BB962C8B-B14F-4D97-AF65-F5344CB8AC3E}">
-        <p14:creationId xmlns:p14="http://schemas.microsoft.com/office/powerpoint/2010/main" val="3680270425"/>
+        <p14:creationId xmlns:p14="http://schemas.microsoft.com/office/powerpoint/2010/main" val="2747596967"/>
       </p:ext>
     </p:extLst>
   </p:cSld>
@@ -10195,7 +10326,7 @@
                   <a:srgbClr val="0070C0"/>
                 </a:solidFill>
               </a:rPr>
-              <a:t>Dinâmica</a:t>
+              <a:t>Aprenda</a:t>
             </a:r>
             <a:r>
               <a:rPr lang="en-US" b="1" dirty="0">
@@ -10203,21 +10334,8 @@
                   <a:srgbClr val="0070C0"/>
                 </a:solidFill>
               </a:rPr>
-              <a:t>/</a:t>
-            </a:r>
-            <a:r>
-              <a:rPr lang="en-US" b="1" dirty="0" err="1">
-                <a:solidFill>
-                  <a:srgbClr val="0070C0"/>
-                </a:solidFill>
-              </a:rPr>
-              <a:t>Atividades</a:t>
-            </a:r>
-            <a:endParaRPr lang="en-US" b="1" dirty="0">
-              <a:solidFill>
-                <a:srgbClr val="0070C0"/>
-              </a:solidFill>
-            </a:endParaRPr>
+              <a:t>+</a:t>
+            </a:r>
           </a:p>
         </p:txBody>
       </p:sp>
@@ -10233,8 +10351,8 @@
         </p:nvSpPr>
         <p:spPr>
           <a:xfrm>
-            <a:off x="139472" y="1063230"/>
-            <a:ext cx="8865056" cy="3606305"/>
+            <a:off x="142865" y="1200151"/>
+            <a:ext cx="8865056" cy="3394472"/>
           </a:xfrm>
         </p:spPr>
         <p:txBody>
@@ -10243,36 +10361,162 @@
           </a:bodyPr>
           <a:lstStyle/>
           <a:p>
-            <a:pPr algn="just">
-              <a:buFontTx/>
-              <a:buChar char="-"/>
+            <a:pPr marL="0" indent="0" algn="just">
+              <a:buNone/>
             </a:pPr>
-            <a:r>
-              <a:rPr lang="pt-BR" dirty="0">
-                <a:latin typeface="Times New Roman" panose="02020603050405020304" pitchFamily="18" charset="0"/>
-                <a:cs typeface="Times New Roman" panose="02020603050405020304" pitchFamily="18" charset="0"/>
-              </a:rPr>
-              <a:t>Exercícios de Fixação</a:t>
-            </a:r>
+            <a:endParaRPr lang="pt-BR" sz="2000" dirty="0">
+              <a:latin typeface="Times New Roman" panose="02020603050405020304" pitchFamily="18" charset="0"/>
+              <a:cs typeface="Times New Roman" panose="02020603050405020304" pitchFamily="18" charset="0"/>
+            </a:endParaRPr>
           </a:p>
           <a:p>
             <a:pPr marL="0" indent="0" algn="just">
               <a:buNone/>
             </a:pPr>
             <a:r>
-              <a:rPr lang="pt-BR" dirty="0">
-                <a:latin typeface="Times New Roman" panose="02020603050405020304" pitchFamily="18" charset="0"/>
-                <a:cs typeface="Times New Roman" panose="02020603050405020304" pitchFamily="18" charset="0"/>
-              </a:rPr>
-              <a:t>	Desafios em Sala de Aula.</a:t>
-            </a:r>
+              <a:rPr lang="pt-BR" sz="2000" dirty="0">
+                <a:latin typeface="Times New Roman" panose="02020603050405020304" pitchFamily="18" charset="0"/>
+                <a:cs typeface="Times New Roman" panose="02020603050405020304" pitchFamily="18" charset="0"/>
+              </a:rPr>
+              <a:t>[1] </a:t>
+            </a:r>
+            <a:r>
+              <a:rPr lang="pt-BR" sz="2000" dirty="0">
+                <a:latin typeface="Times New Roman" panose="02020603050405020304" pitchFamily="18" charset="0"/>
+                <a:cs typeface="Times New Roman" panose="02020603050405020304" pitchFamily="18" charset="0"/>
+                <a:hlinkClick r:id="rId3"/>
+              </a:rPr>
+              <a:t>https://www.programiz.com/python-programming/variables-constants-literals</a:t>
+            </a:r>
+            <a:endParaRPr lang="pt-BR" sz="2000" dirty="0">
+              <a:latin typeface="Times New Roman" panose="02020603050405020304" pitchFamily="18" charset="0"/>
+              <a:cs typeface="Times New Roman" panose="02020603050405020304" pitchFamily="18" charset="0"/>
+            </a:endParaRPr>
+          </a:p>
+          <a:p>
+            <a:pPr marL="0" indent="0" algn="just">
+              <a:buNone/>
+            </a:pPr>
+            <a:endParaRPr lang="pt-BR" sz="2000" dirty="0">
+              <a:latin typeface="Times New Roman" panose="02020603050405020304" pitchFamily="18" charset="0"/>
+              <a:cs typeface="Times New Roman" panose="02020603050405020304" pitchFamily="18" charset="0"/>
+            </a:endParaRPr>
+          </a:p>
+          <a:p>
+            <a:pPr marL="0" indent="0" algn="just">
+              <a:buNone/>
+            </a:pPr>
+            <a:r>
+              <a:rPr lang="pt-BR" sz="2000" dirty="0">
+                <a:latin typeface="Times New Roman" panose="02020603050405020304" pitchFamily="18" charset="0"/>
+                <a:cs typeface="Times New Roman" panose="02020603050405020304" pitchFamily="18" charset="0"/>
+              </a:rPr>
+              <a:t>[2] </a:t>
+            </a:r>
+            <a:r>
+              <a:rPr lang="pt-BR" sz="2000" dirty="0">
+                <a:latin typeface="Times New Roman" panose="02020603050405020304" pitchFamily="18" charset="0"/>
+                <a:cs typeface="Times New Roman" panose="02020603050405020304" pitchFamily="18" charset="0"/>
+                <a:hlinkClick r:id="rId4"/>
+              </a:rPr>
+              <a:t>https://www.programiz.com/python-programming/examples/swap-variables</a:t>
+            </a:r>
+            <a:endParaRPr lang="pt-BR" sz="2000" dirty="0">
+              <a:latin typeface="Times New Roman" panose="02020603050405020304" pitchFamily="18" charset="0"/>
+              <a:cs typeface="Times New Roman" panose="02020603050405020304" pitchFamily="18" charset="0"/>
+            </a:endParaRPr>
+          </a:p>
+          <a:p>
+            <a:pPr marL="0" indent="0" algn="just">
+              <a:buNone/>
+            </a:pPr>
+            <a:endParaRPr lang="pt-BR" sz="2000" dirty="0">
+              <a:latin typeface="Times New Roman" panose="02020603050405020304" pitchFamily="18" charset="0"/>
+              <a:cs typeface="Times New Roman" panose="02020603050405020304" pitchFamily="18" charset="0"/>
+            </a:endParaRPr>
+          </a:p>
+          <a:p>
+            <a:pPr marL="0" indent="0" algn="just">
+              <a:buNone/>
+            </a:pPr>
+            <a:r>
+              <a:rPr lang="pt-BR" sz="2000" dirty="0">
+                <a:latin typeface="Times New Roman" panose="02020603050405020304" pitchFamily="18" charset="0"/>
+                <a:cs typeface="Times New Roman" panose="02020603050405020304" pitchFamily="18" charset="0"/>
+              </a:rPr>
+              <a:t>- </a:t>
+            </a:r>
+            <a:r>
+              <a:rPr lang="pt-BR" sz="2000" dirty="0" err="1">
+                <a:latin typeface="Times New Roman" panose="02020603050405020304" pitchFamily="18" charset="0"/>
+                <a:cs typeface="Times New Roman" panose="02020603050405020304" pitchFamily="18" charset="0"/>
+              </a:rPr>
+              <a:t>Tuplas</a:t>
+            </a:r>
+            <a:r>
+              <a:rPr lang="pt-BR" sz="2000" dirty="0">
+                <a:latin typeface="Times New Roman" panose="02020603050405020304" pitchFamily="18" charset="0"/>
+                <a:cs typeface="Times New Roman" panose="02020603050405020304" pitchFamily="18" charset="0"/>
+              </a:rPr>
+              <a:t> Nomeadas</a:t>
+            </a:r>
+          </a:p>
+          <a:p>
+            <a:pPr marL="0" indent="0" algn="just">
+              <a:buNone/>
+            </a:pPr>
+            <a:r>
+              <a:rPr lang="pt-BR" sz="2000" dirty="0">
+                <a:latin typeface="Times New Roman" panose="02020603050405020304" pitchFamily="18" charset="0"/>
+                <a:cs typeface="Times New Roman" panose="02020603050405020304" pitchFamily="18" charset="0"/>
+              </a:rPr>
+              <a:t>[3] </a:t>
+            </a:r>
+            <a:r>
+              <a:rPr lang="pt-BR" sz="2000" dirty="0">
+                <a:latin typeface="Times New Roman" panose="02020603050405020304" pitchFamily="18" charset="0"/>
+                <a:cs typeface="Times New Roman" panose="02020603050405020304" pitchFamily="18" charset="0"/>
+                <a:hlinkClick r:id="rId5"/>
+              </a:rPr>
+              <a:t>https://www.youtube.com/watch?v=IkoaXbLsUg8</a:t>
+            </a:r>
+            <a:endParaRPr lang="pt-BR" sz="2000" dirty="0">
+              <a:latin typeface="Times New Roman" panose="02020603050405020304" pitchFamily="18" charset="0"/>
+              <a:cs typeface="Times New Roman" panose="02020603050405020304" pitchFamily="18" charset="0"/>
+            </a:endParaRPr>
+          </a:p>
+          <a:p>
+            <a:pPr marL="0" indent="0" algn="just">
+              <a:buNone/>
+            </a:pPr>
+            <a:endParaRPr lang="pt-BR" sz="2000" dirty="0">
+              <a:latin typeface="Times New Roman" panose="02020603050405020304" pitchFamily="18" charset="0"/>
+              <a:cs typeface="Times New Roman" panose="02020603050405020304" pitchFamily="18" charset="0"/>
+            </a:endParaRPr>
+          </a:p>
+          <a:p>
+            <a:pPr marL="0" indent="0" algn="just">
+              <a:buNone/>
+            </a:pPr>
+            <a:endParaRPr lang="pt-BR" sz="2000" dirty="0">
+              <a:latin typeface="Times New Roman" panose="02020603050405020304" pitchFamily="18" charset="0"/>
+              <a:cs typeface="Times New Roman" panose="02020603050405020304" pitchFamily="18" charset="0"/>
+            </a:endParaRPr>
+          </a:p>
+          <a:p>
+            <a:pPr marL="0" indent="0" algn="just">
+              <a:buNone/>
+            </a:pPr>
+            <a:endParaRPr lang="pt-BR" sz="2000" dirty="0">
+              <a:latin typeface="Calibri" panose="020F0502020204030204" pitchFamily="34" charset="0"/>
+            </a:endParaRPr>
           </a:p>
         </p:txBody>
       </p:sp>
     </p:spTree>
     <p:extLst>
       <p:ext uri="{BB962C8B-B14F-4D97-AF65-F5344CB8AC3E}">
-        <p14:creationId xmlns:p14="http://schemas.microsoft.com/office/powerpoint/2010/main" val="2470652989"/>
+        <p14:creationId xmlns:p14="http://schemas.microsoft.com/office/powerpoint/2010/main" val="3680270425"/>
       </p:ext>
     </p:extLst>
   </p:cSld>
@@ -10323,6 +10567,134 @@
                   <a:srgbClr val="0070C0"/>
                 </a:solidFill>
               </a:rPr>
+              <a:t>Dinâmica</a:t>
+            </a:r>
+            <a:r>
+              <a:rPr lang="en-US" b="1" dirty="0">
+                <a:solidFill>
+                  <a:srgbClr val="0070C0"/>
+                </a:solidFill>
+              </a:rPr>
+              <a:t>/</a:t>
+            </a:r>
+            <a:r>
+              <a:rPr lang="en-US" b="1" dirty="0" err="1">
+                <a:solidFill>
+                  <a:srgbClr val="0070C0"/>
+                </a:solidFill>
+              </a:rPr>
+              <a:t>Atividades</a:t>
+            </a:r>
+            <a:endParaRPr lang="en-US" b="1" dirty="0">
+              <a:solidFill>
+                <a:srgbClr val="0070C0"/>
+              </a:solidFill>
+            </a:endParaRPr>
+          </a:p>
+        </p:txBody>
+      </p:sp>
+      <p:sp>
+        <p:nvSpPr>
+          <p:cNvPr id="8" name="Text Placeholder 2"/>
+          <p:cNvSpPr>
+            <a:spLocks noGrp="1"/>
+          </p:cNvSpPr>
+          <p:nvPr>
+            <p:ph type="body" sz="half" idx="1"/>
+          </p:nvPr>
+        </p:nvSpPr>
+        <p:spPr>
+          <a:xfrm>
+            <a:off x="139472" y="1063230"/>
+            <a:ext cx="8865056" cy="3606305"/>
+          </a:xfrm>
+        </p:spPr>
+        <p:txBody>
+          <a:bodyPr>
+            <a:noAutofit/>
+          </a:bodyPr>
+          <a:lstStyle/>
+          <a:p>
+            <a:pPr algn="just">
+              <a:buFontTx/>
+              <a:buChar char="-"/>
+            </a:pPr>
+            <a:r>
+              <a:rPr lang="pt-BR" dirty="0">
+                <a:latin typeface="Times New Roman" panose="02020603050405020304" pitchFamily="18" charset="0"/>
+                <a:cs typeface="Times New Roman" panose="02020603050405020304" pitchFamily="18" charset="0"/>
+              </a:rPr>
+              <a:t>Exercícios de Fixação</a:t>
+            </a:r>
+          </a:p>
+          <a:p>
+            <a:pPr marL="0" indent="0" algn="just">
+              <a:buNone/>
+            </a:pPr>
+            <a:r>
+              <a:rPr lang="pt-BR" dirty="0">
+                <a:latin typeface="Times New Roman" panose="02020603050405020304" pitchFamily="18" charset="0"/>
+                <a:cs typeface="Times New Roman" panose="02020603050405020304" pitchFamily="18" charset="0"/>
+              </a:rPr>
+              <a:t>	Desafios em Sala de Aula.</a:t>
+            </a:r>
+          </a:p>
+        </p:txBody>
+      </p:sp>
+    </p:spTree>
+    <p:extLst>
+      <p:ext uri="{BB962C8B-B14F-4D97-AF65-F5344CB8AC3E}">
+        <p14:creationId xmlns:p14="http://schemas.microsoft.com/office/powerpoint/2010/main" val="2470652989"/>
+      </p:ext>
+    </p:extLst>
+  </p:cSld>
+  <p:clrMapOvr>
+    <a:masterClrMapping/>
+  </p:clrMapOvr>
+  <p:transition spd="med"/>
+</p:sld>
+</file>
+
+<file path=ppt/slides/slide23.xml><?xml version="1.0" encoding="utf-8"?>
+<p:sld xmlns:a="http://schemas.openxmlformats.org/drawingml/2006/main" xmlns:r="http://schemas.openxmlformats.org/officeDocument/2006/relationships" xmlns:p="http://schemas.openxmlformats.org/presentationml/2006/main">
+  <p:cSld>
+    <p:spTree>
+      <p:nvGrpSpPr>
+        <p:cNvPr id="1" name=""/>
+        <p:cNvGrpSpPr/>
+        <p:nvPr/>
+      </p:nvGrpSpPr>
+      <p:grpSpPr>
+        <a:xfrm>
+          <a:off x="0" y="0"/>
+          <a:ext cx="0" cy="0"/>
+          <a:chOff x="0" y="0"/>
+          <a:chExt cx="0" cy="0"/>
+        </a:xfrm>
+      </p:grpSpPr>
+      <p:sp>
+        <p:nvSpPr>
+          <p:cNvPr id="6" name="Title 1"/>
+          <p:cNvSpPr>
+            <a:spLocks noGrp="1"/>
+          </p:cNvSpPr>
+          <p:nvPr>
+            <p:ph type="title"/>
+          </p:nvPr>
+        </p:nvSpPr>
+        <p:spPr/>
+        <p:txBody>
+          <a:bodyPr>
+            <a:normAutofit/>
+          </a:bodyPr>
+          <a:lstStyle/>
+          <a:p>
+            <a:r>
+              <a:rPr lang="en-US" b="1" dirty="0" err="1">
+                <a:solidFill>
+                  <a:srgbClr val="0070C0"/>
+                </a:solidFill>
+              </a:rPr>
               <a:t>Referências</a:t>
             </a:r>
             <a:r>
@@ -10484,7 +10856,7 @@
 </p:sld>
 </file>
 
-<file path=ppt/slides/slide23.xml><?xml version="1.0" encoding="utf-8"?>
+<file path=ppt/slides/slide24.xml><?xml version="1.0" encoding="utf-8"?>
 <p:sld xmlns:a="http://schemas.openxmlformats.org/drawingml/2006/main" xmlns:r="http://schemas.openxmlformats.org/officeDocument/2006/relationships" xmlns:p="http://schemas.openxmlformats.org/presentationml/2006/main">
   <p:cSld>
     <p:spTree>
@@ -13067,6 +13439,16 @@
               <a:t>umaLista</a:t>
             </a:r>
             <a:r>
+              <a:rPr lang="pt-BR">
+                <a:solidFill>
+                  <a:schemeClr val="tx1"/>
+                </a:solidFill>
+                <a:latin typeface="Times New Roman" panose="02020603050405020304" pitchFamily="18" charset="0"/>
+                <a:cs typeface="Times New Roman" panose="02020603050405020304" pitchFamily="18" charset="0"/>
+              </a:rPr>
+              <a:t>[1:3</a:t>
+            </a:r>
+            <a:r>
               <a:rPr lang="pt-BR" dirty="0">
                 <a:solidFill>
                   <a:schemeClr val="tx1"/>
@@ -13074,7 +13456,7 @@
                 <a:latin typeface="Times New Roman" panose="02020603050405020304" pitchFamily="18" charset="0"/>
                 <a:cs typeface="Times New Roman" panose="02020603050405020304" pitchFamily="18" charset="0"/>
               </a:rPr>
-              <a:t>[1..3]; print(</a:t>
+              <a:t>]; print(</a:t>
             </a:r>
             <a:r>
               <a:rPr lang="pt-BR" dirty="0" err="1">

--- a/01 Classes/Aula 07 Programação Python - Tipos de Dados Aglomerados.pptx
+++ b/01 Classes/Aula 07 Programação Python - Tipos de Dados Aglomerados.pptx
@@ -1849,7 +1849,7 @@
           <a:p>
             <a:fld id="{48A87A34-81AB-432B-8DAE-1953F412C126}" type="datetimeFigureOut">
               <a:rPr lang="en-US" smtClean="0"/>
-              <a:t>8/23/2022</a:t>
+              <a:t>8/24/2022</a:t>
             </a:fld>
             <a:endParaRPr lang="en-US" dirty="0"/>
           </a:p>
@@ -2060,7 +2060,7 @@
           <a:p>
             <a:fld id="{48A87A34-81AB-432B-8DAE-1953F412C126}" type="datetimeFigureOut">
               <a:rPr lang="en-US" smtClean="0"/>
-              <a:t>8/23/2022</a:t>
+              <a:t>8/24/2022</a:t>
             </a:fld>
             <a:endParaRPr lang="en-US" dirty="0"/>
           </a:p>
@@ -2275,7 +2275,7 @@
           <a:p>
             <a:fld id="{48A87A34-81AB-432B-8DAE-1953F412C126}" type="datetimeFigureOut">
               <a:rPr lang="en-US" smtClean="0"/>
-              <a:t>8/23/2022</a:t>
+              <a:t>8/24/2022</a:t>
             </a:fld>
             <a:endParaRPr lang="en-US" dirty="0"/>
           </a:p>
@@ -2643,7 +2643,7 @@
           <a:p>
             <a:fld id="{48A87A34-81AB-432B-8DAE-1953F412C126}" type="datetimeFigureOut">
               <a:rPr lang="en-US" smtClean="0"/>
-              <a:t>8/23/2022</a:t>
+              <a:t>8/24/2022</a:t>
             </a:fld>
             <a:endParaRPr lang="en-US" dirty="0"/>
           </a:p>
@@ -2922,7 +2922,7 @@
           <a:p>
             <a:fld id="{48A87A34-81AB-432B-8DAE-1953F412C126}" type="datetimeFigureOut">
               <a:rPr lang="en-US" smtClean="0"/>
-              <a:t>8/23/2022</a:t>
+              <a:t>8/24/2022</a:t>
             </a:fld>
             <a:endParaRPr lang="en-US" dirty="0"/>
           </a:p>
@@ -3190,7 +3190,7 @@
           <a:p>
             <a:fld id="{48A87A34-81AB-432B-8DAE-1953F412C126}" type="datetimeFigureOut">
               <a:rPr lang="en-US" smtClean="0"/>
-              <a:t>8/23/2022</a:t>
+              <a:t>8/24/2022</a:t>
             </a:fld>
             <a:endParaRPr lang="en-US" dirty="0"/>
           </a:p>
@@ -3606,7 +3606,7 @@
           <a:p>
             <a:fld id="{48A87A34-81AB-432B-8DAE-1953F412C126}" type="datetimeFigureOut">
               <a:rPr lang="en-US" smtClean="0"/>
-              <a:t>8/23/2022</a:t>
+              <a:t>8/24/2022</a:t>
             </a:fld>
             <a:endParaRPr lang="en-US" dirty="0"/>
           </a:p>
@@ -3755,7 +3755,7 @@
           <a:p>
             <a:fld id="{48A87A34-81AB-432B-8DAE-1953F412C126}" type="datetimeFigureOut">
               <a:rPr lang="en-US" smtClean="0"/>
-              <a:t>8/23/2022</a:t>
+              <a:t>8/24/2022</a:t>
             </a:fld>
             <a:endParaRPr lang="en-US" dirty="0"/>
           </a:p>
@@ -3881,7 +3881,7 @@
           <a:p>
             <a:fld id="{48A87A34-81AB-432B-8DAE-1953F412C126}" type="datetimeFigureOut">
               <a:rPr lang="en-US" smtClean="0"/>
-              <a:t>8/23/2022</a:t>
+              <a:t>8/24/2022</a:t>
             </a:fld>
             <a:endParaRPr lang="en-US" dirty="0"/>
           </a:p>
@@ -4132,7 +4132,7 @@
           <a:p>
             <a:fld id="{48A87A34-81AB-432B-8DAE-1953F412C126}" type="datetimeFigureOut">
               <a:rPr lang="en-US" smtClean="0"/>
-              <a:t>8/23/2022</a:t>
+              <a:t>8/24/2022</a:t>
             </a:fld>
             <a:endParaRPr lang="en-US" dirty="0"/>
           </a:p>
@@ -4578,7 +4578,7 @@
             <a:fld id="{48A87A34-81AB-432B-8DAE-1953F412C126}" type="datetimeFigureOut">
               <a:rPr lang="en-US" smtClean="0"/>
               <a:pPr/>
-              <a:t>8/23/2022</a:t>
+              <a:t>8/24/2022</a:t>
             </a:fld>
             <a:endParaRPr lang="en-US" dirty="0"/>
           </a:p>
@@ -4906,7 +4906,7 @@
             <a:fld id="{48A87A34-81AB-432B-8DAE-1953F412C126}" type="datetimeFigureOut">
               <a:rPr lang="en-US" smtClean="0"/>
               <a:pPr/>
-              <a:t>8/23/2022</a:t>
+              <a:t>8/24/2022</a:t>
             </a:fld>
             <a:endParaRPr lang="en-US" dirty="0"/>
           </a:p>
@@ -6815,7 +6815,7 @@
         <p:spPr>
           <a:xfrm>
             <a:off x="638827" y="1648389"/>
-            <a:ext cx="3181611" cy="3416320"/>
+            <a:ext cx="3181611" cy="3046988"/>
           </a:xfrm>
           <a:prstGeom prst="rect">
             <a:avLst/>
@@ -6839,12 +6839,32 @@
                 <a:latin typeface="Times New Roman" panose="02020603050405020304" pitchFamily="18" charset="0"/>
                 <a:cs typeface="Times New Roman" panose="02020603050405020304" pitchFamily="18" charset="0"/>
               </a:rPr>
-              <a:t>#include &lt;</a:t>
-            </a:r>
-            <a:r>
-              <a:rPr lang="pt-BR" sz="2400" dirty="0" err="1">
-                <a:solidFill>
-                  <a:schemeClr val="tx1"/>
+              <a:t>#</a:t>
+            </a:r>
+            <a:r>
+              <a:rPr lang="pt-BR" sz="2400" b="1" dirty="0">
+                <a:solidFill>
+                  <a:schemeClr val="tx1"/>
+                </a:solidFill>
+                <a:latin typeface="Times New Roman" panose="02020603050405020304" pitchFamily="18" charset="0"/>
+                <a:cs typeface="Times New Roman" panose="02020603050405020304" pitchFamily="18" charset="0"/>
+              </a:rPr>
+              <a:t>include</a:t>
+            </a:r>
+            <a:r>
+              <a:rPr lang="pt-BR" sz="2400" dirty="0">
+                <a:solidFill>
+                  <a:schemeClr val="tx1"/>
+                </a:solidFill>
+                <a:latin typeface="Times New Roman" panose="02020603050405020304" pitchFamily="18" charset="0"/>
+                <a:cs typeface="Times New Roman" panose="02020603050405020304" pitchFamily="18" charset="0"/>
+              </a:rPr>
+              <a:t> &lt;</a:t>
+            </a:r>
+            <a:r>
+              <a:rPr lang="pt-BR" sz="2400" b="1" dirty="0" err="1">
+                <a:solidFill>
+                  <a:srgbClr val="FF0000"/>
                 </a:solidFill>
                 <a:latin typeface="Times New Roman" panose="02020603050405020304" pitchFamily="18" charset="0"/>
                 <a:cs typeface="Times New Roman" panose="02020603050405020304" pitchFamily="18" charset="0"/>
@@ -6874,6 +6894,46 @@
               <a:buNone/>
             </a:pPr>
             <a:r>
+              <a:rPr lang="pt-BR" sz="2400" b="1" dirty="0" err="1">
+                <a:solidFill>
+                  <a:schemeClr val="tx1"/>
+                </a:solidFill>
+                <a:latin typeface="Times New Roman" panose="02020603050405020304" pitchFamily="18" charset="0"/>
+                <a:cs typeface="Times New Roman" panose="02020603050405020304" pitchFamily="18" charset="0"/>
+              </a:rPr>
+              <a:t>using</a:t>
+            </a:r>
+            <a:r>
+              <a:rPr lang="pt-BR" sz="2400" dirty="0">
+                <a:solidFill>
+                  <a:schemeClr val="tx1"/>
+                </a:solidFill>
+                <a:latin typeface="Times New Roman" panose="02020603050405020304" pitchFamily="18" charset="0"/>
+                <a:cs typeface="Times New Roman" panose="02020603050405020304" pitchFamily="18" charset="0"/>
+              </a:rPr>
+              <a:t> </a:t>
+            </a:r>
+            <a:r>
+              <a:rPr lang="pt-BR" sz="2400" b="1" dirty="0" err="1">
+                <a:solidFill>
+                  <a:srgbClr val="FF0000"/>
+                </a:solidFill>
+                <a:latin typeface="Times New Roman" panose="02020603050405020304" pitchFamily="18" charset="0"/>
+                <a:cs typeface="Times New Roman" panose="02020603050405020304" pitchFamily="18" charset="0"/>
+              </a:rPr>
+              <a:t>namespace</a:t>
+            </a:r>
+            <a:r>
+              <a:rPr lang="pt-BR" sz="2400" dirty="0">
+                <a:solidFill>
+                  <a:schemeClr val="tx1"/>
+                </a:solidFill>
+                <a:latin typeface="Times New Roman" panose="02020603050405020304" pitchFamily="18" charset="0"/>
+                <a:cs typeface="Times New Roman" panose="02020603050405020304" pitchFamily="18" charset="0"/>
+              </a:rPr>
+              <a:t> </a:t>
+            </a:r>
+            <a:r>
               <a:rPr lang="pt-BR" sz="2400" dirty="0" err="1">
                 <a:solidFill>
                   <a:schemeClr val="tx1"/>
@@ -6881,7 +6941,7 @@
                 <a:latin typeface="Times New Roman" panose="02020603050405020304" pitchFamily="18" charset="0"/>
                 <a:cs typeface="Times New Roman" panose="02020603050405020304" pitchFamily="18" charset="0"/>
               </a:rPr>
-              <a:t>using</a:t>
+              <a:t>std</a:t>
             </a:r>
             <a:r>
               <a:rPr lang="pt-BR" sz="2400" dirty="0">
@@ -6891,9 +6951,124 @@
                 <a:latin typeface="Times New Roman" panose="02020603050405020304" pitchFamily="18" charset="0"/>
                 <a:cs typeface="Times New Roman" panose="02020603050405020304" pitchFamily="18" charset="0"/>
               </a:rPr>
+              <a:t>;</a:t>
+            </a:r>
+          </a:p>
+          <a:p>
+            <a:pPr marL="0" indent="0" algn="just">
+              <a:buNone/>
+            </a:pPr>
+            <a:r>
+              <a:rPr lang="pt-BR" sz="2400" b="1" dirty="0" err="1">
+                <a:solidFill>
+                  <a:schemeClr val="tx1"/>
+                </a:solidFill>
+                <a:latin typeface="Times New Roman" panose="02020603050405020304" pitchFamily="18" charset="0"/>
+                <a:cs typeface="Times New Roman" panose="02020603050405020304" pitchFamily="18" charset="0"/>
+              </a:rPr>
+              <a:t>struct</a:t>
+            </a:r>
+            <a:r>
+              <a:rPr lang="pt-BR" sz="2400" dirty="0">
+                <a:solidFill>
+                  <a:schemeClr val="tx1"/>
+                </a:solidFill>
+                <a:latin typeface="Times New Roman" panose="02020603050405020304" pitchFamily="18" charset="0"/>
+                <a:cs typeface="Times New Roman" panose="02020603050405020304" pitchFamily="18" charset="0"/>
+              </a:rPr>
               <a:t> </a:t>
             </a:r>
             <a:r>
+              <a:rPr lang="pt-BR" sz="2400" b="1" dirty="0">
+                <a:solidFill>
+                  <a:srgbClr val="FF0000"/>
+                </a:solidFill>
+                <a:latin typeface="Times New Roman" panose="02020603050405020304" pitchFamily="18" charset="0"/>
+                <a:cs typeface="Times New Roman" panose="02020603050405020304" pitchFamily="18" charset="0"/>
+              </a:rPr>
+              <a:t>Cliente</a:t>
+            </a:r>
+            <a:r>
+              <a:rPr lang="pt-BR" sz="2400" dirty="0">
+                <a:solidFill>
+                  <a:schemeClr val="tx1"/>
+                </a:solidFill>
+                <a:latin typeface="Times New Roman" panose="02020603050405020304" pitchFamily="18" charset="0"/>
+                <a:cs typeface="Times New Roman" panose="02020603050405020304" pitchFamily="18" charset="0"/>
+              </a:rPr>
+              <a:t> {</a:t>
+            </a:r>
+          </a:p>
+          <a:p>
+            <a:pPr marL="0" indent="0" algn="just">
+              <a:buNone/>
+            </a:pPr>
+            <a:r>
+              <a:rPr lang="pt-BR" sz="2400" dirty="0">
+                <a:solidFill>
+                  <a:schemeClr val="tx1"/>
+                </a:solidFill>
+                <a:latin typeface="Times New Roman" panose="02020603050405020304" pitchFamily="18" charset="0"/>
+                <a:cs typeface="Times New Roman" panose="02020603050405020304" pitchFamily="18" charset="0"/>
+              </a:rPr>
+              <a:t>	</a:t>
+            </a:r>
+            <a:r>
+              <a:rPr lang="pt-BR" sz="2400" b="1" dirty="0">
+                <a:solidFill>
+                  <a:schemeClr val="tx1"/>
+                </a:solidFill>
+                <a:latin typeface="Times New Roman" panose="02020603050405020304" pitchFamily="18" charset="0"/>
+                <a:cs typeface="Times New Roman" panose="02020603050405020304" pitchFamily="18" charset="0"/>
+              </a:rPr>
+              <a:t>char</a:t>
+            </a:r>
+            <a:r>
+              <a:rPr lang="pt-BR" sz="2400" dirty="0">
+                <a:solidFill>
+                  <a:schemeClr val="tx1"/>
+                </a:solidFill>
+                <a:latin typeface="Times New Roman" panose="02020603050405020304" pitchFamily="18" charset="0"/>
+                <a:cs typeface="Times New Roman" panose="02020603050405020304" pitchFamily="18" charset="0"/>
+              </a:rPr>
+              <a:t> nome[200];</a:t>
+            </a:r>
+          </a:p>
+          <a:p>
+            <a:pPr marL="0" indent="0" algn="just">
+              <a:buNone/>
+            </a:pPr>
+            <a:r>
+              <a:rPr lang="pt-BR" sz="2400" dirty="0">
+                <a:solidFill>
+                  <a:schemeClr val="tx1"/>
+                </a:solidFill>
+                <a:latin typeface="Times New Roman" panose="02020603050405020304" pitchFamily="18" charset="0"/>
+                <a:cs typeface="Times New Roman" panose="02020603050405020304" pitchFamily="18" charset="0"/>
+              </a:rPr>
+              <a:t>	</a:t>
+            </a:r>
+            <a:r>
+              <a:rPr lang="pt-BR" sz="2400" b="1" dirty="0">
+                <a:solidFill>
+                  <a:schemeClr val="tx1"/>
+                </a:solidFill>
+                <a:latin typeface="Times New Roman" panose="02020603050405020304" pitchFamily="18" charset="0"/>
+                <a:cs typeface="Times New Roman" panose="02020603050405020304" pitchFamily="18" charset="0"/>
+              </a:rPr>
+              <a:t>char</a:t>
+            </a:r>
+            <a:r>
+              <a:rPr lang="pt-BR" sz="2400" dirty="0">
+                <a:solidFill>
+                  <a:schemeClr val="tx1"/>
+                </a:solidFill>
+                <a:latin typeface="Times New Roman" panose="02020603050405020304" pitchFamily="18" charset="0"/>
+                <a:cs typeface="Times New Roman" panose="02020603050405020304" pitchFamily="18" charset="0"/>
+              </a:rPr>
+              <a:t> </a:t>
+            </a:r>
+            <a:r>
               <a:rPr lang="pt-BR" sz="2400" dirty="0" err="1">
                 <a:solidFill>
                   <a:schemeClr val="tx1"/>
@@ -6901,7 +7076,7 @@
                 <a:latin typeface="Times New Roman" panose="02020603050405020304" pitchFamily="18" charset="0"/>
                 <a:cs typeface="Times New Roman" panose="02020603050405020304" pitchFamily="18" charset="0"/>
               </a:rPr>
-              <a:t>namespace</a:t>
+              <a:t>cpf</a:t>
             </a:r>
             <a:r>
               <a:rPr lang="pt-BR" sz="2400" dirty="0">
@@ -6911,18 +7086,13 @@
                 <a:latin typeface="Times New Roman" panose="02020603050405020304" pitchFamily="18" charset="0"/>
                 <a:cs typeface="Times New Roman" panose="02020603050405020304" pitchFamily="18" charset="0"/>
               </a:rPr>
-              <a:t> </a:t>
-            </a:r>
-            <a:r>
-              <a:rPr lang="pt-BR" sz="2400" dirty="0" err="1">
-                <a:solidFill>
-                  <a:schemeClr val="tx1"/>
-                </a:solidFill>
-                <a:latin typeface="Times New Roman" panose="02020603050405020304" pitchFamily="18" charset="0"/>
-                <a:cs typeface="Times New Roman" panose="02020603050405020304" pitchFamily="18" charset="0"/>
-              </a:rPr>
-              <a:t>std</a:t>
-            </a:r>
+              <a:t>[11];</a:t>
+            </a:r>
+          </a:p>
+          <a:p>
+            <a:pPr marL="0" indent="0" algn="just">
+              <a:buNone/>
+            </a:pPr>
             <a:r>
               <a:rPr lang="pt-BR" sz="2400" dirty="0">
                 <a:solidFill>
@@ -6931,7 +7101,27 @@
                 <a:latin typeface="Times New Roman" panose="02020603050405020304" pitchFamily="18" charset="0"/>
                 <a:cs typeface="Times New Roman" panose="02020603050405020304" pitchFamily="18" charset="0"/>
               </a:rPr>
-              <a:t>;</a:t>
+              <a:t>	</a:t>
+            </a:r>
+            <a:r>
+              <a:rPr lang="pt-BR" sz="2400" b="1" dirty="0" err="1">
+                <a:solidFill>
+                  <a:schemeClr val="tx1"/>
+                </a:solidFill>
+                <a:latin typeface="Times New Roman" panose="02020603050405020304" pitchFamily="18" charset="0"/>
+                <a:cs typeface="Times New Roman" panose="02020603050405020304" pitchFamily="18" charset="0"/>
+              </a:rPr>
+              <a:t>float</a:t>
+            </a:r>
+            <a:r>
+              <a:rPr lang="pt-BR" sz="2400" dirty="0">
+                <a:solidFill>
+                  <a:schemeClr val="tx1"/>
+                </a:solidFill>
+                <a:latin typeface="Times New Roman" panose="02020603050405020304" pitchFamily="18" charset="0"/>
+                <a:cs typeface="Times New Roman" panose="02020603050405020304" pitchFamily="18" charset="0"/>
+              </a:rPr>
+              <a:t> limite;</a:t>
             </a:r>
           </a:p>
           <a:p>
@@ -6939,16 +7129,6 @@
               <a:buNone/>
             </a:pPr>
             <a:r>
-              <a:rPr lang="pt-BR" sz="2400" dirty="0" err="1">
-                <a:solidFill>
-                  <a:schemeClr val="tx1"/>
-                </a:solidFill>
-                <a:latin typeface="Times New Roman" panose="02020603050405020304" pitchFamily="18" charset="0"/>
-                <a:cs typeface="Times New Roman" panose="02020603050405020304" pitchFamily="18" charset="0"/>
-              </a:rPr>
-              <a:t>struct</a:t>
-            </a:r>
-            <a:r>
               <a:rPr lang="pt-BR" sz="2400" dirty="0">
                 <a:solidFill>
                   <a:schemeClr val="tx1"/>
@@ -6956,7 +7136,27 @@
                 <a:latin typeface="Times New Roman" panose="02020603050405020304" pitchFamily="18" charset="0"/>
                 <a:cs typeface="Times New Roman" panose="02020603050405020304" pitchFamily="18" charset="0"/>
               </a:rPr>
-              <a:t> Cliente {</a:t>
+              <a:t>	</a:t>
+            </a:r>
+            <a:r>
+              <a:rPr lang="pt-BR" sz="2400" b="1" dirty="0" err="1">
+                <a:solidFill>
+                  <a:schemeClr val="tx1"/>
+                </a:solidFill>
+                <a:latin typeface="Times New Roman" panose="02020603050405020304" pitchFamily="18" charset="0"/>
+                <a:cs typeface="Times New Roman" panose="02020603050405020304" pitchFamily="18" charset="0"/>
+              </a:rPr>
+              <a:t>int</a:t>
+            </a:r>
+            <a:r>
+              <a:rPr lang="pt-BR" sz="2400" dirty="0">
+                <a:solidFill>
+                  <a:schemeClr val="tx1"/>
+                </a:solidFill>
+                <a:latin typeface="Times New Roman" panose="02020603050405020304" pitchFamily="18" charset="0"/>
+                <a:cs typeface="Times New Roman" panose="02020603050405020304" pitchFamily="18" charset="0"/>
+              </a:rPr>
+              <a:t> compras;</a:t>
             </a:r>
           </a:p>
           <a:p>
@@ -6971,110 +7171,8 @@
                 <a:latin typeface="Times New Roman" panose="02020603050405020304" pitchFamily="18" charset="0"/>
                 <a:cs typeface="Times New Roman" panose="02020603050405020304" pitchFamily="18" charset="0"/>
               </a:rPr>
-              <a:t>char nome[200];</a:t>
-            </a:r>
-          </a:p>
-          <a:p>
-            <a:pPr marL="0" indent="0" algn="just">
-              <a:buNone/>
-            </a:pPr>
-            <a:r>
-              <a:rPr lang="pt-BR" sz="2400" dirty="0">
-                <a:solidFill>
-                  <a:schemeClr val="tx1"/>
-                </a:solidFill>
-                <a:latin typeface="Times New Roman" panose="02020603050405020304" pitchFamily="18" charset="0"/>
-                <a:cs typeface="Times New Roman" panose="02020603050405020304" pitchFamily="18" charset="0"/>
-              </a:rPr>
-              <a:t>char </a:t>
-            </a:r>
-            <a:r>
-              <a:rPr lang="pt-BR" sz="2400" dirty="0" err="1">
-                <a:solidFill>
-                  <a:schemeClr val="tx1"/>
-                </a:solidFill>
-                <a:latin typeface="Times New Roman" panose="02020603050405020304" pitchFamily="18" charset="0"/>
-                <a:cs typeface="Times New Roman" panose="02020603050405020304" pitchFamily="18" charset="0"/>
-              </a:rPr>
-              <a:t>cpf</a:t>
-            </a:r>
-            <a:r>
-              <a:rPr lang="pt-BR" sz="2400" dirty="0">
-                <a:solidFill>
-                  <a:schemeClr val="tx1"/>
-                </a:solidFill>
-                <a:latin typeface="Times New Roman" panose="02020603050405020304" pitchFamily="18" charset="0"/>
-                <a:cs typeface="Times New Roman" panose="02020603050405020304" pitchFamily="18" charset="0"/>
-              </a:rPr>
-              <a:t>[11];</a:t>
-            </a:r>
-          </a:p>
-          <a:p>
-            <a:pPr marL="0" indent="0" algn="just">
-              <a:buNone/>
-            </a:pPr>
-            <a:r>
-              <a:rPr lang="pt-BR" sz="2400" dirty="0" err="1">
-                <a:solidFill>
-                  <a:schemeClr val="tx1"/>
-                </a:solidFill>
-                <a:latin typeface="Times New Roman" panose="02020603050405020304" pitchFamily="18" charset="0"/>
-                <a:cs typeface="Times New Roman" panose="02020603050405020304" pitchFamily="18" charset="0"/>
-              </a:rPr>
-              <a:t>float</a:t>
-            </a:r>
-            <a:r>
-              <a:rPr lang="pt-BR" sz="2400" dirty="0">
-                <a:solidFill>
-                  <a:schemeClr val="tx1"/>
-                </a:solidFill>
-                <a:latin typeface="Times New Roman" panose="02020603050405020304" pitchFamily="18" charset="0"/>
-                <a:cs typeface="Times New Roman" panose="02020603050405020304" pitchFamily="18" charset="0"/>
-              </a:rPr>
-              <a:t> limite;</a:t>
-            </a:r>
-          </a:p>
-          <a:p>
-            <a:pPr marL="0" indent="0" algn="just">
-              <a:buNone/>
-            </a:pPr>
-            <a:r>
-              <a:rPr lang="pt-BR" sz="2400" dirty="0" err="1">
-                <a:solidFill>
-                  <a:schemeClr val="tx1"/>
-                </a:solidFill>
-                <a:latin typeface="Times New Roman" panose="02020603050405020304" pitchFamily="18" charset="0"/>
-                <a:cs typeface="Times New Roman" panose="02020603050405020304" pitchFamily="18" charset="0"/>
-              </a:rPr>
-              <a:t>int</a:t>
-            </a:r>
-            <a:r>
-              <a:rPr lang="pt-BR" sz="2400" dirty="0">
-                <a:solidFill>
-                  <a:schemeClr val="tx1"/>
-                </a:solidFill>
-                <a:latin typeface="Times New Roman" panose="02020603050405020304" pitchFamily="18" charset="0"/>
-                <a:cs typeface="Times New Roman" panose="02020603050405020304" pitchFamily="18" charset="0"/>
-              </a:rPr>
-              <a:t> compras</a:t>
-            </a:r>
-          </a:p>
-          <a:p>
-            <a:pPr marL="0" indent="0" algn="just">
-              <a:buNone/>
-            </a:pPr>
-            <a:r>
-              <a:rPr lang="pt-BR" sz="2400" dirty="0">
-                <a:solidFill>
-                  <a:schemeClr val="tx1"/>
-                </a:solidFill>
-                <a:latin typeface="Times New Roman" panose="02020603050405020304" pitchFamily="18" charset="0"/>
-                <a:cs typeface="Times New Roman" panose="02020603050405020304" pitchFamily="18" charset="0"/>
-              </a:rPr>
               <a:t>};</a:t>
             </a:r>
-          </a:p>
-          <a:p>
             <a:endParaRPr lang="pt-BR" sz="2400" dirty="0"/>
           </a:p>
         </p:txBody>
@@ -7093,8 +7191,8 @@
         </p:nvSpPr>
         <p:spPr>
           <a:xfrm>
-            <a:off x="3707704" y="1628888"/>
-            <a:ext cx="4960307" cy="3046988"/>
+            <a:off x="3494762" y="1628888"/>
+            <a:ext cx="5513159" cy="2677656"/>
           </a:xfrm>
           <a:prstGeom prst="rect">
             <a:avLst/>
@@ -7111,6 +7209,26 @@
               <a:buNone/>
             </a:pPr>
             <a:r>
+              <a:rPr lang="pt-BR" sz="2400" b="1" dirty="0" err="1">
+                <a:solidFill>
+                  <a:schemeClr val="tx1"/>
+                </a:solidFill>
+                <a:latin typeface="Times New Roman" panose="02020603050405020304" pitchFamily="18" charset="0"/>
+                <a:cs typeface="Times New Roman" panose="02020603050405020304" pitchFamily="18" charset="0"/>
+              </a:rPr>
+              <a:t>int</a:t>
+            </a:r>
+            <a:r>
+              <a:rPr lang="pt-BR" sz="2400" dirty="0">
+                <a:solidFill>
+                  <a:schemeClr val="tx1"/>
+                </a:solidFill>
+                <a:latin typeface="Times New Roman" panose="02020603050405020304" pitchFamily="18" charset="0"/>
+                <a:cs typeface="Times New Roman" panose="02020603050405020304" pitchFamily="18" charset="0"/>
+              </a:rPr>
+              <a:t> </a:t>
+            </a:r>
+            <a:r>
               <a:rPr lang="pt-BR" sz="2400" dirty="0" err="1">
                 <a:solidFill>
                   <a:schemeClr val="tx1"/>
@@ -7118,7 +7236,7 @@
                 <a:latin typeface="Times New Roman" panose="02020603050405020304" pitchFamily="18" charset="0"/>
                 <a:cs typeface="Times New Roman" panose="02020603050405020304" pitchFamily="18" charset="0"/>
               </a:rPr>
-              <a:t>int</a:t>
+              <a:t>main</a:t>
             </a:r>
             <a:r>
               <a:rPr lang="pt-BR" sz="2400" dirty="0">
@@ -7128,7 +7246,107 @@
                 <a:latin typeface="Times New Roman" panose="02020603050405020304" pitchFamily="18" charset="0"/>
                 <a:cs typeface="Times New Roman" panose="02020603050405020304" pitchFamily="18" charset="0"/>
               </a:rPr>
-              <a:t> </a:t>
+              <a:t>() {</a:t>
+            </a:r>
+          </a:p>
+          <a:p>
+            <a:pPr marL="0" indent="0" algn="just">
+              <a:buNone/>
+            </a:pPr>
+            <a:r>
+              <a:rPr lang="pt-BR" sz="2400" b="1" dirty="0">
+                <a:solidFill>
+                  <a:schemeClr val="tx1"/>
+                </a:solidFill>
+                <a:latin typeface="Times New Roman" panose="02020603050405020304" pitchFamily="18" charset="0"/>
+                <a:cs typeface="Times New Roman" panose="02020603050405020304" pitchFamily="18" charset="0"/>
+              </a:rPr>
+              <a:t>   </a:t>
+            </a:r>
+            <a:r>
+              <a:rPr lang="pt-BR" sz="2400" b="1" dirty="0" err="1">
+                <a:solidFill>
+                  <a:schemeClr val="tx1"/>
+                </a:solidFill>
+                <a:latin typeface="Times New Roman" panose="02020603050405020304" pitchFamily="18" charset="0"/>
+                <a:cs typeface="Times New Roman" panose="02020603050405020304" pitchFamily="18" charset="0"/>
+              </a:rPr>
+              <a:t>struct</a:t>
+            </a:r>
+            <a:r>
+              <a:rPr lang="pt-BR" sz="2400" dirty="0">
+                <a:solidFill>
+                  <a:schemeClr val="tx1"/>
+                </a:solidFill>
+                <a:latin typeface="Times New Roman" panose="02020603050405020304" pitchFamily="18" charset="0"/>
+                <a:cs typeface="Times New Roman" panose="02020603050405020304" pitchFamily="18" charset="0"/>
+              </a:rPr>
+              <a:t> Cliente </a:t>
+            </a:r>
+            <a:r>
+              <a:rPr lang="pt-BR" sz="2400" b="1" dirty="0" err="1">
+                <a:solidFill>
+                  <a:srgbClr val="FF0000"/>
+                </a:solidFill>
+                <a:latin typeface="Times New Roman" panose="02020603050405020304" pitchFamily="18" charset="0"/>
+                <a:cs typeface="Times New Roman" panose="02020603050405020304" pitchFamily="18" charset="0"/>
+              </a:rPr>
+              <a:t>umCliente</a:t>
+            </a:r>
+            <a:r>
+              <a:rPr lang="pt-BR" sz="2400" dirty="0">
+                <a:solidFill>
+                  <a:schemeClr val="tx1"/>
+                </a:solidFill>
+                <a:latin typeface="Times New Roman" panose="02020603050405020304" pitchFamily="18" charset="0"/>
+                <a:cs typeface="Times New Roman" panose="02020603050405020304" pitchFamily="18" charset="0"/>
+              </a:rPr>
+              <a:t>;</a:t>
+            </a:r>
+          </a:p>
+          <a:p>
+            <a:pPr marL="0" indent="0" algn="just">
+              <a:buNone/>
+            </a:pPr>
+            <a:r>
+              <a:rPr lang="pt-BR" sz="2400" b="1" dirty="0">
+                <a:solidFill>
+                  <a:schemeClr val="tx1"/>
+                </a:solidFill>
+                <a:latin typeface="Times New Roman" panose="02020603050405020304" pitchFamily="18" charset="0"/>
+                <a:cs typeface="Times New Roman" panose="02020603050405020304" pitchFamily="18" charset="0"/>
+              </a:rPr>
+              <a:t>   </a:t>
+            </a:r>
+            <a:r>
+              <a:rPr lang="pt-BR" sz="2400" b="1" dirty="0" err="1">
+                <a:solidFill>
+                  <a:schemeClr val="tx1"/>
+                </a:solidFill>
+                <a:latin typeface="Times New Roman" panose="02020603050405020304" pitchFamily="18" charset="0"/>
+                <a:cs typeface="Times New Roman" panose="02020603050405020304" pitchFamily="18" charset="0"/>
+              </a:rPr>
+              <a:t>strcpy</a:t>
+            </a:r>
+            <a:r>
+              <a:rPr lang="pt-BR" sz="2400" dirty="0">
+                <a:solidFill>
+                  <a:schemeClr val="tx1"/>
+                </a:solidFill>
+                <a:latin typeface="Times New Roman" panose="02020603050405020304" pitchFamily="18" charset="0"/>
+                <a:cs typeface="Times New Roman" panose="02020603050405020304" pitchFamily="18" charset="0"/>
+              </a:rPr>
+              <a:t>(</a:t>
+            </a:r>
+            <a:r>
+              <a:rPr lang="pt-BR" sz="2400" b="1" dirty="0" err="1">
+                <a:solidFill>
+                  <a:srgbClr val="FF0000"/>
+                </a:solidFill>
+                <a:latin typeface="Times New Roman" panose="02020603050405020304" pitchFamily="18" charset="0"/>
+                <a:cs typeface="Times New Roman" panose="02020603050405020304" pitchFamily="18" charset="0"/>
+              </a:rPr>
+              <a:t>umCliente</a:t>
             </a:r>
             <a:r>
               <a:rPr lang="pt-BR" sz="2400" dirty="0" err="1">
@@ -7138,7 +7356,17 @@
                 <a:latin typeface="Times New Roman" panose="02020603050405020304" pitchFamily="18" charset="0"/>
                 <a:cs typeface="Times New Roman" panose="02020603050405020304" pitchFamily="18" charset="0"/>
               </a:rPr>
-              <a:t>main</a:t>
+              <a:t>.</a:t>
+            </a:r>
+            <a:r>
+              <a:rPr lang="pt-BR" sz="2400" b="1" dirty="0" err="1">
+                <a:solidFill>
+                  <a:schemeClr val="tx1"/>
+                </a:solidFill>
+                <a:latin typeface="Times New Roman" panose="02020603050405020304" pitchFamily="18" charset="0"/>
+                <a:cs typeface="Times New Roman" panose="02020603050405020304" pitchFamily="18" charset="0"/>
+              </a:rPr>
+              <a:t>nome</a:t>
             </a:r>
             <a:r>
               <a:rPr lang="pt-BR" sz="2400" dirty="0">
@@ -7148,7 +7376,7 @@
                 <a:latin typeface="Times New Roman" panose="02020603050405020304" pitchFamily="18" charset="0"/>
                 <a:cs typeface="Times New Roman" panose="02020603050405020304" pitchFamily="18" charset="0"/>
               </a:rPr>
-              <a:t>() {</a:t>
+              <a:t>, "Fulano“);</a:t>
             </a:r>
           </a:p>
           <a:p>
@@ -7156,6 +7384,46 @@
               <a:buNone/>
             </a:pPr>
             <a:r>
+              <a:rPr lang="pt-BR" sz="2400" b="1" dirty="0">
+                <a:solidFill>
+                  <a:schemeClr val="tx1"/>
+                </a:solidFill>
+                <a:latin typeface="Times New Roman" panose="02020603050405020304" pitchFamily="18" charset="0"/>
+                <a:cs typeface="Times New Roman" panose="02020603050405020304" pitchFamily="18" charset="0"/>
+              </a:rPr>
+              <a:t>   </a:t>
+            </a:r>
+            <a:r>
+              <a:rPr lang="pt-BR" sz="2400" b="1" dirty="0" err="1">
+                <a:solidFill>
+                  <a:schemeClr val="tx1"/>
+                </a:solidFill>
+                <a:latin typeface="Times New Roman" panose="02020603050405020304" pitchFamily="18" charset="0"/>
+                <a:cs typeface="Times New Roman" panose="02020603050405020304" pitchFamily="18" charset="0"/>
+              </a:rPr>
+              <a:t>strcpy</a:t>
+            </a:r>
+            <a:r>
+              <a:rPr lang="pt-BR" sz="2400" dirty="0">
+                <a:solidFill>
+                  <a:schemeClr val="tx1"/>
+                </a:solidFill>
+                <a:latin typeface="Times New Roman" panose="02020603050405020304" pitchFamily="18" charset="0"/>
+                <a:cs typeface="Times New Roman" panose="02020603050405020304" pitchFamily="18" charset="0"/>
+              </a:rPr>
+              <a:t>(</a:t>
+            </a:r>
+            <a:r>
+              <a:rPr lang="pt-BR" sz="2400" b="1" dirty="0" err="1">
+                <a:solidFill>
+                  <a:srgbClr val="FF0000"/>
+                </a:solidFill>
+                <a:latin typeface="Times New Roman" panose="02020603050405020304" pitchFamily="18" charset="0"/>
+                <a:cs typeface="Times New Roman" panose="02020603050405020304" pitchFamily="18" charset="0"/>
+              </a:rPr>
+              <a:t>umCliente</a:t>
+            </a:r>
+            <a:r>
               <a:rPr lang="pt-BR" sz="2400" dirty="0" err="1">
                 <a:solidFill>
                   <a:schemeClr val="tx1"/>
@@ -7163,7 +7431,17 @@
                 <a:latin typeface="Times New Roman" panose="02020603050405020304" pitchFamily="18" charset="0"/>
                 <a:cs typeface="Times New Roman" panose="02020603050405020304" pitchFamily="18" charset="0"/>
               </a:rPr>
-              <a:t>struct</a:t>
+              <a:t>.</a:t>
+            </a:r>
+            <a:r>
+              <a:rPr lang="pt-BR" sz="2400" b="1" dirty="0" err="1">
+                <a:solidFill>
+                  <a:schemeClr val="tx1"/>
+                </a:solidFill>
+                <a:latin typeface="Times New Roman" panose="02020603050405020304" pitchFamily="18" charset="0"/>
+                <a:cs typeface="Times New Roman" panose="02020603050405020304" pitchFamily="18" charset="0"/>
+              </a:rPr>
+              <a:t>cpf</a:t>
             </a:r>
             <a:r>
               <a:rPr lang="pt-BR" sz="2400" dirty="0">
@@ -7173,7 +7451,32 @@
                 <a:latin typeface="Times New Roman" panose="02020603050405020304" pitchFamily="18" charset="0"/>
                 <a:cs typeface="Times New Roman" panose="02020603050405020304" pitchFamily="18" charset="0"/>
               </a:rPr>
-              <a:t> Cliente </a:t>
+              <a:t>, "01234567890“);</a:t>
+            </a:r>
+          </a:p>
+          <a:p>
+            <a:pPr marL="0" indent="0" algn="just">
+              <a:buNone/>
+            </a:pPr>
+            <a:r>
+              <a:rPr lang="pt-BR" sz="2400" b="1" dirty="0">
+                <a:solidFill>
+                  <a:srgbClr val="FF0000"/>
+                </a:solidFill>
+                <a:latin typeface="Times New Roman" panose="02020603050405020304" pitchFamily="18" charset="0"/>
+                <a:cs typeface="Times New Roman" panose="02020603050405020304" pitchFamily="18" charset="0"/>
+              </a:rPr>
+              <a:t>   </a:t>
+            </a:r>
+            <a:r>
+              <a:rPr lang="pt-BR" sz="2400" b="1" dirty="0" err="1">
+                <a:solidFill>
+                  <a:srgbClr val="FF0000"/>
+                </a:solidFill>
+                <a:latin typeface="Times New Roman" panose="02020603050405020304" pitchFamily="18" charset="0"/>
+                <a:cs typeface="Times New Roman" panose="02020603050405020304" pitchFamily="18" charset="0"/>
+              </a:rPr>
+              <a:t>umCliente</a:t>
             </a:r>
             <a:r>
               <a:rPr lang="pt-BR" sz="2400" dirty="0" err="1">
@@ -7183,9 +7486,74 @@
                 <a:latin typeface="Times New Roman" panose="02020603050405020304" pitchFamily="18" charset="0"/>
                 <a:cs typeface="Times New Roman" panose="02020603050405020304" pitchFamily="18" charset="0"/>
               </a:rPr>
+              <a:t>.</a:t>
+            </a:r>
+            <a:r>
+              <a:rPr lang="pt-BR" sz="2400" b="1" dirty="0" err="1">
+                <a:solidFill>
+                  <a:schemeClr val="tx1"/>
+                </a:solidFill>
+                <a:latin typeface="Times New Roman" panose="02020603050405020304" pitchFamily="18" charset="0"/>
+                <a:cs typeface="Times New Roman" panose="02020603050405020304" pitchFamily="18" charset="0"/>
+              </a:rPr>
+              <a:t>limite</a:t>
+            </a:r>
+            <a:r>
+              <a:rPr lang="pt-BR" sz="2400" dirty="0">
+                <a:solidFill>
+                  <a:schemeClr val="tx1"/>
+                </a:solidFill>
+                <a:latin typeface="Times New Roman" panose="02020603050405020304" pitchFamily="18" charset="0"/>
+                <a:cs typeface="Times New Roman" panose="02020603050405020304" pitchFamily="18" charset="0"/>
+              </a:rPr>
+              <a:t> = 5000.0;</a:t>
+            </a:r>
+          </a:p>
+          <a:p>
+            <a:pPr marL="0" indent="0" algn="just">
+              <a:buNone/>
+            </a:pPr>
+            <a:r>
+              <a:rPr lang="pt-BR" sz="2400" b="1" dirty="0">
+                <a:solidFill>
+                  <a:srgbClr val="FF0000"/>
+                </a:solidFill>
+                <a:latin typeface="Times New Roman" panose="02020603050405020304" pitchFamily="18" charset="0"/>
+                <a:cs typeface="Times New Roman" panose="02020603050405020304" pitchFamily="18" charset="0"/>
+              </a:rPr>
+              <a:t>   </a:t>
+            </a:r>
+            <a:r>
+              <a:rPr lang="pt-BR" sz="2400" b="1" dirty="0" err="1">
+                <a:solidFill>
+                  <a:srgbClr val="FF0000"/>
+                </a:solidFill>
+                <a:latin typeface="Times New Roman" panose="02020603050405020304" pitchFamily="18" charset="0"/>
+                <a:cs typeface="Times New Roman" panose="02020603050405020304" pitchFamily="18" charset="0"/>
+              </a:rPr>
               <a:t>umCliente</a:t>
             </a:r>
             <a:r>
+              <a:rPr lang="pt-BR" sz="2400" dirty="0" err="1">
+                <a:solidFill>
+                  <a:schemeClr val="tx1"/>
+                </a:solidFill>
+                <a:latin typeface="Times New Roman" panose="02020603050405020304" pitchFamily="18" charset="0"/>
+                <a:cs typeface="Times New Roman" panose="02020603050405020304" pitchFamily="18" charset="0"/>
+              </a:rPr>
+              <a:t>.</a:t>
+            </a:r>
+            <a:r>
+              <a:rPr lang="pt-BR" sz="2400" b="1" dirty="0" err="1">
+                <a:solidFill>
+                  <a:schemeClr val="tx1"/>
+                </a:solidFill>
+                <a:latin typeface="Times New Roman" panose="02020603050405020304" pitchFamily="18" charset="0"/>
+                <a:cs typeface="Times New Roman" panose="02020603050405020304" pitchFamily="18" charset="0"/>
+              </a:rPr>
+              <a:t>compras</a:t>
+            </a:r>
+            <a:r>
               <a:rPr lang="pt-BR" sz="2400" dirty="0">
                 <a:solidFill>
                   <a:schemeClr val="tx1"/>
@@ -7193,7 +7561,7 @@
                 <a:latin typeface="Times New Roman" panose="02020603050405020304" pitchFamily="18" charset="0"/>
                 <a:cs typeface="Times New Roman" panose="02020603050405020304" pitchFamily="18" charset="0"/>
               </a:rPr>
-              <a:t>;</a:t>
+              <a:t> = 0;</a:t>
             </a:r>
           </a:p>
           <a:p>
@@ -7201,16 +7569,6 @@
               <a:buNone/>
             </a:pPr>
             <a:r>
-              <a:rPr lang="pt-BR" sz="2400" dirty="0" err="1">
-                <a:solidFill>
-                  <a:schemeClr val="tx1"/>
-                </a:solidFill>
-                <a:latin typeface="Times New Roman" panose="02020603050405020304" pitchFamily="18" charset="0"/>
-                <a:cs typeface="Times New Roman" panose="02020603050405020304" pitchFamily="18" charset="0"/>
-              </a:rPr>
-              <a:t>strcpy</a:t>
-            </a:r>
-            <a:r>
               <a:rPr lang="pt-BR" sz="2400" dirty="0">
                 <a:solidFill>
                   <a:schemeClr val="tx1"/>
@@ -7218,140 +7576,8 @@
                 <a:latin typeface="Times New Roman" panose="02020603050405020304" pitchFamily="18" charset="0"/>
                 <a:cs typeface="Times New Roman" panose="02020603050405020304" pitchFamily="18" charset="0"/>
               </a:rPr>
-              <a:t>(</a:t>
-            </a:r>
-            <a:r>
-              <a:rPr lang="pt-BR" sz="2400" dirty="0" err="1">
-                <a:solidFill>
-                  <a:schemeClr val="tx1"/>
-                </a:solidFill>
-                <a:latin typeface="Times New Roman" panose="02020603050405020304" pitchFamily="18" charset="0"/>
-                <a:cs typeface="Times New Roman" panose="02020603050405020304" pitchFamily="18" charset="0"/>
-              </a:rPr>
-              <a:t>umCliente.nome</a:t>
-            </a:r>
-            <a:r>
-              <a:rPr lang="pt-BR" sz="2400" dirty="0">
-                <a:solidFill>
-                  <a:schemeClr val="tx1"/>
-                </a:solidFill>
-                <a:latin typeface="Times New Roman" panose="02020603050405020304" pitchFamily="18" charset="0"/>
-                <a:cs typeface="Times New Roman" panose="02020603050405020304" pitchFamily="18" charset="0"/>
-              </a:rPr>
-              <a:t>, "Fulano";</a:t>
-            </a:r>
-          </a:p>
-          <a:p>
-            <a:pPr marL="0" indent="0" algn="just">
-              <a:buNone/>
-            </a:pPr>
-            <a:r>
-              <a:rPr lang="pt-BR" sz="2400" dirty="0" err="1">
-                <a:solidFill>
-                  <a:schemeClr val="tx1"/>
-                </a:solidFill>
-                <a:latin typeface="Times New Roman" panose="02020603050405020304" pitchFamily="18" charset="0"/>
-                <a:cs typeface="Times New Roman" panose="02020603050405020304" pitchFamily="18" charset="0"/>
-              </a:rPr>
-              <a:t>strcpy</a:t>
-            </a:r>
-            <a:r>
-              <a:rPr lang="pt-BR" sz="2400" dirty="0">
-                <a:solidFill>
-                  <a:schemeClr val="tx1"/>
-                </a:solidFill>
-                <a:latin typeface="Times New Roman" panose="02020603050405020304" pitchFamily="18" charset="0"/>
-                <a:cs typeface="Times New Roman" panose="02020603050405020304" pitchFamily="18" charset="0"/>
-              </a:rPr>
-              <a:t>(</a:t>
-            </a:r>
-            <a:r>
-              <a:rPr lang="pt-BR" sz="2400" dirty="0" err="1">
-                <a:solidFill>
-                  <a:schemeClr val="tx1"/>
-                </a:solidFill>
-                <a:latin typeface="Times New Roman" panose="02020603050405020304" pitchFamily="18" charset="0"/>
-                <a:cs typeface="Times New Roman" panose="02020603050405020304" pitchFamily="18" charset="0"/>
-              </a:rPr>
-              <a:t>umCliente.cpf</a:t>
-            </a:r>
-            <a:r>
-              <a:rPr lang="pt-BR" sz="2400" dirty="0">
-                <a:solidFill>
-                  <a:schemeClr val="tx1"/>
-                </a:solidFill>
-                <a:latin typeface="Times New Roman" panose="02020603050405020304" pitchFamily="18" charset="0"/>
-                <a:cs typeface="Times New Roman" panose="02020603050405020304" pitchFamily="18" charset="0"/>
-              </a:rPr>
-              <a:t>, "01234567890";</a:t>
-            </a:r>
-          </a:p>
-          <a:p>
-            <a:pPr marL="0" indent="0" algn="just">
-              <a:buNone/>
-            </a:pPr>
-            <a:r>
-              <a:rPr lang="pt-BR" sz="2400" dirty="0" err="1">
-                <a:solidFill>
-                  <a:schemeClr val="tx1"/>
-                </a:solidFill>
-                <a:latin typeface="Times New Roman" panose="02020603050405020304" pitchFamily="18" charset="0"/>
-                <a:cs typeface="Times New Roman" panose="02020603050405020304" pitchFamily="18" charset="0"/>
-              </a:rPr>
-              <a:t>umCliente.limite</a:t>
-            </a:r>
-            <a:r>
-              <a:rPr lang="pt-BR" sz="2400" dirty="0">
-                <a:solidFill>
-                  <a:schemeClr val="tx1"/>
-                </a:solidFill>
-                <a:latin typeface="Times New Roman" panose="02020603050405020304" pitchFamily="18" charset="0"/>
-                <a:cs typeface="Times New Roman" panose="02020603050405020304" pitchFamily="18" charset="0"/>
-              </a:rPr>
-              <a:t> = 5000.0;</a:t>
-            </a:r>
-          </a:p>
-          <a:p>
-            <a:pPr marL="0" indent="0" algn="just">
-              <a:buNone/>
-            </a:pPr>
-            <a:r>
-              <a:rPr lang="pt-BR" sz="2400" dirty="0" err="1">
-                <a:solidFill>
-                  <a:schemeClr val="tx1"/>
-                </a:solidFill>
-                <a:latin typeface="Times New Roman" panose="02020603050405020304" pitchFamily="18" charset="0"/>
-                <a:cs typeface="Times New Roman" panose="02020603050405020304" pitchFamily="18" charset="0"/>
-              </a:rPr>
-              <a:t>umCliente.compras</a:t>
-            </a:r>
-            <a:r>
-              <a:rPr lang="pt-BR" sz="2400" dirty="0">
-                <a:solidFill>
-                  <a:schemeClr val="tx1"/>
-                </a:solidFill>
-                <a:latin typeface="Times New Roman" panose="02020603050405020304" pitchFamily="18" charset="0"/>
-                <a:cs typeface="Times New Roman" panose="02020603050405020304" pitchFamily="18" charset="0"/>
-              </a:rPr>
-              <a:t> = 0;</a:t>
-            </a:r>
-          </a:p>
-          <a:p>
-            <a:pPr marL="0" indent="0" algn="just">
-              <a:buNone/>
-            </a:pPr>
-            <a:r>
-              <a:rPr lang="pt-BR" sz="2400" dirty="0">
-                <a:solidFill>
-                  <a:schemeClr val="tx1"/>
-                </a:solidFill>
-                <a:latin typeface="Times New Roman" panose="02020603050405020304" pitchFamily="18" charset="0"/>
-                <a:cs typeface="Times New Roman" panose="02020603050405020304" pitchFamily="18" charset="0"/>
-              </a:rPr>
               <a:t>}</a:t>
             </a:r>
-          </a:p>
-          <a:p>
             <a:endParaRPr lang="pt-BR" sz="2400" dirty="0"/>
           </a:p>
         </p:txBody>
@@ -7477,7 +7703,24 @@
                 <a:latin typeface="Times New Roman" panose="02020603050405020304" pitchFamily="18" charset="0"/>
                 <a:cs typeface="Times New Roman" panose="02020603050405020304" pitchFamily="18" charset="0"/>
               </a:rPr>
-              <a:t>Registro (Exemplo: Python)</a:t>
+              <a:t>Registro (Exemplo: </a:t>
+            </a:r>
+            <a:r>
+              <a:rPr lang="pt-BR" sz="2400" b="1" dirty="0">
+                <a:latin typeface="Times New Roman" panose="02020603050405020304" pitchFamily="18" charset="0"/>
+                <a:cs typeface="Times New Roman" panose="02020603050405020304" pitchFamily="18" charset="0"/>
+              </a:rPr>
+              <a:t>Python</a:t>
+            </a:r>
+            <a:r>
+              <a:rPr lang="pt-BR" sz="2400" b="1" dirty="0">
+                <a:solidFill>
+                  <a:srgbClr val="FF0000"/>
+                </a:solidFill>
+                <a:latin typeface="Times New Roman" panose="02020603050405020304" pitchFamily="18" charset="0"/>
+                <a:cs typeface="Times New Roman" panose="02020603050405020304" pitchFamily="18" charset="0"/>
+              </a:rPr>
+              <a:t>)</a:t>
             </a:r>
             <a:endParaRPr lang="pt-BR" sz="2400" dirty="0">
               <a:solidFill>
@@ -7531,7 +7774,7 @@
         <p:spPr>
           <a:xfrm>
             <a:off x="186182" y="1730007"/>
-            <a:ext cx="8206255" cy="2677656"/>
+            <a:ext cx="8206255" cy="2308324"/>
           </a:xfrm>
           <a:prstGeom prst="rect">
             <a:avLst/>
@@ -7545,18 +7788,36 @@
           <a:lstStyle/>
           <a:p>
             <a:r>
-              <a:rPr lang="pt-BR" sz="2400" b="1" dirty="0" err="1"/>
+              <a:rPr lang="pt-BR" sz="2400" b="1" dirty="0" err="1">
+                <a:latin typeface="Arial" panose="020B0604020202020204" pitchFamily="34" charset="0"/>
+                <a:cs typeface="Arial" panose="020B0604020202020204" pitchFamily="34" charset="0"/>
+              </a:rPr>
               <a:t>import</a:t>
             </a:r>
             <a:r>
-              <a:rPr lang="pt-BR" sz="2400" b="1" dirty="0"/>
+              <a:rPr lang="pt-BR" sz="2400" b="1" dirty="0">
+                <a:latin typeface="Arial" panose="020B0604020202020204" pitchFamily="34" charset="0"/>
+                <a:cs typeface="Arial" panose="020B0604020202020204" pitchFamily="34" charset="0"/>
+              </a:rPr>
               <a:t> </a:t>
             </a:r>
             <a:r>
-              <a:rPr lang="pt-BR" sz="2400" b="1" dirty="0" err="1"/>
+              <a:rPr lang="pt-BR" sz="2400" b="1" dirty="0" err="1">
+                <a:solidFill>
+                  <a:srgbClr val="FF0000"/>
+                </a:solidFill>
+                <a:latin typeface="Arial" panose="020B0604020202020204" pitchFamily="34" charset="0"/>
+                <a:cs typeface="Arial" panose="020B0604020202020204" pitchFamily="34" charset="0"/>
+              </a:rPr>
               <a:t>struct</a:t>
             </a:r>
-            <a:endParaRPr lang="pt-BR" sz="2400" b="1" dirty="0"/>
+            <a:endParaRPr lang="pt-BR" sz="2400" b="1" dirty="0">
+              <a:solidFill>
+                <a:srgbClr val="FF0000"/>
+              </a:solidFill>
+              <a:latin typeface="Arial" panose="020B0604020202020204" pitchFamily="34" charset="0"/>
+              <a:cs typeface="Arial" panose="020B0604020202020204" pitchFamily="34" charset="0"/>
+            </a:endParaRPr>
           </a:p>
           <a:p>
             <a:r>
@@ -7564,74 +7825,163 @@
                 <a:solidFill>
                   <a:srgbClr val="FF0000"/>
                 </a:solidFill>
-              </a:rPr>
-              <a:t>Cliente = (‘80s 11s f I')</a:t>
-            </a:r>
-          </a:p>
-          <a:p>
-            <a:r>
-              <a:rPr lang="pt-BR" sz="2400" dirty="0" err="1"/>
+                <a:latin typeface="Arial" panose="020B0604020202020204" pitchFamily="34" charset="0"/>
+                <a:cs typeface="Arial" panose="020B0604020202020204" pitchFamily="34" charset="0"/>
+              </a:rPr>
+              <a:t>Cliente = (‘80s I I 11s f I')</a:t>
+            </a:r>
+          </a:p>
+          <a:p>
+            <a:r>
+              <a:rPr lang="pt-BR" sz="2400" dirty="0" err="1">
+                <a:latin typeface="Arial" panose="020B0604020202020204" pitchFamily="34" charset="0"/>
+                <a:cs typeface="Arial" panose="020B0604020202020204" pitchFamily="34" charset="0"/>
+              </a:rPr>
               <a:t>umCliente</a:t>
             </a:r>
             <a:r>
-              <a:rPr lang="pt-BR" sz="2400" dirty="0"/>
+              <a:rPr lang="pt-BR" sz="2400" dirty="0">
+                <a:latin typeface="Arial" panose="020B0604020202020204" pitchFamily="34" charset="0"/>
+                <a:cs typeface="Arial" panose="020B0604020202020204" pitchFamily="34" charset="0"/>
+              </a:rPr>
               <a:t> = </a:t>
             </a:r>
             <a:r>
-              <a:rPr lang="pt-BR" sz="2400" dirty="0" err="1"/>
-              <a:t>struct.pack</a:t>
-            </a:r>
-            <a:r>
-              <a:rPr lang="pt-BR" sz="2400" dirty="0"/>
+              <a:rPr lang="pt-BR" sz="2400" b="1" dirty="0" err="1">
+                <a:solidFill>
+                  <a:srgbClr val="FF0000"/>
+                </a:solidFill>
+                <a:latin typeface="Arial" panose="020B0604020202020204" pitchFamily="34" charset="0"/>
+                <a:cs typeface="Arial" panose="020B0604020202020204" pitchFamily="34" charset="0"/>
+              </a:rPr>
+              <a:t>struct</a:t>
+            </a:r>
+            <a:r>
+              <a:rPr lang="pt-BR" sz="2400" dirty="0" err="1">
+                <a:latin typeface="Arial" panose="020B0604020202020204" pitchFamily="34" charset="0"/>
+                <a:cs typeface="Arial" panose="020B0604020202020204" pitchFamily="34" charset="0"/>
+              </a:rPr>
+              <a:t>.</a:t>
+            </a:r>
+            <a:r>
+              <a:rPr lang="pt-BR" sz="2400" b="1" dirty="0" err="1">
+                <a:latin typeface="Arial" panose="020B0604020202020204" pitchFamily="34" charset="0"/>
+                <a:cs typeface="Arial" panose="020B0604020202020204" pitchFamily="34" charset="0"/>
+              </a:rPr>
+              <a:t>pack</a:t>
+            </a:r>
+            <a:r>
+              <a:rPr lang="pt-BR" sz="2400" dirty="0">
+                <a:latin typeface="Arial" panose="020B0604020202020204" pitchFamily="34" charset="0"/>
+                <a:cs typeface="Arial" panose="020B0604020202020204" pitchFamily="34" charset="0"/>
+              </a:rPr>
               <a:t>(Cliente, </a:t>
             </a:r>
             <a:r>
-              <a:rPr lang="pt-BR" sz="2400" dirty="0" err="1"/>
+              <a:rPr lang="pt-BR" sz="2400" dirty="0" err="1">
+                <a:latin typeface="Arial" panose="020B0604020202020204" pitchFamily="34" charset="0"/>
+                <a:cs typeface="Arial" panose="020B0604020202020204" pitchFamily="34" charset="0"/>
+              </a:rPr>
               <a:t>b"Fulano</a:t>
             </a:r>
             <a:r>
-              <a:rPr lang="pt-BR" sz="2400" dirty="0"/>
-              <a:t>", 0, 2, b"234567890", 5000.00, 3)</a:t>
-            </a:r>
-          </a:p>
-          <a:p>
-            <a:r>
-              <a:rPr lang="pt-BR" sz="2400" dirty="0"/>
-              <a:t>print(</a:t>
-            </a:r>
-            <a:r>
-              <a:rPr lang="pt-BR" sz="2400" dirty="0" err="1"/>
+              <a:rPr lang="pt-BR" sz="2400" dirty="0">
+                <a:latin typeface="Arial" panose="020B0604020202020204" pitchFamily="34" charset="0"/>
+                <a:cs typeface="Arial" panose="020B0604020202020204" pitchFamily="34" charset="0"/>
+              </a:rPr>
+              <a:t>", 0, 2, b’123456789001, 5000.00, 3)</a:t>
+            </a:r>
+          </a:p>
+          <a:p>
+            <a:r>
+              <a:rPr lang="pt-BR" sz="2400" b="1" dirty="0">
+                <a:latin typeface="Arial" panose="020B0604020202020204" pitchFamily="34" charset="0"/>
+                <a:cs typeface="Arial" panose="020B0604020202020204" pitchFamily="34" charset="0"/>
+              </a:rPr>
+              <a:t>print</a:t>
+            </a:r>
+            <a:r>
+              <a:rPr lang="pt-BR" sz="2400" dirty="0">
+                <a:latin typeface="Arial" panose="020B0604020202020204" pitchFamily="34" charset="0"/>
+                <a:cs typeface="Arial" panose="020B0604020202020204" pitchFamily="34" charset="0"/>
+              </a:rPr>
+              <a:t>(</a:t>
+            </a:r>
+            <a:r>
+              <a:rPr lang="pt-BR" sz="2400" dirty="0" err="1">
+                <a:latin typeface="Arial" panose="020B0604020202020204" pitchFamily="34" charset="0"/>
+                <a:cs typeface="Arial" panose="020B0604020202020204" pitchFamily="34" charset="0"/>
+              </a:rPr>
               <a:t>umCliente</a:t>
             </a:r>
             <a:r>
-              <a:rPr lang="pt-BR" sz="2400" dirty="0"/>
+              <a:rPr lang="pt-BR" sz="2400" dirty="0">
+                <a:latin typeface="Arial" panose="020B0604020202020204" pitchFamily="34" charset="0"/>
+                <a:cs typeface="Arial" panose="020B0604020202020204" pitchFamily="34" charset="0"/>
+              </a:rPr>
               <a:t>)</a:t>
             </a:r>
           </a:p>
           <a:p>
             <a:r>
-              <a:rPr lang="pt-BR" sz="2400" dirty="0"/>
-              <a:t>print(</a:t>
-            </a:r>
-            <a:r>
-              <a:rPr lang="pt-BR" sz="2400" dirty="0" err="1"/>
-              <a:t>struct.unpack</a:t>
-            </a:r>
-            <a:r>
-              <a:rPr lang="pt-BR" sz="2400" dirty="0"/>
+              <a:rPr lang="pt-BR" sz="2400" b="1" dirty="0">
+                <a:latin typeface="Arial" panose="020B0604020202020204" pitchFamily="34" charset="0"/>
+                <a:cs typeface="Arial" panose="020B0604020202020204" pitchFamily="34" charset="0"/>
+              </a:rPr>
+              <a:t>print</a:t>
+            </a:r>
+            <a:r>
+              <a:rPr lang="pt-BR" sz="2400" dirty="0">
+                <a:latin typeface="Arial" panose="020B0604020202020204" pitchFamily="34" charset="0"/>
+                <a:cs typeface="Arial" panose="020B0604020202020204" pitchFamily="34" charset="0"/>
+              </a:rPr>
+              <a:t>(</a:t>
+            </a:r>
+            <a:r>
+              <a:rPr lang="pt-BR" sz="2400" b="1" dirty="0" err="1">
+                <a:solidFill>
+                  <a:srgbClr val="FF0000"/>
+                </a:solidFill>
+                <a:latin typeface="Arial" panose="020B0604020202020204" pitchFamily="34" charset="0"/>
+                <a:cs typeface="Arial" panose="020B0604020202020204" pitchFamily="34" charset="0"/>
+              </a:rPr>
+              <a:t>struct</a:t>
+            </a:r>
+            <a:r>
+              <a:rPr lang="pt-BR" sz="2400" dirty="0" err="1">
+                <a:latin typeface="Arial" panose="020B0604020202020204" pitchFamily="34" charset="0"/>
+                <a:cs typeface="Arial" panose="020B0604020202020204" pitchFamily="34" charset="0"/>
+              </a:rPr>
+              <a:t>.</a:t>
+            </a:r>
+            <a:r>
+              <a:rPr lang="pt-BR" sz="2400" b="1" dirty="0" err="1">
+                <a:latin typeface="Arial" panose="020B0604020202020204" pitchFamily="34" charset="0"/>
+                <a:cs typeface="Arial" panose="020B0604020202020204" pitchFamily="34" charset="0"/>
+              </a:rPr>
+              <a:t>unpack</a:t>
+            </a:r>
+            <a:r>
+              <a:rPr lang="pt-BR" sz="2400" dirty="0">
+                <a:latin typeface="Arial" panose="020B0604020202020204" pitchFamily="34" charset="0"/>
+                <a:cs typeface="Arial" panose="020B0604020202020204" pitchFamily="34" charset="0"/>
+              </a:rPr>
               <a:t>(Cliente, </a:t>
             </a:r>
             <a:r>
-              <a:rPr lang="pt-BR" sz="2400" dirty="0" err="1"/>
+              <a:rPr lang="pt-BR" sz="2400" dirty="0" err="1">
+                <a:latin typeface="Arial" panose="020B0604020202020204" pitchFamily="34" charset="0"/>
+                <a:cs typeface="Arial" panose="020B0604020202020204" pitchFamily="34" charset="0"/>
+              </a:rPr>
               <a:t>umCliente</a:t>
             </a:r>
             <a:r>
-              <a:rPr lang="pt-BR" sz="2400" dirty="0"/>
+              <a:rPr lang="pt-BR" sz="2400" dirty="0">
+                <a:latin typeface="Arial" panose="020B0604020202020204" pitchFamily="34" charset="0"/>
+                <a:cs typeface="Arial" panose="020B0604020202020204" pitchFamily="34" charset="0"/>
+              </a:rPr>
               <a:t>))</a:t>
             </a:r>
-          </a:p>
-          <a:p>
-            <a:endParaRPr lang="pt-BR" sz="2400" dirty="0"/>
           </a:p>
         </p:txBody>
       </p:sp>
@@ -8028,11 +8378,28 @@
               <a:buChar char="§"/>
             </a:pPr>
             <a:r>
+              <a:rPr lang="pt-BR" sz="3200" b="1" dirty="0">
+                <a:latin typeface="Times New Roman" panose="02020603050405020304" pitchFamily="18" charset="0"/>
+                <a:cs typeface="Times New Roman" panose="02020603050405020304" pitchFamily="18" charset="0"/>
+              </a:rPr>
+              <a:t>Agrupamentos</a:t>
+            </a:r>
+            <a:r>
               <a:rPr lang="pt-BR" sz="3200" dirty="0">
                 <a:latin typeface="Times New Roman" panose="02020603050405020304" pitchFamily="18" charset="0"/>
                 <a:cs typeface="Times New Roman" panose="02020603050405020304" pitchFamily="18" charset="0"/>
               </a:rPr>
-              <a:t>Agrupamentos de dados não nomeados </a:t>
+              <a:t> de dados </a:t>
+            </a:r>
+            <a:r>
+              <a:rPr lang="pt-BR" sz="3200" b="1" dirty="0">
+                <a:solidFill>
+                  <a:srgbClr val="FF0000"/>
+                </a:solidFill>
+                <a:latin typeface="Times New Roman" panose="02020603050405020304" pitchFamily="18" charset="0"/>
+                <a:cs typeface="Times New Roman" panose="02020603050405020304" pitchFamily="18" charset="0"/>
+              </a:rPr>
+              <a:t>não nomeados </a:t>
             </a:r>
           </a:p>
           <a:p>
@@ -8044,7 +8411,34 @@
                 <a:latin typeface="Times New Roman" panose="02020603050405020304" pitchFamily="18" charset="0"/>
                 <a:cs typeface="Times New Roman" panose="02020603050405020304" pitchFamily="18" charset="0"/>
               </a:rPr>
-              <a:t>– Existe em Python, F#... </a:t>
+              <a:t>– Existe em Python, F#</a:t>
+            </a:r>
+            <a:r>
+              <a:rPr lang="pt-BR" sz="3200" dirty="0">
+                <a:solidFill>
+                  <a:schemeClr val="tx1"/>
+                </a:solidFill>
+                <a:latin typeface="Times New Roman" panose="02020603050405020304" pitchFamily="18" charset="0"/>
+                <a:cs typeface="Times New Roman" panose="02020603050405020304" pitchFamily="18" charset="0"/>
+              </a:rPr>
+              <a:t> (F Sharp .NET), </a:t>
+            </a:r>
+            <a:r>
+              <a:rPr lang="pt-BR" sz="3200" dirty="0" err="1">
+                <a:solidFill>
+                  <a:schemeClr val="tx1"/>
+                </a:solidFill>
+                <a:latin typeface="Times New Roman" panose="02020603050405020304" pitchFamily="18" charset="0"/>
+                <a:cs typeface="Times New Roman" panose="02020603050405020304" pitchFamily="18" charset="0"/>
+              </a:rPr>
+              <a:t>etc</a:t>
+            </a:r>
+            <a:r>
+              <a:rPr lang="pt-BR" sz="3200" dirty="0">
+                <a:latin typeface="Times New Roman" panose="02020603050405020304" pitchFamily="18" charset="0"/>
+                <a:cs typeface="Times New Roman" panose="02020603050405020304" pitchFamily="18" charset="0"/>
+              </a:rPr>
+              <a:t> </a:t>
             </a:r>
           </a:p>
           <a:p>
@@ -8098,7 +8492,7 @@
                 <a:latin typeface="Times New Roman" panose="02020603050405020304" pitchFamily="18" charset="0"/>
                 <a:cs typeface="Times New Roman" panose="02020603050405020304" pitchFamily="18" charset="0"/>
               </a:rPr>
-              <a:t>– Mas usualmente </a:t>
+              <a:t>– Definido por</a:t>
             </a:r>
             <a:r>
               <a:rPr lang="pt-BR" sz="3200" b="1" dirty="0">
@@ -8108,7 +8502,7 @@
                 <a:latin typeface="Times New Roman" panose="02020603050405020304" pitchFamily="18" charset="0"/>
                 <a:cs typeface="Times New Roman" panose="02020603050405020304" pitchFamily="18" charset="0"/>
               </a:rPr>
-              <a:t>indicamos parênteses</a:t>
+              <a:t> parênteses</a:t>
             </a:r>
             <a:r>
               <a:rPr lang="pt-BR" sz="3200" dirty="0">
@@ -8735,21 +9129,30 @@
               <a:t>cliente[1] = "1234“ # </a:t>
             </a:r>
             <a:r>
-              <a:rPr lang="pt-BR" dirty="0" err="1">
+              <a:rPr lang="pt-BR" b="1" dirty="0" err="1">
+                <a:solidFill>
+                  <a:srgbClr val="FF0000"/>
+                </a:solidFill>
                 <a:latin typeface="Times New Roman" panose="02020603050405020304" pitchFamily="18" charset="0"/>
                 <a:cs typeface="Times New Roman" panose="02020603050405020304" pitchFamily="18" charset="0"/>
               </a:rPr>
               <a:t>Tupla</a:t>
             </a:r>
             <a:r>
-              <a:rPr lang="pt-BR" dirty="0">
+              <a:rPr lang="pt-BR" b="1" dirty="0">
+                <a:solidFill>
+                  <a:srgbClr val="FF0000"/>
+                </a:solidFill>
                 <a:latin typeface="Times New Roman" panose="02020603050405020304" pitchFamily="18" charset="0"/>
                 <a:cs typeface="Times New Roman" panose="02020603050405020304" pitchFamily="18" charset="0"/>
               </a:rPr>
               <a:t>, </a:t>
             </a:r>
             <a:r>
-              <a:rPr lang="pt-BR" dirty="0" err="1">
+              <a:rPr lang="pt-BR" b="1" dirty="0" err="1">
+                <a:solidFill>
+                  <a:srgbClr val="FF0000"/>
+                </a:solidFill>
                 <a:latin typeface="Times New Roman" panose="02020603050405020304" pitchFamily="18" charset="0"/>
                 <a:cs typeface="Times New Roman" panose="02020603050405020304" pitchFamily="18" charset="0"/>
               </a:rPr>
@@ -9171,19 +9574,8 @@
                 <a:latin typeface="Times New Roman" panose="02020603050405020304" pitchFamily="18" charset="0"/>
                 <a:cs typeface="Times New Roman" panose="02020603050405020304" pitchFamily="18" charset="0"/>
               </a:rPr>
-              <a:t> = Cliente(‘Fulano’, ‘01234567890</a:t>
-            </a:r>
-            <a:r>
-              <a:rPr lang="pt-BR" sz="2400">
-                <a:latin typeface="Times New Roman" panose="02020603050405020304" pitchFamily="18" charset="0"/>
-                <a:cs typeface="Times New Roman" panose="02020603050405020304" pitchFamily="18" charset="0"/>
-              </a:rPr>
-              <a:t>’, 5000.00, 300.00)</a:t>
-            </a:r>
-            <a:endParaRPr lang="pt-BR" sz="2400" dirty="0">
-              <a:latin typeface="Times New Roman" panose="02020603050405020304" pitchFamily="18" charset="0"/>
-              <a:cs typeface="Times New Roman" panose="02020603050405020304" pitchFamily="18" charset="0"/>
-            </a:endParaRPr>
+              <a:t> = Cliente(‘Fulano’, ‘01234567890’, 5000.00, 300.00)</a:t>
+            </a:r>
           </a:p>
           <a:p>
             <a:pPr marL="619125" lvl="1" indent="0" algn="just">
@@ -9366,6 +9758,16 @@
               <a:buChar char="§"/>
             </a:pPr>
             <a:r>
+              <a:rPr lang="pt-BR" b="1" dirty="0">
+                <a:solidFill>
+                  <a:srgbClr val="FF0000"/>
+                </a:solidFill>
+                <a:latin typeface="Times New Roman" panose="02020603050405020304" pitchFamily="18" charset="0"/>
+                <a:cs typeface="Times New Roman" panose="02020603050405020304" pitchFamily="18" charset="0"/>
+              </a:rPr>
+              <a:t>Conjunto</a:t>
+            </a:r>
+            <a:r>
               <a:rPr lang="pt-BR" sz="2000" b="1" dirty="0">
                 <a:solidFill>
                   <a:srgbClr val="FF0000"/>
@@ -9373,10 +9775,10 @@
                 <a:latin typeface="Times New Roman" panose="02020603050405020304" pitchFamily="18" charset="0"/>
                 <a:cs typeface="Times New Roman" panose="02020603050405020304" pitchFamily="18" charset="0"/>
               </a:rPr>
-              <a:t>Conjunto - </a:t>
-            </a:r>
-            <a:r>
-              <a:rPr lang="pt-BR" sz="2000" b="1" dirty="0">
+              <a:t> - </a:t>
+            </a:r>
+            <a:r>
+              <a:rPr lang="pt-BR" b="1" dirty="0">
                 <a:latin typeface="Times New Roman" panose="02020603050405020304" pitchFamily="18" charset="0"/>
                 <a:cs typeface="Times New Roman" panose="02020603050405020304" pitchFamily="18" charset="0"/>
               </a:rPr>
@@ -9402,7 +9804,7 @@
               <a:t>são estruturas disponíveis como </a:t>
             </a:r>
             <a:r>
-              <a:rPr lang="pt-BR" sz="2000" i="1" dirty="0" err="1">
+              <a:rPr lang="pt-BR" sz="2000" b="1" i="1" dirty="0" err="1">
                 <a:latin typeface="Times New Roman" panose="02020603050405020304" pitchFamily="18" charset="0"/>
                 <a:cs typeface="Times New Roman" panose="02020603050405020304" pitchFamily="18" charset="0"/>
               </a:rPr>
@@ -9442,18 +9844,39 @@
               <a:buNone/>
             </a:pPr>
             <a:r>
+              <a:rPr lang="da-DK" sz="2000" b="1" dirty="0">
+                <a:latin typeface="Times New Roman" panose="02020603050405020304" pitchFamily="18" charset="0"/>
+                <a:cs typeface="Times New Roman" panose="02020603050405020304" pitchFamily="18" charset="0"/>
+              </a:rPr>
+              <a:t>set</a:t>
+            </a:r>
+            <a:r>
               <a:rPr lang="da-DK" sz="2000" dirty="0">
                 <a:latin typeface="Times New Roman" panose="02020603050405020304" pitchFamily="18" charset="0"/>
                 <a:cs typeface="Times New Roman" panose="02020603050405020304" pitchFamily="18" charset="0"/>
               </a:rPr>
-              <a:t>set([1, 2, 3, 4])</a:t>
+              <a:t>([1, 2, 3, 4])</a:t>
             </a:r>
             <a:r>
               <a:rPr lang="pt-BR" sz="2000" dirty="0">
                 <a:latin typeface="Times New Roman" panose="02020603050405020304" pitchFamily="18" charset="0"/>
                 <a:cs typeface="Times New Roman" panose="02020603050405020304" pitchFamily="18" charset="0"/>
               </a:rPr>
-              <a:t> ou s </a:t>
+              <a:t> ou </a:t>
+            </a:r>
+            <a:r>
+              <a:rPr lang="pt-BR" sz="2000" b="1" dirty="0">
+                <a:latin typeface="Times New Roman" panose="02020603050405020304" pitchFamily="18" charset="0"/>
+                <a:cs typeface="Times New Roman" panose="02020603050405020304" pitchFamily="18" charset="0"/>
+              </a:rPr>
+              <a:t>s</a:t>
+            </a:r>
+            <a:r>
+              <a:rPr lang="pt-BR" sz="2000" dirty="0">
+                <a:latin typeface="Times New Roman" panose="02020603050405020304" pitchFamily="18" charset="0"/>
+                <a:cs typeface="Times New Roman" panose="02020603050405020304" pitchFamily="18" charset="0"/>
+              </a:rPr>
+              <a:t> </a:t>
             </a:r>
             <a:r>
               <a:rPr lang="da-DK" sz="2000" dirty="0">
@@ -9479,56 +9902,77 @@
                 <a:latin typeface="Times New Roman" panose="02020603050405020304" pitchFamily="18" charset="0"/>
                 <a:cs typeface="Times New Roman" panose="02020603050405020304" pitchFamily="18" charset="0"/>
               </a:rPr>
-              <a:t>a </a:t>
+              <a:t>a</a:t>
             </a:r>
             <a:r>
               <a:rPr lang="da-DK" sz="2000" dirty="0">
                 <a:latin typeface="Times New Roman" panose="02020603050405020304" pitchFamily="18" charset="0"/>
                 <a:cs typeface="Times New Roman" panose="02020603050405020304" pitchFamily="18" charset="0"/>
               </a:rPr>
-              <a:t>= {1, 2, 3, 4};  e </a:t>
-            </a:r>
-            <a:r>
-              <a:rPr lang="pt-BR" sz="2000" dirty="0">
-                <a:latin typeface="Times New Roman" panose="02020603050405020304" pitchFamily="18" charset="0"/>
-                <a:cs typeface="Times New Roman" panose="02020603050405020304" pitchFamily="18" charset="0"/>
-              </a:rPr>
-              <a:t>b </a:t>
+              <a:t>={1, 2, 3, 4};  e </a:t>
+            </a:r>
+            <a:r>
+              <a:rPr lang="pt-BR" sz="2000">
+                <a:latin typeface="Times New Roman" panose="02020603050405020304" pitchFamily="18" charset="0"/>
+                <a:cs typeface="Times New Roman" panose="02020603050405020304" pitchFamily="18" charset="0"/>
+              </a:rPr>
+              <a:t>b</a:t>
+            </a:r>
+            <a:r>
+              <a:rPr lang="da-DK" sz="2000">
+                <a:latin typeface="Times New Roman" panose="02020603050405020304" pitchFamily="18" charset="0"/>
+                <a:cs typeface="Times New Roman" panose="02020603050405020304" pitchFamily="18" charset="0"/>
+              </a:rPr>
+              <a:t>={</a:t>
             </a:r>
             <a:r>
               <a:rPr lang="da-DK" sz="2000" dirty="0">
                 <a:latin typeface="Times New Roman" panose="02020603050405020304" pitchFamily="18" charset="0"/>
                 <a:cs typeface="Times New Roman" panose="02020603050405020304" pitchFamily="18" charset="0"/>
               </a:rPr>
-              <a:t>= {1</a:t>
-            </a:r>
-            <a:r>
-              <a:rPr lang="da-DK" sz="2000">
-                <a:latin typeface="Times New Roman" panose="02020603050405020304" pitchFamily="18" charset="0"/>
-                <a:cs typeface="Times New Roman" panose="02020603050405020304" pitchFamily="18" charset="0"/>
-              </a:rPr>
-              <a:t>, 5, </a:t>
+              <a:t>1, 5, 3, 7}; a.</a:t>
+            </a:r>
+            <a:r>
+              <a:rPr lang="da-DK" sz="2000" b="1" dirty="0">
+                <a:latin typeface="Times New Roman" panose="02020603050405020304" pitchFamily="18" charset="0"/>
+                <a:cs typeface="Times New Roman" panose="02020603050405020304" pitchFamily="18" charset="0"/>
+              </a:rPr>
+              <a:t>union</a:t>
             </a:r>
             <a:r>
               <a:rPr lang="da-DK" sz="2000" dirty="0">
                 <a:latin typeface="Times New Roman" panose="02020603050405020304" pitchFamily="18" charset="0"/>
                 <a:cs typeface="Times New Roman" panose="02020603050405020304" pitchFamily="18" charset="0"/>
               </a:rPr>
-              <a:t>3</a:t>
-            </a:r>
-            <a:r>
-              <a:rPr lang="da-DK" sz="2000">
-                <a:latin typeface="Times New Roman" panose="02020603050405020304" pitchFamily="18" charset="0"/>
-                <a:cs typeface="Times New Roman" panose="02020603050405020304" pitchFamily="18" charset="0"/>
-              </a:rPr>
-              <a:t>, 7}; </a:t>
+              <a:t>(b); a. </a:t>
+            </a:r>
+            <a:r>
+              <a:rPr lang="da-DK" sz="2000" b="1" dirty="0">
+                <a:latin typeface="Times New Roman" panose="02020603050405020304" pitchFamily="18" charset="0"/>
+                <a:cs typeface="Times New Roman" panose="02020603050405020304" pitchFamily="18" charset="0"/>
+              </a:rPr>
+              <a:t>intersection</a:t>
             </a:r>
             <a:r>
               <a:rPr lang="da-DK" sz="2000" dirty="0">
                 <a:latin typeface="Times New Roman" panose="02020603050405020304" pitchFamily="18" charset="0"/>
                 <a:cs typeface="Times New Roman" panose="02020603050405020304" pitchFamily="18" charset="0"/>
               </a:rPr>
-              <a:t>a.union(b); a. intersection(b); a. difference(b)</a:t>
+              <a:t>(b); a. </a:t>
+            </a:r>
+            <a:r>
+              <a:rPr lang="da-DK" sz="2000" b="1" dirty="0">
+                <a:latin typeface="Times New Roman" panose="02020603050405020304" pitchFamily="18" charset="0"/>
+                <a:cs typeface="Times New Roman" panose="02020603050405020304" pitchFamily="18" charset="0"/>
+              </a:rPr>
+              <a:t>difference</a:t>
+            </a:r>
+            <a:r>
+              <a:rPr lang="da-DK" sz="2000" dirty="0">
+                <a:latin typeface="Times New Roman" panose="02020603050405020304" pitchFamily="18" charset="0"/>
+                <a:cs typeface="Times New Roman" panose="02020603050405020304" pitchFamily="18" charset="0"/>
+              </a:rPr>
+              <a:t>(b)</a:t>
             </a:r>
             <a:endParaRPr lang="pt-BR" sz="2000" dirty="0">
               <a:latin typeface="Times New Roman" panose="02020603050405020304" pitchFamily="18" charset="0"/>

--- a/01 Classes/Aula 07 Programação Python - Tipos de Dados Aglomerados.pptx
+++ b/01 Classes/Aula 07 Programação Python - Tipos de Dados Aglomerados.pptx
@@ -5,7 +5,7 @@
     <p:sldMasterId id="2147483671" r:id="rId1"/>
   </p:sldMasterIdLst>
   <p:notesMasterIdLst>
-    <p:notesMasterId r:id="rId26"/>
+    <p:notesMasterId r:id="rId27"/>
   </p:notesMasterIdLst>
   <p:sldIdLst>
     <p:sldId id="256" r:id="rId2"/>
@@ -13,25 +13,26 @@
     <p:sldId id="331" r:id="rId4"/>
     <p:sldId id="338" r:id="rId5"/>
     <p:sldId id="349" r:id="rId6"/>
-    <p:sldId id="348" r:id="rId7"/>
-    <p:sldId id="350" r:id="rId8"/>
-    <p:sldId id="351" r:id="rId9"/>
-    <p:sldId id="352" r:id="rId10"/>
-    <p:sldId id="340" r:id="rId11"/>
-    <p:sldId id="341" r:id="rId12"/>
-    <p:sldId id="343" r:id="rId13"/>
-    <p:sldId id="342" r:id="rId14"/>
-    <p:sldId id="339" r:id="rId15"/>
-    <p:sldId id="344" r:id="rId16"/>
-    <p:sldId id="345" r:id="rId17"/>
-    <p:sldId id="346" r:id="rId18"/>
-    <p:sldId id="347" r:id="rId19"/>
-    <p:sldId id="353" r:id="rId20"/>
-    <p:sldId id="323" r:id="rId21"/>
-    <p:sldId id="333" r:id="rId22"/>
-    <p:sldId id="334" r:id="rId23"/>
-    <p:sldId id="337" r:id="rId24"/>
-    <p:sldId id="309" r:id="rId25"/>
+    <p:sldId id="354" r:id="rId7"/>
+    <p:sldId id="348" r:id="rId8"/>
+    <p:sldId id="350" r:id="rId9"/>
+    <p:sldId id="351" r:id="rId10"/>
+    <p:sldId id="352" r:id="rId11"/>
+    <p:sldId id="340" r:id="rId12"/>
+    <p:sldId id="341" r:id="rId13"/>
+    <p:sldId id="343" r:id="rId14"/>
+    <p:sldId id="342" r:id="rId15"/>
+    <p:sldId id="339" r:id="rId16"/>
+    <p:sldId id="344" r:id="rId17"/>
+    <p:sldId id="345" r:id="rId18"/>
+    <p:sldId id="346" r:id="rId19"/>
+    <p:sldId id="347" r:id="rId20"/>
+    <p:sldId id="353" r:id="rId21"/>
+    <p:sldId id="323" r:id="rId22"/>
+    <p:sldId id="333" r:id="rId23"/>
+    <p:sldId id="334" r:id="rId24"/>
+    <p:sldId id="337" r:id="rId25"/>
+    <p:sldId id="309" r:id="rId26"/>
   </p:sldIdLst>
   <p:sldSz cx="9144000" cy="5143500" type="screen16x9"/>
   <p:notesSz cx="6858000" cy="9144000"/>
@@ -446,7 +447,7 @@
     </p:spTree>
     <p:extLst>
       <p:ext uri="{BB962C8B-B14F-4D97-AF65-F5344CB8AC3E}">
-        <p14:creationId xmlns:p14="http://schemas.microsoft.com/office/powerpoint/2010/main" val="1087326955"/>
+        <p14:creationId xmlns:p14="http://schemas.microsoft.com/office/powerpoint/2010/main" val="874626551"/>
       </p:ext>
     </p:extLst>
   </p:cSld>
@@ -512,7 +513,7 @@
     </p:spTree>
     <p:extLst>
       <p:ext uri="{BB962C8B-B14F-4D97-AF65-F5344CB8AC3E}">
-        <p14:creationId xmlns:p14="http://schemas.microsoft.com/office/powerpoint/2010/main" val="1193636002"/>
+        <p14:creationId xmlns:p14="http://schemas.microsoft.com/office/powerpoint/2010/main" val="1087326955"/>
       </p:ext>
     </p:extLst>
   </p:cSld>
@@ -578,7 +579,7 @@
     </p:spTree>
     <p:extLst>
       <p:ext uri="{BB962C8B-B14F-4D97-AF65-F5344CB8AC3E}">
-        <p14:creationId xmlns:p14="http://schemas.microsoft.com/office/powerpoint/2010/main" val="3877086868"/>
+        <p14:creationId xmlns:p14="http://schemas.microsoft.com/office/powerpoint/2010/main" val="1193636002"/>
       </p:ext>
     </p:extLst>
   </p:cSld>
@@ -644,7 +645,7 @@
     </p:spTree>
     <p:extLst>
       <p:ext uri="{BB962C8B-B14F-4D97-AF65-F5344CB8AC3E}">
-        <p14:creationId xmlns:p14="http://schemas.microsoft.com/office/powerpoint/2010/main" val="3685178982"/>
+        <p14:creationId xmlns:p14="http://schemas.microsoft.com/office/powerpoint/2010/main" val="3877086868"/>
       </p:ext>
     </p:extLst>
   </p:cSld>
@@ -710,7 +711,7 @@
     </p:spTree>
     <p:extLst>
       <p:ext uri="{BB962C8B-B14F-4D97-AF65-F5344CB8AC3E}">
-        <p14:creationId xmlns:p14="http://schemas.microsoft.com/office/powerpoint/2010/main" val="1805732158"/>
+        <p14:creationId xmlns:p14="http://schemas.microsoft.com/office/powerpoint/2010/main" val="3685178982"/>
       </p:ext>
     </p:extLst>
   </p:cSld>
@@ -776,7 +777,7 @@
     </p:spTree>
     <p:extLst>
       <p:ext uri="{BB962C8B-B14F-4D97-AF65-F5344CB8AC3E}">
-        <p14:creationId xmlns:p14="http://schemas.microsoft.com/office/powerpoint/2010/main" val="1661230793"/>
+        <p14:creationId xmlns:p14="http://schemas.microsoft.com/office/powerpoint/2010/main" val="1805732158"/>
       </p:ext>
     </p:extLst>
   </p:cSld>
@@ -842,7 +843,7 @@
     </p:spTree>
     <p:extLst>
       <p:ext uri="{BB962C8B-B14F-4D97-AF65-F5344CB8AC3E}">
-        <p14:creationId xmlns:p14="http://schemas.microsoft.com/office/powerpoint/2010/main" val="731967856"/>
+        <p14:creationId xmlns:p14="http://schemas.microsoft.com/office/powerpoint/2010/main" val="1661230793"/>
       </p:ext>
     </p:extLst>
   </p:cSld>
@@ -908,7 +909,7 @@
     </p:spTree>
     <p:extLst>
       <p:ext uri="{BB962C8B-B14F-4D97-AF65-F5344CB8AC3E}">
-        <p14:creationId xmlns:p14="http://schemas.microsoft.com/office/powerpoint/2010/main" val="3398795520"/>
+        <p14:creationId xmlns:p14="http://schemas.microsoft.com/office/powerpoint/2010/main" val="731967856"/>
       </p:ext>
     </p:extLst>
   </p:cSld>
@@ -974,7 +975,7 @@
     </p:spTree>
     <p:extLst>
       <p:ext uri="{BB962C8B-B14F-4D97-AF65-F5344CB8AC3E}">
-        <p14:creationId xmlns:p14="http://schemas.microsoft.com/office/powerpoint/2010/main" val="2709569597"/>
+        <p14:creationId xmlns:p14="http://schemas.microsoft.com/office/powerpoint/2010/main" val="3398795520"/>
       </p:ext>
     </p:extLst>
   </p:cSld>
@@ -1040,7 +1041,7 @@
     </p:spTree>
     <p:extLst>
       <p:ext uri="{BB962C8B-B14F-4D97-AF65-F5344CB8AC3E}">
-        <p14:creationId xmlns:p14="http://schemas.microsoft.com/office/powerpoint/2010/main" val="585304384"/>
+        <p14:creationId xmlns:p14="http://schemas.microsoft.com/office/powerpoint/2010/main" val="2709569597"/>
       </p:ext>
     </p:extLst>
   </p:cSld>
@@ -1172,6 +1173,72 @@
     </p:spTree>
     <p:extLst>
       <p:ext uri="{BB962C8B-B14F-4D97-AF65-F5344CB8AC3E}">
+        <p14:creationId xmlns:p14="http://schemas.microsoft.com/office/powerpoint/2010/main" val="585304384"/>
+      </p:ext>
+    </p:extLst>
+  </p:cSld>
+  <p:clrMapOvr>
+    <a:masterClrMapping/>
+  </p:clrMapOvr>
+</p:notes>
+</file>
+
+<file path=ppt/notesSlides/notesSlide21.xml><?xml version="1.0" encoding="utf-8"?>
+<p:notes xmlns:a="http://schemas.openxmlformats.org/drawingml/2006/main" xmlns:r="http://schemas.openxmlformats.org/officeDocument/2006/relationships" xmlns:p="http://schemas.openxmlformats.org/presentationml/2006/main">
+  <p:cSld>
+    <p:spTree>
+      <p:nvGrpSpPr>
+        <p:cNvPr id="1" name=""/>
+        <p:cNvGrpSpPr/>
+        <p:nvPr/>
+      </p:nvGrpSpPr>
+      <p:grpSpPr>
+        <a:xfrm>
+          <a:off x="0" y="0"/>
+          <a:ext cx="0" cy="0"/>
+          <a:chOff x="0" y="0"/>
+          <a:chExt cx="0" cy="0"/>
+        </a:xfrm>
+      </p:grpSpPr>
+      <p:sp>
+        <p:nvSpPr>
+          <p:cNvPr id="2" name="Espaço Reservado para Imagem de Slide 1"/>
+          <p:cNvSpPr>
+            <a:spLocks noGrp="1" noRot="1" noChangeAspect="1"/>
+          </p:cNvSpPr>
+          <p:nvPr>
+            <p:ph type="sldImg"/>
+          </p:nvPr>
+        </p:nvSpPr>
+        <p:spPr>
+          <a:xfrm>
+            <a:off x="381000" y="685800"/>
+            <a:ext cx="6096000" cy="3429000"/>
+          </a:xfrm>
+        </p:spPr>
+      </p:sp>
+      <p:sp>
+        <p:nvSpPr>
+          <p:cNvPr id="3" name="Espaço Reservado para Anotações 2"/>
+          <p:cNvSpPr>
+            <a:spLocks noGrp="1"/>
+          </p:cNvSpPr>
+          <p:nvPr>
+            <p:ph type="body" idx="1"/>
+          </p:nvPr>
+        </p:nvSpPr>
+        <p:spPr/>
+        <p:txBody>
+          <a:bodyPr/>
+          <a:lstStyle/>
+          <a:p>
+            <a:endParaRPr lang="pt-BR" dirty="0"/>
+          </a:p>
+        </p:txBody>
+      </p:sp>
+    </p:spTree>
+    <p:extLst>
+      <p:ext uri="{BB962C8B-B14F-4D97-AF65-F5344CB8AC3E}">
         <p14:creationId xmlns:p14="http://schemas.microsoft.com/office/powerpoint/2010/main" val="2296249050"/>
       </p:ext>
     </p:extLst>
@@ -1182,7 +1249,7 @@
 </p:notes>
 </file>
 
-<file path=ppt/notesSlides/notesSlide21.xml><?xml version="1.0" encoding="utf-8"?>
+<file path=ppt/notesSlides/notesSlide22.xml><?xml version="1.0" encoding="utf-8"?>
 <p:notes xmlns:a="http://schemas.openxmlformats.org/drawingml/2006/main" xmlns:r="http://schemas.openxmlformats.org/officeDocument/2006/relationships" xmlns:p="http://schemas.openxmlformats.org/presentationml/2006/main">
   <p:cSld>
     <p:spTree>
@@ -1370,7 +1437,7 @@
     </p:spTree>
     <p:extLst>
       <p:ext uri="{BB962C8B-B14F-4D97-AF65-F5344CB8AC3E}">
-        <p14:creationId xmlns:p14="http://schemas.microsoft.com/office/powerpoint/2010/main" val="1236734081"/>
+        <p14:creationId xmlns:p14="http://schemas.microsoft.com/office/powerpoint/2010/main" val="275655036"/>
       </p:ext>
     </p:extLst>
   </p:cSld>
@@ -1436,7 +1503,7 @@
     </p:spTree>
     <p:extLst>
       <p:ext uri="{BB962C8B-B14F-4D97-AF65-F5344CB8AC3E}">
-        <p14:creationId xmlns:p14="http://schemas.microsoft.com/office/powerpoint/2010/main" val="3813042706"/>
+        <p14:creationId xmlns:p14="http://schemas.microsoft.com/office/powerpoint/2010/main" val="1236734081"/>
       </p:ext>
     </p:extLst>
   </p:cSld>
@@ -1502,7 +1569,7 @@
     </p:spTree>
     <p:extLst>
       <p:ext uri="{BB962C8B-B14F-4D97-AF65-F5344CB8AC3E}">
-        <p14:creationId xmlns:p14="http://schemas.microsoft.com/office/powerpoint/2010/main" val="3581898231"/>
+        <p14:creationId xmlns:p14="http://schemas.microsoft.com/office/powerpoint/2010/main" val="3813042706"/>
       </p:ext>
     </p:extLst>
   </p:cSld>
@@ -1568,7 +1635,7 @@
     </p:spTree>
     <p:extLst>
       <p:ext uri="{BB962C8B-B14F-4D97-AF65-F5344CB8AC3E}">
-        <p14:creationId xmlns:p14="http://schemas.microsoft.com/office/powerpoint/2010/main" val="3821292597"/>
+        <p14:creationId xmlns:p14="http://schemas.microsoft.com/office/powerpoint/2010/main" val="3581898231"/>
       </p:ext>
     </p:extLst>
   </p:cSld>
@@ -1634,7 +1701,7 @@
     </p:spTree>
     <p:extLst>
       <p:ext uri="{BB962C8B-B14F-4D97-AF65-F5344CB8AC3E}">
-        <p14:creationId xmlns:p14="http://schemas.microsoft.com/office/powerpoint/2010/main" val="1131444248"/>
+        <p14:creationId xmlns:p14="http://schemas.microsoft.com/office/powerpoint/2010/main" val="3821292597"/>
       </p:ext>
     </p:extLst>
   </p:cSld>
@@ -1700,7 +1767,7 @@
     </p:spTree>
     <p:extLst>
       <p:ext uri="{BB962C8B-B14F-4D97-AF65-F5344CB8AC3E}">
-        <p14:creationId xmlns:p14="http://schemas.microsoft.com/office/powerpoint/2010/main" val="874626551"/>
+        <p14:creationId xmlns:p14="http://schemas.microsoft.com/office/powerpoint/2010/main" val="1131444248"/>
       </p:ext>
     </p:extLst>
   </p:cSld>
@@ -1849,7 +1916,7 @@
           <a:p>
             <a:fld id="{48A87A34-81AB-432B-8DAE-1953F412C126}" type="datetimeFigureOut">
               <a:rPr lang="en-US" smtClean="0"/>
-              <a:t>8/24/2022</a:t>
+              <a:t>9/16/2022</a:t>
             </a:fld>
             <a:endParaRPr lang="en-US" dirty="0"/>
           </a:p>
@@ -2060,7 +2127,7 @@
           <a:p>
             <a:fld id="{48A87A34-81AB-432B-8DAE-1953F412C126}" type="datetimeFigureOut">
               <a:rPr lang="en-US" smtClean="0"/>
-              <a:t>8/24/2022</a:t>
+              <a:t>9/16/2022</a:t>
             </a:fld>
             <a:endParaRPr lang="en-US" dirty="0"/>
           </a:p>
@@ -2275,7 +2342,7 @@
           <a:p>
             <a:fld id="{48A87A34-81AB-432B-8DAE-1953F412C126}" type="datetimeFigureOut">
               <a:rPr lang="en-US" smtClean="0"/>
-              <a:t>8/24/2022</a:t>
+              <a:t>9/16/2022</a:t>
             </a:fld>
             <a:endParaRPr lang="en-US" dirty="0"/>
           </a:p>
@@ -2643,7 +2710,7 @@
           <a:p>
             <a:fld id="{48A87A34-81AB-432B-8DAE-1953F412C126}" type="datetimeFigureOut">
               <a:rPr lang="en-US" smtClean="0"/>
-              <a:t>8/24/2022</a:t>
+              <a:t>9/16/2022</a:t>
             </a:fld>
             <a:endParaRPr lang="en-US" dirty="0"/>
           </a:p>
@@ -2922,7 +2989,7 @@
           <a:p>
             <a:fld id="{48A87A34-81AB-432B-8DAE-1953F412C126}" type="datetimeFigureOut">
               <a:rPr lang="en-US" smtClean="0"/>
-              <a:t>8/24/2022</a:t>
+              <a:t>9/16/2022</a:t>
             </a:fld>
             <a:endParaRPr lang="en-US" dirty="0"/>
           </a:p>
@@ -3190,7 +3257,7 @@
           <a:p>
             <a:fld id="{48A87A34-81AB-432B-8DAE-1953F412C126}" type="datetimeFigureOut">
               <a:rPr lang="en-US" smtClean="0"/>
-              <a:t>8/24/2022</a:t>
+              <a:t>9/16/2022</a:t>
             </a:fld>
             <a:endParaRPr lang="en-US" dirty="0"/>
           </a:p>
@@ -3606,7 +3673,7 @@
           <a:p>
             <a:fld id="{48A87A34-81AB-432B-8DAE-1953F412C126}" type="datetimeFigureOut">
               <a:rPr lang="en-US" smtClean="0"/>
-              <a:t>8/24/2022</a:t>
+              <a:t>9/16/2022</a:t>
             </a:fld>
             <a:endParaRPr lang="en-US" dirty="0"/>
           </a:p>
@@ -3755,7 +3822,7 @@
           <a:p>
             <a:fld id="{48A87A34-81AB-432B-8DAE-1953F412C126}" type="datetimeFigureOut">
               <a:rPr lang="en-US" smtClean="0"/>
-              <a:t>8/24/2022</a:t>
+              <a:t>9/16/2022</a:t>
             </a:fld>
             <a:endParaRPr lang="en-US" dirty="0"/>
           </a:p>
@@ -3881,7 +3948,7 @@
           <a:p>
             <a:fld id="{48A87A34-81AB-432B-8DAE-1953F412C126}" type="datetimeFigureOut">
               <a:rPr lang="en-US" smtClean="0"/>
-              <a:t>8/24/2022</a:t>
+              <a:t>9/16/2022</a:t>
             </a:fld>
             <a:endParaRPr lang="en-US" dirty="0"/>
           </a:p>
@@ -4132,7 +4199,7 @@
           <a:p>
             <a:fld id="{48A87A34-81AB-432B-8DAE-1953F412C126}" type="datetimeFigureOut">
               <a:rPr lang="en-US" smtClean="0"/>
-              <a:t>8/24/2022</a:t>
+              <a:t>9/16/2022</a:t>
             </a:fld>
             <a:endParaRPr lang="en-US" dirty="0"/>
           </a:p>
@@ -4578,7 +4645,7 @@
             <a:fld id="{48A87A34-81AB-432B-8DAE-1953F412C126}" type="datetimeFigureOut">
               <a:rPr lang="en-US" smtClean="0"/>
               <a:pPr/>
-              <a:t>8/24/2022</a:t>
+              <a:t>9/16/2022</a:t>
             </a:fld>
             <a:endParaRPr lang="en-US" dirty="0"/>
           </a:p>
@@ -4906,7 +4973,7 @@
             <a:fld id="{48A87A34-81AB-432B-8DAE-1953F412C126}" type="datetimeFigureOut">
               <a:rPr lang="en-US" smtClean="0"/>
               <a:pPr/>
-              <a:t>8/24/2022</a:t>
+              <a:t>9/16/2022</a:t>
             </a:fld>
             <a:endParaRPr lang="en-US" dirty="0"/>
           </a:p>
@@ -5971,7 +6038,7 @@
                   <a:srgbClr val="0070C0"/>
                 </a:solidFill>
               </a:rPr>
-              <a:t>Python – TD </a:t>
+              <a:t>Python – </a:t>
             </a:r>
             <a:r>
               <a:rPr lang="en-US" b="1" dirty="0" err="1">
@@ -5979,6 +6046,22 @@
                   <a:srgbClr val="0070C0"/>
                 </a:solidFill>
               </a:rPr>
+              <a:t>TDados</a:t>
+            </a:r>
+            <a:r>
+              <a:rPr lang="en-US" b="1" dirty="0">
+                <a:solidFill>
+                  <a:srgbClr val="0070C0"/>
+                </a:solidFill>
+              </a:rPr>
+              <a:t> </a:t>
+            </a:r>
+            <a:r>
+              <a:rPr lang="en-US" b="1" dirty="0" err="1">
+                <a:solidFill>
+                  <a:srgbClr val="0070C0"/>
+                </a:solidFill>
+              </a:rPr>
               <a:t>Aglomerados</a:t>
             </a:r>
             <a:r>
@@ -5995,7 +6078,7 @@
                   <a:srgbClr val="0070C0"/>
                 </a:solidFill>
               </a:rPr>
-              <a:t>Registros</a:t>
+              <a:t>Listas</a:t>
             </a:r>
             <a:endParaRPr lang="en-US" b="1" dirty="0">
               <a:solidFill>
@@ -6027,6 +6110,379 @@
           </a:bodyPr>
           <a:lstStyle/>
           <a:p>
+            <a:pPr marL="0" indent="0" algn="just">
+              <a:buNone/>
+            </a:pPr>
+            <a:r>
+              <a:rPr lang="pt-BR" b="1" dirty="0">
+                <a:solidFill>
+                  <a:srgbClr val="FF0000"/>
+                </a:solidFill>
+                <a:latin typeface="Times New Roman" panose="02020603050405020304" pitchFamily="18" charset="0"/>
+                <a:cs typeface="Times New Roman" panose="02020603050405020304" pitchFamily="18" charset="0"/>
+              </a:rPr>
+              <a:t>Exemplo Lista: </a:t>
+            </a:r>
+            <a:r>
+              <a:rPr lang="pt-BR" dirty="0" err="1">
+                <a:solidFill>
+                  <a:schemeClr val="tx1"/>
+                </a:solidFill>
+                <a:latin typeface="Times New Roman" panose="02020603050405020304" pitchFamily="18" charset="0"/>
+                <a:cs typeface="Times New Roman" panose="02020603050405020304" pitchFamily="18" charset="0"/>
+              </a:rPr>
+              <a:t>umaLista</a:t>
+            </a:r>
+            <a:r>
+              <a:rPr lang="pt-BR" dirty="0">
+                <a:solidFill>
+                  <a:schemeClr val="tx1"/>
+                </a:solidFill>
+                <a:latin typeface="Times New Roman" panose="02020603050405020304" pitchFamily="18" charset="0"/>
+                <a:cs typeface="Times New Roman" panose="02020603050405020304" pitchFamily="18" charset="0"/>
+              </a:rPr>
+              <a:t> = [1, 4, 8, 5, 7, 9]</a:t>
+            </a:r>
+          </a:p>
+          <a:p>
+            <a:pPr algn="just">
+              <a:buFontTx/>
+              <a:buChar char="-"/>
+            </a:pPr>
+            <a:r>
+              <a:rPr lang="pt-BR" dirty="0">
+                <a:solidFill>
+                  <a:schemeClr val="tx1"/>
+                </a:solidFill>
+                <a:latin typeface="Times New Roman" panose="02020603050405020304" pitchFamily="18" charset="0"/>
+                <a:cs typeface="Times New Roman" panose="02020603050405020304" pitchFamily="18" charset="0"/>
+              </a:rPr>
+              <a:t>Apagar, uma faixa da lista com </a:t>
+            </a:r>
+            <a:r>
+              <a:rPr lang="pt-BR" dirty="0" err="1">
+                <a:solidFill>
+                  <a:schemeClr val="tx1"/>
+                </a:solidFill>
+                <a:latin typeface="Times New Roman" panose="02020603050405020304" pitchFamily="18" charset="0"/>
+                <a:cs typeface="Times New Roman" panose="02020603050405020304" pitchFamily="18" charset="0"/>
+              </a:rPr>
+              <a:t>del</a:t>
+            </a:r>
+            <a:endParaRPr lang="pt-BR" b="1" dirty="0">
+              <a:solidFill>
+                <a:srgbClr val="FF0000"/>
+              </a:solidFill>
+              <a:latin typeface="Times New Roman" panose="02020603050405020304" pitchFamily="18" charset="0"/>
+              <a:cs typeface="Times New Roman" panose="02020603050405020304" pitchFamily="18" charset="0"/>
+            </a:endParaRPr>
+          </a:p>
+          <a:p>
+            <a:pPr marL="0" indent="0" algn="just">
+              <a:buNone/>
+            </a:pPr>
+            <a:r>
+              <a:rPr lang="pt-BR" dirty="0">
+                <a:solidFill>
+                  <a:schemeClr val="tx1"/>
+                </a:solidFill>
+                <a:latin typeface="Times New Roman" panose="02020603050405020304" pitchFamily="18" charset="0"/>
+                <a:cs typeface="Times New Roman" panose="02020603050405020304" pitchFamily="18" charset="0"/>
+              </a:rPr>
+              <a:t>   Ex.: </a:t>
+            </a:r>
+            <a:r>
+              <a:rPr lang="pt-BR" b="1" dirty="0" err="1">
+                <a:solidFill>
+                  <a:schemeClr val="tx1"/>
+                </a:solidFill>
+                <a:latin typeface="Times New Roman" panose="02020603050405020304" pitchFamily="18" charset="0"/>
+                <a:cs typeface="Times New Roman" panose="02020603050405020304" pitchFamily="18" charset="0"/>
+              </a:rPr>
+              <a:t>del</a:t>
+            </a:r>
+            <a:r>
+              <a:rPr lang="pt-BR" dirty="0">
+                <a:solidFill>
+                  <a:schemeClr val="tx1"/>
+                </a:solidFill>
+                <a:latin typeface="Times New Roman" panose="02020603050405020304" pitchFamily="18" charset="0"/>
+                <a:cs typeface="Times New Roman" panose="02020603050405020304" pitchFamily="18" charset="0"/>
+              </a:rPr>
+              <a:t> </a:t>
+            </a:r>
+            <a:r>
+              <a:rPr lang="pt-BR" dirty="0" err="1">
+                <a:solidFill>
+                  <a:schemeClr val="tx1"/>
+                </a:solidFill>
+                <a:latin typeface="Times New Roman" panose="02020603050405020304" pitchFamily="18" charset="0"/>
+                <a:cs typeface="Times New Roman" panose="02020603050405020304" pitchFamily="18" charset="0"/>
+              </a:rPr>
+              <a:t>umaLista</a:t>
+            </a:r>
+            <a:r>
+              <a:rPr lang="pt-BR" dirty="0">
+                <a:solidFill>
+                  <a:schemeClr val="tx1"/>
+                </a:solidFill>
+                <a:latin typeface="Times New Roman" panose="02020603050405020304" pitchFamily="18" charset="0"/>
+                <a:cs typeface="Times New Roman" panose="02020603050405020304" pitchFamily="18" charset="0"/>
+              </a:rPr>
+              <a:t>[1:3]; </a:t>
+            </a:r>
+          </a:p>
+          <a:p>
+            <a:pPr marL="0" indent="0" algn="just">
+              <a:buNone/>
+            </a:pPr>
+            <a:r>
+              <a:rPr lang="pt-BR" dirty="0">
+                <a:latin typeface="Times New Roman" panose="02020603050405020304" pitchFamily="18" charset="0"/>
+                <a:cs typeface="Times New Roman" panose="02020603050405020304" pitchFamily="18" charset="0"/>
+              </a:rPr>
+              <a:t>          </a:t>
+            </a:r>
+            <a:r>
+              <a:rPr lang="pt-BR" b="1" dirty="0">
+                <a:solidFill>
+                  <a:schemeClr val="tx1"/>
+                </a:solidFill>
+                <a:latin typeface="Times New Roman" panose="02020603050405020304" pitchFamily="18" charset="0"/>
+                <a:cs typeface="Times New Roman" panose="02020603050405020304" pitchFamily="18" charset="0"/>
+              </a:rPr>
+              <a:t>print</a:t>
+            </a:r>
+            <a:r>
+              <a:rPr lang="pt-BR" dirty="0">
+                <a:solidFill>
+                  <a:schemeClr val="tx1"/>
+                </a:solidFill>
+                <a:latin typeface="Times New Roman" panose="02020603050405020304" pitchFamily="18" charset="0"/>
+                <a:cs typeface="Times New Roman" panose="02020603050405020304" pitchFamily="18" charset="0"/>
+              </a:rPr>
+              <a:t>(</a:t>
+            </a:r>
+            <a:r>
+              <a:rPr lang="pt-BR" dirty="0" err="1">
+                <a:solidFill>
+                  <a:schemeClr val="tx1"/>
+                </a:solidFill>
+                <a:latin typeface="Times New Roman" panose="02020603050405020304" pitchFamily="18" charset="0"/>
+                <a:cs typeface="Times New Roman" panose="02020603050405020304" pitchFamily="18" charset="0"/>
+              </a:rPr>
+              <a:t>umaLista</a:t>
+            </a:r>
+            <a:r>
+              <a:rPr lang="pt-BR" dirty="0">
+                <a:solidFill>
+                  <a:schemeClr val="tx1"/>
+                </a:solidFill>
+                <a:latin typeface="Times New Roman" panose="02020603050405020304" pitchFamily="18" charset="0"/>
+                <a:cs typeface="Times New Roman" panose="02020603050405020304" pitchFamily="18" charset="0"/>
+              </a:rPr>
+              <a:t>) # 1, 5, 7, 9</a:t>
+            </a:r>
+          </a:p>
+          <a:p>
+            <a:pPr algn="just">
+              <a:buFontTx/>
+              <a:buChar char="-"/>
+            </a:pPr>
+            <a:r>
+              <a:rPr lang="pt-BR" dirty="0">
+                <a:solidFill>
+                  <a:schemeClr val="tx1"/>
+                </a:solidFill>
+                <a:latin typeface="Times New Roman" panose="02020603050405020304" pitchFamily="18" charset="0"/>
+                <a:cs typeface="Times New Roman" panose="02020603050405020304" pitchFamily="18" charset="0"/>
+              </a:rPr>
+              <a:t>Apagar lista totalmente</a:t>
+            </a:r>
+            <a:endParaRPr lang="pt-BR" b="1" dirty="0">
+              <a:solidFill>
+                <a:srgbClr val="FF0000"/>
+              </a:solidFill>
+              <a:latin typeface="Times New Roman" panose="02020603050405020304" pitchFamily="18" charset="0"/>
+              <a:cs typeface="Times New Roman" panose="02020603050405020304" pitchFamily="18" charset="0"/>
+            </a:endParaRPr>
+          </a:p>
+          <a:p>
+            <a:pPr marL="0" indent="0" algn="just">
+              <a:buNone/>
+            </a:pPr>
+            <a:r>
+              <a:rPr lang="pt-BR" dirty="0">
+                <a:solidFill>
+                  <a:schemeClr val="tx1"/>
+                </a:solidFill>
+                <a:latin typeface="Times New Roman" panose="02020603050405020304" pitchFamily="18" charset="0"/>
+                <a:cs typeface="Times New Roman" panose="02020603050405020304" pitchFamily="18" charset="0"/>
+              </a:rPr>
+              <a:t>   Ex.: </a:t>
+            </a:r>
+            <a:r>
+              <a:rPr lang="pt-BR" b="1" dirty="0" err="1">
+                <a:solidFill>
+                  <a:schemeClr val="tx1"/>
+                </a:solidFill>
+                <a:latin typeface="Times New Roman" panose="02020603050405020304" pitchFamily="18" charset="0"/>
+                <a:cs typeface="Times New Roman" panose="02020603050405020304" pitchFamily="18" charset="0"/>
+              </a:rPr>
+              <a:t>del</a:t>
+            </a:r>
+            <a:r>
+              <a:rPr lang="pt-BR" dirty="0">
+                <a:solidFill>
+                  <a:schemeClr val="tx1"/>
+                </a:solidFill>
+                <a:latin typeface="Times New Roman" panose="02020603050405020304" pitchFamily="18" charset="0"/>
+                <a:cs typeface="Times New Roman" panose="02020603050405020304" pitchFamily="18" charset="0"/>
+              </a:rPr>
+              <a:t> </a:t>
+            </a:r>
+            <a:r>
+              <a:rPr lang="pt-BR" dirty="0" err="1">
+                <a:solidFill>
+                  <a:schemeClr val="tx1"/>
+                </a:solidFill>
+                <a:latin typeface="Times New Roman" panose="02020603050405020304" pitchFamily="18" charset="0"/>
+                <a:cs typeface="Times New Roman" panose="02020603050405020304" pitchFamily="18" charset="0"/>
+              </a:rPr>
+              <a:t>umaLista</a:t>
+            </a:r>
+            <a:endParaRPr lang="pt-BR" dirty="0">
+              <a:solidFill>
+                <a:schemeClr val="tx1"/>
+              </a:solidFill>
+              <a:latin typeface="Times New Roman" panose="02020603050405020304" pitchFamily="18" charset="0"/>
+              <a:cs typeface="Times New Roman" panose="02020603050405020304" pitchFamily="18" charset="0"/>
+            </a:endParaRPr>
+          </a:p>
+          <a:p>
+            <a:pPr marL="0" indent="0" algn="just">
+              <a:buNone/>
+            </a:pPr>
+            <a:endParaRPr lang="pt-BR" dirty="0">
+              <a:solidFill>
+                <a:schemeClr val="tx1"/>
+              </a:solidFill>
+              <a:latin typeface="Times New Roman" panose="02020603050405020304" pitchFamily="18" charset="0"/>
+              <a:cs typeface="Times New Roman" panose="02020603050405020304" pitchFamily="18" charset="0"/>
+            </a:endParaRPr>
+          </a:p>
+        </p:txBody>
+      </p:sp>
+    </p:spTree>
+    <p:extLst>
+      <p:ext uri="{BB962C8B-B14F-4D97-AF65-F5344CB8AC3E}">
+        <p14:creationId xmlns:p14="http://schemas.microsoft.com/office/powerpoint/2010/main" val="2615201603"/>
+      </p:ext>
+    </p:extLst>
+  </p:cSld>
+  <p:clrMapOvr>
+    <a:masterClrMapping/>
+  </p:clrMapOvr>
+  <p:transition spd="med"/>
+</p:sld>
+</file>
+
+<file path=ppt/slides/slide11.xml><?xml version="1.0" encoding="utf-8"?>
+<p:sld xmlns:a="http://schemas.openxmlformats.org/drawingml/2006/main" xmlns:r="http://schemas.openxmlformats.org/officeDocument/2006/relationships" xmlns:p="http://schemas.openxmlformats.org/presentationml/2006/main">
+  <p:cSld>
+    <p:spTree>
+      <p:nvGrpSpPr>
+        <p:cNvPr id="1" name=""/>
+        <p:cNvGrpSpPr/>
+        <p:nvPr/>
+      </p:nvGrpSpPr>
+      <p:grpSpPr>
+        <a:xfrm>
+          <a:off x="0" y="0"/>
+          <a:ext cx="0" cy="0"/>
+          <a:chOff x="0" y="0"/>
+          <a:chExt cx="0" cy="0"/>
+        </a:xfrm>
+      </p:grpSpPr>
+      <p:sp>
+        <p:nvSpPr>
+          <p:cNvPr id="6" name="Title 1"/>
+          <p:cNvSpPr>
+            <a:spLocks noGrp="1"/>
+          </p:cNvSpPr>
+          <p:nvPr>
+            <p:ph type="title"/>
+          </p:nvPr>
+        </p:nvSpPr>
+        <p:spPr/>
+        <p:txBody>
+          <a:bodyPr>
+            <a:normAutofit/>
+          </a:bodyPr>
+          <a:lstStyle/>
+          <a:p>
+            <a:r>
+              <a:rPr lang="en-US" b="1" dirty="0">
+                <a:solidFill>
+                  <a:srgbClr val="0070C0"/>
+                </a:solidFill>
+              </a:rPr>
+              <a:t>Python – TD </a:t>
+            </a:r>
+            <a:r>
+              <a:rPr lang="en-US" b="1" dirty="0" err="1">
+                <a:solidFill>
+                  <a:srgbClr val="0070C0"/>
+                </a:solidFill>
+              </a:rPr>
+              <a:t>Aglomerados</a:t>
+            </a:r>
+            <a:r>
+              <a:rPr lang="en-US" b="1" dirty="0">
+                <a:solidFill>
+                  <a:srgbClr val="0070C0"/>
+                </a:solidFill>
+              </a:rPr>
+              <a:t> </a:t>
+            </a:r>
+            <a:r>
+              <a:rPr lang="en-US" b="1" dirty="0" err="1">
+                <a:solidFill>
+                  <a:srgbClr val="0070C0"/>
+                </a:solidFill>
+              </a:rPr>
+              <a:t>Registros</a:t>
+            </a:r>
+            <a:endParaRPr lang="en-US" b="1" dirty="0">
+              <a:solidFill>
+                <a:srgbClr val="0070C0"/>
+              </a:solidFill>
+            </a:endParaRPr>
+          </a:p>
+        </p:txBody>
+      </p:sp>
+      <p:sp>
+        <p:nvSpPr>
+          <p:cNvPr id="8" name="Text Placeholder 2"/>
+          <p:cNvSpPr>
+            <a:spLocks noGrp="1"/>
+          </p:cNvSpPr>
+          <p:nvPr>
+            <p:ph type="body" sz="half" idx="1"/>
+          </p:nvPr>
+        </p:nvSpPr>
+        <p:spPr>
+          <a:xfrm>
+            <a:off x="142865" y="1200150"/>
+            <a:ext cx="8865056" cy="3737370"/>
+          </a:xfrm>
+        </p:spPr>
+        <p:txBody>
+          <a:bodyPr>
+            <a:noAutofit/>
+          </a:bodyPr>
+          <a:lstStyle/>
+          <a:p>
             <a:pPr algn="just">
               <a:buFont typeface="Wingdings" panose="05000000000000000000" pitchFamily="2" charset="2"/>
               <a:buChar char="§"/>
@@ -6081,7 +6537,7 @@
                 <a:latin typeface="Times New Roman" panose="02020603050405020304" pitchFamily="18" charset="0"/>
                 <a:cs typeface="Times New Roman" panose="02020603050405020304" pitchFamily="18" charset="0"/>
               </a:rPr>
-              <a:t> (C, C++, Fortran, F# (F Sharp .NET)</a:t>
+              <a:t> ( C, C++, Fortran, F# (F Sharp .NET) )</a:t>
             </a:r>
           </a:p>
           <a:p>
@@ -6654,948 +7110,6 @@
 </p:sld>
 </file>
 
-<file path=ppt/slides/slide11.xml><?xml version="1.0" encoding="utf-8"?>
-<p:sld xmlns:a="http://schemas.openxmlformats.org/drawingml/2006/main" xmlns:r="http://schemas.openxmlformats.org/officeDocument/2006/relationships" xmlns:p="http://schemas.openxmlformats.org/presentationml/2006/main">
-  <p:cSld>
-    <p:spTree>
-      <p:nvGrpSpPr>
-        <p:cNvPr id="1" name=""/>
-        <p:cNvGrpSpPr/>
-        <p:nvPr/>
-      </p:nvGrpSpPr>
-      <p:grpSpPr>
-        <a:xfrm>
-          <a:off x="0" y="0"/>
-          <a:ext cx="0" cy="0"/>
-          <a:chOff x="0" y="0"/>
-          <a:chExt cx="0" cy="0"/>
-        </a:xfrm>
-      </p:grpSpPr>
-      <p:sp>
-        <p:nvSpPr>
-          <p:cNvPr id="6" name="Title 1"/>
-          <p:cNvSpPr>
-            <a:spLocks noGrp="1"/>
-          </p:cNvSpPr>
-          <p:nvPr>
-            <p:ph type="title"/>
-          </p:nvPr>
-        </p:nvSpPr>
-        <p:spPr/>
-        <p:txBody>
-          <a:bodyPr>
-            <a:normAutofit/>
-          </a:bodyPr>
-          <a:lstStyle/>
-          <a:p>
-            <a:r>
-              <a:rPr lang="en-US" b="1" dirty="0">
-                <a:solidFill>
-                  <a:srgbClr val="0070C0"/>
-                </a:solidFill>
-              </a:rPr>
-              <a:t>Python – TD </a:t>
-            </a:r>
-            <a:r>
-              <a:rPr lang="en-US" b="1" dirty="0" err="1">
-                <a:solidFill>
-                  <a:srgbClr val="0070C0"/>
-                </a:solidFill>
-              </a:rPr>
-              <a:t>Aglomerados</a:t>
-            </a:r>
-            <a:r>
-              <a:rPr lang="en-US" b="1" dirty="0">
-                <a:solidFill>
-                  <a:srgbClr val="0070C0"/>
-                </a:solidFill>
-              </a:rPr>
-              <a:t> </a:t>
-            </a:r>
-            <a:r>
-              <a:rPr lang="en-US" b="1" dirty="0" err="1">
-                <a:solidFill>
-                  <a:srgbClr val="0070C0"/>
-                </a:solidFill>
-              </a:rPr>
-              <a:t>Registros</a:t>
-            </a:r>
-            <a:endParaRPr lang="en-US" b="1" dirty="0">
-              <a:solidFill>
-                <a:srgbClr val="0070C0"/>
-              </a:solidFill>
-            </a:endParaRPr>
-          </a:p>
-        </p:txBody>
-      </p:sp>
-      <p:sp>
-        <p:nvSpPr>
-          <p:cNvPr id="8" name="Text Placeholder 2"/>
-          <p:cNvSpPr>
-            <a:spLocks noGrp="1"/>
-          </p:cNvSpPr>
-          <p:nvPr>
-            <p:ph type="body" sz="half" idx="1"/>
-          </p:nvPr>
-        </p:nvSpPr>
-        <p:spPr>
-          <a:xfrm>
-            <a:off x="142865" y="1200150"/>
-            <a:ext cx="8865056" cy="3737370"/>
-          </a:xfrm>
-        </p:spPr>
-        <p:txBody>
-          <a:bodyPr>
-            <a:noAutofit/>
-          </a:bodyPr>
-          <a:lstStyle/>
-          <a:p>
-            <a:pPr marL="0" indent="0" algn="just">
-              <a:buNone/>
-            </a:pPr>
-            <a:r>
-              <a:rPr lang="pt-BR" sz="2400" b="1" dirty="0">
-                <a:solidFill>
-                  <a:srgbClr val="FF0000"/>
-                </a:solidFill>
-                <a:latin typeface="Times New Roman" panose="02020603050405020304" pitchFamily="18" charset="0"/>
-                <a:cs typeface="Times New Roman" panose="02020603050405020304" pitchFamily="18" charset="0"/>
-              </a:rPr>
-              <a:t>Registro (Exemplo: linguagem C)</a:t>
-            </a:r>
-            <a:endParaRPr lang="pt-BR" sz="2400" dirty="0">
-              <a:solidFill>
-                <a:schemeClr val="tx1"/>
-              </a:solidFill>
-              <a:latin typeface="Times New Roman" panose="02020603050405020304" pitchFamily="18" charset="0"/>
-              <a:cs typeface="Times New Roman" panose="02020603050405020304" pitchFamily="18" charset="0"/>
-            </a:endParaRPr>
-          </a:p>
-          <a:p>
-            <a:pPr marL="0" indent="0" algn="just">
-              <a:buNone/>
-            </a:pPr>
-            <a:r>
-              <a:rPr lang="pt-BR" sz="2000" dirty="0">
-                <a:solidFill>
-                  <a:schemeClr val="tx1"/>
-                </a:solidFill>
-                <a:latin typeface="Times New Roman" panose="02020603050405020304" pitchFamily="18" charset="0"/>
-                <a:cs typeface="Times New Roman" panose="02020603050405020304" pitchFamily="18" charset="0"/>
-              </a:rPr>
-              <a:t> </a:t>
-            </a:r>
-          </a:p>
-          <a:p>
-            <a:pPr marL="0" indent="0" algn="just">
-              <a:buNone/>
-            </a:pPr>
-            <a:endParaRPr lang="pt-BR" sz="2000" dirty="0">
-              <a:solidFill>
-                <a:schemeClr val="tx1"/>
-              </a:solidFill>
-              <a:latin typeface="Times New Roman" panose="02020603050405020304" pitchFamily="18" charset="0"/>
-              <a:cs typeface="Times New Roman" panose="02020603050405020304" pitchFamily="18" charset="0"/>
-            </a:endParaRPr>
-          </a:p>
-        </p:txBody>
-      </p:sp>
-      <p:sp>
-        <p:nvSpPr>
-          <p:cNvPr id="3" name="CaixaDeTexto 2">
-            <a:extLst>
-              <a:ext uri="{FF2B5EF4-FFF2-40B4-BE49-F238E27FC236}">
-                <a16:creationId xmlns:a16="http://schemas.microsoft.com/office/drawing/2014/main" id="{6709984F-2047-4B0A-8173-791A8AE310FF}"/>
-              </a:ext>
-            </a:extLst>
-          </p:cNvPr>
-          <p:cNvSpPr txBox="1"/>
-          <p:nvPr/>
-        </p:nvSpPr>
-        <p:spPr>
-          <a:xfrm>
-            <a:off x="638827" y="1648389"/>
-            <a:ext cx="3181611" cy="3046988"/>
-          </a:xfrm>
-          <a:prstGeom prst="rect">
-            <a:avLst/>
-          </a:prstGeom>
-          <a:noFill/>
-        </p:spPr>
-        <p:txBody>
-          <a:bodyPr wrap="square" rtlCol="0">
-            <a:spAutoFit/>
-          </a:bodyPr>
-          <a:lstStyle/>
-          <a:p>
-            <a:pPr marL="0" indent="0" algn="just">
-              <a:buNone/>
-            </a:pPr>
-            <a:r>
-              <a:rPr lang="pt-BR" sz="2400" dirty="0">
-                <a:solidFill>
-                  <a:schemeClr val="tx1"/>
-                </a:solidFill>
-                <a:latin typeface="Times New Roman" panose="02020603050405020304" pitchFamily="18" charset="0"/>
-                <a:cs typeface="Times New Roman" panose="02020603050405020304" pitchFamily="18" charset="0"/>
-              </a:rPr>
-              <a:t>#</a:t>
-            </a:r>
-            <a:r>
-              <a:rPr lang="pt-BR" sz="2400" b="1" dirty="0">
-                <a:solidFill>
-                  <a:schemeClr val="tx1"/>
-                </a:solidFill>
-                <a:latin typeface="Times New Roman" panose="02020603050405020304" pitchFamily="18" charset="0"/>
-                <a:cs typeface="Times New Roman" panose="02020603050405020304" pitchFamily="18" charset="0"/>
-              </a:rPr>
-              <a:t>include</a:t>
-            </a:r>
-            <a:r>
-              <a:rPr lang="pt-BR" sz="2400" dirty="0">
-                <a:solidFill>
-                  <a:schemeClr val="tx1"/>
-                </a:solidFill>
-                <a:latin typeface="Times New Roman" panose="02020603050405020304" pitchFamily="18" charset="0"/>
-                <a:cs typeface="Times New Roman" panose="02020603050405020304" pitchFamily="18" charset="0"/>
-              </a:rPr>
-              <a:t> &lt;</a:t>
-            </a:r>
-            <a:r>
-              <a:rPr lang="pt-BR" sz="2400" b="1" dirty="0" err="1">
-                <a:solidFill>
-                  <a:srgbClr val="FF0000"/>
-                </a:solidFill>
-                <a:latin typeface="Times New Roman" panose="02020603050405020304" pitchFamily="18" charset="0"/>
-                <a:cs typeface="Times New Roman" panose="02020603050405020304" pitchFamily="18" charset="0"/>
-              </a:rPr>
-              <a:t>iostream</a:t>
-            </a:r>
-            <a:r>
-              <a:rPr lang="pt-BR" sz="2400" dirty="0">
-                <a:solidFill>
-                  <a:schemeClr val="tx1"/>
-                </a:solidFill>
-                <a:latin typeface="Times New Roman" panose="02020603050405020304" pitchFamily="18" charset="0"/>
-                <a:cs typeface="Times New Roman" panose="02020603050405020304" pitchFamily="18" charset="0"/>
-              </a:rPr>
-              <a:t>&gt;	</a:t>
-            </a:r>
-            <a:endParaRPr lang="pt-BR" sz="2400" b="1" dirty="0">
-              <a:solidFill>
-                <a:srgbClr val="FF0000"/>
-              </a:solidFill>
-              <a:latin typeface="Times New Roman" panose="02020603050405020304" pitchFamily="18" charset="0"/>
-              <a:cs typeface="Times New Roman" panose="02020603050405020304" pitchFamily="18" charset="0"/>
-            </a:endParaRPr>
-          </a:p>
-          <a:p>
-            <a:pPr marL="0" indent="0" algn="just">
-              <a:buNone/>
-            </a:pPr>
-            <a:r>
-              <a:rPr lang="pt-BR" sz="2400" b="1" dirty="0" err="1">
-                <a:solidFill>
-                  <a:schemeClr val="tx1"/>
-                </a:solidFill>
-                <a:latin typeface="Times New Roman" panose="02020603050405020304" pitchFamily="18" charset="0"/>
-                <a:cs typeface="Times New Roman" panose="02020603050405020304" pitchFamily="18" charset="0"/>
-              </a:rPr>
-              <a:t>using</a:t>
-            </a:r>
-            <a:r>
-              <a:rPr lang="pt-BR" sz="2400" dirty="0">
-                <a:solidFill>
-                  <a:schemeClr val="tx1"/>
-                </a:solidFill>
-                <a:latin typeface="Times New Roman" panose="02020603050405020304" pitchFamily="18" charset="0"/>
-                <a:cs typeface="Times New Roman" panose="02020603050405020304" pitchFamily="18" charset="0"/>
-              </a:rPr>
-              <a:t> </a:t>
-            </a:r>
-            <a:r>
-              <a:rPr lang="pt-BR" sz="2400" b="1" dirty="0" err="1">
-                <a:solidFill>
-                  <a:srgbClr val="FF0000"/>
-                </a:solidFill>
-                <a:latin typeface="Times New Roman" panose="02020603050405020304" pitchFamily="18" charset="0"/>
-                <a:cs typeface="Times New Roman" panose="02020603050405020304" pitchFamily="18" charset="0"/>
-              </a:rPr>
-              <a:t>namespace</a:t>
-            </a:r>
-            <a:r>
-              <a:rPr lang="pt-BR" sz="2400" dirty="0">
-                <a:solidFill>
-                  <a:schemeClr val="tx1"/>
-                </a:solidFill>
-                <a:latin typeface="Times New Roman" panose="02020603050405020304" pitchFamily="18" charset="0"/>
-                <a:cs typeface="Times New Roman" panose="02020603050405020304" pitchFamily="18" charset="0"/>
-              </a:rPr>
-              <a:t> </a:t>
-            </a:r>
-            <a:r>
-              <a:rPr lang="pt-BR" sz="2400" dirty="0" err="1">
-                <a:solidFill>
-                  <a:schemeClr val="tx1"/>
-                </a:solidFill>
-                <a:latin typeface="Times New Roman" panose="02020603050405020304" pitchFamily="18" charset="0"/>
-                <a:cs typeface="Times New Roman" panose="02020603050405020304" pitchFamily="18" charset="0"/>
-              </a:rPr>
-              <a:t>std</a:t>
-            </a:r>
-            <a:r>
-              <a:rPr lang="pt-BR" sz="2400" dirty="0">
-                <a:solidFill>
-                  <a:schemeClr val="tx1"/>
-                </a:solidFill>
-                <a:latin typeface="Times New Roman" panose="02020603050405020304" pitchFamily="18" charset="0"/>
-                <a:cs typeface="Times New Roman" panose="02020603050405020304" pitchFamily="18" charset="0"/>
-              </a:rPr>
-              <a:t>;</a:t>
-            </a:r>
-          </a:p>
-          <a:p>
-            <a:pPr marL="0" indent="0" algn="just">
-              <a:buNone/>
-            </a:pPr>
-            <a:r>
-              <a:rPr lang="pt-BR" sz="2400" b="1" dirty="0" err="1">
-                <a:solidFill>
-                  <a:schemeClr val="tx1"/>
-                </a:solidFill>
-                <a:latin typeface="Times New Roman" panose="02020603050405020304" pitchFamily="18" charset="0"/>
-                <a:cs typeface="Times New Roman" panose="02020603050405020304" pitchFamily="18" charset="0"/>
-              </a:rPr>
-              <a:t>struct</a:t>
-            </a:r>
-            <a:r>
-              <a:rPr lang="pt-BR" sz="2400" dirty="0">
-                <a:solidFill>
-                  <a:schemeClr val="tx1"/>
-                </a:solidFill>
-                <a:latin typeface="Times New Roman" panose="02020603050405020304" pitchFamily="18" charset="0"/>
-                <a:cs typeface="Times New Roman" panose="02020603050405020304" pitchFamily="18" charset="0"/>
-              </a:rPr>
-              <a:t> </a:t>
-            </a:r>
-            <a:r>
-              <a:rPr lang="pt-BR" sz="2400" b="1" dirty="0">
-                <a:solidFill>
-                  <a:srgbClr val="FF0000"/>
-                </a:solidFill>
-                <a:latin typeface="Times New Roman" panose="02020603050405020304" pitchFamily="18" charset="0"/>
-                <a:cs typeface="Times New Roman" panose="02020603050405020304" pitchFamily="18" charset="0"/>
-              </a:rPr>
-              <a:t>Cliente</a:t>
-            </a:r>
-            <a:r>
-              <a:rPr lang="pt-BR" sz="2400" dirty="0">
-                <a:solidFill>
-                  <a:schemeClr val="tx1"/>
-                </a:solidFill>
-                <a:latin typeface="Times New Roman" panose="02020603050405020304" pitchFamily="18" charset="0"/>
-                <a:cs typeface="Times New Roman" panose="02020603050405020304" pitchFamily="18" charset="0"/>
-              </a:rPr>
-              <a:t> {</a:t>
-            </a:r>
-          </a:p>
-          <a:p>
-            <a:pPr marL="0" indent="0" algn="just">
-              <a:buNone/>
-            </a:pPr>
-            <a:r>
-              <a:rPr lang="pt-BR" sz="2400" dirty="0">
-                <a:solidFill>
-                  <a:schemeClr val="tx1"/>
-                </a:solidFill>
-                <a:latin typeface="Times New Roman" panose="02020603050405020304" pitchFamily="18" charset="0"/>
-                <a:cs typeface="Times New Roman" panose="02020603050405020304" pitchFamily="18" charset="0"/>
-              </a:rPr>
-              <a:t>	</a:t>
-            </a:r>
-            <a:r>
-              <a:rPr lang="pt-BR" sz="2400" b="1" dirty="0">
-                <a:solidFill>
-                  <a:schemeClr val="tx1"/>
-                </a:solidFill>
-                <a:latin typeface="Times New Roman" panose="02020603050405020304" pitchFamily="18" charset="0"/>
-                <a:cs typeface="Times New Roman" panose="02020603050405020304" pitchFamily="18" charset="0"/>
-              </a:rPr>
-              <a:t>char</a:t>
-            </a:r>
-            <a:r>
-              <a:rPr lang="pt-BR" sz="2400" dirty="0">
-                <a:solidFill>
-                  <a:schemeClr val="tx1"/>
-                </a:solidFill>
-                <a:latin typeface="Times New Roman" panose="02020603050405020304" pitchFamily="18" charset="0"/>
-                <a:cs typeface="Times New Roman" panose="02020603050405020304" pitchFamily="18" charset="0"/>
-              </a:rPr>
-              <a:t> nome[200];</a:t>
-            </a:r>
-          </a:p>
-          <a:p>
-            <a:pPr marL="0" indent="0" algn="just">
-              <a:buNone/>
-            </a:pPr>
-            <a:r>
-              <a:rPr lang="pt-BR" sz="2400" dirty="0">
-                <a:solidFill>
-                  <a:schemeClr val="tx1"/>
-                </a:solidFill>
-                <a:latin typeface="Times New Roman" panose="02020603050405020304" pitchFamily="18" charset="0"/>
-                <a:cs typeface="Times New Roman" panose="02020603050405020304" pitchFamily="18" charset="0"/>
-              </a:rPr>
-              <a:t>	</a:t>
-            </a:r>
-            <a:r>
-              <a:rPr lang="pt-BR" sz="2400" b="1" dirty="0">
-                <a:solidFill>
-                  <a:schemeClr val="tx1"/>
-                </a:solidFill>
-                <a:latin typeface="Times New Roman" panose="02020603050405020304" pitchFamily="18" charset="0"/>
-                <a:cs typeface="Times New Roman" panose="02020603050405020304" pitchFamily="18" charset="0"/>
-              </a:rPr>
-              <a:t>char</a:t>
-            </a:r>
-            <a:r>
-              <a:rPr lang="pt-BR" sz="2400" dirty="0">
-                <a:solidFill>
-                  <a:schemeClr val="tx1"/>
-                </a:solidFill>
-                <a:latin typeface="Times New Roman" panose="02020603050405020304" pitchFamily="18" charset="0"/>
-                <a:cs typeface="Times New Roman" panose="02020603050405020304" pitchFamily="18" charset="0"/>
-              </a:rPr>
-              <a:t> </a:t>
-            </a:r>
-            <a:r>
-              <a:rPr lang="pt-BR" sz="2400" dirty="0" err="1">
-                <a:solidFill>
-                  <a:schemeClr val="tx1"/>
-                </a:solidFill>
-                <a:latin typeface="Times New Roman" panose="02020603050405020304" pitchFamily="18" charset="0"/>
-                <a:cs typeface="Times New Roman" panose="02020603050405020304" pitchFamily="18" charset="0"/>
-              </a:rPr>
-              <a:t>cpf</a:t>
-            </a:r>
-            <a:r>
-              <a:rPr lang="pt-BR" sz="2400" dirty="0">
-                <a:solidFill>
-                  <a:schemeClr val="tx1"/>
-                </a:solidFill>
-                <a:latin typeface="Times New Roman" panose="02020603050405020304" pitchFamily="18" charset="0"/>
-                <a:cs typeface="Times New Roman" panose="02020603050405020304" pitchFamily="18" charset="0"/>
-              </a:rPr>
-              <a:t>[11];</a:t>
-            </a:r>
-          </a:p>
-          <a:p>
-            <a:pPr marL="0" indent="0" algn="just">
-              <a:buNone/>
-            </a:pPr>
-            <a:r>
-              <a:rPr lang="pt-BR" sz="2400" dirty="0">
-                <a:solidFill>
-                  <a:schemeClr val="tx1"/>
-                </a:solidFill>
-                <a:latin typeface="Times New Roman" panose="02020603050405020304" pitchFamily="18" charset="0"/>
-                <a:cs typeface="Times New Roman" panose="02020603050405020304" pitchFamily="18" charset="0"/>
-              </a:rPr>
-              <a:t>	</a:t>
-            </a:r>
-            <a:r>
-              <a:rPr lang="pt-BR" sz="2400" b="1" dirty="0" err="1">
-                <a:solidFill>
-                  <a:schemeClr val="tx1"/>
-                </a:solidFill>
-                <a:latin typeface="Times New Roman" panose="02020603050405020304" pitchFamily="18" charset="0"/>
-                <a:cs typeface="Times New Roman" panose="02020603050405020304" pitchFamily="18" charset="0"/>
-              </a:rPr>
-              <a:t>float</a:t>
-            </a:r>
-            <a:r>
-              <a:rPr lang="pt-BR" sz="2400" dirty="0">
-                <a:solidFill>
-                  <a:schemeClr val="tx1"/>
-                </a:solidFill>
-                <a:latin typeface="Times New Roman" panose="02020603050405020304" pitchFamily="18" charset="0"/>
-                <a:cs typeface="Times New Roman" panose="02020603050405020304" pitchFamily="18" charset="0"/>
-              </a:rPr>
-              <a:t> limite;</a:t>
-            </a:r>
-          </a:p>
-          <a:p>
-            <a:pPr marL="0" indent="0" algn="just">
-              <a:buNone/>
-            </a:pPr>
-            <a:r>
-              <a:rPr lang="pt-BR" sz="2400" dirty="0">
-                <a:solidFill>
-                  <a:schemeClr val="tx1"/>
-                </a:solidFill>
-                <a:latin typeface="Times New Roman" panose="02020603050405020304" pitchFamily="18" charset="0"/>
-                <a:cs typeface="Times New Roman" panose="02020603050405020304" pitchFamily="18" charset="0"/>
-              </a:rPr>
-              <a:t>	</a:t>
-            </a:r>
-            <a:r>
-              <a:rPr lang="pt-BR" sz="2400" b="1" dirty="0" err="1">
-                <a:solidFill>
-                  <a:schemeClr val="tx1"/>
-                </a:solidFill>
-                <a:latin typeface="Times New Roman" panose="02020603050405020304" pitchFamily="18" charset="0"/>
-                <a:cs typeface="Times New Roman" panose="02020603050405020304" pitchFamily="18" charset="0"/>
-              </a:rPr>
-              <a:t>int</a:t>
-            </a:r>
-            <a:r>
-              <a:rPr lang="pt-BR" sz="2400" dirty="0">
-                <a:solidFill>
-                  <a:schemeClr val="tx1"/>
-                </a:solidFill>
-                <a:latin typeface="Times New Roman" panose="02020603050405020304" pitchFamily="18" charset="0"/>
-                <a:cs typeface="Times New Roman" panose="02020603050405020304" pitchFamily="18" charset="0"/>
-              </a:rPr>
-              <a:t> compras;</a:t>
-            </a:r>
-          </a:p>
-          <a:p>
-            <a:pPr marL="0" indent="0" algn="just">
-              <a:buNone/>
-            </a:pPr>
-            <a:r>
-              <a:rPr lang="pt-BR" sz="2400" dirty="0">
-                <a:solidFill>
-                  <a:schemeClr val="tx1"/>
-                </a:solidFill>
-                <a:latin typeface="Times New Roman" panose="02020603050405020304" pitchFamily="18" charset="0"/>
-                <a:cs typeface="Times New Roman" panose="02020603050405020304" pitchFamily="18" charset="0"/>
-              </a:rPr>
-              <a:t>};</a:t>
-            </a:r>
-            <a:endParaRPr lang="pt-BR" sz="2400" dirty="0"/>
-          </a:p>
-        </p:txBody>
-      </p:sp>
-      <p:sp>
-        <p:nvSpPr>
-          <p:cNvPr id="7" name="CaixaDeTexto 6">
-            <a:extLst>
-              <a:ext uri="{FF2B5EF4-FFF2-40B4-BE49-F238E27FC236}">
-                <a16:creationId xmlns:a16="http://schemas.microsoft.com/office/drawing/2014/main" id="{E4852F60-C492-4ADE-A7A1-83433CCBD955}"/>
-              </a:ext>
-            </a:extLst>
-          </p:cNvPr>
-          <p:cNvSpPr txBox="1"/>
-          <p:nvPr/>
-        </p:nvSpPr>
-        <p:spPr>
-          <a:xfrm>
-            <a:off x="3494762" y="1628888"/>
-            <a:ext cx="5513159" cy="2677656"/>
-          </a:xfrm>
-          <a:prstGeom prst="rect">
-            <a:avLst/>
-          </a:prstGeom>
-          <a:noFill/>
-        </p:spPr>
-        <p:txBody>
-          <a:bodyPr wrap="square" rtlCol="0">
-            <a:spAutoFit/>
-          </a:bodyPr>
-          <a:lstStyle/>
-          <a:p>
-            <a:pPr marL="0" indent="0" algn="just">
-              <a:buNone/>
-            </a:pPr>
-            <a:r>
-              <a:rPr lang="pt-BR" sz="2400" b="1" dirty="0" err="1">
-                <a:solidFill>
-                  <a:schemeClr val="tx1"/>
-                </a:solidFill>
-                <a:latin typeface="Times New Roman" panose="02020603050405020304" pitchFamily="18" charset="0"/>
-                <a:cs typeface="Times New Roman" panose="02020603050405020304" pitchFamily="18" charset="0"/>
-              </a:rPr>
-              <a:t>int</a:t>
-            </a:r>
-            <a:r>
-              <a:rPr lang="pt-BR" sz="2400" dirty="0">
-                <a:solidFill>
-                  <a:schemeClr val="tx1"/>
-                </a:solidFill>
-                <a:latin typeface="Times New Roman" panose="02020603050405020304" pitchFamily="18" charset="0"/>
-                <a:cs typeface="Times New Roman" panose="02020603050405020304" pitchFamily="18" charset="0"/>
-              </a:rPr>
-              <a:t> </a:t>
-            </a:r>
-            <a:r>
-              <a:rPr lang="pt-BR" sz="2400" dirty="0" err="1">
-                <a:solidFill>
-                  <a:schemeClr val="tx1"/>
-                </a:solidFill>
-                <a:latin typeface="Times New Roman" panose="02020603050405020304" pitchFamily="18" charset="0"/>
-                <a:cs typeface="Times New Roman" panose="02020603050405020304" pitchFamily="18" charset="0"/>
-              </a:rPr>
-              <a:t>main</a:t>
-            </a:r>
-            <a:r>
-              <a:rPr lang="pt-BR" sz="2400" dirty="0">
-                <a:solidFill>
-                  <a:schemeClr val="tx1"/>
-                </a:solidFill>
-                <a:latin typeface="Times New Roman" panose="02020603050405020304" pitchFamily="18" charset="0"/>
-                <a:cs typeface="Times New Roman" panose="02020603050405020304" pitchFamily="18" charset="0"/>
-              </a:rPr>
-              <a:t>() {</a:t>
-            </a:r>
-          </a:p>
-          <a:p>
-            <a:pPr marL="0" indent="0" algn="just">
-              <a:buNone/>
-            </a:pPr>
-            <a:r>
-              <a:rPr lang="pt-BR" sz="2400" b="1" dirty="0">
-                <a:solidFill>
-                  <a:schemeClr val="tx1"/>
-                </a:solidFill>
-                <a:latin typeface="Times New Roman" panose="02020603050405020304" pitchFamily="18" charset="0"/>
-                <a:cs typeface="Times New Roman" panose="02020603050405020304" pitchFamily="18" charset="0"/>
-              </a:rPr>
-              <a:t>   </a:t>
-            </a:r>
-            <a:r>
-              <a:rPr lang="pt-BR" sz="2400" b="1" dirty="0" err="1">
-                <a:solidFill>
-                  <a:schemeClr val="tx1"/>
-                </a:solidFill>
-                <a:latin typeface="Times New Roman" panose="02020603050405020304" pitchFamily="18" charset="0"/>
-                <a:cs typeface="Times New Roman" panose="02020603050405020304" pitchFamily="18" charset="0"/>
-              </a:rPr>
-              <a:t>struct</a:t>
-            </a:r>
-            <a:r>
-              <a:rPr lang="pt-BR" sz="2400" dirty="0">
-                <a:solidFill>
-                  <a:schemeClr val="tx1"/>
-                </a:solidFill>
-                <a:latin typeface="Times New Roman" panose="02020603050405020304" pitchFamily="18" charset="0"/>
-                <a:cs typeface="Times New Roman" panose="02020603050405020304" pitchFamily="18" charset="0"/>
-              </a:rPr>
-              <a:t> Cliente </a:t>
-            </a:r>
-            <a:r>
-              <a:rPr lang="pt-BR" sz="2400" b="1" dirty="0" err="1">
-                <a:solidFill>
-                  <a:srgbClr val="FF0000"/>
-                </a:solidFill>
-                <a:latin typeface="Times New Roman" panose="02020603050405020304" pitchFamily="18" charset="0"/>
-                <a:cs typeface="Times New Roman" panose="02020603050405020304" pitchFamily="18" charset="0"/>
-              </a:rPr>
-              <a:t>umCliente</a:t>
-            </a:r>
-            <a:r>
-              <a:rPr lang="pt-BR" sz="2400" dirty="0">
-                <a:solidFill>
-                  <a:schemeClr val="tx1"/>
-                </a:solidFill>
-                <a:latin typeface="Times New Roman" panose="02020603050405020304" pitchFamily="18" charset="0"/>
-                <a:cs typeface="Times New Roman" panose="02020603050405020304" pitchFamily="18" charset="0"/>
-              </a:rPr>
-              <a:t>;</a:t>
-            </a:r>
-          </a:p>
-          <a:p>
-            <a:pPr marL="0" indent="0" algn="just">
-              <a:buNone/>
-            </a:pPr>
-            <a:r>
-              <a:rPr lang="pt-BR" sz="2400" b="1" dirty="0">
-                <a:solidFill>
-                  <a:schemeClr val="tx1"/>
-                </a:solidFill>
-                <a:latin typeface="Times New Roman" panose="02020603050405020304" pitchFamily="18" charset="0"/>
-                <a:cs typeface="Times New Roman" panose="02020603050405020304" pitchFamily="18" charset="0"/>
-              </a:rPr>
-              <a:t>   </a:t>
-            </a:r>
-            <a:r>
-              <a:rPr lang="pt-BR" sz="2400" b="1" dirty="0" err="1">
-                <a:solidFill>
-                  <a:schemeClr val="tx1"/>
-                </a:solidFill>
-                <a:latin typeface="Times New Roman" panose="02020603050405020304" pitchFamily="18" charset="0"/>
-                <a:cs typeface="Times New Roman" panose="02020603050405020304" pitchFamily="18" charset="0"/>
-              </a:rPr>
-              <a:t>strcpy</a:t>
-            </a:r>
-            <a:r>
-              <a:rPr lang="pt-BR" sz="2400" dirty="0">
-                <a:solidFill>
-                  <a:schemeClr val="tx1"/>
-                </a:solidFill>
-                <a:latin typeface="Times New Roman" panose="02020603050405020304" pitchFamily="18" charset="0"/>
-                <a:cs typeface="Times New Roman" panose="02020603050405020304" pitchFamily="18" charset="0"/>
-              </a:rPr>
-              <a:t>(</a:t>
-            </a:r>
-            <a:r>
-              <a:rPr lang="pt-BR" sz="2400" b="1" dirty="0" err="1">
-                <a:solidFill>
-                  <a:srgbClr val="FF0000"/>
-                </a:solidFill>
-                <a:latin typeface="Times New Roman" panose="02020603050405020304" pitchFamily="18" charset="0"/>
-                <a:cs typeface="Times New Roman" panose="02020603050405020304" pitchFamily="18" charset="0"/>
-              </a:rPr>
-              <a:t>umCliente</a:t>
-            </a:r>
-            <a:r>
-              <a:rPr lang="pt-BR" sz="2400" dirty="0" err="1">
-                <a:solidFill>
-                  <a:schemeClr val="tx1"/>
-                </a:solidFill>
-                <a:latin typeface="Times New Roman" panose="02020603050405020304" pitchFamily="18" charset="0"/>
-                <a:cs typeface="Times New Roman" panose="02020603050405020304" pitchFamily="18" charset="0"/>
-              </a:rPr>
-              <a:t>.</a:t>
-            </a:r>
-            <a:r>
-              <a:rPr lang="pt-BR" sz="2400" b="1" dirty="0" err="1">
-                <a:solidFill>
-                  <a:schemeClr val="tx1"/>
-                </a:solidFill>
-                <a:latin typeface="Times New Roman" panose="02020603050405020304" pitchFamily="18" charset="0"/>
-                <a:cs typeface="Times New Roman" panose="02020603050405020304" pitchFamily="18" charset="0"/>
-              </a:rPr>
-              <a:t>nome</a:t>
-            </a:r>
-            <a:r>
-              <a:rPr lang="pt-BR" sz="2400" dirty="0">
-                <a:solidFill>
-                  <a:schemeClr val="tx1"/>
-                </a:solidFill>
-                <a:latin typeface="Times New Roman" panose="02020603050405020304" pitchFamily="18" charset="0"/>
-                <a:cs typeface="Times New Roman" panose="02020603050405020304" pitchFamily="18" charset="0"/>
-              </a:rPr>
-              <a:t>, "Fulano“);</a:t>
-            </a:r>
-          </a:p>
-          <a:p>
-            <a:pPr marL="0" indent="0" algn="just">
-              <a:buNone/>
-            </a:pPr>
-            <a:r>
-              <a:rPr lang="pt-BR" sz="2400" b="1" dirty="0">
-                <a:solidFill>
-                  <a:schemeClr val="tx1"/>
-                </a:solidFill>
-                <a:latin typeface="Times New Roman" panose="02020603050405020304" pitchFamily="18" charset="0"/>
-                <a:cs typeface="Times New Roman" panose="02020603050405020304" pitchFamily="18" charset="0"/>
-              </a:rPr>
-              <a:t>   </a:t>
-            </a:r>
-            <a:r>
-              <a:rPr lang="pt-BR" sz="2400" b="1" dirty="0" err="1">
-                <a:solidFill>
-                  <a:schemeClr val="tx1"/>
-                </a:solidFill>
-                <a:latin typeface="Times New Roman" panose="02020603050405020304" pitchFamily="18" charset="0"/>
-                <a:cs typeface="Times New Roman" panose="02020603050405020304" pitchFamily="18" charset="0"/>
-              </a:rPr>
-              <a:t>strcpy</a:t>
-            </a:r>
-            <a:r>
-              <a:rPr lang="pt-BR" sz="2400" dirty="0">
-                <a:solidFill>
-                  <a:schemeClr val="tx1"/>
-                </a:solidFill>
-                <a:latin typeface="Times New Roman" panose="02020603050405020304" pitchFamily="18" charset="0"/>
-                <a:cs typeface="Times New Roman" panose="02020603050405020304" pitchFamily="18" charset="0"/>
-              </a:rPr>
-              <a:t>(</a:t>
-            </a:r>
-            <a:r>
-              <a:rPr lang="pt-BR" sz="2400" b="1" dirty="0" err="1">
-                <a:solidFill>
-                  <a:srgbClr val="FF0000"/>
-                </a:solidFill>
-                <a:latin typeface="Times New Roman" panose="02020603050405020304" pitchFamily="18" charset="0"/>
-                <a:cs typeface="Times New Roman" panose="02020603050405020304" pitchFamily="18" charset="0"/>
-              </a:rPr>
-              <a:t>umCliente</a:t>
-            </a:r>
-            <a:r>
-              <a:rPr lang="pt-BR" sz="2400" dirty="0" err="1">
-                <a:solidFill>
-                  <a:schemeClr val="tx1"/>
-                </a:solidFill>
-                <a:latin typeface="Times New Roman" panose="02020603050405020304" pitchFamily="18" charset="0"/>
-                <a:cs typeface="Times New Roman" panose="02020603050405020304" pitchFamily="18" charset="0"/>
-              </a:rPr>
-              <a:t>.</a:t>
-            </a:r>
-            <a:r>
-              <a:rPr lang="pt-BR" sz="2400" b="1" dirty="0" err="1">
-                <a:solidFill>
-                  <a:schemeClr val="tx1"/>
-                </a:solidFill>
-                <a:latin typeface="Times New Roman" panose="02020603050405020304" pitchFamily="18" charset="0"/>
-                <a:cs typeface="Times New Roman" panose="02020603050405020304" pitchFamily="18" charset="0"/>
-              </a:rPr>
-              <a:t>cpf</a:t>
-            </a:r>
-            <a:r>
-              <a:rPr lang="pt-BR" sz="2400" dirty="0">
-                <a:solidFill>
-                  <a:schemeClr val="tx1"/>
-                </a:solidFill>
-                <a:latin typeface="Times New Roman" panose="02020603050405020304" pitchFamily="18" charset="0"/>
-                <a:cs typeface="Times New Roman" panose="02020603050405020304" pitchFamily="18" charset="0"/>
-              </a:rPr>
-              <a:t>, "01234567890“);</a:t>
-            </a:r>
-          </a:p>
-          <a:p>
-            <a:pPr marL="0" indent="0" algn="just">
-              <a:buNone/>
-            </a:pPr>
-            <a:r>
-              <a:rPr lang="pt-BR" sz="2400" b="1" dirty="0">
-                <a:solidFill>
-                  <a:srgbClr val="FF0000"/>
-                </a:solidFill>
-                <a:latin typeface="Times New Roman" panose="02020603050405020304" pitchFamily="18" charset="0"/>
-                <a:cs typeface="Times New Roman" panose="02020603050405020304" pitchFamily="18" charset="0"/>
-              </a:rPr>
-              <a:t>   </a:t>
-            </a:r>
-            <a:r>
-              <a:rPr lang="pt-BR" sz="2400" b="1" dirty="0" err="1">
-                <a:solidFill>
-                  <a:srgbClr val="FF0000"/>
-                </a:solidFill>
-                <a:latin typeface="Times New Roman" panose="02020603050405020304" pitchFamily="18" charset="0"/>
-                <a:cs typeface="Times New Roman" panose="02020603050405020304" pitchFamily="18" charset="0"/>
-              </a:rPr>
-              <a:t>umCliente</a:t>
-            </a:r>
-            <a:r>
-              <a:rPr lang="pt-BR" sz="2400" dirty="0" err="1">
-                <a:solidFill>
-                  <a:schemeClr val="tx1"/>
-                </a:solidFill>
-                <a:latin typeface="Times New Roman" panose="02020603050405020304" pitchFamily="18" charset="0"/>
-                <a:cs typeface="Times New Roman" panose="02020603050405020304" pitchFamily="18" charset="0"/>
-              </a:rPr>
-              <a:t>.</a:t>
-            </a:r>
-            <a:r>
-              <a:rPr lang="pt-BR" sz="2400" b="1" dirty="0" err="1">
-                <a:solidFill>
-                  <a:schemeClr val="tx1"/>
-                </a:solidFill>
-                <a:latin typeface="Times New Roman" panose="02020603050405020304" pitchFamily="18" charset="0"/>
-                <a:cs typeface="Times New Roman" panose="02020603050405020304" pitchFamily="18" charset="0"/>
-              </a:rPr>
-              <a:t>limite</a:t>
-            </a:r>
-            <a:r>
-              <a:rPr lang="pt-BR" sz="2400" dirty="0">
-                <a:solidFill>
-                  <a:schemeClr val="tx1"/>
-                </a:solidFill>
-                <a:latin typeface="Times New Roman" panose="02020603050405020304" pitchFamily="18" charset="0"/>
-                <a:cs typeface="Times New Roman" panose="02020603050405020304" pitchFamily="18" charset="0"/>
-              </a:rPr>
-              <a:t> = 5000.0;</a:t>
-            </a:r>
-          </a:p>
-          <a:p>
-            <a:pPr marL="0" indent="0" algn="just">
-              <a:buNone/>
-            </a:pPr>
-            <a:r>
-              <a:rPr lang="pt-BR" sz="2400" b="1" dirty="0">
-                <a:solidFill>
-                  <a:srgbClr val="FF0000"/>
-                </a:solidFill>
-                <a:latin typeface="Times New Roman" panose="02020603050405020304" pitchFamily="18" charset="0"/>
-                <a:cs typeface="Times New Roman" panose="02020603050405020304" pitchFamily="18" charset="0"/>
-              </a:rPr>
-              <a:t>   </a:t>
-            </a:r>
-            <a:r>
-              <a:rPr lang="pt-BR" sz="2400" b="1" dirty="0" err="1">
-                <a:solidFill>
-                  <a:srgbClr val="FF0000"/>
-                </a:solidFill>
-                <a:latin typeface="Times New Roman" panose="02020603050405020304" pitchFamily="18" charset="0"/>
-                <a:cs typeface="Times New Roman" panose="02020603050405020304" pitchFamily="18" charset="0"/>
-              </a:rPr>
-              <a:t>umCliente</a:t>
-            </a:r>
-            <a:r>
-              <a:rPr lang="pt-BR" sz="2400" dirty="0" err="1">
-                <a:solidFill>
-                  <a:schemeClr val="tx1"/>
-                </a:solidFill>
-                <a:latin typeface="Times New Roman" panose="02020603050405020304" pitchFamily="18" charset="0"/>
-                <a:cs typeface="Times New Roman" panose="02020603050405020304" pitchFamily="18" charset="0"/>
-              </a:rPr>
-              <a:t>.</a:t>
-            </a:r>
-            <a:r>
-              <a:rPr lang="pt-BR" sz="2400" b="1" dirty="0" err="1">
-                <a:solidFill>
-                  <a:schemeClr val="tx1"/>
-                </a:solidFill>
-                <a:latin typeface="Times New Roman" panose="02020603050405020304" pitchFamily="18" charset="0"/>
-                <a:cs typeface="Times New Roman" panose="02020603050405020304" pitchFamily="18" charset="0"/>
-              </a:rPr>
-              <a:t>compras</a:t>
-            </a:r>
-            <a:r>
-              <a:rPr lang="pt-BR" sz="2400" dirty="0">
-                <a:solidFill>
-                  <a:schemeClr val="tx1"/>
-                </a:solidFill>
-                <a:latin typeface="Times New Roman" panose="02020603050405020304" pitchFamily="18" charset="0"/>
-                <a:cs typeface="Times New Roman" panose="02020603050405020304" pitchFamily="18" charset="0"/>
-              </a:rPr>
-              <a:t> = 0;</a:t>
-            </a:r>
-          </a:p>
-          <a:p>
-            <a:pPr marL="0" indent="0" algn="just">
-              <a:buNone/>
-            </a:pPr>
-            <a:r>
-              <a:rPr lang="pt-BR" sz="2400" dirty="0">
-                <a:solidFill>
-                  <a:schemeClr val="tx1"/>
-                </a:solidFill>
-                <a:latin typeface="Times New Roman" panose="02020603050405020304" pitchFamily="18" charset="0"/>
-                <a:cs typeface="Times New Roman" panose="02020603050405020304" pitchFamily="18" charset="0"/>
-              </a:rPr>
-              <a:t>}</a:t>
-            </a:r>
-            <a:endParaRPr lang="pt-BR" sz="2400" dirty="0"/>
-          </a:p>
-        </p:txBody>
-      </p:sp>
-    </p:spTree>
-    <p:extLst>
-      <p:ext uri="{BB962C8B-B14F-4D97-AF65-F5344CB8AC3E}">
-        <p14:creationId xmlns:p14="http://schemas.microsoft.com/office/powerpoint/2010/main" val="671563937"/>
-      </p:ext>
-    </p:extLst>
-  </p:cSld>
-  <p:clrMapOvr>
-    <a:masterClrMapping/>
-  </p:clrMapOvr>
-  <p:transition spd="med"/>
-</p:sld>
-</file>
-
 <file path=ppt/slides/slide12.xml><?xml version="1.0" encoding="utf-8"?>
 <p:sld xmlns:a="http://schemas.openxmlformats.org/drawingml/2006/main" xmlns:r="http://schemas.openxmlformats.org/officeDocument/2006/relationships" xmlns:p="http://schemas.openxmlformats.org/presentationml/2006/main">
   <p:cSld>
@@ -7703,24 +7217,7 @@
                 <a:latin typeface="Times New Roman" panose="02020603050405020304" pitchFamily="18" charset="0"/>
                 <a:cs typeface="Times New Roman" panose="02020603050405020304" pitchFamily="18" charset="0"/>
               </a:rPr>
-              <a:t>Registro (Exemplo: </a:t>
-            </a:r>
-            <a:r>
-              <a:rPr lang="pt-BR" sz="2400" b="1" dirty="0">
-                <a:latin typeface="Times New Roman" panose="02020603050405020304" pitchFamily="18" charset="0"/>
-                <a:cs typeface="Times New Roman" panose="02020603050405020304" pitchFamily="18" charset="0"/>
-              </a:rPr>
-              <a:t>Python</a:t>
-            </a:r>
-            <a:r>
-              <a:rPr lang="pt-BR" sz="2400" b="1" dirty="0">
-                <a:solidFill>
-                  <a:srgbClr val="FF0000"/>
-                </a:solidFill>
-                <a:latin typeface="Times New Roman" panose="02020603050405020304" pitchFamily="18" charset="0"/>
-                <a:cs typeface="Times New Roman" panose="02020603050405020304" pitchFamily="18" charset="0"/>
-              </a:rPr>
-              <a:t>)</a:t>
+              <a:t>Registro (Exemplo: linguagem C)</a:t>
             </a:r>
             <a:endParaRPr lang="pt-BR" sz="2400" dirty="0">
               <a:solidFill>
@@ -7773,8 +7270,8 @@
         </p:nvSpPr>
         <p:spPr>
           <a:xfrm>
-            <a:off x="186182" y="1730007"/>
-            <a:ext cx="8206255" cy="2308324"/>
+            <a:off x="638827" y="1648389"/>
+            <a:ext cx="3181611" cy="3046988"/>
           </a:xfrm>
           <a:prstGeom prst="rect">
             <a:avLst/>
@@ -7787,208 +7284,764 @@
           </a:bodyPr>
           <a:lstStyle/>
           <a:p>
+            <a:pPr marL="0" indent="0" algn="just">
+              <a:buNone/>
+            </a:pPr>
+            <a:r>
+              <a:rPr lang="pt-BR" sz="2400" dirty="0">
+                <a:solidFill>
+                  <a:schemeClr val="tx1"/>
+                </a:solidFill>
+                <a:latin typeface="Times New Roman" panose="02020603050405020304" pitchFamily="18" charset="0"/>
+                <a:cs typeface="Times New Roman" panose="02020603050405020304" pitchFamily="18" charset="0"/>
+              </a:rPr>
+              <a:t>#</a:t>
+            </a:r>
+            <a:r>
+              <a:rPr lang="pt-BR" sz="2400" b="1" dirty="0">
+                <a:solidFill>
+                  <a:schemeClr val="tx1"/>
+                </a:solidFill>
+                <a:latin typeface="Times New Roman" panose="02020603050405020304" pitchFamily="18" charset="0"/>
+                <a:cs typeface="Times New Roman" panose="02020603050405020304" pitchFamily="18" charset="0"/>
+              </a:rPr>
+              <a:t>include</a:t>
+            </a:r>
+            <a:r>
+              <a:rPr lang="pt-BR" sz="2400" dirty="0">
+                <a:solidFill>
+                  <a:schemeClr val="tx1"/>
+                </a:solidFill>
+                <a:latin typeface="Times New Roman" panose="02020603050405020304" pitchFamily="18" charset="0"/>
+                <a:cs typeface="Times New Roman" panose="02020603050405020304" pitchFamily="18" charset="0"/>
+              </a:rPr>
+              <a:t> &lt;</a:t>
+            </a:r>
             <a:r>
               <a:rPr lang="pt-BR" sz="2400" b="1" dirty="0" err="1">
-                <a:latin typeface="Arial" panose="020B0604020202020204" pitchFamily="34" charset="0"/>
-                <a:cs typeface="Arial" panose="020B0604020202020204" pitchFamily="34" charset="0"/>
-              </a:rPr>
-              <a:t>import</a:t>
-            </a:r>
-            <a:r>
-              <a:rPr lang="pt-BR" sz="2400" b="1" dirty="0">
-                <a:latin typeface="Arial" panose="020B0604020202020204" pitchFamily="34" charset="0"/>
-                <a:cs typeface="Arial" panose="020B0604020202020204" pitchFamily="34" charset="0"/>
-              </a:rPr>
-              <a:t> </a:t>
-            </a:r>
-            <a:r>
-              <a:rPr lang="pt-BR" sz="2400" b="1" dirty="0" err="1">
                 <a:solidFill>
                   <a:srgbClr val="FF0000"/>
                 </a:solidFill>
-                <a:latin typeface="Arial" panose="020B0604020202020204" pitchFamily="34" charset="0"/>
-                <a:cs typeface="Arial" panose="020B0604020202020204" pitchFamily="34" charset="0"/>
-              </a:rPr>
-              <a:t>struct</a:t>
+                <a:latin typeface="Times New Roman" panose="02020603050405020304" pitchFamily="18" charset="0"/>
+                <a:cs typeface="Times New Roman" panose="02020603050405020304" pitchFamily="18" charset="0"/>
+              </a:rPr>
+              <a:t>iostream</a:t>
+            </a:r>
+            <a:r>
+              <a:rPr lang="pt-BR" sz="2400" dirty="0">
+                <a:solidFill>
+                  <a:schemeClr val="tx1"/>
+                </a:solidFill>
+                <a:latin typeface="Times New Roman" panose="02020603050405020304" pitchFamily="18" charset="0"/>
+                <a:cs typeface="Times New Roman" panose="02020603050405020304" pitchFamily="18" charset="0"/>
+              </a:rPr>
+              <a:t>&gt;	</a:t>
             </a:r>
             <a:endParaRPr lang="pt-BR" sz="2400" b="1" dirty="0">
               <a:solidFill>
                 <a:srgbClr val="FF0000"/>
               </a:solidFill>
-              <a:latin typeface="Arial" panose="020B0604020202020204" pitchFamily="34" charset="0"/>
-              <a:cs typeface="Arial" panose="020B0604020202020204" pitchFamily="34" charset="0"/>
+              <a:latin typeface="Times New Roman" panose="02020603050405020304" pitchFamily="18" charset="0"/>
+              <a:cs typeface="Times New Roman" panose="02020603050405020304" pitchFamily="18" charset="0"/>
             </a:endParaRPr>
           </a:p>
           <a:p>
+            <a:pPr marL="0" indent="0" algn="just">
+              <a:buNone/>
+            </a:pPr>
+            <a:r>
+              <a:rPr lang="pt-BR" sz="2400" b="1" dirty="0" err="1">
+                <a:solidFill>
+                  <a:schemeClr val="tx1"/>
+                </a:solidFill>
+                <a:latin typeface="Times New Roman" panose="02020603050405020304" pitchFamily="18" charset="0"/>
+                <a:cs typeface="Times New Roman" panose="02020603050405020304" pitchFamily="18" charset="0"/>
+              </a:rPr>
+              <a:t>using</a:t>
+            </a:r>
+            <a:r>
+              <a:rPr lang="pt-BR" sz="2400" dirty="0">
+                <a:solidFill>
+                  <a:schemeClr val="tx1"/>
+                </a:solidFill>
+                <a:latin typeface="Times New Roman" panose="02020603050405020304" pitchFamily="18" charset="0"/>
+                <a:cs typeface="Times New Roman" panose="02020603050405020304" pitchFamily="18" charset="0"/>
+              </a:rPr>
+              <a:t> </a:t>
+            </a:r>
+            <a:r>
+              <a:rPr lang="pt-BR" sz="2400" b="1" dirty="0" err="1">
+                <a:solidFill>
+                  <a:srgbClr val="FF0000"/>
+                </a:solidFill>
+                <a:latin typeface="Times New Roman" panose="02020603050405020304" pitchFamily="18" charset="0"/>
+                <a:cs typeface="Times New Roman" panose="02020603050405020304" pitchFamily="18" charset="0"/>
+              </a:rPr>
+              <a:t>namespace</a:t>
+            </a:r>
+            <a:r>
+              <a:rPr lang="pt-BR" sz="2400" dirty="0">
+                <a:solidFill>
+                  <a:schemeClr val="tx1"/>
+                </a:solidFill>
+                <a:latin typeface="Times New Roman" panose="02020603050405020304" pitchFamily="18" charset="0"/>
+                <a:cs typeface="Times New Roman" panose="02020603050405020304" pitchFamily="18" charset="0"/>
+              </a:rPr>
+              <a:t> </a:t>
+            </a:r>
+            <a:r>
+              <a:rPr lang="pt-BR" sz="2400" dirty="0" err="1">
+                <a:solidFill>
+                  <a:schemeClr val="tx1"/>
+                </a:solidFill>
+                <a:latin typeface="Times New Roman" panose="02020603050405020304" pitchFamily="18" charset="0"/>
+                <a:cs typeface="Times New Roman" panose="02020603050405020304" pitchFamily="18" charset="0"/>
+              </a:rPr>
+              <a:t>std</a:t>
+            </a:r>
+            <a:r>
+              <a:rPr lang="pt-BR" sz="2400" dirty="0">
+                <a:solidFill>
+                  <a:schemeClr val="tx1"/>
+                </a:solidFill>
+                <a:latin typeface="Times New Roman" panose="02020603050405020304" pitchFamily="18" charset="0"/>
+                <a:cs typeface="Times New Roman" panose="02020603050405020304" pitchFamily="18" charset="0"/>
+              </a:rPr>
+              <a:t>;</a:t>
+            </a:r>
+          </a:p>
+          <a:p>
+            <a:pPr marL="0" indent="0" algn="just">
+              <a:buNone/>
+            </a:pPr>
+            <a:r>
+              <a:rPr lang="pt-BR" sz="2400" b="1" dirty="0" err="1">
+                <a:solidFill>
+                  <a:schemeClr val="tx1"/>
+                </a:solidFill>
+                <a:latin typeface="Times New Roman" panose="02020603050405020304" pitchFamily="18" charset="0"/>
+                <a:cs typeface="Times New Roman" panose="02020603050405020304" pitchFamily="18" charset="0"/>
+              </a:rPr>
+              <a:t>struct</a:t>
+            </a:r>
+            <a:r>
+              <a:rPr lang="pt-BR" sz="2400" dirty="0">
+                <a:solidFill>
+                  <a:schemeClr val="tx1"/>
+                </a:solidFill>
+                <a:latin typeface="Times New Roman" panose="02020603050405020304" pitchFamily="18" charset="0"/>
+                <a:cs typeface="Times New Roman" panose="02020603050405020304" pitchFamily="18" charset="0"/>
+              </a:rPr>
+              <a:t> </a:t>
+            </a:r>
             <a:r>
               <a:rPr lang="pt-BR" sz="2400" b="1" dirty="0">
                 <a:solidFill>
                   <a:srgbClr val="FF0000"/>
                 </a:solidFill>
-                <a:latin typeface="Arial" panose="020B0604020202020204" pitchFamily="34" charset="0"/>
-                <a:cs typeface="Arial" panose="020B0604020202020204" pitchFamily="34" charset="0"/>
-              </a:rPr>
-              <a:t>Cliente = (‘80s I I 11s f I')</a:t>
-            </a:r>
-          </a:p>
-          <a:p>
+                <a:latin typeface="Times New Roman" panose="02020603050405020304" pitchFamily="18" charset="0"/>
+                <a:cs typeface="Times New Roman" panose="02020603050405020304" pitchFamily="18" charset="0"/>
+              </a:rPr>
+              <a:t>Cliente</a:t>
+            </a:r>
+            <a:r>
+              <a:rPr lang="pt-BR" sz="2400" dirty="0">
+                <a:solidFill>
+                  <a:schemeClr val="tx1"/>
+                </a:solidFill>
+                <a:latin typeface="Times New Roman" panose="02020603050405020304" pitchFamily="18" charset="0"/>
+                <a:cs typeface="Times New Roman" panose="02020603050405020304" pitchFamily="18" charset="0"/>
+              </a:rPr>
+              <a:t> {</a:t>
+            </a:r>
+          </a:p>
+          <a:p>
+            <a:pPr marL="0" indent="0" algn="just">
+              <a:buNone/>
+            </a:pPr>
+            <a:r>
+              <a:rPr lang="pt-BR" sz="2400" dirty="0">
+                <a:solidFill>
+                  <a:schemeClr val="tx1"/>
+                </a:solidFill>
+                <a:latin typeface="Times New Roman" panose="02020603050405020304" pitchFamily="18" charset="0"/>
+                <a:cs typeface="Times New Roman" panose="02020603050405020304" pitchFamily="18" charset="0"/>
+              </a:rPr>
+              <a:t>	</a:t>
+            </a:r>
+            <a:r>
+              <a:rPr lang="pt-BR" sz="2400" b="1" dirty="0">
+                <a:solidFill>
+                  <a:schemeClr val="tx1"/>
+                </a:solidFill>
+                <a:latin typeface="Times New Roman" panose="02020603050405020304" pitchFamily="18" charset="0"/>
+                <a:cs typeface="Times New Roman" panose="02020603050405020304" pitchFamily="18" charset="0"/>
+              </a:rPr>
+              <a:t>char</a:t>
+            </a:r>
+            <a:r>
+              <a:rPr lang="pt-BR" sz="2400" dirty="0">
+                <a:solidFill>
+                  <a:schemeClr val="tx1"/>
+                </a:solidFill>
+                <a:latin typeface="Times New Roman" panose="02020603050405020304" pitchFamily="18" charset="0"/>
+                <a:cs typeface="Times New Roman" panose="02020603050405020304" pitchFamily="18" charset="0"/>
+              </a:rPr>
+              <a:t> nome[200];</a:t>
+            </a:r>
+          </a:p>
+          <a:p>
+            <a:pPr marL="0" indent="0" algn="just">
+              <a:buNone/>
+            </a:pPr>
+            <a:r>
+              <a:rPr lang="pt-BR" sz="2400" dirty="0">
+                <a:solidFill>
+                  <a:schemeClr val="tx1"/>
+                </a:solidFill>
+                <a:latin typeface="Times New Roman" panose="02020603050405020304" pitchFamily="18" charset="0"/>
+                <a:cs typeface="Times New Roman" panose="02020603050405020304" pitchFamily="18" charset="0"/>
+              </a:rPr>
+              <a:t>	</a:t>
+            </a:r>
+            <a:r>
+              <a:rPr lang="pt-BR" sz="2400" b="1" dirty="0">
+                <a:solidFill>
+                  <a:schemeClr val="tx1"/>
+                </a:solidFill>
+                <a:latin typeface="Times New Roman" panose="02020603050405020304" pitchFamily="18" charset="0"/>
+                <a:cs typeface="Times New Roman" panose="02020603050405020304" pitchFamily="18" charset="0"/>
+              </a:rPr>
+              <a:t>char</a:t>
+            </a:r>
+            <a:r>
+              <a:rPr lang="pt-BR" sz="2400" dirty="0">
+                <a:solidFill>
+                  <a:schemeClr val="tx1"/>
+                </a:solidFill>
+                <a:latin typeface="Times New Roman" panose="02020603050405020304" pitchFamily="18" charset="0"/>
+                <a:cs typeface="Times New Roman" panose="02020603050405020304" pitchFamily="18" charset="0"/>
+              </a:rPr>
+              <a:t> </a:t>
+            </a:r>
             <a:r>
               <a:rPr lang="pt-BR" sz="2400" dirty="0" err="1">
-                <a:latin typeface="Arial" panose="020B0604020202020204" pitchFamily="34" charset="0"/>
-                <a:cs typeface="Arial" panose="020B0604020202020204" pitchFamily="34" charset="0"/>
+                <a:solidFill>
+                  <a:schemeClr val="tx1"/>
+                </a:solidFill>
+                <a:latin typeface="Times New Roman" panose="02020603050405020304" pitchFamily="18" charset="0"/>
+                <a:cs typeface="Times New Roman" panose="02020603050405020304" pitchFamily="18" charset="0"/>
+              </a:rPr>
+              <a:t>cpf</a:t>
+            </a:r>
+            <a:r>
+              <a:rPr lang="pt-BR" sz="2400" dirty="0">
+                <a:solidFill>
+                  <a:schemeClr val="tx1"/>
+                </a:solidFill>
+                <a:latin typeface="Times New Roman" panose="02020603050405020304" pitchFamily="18" charset="0"/>
+                <a:cs typeface="Times New Roman" panose="02020603050405020304" pitchFamily="18" charset="0"/>
+              </a:rPr>
+              <a:t>[11];</a:t>
+            </a:r>
+          </a:p>
+          <a:p>
+            <a:pPr marL="0" indent="0" algn="just">
+              <a:buNone/>
+            </a:pPr>
+            <a:r>
+              <a:rPr lang="pt-BR" sz="2400" dirty="0">
+                <a:solidFill>
+                  <a:schemeClr val="tx1"/>
+                </a:solidFill>
+                <a:latin typeface="Times New Roman" panose="02020603050405020304" pitchFamily="18" charset="0"/>
+                <a:cs typeface="Times New Roman" panose="02020603050405020304" pitchFamily="18" charset="0"/>
+              </a:rPr>
+              <a:t>	</a:t>
+            </a:r>
+            <a:r>
+              <a:rPr lang="pt-BR" sz="2400" b="1" dirty="0" err="1">
+                <a:solidFill>
+                  <a:schemeClr val="tx1"/>
+                </a:solidFill>
+                <a:latin typeface="Times New Roman" panose="02020603050405020304" pitchFamily="18" charset="0"/>
+                <a:cs typeface="Times New Roman" panose="02020603050405020304" pitchFamily="18" charset="0"/>
+              </a:rPr>
+              <a:t>float</a:t>
+            </a:r>
+            <a:r>
+              <a:rPr lang="pt-BR" sz="2400" dirty="0">
+                <a:solidFill>
+                  <a:schemeClr val="tx1"/>
+                </a:solidFill>
+                <a:latin typeface="Times New Roman" panose="02020603050405020304" pitchFamily="18" charset="0"/>
+                <a:cs typeface="Times New Roman" panose="02020603050405020304" pitchFamily="18" charset="0"/>
+              </a:rPr>
+              <a:t> limite;</a:t>
+            </a:r>
+          </a:p>
+          <a:p>
+            <a:pPr marL="0" indent="0" algn="just">
+              <a:buNone/>
+            </a:pPr>
+            <a:r>
+              <a:rPr lang="pt-BR" sz="2400" dirty="0">
+                <a:solidFill>
+                  <a:schemeClr val="tx1"/>
+                </a:solidFill>
+                <a:latin typeface="Times New Roman" panose="02020603050405020304" pitchFamily="18" charset="0"/>
+                <a:cs typeface="Times New Roman" panose="02020603050405020304" pitchFamily="18" charset="0"/>
+              </a:rPr>
+              <a:t>	</a:t>
+            </a:r>
+            <a:r>
+              <a:rPr lang="pt-BR" sz="2400" b="1" dirty="0" err="1">
+                <a:solidFill>
+                  <a:schemeClr val="tx1"/>
+                </a:solidFill>
+                <a:latin typeface="Times New Roman" panose="02020603050405020304" pitchFamily="18" charset="0"/>
+                <a:cs typeface="Times New Roman" panose="02020603050405020304" pitchFamily="18" charset="0"/>
+              </a:rPr>
+              <a:t>int</a:t>
+            </a:r>
+            <a:r>
+              <a:rPr lang="pt-BR" sz="2400" dirty="0">
+                <a:solidFill>
+                  <a:schemeClr val="tx1"/>
+                </a:solidFill>
+                <a:latin typeface="Times New Roman" panose="02020603050405020304" pitchFamily="18" charset="0"/>
+                <a:cs typeface="Times New Roman" panose="02020603050405020304" pitchFamily="18" charset="0"/>
+              </a:rPr>
+              <a:t> compras;</a:t>
+            </a:r>
+          </a:p>
+          <a:p>
+            <a:pPr marL="0" indent="0" algn="just">
+              <a:buNone/>
+            </a:pPr>
+            <a:r>
+              <a:rPr lang="pt-BR" sz="2400" dirty="0">
+                <a:solidFill>
+                  <a:schemeClr val="tx1"/>
+                </a:solidFill>
+                <a:latin typeface="Times New Roman" panose="02020603050405020304" pitchFamily="18" charset="0"/>
+                <a:cs typeface="Times New Roman" panose="02020603050405020304" pitchFamily="18" charset="0"/>
+              </a:rPr>
+              <a:t>};</a:t>
+            </a:r>
+            <a:endParaRPr lang="pt-BR" sz="2400" dirty="0"/>
+          </a:p>
+        </p:txBody>
+      </p:sp>
+      <p:sp>
+        <p:nvSpPr>
+          <p:cNvPr id="7" name="CaixaDeTexto 6">
+            <a:extLst>
+              <a:ext uri="{FF2B5EF4-FFF2-40B4-BE49-F238E27FC236}">
+                <a16:creationId xmlns:a16="http://schemas.microsoft.com/office/drawing/2014/main" id="{E4852F60-C492-4ADE-A7A1-83433CCBD955}"/>
+              </a:ext>
+            </a:extLst>
+          </p:cNvPr>
+          <p:cNvSpPr txBox="1"/>
+          <p:nvPr/>
+        </p:nvSpPr>
+        <p:spPr>
+          <a:xfrm>
+            <a:off x="3494762" y="1628888"/>
+            <a:ext cx="5513159" cy="2677656"/>
+          </a:xfrm>
+          <a:prstGeom prst="rect">
+            <a:avLst/>
+          </a:prstGeom>
+          <a:noFill/>
+        </p:spPr>
+        <p:txBody>
+          <a:bodyPr wrap="square" rtlCol="0">
+            <a:spAutoFit/>
+          </a:bodyPr>
+          <a:lstStyle/>
+          <a:p>
+            <a:pPr marL="0" indent="0" algn="just">
+              <a:buNone/>
+            </a:pPr>
+            <a:r>
+              <a:rPr lang="pt-BR" sz="2400" b="1" dirty="0" err="1">
+                <a:solidFill>
+                  <a:schemeClr val="tx1"/>
+                </a:solidFill>
+                <a:latin typeface="Times New Roman" panose="02020603050405020304" pitchFamily="18" charset="0"/>
+                <a:cs typeface="Times New Roman" panose="02020603050405020304" pitchFamily="18" charset="0"/>
+              </a:rPr>
+              <a:t>int</a:t>
+            </a:r>
+            <a:r>
+              <a:rPr lang="pt-BR" sz="2400" dirty="0">
+                <a:solidFill>
+                  <a:schemeClr val="tx1"/>
+                </a:solidFill>
+                <a:latin typeface="Times New Roman" panose="02020603050405020304" pitchFamily="18" charset="0"/>
+                <a:cs typeface="Times New Roman" panose="02020603050405020304" pitchFamily="18" charset="0"/>
+              </a:rPr>
+              <a:t> </a:t>
+            </a:r>
+            <a:r>
+              <a:rPr lang="pt-BR" sz="2400" dirty="0" err="1">
+                <a:solidFill>
+                  <a:schemeClr val="tx1"/>
+                </a:solidFill>
+                <a:latin typeface="Times New Roman" panose="02020603050405020304" pitchFamily="18" charset="0"/>
+                <a:cs typeface="Times New Roman" panose="02020603050405020304" pitchFamily="18" charset="0"/>
+              </a:rPr>
+              <a:t>main</a:t>
+            </a:r>
+            <a:r>
+              <a:rPr lang="pt-BR" sz="2400" dirty="0">
+                <a:solidFill>
+                  <a:schemeClr val="tx1"/>
+                </a:solidFill>
+                <a:latin typeface="Times New Roman" panose="02020603050405020304" pitchFamily="18" charset="0"/>
+                <a:cs typeface="Times New Roman" panose="02020603050405020304" pitchFamily="18" charset="0"/>
+              </a:rPr>
+              <a:t>() {</a:t>
+            </a:r>
+          </a:p>
+          <a:p>
+            <a:pPr marL="0" indent="0" algn="just">
+              <a:buNone/>
+            </a:pPr>
+            <a:r>
+              <a:rPr lang="pt-BR" sz="2400" b="1" dirty="0">
+                <a:solidFill>
+                  <a:schemeClr val="tx1"/>
+                </a:solidFill>
+                <a:latin typeface="Times New Roman" panose="02020603050405020304" pitchFamily="18" charset="0"/>
+                <a:cs typeface="Times New Roman" panose="02020603050405020304" pitchFamily="18" charset="0"/>
+              </a:rPr>
+              <a:t>   </a:t>
+            </a:r>
+            <a:r>
+              <a:rPr lang="pt-BR" sz="2400" b="1" dirty="0" err="1">
+                <a:solidFill>
+                  <a:schemeClr val="tx1"/>
+                </a:solidFill>
+                <a:latin typeface="Times New Roman" panose="02020603050405020304" pitchFamily="18" charset="0"/>
+                <a:cs typeface="Times New Roman" panose="02020603050405020304" pitchFamily="18" charset="0"/>
+              </a:rPr>
+              <a:t>struct</a:t>
+            </a:r>
+            <a:r>
+              <a:rPr lang="pt-BR" sz="2400" dirty="0">
+                <a:solidFill>
+                  <a:schemeClr val="tx1"/>
+                </a:solidFill>
+                <a:latin typeface="Times New Roman" panose="02020603050405020304" pitchFamily="18" charset="0"/>
+                <a:cs typeface="Times New Roman" panose="02020603050405020304" pitchFamily="18" charset="0"/>
+              </a:rPr>
+              <a:t> Cliente </a:t>
+            </a:r>
+            <a:r>
+              <a:rPr lang="pt-BR" sz="2400" b="1" dirty="0" err="1">
+                <a:solidFill>
+                  <a:srgbClr val="FF0000"/>
+                </a:solidFill>
+                <a:latin typeface="Times New Roman" panose="02020603050405020304" pitchFamily="18" charset="0"/>
+                <a:cs typeface="Times New Roman" panose="02020603050405020304" pitchFamily="18" charset="0"/>
               </a:rPr>
               <a:t>umCliente</a:t>
             </a:r>
             <a:r>
               <a:rPr lang="pt-BR" sz="2400" dirty="0">
-                <a:latin typeface="Arial" panose="020B0604020202020204" pitchFamily="34" charset="0"/>
-                <a:cs typeface="Arial" panose="020B0604020202020204" pitchFamily="34" charset="0"/>
-              </a:rPr>
-              <a:t> = </a:t>
+                <a:solidFill>
+                  <a:schemeClr val="tx1"/>
+                </a:solidFill>
+                <a:latin typeface="Times New Roman" panose="02020603050405020304" pitchFamily="18" charset="0"/>
+                <a:cs typeface="Times New Roman" panose="02020603050405020304" pitchFamily="18" charset="0"/>
+              </a:rPr>
+              <a:t>;</a:t>
+            </a:r>
+          </a:p>
+          <a:p>
+            <a:pPr marL="0" indent="0" algn="just">
+              <a:buNone/>
+            </a:pPr>
+            <a:r>
+              <a:rPr lang="pt-BR" sz="2400" b="1" dirty="0">
+                <a:solidFill>
+                  <a:schemeClr val="tx1"/>
+                </a:solidFill>
+                <a:latin typeface="Times New Roman" panose="02020603050405020304" pitchFamily="18" charset="0"/>
+                <a:cs typeface="Times New Roman" panose="02020603050405020304" pitchFamily="18" charset="0"/>
+              </a:rPr>
+              <a:t>   </a:t>
             </a:r>
             <a:r>
               <a:rPr lang="pt-BR" sz="2400" b="1" dirty="0" err="1">
                 <a:solidFill>
+                  <a:schemeClr val="tx1"/>
+                </a:solidFill>
+                <a:latin typeface="Times New Roman" panose="02020603050405020304" pitchFamily="18" charset="0"/>
+                <a:cs typeface="Times New Roman" panose="02020603050405020304" pitchFamily="18" charset="0"/>
+              </a:rPr>
+              <a:t>strcpy</a:t>
+            </a:r>
+            <a:r>
+              <a:rPr lang="pt-BR" sz="2400" dirty="0">
+                <a:solidFill>
+                  <a:schemeClr val="tx1"/>
+                </a:solidFill>
+                <a:latin typeface="Times New Roman" panose="02020603050405020304" pitchFamily="18" charset="0"/>
+                <a:cs typeface="Times New Roman" panose="02020603050405020304" pitchFamily="18" charset="0"/>
+              </a:rPr>
+              <a:t>(</a:t>
+            </a:r>
+            <a:r>
+              <a:rPr lang="pt-BR" sz="2400" b="1" dirty="0" err="1">
+                <a:solidFill>
                   <a:srgbClr val="FF0000"/>
                 </a:solidFill>
-                <a:latin typeface="Arial" panose="020B0604020202020204" pitchFamily="34" charset="0"/>
-                <a:cs typeface="Arial" panose="020B0604020202020204" pitchFamily="34" charset="0"/>
-              </a:rPr>
-              <a:t>struct</a:t>
+                <a:latin typeface="Times New Roman" panose="02020603050405020304" pitchFamily="18" charset="0"/>
+                <a:cs typeface="Times New Roman" panose="02020603050405020304" pitchFamily="18" charset="0"/>
+              </a:rPr>
+              <a:t>umCliente</a:t>
             </a:r>
             <a:r>
               <a:rPr lang="pt-BR" sz="2400" dirty="0" err="1">
-                <a:latin typeface="Arial" panose="020B0604020202020204" pitchFamily="34" charset="0"/>
-                <a:cs typeface="Arial" panose="020B0604020202020204" pitchFamily="34" charset="0"/>
+                <a:solidFill>
+                  <a:schemeClr val="tx1"/>
+                </a:solidFill>
+                <a:latin typeface="Times New Roman" panose="02020603050405020304" pitchFamily="18" charset="0"/>
+                <a:cs typeface="Times New Roman" panose="02020603050405020304" pitchFamily="18" charset="0"/>
               </a:rPr>
               <a:t>.</a:t>
             </a:r>
             <a:r>
               <a:rPr lang="pt-BR" sz="2400" b="1" dirty="0" err="1">
-                <a:latin typeface="Arial" panose="020B0604020202020204" pitchFamily="34" charset="0"/>
-                <a:cs typeface="Arial" panose="020B0604020202020204" pitchFamily="34" charset="0"/>
-              </a:rPr>
-              <a:t>pack</a:t>
+                <a:solidFill>
+                  <a:schemeClr val="tx1"/>
+                </a:solidFill>
+                <a:latin typeface="Times New Roman" panose="02020603050405020304" pitchFamily="18" charset="0"/>
+                <a:cs typeface="Times New Roman" panose="02020603050405020304" pitchFamily="18" charset="0"/>
+              </a:rPr>
+              <a:t>nome</a:t>
             </a:r>
             <a:r>
               <a:rPr lang="pt-BR" sz="2400" dirty="0">
-                <a:latin typeface="Arial" panose="020B0604020202020204" pitchFamily="34" charset="0"/>
-                <a:cs typeface="Arial" panose="020B0604020202020204" pitchFamily="34" charset="0"/>
-              </a:rPr>
-              <a:t>(Cliente, </a:t>
+                <a:solidFill>
+                  <a:schemeClr val="tx1"/>
+                </a:solidFill>
+                <a:latin typeface="Times New Roman" panose="02020603050405020304" pitchFamily="18" charset="0"/>
+                <a:cs typeface="Times New Roman" panose="02020603050405020304" pitchFamily="18" charset="0"/>
+              </a:rPr>
+              <a:t>, "Fulano“);</a:t>
+            </a:r>
+          </a:p>
+          <a:p>
+            <a:pPr marL="0" indent="0" algn="just">
+              <a:buNone/>
+            </a:pPr>
+            <a:r>
+              <a:rPr lang="pt-BR" sz="2400" b="1" dirty="0">
+                <a:solidFill>
+                  <a:schemeClr val="tx1"/>
+                </a:solidFill>
+                <a:latin typeface="Times New Roman" panose="02020603050405020304" pitchFamily="18" charset="0"/>
+                <a:cs typeface="Times New Roman" panose="02020603050405020304" pitchFamily="18" charset="0"/>
+              </a:rPr>
+              <a:t>   </a:t>
+            </a:r>
+            <a:r>
+              <a:rPr lang="pt-BR" sz="2400" b="1" dirty="0" err="1">
+                <a:solidFill>
+                  <a:schemeClr val="tx1"/>
+                </a:solidFill>
+                <a:latin typeface="Times New Roman" panose="02020603050405020304" pitchFamily="18" charset="0"/>
+                <a:cs typeface="Times New Roman" panose="02020603050405020304" pitchFamily="18" charset="0"/>
+              </a:rPr>
+              <a:t>strcpy</a:t>
+            </a:r>
+            <a:r>
+              <a:rPr lang="pt-BR" sz="2400" dirty="0">
+                <a:solidFill>
+                  <a:schemeClr val="tx1"/>
+                </a:solidFill>
+                <a:latin typeface="Times New Roman" panose="02020603050405020304" pitchFamily="18" charset="0"/>
+                <a:cs typeface="Times New Roman" panose="02020603050405020304" pitchFamily="18" charset="0"/>
+              </a:rPr>
+              <a:t>(</a:t>
+            </a:r>
+            <a:r>
+              <a:rPr lang="pt-BR" sz="2400" b="1" dirty="0" err="1">
+                <a:solidFill>
+                  <a:srgbClr val="FF0000"/>
+                </a:solidFill>
+                <a:latin typeface="Times New Roman" panose="02020603050405020304" pitchFamily="18" charset="0"/>
+                <a:cs typeface="Times New Roman" panose="02020603050405020304" pitchFamily="18" charset="0"/>
+              </a:rPr>
+              <a:t>umCliente</a:t>
             </a:r>
             <a:r>
               <a:rPr lang="pt-BR" sz="2400" dirty="0" err="1">
-                <a:latin typeface="Arial" panose="020B0604020202020204" pitchFamily="34" charset="0"/>
-                <a:cs typeface="Arial" panose="020B0604020202020204" pitchFamily="34" charset="0"/>
-              </a:rPr>
-              <a:t>b"Fulano</a:t>
+                <a:solidFill>
+                  <a:schemeClr val="tx1"/>
+                </a:solidFill>
+                <a:latin typeface="Times New Roman" panose="02020603050405020304" pitchFamily="18" charset="0"/>
+                <a:cs typeface="Times New Roman" panose="02020603050405020304" pitchFamily="18" charset="0"/>
+              </a:rPr>
+              <a:t>.</a:t>
+            </a:r>
+            <a:r>
+              <a:rPr lang="pt-BR" sz="2400" b="1" dirty="0" err="1">
+                <a:solidFill>
+                  <a:schemeClr val="tx1"/>
+                </a:solidFill>
+                <a:latin typeface="Times New Roman" panose="02020603050405020304" pitchFamily="18" charset="0"/>
+                <a:cs typeface="Times New Roman" panose="02020603050405020304" pitchFamily="18" charset="0"/>
+              </a:rPr>
+              <a:t>cpf</a:t>
             </a:r>
             <a:r>
               <a:rPr lang="pt-BR" sz="2400" dirty="0">
-                <a:latin typeface="Arial" panose="020B0604020202020204" pitchFamily="34" charset="0"/>
-                <a:cs typeface="Arial" panose="020B0604020202020204" pitchFamily="34" charset="0"/>
-              </a:rPr>
-              <a:t>", 0, 2, b’123456789001, 5000.00, 3)</a:t>
-            </a:r>
-          </a:p>
-          <a:p>
+                <a:solidFill>
+                  <a:schemeClr val="tx1"/>
+                </a:solidFill>
+                <a:latin typeface="Times New Roman" panose="02020603050405020304" pitchFamily="18" charset="0"/>
+                <a:cs typeface="Times New Roman" panose="02020603050405020304" pitchFamily="18" charset="0"/>
+              </a:rPr>
+              <a:t>, "01234567890“);</a:t>
+            </a:r>
+          </a:p>
+          <a:p>
+            <a:pPr marL="0" indent="0" algn="just">
+              <a:buNone/>
+            </a:pPr>
             <a:r>
               <a:rPr lang="pt-BR" sz="2400" b="1" dirty="0">
-                <a:latin typeface="Arial" panose="020B0604020202020204" pitchFamily="34" charset="0"/>
-                <a:cs typeface="Arial" panose="020B0604020202020204" pitchFamily="34" charset="0"/>
-              </a:rPr>
-              <a:t>print</a:t>
+                <a:solidFill>
+                  <a:srgbClr val="FF0000"/>
+                </a:solidFill>
+                <a:latin typeface="Times New Roman" panose="02020603050405020304" pitchFamily="18" charset="0"/>
+                <a:cs typeface="Times New Roman" panose="02020603050405020304" pitchFamily="18" charset="0"/>
+              </a:rPr>
+              <a:t>   </a:t>
+            </a:r>
+            <a:r>
+              <a:rPr lang="pt-BR" sz="2400" b="1" dirty="0" err="1">
+                <a:solidFill>
+                  <a:srgbClr val="FF0000"/>
+                </a:solidFill>
+                <a:latin typeface="Times New Roman" panose="02020603050405020304" pitchFamily="18" charset="0"/>
+                <a:cs typeface="Times New Roman" panose="02020603050405020304" pitchFamily="18" charset="0"/>
+              </a:rPr>
+              <a:t>umCliente</a:t>
+            </a:r>
+            <a:r>
+              <a:rPr lang="pt-BR" sz="2400" dirty="0" err="1">
+                <a:solidFill>
+                  <a:schemeClr val="tx1"/>
+                </a:solidFill>
+                <a:latin typeface="Times New Roman" panose="02020603050405020304" pitchFamily="18" charset="0"/>
+                <a:cs typeface="Times New Roman" panose="02020603050405020304" pitchFamily="18" charset="0"/>
+              </a:rPr>
+              <a:t>.</a:t>
+            </a:r>
+            <a:r>
+              <a:rPr lang="pt-BR" sz="2400" b="1" dirty="0" err="1">
+                <a:solidFill>
+                  <a:schemeClr val="tx1"/>
+                </a:solidFill>
+                <a:latin typeface="Times New Roman" panose="02020603050405020304" pitchFamily="18" charset="0"/>
+                <a:cs typeface="Times New Roman" panose="02020603050405020304" pitchFamily="18" charset="0"/>
+              </a:rPr>
+              <a:t>limite</a:t>
             </a:r>
             <a:r>
               <a:rPr lang="pt-BR" sz="2400" dirty="0">
-                <a:latin typeface="Arial" panose="020B0604020202020204" pitchFamily="34" charset="0"/>
-                <a:cs typeface="Arial" panose="020B0604020202020204" pitchFamily="34" charset="0"/>
-              </a:rPr>
-              <a:t>(</a:t>
+                <a:solidFill>
+                  <a:schemeClr val="tx1"/>
+                </a:solidFill>
+                <a:latin typeface="Times New Roman" panose="02020603050405020304" pitchFamily="18" charset="0"/>
+                <a:cs typeface="Times New Roman" panose="02020603050405020304" pitchFamily="18" charset="0"/>
+              </a:rPr>
+              <a:t> = 5000.0;</a:t>
+            </a:r>
+          </a:p>
+          <a:p>
+            <a:pPr marL="0" indent="0" algn="just">
+              <a:buNone/>
+            </a:pPr>
+            <a:r>
+              <a:rPr lang="pt-BR" sz="2400" b="1" dirty="0">
+                <a:solidFill>
+                  <a:srgbClr val="FF0000"/>
+                </a:solidFill>
+                <a:latin typeface="Times New Roman" panose="02020603050405020304" pitchFamily="18" charset="0"/>
+                <a:cs typeface="Times New Roman" panose="02020603050405020304" pitchFamily="18" charset="0"/>
+              </a:rPr>
+              <a:t>   </a:t>
+            </a:r>
+            <a:r>
+              <a:rPr lang="pt-BR" sz="2400" b="1" dirty="0" err="1">
+                <a:solidFill>
+                  <a:srgbClr val="FF0000"/>
+                </a:solidFill>
+                <a:latin typeface="Times New Roman" panose="02020603050405020304" pitchFamily="18" charset="0"/>
+                <a:cs typeface="Times New Roman" panose="02020603050405020304" pitchFamily="18" charset="0"/>
+              </a:rPr>
+              <a:t>umCliente</a:t>
             </a:r>
             <a:r>
               <a:rPr lang="pt-BR" sz="2400" dirty="0" err="1">
-                <a:latin typeface="Arial" panose="020B0604020202020204" pitchFamily="34" charset="0"/>
-                <a:cs typeface="Arial" panose="020B0604020202020204" pitchFamily="34" charset="0"/>
-              </a:rPr>
-              <a:t>umCliente</a:t>
+                <a:solidFill>
+                  <a:schemeClr val="tx1"/>
+                </a:solidFill>
+                <a:latin typeface="Times New Roman" panose="02020603050405020304" pitchFamily="18" charset="0"/>
+                <a:cs typeface="Times New Roman" panose="02020603050405020304" pitchFamily="18" charset="0"/>
+              </a:rPr>
+              <a:t>.</a:t>
+            </a:r>
+            <a:r>
+              <a:rPr lang="pt-BR" sz="2400" b="1" dirty="0" err="1">
+                <a:solidFill>
+                  <a:schemeClr val="tx1"/>
+                </a:solidFill>
+                <a:latin typeface="Times New Roman" panose="02020603050405020304" pitchFamily="18" charset="0"/>
+                <a:cs typeface="Times New Roman" panose="02020603050405020304" pitchFamily="18" charset="0"/>
+              </a:rPr>
+              <a:t>compras</a:t>
             </a:r>
             <a:r>
               <a:rPr lang="pt-BR" sz="2400" dirty="0">
-                <a:latin typeface="Arial" panose="020B0604020202020204" pitchFamily="34" charset="0"/>
-                <a:cs typeface="Arial" panose="020B0604020202020204" pitchFamily="34" charset="0"/>
-              </a:rPr>
-              <a:t>)</a:t>
-            </a:r>
-          </a:p>
-          <a:p>
-            <a:r>
-              <a:rPr lang="pt-BR" sz="2400" b="1" dirty="0">
-                <a:latin typeface="Arial" panose="020B0604020202020204" pitchFamily="34" charset="0"/>
-                <a:cs typeface="Arial" panose="020B0604020202020204" pitchFamily="34" charset="0"/>
-              </a:rPr>
-              <a:t>print</a:t>
-            </a:r>
+                <a:solidFill>
+                  <a:schemeClr val="tx1"/>
+                </a:solidFill>
+                <a:latin typeface="Times New Roman" panose="02020603050405020304" pitchFamily="18" charset="0"/>
+                <a:cs typeface="Times New Roman" panose="02020603050405020304" pitchFamily="18" charset="0"/>
+              </a:rPr>
+              <a:t> = 0;</a:t>
+            </a:r>
+          </a:p>
+          <a:p>
+            <a:pPr marL="0" indent="0" algn="just">
+              <a:buNone/>
+            </a:pPr>
             <a:r>
               <a:rPr lang="pt-BR" sz="2400" dirty="0">
-                <a:latin typeface="Arial" panose="020B0604020202020204" pitchFamily="34" charset="0"/>
-                <a:cs typeface="Arial" panose="020B0604020202020204" pitchFamily="34" charset="0"/>
-              </a:rPr>
-              <a:t>(</a:t>
-            </a:r>
-            <a:r>
-              <a:rPr lang="pt-BR" sz="2400" b="1" dirty="0" err="1">
-                <a:solidFill>
-                  <a:srgbClr val="FF0000"/>
-                </a:solidFill>
-                <a:latin typeface="Arial" panose="020B0604020202020204" pitchFamily="34" charset="0"/>
-                <a:cs typeface="Arial" panose="020B0604020202020204" pitchFamily="34" charset="0"/>
-              </a:rPr>
-              <a:t>struct</a:t>
-            </a:r>
-            <a:r>
-              <a:rPr lang="pt-BR" sz="2400" dirty="0" err="1">
-                <a:latin typeface="Arial" panose="020B0604020202020204" pitchFamily="34" charset="0"/>
-                <a:cs typeface="Arial" panose="020B0604020202020204" pitchFamily="34" charset="0"/>
-              </a:rPr>
-              <a:t>.</a:t>
-            </a:r>
-            <a:r>
-              <a:rPr lang="pt-BR" sz="2400" b="1" dirty="0" err="1">
-                <a:latin typeface="Arial" panose="020B0604020202020204" pitchFamily="34" charset="0"/>
-                <a:cs typeface="Arial" panose="020B0604020202020204" pitchFamily="34" charset="0"/>
-              </a:rPr>
-              <a:t>unpack</a:t>
-            </a:r>
-            <a:r>
-              <a:rPr lang="pt-BR" sz="2400" dirty="0">
-                <a:latin typeface="Arial" panose="020B0604020202020204" pitchFamily="34" charset="0"/>
-                <a:cs typeface="Arial" panose="020B0604020202020204" pitchFamily="34" charset="0"/>
-              </a:rPr>
-              <a:t>(Cliente, </a:t>
-            </a:r>
-            <a:r>
-              <a:rPr lang="pt-BR" sz="2400" dirty="0" err="1">
-                <a:latin typeface="Arial" panose="020B0604020202020204" pitchFamily="34" charset="0"/>
-                <a:cs typeface="Arial" panose="020B0604020202020204" pitchFamily="34" charset="0"/>
-              </a:rPr>
-              <a:t>umCliente</a:t>
-            </a:r>
-            <a:r>
-              <a:rPr lang="pt-BR" sz="2400" dirty="0">
-                <a:latin typeface="Arial" panose="020B0604020202020204" pitchFamily="34" charset="0"/>
-                <a:cs typeface="Arial" panose="020B0604020202020204" pitchFamily="34" charset="0"/>
-              </a:rPr>
-              <a:t>))</a:t>
-            </a:r>
+                <a:solidFill>
+                  <a:schemeClr val="tx1"/>
+                </a:solidFill>
+                <a:latin typeface="Times New Roman" panose="02020603050405020304" pitchFamily="18" charset="0"/>
+                <a:cs typeface="Times New Roman" panose="02020603050405020304" pitchFamily="18" charset="0"/>
+              </a:rPr>
+              <a:t>}</a:t>
+            </a:r>
+            <a:endParaRPr lang="pt-BR" sz="2400" dirty="0"/>
           </a:p>
         </p:txBody>
       </p:sp>
     </p:spTree>
     <p:extLst>
       <p:ext uri="{BB962C8B-B14F-4D97-AF65-F5344CB8AC3E}">
-        <p14:creationId xmlns:p14="http://schemas.microsoft.com/office/powerpoint/2010/main" val="1539438958"/>
+        <p14:creationId xmlns:p14="http://schemas.microsoft.com/office/powerpoint/2010/main" val="671563937"/>
       </p:ext>
     </p:extLst>
   </p:cSld>
@@ -8095,154 +8148,295 @@
           </a:bodyPr>
           <a:lstStyle/>
           <a:p>
-            <a:pPr algn="just">
-              <a:buFont typeface="Wingdings" panose="05000000000000000000" pitchFamily="2" charset="2"/>
-              <a:buChar char="§"/>
+            <a:pPr marL="0" indent="0" algn="just">
+              <a:buNone/>
             </a:pPr>
             <a:r>
-              <a:rPr lang="pt-BR" dirty="0">
-                <a:solidFill>
-                  <a:schemeClr val="tx1"/>
-                </a:solidFill>
-                <a:latin typeface="Times New Roman" panose="02020603050405020304" pitchFamily="18" charset="0"/>
-                <a:cs typeface="Times New Roman" panose="02020603050405020304" pitchFamily="18" charset="0"/>
-              </a:rPr>
-              <a:t>Registos em </a:t>
-            </a:r>
-            <a:r>
-              <a:rPr lang="pt-BR" dirty="0" err="1">
-                <a:solidFill>
-                  <a:schemeClr val="tx1"/>
-                </a:solidFill>
-                <a:latin typeface="Times New Roman" panose="02020603050405020304" pitchFamily="18" charset="0"/>
-                <a:cs typeface="Times New Roman" panose="02020603050405020304" pitchFamily="18" charset="0"/>
-              </a:rPr>
-              <a:t>Pyhton</a:t>
-            </a:r>
-            <a:r>
-              <a:rPr lang="pt-BR" dirty="0">
-                <a:solidFill>
-                  <a:schemeClr val="tx1"/>
-                </a:solidFill>
-                <a:latin typeface="Times New Roman" panose="02020603050405020304" pitchFamily="18" charset="0"/>
-                <a:cs typeface="Times New Roman" panose="02020603050405020304" pitchFamily="18" charset="0"/>
-              </a:rPr>
-              <a:t>: sem nomes dos campos</a:t>
-            </a:r>
+              <a:rPr lang="pt-BR" sz="2400" b="1" dirty="0">
+                <a:solidFill>
+                  <a:srgbClr val="FF0000"/>
+                </a:solidFill>
+                <a:latin typeface="Times New Roman" panose="02020603050405020304" pitchFamily="18" charset="0"/>
+                <a:cs typeface="Times New Roman" panose="02020603050405020304" pitchFamily="18" charset="0"/>
+              </a:rPr>
+              <a:t>Registro (Exemplo: </a:t>
+            </a:r>
+            <a:r>
+              <a:rPr lang="pt-BR" sz="2400" b="1" dirty="0">
+                <a:latin typeface="Times New Roman" panose="02020603050405020304" pitchFamily="18" charset="0"/>
+                <a:cs typeface="Times New Roman" panose="02020603050405020304" pitchFamily="18" charset="0"/>
+              </a:rPr>
+              <a:t>Python</a:t>
+            </a:r>
+            <a:r>
+              <a:rPr lang="pt-BR" sz="2400" b="1" dirty="0">
+                <a:solidFill>
+                  <a:srgbClr val="FF0000"/>
+                </a:solidFill>
+                <a:latin typeface="Times New Roman" panose="02020603050405020304" pitchFamily="18" charset="0"/>
+                <a:cs typeface="Times New Roman" panose="02020603050405020304" pitchFamily="18" charset="0"/>
+              </a:rPr>
+              <a:t>)</a:t>
+            </a:r>
+            <a:endParaRPr lang="pt-BR" sz="2400" dirty="0">
+              <a:solidFill>
+                <a:schemeClr val="tx1"/>
+              </a:solidFill>
+              <a:latin typeface="Times New Roman" panose="02020603050405020304" pitchFamily="18" charset="0"/>
+              <a:cs typeface="Times New Roman" panose="02020603050405020304" pitchFamily="18" charset="0"/>
+            </a:endParaRPr>
           </a:p>
           <a:p>
             <a:pPr marL="0" indent="0" algn="just">
               <a:buNone/>
             </a:pPr>
             <a:r>
-              <a:rPr lang="pt-BR" dirty="0">
-                <a:solidFill>
-                  <a:schemeClr val="tx1"/>
-                </a:solidFill>
-                <a:latin typeface="Times New Roman" panose="02020603050405020304" pitchFamily="18" charset="0"/>
-                <a:cs typeface="Times New Roman" panose="02020603050405020304" pitchFamily="18" charset="0"/>
-              </a:rPr>
-              <a:t>– </a:t>
-            </a:r>
-            <a:r>
-              <a:rPr lang="pt-BR" b="1" dirty="0">
-                <a:solidFill>
-                  <a:schemeClr val="tx1"/>
-                </a:solidFill>
-                <a:latin typeface="Times New Roman" panose="02020603050405020304" pitchFamily="18" charset="0"/>
-                <a:cs typeface="Times New Roman" panose="02020603050405020304" pitchFamily="18" charset="0"/>
-              </a:rPr>
-              <a:t>Foco primário</a:t>
-            </a:r>
-            <a:r>
-              <a:rPr lang="pt-BR" dirty="0">
-                <a:solidFill>
-                  <a:schemeClr val="tx1"/>
-                </a:solidFill>
-                <a:latin typeface="Times New Roman" panose="02020603050405020304" pitchFamily="18" charset="0"/>
-                <a:cs typeface="Times New Roman" panose="02020603050405020304" pitchFamily="18" charset="0"/>
-              </a:rPr>
-              <a:t>: trocar dados com C/C++</a:t>
+              <a:rPr lang="pt-BR" sz="2000" dirty="0">
+                <a:solidFill>
+                  <a:schemeClr val="tx1"/>
+                </a:solidFill>
+                <a:latin typeface="Times New Roman" panose="02020603050405020304" pitchFamily="18" charset="0"/>
+                <a:cs typeface="Times New Roman" panose="02020603050405020304" pitchFamily="18" charset="0"/>
+              </a:rPr>
+              <a:t> </a:t>
             </a:r>
           </a:p>
           <a:p>
             <a:pPr marL="0" indent="0" algn="just">
               <a:buNone/>
             </a:pPr>
-            <a:r>
-              <a:rPr lang="pt-BR" dirty="0">
-                <a:solidFill>
-                  <a:schemeClr val="tx1"/>
-                </a:solidFill>
-                <a:latin typeface="Times New Roman" panose="02020603050405020304" pitchFamily="18" charset="0"/>
-                <a:cs typeface="Times New Roman" panose="02020603050405020304" pitchFamily="18" charset="0"/>
-              </a:rPr>
-              <a:t>• Como guardar dados organizados em Python?</a:t>
-            </a:r>
-          </a:p>
-          <a:p>
-            <a:pPr marL="0" indent="0" algn="just">
-              <a:buNone/>
-            </a:pPr>
-            <a:r>
-              <a:rPr lang="pt-BR" dirty="0">
-                <a:solidFill>
-                  <a:schemeClr val="tx1"/>
-                </a:solidFill>
-                <a:latin typeface="Times New Roman" panose="02020603050405020304" pitchFamily="18" charset="0"/>
-                <a:cs typeface="Times New Roman" panose="02020603050405020304" pitchFamily="18" charset="0"/>
-              </a:rPr>
-              <a:t>– </a:t>
-            </a:r>
-            <a:r>
-              <a:rPr lang="pt-BR" b="1" dirty="0">
-                <a:solidFill>
-                  <a:schemeClr val="tx1"/>
-                </a:solidFill>
-                <a:latin typeface="Times New Roman" panose="02020603050405020304" pitchFamily="18" charset="0"/>
-                <a:cs typeface="Times New Roman" panose="02020603050405020304" pitchFamily="18" charset="0"/>
-              </a:rPr>
-              <a:t>Forma mais conveniente</a:t>
-            </a:r>
-            <a:r>
-              <a:rPr lang="pt-BR" dirty="0">
-                <a:solidFill>
-                  <a:schemeClr val="tx1"/>
-                </a:solidFill>
-                <a:latin typeface="Times New Roman" panose="02020603050405020304" pitchFamily="18" charset="0"/>
-                <a:cs typeface="Times New Roman" panose="02020603050405020304" pitchFamily="18" charset="0"/>
-              </a:rPr>
-              <a:t>... </a:t>
-            </a:r>
-            <a:r>
-              <a:rPr lang="pt-BR" b="1" dirty="0" err="1">
+            <a:endParaRPr lang="pt-BR" sz="2000" dirty="0">
+              <a:solidFill>
+                <a:schemeClr val="tx1"/>
+              </a:solidFill>
+              <a:latin typeface="Times New Roman" panose="02020603050405020304" pitchFamily="18" charset="0"/>
+              <a:cs typeface="Times New Roman" panose="02020603050405020304" pitchFamily="18" charset="0"/>
+            </a:endParaRPr>
+          </a:p>
+        </p:txBody>
+      </p:sp>
+      <p:sp>
+        <p:nvSpPr>
+          <p:cNvPr id="3" name="CaixaDeTexto 2">
+            <a:extLst>
+              <a:ext uri="{FF2B5EF4-FFF2-40B4-BE49-F238E27FC236}">
+                <a16:creationId xmlns:a16="http://schemas.microsoft.com/office/drawing/2014/main" id="{6709984F-2047-4B0A-8173-791A8AE310FF}"/>
+              </a:ext>
+            </a:extLst>
+          </p:cNvPr>
+          <p:cNvSpPr txBox="1"/>
+          <p:nvPr/>
+        </p:nvSpPr>
+        <p:spPr>
+          <a:xfrm>
+            <a:off x="186182" y="1730007"/>
+            <a:ext cx="8206255" cy="2308324"/>
+          </a:xfrm>
+          <a:prstGeom prst="rect">
+            <a:avLst/>
+          </a:prstGeom>
+          <a:noFill/>
+        </p:spPr>
+        <p:txBody>
+          <a:bodyPr wrap="square" rtlCol="0">
+            <a:spAutoFit/>
+          </a:bodyPr>
+          <a:lstStyle/>
+          <a:p>
+            <a:r>
+              <a:rPr lang="pt-BR" sz="2400" b="1" dirty="0" err="1">
+                <a:latin typeface="Arial" panose="020B0604020202020204" pitchFamily="34" charset="0"/>
+                <a:cs typeface="Arial" panose="020B0604020202020204" pitchFamily="34" charset="0"/>
+              </a:rPr>
+              <a:t>import</a:t>
+            </a:r>
+            <a:r>
+              <a:rPr lang="pt-BR" sz="2400" b="1" dirty="0">
+                <a:latin typeface="Arial" panose="020B0604020202020204" pitchFamily="34" charset="0"/>
+                <a:cs typeface="Arial" panose="020B0604020202020204" pitchFamily="34" charset="0"/>
+              </a:rPr>
+              <a:t> </a:t>
+            </a:r>
+            <a:r>
+              <a:rPr lang="pt-BR" sz="2400" b="1" dirty="0" err="1">
                 <a:solidFill>
                   <a:srgbClr val="FF0000"/>
                 </a:solidFill>
-                <a:latin typeface="Times New Roman" panose="02020603050405020304" pitchFamily="18" charset="0"/>
-                <a:cs typeface="Times New Roman" panose="02020603050405020304" pitchFamily="18" charset="0"/>
-              </a:rPr>
-              <a:t>Tuplas</a:t>
-            </a:r>
-            <a:r>
-              <a:rPr lang="pt-BR" b="1" dirty="0">
+                <a:latin typeface="Arial" panose="020B0604020202020204" pitchFamily="34" charset="0"/>
+                <a:cs typeface="Arial" panose="020B0604020202020204" pitchFamily="34" charset="0"/>
+              </a:rPr>
+              <a:t>struct</a:t>
+            </a:r>
+            <a:endParaRPr lang="pt-BR" sz="2400" b="1" dirty="0">
+              <a:solidFill>
+                <a:srgbClr val="FF0000"/>
+              </a:solidFill>
+              <a:latin typeface="Arial" panose="020B0604020202020204" pitchFamily="34" charset="0"/>
+              <a:cs typeface="Arial" panose="020B0604020202020204" pitchFamily="34" charset="0"/>
+            </a:endParaRPr>
+          </a:p>
+          <a:p>
+            <a:r>
+              <a:rPr lang="pt-BR" sz="2400" b="1" dirty="0">
                 <a:solidFill>
                   <a:srgbClr val="FF0000"/>
                 </a:solidFill>
-                <a:latin typeface="Times New Roman" panose="02020603050405020304" pitchFamily="18" charset="0"/>
-                <a:cs typeface="Times New Roman" panose="02020603050405020304" pitchFamily="18" charset="0"/>
-              </a:rPr>
-              <a:t> nomeadas</a:t>
-            </a:r>
-            <a:r>
-              <a:rPr lang="pt-BR" dirty="0">
-                <a:solidFill>
-                  <a:schemeClr val="tx1"/>
-                </a:solidFill>
-                <a:latin typeface="Times New Roman" panose="02020603050405020304" pitchFamily="18" charset="0"/>
-                <a:cs typeface="Times New Roman" panose="02020603050405020304" pitchFamily="18" charset="0"/>
+                <a:latin typeface="Arial" panose="020B0604020202020204" pitchFamily="34" charset="0"/>
+                <a:cs typeface="Arial" panose="020B0604020202020204" pitchFamily="34" charset="0"/>
+              </a:rPr>
+              <a:t>Cliente = (‘80s I I 11s f I')</a:t>
+            </a:r>
+          </a:p>
+          <a:p>
+            <a:r>
+              <a:rPr lang="pt-BR" sz="2400" dirty="0" err="1">
+                <a:latin typeface="Arial" panose="020B0604020202020204" pitchFamily="34" charset="0"/>
+                <a:cs typeface="Arial" panose="020B0604020202020204" pitchFamily="34" charset="0"/>
+              </a:rPr>
+              <a:t>umCliente</a:t>
+            </a:r>
+            <a:r>
+              <a:rPr lang="pt-BR" sz="2400" dirty="0">
+                <a:latin typeface="Arial" panose="020B0604020202020204" pitchFamily="34" charset="0"/>
+                <a:cs typeface="Arial" panose="020B0604020202020204" pitchFamily="34" charset="0"/>
+              </a:rPr>
+              <a:t> = </a:t>
+            </a:r>
+            <a:r>
+              <a:rPr lang="pt-BR" sz="2400" b="1" dirty="0" err="1">
+                <a:solidFill>
+                  <a:srgbClr val="FF0000"/>
+                </a:solidFill>
+                <a:latin typeface="Arial" panose="020B0604020202020204" pitchFamily="34" charset="0"/>
+                <a:cs typeface="Arial" panose="020B0604020202020204" pitchFamily="34" charset="0"/>
+              </a:rPr>
+              <a:t>struct</a:t>
+            </a:r>
+            <a:r>
+              <a:rPr lang="pt-BR" sz="2400" dirty="0" err="1">
+                <a:latin typeface="Arial" panose="020B0604020202020204" pitchFamily="34" charset="0"/>
+                <a:cs typeface="Arial" panose="020B0604020202020204" pitchFamily="34" charset="0"/>
               </a:rPr>
               <a:t>.</a:t>
+            </a:r>
+            <a:r>
+              <a:rPr lang="pt-BR" sz="2400" b="1" dirty="0" err="1">
+                <a:latin typeface="Arial" panose="020B0604020202020204" pitchFamily="34" charset="0"/>
+                <a:cs typeface="Arial" panose="020B0604020202020204" pitchFamily="34" charset="0"/>
+              </a:rPr>
+              <a:t>pack</a:t>
+            </a:r>
+            <a:r>
+              <a:rPr lang="pt-BR" sz="2400" dirty="0">
+                <a:latin typeface="Arial" panose="020B0604020202020204" pitchFamily="34" charset="0"/>
+                <a:cs typeface="Arial" panose="020B0604020202020204" pitchFamily="34" charset="0"/>
+              </a:rPr>
+              <a:t>(Cliente, </a:t>
+            </a:r>
+            <a:r>
+              <a:rPr lang="pt-BR" sz="2400" dirty="0" err="1">
+                <a:latin typeface="Arial" panose="020B0604020202020204" pitchFamily="34" charset="0"/>
+                <a:cs typeface="Arial" panose="020B0604020202020204" pitchFamily="34" charset="0"/>
+              </a:rPr>
+              <a:t>b"Fulano</a:t>
+            </a:r>
+            <a:r>
+              <a:rPr lang="pt-BR" sz="2400" dirty="0">
+                <a:latin typeface="Arial" panose="020B0604020202020204" pitchFamily="34" charset="0"/>
+                <a:cs typeface="Arial" panose="020B0604020202020204" pitchFamily="34" charset="0"/>
+              </a:rPr>
+              <a:t>", 0, 2, b’123456789001, 5000.00, 3)</a:t>
+            </a:r>
+          </a:p>
+          <a:p>
+            <a:r>
+              <a:rPr lang="pt-BR" sz="2400" b="1" dirty="0">
+                <a:latin typeface="Arial" panose="020B0604020202020204" pitchFamily="34" charset="0"/>
+                <a:cs typeface="Arial" panose="020B0604020202020204" pitchFamily="34" charset="0"/>
+              </a:rPr>
+              <a:t>print</a:t>
+            </a:r>
+            <a:r>
+              <a:rPr lang="pt-BR" sz="2400" dirty="0">
+                <a:latin typeface="Arial" panose="020B0604020202020204" pitchFamily="34" charset="0"/>
+                <a:cs typeface="Arial" panose="020B0604020202020204" pitchFamily="34" charset="0"/>
+              </a:rPr>
+              <a:t>(</a:t>
+            </a:r>
+            <a:r>
+              <a:rPr lang="pt-BR" sz="2400" dirty="0" err="1">
+                <a:latin typeface="Arial" panose="020B0604020202020204" pitchFamily="34" charset="0"/>
+                <a:cs typeface="Arial" panose="020B0604020202020204" pitchFamily="34" charset="0"/>
+              </a:rPr>
+              <a:t>umCliente</a:t>
+            </a:r>
+            <a:r>
+              <a:rPr lang="pt-BR" sz="2400" dirty="0">
+                <a:latin typeface="Arial" panose="020B0604020202020204" pitchFamily="34" charset="0"/>
+                <a:cs typeface="Arial" panose="020B0604020202020204" pitchFamily="34" charset="0"/>
+              </a:rPr>
+              <a:t>)</a:t>
+            </a:r>
+          </a:p>
+          <a:p>
+            <a:r>
+              <a:rPr lang="pt-BR" sz="2400" b="1" dirty="0">
+                <a:latin typeface="Arial" panose="020B0604020202020204" pitchFamily="34" charset="0"/>
+                <a:cs typeface="Arial" panose="020B0604020202020204" pitchFamily="34" charset="0"/>
+              </a:rPr>
+              <a:t>print</a:t>
+            </a:r>
+            <a:r>
+              <a:rPr lang="pt-BR" sz="2400" dirty="0">
+                <a:latin typeface="Arial" panose="020B0604020202020204" pitchFamily="34" charset="0"/>
+                <a:cs typeface="Arial" panose="020B0604020202020204" pitchFamily="34" charset="0"/>
+              </a:rPr>
+              <a:t>(</a:t>
+            </a:r>
+            <a:r>
+              <a:rPr lang="pt-BR" sz="2400" b="1" dirty="0" err="1">
+                <a:solidFill>
+                  <a:srgbClr val="FF0000"/>
+                </a:solidFill>
+                <a:latin typeface="Arial" panose="020B0604020202020204" pitchFamily="34" charset="0"/>
+                <a:cs typeface="Arial" panose="020B0604020202020204" pitchFamily="34" charset="0"/>
+              </a:rPr>
+              <a:t>struct</a:t>
+            </a:r>
+            <a:r>
+              <a:rPr lang="pt-BR" sz="2400" dirty="0" err="1">
+                <a:latin typeface="Arial" panose="020B0604020202020204" pitchFamily="34" charset="0"/>
+                <a:cs typeface="Arial" panose="020B0604020202020204" pitchFamily="34" charset="0"/>
+              </a:rPr>
+              <a:t>.</a:t>
+            </a:r>
+            <a:r>
+              <a:rPr lang="pt-BR" sz="2400" b="1" dirty="0" err="1">
+                <a:latin typeface="Arial" panose="020B0604020202020204" pitchFamily="34" charset="0"/>
+                <a:cs typeface="Arial" panose="020B0604020202020204" pitchFamily="34" charset="0"/>
+              </a:rPr>
+              <a:t>unpack</a:t>
+            </a:r>
+            <a:r>
+              <a:rPr lang="pt-BR" sz="2400" dirty="0">
+                <a:latin typeface="Arial" panose="020B0604020202020204" pitchFamily="34" charset="0"/>
+                <a:cs typeface="Arial" panose="020B0604020202020204" pitchFamily="34" charset="0"/>
+              </a:rPr>
+              <a:t>(Cliente, </a:t>
+            </a:r>
+            <a:r>
+              <a:rPr lang="pt-BR" sz="2400" dirty="0" err="1">
+                <a:latin typeface="Arial" panose="020B0604020202020204" pitchFamily="34" charset="0"/>
+                <a:cs typeface="Arial" panose="020B0604020202020204" pitchFamily="34" charset="0"/>
+              </a:rPr>
+              <a:t>umCliente</a:t>
+            </a:r>
+            <a:r>
+              <a:rPr lang="pt-BR" sz="2400" dirty="0">
+                <a:latin typeface="Arial" panose="020B0604020202020204" pitchFamily="34" charset="0"/>
+                <a:cs typeface="Arial" panose="020B0604020202020204" pitchFamily="34" charset="0"/>
+              </a:rPr>
+              <a:t>))</a:t>
             </a:r>
           </a:p>
         </p:txBody>
@@ -8250,7 +8444,7 @@
     </p:spTree>
     <p:extLst>
       <p:ext uri="{BB962C8B-B14F-4D97-AF65-F5344CB8AC3E}">
-        <p14:creationId xmlns:p14="http://schemas.microsoft.com/office/powerpoint/2010/main" val="2125755638"/>
+        <p14:creationId xmlns:p14="http://schemas.microsoft.com/office/powerpoint/2010/main" val="1539438958"/>
       </p:ext>
     </p:extLst>
   </p:cSld>
@@ -8301,7 +8495,7 @@
                   <a:srgbClr val="0070C0"/>
                 </a:solidFill>
               </a:rPr>
-              <a:t>Python – </a:t>
+              <a:t>Python – TD </a:t>
             </a:r>
             <a:r>
               <a:rPr lang="en-US" b="1" dirty="0" err="1">
@@ -8309,7 +8503,7 @@
                   <a:srgbClr val="0070C0"/>
                 </a:solidFill>
               </a:rPr>
-              <a:t>TDados</a:t>
+              <a:t>Aglomerados</a:t>
             </a:r>
             <a:r>
               <a:rPr lang="en-US" b="1" dirty="0">
@@ -8325,23 +8519,7 @@
                   <a:srgbClr val="0070C0"/>
                 </a:solidFill>
               </a:rPr>
-              <a:t>Aglomerados</a:t>
-            </a:r>
-            <a:r>
-              <a:rPr lang="en-US" b="1" dirty="0">
-                <a:solidFill>
-                  <a:srgbClr val="0070C0"/>
-                </a:solidFill>
-              </a:rPr>
-              <a:t> </a:t>
-            </a:r>
-            <a:r>
-              <a:rPr lang="en-US" b="1" dirty="0" err="1">
-                <a:solidFill>
-                  <a:srgbClr val="0070C0"/>
-                </a:solidFill>
-              </a:rPr>
-              <a:t>Tuplas</a:t>
+              <a:t>Registros</a:t>
             </a:r>
             <a:endParaRPr lang="en-US" b="1" dirty="0">
               <a:solidFill>
@@ -8378,28 +8556,38 @@
               <a:buChar char="§"/>
             </a:pPr>
             <a:r>
-              <a:rPr lang="pt-BR" sz="3200" b="1" dirty="0">
-                <a:latin typeface="Times New Roman" panose="02020603050405020304" pitchFamily="18" charset="0"/>
-                <a:cs typeface="Times New Roman" panose="02020603050405020304" pitchFamily="18" charset="0"/>
-              </a:rPr>
-              <a:t>Agrupamentos</a:t>
-            </a:r>
-            <a:r>
-              <a:rPr lang="pt-BR" sz="3200" dirty="0">
-                <a:latin typeface="Times New Roman" panose="02020603050405020304" pitchFamily="18" charset="0"/>
-                <a:cs typeface="Times New Roman" panose="02020603050405020304" pitchFamily="18" charset="0"/>
-              </a:rPr>
-              <a:t> de dados </a:t>
-            </a:r>
-            <a:r>
-              <a:rPr lang="pt-BR" sz="3200" b="1" dirty="0">
+              <a:rPr lang="pt-BR" b="1" dirty="0">
                 <a:solidFill>
                   <a:srgbClr val="FF0000"/>
                 </a:solidFill>
                 <a:latin typeface="Times New Roman" panose="02020603050405020304" pitchFamily="18" charset="0"/>
                 <a:cs typeface="Times New Roman" panose="02020603050405020304" pitchFamily="18" charset="0"/>
               </a:rPr>
-              <a:t>não nomeados </a:t>
+              <a:t> Registos </a:t>
+            </a:r>
+            <a:r>
+              <a:rPr lang="pt-BR" b="1" dirty="0">
+                <a:latin typeface="Times New Roman" panose="02020603050405020304" pitchFamily="18" charset="0"/>
+                <a:cs typeface="Times New Roman" panose="02020603050405020304" pitchFamily="18" charset="0"/>
+              </a:rPr>
+              <a:t>em </a:t>
+            </a:r>
+            <a:r>
+              <a:rPr lang="pt-BR" b="1" dirty="0" err="1">
+                <a:latin typeface="Times New Roman" panose="02020603050405020304" pitchFamily="18" charset="0"/>
+                <a:cs typeface="Times New Roman" panose="02020603050405020304" pitchFamily="18" charset="0"/>
+              </a:rPr>
+              <a:t>Pyhton</a:t>
+            </a:r>
+            <a:r>
+              <a:rPr lang="pt-BR" dirty="0">
+                <a:solidFill>
+                  <a:schemeClr val="tx1"/>
+                </a:solidFill>
+                <a:latin typeface="Times New Roman" panose="02020603050405020304" pitchFamily="18" charset="0"/>
+                <a:cs typeface="Times New Roman" panose="02020603050405020304" pitchFamily="18" charset="0"/>
+              </a:rPr>
+              <a:t>: sem nomes dos campos</a:t>
             </a:r>
           </a:p>
           <a:p>
@@ -8407,24 +8595,37 @@
               <a:buNone/>
             </a:pPr>
             <a:r>
-              <a:rPr lang="pt-BR" sz="3200" dirty="0">
-                <a:latin typeface="Times New Roman" panose="02020603050405020304" pitchFamily="18" charset="0"/>
-                <a:cs typeface="Times New Roman" panose="02020603050405020304" pitchFamily="18" charset="0"/>
-              </a:rPr>
-              <a:t>– Existe em Python, F#</a:t>
-            </a:r>
-            <a:r>
-              <a:rPr lang="pt-BR" sz="3200" dirty="0">
-                <a:solidFill>
-                  <a:schemeClr val="tx1"/>
-                </a:solidFill>
-                <a:latin typeface="Times New Roman" panose="02020603050405020304" pitchFamily="18" charset="0"/>
-                <a:cs typeface="Times New Roman" panose="02020603050405020304" pitchFamily="18" charset="0"/>
-              </a:rPr>
-              <a:t> (F Sharp .NET), </a:t>
-            </a:r>
-            <a:r>
-              <a:rPr lang="pt-BR" sz="3200" dirty="0" err="1">
+              <a:rPr lang="pt-BR" dirty="0">
+                <a:solidFill>
+                  <a:schemeClr val="tx1"/>
+                </a:solidFill>
+                <a:latin typeface="Times New Roman" panose="02020603050405020304" pitchFamily="18" charset="0"/>
+                <a:cs typeface="Times New Roman" panose="02020603050405020304" pitchFamily="18" charset="0"/>
+              </a:rPr>
+              <a:t>– </a:t>
+            </a:r>
+            <a:r>
+              <a:rPr lang="pt-BR" b="1" dirty="0">
+                <a:solidFill>
+                  <a:schemeClr val="tx1"/>
+                </a:solidFill>
+                <a:latin typeface="Times New Roman" panose="02020603050405020304" pitchFamily="18" charset="0"/>
+                <a:cs typeface="Times New Roman" panose="02020603050405020304" pitchFamily="18" charset="0"/>
+              </a:rPr>
+              <a:t>Foco primário</a:t>
+            </a:r>
+            <a:r>
+              <a:rPr lang="pt-BR" dirty="0">
+                <a:solidFill>
+                  <a:schemeClr val="tx1"/>
+                </a:solidFill>
+                <a:latin typeface="Times New Roman" panose="02020603050405020304" pitchFamily="18" charset="0"/>
+                <a:cs typeface="Times New Roman" panose="02020603050405020304" pitchFamily="18" charset="0"/>
+              </a:rPr>
+              <a:t>: trocar dados com C/C++, </a:t>
+            </a:r>
+            <a:r>
+              <a:rPr lang="pt-BR" dirty="0" err="1">
                 <a:solidFill>
                   <a:schemeClr val="tx1"/>
                 </a:solidFill>
@@ -8433,90 +8634,7 @@
               </a:rPr>
               <a:t>etc</a:t>
             </a:r>
-            <a:r>
-              <a:rPr lang="pt-BR" sz="3200" dirty="0">
-                <a:latin typeface="Times New Roman" panose="02020603050405020304" pitchFamily="18" charset="0"/>
-                <a:cs typeface="Times New Roman" panose="02020603050405020304" pitchFamily="18" charset="0"/>
-              </a:rPr>
-              <a:t> </a:t>
-            </a:r>
-          </a:p>
-          <a:p>
-            <a:pPr marL="0" indent="0" algn="just">
-              <a:buNone/>
-            </a:pPr>
-            <a:r>
-              <a:rPr lang="pt-BR" sz="3200" dirty="0">
-                <a:latin typeface="Times New Roman" panose="02020603050405020304" pitchFamily="18" charset="0"/>
-                <a:cs typeface="Times New Roman" panose="02020603050405020304" pitchFamily="18" charset="0"/>
-              </a:rPr>
-              <a:t>– É como definir um registro, porém </a:t>
-            </a:r>
-            <a:r>
-              <a:rPr lang="pt-BR" sz="3200" b="1" dirty="0">
-                <a:solidFill>
-                  <a:srgbClr val="FF0000"/>
-                </a:solidFill>
-                <a:latin typeface="Times New Roman" panose="02020603050405020304" pitchFamily="18" charset="0"/>
-                <a:cs typeface="Times New Roman" panose="02020603050405020304" pitchFamily="18" charset="0"/>
-              </a:rPr>
-              <a:t>imutável</a:t>
-            </a:r>
-            <a:r>
-              <a:rPr lang="pt-BR" sz="3200" dirty="0">
-                <a:latin typeface="Times New Roman" panose="02020603050405020304" pitchFamily="18" charset="0"/>
-                <a:cs typeface="Times New Roman" panose="02020603050405020304" pitchFamily="18" charset="0"/>
-              </a:rPr>
-              <a:t> </a:t>
-            </a:r>
-          </a:p>
-          <a:p>
-            <a:pPr algn="just">
-              <a:buFont typeface="Wingdings" panose="05000000000000000000" pitchFamily="2" charset="2"/>
-              <a:buChar char="§"/>
-            </a:pPr>
-            <a:r>
-              <a:rPr lang="pt-BR" sz="3200" dirty="0">
-                <a:latin typeface="Times New Roman" panose="02020603050405020304" pitchFamily="18" charset="0"/>
-                <a:cs typeface="Times New Roman" panose="02020603050405020304" pitchFamily="18" charset="0"/>
-              </a:rPr>
-              <a:t> Em Python são dados separados por vírgulas </a:t>
-            </a:r>
-          </a:p>
-          <a:p>
-            <a:pPr marL="0" indent="0" algn="just">
-              <a:buNone/>
-            </a:pPr>
-            <a:r>
-              <a:rPr lang="pt-BR" sz="3200" dirty="0">
-                <a:latin typeface="Times New Roman" panose="02020603050405020304" pitchFamily="18" charset="0"/>
-                <a:cs typeface="Times New Roman" panose="02020603050405020304" pitchFamily="18" charset="0"/>
-              </a:rPr>
-              <a:t>– Definido por</a:t>
-            </a:r>
-            <a:r>
-              <a:rPr lang="pt-BR" sz="3200" b="1" dirty="0">
-                <a:solidFill>
-                  <a:srgbClr val="FF0000"/>
-                </a:solidFill>
-                <a:latin typeface="Times New Roman" panose="02020603050405020304" pitchFamily="18" charset="0"/>
-                <a:cs typeface="Times New Roman" panose="02020603050405020304" pitchFamily="18" charset="0"/>
-              </a:rPr>
-              <a:t> parênteses</a:t>
-            </a:r>
-            <a:r>
-              <a:rPr lang="pt-BR" sz="3200" dirty="0">
-                <a:latin typeface="Times New Roman" panose="02020603050405020304" pitchFamily="18" charset="0"/>
-                <a:cs typeface="Times New Roman" panose="02020603050405020304" pitchFamily="18" charset="0"/>
-              </a:rPr>
-              <a:t> </a:t>
-            </a:r>
-          </a:p>
-          <a:p>
-            <a:pPr marL="0" indent="0" algn="just">
-              <a:buNone/>
-            </a:pPr>
-            <a:endParaRPr lang="pt-BR" sz="3200" dirty="0">
+            <a:endParaRPr lang="pt-BR" dirty="0">
               <a:solidFill>
                 <a:schemeClr val="tx1"/>
               </a:solidFill>
@@ -8524,12 +8642,92 @@
               <a:cs typeface="Times New Roman" panose="02020603050405020304" pitchFamily="18" charset="0"/>
             </a:endParaRPr>
           </a:p>
+          <a:p>
+            <a:pPr marL="0" indent="0" algn="just">
+              <a:buNone/>
+            </a:pPr>
+            <a:r>
+              <a:rPr lang="pt-BR" dirty="0">
+                <a:solidFill>
+                  <a:schemeClr val="tx1"/>
+                </a:solidFill>
+                <a:latin typeface="Times New Roman" panose="02020603050405020304" pitchFamily="18" charset="0"/>
+                <a:cs typeface="Times New Roman" panose="02020603050405020304" pitchFamily="18" charset="0"/>
+              </a:rPr>
+              <a:t>• Como guardar dados organizados em Python?</a:t>
+            </a:r>
+          </a:p>
+          <a:p>
+            <a:pPr marL="0" indent="0" algn="just">
+              <a:buNone/>
+            </a:pPr>
+            <a:r>
+              <a:rPr lang="pt-BR" dirty="0">
+                <a:solidFill>
+                  <a:schemeClr val="tx1"/>
+                </a:solidFill>
+                <a:latin typeface="Times New Roman" panose="02020603050405020304" pitchFamily="18" charset="0"/>
+                <a:cs typeface="Times New Roman" panose="02020603050405020304" pitchFamily="18" charset="0"/>
+              </a:rPr>
+              <a:t>– </a:t>
+            </a:r>
+            <a:r>
+              <a:rPr lang="pt-BR" b="1" dirty="0">
+                <a:solidFill>
+                  <a:schemeClr val="tx1"/>
+                </a:solidFill>
+                <a:latin typeface="Times New Roman" panose="02020603050405020304" pitchFamily="18" charset="0"/>
+                <a:cs typeface="Times New Roman" panose="02020603050405020304" pitchFamily="18" charset="0"/>
+              </a:rPr>
+              <a:t>Forma mais conveniente</a:t>
+            </a:r>
+            <a:r>
+              <a:rPr lang="pt-BR" dirty="0">
+                <a:solidFill>
+                  <a:schemeClr val="tx1"/>
+                </a:solidFill>
+                <a:latin typeface="Times New Roman" panose="02020603050405020304" pitchFamily="18" charset="0"/>
+                <a:cs typeface="Times New Roman" panose="02020603050405020304" pitchFamily="18" charset="0"/>
+              </a:rPr>
+              <a:t>... </a:t>
+            </a:r>
+            <a:r>
+              <a:rPr lang="pt-BR" b="1" dirty="0" err="1">
+                <a:solidFill>
+                  <a:srgbClr val="FF0000"/>
+                </a:solidFill>
+                <a:latin typeface="Times New Roman" panose="02020603050405020304" pitchFamily="18" charset="0"/>
+                <a:cs typeface="Times New Roman" panose="02020603050405020304" pitchFamily="18" charset="0"/>
+              </a:rPr>
+              <a:t>Tuplas</a:t>
+            </a:r>
+            <a:r>
+              <a:rPr lang="pt-BR" b="1" dirty="0">
+                <a:solidFill>
+                  <a:srgbClr val="FF0000"/>
+                </a:solidFill>
+                <a:latin typeface="Times New Roman" panose="02020603050405020304" pitchFamily="18" charset="0"/>
+                <a:cs typeface="Times New Roman" panose="02020603050405020304" pitchFamily="18" charset="0"/>
+              </a:rPr>
+              <a:t> nomeadas</a:t>
+            </a:r>
+            <a:r>
+              <a:rPr lang="pt-BR" dirty="0">
+                <a:solidFill>
+                  <a:schemeClr val="tx1"/>
+                </a:solidFill>
+                <a:latin typeface="Times New Roman" panose="02020603050405020304" pitchFamily="18" charset="0"/>
+                <a:cs typeface="Times New Roman" panose="02020603050405020304" pitchFamily="18" charset="0"/>
+              </a:rPr>
+              <a:t>.</a:t>
+            </a:r>
+          </a:p>
         </p:txBody>
       </p:sp>
     </p:spTree>
     <p:extLst>
       <p:ext uri="{BB962C8B-B14F-4D97-AF65-F5344CB8AC3E}">
-        <p14:creationId xmlns:p14="http://schemas.microsoft.com/office/powerpoint/2010/main" val="1638486864"/>
+        <p14:creationId xmlns:p14="http://schemas.microsoft.com/office/powerpoint/2010/main" val="2125755638"/>
       </p:ext>
     </p:extLst>
   </p:cSld>
@@ -8652,25 +8850,162 @@
           </a:bodyPr>
           <a:lstStyle/>
           <a:p>
+            <a:pPr algn="just">
+              <a:buFont typeface="Wingdings" panose="05000000000000000000" pitchFamily="2" charset="2"/>
+              <a:buChar char="§"/>
+            </a:pPr>
+            <a:r>
+              <a:rPr lang="pt-BR" sz="3200" b="1" dirty="0">
+                <a:solidFill>
+                  <a:srgbClr val="FF0000"/>
+                </a:solidFill>
+                <a:latin typeface="Times New Roman" panose="02020603050405020304" pitchFamily="18" charset="0"/>
+                <a:cs typeface="Times New Roman" panose="02020603050405020304" pitchFamily="18" charset="0"/>
+              </a:rPr>
+              <a:t> </a:t>
+            </a:r>
+            <a:r>
+              <a:rPr lang="pt-BR" sz="3200" b="1" dirty="0" err="1">
+                <a:solidFill>
+                  <a:srgbClr val="FF0000"/>
+                </a:solidFill>
+                <a:latin typeface="Times New Roman" panose="02020603050405020304" pitchFamily="18" charset="0"/>
+                <a:cs typeface="Times New Roman" panose="02020603050405020304" pitchFamily="18" charset="0"/>
+              </a:rPr>
+              <a:t>Tuplas</a:t>
+            </a:r>
+            <a:r>
+              <a:rPr lang="pt-BR" sz="3200" b="1" dirty="0">
+                <a:latin typeface="Times New Roman" panose="02020603050405020304" pitchFamily="18" charset="0"/>
+                <a:cs typeface="Times New Roman" panose="02020603050405020304" pitchFamily="18" charset="0"/>
+              </a:rPr>
+              <a:t> - Agrupamentos</a:t>
+            </a:r>
+            <a:r>
+              <a:rPr lang="pt-BR" sz="3200" dirty="0">
+                <a:latin typeface="Times New Roman" panose="02020603050405020304" pitchFamily="18" charset="0"/>
+                <a:cs typeface="Times New Roman" panose="02020603050405020304" pitchFamily="18" charset="0"/>
+              </a:rPr>
+              <a:t> de dados </a:t>
+            </a:r>
+            <a:r>
+              <a:rPr lang="pt-BR" sz="3200" b="1" dirty="0">
+                <a:solidFill>
+                  <a:srgbClr val="FF0000"/>
+                </a:solidFill>
+                <a:latin typeface="Times New Roman" panose="02020603050405020304" pitchFamily="18" charset="0"/>
+                <a:cs typeface="Times New Roman" panose="02020603050405020304" pitchFamily="18" charset="0"/>
+              </a:rPr>
+              <a:t>não nomeados </a:t>
+            </a:r>
+          </a:p>
+          <a:p>
             <a:pPr marL="0" indent="0" algn="just">
               <a:buNone/>
             </a:pPr>
             <a:r>
+              <a:rPr lang="pt-BR" sz="3200" dirty="0">
+                <a:latin typeface="Times New Roman" panose="02020603050405020304" pitchFamily="18" charset="0"/>
+                <a:cs typeface="Times New Roman" panose="02020603050405020304" pitchFamily="18" charset="0"/>
+              </a:rPr>
+              <a:t>– Existe em Python, F#</a:t>
+            </a:r>
+            <a:r>
+              <a:rPr lang="pt-BR" sz="3200" dirty="0">
+                <a:solidFill>
+                  <a:schemeClr val="tx1"/>
+                </a:solidFill>
+                <a:latin typeface="Times New Roman" panose="02020603050405020304" pitchFamily="18" charset="0"/>
+                <a:cs typeface="Times New Roman" panose="02020603050405020304" pitchFamily="18" charset="0"/>
+              </a:rPr>
+              <a:t> (F Sharp .NET), </a:t>
+            </a:r>
+            <a:r>
+              <a:rPr lang="pt-BR" sz="3200" dirty="0" err="1">
+                <a:solidFill>
+                  <a:schemeClr val="tx1"/>
+                </a:solidFill>
+                <a:latin typeface="Times New Roman" panose="02020603050405020304" pitchFamily="18" charset="0"/>
+                <a:cs typeface="Times New Roman" panose="02020603050405020304" pitchFamily="18" charset="0"/>
+              </a:rPr>
+              <a:t>etc</a:t>
+            </a:r>
+            <a:r>
+              <a:rPr lang="pt-BR" sz="3200" dirty="0">
+                <a:latin typeface="Times New Roman" panose="02020603050405020304" pitchFamily="18" charset="0"/>
+                <a:cs typeface="Times New Roman" panose="02020603050405020304" pitchFamily="18" charset="0"/>
+              </a:rPr>
+              <a:t> </a:t>
+            </a:r>
+          </a:p>
+          <a:p>
+            <a:pPr marL="0" indent="0" algn="just">
+              <a:buNone/>
+            </a:pPr>
+            <a:r>
+              <a:rPr lang="pt-BR" sz="3200" dirty="0">
+                <a:latin typeface="Times New Roman" panose="02020603050405020304" pitchFamily="18" charset="0"/>
+                <a:cs typeface="Times New Roman" panose="02020603050405020304" pitchFamily="18" charset="0"/>
+              </a:rPr>
+              <a:t>– É como definir um </a:t>
+            </a:r>
+            <a:r>
               <a:rPr lang="pt-BR" sz="3200" b="1" dirty="0">
+                <a:latin typeface="Times New Roman" panose="02020603050405020304" pitchFamily="18" charset="0"/>
+                <a:cs typeface="Times New Roman" panose="02020603050405020304" pitchFamily="18" charset="0"/>
+              </a:rPr>
+              <a:t>registro</a:t>
+            </a:r>
+            <a:r>
+              <a:rPr lang="pt-BR" sz="3200" dirty="0">
+                <a:latin typeface="Times New Roman" panose="02020603050405020304" pitchFamily="18" charset="0"/>
+                <a:cs typeface="Times New Roman" panose="02020603050405020304" pitchFamily="18" charset="0"/>
+              </a:rPr>
+              <a:t>, porém </a:t>
+            </a:r>
+            <a:r>
+              <a:rPr lang="pt-BR" sz="3200" b="1" dirty="0">
                 <a:solidFill>
                   <a:srgbClr val="FF0000"/>
                 </a:solidFill>
                 <a:latin typeface="Times New Roman" panose="02020603050405020304" pitchFamily="18" charset="0"/>
                 <a:cs typeface="Times New Roman" panose="02020603050405020304" pitchFamily="18" charset="0"/>
               </a:rPr>
-              <a:t>Exemplo1</a:t>
+              <a:t>imutável</a:t>
             </a:r>
             <a:r>
               <a:rPr lang="pt-BR" sz="3200" dirty="0">
                 <a:latin typeface="Times New Roman" panose="02020603050405020304" pitchFamily="18" charset="0"/>
                 <a:cs typeface="Times New Roman" panose="02020603050405020304" pitchFamily="18" charset="0"/>
               </a:rPr>
-              <a:t>:</a:t>
+              <a:t> </a:t>
+            </a:r>
+          </a:p>
+          <a:p>
+            <a:pPr algn="just">
+              <a:buFont typeface="Wingdings" panose="05000000000000000000" pitchFamily="2" charset="2"/>
+              <a:buChar char="§"/>
+            </a:pPr>
+            <a:r>
+              <a:rPr lang="pt-BR" sz="3200" dirty="0">
+                <a:latin typeface="Times New Roman" panose="02020603050405020304" pitchFamily="18" charset="0"/>
+                <a:cs typeface="Times New Roman" panose="02020603050405020304" pitchFamily="18" charset="0"/>
+              </a:rPr>
+              <a:t> Em </a:t>
+            </a:r>
+            <a:r>
+              <a:rPr lang="pt-BR" sz="3200" b="1" dirty="0">
+                <a:latin typeface="Times New Roman" panose="02020603050405020304" pitchFamily="18" charset="0"/>
+                <a:cs typeface="Times New Roman" panose="02020603050405020304" pitchFamily="18" charset="0"/>
+              </a:rPr>
+              <a:t>Python</a:t>
+            </a:r>
+            <a:r>
+              <a:rPr lang="pt-BR" sz="3200" dirty="0">
+                <a:latin typeface="Times New Roman" panose="02020603050405020304" pitchFamily="18" charset="0"/>
+                <a:cs typeface="Times New Roman" panose="02020603050405020304" pitchFamily="18" charset="0"/>
+              </a:rPr>
+              <a:t> são dados separados por vírgulas </a:t>
             </a:r>
           </a:p>
           <a:p>
@@ -8678,51 +9013,28 @@
               <a:buNone/>
             </a:pPr>
             <a:r>
-              <a:rPr lang="pt-BR" sz="3200" dirty="0" err="1">
-                <a:latin typeface="Times New Roman" panose="02020603050405020304" pitchFamily="18" charset="0"/>
-                <a:cs typeface="Times New Roman" panose="02020603050405020304" pitchFamily="18" charset="0"/>
-              </a:rPr>
-              <a:t>umaTupla</a:t>
-            </a:r>
-            <a:r>
               <a:rPr lang="pt-BR" sz="3200" dirty="0">
                 <a:latin typeface="Times New Roman" panose="02020603050405020304" pitchFamily="18" charset="0"/>
                 <a:cs typeface="Times New Roman" panose="02020603050405020304" pitchFamily="18" charset="0"/>
               </a:rPr>
-              <a:t> = (15, 9.4, “pera”)</a:t>
-            </a:r>
-          </a:p>
-          <a:p>
-            <a:pPr marL="0" indent="0" algn="just">
-              <a:buNone/>
-            </a:pPr>
+              <a:t>– Definido por</a:t>
+            </a:r>
             <a:r>
               <a:rPr lang="pt-BR" sz="3200" b="1" dirty="0">
-                <a:latin typeface="Times New Roman" panose="02020603050405020304" pitchFamily="18" charset="0"/>
-                <a:cs typeface="Times New Roman" panose="02020603050405020304" pitchFamily="18" charset="0"/>
-              </a:rPr>
-              <a:t>print</a:t>
+                <a:solidFill>
+                  <a:srgbClr val="FF0000"/>
+                </a:solidFill>
+                <a:latin typeface="Times New Roman" panose="02020603050405020304" pitchFamily="18" charset="0"/>
+                <a:cs typeface="Times New Roman" panose="02020603050405020304" pitchFamily="18" charset="0"/>
+              </a:rPr>
+              <a:t> parênteses</a:t>
             </a:r>
             <a:r>
               <a:rPr lang="pt-BR" sz="3200" dirty="0">
                 <a:latin typeface="Times New Roman" panose="02020603050405020304" pitchFamily="18" charset="0"/>
                 <a:cs typeface="Times New Roman" panose="02020603050405020304" pitchFamily="18" charset="0"/>
               </a:rPr>
-              <a:t>(</a:t>
-            </a:r>
-            <a:r>
-              <a:rPr lang="pt-BR" sz="3200" dirty="0" err="1">
-                <a:latin typeface="Times New Roman" panose="02020603050405020304" pitchFamily="18" charset="0"/>
-                <a:cs typeface="Times New Roman" panose="02020603050405020304" pitchFamily="18" charset="0"/>
-              </a:rPr>
-              <a:t>umaTupla</a:t>
-            </a:r>
-            <a:r>
-              <a:rPr lang="pt-BR" sz="3200" dirty="0">
-                <a:latin typeface="Times New Roman" panose="02020603050405020304" pitchFamily="18" charset="0"/>
-                <a:cs typeface="Times New Roman" panose="02020603050405020304" pitchFamily="18" charset="0"/>
-              </a:rPr>
-              <a:t>)</a:t>
+              <a:t> </a:t>
             </a:r>
           </a:p>
           <a:p>
@@ -8730,25 +9042,19 @@
               <a:buNone/>
             </a:pPr>
             <a:endParaRPr lang="pt-BR" sz="3200" dirty="0">
+              <a:solidFill>
+                <a:schemeClr val="tx1"/>
+              </a:solidFill>
               <a:latin typeface="Times New Roman" panose="02020603050405020304" pitchFamily="18" charset="0"/>
               <a:cs typeface="Times New Roman" panose="02020603050405020304" pitchFamily="18" charset="0"/>
             </a:endParaRPr>
           </a:p>
-          <a:p>
-            <a:pPr marL="0" indent="0" algn="just">
-              <a:buNone/>
-            </a:pPr>
-            <a:endParaRPr lang="pt-BR" sz="3200" dirty="0">
-              <a:latin typeface="Times New Roman" panose="02020603050405020304" pitchFamily="18" charset="0"/>
-              <a:cs typeface="Times New Roman" panose="02020603050405020304" pitchFamily="18" charset="0"/>
-            </a:endParaRPr>
-          </a:p>
         </p:txBody>
       </p:sp>
     </p:spTree>
     <p:extLst>
       <p:ext uri="{BB962C8B-B14F-4D97-AF65-F5344CB8AC3E}">
-        <p14:creationId xmlns:p14="http://schemas.microsoft.com/office/powerpoint/2010/main" val="2360510460"/>
+        <p14:creationId xmlns:p14="http://schemas.microsoft.com/office/powerpoint/2010/main" val="1638486864"/>
       </p:ext>
     </p:extLst>
   </p:cSld>
@@ -8875,17 +9181,17 @@
               <a:buNone/>
             </a:pPr>
             <a:r>
-              <a:rPr lang="pt-BR" b="1" dirty="0">
+              <a:rPr lang="pt-BR" sz="3200" b="1" dirty="0">
                 <a:solidFill>
                   <a:srgbClr val="FF0000"/>
                 </a:solidFill>
                 <a:latin typeface="Times New Roman" panose="02020603050405020304" pitchFamily="18" charset="0"/>
                 <a:cs typeface="Times New Roman" panose="02020603050405020304" pitchFamily="18" charset="0"/>
               </a:rPr>
-              <a:t>Exemplo2</a:t>
-            </a:r>
-            <a:r>
-              <a:rPr lang="pt-BR" dirty="0">
+              <a:t>Exemplo1</a:t>
+            </a:r>
+            <a:r>
+              <a:rPr lang="pt-BR" sz="3200" dirty="0">
                 <a:latin typeface="Times New Roman" panose="02020603050405020304" pitchFamily="18" charset="0"/>
                 <a:cs typeface="Times New Roman" panose="02020603050405020304" pitchFamily="18" charset="0"/>
               </a:rPr>
@@ -8897,11 +9203,18 @@
               <a:buNone/>
             </a:pPr>
             <a:r>
-              <a:rPr lang="pt-BR" dirty="0">
-                <a:latin typeface="Times New Roman" panose="02020603050405020304" pitchFamily="18" charset="0"/>
-                <a:cs typeface="Times New Roman" panose="02020603050405020304" pitchFamily="18" charset="0"/>
-              </a:rPr>
-              <a:t>cliente = (“Julia Cardoso", "01234567890", 7000.0, 17)</a:t>
+              <a:rPr lang="pt-BR" sz="3200" dirty="0" err="1">
+                <a:latin typeface="Times New Roman" panose="02020603050405020304" pitchFamily="18" charset="0"/>
+                <a:cs typeface="Times New Roman" panose="02020603050405020304" pitchFamily="18" charset="0"/>
+              </a:rPr>
+              <a:t>umaTupla</a:t>
+            </a:r>
+            <a:r>
+              <a:rPr lang="pt-BR" sz="3200" dirty="0">
+                <a:latin typeface="Times New Roman" panose="02020603050405020304" pitchFamily="18" charset="0"/>
+                <a:cs typeface="Times New Roman" panose="02020603050405020304" pitchFamily="18" charset="0"/>
+              </a:rPr>
+              <a:t> = (15, 9.4, “pera”)</a:t>
             </a:r>
           </a:p>
           <a:p>
@@ -8909,25 +9222,39 @@
               <a:buNone/>
             </a:pPr>
             <a:r>
-              <a:rPr lang="pt-BR" b="1" dirty="0">
+              <a:rPr lang="pt-BR" sz="3200" b="1" dirty="0">
                 <a:latin typeface="Times New Roman" panose="02020603050405020304" pitchFamily="18" charset="0"/>
                 <a:cs typeface="Times New Roman" panose="02020603050405020304" pitchFamily="18" charset="0"/>
               </a:rPr>
               <a:t>print</a:t>
             </a:r>
             <a:r>
-              <a:rPr lang="pt-BR" dirty="0">
-                <a:latin typeface="Times New Roman" panose="02020603050405020304" pitchFamily="18" charset="0"/>
-                <a:cs typeface="Times New Roman" panose="02020603050405020304" pitchFamily="18" charset="0"/>
-              </a:rPr>
-              <a:t> (cliente)</a:t>
+              <a:rPr lang="pt-BR" sz="3200" dirty="0">
+                <a:latin typeface="Times New Roman" panose="02020603050405020304" pitchFamily="18" charset="0"/>
+                <a:cs typeface="Times New Roman" panose="02020603050405020304" pitchFamily="18" charset="0"/>
+              </a:rPr>
+              <a:t>(</a:t>
+            </a:r>
+            <a:r>
+              <a:rPr lang="pt-BR" sz="3200" dirty="0" err="1">
+                <a:latin typeface="Times New Roman" panose="02020603050405020304" pitchFamily="18" charset="0"/>
+                <a:cs typeface="Times New Roman" panose="02020603050405020304" pitchFamily="18" charset="0"/>
+              </a:rPr>
+              <a:t>umaTupla</a:t>
+            </a:r>
+            <a:r>
+              <a:rPr lang="pt-BR" sz="3200" dirty="0">
+                <a:latin typeface="Times New Roman" panose="02020603050405020304" pitchFamily="18" charset="0"/>
+                <a:cs typeface="Times New Roman" panose="02020603050405020304" pitchFamily="18" charset="0"/>
+              </a:rPr>
+              <a:t>)</a:t>
             </a:r>
           </a:p>
           <a:p>
             <a:pPr marL="0" indent="0" algn="just">
               <a:buNone/>
             </a:pPr>
-            <a:endParaRPr lang="pt-BR" dirty="0">
+            <a:endParaRPr lang="pt-BR" sz="3200" dirty="0">
               <a:latin typeface="Times New Roman" panose="02020603050405020304" pitchFamily="18" charset="0"/>
               <a:cs typeface="Times New Roman" panose="02020603050405020304" pitchFamily="18" charset="0"/>
             </a:endParaRPr>
@@ -8936,66 +9263,17 @@
             <a:pPr marL="0" indent="0" algn="just">
               <a:buNone/>
             </a:pPr>
-            <a:r>
-              <a:rPr lang="pt-BR" b="1" dirty="0">
-                <a:latin typeface="Times New Roman" panose="02020603050405020304" pitchFamily="18" charset="0"/>
-                <a:cs typeface="Times New Roman" panose="02020603050405020304" pitchFamily="18" charset="0"/>
-              </a:rPr>
-              <a:t>Nota</a:t>
-            </a:r>
-            <a:r>
-              <a:rPr lang="pt-BR" dirty="0">
-                <a:latin typeface="Times New Roman" panose="02020603050405020304" pitchFamily="18" charset="0"/>
-                <a:cs typeface="Times New Roman" panose="02020603050405020304" pitchFamily="18" charset="0"/>
-              </a:rPr>
-              <a:t>: O acesso é como em </a:t>
-            </a:r>
-            <a:r>
-              <a:rPr lang="pt-BR" b="1" dirty="0">
-                <a:solidFill>
-                  <a:srgbClr val="FF0000"/>
-                </a:solidFill>
-                <a:latin typeface="Times New Roman" panose="02020603050405020304" pitchFamily="18" charset="0"/>
-                <a:cs typeface="Times New Roman" panose="02020603050405020304" pitchFamily="18" charset="0"/>
-              </a:rPr>
-              <a:t>lista (: e ::)</a:t>
-            </a:r>
-          </a:p>
-          <a:p>
-            <a:pPr marL="0" indent="0" algn="just">
-              <a:buNone/>
-            </a:pPr>
-            <a:r>
-              <a:rPr lang="pt-BR" dirty="0">
-                <a:latin typeface="Times New Roman" panose="02020603050405020304" pitchFamily="18" charset="0"/>
-                <a:cs typeface="Times New Roman" panose="02020603050405020304" pitchFamily="18" charset="0"/>
-              </a:rPr>
-              <a:t>	   </a:t>
-            </a:r>
-            <a:r>
-              <a:rPr lang="pt-BR" b="1" dirty="0" err="1">
-                <a:solidFill>
-                  <a:srgbClr val="FF0000"/>
-                </a:solidFill>
-                <a:latin typeface="Times New Roman" panose="02020603050405020304" pitchFamily="18" charset="0"/>
-                <a:cs typeface="Times New Roman" panose="02020603050405020304" pitchFamily="18" charset="0"/>
-              </a:rPr>
-              <a:t>Tupla</a:t>
-            </a:r>
-            <a:r>
-              <a:rPr lang="pt-BR" dirty="0">
-                <a:latin typeface="Times New Roman" panose="02020603050405020304" pitchFamily="18" charset="0"/>
-                <a:cs typeface="Times New Roman" panose="02020603050405020304" pitchFamily="18" charset="0"/>
-              </a:rPr>
-              <a:t>, não podemos mudar um elemento!</a:t>
-            </a:r>
+            <a:endParaRPr lang="pt-BR" sz="3200" dirty="0">
+              <a:latin typeface="Times New Roman" panose="02020603050405020304" pitchFamily="18" charset="0"/>
+              <a:cs typeface="Times New Roman" panose="02020603050405020304" pitchFamily="18" charset="0"/>
+            </a:endParaRPr>
           </a:p>
         </p:txBody>
       </p:sp>
     </p:spTree>
     <p:extLst>
       <p:ext uri="{BB962C8B-B14F-4D97-AF65-F5344CB8AC3E}">
-        <p14:creationId xmlns:p14="http://schemas.microsoft.com/office/powerpoint/2010/main" val="3895288765"/>
+        <p14:creationId xmlns:p14="http://schemas.microsoft.com/office/powerpoint/2010/main" val="2360510460"/>
       </p:ext>
     </p:extLst>
   </p:cSld>
@@ -9122,48 +9400,52 @@
               <a:buNone/>
             </a:pPr>
             <a:r>
+              <a:rPr lang="pt-BR" b="1" dirty="0">
+                <a:solidFill>
+                  <a:srgbClr val="FF0000"/>
+                </a:solidFill>
+                <a:latin typeface="Times New Roman" panose="02020603050405020304" pitchFamily="18" charset="0"/>
+                <a:cs typeface="Times New Roman" panose="02020603050405020304" pitchFamily="18" charset="0"/>
+              </a:rPr>
+              <a:t>Exemplo2</a:t>
+            </a:r>
+            <a:r>
               <a:rPr lang="pt-BR" dirty="0">
                 <a:latin typeface="Times New Roman" panose="02020603050405020304" pitchFamily="18" charset="0"/>
                 <a:cs typeface="Times New Roman" panose="02020603050405020304" pitchFamily="18" charset="0"/>
               </a:rPr>
-              <a:t>cliente[1] = "1234“ # </a:t>
-            </a:r>
-            <a:r>
-              <a:rPr lang="pt-BR" b="1" dirty="0" err="1">
-                <a:solidFill>
-                  <a:srgbClr val="FF0000"/>
-                </a:solidFill>
-                <a:latin typeface="Times New Roman" panose="02020603050405020304" pitchFamily="18" charset="0"/>
-                <a:cs typeface="Times New Roman" panose="02020603050405020304" pitchFamily="18" charset="0"/>
-              </a:rPr>
-              <a:t>Tupla</a:t>
-            </a:r>
+              <a:t>:</a:t>
+            </a:r>
+          </a:p>
+          <a:p>
+            <a:pPr marL="0" indent="0" algn="just">
+              <a:buNone/>
+            </a:pPr>
+            <a:r>
+              <a:rPr lang="pt-BR" dirty="0">
+                <a:latin typeface="Times New Roman" panose="02020603050405020304" pitchFamily="18" charset="0"/>
+                <a:cs typeface="Times New Roman" panose="02020603050405020304" pitchFamily="18" charset="0"/>
+              </a:rPr>
+              <a:t>cliente = (“Julia Cardoso", "01234567890", 7000.0, 17)</a:t>
+            </a:r>
+          </a:p>
+          <a:p>
+            <a:pPr marL="0" indent="0" algn="just">
+              <a:buNone/>
+            </a:pPr>
             <a:r>
               <a:rPr lang="pt-BR" b="1" dirty="0">
-                <a:solidFill>
-                  <a:srgbClr val="FF0000"/>
-                </a:solidFill>
-                <a:latin typeface="Times New Roman" panose="02020603050405020304" pitchFamily="18" charset="0"/>
-                <a:cs typeface="Times New Roman" panose="02020603050405020304" pitchFamily="18" charset="0"/>
-              </a:rPr>
-              <a:t>, </a:t>
-            </a:r>
-            <a:r>
-              <a:rPr lang="pt-BR" b="1" dirty="0" err="1">
-                <a:solidFill>
-                  <a:srgbClr val="FF0000"/>
-                </a:solidFill>
-                <a:latin typeface="Times New Roman" panose="02020603050405020304" pitchFamily="18" charset="0"/>
-                <a:cs typeface="Times New Roman" panose="02020603050405020304" pitchFamily="18" charset="0"/>
-              </a:rPr>
-              <a:t>error</a:t>
+                <a:latin typeface="Times New Roman" panose="02020603050405020304" pitchFamily="18" charset="0"/>
+                <a:cs typeface="Times New Roman" panose="02020603050405020304" pitchFamily="18" charset="0"/>
+              </a:rPr>
+              <a:t>print</a:t>
             </a:r>
             <a:r>
               <a:rPr lang="pt-BR" dirty="0">
                 <a:latin typeface="Times New Roman" panose="02020603050405020304" pitchFamily="18" charset="0"/>
                 <a:cs typeface="Times New Roman" panose="02020603050405020304" pitchFamily="18" charset="0"/>
               </a:rPr>
-              <a:t>, não pode alterar.</a:t>
+              <a:t> (cliente)</a:t>
             </a:r>
           </a:p>
           <a:p>
@@ -9176,19 +9458,44 @@
             </a:endParaRPr>
           </a:p>
           <a:p>
-            <a:pPr algn="just">
-              <a:buFont typeface="Wingdings" panose="05000000000000000000" pitchFamily="2" charset="2"/>
-              <a:buChar char="§"/>
+            <a:pPr marL="0" indent="0" algn="just">
+              <a:buNone/>
             </a:pPr>
             <a:r>
               <a:rPr lang="pt-BR" b="1" dirty="0">
+                <a:latin typeface="Times New Roman" panose="02020603050405020304" pitchFamily="18" charset="0"/>
+                <a:cs typeface="Times New Roman" panose="02020603050405020304" pitchFamily="18" charset="0"/>
+              </a:rPr>
+              <a:t>Nota</a:t>
+            </a:r>
+            <a:r>
+              <a:rPr lang="pt-BR" dirty="0">
+                <a:latin typeface="Times New Roman" panose="02020603050405020304" pitchFamily="18" charset="0"/>
+                <a:cs typeface="Times New Roman" panose="02020603050405020304" pitchFamily="18" charset="0"/>
+              </a:rPr>
+              <a:t>: O acesso é como em </a:t>
+            </a:r>
+            <a:r>
+              <a:rPr lang="pt-BR" b="1" dirty="0">
                 <a:solidFill>
                   <a:srgbClr val="FF0000"/>
                 </a:solidFill>
                 <a:latin typeface="Times New Roman" panose="02020603050405020304" pitchFamily="18" charset="0"/>
                 <a:cs typeface="Times New Roman" panose="02020603050405020304" pitchFamily="18" charset="0"/>
               </a:rPr>
-              <a:t>Apagando uma </a:t>
+              <a:t>lista (: e ::)</a:t>
+            </a:r>
+          </a:p>
+          <a:p>
+            <a:pPr marL="0" indent="0" algn="just">
+              <a:buNone/>
+            </a:pPr>
+            <a:r>
+              <a:rPr lang="pt-BR" dirty="0">
+                <a:latin typeface="Times New Roman" panose="02020603050405020304" pitchFamily="18" charset="0"/>
+                <a:cs typeface="Times New Roman" panose="02020603050405020304" pitchFamily="18" charset="0"/>
+              </a:rPr>
+              <a:t>	   </a:t>
             </a:r>
             <a:r>
               <a:rPr lang="pt-BR" b="1" dirty="0" err="1">
@@ -9200,75 +9507,12 @@
               </a:rPr>
               <a:t>Tupla</a:t>
             </a:r>
-            <a:endParaRPr lang="pt-BR" b="1" dirty="0">
-              <a:solidFill>
-                <a:srgbClr val="FF0000"/>
-              </a:solidFill>
-              <a:latin typeface="Times New Roman" panose="02020603050405020304" pitchFamily="18" charset="0"/>
-              <a:cs typeface="Times New Roman" panose="02020603050405020304" pitchFamily="18" charset="0"/>
-            </a:endParaRPr>
-          </a:p>
-          <a:p>
-            <a:pPr marL="0" indent="0" algn="just">
-              <a:buNone/>
-            </a:pPr>
-            <a:r>
-              <a:rPr lang="pt-BR" b="1" dirty="0" err="1">
-                <a:latin typeface="Times New Roman" panose="02020603050405020304" pitchFamily="18" charset="0"/>
-                <a:cs typeface="Times New Roman" panose="02020603050405020304" pitchFamily="18" charset="0"/>
-              </a:rPr>
-              <a:t>del</a:t>
-            </a:r>
             <a:r>
               <a:rPr lang="pt-BR" dirty="0">
                 <a:latin typeface="Times New Roman" panose="02020603050405020304" pitchFamily="18" charset="0"/>
                 <a:cs typeface="Times New Roman" panose="02020603050405020304" pitchFamily="18" charset="0"/>
               </a:rPr>
-              <a:t> </a:t>
-            </a:r>
-            <a:r>
-              <a:rPr lang="pt-BR" dirty="0" err="1">
-                <a:latin typeface="Times New Roman" panose="02020603050405020304" pitchFamily="18" charset="0"/>
-                <a:cs typeface="Times New Roman" panose="02020603050405020304" pitchFamily="18" charset="0"/>
-              </a:rPr>
-              <a:t>Tupla</a:t>
-            </a:r>
-            <a:endParaRPr lang="pt-BR" dirty="0">
-              <a:latin typeface="Times New Roman" panose="02020603050405020304" pitchFamily="18" charset="0"/>
-              <a:cs typeface="Times New Roman" panose="02020603050405020304" pitchFamily="18" charset="0"/>
-            </a:endParaRPr>
-          </a:p>
-          <a:p>
-            <a:pPr marL="0" indent="0" algn="just">
-              <a:buNone/>
-            </a:pPr>
-            <a:r>
-              <a:rPr lang="pt-BR" b="1" dirty="0">
-                <a:latin typeface="Times New Roman" panose="02020603050405020304" pitchFamily="18" charset="0"/>
-                <a:cs typeface="Times New Roman" panose="02020603050405020304" pitchFamily="18" charset="0"/>
-              </a:rPr>
-              <a:t>	Exemplo</a:t>
-            </a:r>
-            <a:r>
-              <a:rPr lang="pt-BR" dirty="0">
-                <a:latin typeface="Times New Roman" panose="02020603050405020304" pitchFamily="18" charset="0"/>
-                <a:cs typeface="Times New Roman" panose="02020603050405020304" pitchFamily="18" charset="0"/>
-              </a:rPr>
-              <a:t>: </a:t>
-            </a:r>
-            <a:r>
-              <a:rPr lang="pt-BR" b="1" dirty="0" err="1">
-                <a:latin typeface="Times New Roman" panose="02020603050405020304" pitchFamily="18" charset="0"/>
-                <a:cs typeface="Times New Roman" panose="02020603050405020304" pitchFamily="18" charset="0"/>
-              </a:rPr>
-              <a:t>del</a:t>
-            </a:r>
-            <a:r>
-              <a:rPr lang="pt-BR" dirty="0">
-                <a:latin typeface="Times New Roman" panose="02020603050405020304" pitchFamily="18" charset="0"/>
-                <a:cs typeface="Times New Roman" panose="02020603050405020304" pitchFamily="18" charset="0"/>
-              </a:rPr>
-              <a:t> cliente</a:t>
+              <a:t>, não podemos mudar um elemento!</a:t>
             </a:r>
           </a:p>
         </p:txBody>
@@ -9276,7 +9520,7 @@
     </p:spTree>
     <p:extLst>
       <p:ext uri="{BB962C8B-B14F-4D97-AF65-F5344CB8AC3E}">
-        <p14:creationId xmlns:p14="http://schemas.microsoft.com/office/powerpoint/2010/main" val="1018798093"/>
+        <p14:creationId xmlns:p14="http://schemas.microsoft.com/office/powerpoint/2010/main" val="3895288765"/>
       </p:ext>
     </p:extLst>
   </p:cSld>
@@ -9399,11 +9643,17 @@
           </a:bodyPr>
           <a:lstStyle/>
           <a:p>
-            <a:pPr algn="just">
-              <a:buFont typeface="Wingdings" panose="05000000000000000000" pitchFamily="2" charset="2"/>
-              <a:buChar char="§"/>
+            <a:pPr marL="0" indent="0" algn="just">
+              <a:buNone/>
             </a:pPr>
             <a:r>
+              <a:rPr lang="pt-BR" dirty="0">
+                <a:latin typeface="Times New Roman" panose="02020603050405020304" pitchFamily="18" charset="0"/>
+                <a:cs typeface="Times New Roman" panose="02020603050405020304" pitchFamily="18" charset="0"/>
+              </a:rPr>
+              <a:t>cliente[1] = "1234“ # </a:t>
+            </a:r>
+            <a:r>
               <a:rPr lang="pt-BR" b="1" dirty="0" err="1">
                 <a:solidFill>
                   <a:srgbClr val="FF0000"/>
@@ -9421,212 +9671,24 @@
                 <a:latin typeface="Times New Roman" panose="02020603050405020304" pitchFamily="18" charset="0"/>
                 <a:cs typeface="Times New Roman" panose="02020603050405020304" pitchFamily="18" charset="0"/>
               </a:rPr>
-              <a:t> Nomeada</a:t>
-            </a:r>
-          </a:p>
-          <a:p>
-            <a:pPr marL="0" indent="0" algn="just">
-              <a:buNone/>
-            </a:pPr>
-            <a:r>
-              <a:rPr lang="pt-BR" b="1" dirty="0">
-                <a:latin typeface="Times New Roman" panose="02020603050405020304" pitchFamily="18" charset="0"/>
-                <a:cs typeface="Times New Roman" panose="02020603050405020304" pitchFamily="18" charset="0"/>
-              </a:rPr>
-              <a:t>Similar a </a:t>
+              <a:t>, </a:t>
             </a:r>
             <a:r>
               <a:rPr lang="pt-BR" b="1" dirty="0" err="1">
-                <a:latin typeface="Times New Roman" panose="02020603050405020304" pitchFamily="18" charset="0"/>
-                <a:cs typeface="Times New Roman" panose="02020603050405020304" pitchFamily="18" charset="0"/>
-              </a:rPr>
-              <a:t>struct</a:t>
-            </a:r>
-            <a:r>
-              <a:rPr lang="pt-BR" b="1" dirty="0">
-                <a:latin typeface="Times New Roman" panose="02020603050405020304" pitchFamily="18" charset="0"/>
-                <a:cs typeface="Times New Roman" panose="02020603050405020304" pitchFamily="18" charset="0"/>
-              </a:rPr>
-              <a:t> em C. </a:t>
-            </a:r>
-            <a:r>
-              <a:rPr lang="pt-BR" b="1" dirty="0">
                 <a:solidFill>
                   <a:srgbClr val="FF0000"/>
                 </a:solidFill>
                 <a:latin typeface="Times New Roman" panose="02020603050405020304" pitchFamily="18" charset="0"/>
                 <a:cs typeface="Times New Roman" panose="02020603050405020304" pitchFamily="18" charset="0"/>
               </a:rPr>
-              <a:t>Os campos, porém, são imutáveis.</a:t>
-            </a:r>
-          </a:p>
-          <a:p>
-            <a:pPr marL="619125" lvl="1" indent="0" algn="just">
-              <a:buNone/>
-            </a:pPr>
-            <a:r>
-              <a:rPr lang="pt-BR" sz="2400" dirty="0" err="1">
-                <a:latin typeface="Times New Roman" panose="02020603050405020304" pitchFamily="18" charset="0"/>
-                <a:cs typeface="Times New Roman" panose="02020603050405020304" pitchFamily="18" charset="0"/>
-              </a:rPr>
-              <a:t>from</a:t>
-            </a:r>
-            <a:r>
-              <a:rPr lang="pt-BR" sz="2400" dirty="0">
-                <a:latin typeface="Times New Roman" panose="02020603050405020304" pitchFamily="18" charset="0"/>
-                <a:cs typeface="Times New Roman" panose="02020603050405020304" pitchFamily="18" charset="0"/>
-              </a:rPr>
-              <a:t> </a:t>
-            </a:r>
-            <a:r>
-              <a:rPr lang="pt-BR" sz="2400" dirty="0" err="1">
-                <a:latin typeface="Times New Roman" panose="02020603050405020304" pitchFamily="18" charset="0"/>
-                <a:cs typeface="Times New Roman" panose="02020603050405020304" pitchFamily="18" charset="0"/>
-              </a:rPr>
-              <a:t>collections</a:t>
-            </a:r>
-            <a:r>
-              <a:rPr lang="pt-BR" sz="2400" dirty="0">
-                <a:latin typeface="Times New Roman" panose="02020603050405020304" pitchFamily="18" charset="0"/>
-                <a:cs typeface="Times New Roman" panose="02020603050405020304" pitchFamily="18" charset="0"/>
-              </a:rPr>
-              <a:t> </a:t>
-            </a:r>
-            <a:r>
-              <a:rPr lang="pt-BR" sz="2400" dirty="0" err="1">
-                <a:latin typeface="Times New Roman" panose="02020603050405020304" pitchFamily="18" charset="0"/>
-                <a:cs typeface="Times New Roman" panose="02020603050405020304" pitchFamily="18" charset="0"/>
-              </a:rPr>
-              <a:t>import</a:t>
-            </a:r>
-            <a:r>
-              <a:rPr lang="pt-BR" sz="2400" dirty="0">
-                <a:latin typeface="Times New Roman" panose="02020603050405020304" pitchFamily="18" charset="0"/>
-                <a:cs typeface="Times New Roman" panose="02020603050405020304" pitchFamily="18" charset="0"/>
-              </a:rPr>
-              <a:t> </a:t>
-            </a:r>
-            <a:r>
-              <a:rPr lang="pt-BR" sz="2400" dirty="0" err="1">
-                <a:latin typeface="Times New Roman" panose="02020603050405020304" pitchFamily="18" charset="0"/>
-                <a:cs typeface="Times New Roman" panose="02020603050405020304" pitchFamily="18" charset="0"/>
-              </a:rPr>
-              <a:t>namedtuple</a:t>
-            </a:r>
-            <a:endParaRPr lang="pt-BR" sz="2400" dirty="0">
-              <a:latin typeface="Times New Roman" panose="02020603050405020304" pitchFamily="18" charset="0"/>
-              <a:cs typeface="Times New Roman" panose="02020603050405020304" pitchFamily="18" charset="0"/>
-            </a:endParaRPr>
-          </a:p>
-          <a:p>
-            <a:pPr marL="619125" lvl="1" indent="0" algn="just">
-              <a:buNone/>
-            </a:pPr>
-            <a:r>
-              <a:rPr lang="pt-BR" sz="2400" dirty="0">
-                <a:latin typeface="Times New Roman" panose="02020603050405020304" pitchFamily="18" charset="0"/>
-                <a:cs typeface="Times New Roman" panose="02020603050405020304" pitchFamily="18" charset="0"/>
-              </a:rPr>
-              <a:t>Cliente = </a:t>
-            </a:r>
-            <a:r>
-              <a:rPr lang="pt-BR" sz="2400" dirty="0" err="1">
-                <a:latin typeface="Times New Roman" panose="02020603050405020304" pitchFamily="18" charset="0"/>
-                <a:cs typeface="Times New Roman" panose="02020603050405020304" pitchFamily="18" charset="0"/>
-              </a:rPr>
-              <a:t>namedtuple</a:t>
-            </a:r>
-            <a:r>
-              <a:rPr lang="pt-BR" sz="2400" dirty="0">
-                <a:latin typeface="Times New Roman" panose="02020603050405020304" pitchFamily="18" charset="0"/>
-                <a:cs typeface="Times New Roman" panose="02020603050405020304" pitchFamily="18" charset="0"/>
-              </a:rPr>
-              <a:t>(‘Cliente’, ‘nome </a:t>
-            </a:r>
-            <a:r>
-              <a:rPr lang="pt-BR" sz="2400" dirty="0" err="1">
-                <a:latin typeface="Times New Roman" panose="02020603050405020304" pitchFamily="18" charset="0"/>
-                <a:cs typeface="Times New Roman" panose="02020603050405020304" pitchFamily="18" charset="0"/>
-              </a:rPr>
-              <a:t>cpf</a:t>
-            </a:r>
-            <a:r>
-              <a:rPr lang="pt-BR" sz="2400" dirty="0">
-                <a:latin typeface="Times New Roman" panose="02020603050405020304" pitchFamily="18" charset="0"/>
-                <a:cs typeface="Times New Roman" panose="02020603050405020304" pitchFamily="18" charset="0"/>
-              </a:rPr>
-              <a:t> limite compras’)</a:t>
-            </a:r>
-          </a:p>
-          <a:p>
-            <a:pPr marL="619125" lvl="1" indent="0" algn="just">
-              <a:buNone/>
-            </a:pPr>
-            <a:r>
-              <a:rPr lang="pt-BR" sz="2400" dirty="0" err="1">
-                <a:latin typeface="Times New Roman" panose="02020603050405020304" pitchFamily="18" charset="0"/>
-                <a:cs typeface="Times New Roman" panose="02020603050405020304" pitchFamily="18" charset="0"/>
-              </a:rPr>
-              <a:t>umCliente</a:t>
-            </a:r>
-            <a:r>
-              <a:rPr lang="pt-BR" sz="2400" dirty="0">
-                <a:latin typeface="Times New Roman" panose="02020603050405020304" pitchFamily="18" charset="0"/>
-                <a:cs typeface="Times New Roman" panose="02020603050405020304" pitchFamily="18" charset="0"/>
-              </a:rPr>
-              <a:t> = Cliente(‘Fulano’, ‘01234567890’, 5000.00, 300.00)</a:t>
-            </a:r>
-          </a:p>
-          <a:p>
-            <a:pPr marL="619125" lvl="1" indent="0" algn="just">
-              <a:buNone/>
-            </a:pPr>
-            <a:r>
-              <a:rPr lang="pt-BR" sz="2400" dirty="0">
-                <a:latin typeface="Times New Roman" panose="02020603050405020304" pitchFamily="18" charset="0"/>
-                <a:cs typeface="Times New Roman" panose="02020603050405020304" pitchFamily="18" charset="0"/>
-              </a:rPr>
-              <a:t>print (</a:t>
-            </a:r>
-            <a:r>
-              <a:rPr lang="pt-BR" sz="2400" dirty="0" err="1">
-                <a:latin typeface="Times New Roman" panose="02020603050405020304" pitchFamily="18" charset="0"/>
-                <a:cs typeface="Times New Roman" panose="02020603050405020304" pitchFamily="18" charset="0"/>
-              </a:rPr>
-              <a:t>umCliente</a:t>
-            </a:r>
-            <a:r>
-              <a:rPr lang="pt-BR" sz="2400" dirty="0">
-                <a:latin typeface="Times New Roman" panose="02020603050405020304" pitchFamily="18" charset="0"/>
-                <a:cs typeface="Times New Roman" panose="02020603050405020304" pitchFamily="18" charset="0"/>
-              </a:rPr>
-              <a:t>)</a:t>
-            </a:r>
-          </a:p>
-          <a:p>
-            <a:pPr marL="619125" lvl="1" indent="0" algn="just">
-              <a:buNone/>
-            </a:pPr>
-            <a:r>
-              <a:rPr lang="pt-BR" sz="2400" dirty="0">
-                <a:latin typeface="Times New Roman" panose="02020603050405020304" pitchFamily="18" charset="0"/>
-                <a:cs typeface="Times New Roman" panose="02020603050405020304" pitchFamily="18" charset="0"/>
-              </a:rPr>
-              <a:t>print(</a:t>
-            </a:r>
-            <a:r>
-              <a:rPr lang="pt-BR" sz="2400" dirty="0" err="1">
-                <a:latin typeface="Times New Roman" panose="02020603050405020304" pitchFamily="18" charset="0"/>
-                <a:cs typeface="Times New Roman" panose="02020603050405020304" pitchFamily="18" charset="0"/>
-              </a:rPr>
-              <a:t>umCliente.cpf</a:t>
-            </a:r>
-            <a:r>
-              <a:rPr lang="pt-BR" sz="2400" dirty="0">
-                <a:latin typeface="Times New Roman" panose="02020603050405020304" pitchFamily="18" charset="0"/>
-                <a:cs typeface="Times New Roman" panose="02020603050405020304" pitchFamily="18" charset="0"/>
-              </a:rPr>
-              <a:t>)</a:t>
+              <a:t>error</a:t>
+            </a:r>
+            <a:r>
+              <a:rPr lang="pt-BR" dirty="0">
+                <a:latin typeface="Times New Roman" panose="02020603050405020304" pitchFamily="18" charset="0"/>
+                <a:cs typeface="Times New Roman" panose="02020603050405020304" pitchFamily="18" charset="0"/>
+              </a:rPr>
+              <a:t>, não pode alterar.</a:t>
             </a:r>
           </a:p>
           <a:p>
@@ -9638,12 +9700,106 @@
               <a:cs typeface="Times New Roman" panose="02020603050405020304" pitchFamily="18" charset="0"/>
             </a:endParaRPr>
           </a:p>
+          <a:p>
+            <a:pPr algn="just">
+              <a:buFont typeface="Wingdings" panose="05000000000000000000" pitchFamily="2" charset="2"/>
+              <a:buChar char="§"/>
+            </a:pPr>
+            <a:r>
+              <a:rPr lang="pt-BR" b="1" dirty="0">
+                <a:solidFill>
+                  <a:srgbClr val="FF0000"/>
+                </a:solidFill>
+                <a:latin typeface="Times New Roman" panose="02020603050405020304" pitchFamily="18" charset="0"/>
+                <a:cs typeface="Times New Roman" panose="02020603050405020304" pitchFamily="18" charset="0"/>
+              </a:rPr>
+              <a:t>Apagando uma </a:t>
+            </a:r>
+            <a:r>
+              <a:rPr lang="pt-BR" b="1" dirty="0" err="1">
+                <a:solidFill>
+                  <a:srgbClr val="FF0000"/>
+                </a:solidFill>
+                <a:latin typeface="Times New Roman" panose="02020603050405020304" pitchFamily="18" charset="0"/>
+                <a:cs typeface="Times New Roman" panose="02020603050405020304" pitchFamily="18" charset="0"/>
+              </a:rPr>
+              <a:t>Tupla</a:t>
+            </a:r>
+            <a:r>
+              <a:rPr lang="pt-BR" b="1" dirty="0">
+                <a:solidFill>
+                  <a:srgbClr val="FF0000"/>
+                </a:solidFill>
+                <a:latin typeface="Times New Roman" panose="02020603050405020304" pitchFamily="18" charset="0"/>
+                <a:cs typeface="Times New Roman" panose="02020603050405020304" pitchFamily="18" charset="0"/>
+              </a:rPr>
+              <a:t>: </a:t>
+            </a:r>
+            <a:r>
+              <a:rPr lang="pt-BR" b="1" dirty="0" err="1">
+                <a:latin typeface="Times New Roman" panose="02020603050405020304" pitchFamily="18" charset="0"/>
+                <a:cs typeface="Times New Roman" panose="02020603050405020304" pitchFamily="18" charset="0"/>
+              </a:rPr>
+              <a:t>del</a:t>
+            </a:r>
+            <a:r>
+              <a:rPr lang="pt-BR" dirty="0">
+                <a:latin typeface="Times New Roman" panose="02020603050405020304" pitchFamily="18" charset="0"/>
+                <a:cs typeface="Times New Roman" panose="02020603050405020304" pitchFamily="18" charset="0"/>
+              </a:rPr>
+              <a:t> nome da </a:t>
+            </a:r>
+            <a:r>
+              <a:rPr lang="pt-BR" dirty="0" err="1">
+                <a:latin typeface="Times New Roman" panose="02020603050405020304" pitchFamily="18" charset="0"/>
+                <a:cs typeface="Times New Roman" panose="02020603050405020304" pitchFamily="18" charset="0"/>
+              </a:rPr>
+              <a:t>Tupla</a:t>
+            </a:r>
+            <a:endParaRPr lang="pt-BR" dirty="0">
+              <a:latin typeface="Times New Roman" panose="02020603050405020304" pitchFamily="18" charset="0"/>
+              <a:cs typeface="Times New Roman" panose="02020603050405020304" pitchFamily="18" charset="0"/>
+            </a:endParaRPr>
+          </a:p>
+          <a:p>
+            <a:pPr marL="0" indent="0" algn="just">
+              <a:buNone/>
+            </a:pPr>
+            <a:r>
+              <a:rPr lang="pt-BR" b="1" dirty="0">
+                <a:latin typeface="Times New Roman" panose="02020603050405020304" pitchFamily="18" charset="0"/>
+                <a:cs typeface="Times New Roman" panose="02020603050405020304" pitchFamily="18" charset="0"/>
+              </a:rPr>
+              <a:t>	Exemplo</a:t>
+            </a:r>
+            <a:r>
+              <a:rPr lang="pt-BR" dirty="0">
+                <a:latin typeface="Times New Roman" panose="02020603050405020304" pitchFamily="18" charset="0"/>
+                <a:cs typeface="Times New Roman" panose="02020603050405020304" pitchFamily="18" charset="0"/>
+              </a:rPr>
+              <a:t>: </a:t>
+            </a:r>
+            <a:r>
+              <a:rPr lang="pt-BR" b="1" dirty="0" err="1">
+                <a:latin typeface="Times New Roman" panose="02020603050405020304" pitchFamily="18" charset="0"/>
+                <a:cs typeface="Times New Roman" panose="02020603050405020304" pitchFamily="18" charset="0"/>
+              </a:rPr>
+              <a:t>del</a:t>
+            </a:r>
+            <a:r>
+              <a:rPr lang="pt-BR" dirty="0">
+                <a:latin typeface="Times New Roman" panose="02020603050405020304" pitchFamily="18" charset="0"/>
+                <a:cs typeface="Times New Roman" panose="02020603050405020304" pitchFamily="18" charset="0"/>
+              </a:rPr>
+              <a:t> cliente</a:t>
+            </a:r>
+          </a:p>
         </p:txBody>
       </p:sp>
     </p:spTree>
     <p:extLst>
       <p:ext uri="{BB962C8B-B14F-4D97-AF65-F5344CB8AC3E}">
-        <p14:creationId xmlns:p14="http://schemas.microsoft.com/office/powerpoint/2010/main" val="3590522157"/>
+        <p14:creationId xmlns:p14="http://schemas.microsoft.com/office/powerpoint/2010/main" val="1018798093"/>
       </p:ext>
     </p:extLst>
   </p:cSld>
@@ -9726,8 +9882,21 @@
                   <a:srgbClr val="0070C0"/>
                 </a:solidFill>
               </a:rPr>
-              <a:t> SETs</a:t>
-            </a:r>
+              <a:t> </a:t>
+            </a:r>
+            <a:r>
+              <a:rPr lang="en-US" b="1" dirty="0" err="1">
+                <a:solidFill>
+                  <a:srgbClr val="0070C0"/>
+                </a:solidFill>
+              </a:rPr>
+              <a:t>Tuplas</a:t>
+            </a:r>
+            <a:endParaRPr lang="en-US" b="1" dirty="0">
+              <a:solidFill>
+                <a:srgbClr val="0070C0"/>
+              </a:solidFill>
+            </a:endParaRPr>
           </a:p>
         </p:txBody>
       </p:sp>
@@ -9758,6 +9927,16 @@
               <a:buChar char="§"/>
             </a:pPr>
             <a:r>
+              <a:rPr lang="pt-BR" b="1" dirty="0" err="1">
+                <a:solidFill>
+                  <a:srgbClr val="FF0000"/>
+                </a:solidFill>
+                <a:latin typeface="Times New Roman" panose="02020603050405020304" pitchFamily="18" charset="0"/>
+                <a:cs typeface="Times New Roman" panose="02020603050405020304" pitchFamily="18" charset="0"/>
+              </a:rPr>
+              <a:t>Tupla</a:t>
+            </a:r>
+            <a:r>
               <a:rPr lang="pt-BR" b="1" dirty="0">
                 <a:solidFill>
                   <a:srgbClr val="FF0000"/>
@@ -9765,216 +9944,219 @@
                 <a:latin typeface="Times New Roman" panose="02020603050405020304" pitchFamily="18" charset="0"/>
                 <a:cs typeface="Times New Roman" panose="02020603050405020304" pitchFamily="18" charset="0"/>
               </a:rPr>
-              <a:t>Conjunto</a:t>
-            </a:r>
-            <a:r>
-              <a:rPr lang="pt-BR" sz="2000" b="1" dirty="0">
+              <a:t> Nomeada</a:t>
+            </a:r>
+          </a:p>
+          <a:p>
+            <a:pPr marL="0" indent="0" algn="just">
+              <a:buNone/>
+            </a:pPr>
+            <a:r>
+              <a:rPr lang="pt-BR" b="1" dirty="0">
+                <a:latin typeface="Times New Roman" panose="02020603050405020304" pitchFamily="18" charset="0"/>
+                <a:cs typeface="Times New Roman" panose="02020603050405020304" pitchFamily="18" charset="0"/>
+              </a:rPr>
+              <a:t>Similar a </a:t>
+            </a:r>
+            <a:r>
+              <a:rPr lang="pt-BR" b="1" dirty="0" err="1">
+                <a:latin typeface="Times New Roman" panose="02020603050405020304" pitchFamily="18" charset="0"/>
+                <a:cs typeface="Times New Roman" panose="02020603050405020304" pitchFamily="18" charset="0"/>
+              </a:rPr>
+              <a:t>struct</a:t>
+            </a:r>
+            <a:r>
+              <a:rPr lang="pt-BR" b="1" dirty="0">
+                <a:latin typeface="Times New Roman" panose="02020603050405020304" pitchFamily="18" charset="0"/>
+                <a:cs typeface="Times New Roman" panose="02020603050405020304" pitchFamily="18" charset="0"/>
+              </a:rPr>
+              <a:t> em C. </a:t>
+            </a:r>
+            <a:r>
+              <a:rPr lang="pt-BR" b="1" dirty="0">
                 <a:solidFill>
                   <a:srgbClr val="FF0000"/>
                 </a:solidFill>
                 <a:latin typeface="Times New Roman" panose="02020603050405020304" pitchFamily="18" charset="0"/>
                 <a:cs typeface="Times New Roman" panose="02020603050405020304" pitchFamily="18" charset="0"/>
               </a:rPr>
-              <a:t> - </a:t>
-            </a:r>
-            <a:r>
-              <a:rPr lang="pt-BR" b="1" dirty="0">
-                <a:latin typeface="Times New Roman" panose="02020603050405020304" pitchFamily="18" charset="0"/>
-                <a:cs typeface="Times New Roman" panose="02020603050405020304" pitchFamily="18" charset="0"/>
-              </a:rPr>
-              <a:t>Sets</a:t>
-            </a:r>
-            <a:r>
-              <a:rPr lang="pt-BR" sz="2000" dirty="0">
+              <a:t>Os campos, porém, são imutáveis.</a:t>
+            </a:r>
+          </a:p>
+          <a:p>
+            <a:pPr marL="619125" lvl="1" indent="0" algn="just">
+              <a:buNone/>
+            </a:pPr>
+            <a:r>
+              <a:rPr lang="pt-BR" sz="2400" dirty="0" err="1">
+                <a:latin typeface="Times New Roman" panose="02020603050405020304" pitchFamily="18" charset="0"/>
+                <a:cs typeface="Times New Roman" panose="02020603050405020304" pitchFamily="18" charset="0"/>
+              </a:rPr>
+              <a:t>from</a:t>
+            </a:r>
+            <a:r>
+              <a:rPr lang="pt-BR" sz="2400" dirty="0">
                 <a:latin typeface="Times New Roman" panose="02020603050405020304" pitchFamily="18" charset="0"/>
                 <a:cs typeface="Times New Roman" panose="02020603050405020304" pitchFamily="18" charset="0"/>
               </a:rPr>
               <a:t> </a:t>
             </a:r>
-          </a:p>
-          <a:p>
-            <a:pPr marL="0" indent="0" algn="just">
-              <a:buNone/>
-            </a:pPr>
-            <a:r>
-              <a:rPr lang="pt-BR" sz="2000" dirty="0">
-                <a:latin typeface="Times New Roman" panose="02020603050405020304" pitchFamily="18" charset="0"/>
-                <a:cs typeface="Times New Roman" panose="02020603050405020304" pitchFamily="18" charset="0"/>
-              </a:rPr>
-              <a:t>são estruturas disponíveis como </a:t>
-            </a:r>
-            <a:r>
-              <a:rPr lang="pt-BR" sz="2000" b="1" i="1" dirty="0" err="1">
-                <a:latin typeface="Times New Roman" panose="02020603050405020304" pitchFamily="18" charset="0"/>
-                <a:cs typeface="Times New Roman" panose="02020603050405020304" pitchFamily="18" charset="0"/>
-              </a:rPr>
-              <a:t>builtins</a:t>
-            </a:r>
-            <a:r>
-              <a:rPr lang="pt-BR" sz="2000" dirty="0">
-                <a:latin typeface="Times New Roman" panose="02020603050405020304" pitchFamily="18" charset="0"/>
-                <a:cs typeface="Times New Roman" panose="02020603050405020304" pitchFamily="18" charset="0"/>
-              </a:rPr>
-              <a:t> do Python, utilizadas para representar coleções desordenadas de elementos únicos.</a:t>
-            </a:r>
-          </a:p>
-          <a:p>
-            <a:pPr marL="0" indent="0" algn="just">
-              <a:buNone/>
-            </a:pPr>
-            <a:endParaRPr lang="pt-BR" sz="2000" dirty="0">
+            <a:r>
+              <a:rPr lang="pt-BR" sz="2400" dirty="0" err="1">
+                <a:latin typeface="Times New Roman" panose="02020603050405020304" pitchFamily="18" charset="0"/>
+                <a:cs typeface="Times New Roman" panose="02020603050405020304" pitchFamily="18" charset="0"/>
+              </a:rPr>
+              <a:t>collections</a:t>
+            </a:r>
+            <a:r>
+              <a:rPr lang="pt-BR" sz="2400" dirty="0">
+                <a:latin typeface="Times New Roman" panose="02020603050405020304" pitchFamily="18" charset="0"/>
+                <a:cs typeface="Times New Roman" panose="02020603050405020304" pitchFamily="18" charset="0"/>
+              </a:rPr>
+              <a:t> </a:t>
+            </a:r>
+            <a:r>
+              <a:rPr lang="pt-BR" sz="2400" dirty="0" err="1">
+                <a:latin typeface="Times New Roman" panose="02020603050405020304" pitchFamily="18" charset="0"/>
+                <a:cs typeface="Times New Roman" panose="02020603050405020304" pitchFamily="18" charset="0"/>
+              </a:rPr>
+              <a:t>import</a:t>
+            </a:r>
+            <a:r>
+              <a:rPr lang="pt-BR" sz="2400" dirty="0">
+                <a:latin typeface="Times New Roman" panose="02020603050405020304" pitchFamily="18" charset="0"/>
+                <a:cs typeface="Times New Roman" panose="02020603050405020304" pitchFamily="18" charset="0"/>
+              </a:rPr>
+              <a:t> </a:t>
+            </a:r>
+            <a:r>
+              <a:rPr lang="pt-BR" sz="2400" dirty="0" err="1">
+                <a:latin typeface="Times New Roman" panose="02020603050405020304" pitchFamily="18" charset="0"/>
+                <a:cs typeface="Times New Roman" panose="02020603050405020304" pitchFamily="18" charset="0"/>
+              </a:rPr>
+              <a:t>namedtuple</a:t>
+            </a:r>
+            <a:endParaRPr lang="pt-BR" sz="2400" dirty="0">
               <a:latin typeface="Times New Roman" panose="02020603050405020304" pitchFamily="18" charset="0"/>
               <a:cs typeface="Times New Roman" panose="02020603050405020304" pitchFamily="18" charset="0"/>
             </a:endParaRPr>
           </a:p>
           <a:p>
+            <a:pPr marL="619125" lvl="1" indent="0" algn="just">
+              <a:buNone/>
+            </a:pPr>
+            <a:r>
+              <a:rPr lang="pt-BR" sz="2400" dirty="0">
+                <a:latin typeface="Times New Roman" panose="02020603050405020304" pitchFamily="18" charset="0"/>
+                <a:cs typeface="Times New Roman" panose="02020603050405020304" pitchFamily="18" charset="0"/>
+              </a:rPr>
+              <a:t>Cliente = </a:t>
+            </a:r>
+            <a:r>
+              <a:rPr lang="pt-BR" sz="2400" dirty="0" err="1">
+                <a:latin typeface="Times New Roman" panose="02020603050405020304" pitchFamily="18" charset="0"/>
+                <a:cs typeface="Times New Roman" panose="02020603050405020304" pitchFamily="18" charset="0"/>
+              </a:rPr>
+              <a:t>namedtuple</a:t>
+            </a:r>
+            <a:r>
+              <a:rPr lang="pt-BR" sz="2400" dirty="0">
+                <a:latin typeface="Times New Roman" panose="02020603050405020304" pitchFamily="18" charset="0"/>
+                <a:cs typeface="Times New Roman" panose="02020603050405020304" pitchFamily="18" charset="0"/>
+              </a:rPr>
+              <a:t>(‘Cliente’, ‘nome </a:t>
+            </a:r>
+            <a:r>
+              <a:rPr lang="pt-BR" sz="2400" dirty="0" err="1">
+                <a:latin typeface="Times New Roman" panose="02020603050405020304" pitchFamily="18" charset="0"/>
+                <a:cs typeface="Times New Roman" panose="02020603050405020304" pitchFamily="18" charset="0"/>
+              </a:rPr>
+              <a:t>cpf</a:t>
+            </a:r>
+            <a:r>
+              <a:rPr lang="pt-BR" sz="2400" dirty="0">
+                <a:latin typeface="Times New Roman" panose="02020603050405020304" pitchFamily="18" charset="0"/>
+                <a:cs typeface="Times New Roman" panose="02020603050405020304" pitchFamily="18" charset="0"/>
+              </a:rPr>
+              <a:t> limite compras’)</a:t>
+            </a:r>
+          </a:p>
+          <a:p>
+            <a:pPr marL="619125" lvl="1" indent="0" algn="just">
+              <a:buNone/>
+            </a:pPr>
+            <a:r>
+              <a:rPr lang="pt-BR" sz="2400" dirty="0" err="1">
+                <a:latin typeface="Times New Roman" panose="02020603050405020304" pitchFamily="18" charset="0"/>
+                <a:cs typeface="Times New Roman" panose="02020603050405020304" pitchFamily="18" charset="0"/>
+              </a:rPr>
+              <a:t>umCliente</a:t>
+            </a:r>
+            <a:r>
+              <a:rPr lang="pt-BR" sz="2400" dirty="0">
+                <a:latin typeface="Times New Roman" panose="02020603050405020304" pitchFamily="18" charset="0"/>
+                <a:cs typeface="Times New Roman" panose="02020603050405020304" pitchFamily="18" charset="0"/>
+              </a:rPr>
+              <a:t> = Cliente(‘Fulano’, ‘01234567890’, 5000.00, 300.00)</a:t>
+            </a:r>
+          </a:p>
+          <a:p>
+            <a:pPr marL="619125" lvl="1" indent="0" algn="just">
+              <a:buNone/>
+            </a:pPr>
+            <a:r>
+              <a:rPr lang="pt-BR" sz="2400" dirty="0">
+                <a:latin typeface="Times New Roman" panose="02020603050405020304" pitchFamily="18" charset="0"/>
+                <a:cs typeface="Times New Roman" panose="02020603050405020304" pitchFamily="18" charset="0"/>
+              </a:rPr>
+              <a:t>print (</a:t>
+            </a:r>
+            <a:r>
+              <a:rPr lang="pt-BR" sz="2400" dirty="0" err="1">
+                <a:latin typeface="Times New Roman" panose="02020603050405020304" pitchFamily="18" charset="0"/>
+                <a:cs typeface="Times New Roman" panose="02020603050405020304" pitchFamily="18" charset="0"/>
+              </a:rPr>
+              <a:t>umCliente</a:t>
+            </a:r>
+            <a:r>
+              <a:rPr lang="pt-BR" sz="2400" dirty="0">
+                <a:latin typeface="Times New Roman" panose="02020603050405020304" pitchFamily="18" charset="0"/>
+                <a:cs typeface="Times New Roman" panose="02020603050405020304" pitchFamily="18" charset="0"/>
+              </a:rPr>
+              <a:t>)</a:t>
+            </a:r>
+          </a:p>
+          <a:p>
+            <a:pPr marL="619125" lvl="1" indent="0" algn="just">
+              <a:buNone/>
+            </a:pPr>
+            <a:r>
+              <a:rPr lang="pt-BR" sz="2400" dirty="0">
+                <a:latin typeface="Times New Roman" panose="02020603050405020304" pitchFamily="18" charset="0"/>
+                <a:cs typeface="Times New Roman" panose="02020603050405020304" pitchFamily="18" charset="0"/>
+              </a:rPr>
+              <a:t>print(</a:t>
+            </a:r>
+            <a:r>
+              <a:rPr lang="pt-BR" sz="2400" dirty="0" err="1">
+                <a:latin typeface="Times New Roman" panose="02020603050405020304" pitchFamily="18" charset="0"/>
+                <a:cs typeface="Times New Roman" panose="02020603050405020304" pitchFamily="18" charset="0"/>
+              </a:rPr>
+              <a:t>umCliente.cpf</a:t>
+            </a:r>
+            <a:r>
+              <a:rPr lang="pt-BR" sz="2400" dirty="0">
+                <a:latin typeface="Times New Roman" panose="02020603050405020304" pitchFamily="18" charset="0"/>
+                <a:cs typeface="Times New Roman" panose="02020603050405020304" pitchFamily="18" charset="0"/>
+              </a:rPr>
+              <a:t>)</a:t>
+            </a:r>
+          </a:p>
+          <a:p>
             <a:pPr marL="0" indent="0" algn="just">
               <a:buNone/>
             </a:pPr>
-            <a:r>
-              <a:rPr lang="pt-BR" sz="2000" dirty="0">
-                <a:latin typeface="Times New Roman" panose="02020603050405020304" pitchFamily="18" charset="0"/>
-                <a:cs typeface="Times New Roman" panose="02020603050405020304" pitchFamily="18" charset="0"/>
-              </a:rPr>
-              <a:t>Os elementos não são armazenados em uma ordem específica e confiável; Conjuntos não contém elementos repetidos.</a:t>
-            </a:r>
-          </a:p>
-          <a:p>
-            <a:pPr marL="0" indent="0" algn="just">
-              <a:buNone/>
-            </a:pPr>
-            <a:r>
-              <a:rPr lang="da-DK" sz="2000" b="1" dirty="0">
-                <a:latin typeface="Times New Roman" panose="02020603050405020304" pitchFamily="18" charset="0"/>
-                <a:cs typeface="Times New Roman" panose="02020603050405020304" pitchFamily="18" charset="0"/>
-              </a:rPr>
-              <a:t>set</a:t>
-            </a:r>
-            <a:r>
-              <a:rPr lang="da-DK" sz="2000" dirty="0">
-                <a:latin typeface="Times New Roman" panose="02020603050405020304" pitchFamily="18" charset="0"/>
-                <a:cs typeface="Times New Roman" panose="02020603050405020304" pitchFamily="18" charset="0"/>
-              </a:rPr>
-              <a:t>([1, 2, 3, 4])</a:t>
-            </a:r>
-            <a:r>
-              <a:rPr lang="pt-BR" sz="2000" dirty="0">
-                <a:latin typeface="Times New Roman" panose="02020603050405020304" pitchFamily="18" charset="0"/>
-                <a:cs typeface="Times New Roman" panose="02020603050405020304" pitchFamily="18" charset="0"/>
-              </a:rPr>
-              <a:t> ou </a:t>
-            </a:r>
-            <a:r>
-              <a:rPr lang="pt-BR" sz="2000" b="1" dirty="0">
-                <a:latin typeface="Times New Roman" panose="02020603050405020304" pitchFamily="18" charset="0"/>
-                <a:cs typeface="Times New Roman" panose="02020603050405020304" pitchFamily="18" charset="0"/>
-              </a:rPr>
-              <a:t>s</a:t>
-            </a:r>
-            <a:r>
-              <a:rPr lang="pt-BR" sz="2000" dirty="0">
-                <a:latin typeface="Times New Roman" panose="02020603050405020304" pitchFamily="18" charset="0"/>
-                <a:cs typeface="Times New Roman" panose="02020603050405020304" pitchFamily="18" charset="0"/>
-              </a:rPr>
-              <a:t> </a:t>
-            </a:r>
-            <a:r>
-              <a:rPr lang="da-DK" sz="2000" dirty="0">
-                <a:latin typeface="Times New Roman" panose="02020603050405020304" pitchFamily="18" charset="0"/>
-                <a:cs typeface="Times New Roman" panose="02020603050405020304" pitchFamily="18" charset="0"/>
-              </a:rPr>
-              <a:t>= {1, 2, 3, 4}; </a:t>
-            </a:r>
-          </a:p>
-          <a:p>
-            <a:pPr marL="0" indent="0" algn="just">
-              <a:buNone/>
-            </a:pPr>
-            <a:r>
-              <a:rPr lang="da-DK" sz="2000" dirty="0">
-                <a:latin typeface="Times New Roman" panose="02020603050405020304" pitchFamily="18" charset="0"/>
-                <a:cs typeface="Times New Roman" panose="02020603050405020304" pitchFamily="18" charset="0"/>
-              </a:rPr>
-              <a:t>Ex.: </a:t>
-            </a:r>
-            <a:r>
-              <a:rPr lang="pt-BR" sz="2000" dirty="0">
-                <a:latin typeface="Times New Roman" panose="02020603050405020304" pitchFamily="18" charset="0"/>
-                <a:cs typeface="Times New Roman" panose="02020603050405020304" pitchFamily="18" charset="0"/>
-              </a:rPr>
-              <a:t>a</a:t>
-            </a:r>
-            <a:r>
-              <a:rPr lang="da-DK" sz="2000" dirty="0">
-                <a:latin typeface="Times New Roman" panose="02020603050405020304" pitchFamily="18" charset="0"/>
-                <a:cs typeface="Times New Roman" panose="02020603050405020304" pitchFamily="18" charset="0"/>
-              </a:rPr>
-              <a:t>={1, 2, 3, 4};  e </a:t>
-            </a:r>
-            <a:r>
-              <a:rPr lang="pt-BR" sz="2000">
-                <a:latin typeface="Times New Roman" panose="02020603050405020304" pitchFamily="18" charset="0"/>
-                <a:cs typeface="Times New Roman" panose="02020603050405020304" pitchFamily="18" charset="0"/>
-              </a:rPr>
-              <a:t>b</a:t>
-            </a:r>
-            <a:r>
-              <a:rPr lang="da-DK" sz="2000">
-                <a:latin typeface="Times New Roman" panose="02020603050405020304" pitchFamily="18" charset="0"/>
-                <a:cs typeface="Times New Roman" panose="02020603050405020304" pitchFamily="18" charset="0"/>
-              </a:rPr>
-              <a:t>={</a:t>
-            </a:r>
-            <a:r>
-              <a:rPr lang="da-DK" sz="2000" dirty="0">
-                <a:latin typeface="Times New Roman" panose="02020603050405020304" pitchFamily="18" charset="0"/>
-                <a:cs typeface="Times New Roman" panose="02020603050405020304" pitchFamily="18" charset="0"/>
-              </a:rPr>
-              <a:t>1, 5, 3, 7}; a.</a:t>
-            </a:r>
-            <a:r>
-              <a:rPr lang="da-DK" sz="2000" b="1" dirty="0">
-                <a:latin typeface="Times New Roman" panose="02020603050405020304" pitchFamily="18" charset="0"/>
-                <a:cs typeface="Times New Roman" panose="02020603050405020304" pitchFamily="18" charset="0"/>
-              </a:rPr>
-              <a:t>union</a:t>
-            </a:r>
-            <a:r>
-              <a:rPr lang="da-DK" sz="2000" dirty="0">
-                <a:latin typeface="Times New Roman" panose="02020603050405020304" pitchFamily="18" charset="0"/>
-                <a:cs typeface="Times New Roman" panose="02020603050405020304" pitchFamily="18" charset="0"/>
-              </a:rPr>
-              <a:t>(b); a. </a:t>
-            </a:r>
-            <a:r>
-              <a:rPr lang="da-DK" sz="2000" b="1" dirty="0">
-                <a:latin typeface="Times New Roman" panose="02020603050405020304" pitchFamily="18" charset="0"/>
-                <a:cs typeface="Times New Roman" panose="02020603050405020304" pitchFamily="18" charset="0"/>
-              </a:rPr>
-              <a:t>intersection</a:t>
-            </a:r>
-            <a:r>
-              <a:rPr lang="da-DK" sz="2000" dirty="0">
-                <a:latin typeface="Times New Roman" panose="02020603050405020304" pitchFamily="18" charset="0"/>
-                <a:cs typeface="Times New Roman" panose="02020603050405020304" pitchFamily="18" charset="0"/>
-              </a:rPr>
-              <a:t>(b); a. </a:t>
-            </a:r>
-            <a:r>
-              <a:rPr lang="da-DK" sz="2000" b="1" dirty="0">
-                <a:latin typeface="Times New Roman" panose="02020603050405020304" pitchFamily="18" charset="0"/>
-                <a:cs typeface="Times New Roman" panose="02020603050405020304" pitchFamily="18" charset="0"/>
-              </a:rPr>
-              <a:t>difference</a:t>
-            </a:r>
-            <a:r>
-              <a:rPr lang="da-DK" sz="2000" dirty="0">
-                <a:latin typeface="Times New Roman" panose="02020603050405020304" pitchFamily="18" charset="0"/>
-                <a:cs typeface="Times New Roman" panose="02020603050405020304" pitchFamily="18" charset="0"/>
-              </a:rPr>
-              <a:t>(b)</a:t>
-            </a:r>
-            <a:endParaRPr lang="pt-BR" sz="2000" dirty="0">
+            <a:endParaRPr lang="pt-BR" dirty="0">
               <a:latin typeface="Times New Roman" panose="02020603050405020304" pitchFamily="18" charset="0"/>
               <a:cs typeface="Times New Roman" panose="02020603050405020304" pitchFamily="18" charset="0"/>
             </a:endParaRPr>
@@ -9984,7 +10166,7 @@
     </p:spTree>
     <p:extLst>
       <p:ext uri="{BB962C8B-B14F-4D97-AF65-F5344CB8AC3E}">
-        <p14:creationId xmlns:p14="http://schemas.microsoft.com/office/powerpoint/2010/main" val="1679403773"/>
+        <p14:creationId xmlns:p14="http://schemas.microsoft.com/office/powerpoint/2010/main" val="3590522157"/>
       </p:ext>
     </p:extLst>
   </p:cSld>
@@ -10540,12 +10722,20 @@
           <a:lstStyle/>
           <a:p>
             <a:r>
+              <a:rPr lang="en-US" b="1" dirty="0">
+                <a:solidFill>
+                  <a:srgbClr val="0070C0"/>
+                </a:solidFill>
+              </a:rPr>
+              <a:t>Python – </a:t>
+            </a:r>
+            <a:r>
               <a:rPr lang="en-US" b="1" dirty="0" err="1">
                 <a:solidFill>
                   <a:srgbClr val="0070C0"/>
                 </a:solidFill>
               </a:rPr>
-              <a:t>Leitura</a:t>
+              <a:t>TDados</a:t>
             </a:r>
             <a:r>
               <a:rPr lang="en-US" b="1" dirty="0">
@@ -10561,13 +10751,16 @@
                   <a:srgbClr val="0070C0"/>
                 </a:solidFill>
               </a:rPr>
-              <a:t>Específica</a:t>
-            </a:r>
-            <a:endParaRPr lang="en-US" b="1" dirty="0">
-              <a:solidFill>
-                <a:srgbClr val="0070C0"/>
-              </a:solidFill>
-            </a:endParaRPr>
+              <a:t>Aglomerados</a:t>
+            </a:r>
+            <a:r>
+              <a:rPr lang="en-US" b="1" dirty="0">
+                <a:solidFill>
+                  <a:srgbClr val="0070C0"/>
+                </a:solidFill>
+              </a:rPr>
+              <a:t> SETs</a:t>
+            </a:r>
           </a:p>
         </p:txBody>
       </p:sp>
@@ -10583,8 +10776,8 @@
         </p:nvSpPr>
         <p:spPr>
           <a:xfrm>
-            <a:off x="142865" y="1200151"/>
-            <a:ext cx="8865056" cy="3394472"/>
+            <a:off x="142865" y="1200150"/>
+            <a:ext cx="8865056" cy="3737370"/>
           </a:xfrm>
         </p:spPr>
         <p:txBody>
@@ -10593,10 +10786,76 @@
           </a:bodyPr>
           <a:lstStyle/>
           <a:p>
+            <a:pPr algn="just">
+              <a:buFont typeface="Wingdings" panose="05000000000000000000" pitchFamily="2" charset="2"/>
+              <a:buChar char="§"/>
+            </a:pPr>
+            <a:r>
+              <a:rPr lang="pt-BR" b="1" dirty="0">
+                <a:solidFill>
+                  <a:srgbClr val="FF0000"/>
+                </a:solidFill>
+                <a:latin typeface="Times New Roman" panose="02020603050405020304" pitchFamily="18" charset="0"/>
+                <a:cs typeface="Times New Roman" panose="02020603050405020304" pitchFamily="18" charset="0"/>
+              </a:rPr>
+              <a:t>Conjunto</a:t>
+            </a:r>
+            <a:r>
+              <a:rPr lang="pt-BR" sz="2000" b="1" dirty="0">
+                <a:solidFill>
+                  <a:srgbClr val="FF0000"/>
+                </a:solidFill>
+                <a:latin typeface="Times New Roman" panose="02020603050405020304" pitchFamily="18" charset="0"/>
+                <a:cs typeface="Times New Roman" panose="02020603050405020304" pitchFamily="18" charset="0"/>
+              </a:rPr>
+              <a:t> - </a:t>
+            </a:r>
+            <a:r>
+              <a:rPr lang="pt-BR" b="1" dirty="0">
+                <a:latin typeface="Times New Roman" panose="02020603050405020304" pitchFamily="18" charset="0"/>
+                <a:cs typeface="Times New Roman" panose="02020603050405020304" pitchFamily="18" charset="0"/>
+              </a:rPr>
+              <a:t>Sets</a:t>
+            </a:r>
+            <a:r>
+              <a:rPr lang="pt-BR" sz="2000" dirty="0">
+                <a:latin typeface="Times New Roman" panose="02020603050405020304" pitchFamily="18" charset="0"/>
+                <a:cs typeface="Times New Roman" panose="02020603050405020304" pitchFamily="18" charset="0"/>
+              </a:rPr>
+              <a:t> </a:t>
+            </a:r>
+          </a:p>
+          <a:p>
             <a:pPr marL="0" indent="0" algn="just">
               <a:buNone/>
             </a:pPr>
-            <a:endParaRPr lang="pt-BR" dirty="0">
+            <a:r>
+              <a:rPr lang="pt-BR" sz="2000" dirty="0">
+                <a:latin typeface="Times New Roman" panose="02020603050405020304" pitchFamily="18" charset="0"/>
+                <a:cs typeface="Times New Roman" panose="02020603050405020304" pitchFamily="18" charset="0"/>
+              </a:rPr>
+              <a:t>são estruturas disponíveis como </a:t>
+            </a:r>
+            <a:r>
+              <a:rPr lang="pt-BR" sz="2000" b="1" i="1" dirty="0" err="1">
+                <a:latin typeface="Times New Roman" panose="02020603050405020304" pitchFamily="18" charset="0"/>
+                <a:cs typeface="Times New Roman" panose="02020603050405020304" pitchFamily="18" charset="0"/>
+              </a:rPr>
+              <a:t>builtins</a:t>
+            </a:r>
+            <a:r>
+              <a:rPr lang="pt-BR" sz="2000" dirty="0">
+                <a:latin typeface="Times New Roman" panose="02020603050405020304" pitchFamily="18" charset="0"/>
+                <a:cs typeface="Times New Roman" panose="02020603050405020304" pitchFamily="18" charset="0"/>
+              </a:rPr>
+              <a:t> do Python, utilizadas para representar coleções desordenadas de elementos únicos.</a:t>
+            </a:r>
+          </a:p>
+          <a:p>
+            <a:pPr marL="0" indent="0" algn="just">
+              <a:buNone/>
+            </a:pPr>
+            <a:endParaRPr lang="pt-BR" sz="2000" dirty="0">
               <a:latin typeface="Times New Roman" panose="02020603050405020304" pitchFamily="18" charset="0"/>
               <a:cs typeface="Times New Roman" panose="02020603050405020304" pitchFamily="18" charset="0"/>
             </a:endParaRPr>
@@ -10606,11 +10865,25 @@
               <a:buNone/>
             </a:pPr>
             <a:r>
-              <a:rPr lang="pt-BR" dirty="0">
-                <a:latin typeface="Times New Roman" panose="02020603050405020304" pitchFamily="18" charset="0"/>
-                <a:cs typeface="Times New Roman" panose="02020603050405020304" pitchFamily="18" charset="0"/>
-              </a:rPr>
-              <a:t>[1] Site:</a:t>
+              <a:rPr lang="pt-BR" sz="2000" dirty="0">
+                <a:latin typeface="Times New Roman" panose="02020603050405020304" pitchFamily="18" charset="0"/>
+                <a:cs typeface="Times New Roman" panose="02020603050405020304" pitchFamily="18" charset="0"/>
+              </a:rPr>
+              <a:t>Os elementos não são armazenados em uma ordem específica e confiável; </a:t>
+            </a:r>
+            <a:r>
+              <a:rPr lang="pt-BR" sz="2000" b="1" dirty="0">
+                <a:latin typeface="Times New Roman" panose="02020603050405020304" pitchFamily="18" charset="0"/>
+                <a:cs typeface="Times New Roman" panose="02020603050405020304" pitchFamily="18" charset="0"/>
+              </a:rPr>
+              <a:t>Conjuntos não contém elementos repetidos</a:t>
+            </a:r>
+            <a:r>
+              <a:rPr lang="pt-BR" sz="2000" dirty="0">
+                <a:latin typeface="Times New Roman" panose="02020603050405020304" pitchFamily="18" charset="0"/>
+                <a:cs typeface="Times New Roman" panose="02020603050405020304" pitchFamily="18" charset="0"/>
+              </a:rPr>
+              <a:t>.</a:t>
             </a:r>
           </a:p>
           <a:p>
@@ -10618,108 +10891,140 @@
               <a:buNone/>
             </a:pPr>
             <a:r>
-              <a:rPr lang="pt-BR" dirty="0">
+              <a:rPr lang="da-DK" sz="2000" b="1" dirty="0">
+                <a:latin typeface="Times New Roman" panose="02020603050405020304" pitchFamily="18" charset="0"/>
+                <a:cs typeface="Times New Roman" panose="02020603050405020304" pitchFamily="18" charset="0"/>
+              </a:rPr>
+              <a:t>set</a:t>
+            </a:r>
+            <a:r>
+              <a:rPr lang="da-DK" sz="2000" dirty="0">
+                <a:latin typeface="Times New Roman" panose="02020603050405020304" pitchFamily="18" charset="0"/>
+                <a:cs typeface="Times New Roman" panose="02020603050405020304" pitchFamily="18" charset="0"/>
+              </a:rPr>
+              <a:t>([1, 2, 3, 4])</a:t>
+            </a:r>
+            <a:r>
+              <a:rPr lang="pt-BR" sz="2000" dirty="0">
+                <a:latin typeface="Times New Roman" panose="02020603050405020304" pitchFamily="18" charset="0"/>
+                <a:cs typeface="Times New Roman" panose="02020603050405020304" pitchFamily="18" charset="0"/>
+              </a:rPr>
+              <a:t> ou </a:t>
+            </a:r>
+            <a:r>
+              <a:rPr lang="pt-BR" sz="2000" b="1" dirty="0">
+                <a:latin typeface="Times New Roman" panose="02020603050405020304" pitchFamily="18" charset="0"/>
+                <a:cs typeface="Times New Roman" panose="02020603050405020304" pitchFamily="18" charset="0"/>
+              </a:rPr>
+              <a:t>s</a:t>
+            </a:r>
+            <a:r>
+              <a:rPr lang="pt-BR" sz="2000" dirty="0">
                 <a:latin typeface="Times New Roman" panose="02020603050405020304" pitchFamily="18" charset="0"/>
                 <a:cs typeface="Times New Roman" panose="02020603050405020304" pitchFamily="18" charset="0"/>
               </a:rPr>
               <a:t> </a:t>
             </a:r>
             <a:r>
-              <a:rPr lang="pt-BR" dirty="0">
-                <a:latin typeface="Times New Roman" panose="02020603050405020304" pitchFamily="18" charset="0"/>
-                <a:cs typeface="Times New Roman" panose="02020603050405020304" pitchFamily="18" charset="0"/>
-                <a:hlinkClick r:id="rId3"/>
-              </a:rPr>
-              <a:t>https://www.w3schools.com/python/python_variables.asp</a:t>
-            </a:r>
-            <a:endParaRPr lang="pt-BR" dirty="0">
+              <a:rPr lang="da-DK" sz="2000" dirty="0">
+                <a:latin typeface="Times New Roman" panose="02020603050405020304" pitchFamily="18" charset="0"/>
+                <a:cs typeface="Times New Roman" panose="02020603050405020304" pitchFamily="18" charset="0"/>
+              </a:rPr>
+              <a:t>= {1, 2, 3, 4}; </a:t>
+            </a:r>
+          </a:p>
+          <a:p>
+            <a:pPr marL="0" indent="0" algn="just">
+              <a:buNone/>
+            </a:pPr>
+            <a:r>
+              <a:rPr lang="da-DK" sz="2000" dirty="0">
+                <a:latin typeface="Times New Roman" panose="02020603050405020304" pitchFamily="18" charset="0"/>
+                <a:cs typeface="Times New Roman" panose="02020603050405020304" pitchFamily="18" charset="0"/>
+              </a:rPr>
+              <a:t>Ex.: </a:t>
+            </a:r>
+            <a:r>
+              <a:rPr lang="pt-BR" sz="2000" dirty="0">
+                <a:latin typeface="Times New Roman" panose="02020603050405020304" pitchFamily="18" charset="0"/>
+                <a:cs typeface="Times New Roman" panose="02020603050405020304" pitchFamily="18" charset="0"/>
+              </a:rPr>
+              <a:t>a</a:t>
+            </a:r>
+            <a:r>
+              <a:rPr lang="da-DK" sz="2000" dirty="0">
+                <a:latin typeface="Times New Roman" panose="02020603050405020304" pitchFamily="18" charset="0"/>
+                <a:cs typeface="Times New Roman" panose="02020603050405020304" pitchFamily="18" charset="0"/>
+              </a:rPr>
+              <a:t>={1, 2, 3, 4};  e </a:t>
+            </a:r>
+            <a:r>
+              <a:rPr lang="pt-BR" sz="2000" dirty="0">
+                <a:latin typeface="Times New Roman" panose="02020603050405020304" pitchFamily="18" charset="0"/>
+                <a:cs typeface="Times New Roman" panose="02020603050405020304" pitchFamily="18" charset="0"/>
+              </a:rPr>
+              <a:t>b</a:t>
+            </a:r>
+            <a:r>
+              <a:rPr lang="da-DK" sz="2000" dirty="0">
+                <a:latin typeface="Times New Roman" panose="02020603050405020304" pitchFamily="18" charset="0"/>
+                <a:cs typeface="Times New Roman" panose="02020603050405020304" pitchFamily="18" charset="0"/>
+              </a:rPr>
+              <a:t>={1, 5, 3, 7}; a.</a:t>
+            </a:r>
+            <a:r>
+              <a:rPr lang="da-DK" sz="2000" b="1" dirty="0">
+                <a:latin typeface="Times New Roman" panose="02020603050405020304" pitchFamily="18" charset="0"/>
+                <a:cs typeface="Times New Roman" panose="02020603050405020304" pitchFamily="18" charset="0"/>
+              </a:rPr>
+              <a:t>union</a:t>
+            </a:r>
+            <a:r>
+              <a:rPr lang="da-DK" sz="2000" dirty="0">
+                <a:latin typeface="Times New Roman" panose="02020603050405020304" pitchFamily="18" charset="0"/>
+                <a:cs typeface="Times New Roman" panose="02020603050405020304" pitchFamily="18" charset="0"/>
+              </a:rPr>
+              <a:t>(b); a. </a:t>
+            </a:r>
+            <a:r>
+              <a:rPr lang="da-DK" sz="2000" b="1" dirty="0">
+                <a:latin typeface="Times New Roman" panose="02020603050405020304" pitchFamily="18" charset="0"/>
+                <a:cs typeface="Times New Roman" panose="02020603050405020304" pitchFamily="18" charset="0"/>
+              </a:rPr>
+              <a:t>intersection</a:t>
+            </a:r>
+            <a:r>
+              <a:rPr lang="da-DK" sz="2000" dirty="0">
+                <a:latin typeface="Times New Roman" panose="02020603050405020304" pitchFamily="18" charset="0"/>
+                <a:cs typeface="Times New Roman" panose="02020603050405020304" pitchFamily="18" charset="0"/>
+              </a:rPr>
+              <a:t>(b); a. </a:t>
+            </a:r>
+            <a:r>
+              <a:rPr lang="da-DK" sz="2000" b="1" dirty="0">
+                <a:latin typeface="Times New Roman" panose="02020603050405020304" pitchFamily="18" charset="0"/>
+                <a:cs typeface="Times New Roman" panose="02020603050405020304" pitchFamily="18" charset="0"/>
+              </a:rPr>
+              <a:t>difference</a:t>
+            </a:r>
+            <a:r>
+              <a:rPr lang="da-DK" sz="2000" dirty="0">
+                <a:latin typeface="Times New Roman" panose="02020603050405020304" pitchFamily="18" charset="0"/>
+                <a:cs typeface="Times New Roman" panose="02020603050405020304" pitchFamily="18" charset="0"/>
+              </a:rPr>
+              <a:t>(b)</a:t>
+            </a:r>
+            <a:endParaRPr lang="pt-BR" sz="2000" dirty="0">
               <a:latin typeface="Times New Roman" panose="02020603050405020304" pitchFamily="18" charset="0"/>
               <a:cs typeface="Times New Roman" panose="02020603050405020304" pitchFamily="18" charset="0"/>
             </a:endParaRPr>
           </a:p>
-          <a:p>
-            <a:pPr marL="0" indent="0" algn="just">
-              <a:buNone/>
-            </a:pPr>
-            <a:endParaRPr lang="pt-BR" dirty="0">
-              <a:latin typeface="Times New Roman" panose="02020603050405020304" pitchFamily="18" charset="0"/>
-              <a:cs typeface="Times New Roman" panose="02020603050405020304" pitchFamily="18" charset="0"/>
-            </a:endParaRPr>
-          </a:p>
-          <a:p>
-            <a:pPr marL="0" indent="0" algn="just">
-              <a:buNone/>
-            </a:pPr>
-            <a:r>
-              <a:rPr lang="pt-BR" dirty="0">
-                <a:latin typeface="Times New Roman" panose="02020603050405020304" pitchFamily="18" charset="0"/>
-                <a:cs typeface="Times New Roman" panose="02020603050405020304" pitchFamily="18" charset="0"/>
-              </a:rPr>
-              <a:t>[2] Site: </a:t>
-            </a:r>
-            <a:r>
-              <a:rPr lang="pt-BR" dirty="0">
-                <a:latin typeface="Times New Roman" panose="02020603050405020304" pitchFamily="18" charset="0"/>
-                <a:cs typeface="Times New Roman" panose="02020603050405020304" pitchFamily="18" charset="0"/>
-                <a:hlinkClick r:id="rId4"/>
-              </a:rPr>
-              <a:t>https://docs.python.org/pt-br/3/tutorial/</a:t>
-            </a:r>
-            <a:endParaRPr lang="pt-BR" dirty="0">
-              <a:latin typeface="Times New Roman" panose="02020603050405020304" pitchFamily="18" charset="0"/>
-              <a:cs typeface="Times New Roman" panose="02020603050405020304" pitchFamily="18" charset="0"/>
-            </a:endParaRPr>
-          </a:p>
-          <a:p>
-            <a:pPr marL="0" indent="0" algn="just">
-              <a:buNone/>
-            </a:pPr>
-            <a:endParaRPr lang="pt-BR" dirty="0">
-              <a:latin typeface="Times New Roman" panose="02020603050405020304" pitchFamily="18" charset="0"/>
-              <a:cs typeface="Times New Roman" panose="02020603050405020304" pitchFamily="18" charset="0"/>
-            </a:endParaRPr>
-          </a:p>
-          <a:p>
-            <a:pPr marL="0" indent="0" algn="just">
-              <a:buNone/>
-            </a:pPr>
-            <a:endParaRPr lang="pt-BR" dirty="0">
-              <a:latin typeface="Times New Roman" panose="02020603050405020304" pitchFamily="18" charset="0"/>
-              <a:cs typeface="Times New Roman" panose="02020603050405020304" pitchFamily="18" charset="0"/>
-            </a:endParaRPr>
-          </a:p>
-          <a:p>
-            <a:pPr marL="0" indent="0" algn="just">
-              <a:buNone/>
-            </a:pPr>
-            <a:endParaRPr lang="pt-BR" dirty="0">
-              <a:latin typeface="Times New Roman" panose="02020603050405020304" pitchFamily="18" charset="0"/>
-              <a:cs typeface="Times New Roman" panose="02020603050405020304" pitchFamily="18" charset="0"/>
-            </a:endParaRPr>
-          </a:p>
-          <a:p>
-            <a:pPr marL="0" indent="0" algn="just">
-              <a:buNone/>
-            </a:pPr>
-            <a:endParaRPr lang="pt-BR" dirty="0">
-              <a:latin typeface="Times New Roman" panose="02020603050405020304" pitchFamily="18" charset="0"/>
-              <a:cs typeface="Times New Roman" panose="02020603050405020304" pitchFamily="18" charset="0"/>
-            </a:endParaRPr>
-          </a:p>
-          <a:p>
-            <a:pPr marL="0" indent="0" algn="just">
-              <a:buNone/>
-            </a:pPr>
-            <a:endParaRPr lang="pt-BR" dirty="0">
-              <a:latin typeface="Calibri" panose="020F0502020204030204" pitchFamily="34" charset="0"/>
-            </a:endParaRPr>
-          </a:p>
         </p:txBody>
       </p:sp>
     </p:spTree>
     <p:extLst>
       <p:ext uri="{BB962C8B-B14F-4D97-AF65-F5344CB8AC3E}">
-        <p14:creationId xmlns:p14="http://schemas.microsoft.com/office/powerpoint/2010/main" val="2747596967"/>
+        <p14:creationId xmlns:p14="http://schemas.microsoft.com/office/powerpoint/2010/main" val="1679403773"/>
       </p:ext>
     </p:extLst>
   </p:cSld>
@@ -10770,7 +11075,7 @@
                   <a:srgbClr val="0070C0"/>
                 </a:solidFill>
               </a:rPr>
-              <a:t>Aprenda</a:t>
+              <a:t>Leitura</a:t>
             </a:r>
             <a:r>
               <a:rPr lang="en-US" b="1" dirty="0">
@@ -10778,8 +11083,21 @@
                   <a:srgbClr val="0070C0"/>
                 </a:solidFill>
               </a:rPr>
-              <a:t>+</a:t>
-            </a:r>
+              <a:t> </a:t>
+            </a:r>
+            <a:r>
+              <a:rPr lang="en-US" b="1" dirty="0" err="1">
+                <a:solidFill>
+                  <a:srgbClr val="0070C0"/>
+                </a:solidFill>
+              </a:rPr>
+              <a:t>Específica</a:t>
+            </a:r>
+            <a:endParaRPr lang="en-US" b="1" dirty="0">
+              <a:solidFill>
+                <a:srgbClr val="0070C0"/>
+              </a:solidFill>
+            </a:endParaRPr>
           </a:p>
         </p:txBody>
       </p:sp>
@@ -10808,7 +11126,7 @@
             <a:pPr marL="0" indent="0" algn="just">
               <a:buNone/>
             </a:pPr>
-            <a:endParaRPr lang="pt-BR" sz="2000" dirty="0">
+            <a:endParaRPr lang="pt-BR" dirty="0">
               <a:latin typeface="Times New Roman" panose="02020603050405020304" pitchFamily="18" charset="0"/>
               <a:cs typeface="Times New Roman" panose="02020603050405020304" pitchFamily="18" charset="0"/>
             </a:endParaRPr>
@@ -10818,21 +11136,33 @@
               <a:buNone/>
             </a:pPr>
             <a:r>
-              <a:rPr lang="pt-BR" sz="2000" dirty="0">
-                <a:latin typeface="Times New Roman" panose="02020603050405020304" pitchFamily="18" charset="0"/>
-                <a:cs typeface="Times New Roman" panose="02020603050405020304" pitchFamily="18" charset="0"/>
-              </a:rPr>
-              <a:t>[1] </a:t>
-            </a:r>
-            <a:r>
-              <a:rPr lang="pt-BR" sz="2000" dirty="0">
+              <a:rPr lang="pt-BR" dirty="0">
+                <a:latin typeface="Times New Roman" panose="02020603050405020304" pitchFamily="18" charset="0"/>
+                <a:cs typeface="Times New Roman" panose="02020603050405020304" pitchFamily="18" charset="0"/>
+              </a:rPr>
+              <a:t>[1] Site:</a:t>
+            </a:r>
+          </a:p>
+          <a:p>
+            <a:pPr marL="0" indent="0" algn="just">
+              <a:buNone/>
+            </a:pPr>
+            <a:r>
+              <a:rPr lang="pt-BR" dirty="0">
+                <a:latin typeface="Times New Roman" panose="02020603050405020304" pitchFamily="18" charset="0"/>
+                <a:cs typeface="Times New Roman" panose="02020603050405020304" pitchFamily="18" charset="0"/>
+              </a:rPr>
+              <a:t> </a:t>
+            </a:r>
+            <a:r>
+              <a:rPr lang="pt-BR" dirty="0">
                 <a:latin typeface="Times New Roman" panose="02020603050405020304" pitchFamily="18" charset="0"/>
                 <a:cs typeface="Times New Roman" panose="02020603050405020304" pitchFamily="18" charset="0"/>
                 <a:hlinkClick r:id="rId3"/>
               </a:rPr>
-              <a:t>https://www.programiz.com/python-programming/variables-constants-literals</a:t>
-            </a:r>
-            <a:endParaRPr lang="pt-BR" sz="2000" dirty="0">
+              <a:t>https://www.w3schools.com/python/python_variables.asp</a:t>
+            </a:r>
+            <a:endParaRPr lang="pt-BR" dirty="0">
               <a:latin typeface="Times New Roman" panose="02020603050405020304" pitchFamily="18" charset="0"/>
               <a:cs typeface="Times New Roman" panose="02020603050405020304" pitchFamily="18" charset="0"/>
             </a:endParaRPr>
@@ -10841,7 +11171,7 @@
             <a:pPr marL="0" indent="0" algn="just">
               <a:buNone/>
             </a:pPr>
-            <a:endParaRPr lang="pt-BR" sz="2000" dirty="0">
+            <a:endParaRPr lang="pt-BR" dirty="0">
               <a:latin typeface="Times New Roman" panose="02020603050405020304" pitchFamily="18" charset="0"/>
               <a:cs typeface="Times New Roman" panose="02020603050405020304" pitchFamily="18" charset="0"/>
             </a:endParaRPr>
@@ -10851,21 +11181,21 @@
               <a:buNone/>
             </a:pPr>
             <a:r>
-              <a:rPr lang="pt-BR" sz="2000" dirty="0">
-                <a:latin typeface="Times New Roman" panose="02020603050405020304" pitchFamily="18" charset="0"/>
-                <a:cs typeface="Times New Roman" panose="02020603050405020304" pitchFamily="18" charset="0"/>
-              </a:rPr>
-              <a:t>[2] </a:t>
-            </a:r>
-            <a:r>
-              <a:rPr lang="pt-BR" sz="2000" dirty="0">
+              <a:rPr lang="pt-BR" dirty="0">
+                <a:latin typeface="Times New Roman" panose="02020603050405020304" pitchFamily="18" charset="0"/>
+                <a:cs typeface="Times New Roman" panose="02020603050405020304" pitchFamily="18" charset="0"/>
+              </a:rPr>
+              <a:t>[2] Site: </a:t>
+            </a:r>
+            <a:r>
+              <a:rPr lang="pt-BR" dirty="0">
                 <a:latin typeface="Times New Roman" panose="02020603050405020304" pitchFamily="18" charset="0"/>
                 <a:cs typeface="Times New Roman" panose="02020603050405020304" pitchFamily="18" charset="0"/>
                 <a:hlinkClick r:id="rId4"/>
               </a:rPr>
-              <a:t>https://www.programiz.com/python-programming/examples/swap-variables</a:t>
-            </a:r>
-            <a:endParaRPr lang="pt-BR" sz="2000" dirty="0">
+              <a:t>https://docs.python.org/pt-br/3/tutorial/</a:t>
+            </a:r>
+            <a:endParaRPr lang="pt-BR" dirty="0">
               <a:latin typeface="Times New Roman" panose="02020603050405020304" pitchFamily="18" charset="0"/>
               <a:cs typeface="Times New Roman" panose="02020603050405020304" pitchFamily="18" charset="0"/>
             </a:endParaRPr>
@@ -10874,7 +11204,7 @@
             <a:pPr marL="0" indent="0" algn="just">
               <a:buNone/>
             </a:pPr>
-            <a:endParaRPr lang="pt-BR" sz="2000" dirty="0">
+            <a:endParaRPr lang="pt-BR" dirty="0">
               <a:latin typeface="Times New Roman" panose="02020603050405020304" pitchFamily="18" charset="0"/>
               <a:cs typeface="Times New Roman" panose="02020603050405020304" pitchFamily="18" charset="0"/>
             </a:endParaRPr>
@@ -10883,48 +11213,7 @@
             <a:pPr marL="0" indent="0" algn="just">
               <a:buNone/>
             </a:pPr>
-            <a:r>
-              <a:rPr lang="pt-BR" sz="2000" dirty="0">
-                <a:latin typeface="Times New Roman" panose="02020603050405020304" pitchFamily="18" charset="0"/>
-                <a:cs typeface="Times New Roman" panose="02020603050405020304" pitchFamily="18" charset="0"/>
-              </a:rPr>
-              <a:t>- </a:t>
-            </a:r>
-            <a:r>
-              <a:rPr lang="pt-BR" sz="2000" dirty="0" err="1">
-                <a:latin typeface="Times New Roman" panose="02020603050405020304" pitchFamily="18" charset="0"/>
-                <a:cs typeface="Times New Roman" panose="02020603050405020304" pitchFamily="18" charset="0"/>
-              </a:rPr>
-              <a:t>Tuplas</a:t>
-            </a:r>
-            <a:r>
-              <a:rPr lang="pt-BR" sz="2000" dirty="0">
-                <a:latin typeface="Times New Roman" panose="02020603050405020304" pitchFamily="18" charset="0"/>
-                <a:cs typeface="Times New Roman" panose="02020603050405020304" pitchFamily="18" charset="0"/>
-              </a:rPr>
-              <a:t> Nomeadas</a:t>
-            </a:r>
-          </a:p>
-          <a:p>
-            <a:pPr marL="0" indent="0" algn="just">
-              <a:buNone/>
-            </a:pPr>
-            <a:r>
-              <a:rPr lang="pt-BR" sz="2000" dirty="0">
-                <a:latin typeface="Times New Roman" panose="02020603050405020304" pitchFamily="18" charset="0"/>
-                <a:cs typeface="Times New Roman" panose="02020603050405020304" pitchFamily="18" charset="0"/>
-              </a:rPr>
-              <a:t>[3] </a:t>
-            </a:r>
-            <a:r>
-              <a:rPr lang="pt-BR" sz="2000" dirty="0">
-                <a:latin typeface="Times New Roman" panose="02020603050405020304" pitchFamily="18" charset="0"/>
-                <a:cs typeface="Times New Roman" panose="02020603050405020304" pitchFamily="18" charset="0"/>
-                <a:hlinkClick r:id="rId5"/>
-              </a:rPr>
-              <a:t>https://www.youtube.com/watch?v=IkoaXbLsUg8</a:t>
-            </a:r>
-            <a:endParaRPr lang="pt-BR" sz="2000" dirty="0">
+            <a:endParaRPr lang="pt-BR" dirty="0">
               <a:latin typeface="Times New Roman" panose="02020603050405020304" pitchFamily="18" charset="0"/>
               <a:cs typeface="Times New Roman" panose="02020603050405020304" pitchFamily="18" charset="0"/>
             </a:endParaRPr>
@@ -10933,7 +11222,7 @@
             <a:pPr marL="0" indent="0" algn="just">
               <a:buNone/>
             </a:pPr>
-            <a:endParaRPr lang="pt-BR" sz="2000" dirty="0">
+            <a:endParaRPr lang="pt-BR" dirty="0">
               <a:latin typeface="Times New Roman" panose="02020603050405020304" pitchFamily="18" charset="0"/>
               <a:cs typeface="Times New Roman" panose="02020603050405020304" pitchFamily="18" charset="0"/>
             </a:endParaRPr>
@@ -10942,7 +11231,7 @@
             <a:pPr marL="0" indent="0" algn="just">
               <a:buNone/>
             </a:pPr>
-            <a:endParaRPr lang="pt-BR" sz="2000" dirty="0">
+            <a:endParaRPr lang="pt-BR" dirty="0">
               <a:latin typeface="Times New Roman" panose="02020603050405020304" pitchFamily="18" charset="0"/>
               <a:cs typeface="Times New Roman" panose="02020603050405020304" pitchFamily="18" charset="0"/>
             </a:endParaRPr>
@@ -10951,7 +11240,7 @@
             <a:pPr marL="0" indent="0" algn="just">
               <a:buNone/>
             </a:pPr>
-            <a:endParaRPr lang="pt-BR" sz="2000" dirty="0">
+            <a:endParaRPr lang="pt-BR" dirty="0">
               <a:latin typeface="Calibri" panose="020F0502020204030204" pitchFamily="34" charset="0"/>
             </a:endParaRPr>
           </a:p>
@@ -10960,7 +11249,7 @@
     </p:spTree>
     <p:extLst>
       <p:ext uri="{BB962C8B-B14F-4D97-AF65-F5344CB8AC3E}">
-        <p14:creationId xmlns:p14="http://schemas.microsoft.com/office/powerpoint/2010/main" val="3680270425"/>
+        <p14:creationId xmlns:p14="http://schemas.microsoft.com/office/powerpoint/2010/main" val="2747596967"/>
       </p:ext>
     </p:extLst>
   </p:cSld>
@@ -11011,7 +11300,7 @@
                   <a:srgbClr val="0070C0"/>
                 </a:solidFill>
               </a:rPr>
-              <a:t>Dinâmica</a:t>
+              <a:t>Aprenda</a:t>
             </a:r>
             <a:r>
               <a:rPr lang="en-US" b="1" dirty="0">
@@ -11019,21 +11308,8 @@
                   <a:srgbClr val="0070C0"/>
                 </a:solidFill>
               </a:rPr>
-              <a:t>/</a:t>
-            </a:r>
-            <a:r>
-              <a:rPr lang="en-US" b="1" dirty="0" err="1">
-                <a:solidFill>
-                  <a:srgbClr val="0070C0"/>
-                </a:solidFill>
-              </a:rPr>
-              <a:t>Atividades</a:t>
-            </a:r>
-            <a:endParaRPr lang="en-US" b="1" dirty="0">
-              <a:solidFill>
-                <a:srgbClr val="0070C0"/>
-              </a:solidFill>
-            </a:endParaRPr>
+              <a:t>+</a:t>
+            </a:r>
           </a:p>
         </p:txBody>
       </p:sp>
@@ -11049,8 +11325,8 @@
         </p:nvSpPr>
         <p:spPr>
           <a:xfrm>
-            <a:off x="139472" y="1063230"/>
-            <a:ext cx="8865056" cy="3606305"/>
+            <a:off x="142865" y="1200151"/>
+            <a:ext cx="8865056" cy="3394472"/>
           </a:xfrm>
         </p:spPr>
         <p:txBody>
@@ -11059,36 +11335,162 @@
           </a:bodyPr>
           <a:lstStyle/>
           <a:p>
-            <a:pPr algn="just">
-              <a:buFontTx/>
-              <a:buChar char="-"/>
+            <a:pPr marL="0" indent="0" algn="just">
+              <a:buNone/>
             </a:pPr>
-            <a:r>
-              <a:rPr lang="pt-BR" dirty="0">
-                <a:latin typeface="Times New Roman" panose="02020603050405020304" pitchFamily="18" charset="0"/>
-                <a:cs typeface="Times New Roman" panose="02020603050405020304" pitchFamily="18" charset="0"/>
-              </a:rPr>
-              <a:t>Exercícios de Fixação</a:t>
-            </a:r>
+            <a:endParaRPr lang="pt-BR" sz="2000" dirty="0">
+              <a:latin typeface="Times New Roman" panose="02020603050405020304" pitchFamily="18" charset="0"/>
+              <a:cs typeface="Times New Roman" panose="02020603050405020304" pitchFamily="18" charset="0"/>
+            </a:endParaRPr>
           </a:p>
           <a:p>
             <a:pPr marL="0" indent="0" algn="just">
               <a:buNone/>
             </a:pPr>
             <a:r>
-              <a:rPr lang="pt-BR" dirty="0">
-                <a:latin typeface="Times New Roman" panose="02020603050405020304" pitchFamily="18" charset="0"/>
-                <a:cs typeface="Times New Roman" panose="02020603050405020304" pitchFamily="18" charset="0"/>
-              </a:rPr>
-              <a:t>	Desafios em Sala de Aula.</a:t>
-            </a:r>
+              <a:rPr lang="pt-BR" sz="2000" dirty="0">
+                <a:latin typeface="Times New Roman" panose="02020603050405020304" pitchFamily="18" charset="0"/>
+                <a:cs typeface="Times New Roman" panose="02020603050405020304" pitchFamily="18" charset="0"/>
+              </a:rPr>
+              <a:t>[1] </a:t>
+            </a:r>
+            <a:r>
+              <a:rPr lang="pt-BR" sz="2000" dirty="0">
+                <a:latin typeface="Times New Roman" panose="02020603050405020304" pitchFamily="18" charset="0"/>
+                <a:cs typeface="Times New Roman" panose="02020603050405020304" pitchFamily="18" charset="0"/>
+                <a:hlinkClick r:id="rId3"/>
+              </a:rPr>
+              <a:t>https://www.programiz.com/python-programming/variables-constants-literals</a:t>
+            </a:r>
+            <a:endParaRPr lang="pt-BR" sz="2000" dirty="0">
+              <a:latin typeface="Times New Roman" panose="02020603050405020304" pitchFamily="18" charset="0"/>
+              <a:cs typeface="Times New Roman" panose="02020603050405020304" pitchFamily="18" charset="0"/>
+            </a:endParaRPr>
+          </a:p>
+          <a:p>
+            <a:pPr marL="0" indent="0" algn="just">
+              <a:buNone/>
+            </a:pPr>
+            <a:endParaRPr lang="pt-BR" sz="2000" dirty="0">
+              <a:latin typeface="Times New Roman" panose="02020603050405020304" pitchFamily="18" charset="0"/>
+              <a:cs typeface="Times New Roman" panose="02020603050405020304" pitchFamily="18" charset="0"/>
+            </a:endParaRPr>
+          </a:p>
+          <a:p>
+            <a:pPr marL="0" indent="0" algn="just">
+              <a:buNone/>
+            </a:pPr>
+            <a:r>
+              <a:rPr lang="pt-BR" sz="2000" dirty="0">
+                <a:latin typeface="Times New Roman" panose="02020603050405020304" pitchFamily="18" charset="0"/>
+                <a:cs typeface="Times New Roman" panose="02020603050405020304" pitchFamily="18" charset="0"/>
+              </a:rPr>
+              <a:t>[2] </a:t>
+            </a:r>
+            <a:r>
+              <a:rPr lang="pt-BR" sz="2000" dirty="0">
+                <a:latin typeface="Times New Roman" panose="02020603050405020304" pitchFamily="18" charset="0"/>
+                <a:cs typeface="Times New Roman" panose="02020603050405020304" pitchFamily="18" charset="0"/>
+                <a:hlinkClick r:id="rId4"/>
+              </a:rPr>
+              <a:t>https://www.programiz.com/python-programming/examples/swap-variables</a:t>
+            </a:r>
+            <a:endParaRPr lang="pt-BR" sz="2000" dirty="0">
+              <a:latin typeface="Times New Roman" panose="02020603050405020304" pitchFamily="18" charset="0"/>
+              <a:cs typeface="Times New Roman" panose="02020603050405020304" pitchFamily="18" charset="0"/>
+            </a:endParaRPr>
+          </a:p>
+          <a:p>
+            <a:pPr marL="0" indent="0" algn="just">
+              <a:buNone/>
+            </a:pPr>
+            <a:endParaRPr lang="pt-BR" sz="2000" dirty="0">
+              <a:latin typeface="Times New Roman" panose="02020603050405020304" pitchFamily="18" charset="0"/>
+              <a:cs typeface="Times New Roman" panose="02020603050405020304" pitchFamily="18" charset="0"/>
+            </a:endParaRPr>
+          </a:p>
+          <a:p>
+            <a:pPr marL="0" indent="0" algn="just">
+              <a:buNone/>
+            </a:pPr>
+            <a:r>
+              <a:rPr lang="pt-BR" sz="2000" dirty="0">
+                <a:latin typeface="Times New Roman" panose="02020603050405020304" pitchFamily="18" charset="0"/>
+                <a:cs typeface="Times New Roman" panose="02020603050405020304" pitchFamily="18" charset="0"/>
+              </a:rPr>
+              <a:t>- </a:t>
+            </a:r>
+            <a:r>
+              <a:rPr lang="pt-BR" sz="2000" dirty="0" err="1">
+                <a:latin typeface="Times New Roman" panose="02020603050405020304" pitchFamily="18" charset="0"/>
+                <a:cs typeface="Times New Roman" panose="02020603050405020304" pitchFamily="18" charset="0"/>
+              </a:rPr>
+              <a:t>Tuplas</a:t>
+            </a:r>
+            <a:r>
+              <a:rPr lang="pt-BR" sz="2000" dirty="0">
+                <a:latin typeface="Times New Roman" panose="02020603050405020304" pitchFamily="18" charset="0"/>
+                <a:cs typeface="Times New Roman" panose="02020603050405020304" pitchFamily="18" charset="0"/>
+              </a:rPr>
+              <a:t> Nomeadas</a:t>
+            </a:r>
+          </a:p>
+          <a:p>
+            <a:pPr marL="0" indent="0" algn="just">
+              <a:buNone/>
+            </a:pPr>
+            <a:r>
+              <a:rPr lang="pt-BR" sz="2000" dirty="0">
+                <a:latin typeface="Times New Roman" panose="02020603050405020304" pitchFamily="18" charset="0"/>
+                <a:cs typeface="Times New Roman" panose="02020603050405020304" pitchFamily="18" charset="0"/>
+              </a:rPr>
+              <a:t>[3] </a:t>
+            </a:r>
+            <a:r>
+              <a:rPr lang="pt-BR" sz="2000" dirty="0">
+                <a:latin typeface="Times New Roman" panose="02020603050405020304" pitchFamily="18" charset="0"/>
+                <a:cs typeface="Times New Roman" panose="02020603050405020304" pitchFamily="18" charset="0"/>
+                <a:hlinkClick r:id="rId5"/>
+              </a:rPr>
+              <a:t>https://www.youtube.com/watch?v=IkoaXbLsUg8</a:t>
+            </a:r>
+            <a:endParaRPr lang="pt-BR" sz="2000" dirty="0">
+              <a:latin typeface="Times New Roman" panose="02020603050405020304" pitchFamily="18" charset="0"/>
+              <a:cs typeface="Times New Roman" panose="02020603050405020304" pitchFamily="18" charset="0"/>
+            </a:endParaRPr>
+          </a:p>
+          <a:p>
+            <a:pPr marL="0" indent="0" algn="just">
+              <a:buNone/>
+            </a:pPr>
+            <a:endParaRPr lang="pt-BR" sz="2000" dirty="0">
+              <a:latin typeface="Times New Roman" panose="02020603050405020304" pitchFamily="18" charset="0"/>
+              <a:cs typeface="Times New Roman" panose="02020603050405020304" pitchFamily="18" charset="0"/>
+            </a:endParaRPr>
+          </a:p>
+          <a:p>
+            <a:pPr marL="0" indent="0" algn="just">
+              <a:buNone/>
+            </a:pPr>
+            <a:endParaRPr lang="pt-BR" sz="2000" dirty="0">
+              <a:latin typeface="Times New Roman" panose="02020603050405020304" pitchFamily="18" charset="0"/>
+              <a:cs typeface="Times New Roman" panose="02020603050405020304" pitchFamily="18" charset="0"/>
+            </a:endParaRPr>
+          </a:p>
+          <a:p>
+            <a:pPr marL="0" indent="0" algn="just">
+              <a:buNone/>
+            </a:pPr>
+            <a:endParaRPr lang="pt-BR" sz="2000" dirty="0">
+              <a:latin typeface="Calibri" panose="020F0502020204030204" pitchFamily="34" charset="0"/>
+            </a:endParaRPr>
           </a:p>
         </p:txBody>
       </p:sp>
     </p:spTree>
     <p:extLst>
       <p:ext uri="{BB962C8B-B14F-4D97-AF65-F5344CB8AC3E}">
-        <p14:creationId xmlns:p14="http://schemas.microsoft.com/office/powerpoint/2010/main" val="2470652989"/>
+        <p14:creationId xmlns:p14="http://schemas.microsoft.com/office/powerpoint/2010/main" val="3680270425"/>
       </p:ext>
     </p:extLst>
   </p:cSld>
@@ -11139,6 +11541,134 @@
                   <a:srgbClr val="0070C0"/>
                 </a:solidFill>
               </a:rPr>
+              <a:t>Dinâmica</a:t>
+            </a:r>
+            <a:r>
+              <a:rPr lang="en-US" b="1" dirty="0">
+                <a:solidFill>
+                  <a:srgbClr val="0070C0"/>
+                </a:solidFill>
+              </a:rPr>
+              <a:t>/</a:t>
+            </a:r>
+            <a:r>
+              <a:rPr lang="en-US" b="1" dirty="0" err="1">
+                <a:solidFill>
+                  <a:srgbClr val="0070C0"/>
+                </a:solidFill>
+              </a:rPr>
+              <a:t>Atividades</a:t>
+            </a:r>
+            <a:endParaRPr lang="en-US" b="1" dirty="0">
+              <a:solidFill>
+                <a:srgbClr val="0070C0"/>
+              </a:solidFill>
+            </a:endParaRPr>
+          </a:p>
+        </p:txBody>
+      </p:sp>
+      <p:sp>
+        <p:nvSpPr>
+          <p:cNvPr id="8" name="Text Placeholder 2"/>
+          <p:cNvSpPr>
+            <a:spLocks noGrp="1"/>
+          </p:cNvSpPr>
+          <p:nvPr>
+            <p:ph type="body" sz="half" idx="1"/>
+          </p:nvPr>
+        </p:nvSpPr>
+        <p:spPr>
+          <a:xfrm>
+            <a:off x="139472" y="1063230"/>
+            <a:ext cx="8865056" cy="3606305"/>
+          </a:xfrm>
+        </p:spPr>
+        <p:txBody>
+          <a:bodyPr>
+            <a:noAutofit/>
+          </a:bodyPr>
+          <a:lstStyle/>
+          <a:p>
+            <a:pPr algn="just">
+              <a:buFontTx/>
+              <a:buChar char="-"/>
+            </a:pPr>
+            <a:r>
+              <a:rPr lang="pt-BR" dirty="0">
+                <a:latin typeface="Times New Roman" panose="02020603050405020304" pitchFamily="18" charset="0"/>
+                <a:cs typeface="Times New Roman" panose="02020603050405020304" pitchFamily="18" charset="0"/>
+              </a:rPr>
+              <a:t>Exercícios de Fixação</a:t>
+            </a:r>
+          </a:p>
+          <a:p>
+            <a:pPr marL="0" indent="0" algn="just">
+              <a:buNone/>
+            </a:pPr>
+            <a:r>
+              <a:rPr lang="pt-BR" dirty="0">
+                <a:latin typeface="Times New Roman" panose="02020603050405020304" pitchFamily="18" charset="0"/>
+                <a:cs typeface="Times New Roman" panose="02020603050405020304" pitchFamily="18" charset="0"/>
+              </a:rPr>
+              <a:t>	Desafios em Sala de Aula.</a:t>
+            </a:r>
+          </a:p>
+        </p:txBody>
+      </p:sp>
+    </p:spTree>
+    <p:extLst>
+      <p:ext uri="{BB962C8B-B14F-4D97-AF65-F5344CB8AC3E}">
+        <p14:creationId xmlns:p14="http://schemas.microsoft.com/office/powerpoint/2010/main" val="2470652989"/>
+      </p:ext>
+    </p:extLst>
+  </p:cSld>
+  <p:clrMapOvr>
+    <a:masterClrMapping/>
+  </p:clrMapOvr>
+  <p:transition spd="med"/>
+</p:sld>
+</file>
+
+<file path=ppt/slides/slide24.xml><?xml version="1.0" encoding="utf-8"?>
+<p:sld xmlns:a="http://schemas.openxmlformats.org/drawingml/2006/main" xmlns:r="http://schemas.openxmlformats.org/officeDocument/2006/relationships" xmlns:p="http://schemas.openxmlformats.org/presentationml/2006/main">
+  <p:cSld>
+    <p:spTree>
+      <p:nvGrpSpPr>
+        <p:cNvPr id="1" name=""/>
+        <p:cNvGrpSpPr/>
+        <p:nvPr/>
+      </p:nvGrpSpPr>
+      <p:grpSpPr>
+        <a:xfrm>
+          <a:off x="0" y="0"/>
+          <a:ext cx="0" cy="0"/>
+          <a:chOff x="0" y="0"/>
+          <a:chExt cx="0" cy="0"/>
+        </a:xfrm>
+      </p:grpSpPr>
+      <p:sp>
+        <p:nvSpPr>
+          <p:cNvPr id="6" name="Title 1"/>
+          <p:cNvSpPr>
+            <a:spLocks noGrp="1"/>
+          </p:cNvSpPr>
+          <p:nvPr>
+            <p:ph type="title"/>
+          </p:nvPr>
+        </p:nvSpPr>
+        <p:spPr/>
+        <p:txBody>
+          <a:bodyPr>
+            <a:normAutofit/>
+          </a:bodyPr>
+          <a:lstStyle/>
+          <a:p>
+            <a:r>
+              <a:rPr lang="en-US" b="1" dirty="0" err="1">
+                <a:solidFill>
+                  <a:srgbClr val="0070C0"/>
+                </a:solidFill>
+              </a:rPr>
               <a:t>Referências</a:t>
             </a:r>
             <a:r>
@@ -11300,7 +11830,7 @@
 </p:sld>
 </file>
 
-<file path=ppt/slides/slide24.xml><?xml version="1.0" encoding="utf-8"?>
+<file path=ppt/slides/slide25.xml><?xml version="1.0" encoding="utf-8"?>
 <p:sld xmlns:a="http://schemas.openxmlformats.org/drawingml/2006/main" xmlns:r="http://schemas.openxmlformats.org/officeDocument/2006/relationships" xmlns:p="http://schemas.openxmlformats.org/presentationml/2006/main">
   <p:cSld>
     <p:spTree>
@@ -12358,14 +12888,14 @@
               <a:buNone/>
             </a:pPr>
             <a:r>
-              <a:rPr lang="pt-BR" sz="2000" b="1" dirty="0">
+              <a:rPr lang="pt-BR" sz="2400" b="1" dirty="0">
                 <a:solidFill>
                   <a:srgbClr val="FF0000"/>
                 </a:solidFill>
                 <a:latin typeface="Times New Roman" panose="02020603050405020304" pitchFamily="18" charset="0"/>
                 <a:cs typeface="Times New Roman" panose="02020603050405020304" pitchFamily="18" charset="0"/>
               </a:rPr>
-              <a:t>Podem guardar dados de tipos diferentes (Métodos)</a:t>
+              <a:t>Podem guardar dados de tipos diferentes</a:t>
             </a:r>
           </a:p>
           <a:p>
@@ -12373,7 +12903,22 @@
               <a:buNone/>
             </a:pPr>
             <a:r>
-              <a:rPr lang="pt-BR" sz="2000" dirty="0">
+              <a:rPr lang="pt-BR" sz="2400" b="1" dirty="0">
+                <a:solidFill>
+                  <a:srgbClr val="0070C0"/>
+                </a:solidFill>
+                <a:latin typeface="Times New Roman" panose="02020603050405020304" pitchFamily="18" charset="0"/>
+                <a:cs typeface="Times New Roman" panose="02020603050405020304" pitchFamily="18" charset="0"/>
+              </a:rPr>
+              <a:t>- MÉTODOS</a:t>
+            </a:r>
+          </a:p>
+          <a:p>
+            <a:pPr marL="0" indent="0" algn="just">
+              <a:buNone/>
+            </a:pPr>
+            <a:r>
+              <a:rPr lang="pt-BR" sz="2400" dirty="0">
                 <a:solidFill>
                   <a:schemeClr val="tx1"/>
                 </a:solidFill>
@@ -12383,7 +12928,7 @@
               <a:t>– Pode ser </a:t>
             </a:r>
             <a:r>
-              <a:rPr lang="pt-BR" sz="2000" b="1" dirty="0">
+              <a:rPr lang="pt-BR" sz="2400" b="1" dirty="0">
                 <a:solidFill>
                   <a:srgbClr val="FF0000"/>
                 </a:solidFill>
@@ -12393,14 +12938,44 @@
               <a:t>criadas</a:t>
             </a:r>
             <a:r>
-              <a:rPr lang="pt-BR" sz="2000" dirty="0">
-                <a:solidFill>
-                  <a:schemeClr val="tx1"/>
-                </a:solidFill>
-                <a:latin typeface="Times New Roman" panose="02020603050405020304" pitchFamily="18" charset="0"/>
-                <a:cs typeface="Times New Roman" panose="02020603050405020304" pitchFamily="18" charset="0"/>
-              </a:rPr>
-              <a:t> com ou sem elementos</a:t>
+              <a:rPr lang="pt-BR" sz="2400" dirty="0">
+                <a:solidFill>
+                  <a:schemeClr val="tx1"/>
+                </a:solidFill>
+                <a:latin typeface="Times New Roman" panose="02020603050405020304" pitchFamily="18" charset="0"/>
+                <a:cs typeface="Times New Roman" panose="02020603050405020304" pitchFamily="18" charset="0"/>
+              </a:rPr>
+              <a:t> com ou sem elementos, (</a:t>
+            </a:r>
+            <a:r>
+              <a:rPr lang="pt-BR" sz="2400" b="1" dirty="0">
+                <a:solidFill>
+                  <a:srgbClr val="FF0000"/>
+                </a:solidFill>
+                <a:latin typeface="Times New Roman" panose="02020603050405020304" pitchFamily="18" charset="0"/>
+                <a:cs typeface="Times New Roman" panose="02020603050405020304" pitchFamily="18" charset="0"/>
+              </a:rPr>
+              <a:t>lista = []</a:t>
+            </a:r>
+            <a:r>
+              <a:rPr lang="pt-BR" sz="2400" dirty="0">
+                <a:solidFill>
+                  <a:schemeClr val="tx1"/>
+                </a:solidFill>
+                <a:latin typeface="Times New Roman" panose="02020603050405020304" pitchFamily="18" charset="0"/>
+                <a:cs typeface="Times New Roman" panose="02020603050405020304" pitchFamily="18" charset="0"/>
+              </a:rPr>
+              <a:t> ou </a:t>
+            </a:r>
+            <a:r>
+              <a:rPr lang="pt-BR" sz="2400" b="1" dirty="0">
+                <a:solidFill>
+                  <a:srgbClr val="FF0000"/>
+                </a:solidFill>
+                <a:latin typeface="Times New Roman" panose="02020603050405020304" pitchFamily="18" charset="0"/>
+                <a:cs typeface="Times New Roman" panose="02020603050405020304" pitchFamily="18" charset="0"/>
+              </a:rPr>
+              <a:t>lista[4, 8, 2])</a:t>
             </a:r>
           </a:p>
           <a:p>
@@ -12408,202 +12983,266 @@
               <a:buNone/>
             </a:pPr>
             <a:r>
-              <a:rPr lang="pt-BR" sz="2000" dirty="0">
-                <a:solidFill>
-                  <a:schemeClr val="tx1"/>
-                </a:solidFill>
-                <a:latin typeface="Times New Roman" panose="02020603050405020304" pitchFamily="18" charset="0"/>
-                <a:cs typeface="Times New Roman" panose="02020603050405020304" pitchFamily="18" charset="0"/>
-              </a:rPr>
-              <a:t>– Podemos adicionar elementos com </a:t>
-            </a:r>
-            <a:r>
-              <a:rPr lang="pt-BR" sz="2000" b="1" dirty="0" err="1">
+              <a:rPr lang="pt-BR" sz="2400" dirty="0">
+                <a:solidFill>
+                  <a:schemeClr val="tx1"/>
+                </a:solidFill>
+                <a:latin typeface="Times New Roman" panose="02020603050405020304" pitchFamily="18" charset="0"/>
+                <a:cs typeface="Times New Roman" panose="02020603050405020304" pitchFamily="18" charset="0"/>
+              </a:rPr>
+              <a:t>– Podemos </a:t>
+            </a:r>
+            <a:r>
+              <a:rPr lang="pt-BR" sz="2400" b="1" dirty="0">
                 <a:solidFill>
                   <a:srgbClr val="FF0000"/>
                 </a:solidFill>
                 <a:latin typeface="Times New Roman" panose="02020603050405020304" pitchFamily="18" charset="0"/>
                 <a:cs typeface="Times New Roman" panose="02020603050405020304" pitchFamily="18" charset="0"/>
               </a:rPr>
-              <a:t>append</a:t>
-            </a:r>
-            <a:r>
-              <a:rPr lang="pt-BR" sz="2000" b="1" dirty="0">
+              <a:t>modificar</a:t>
+            </a:r>
+            <a:r>
+              <a:rPr lang="pt-BR" sz="2400" dirty="0">
+                <a:solidFill>
+                  <a:schemeClr val="tx1"/>
+                </a:solidFill>
+                <a:latin typeface="Times New Roman" panose="02020603050405020304" pitchFamily="18" charset="0"/>
+                <a:cs typeface="Times New Roman" panose="02020603050405020304" pitchFamily="18" charset="0"/>
+              </a:rPr>
+              <a:t> um elemento da lista, (</a:t>
+            </a:r>
+            <a:r>
+              <a:rPr lang="pt-BR" sz="2400" b="1" dirty="0">
                 <a:solidFill>
                   <a:srgbClr val="FF0000"/>
                 </a:solidFill>
                 <a:latin typeface="Times New Roman" panose="02020603050405020304" pitchFamily="18" charset="0"/>
                 <a:cs typeface="Times New Roman" panose="02020603050405020304" pitchFamily="18" charset="0"/>
               </a:rPr>
-              <a:t>, </a:t>
-            </a:r>
-            <a:r>
-              <a:rPr lang="pt-BR" sz="2000" b="1" dirty="0" err="1">
+              <a:t>lista[1] = 9</a:t>
+            </a:r>
+            <a:r>
+              <a:rPr lang="pt-BR" sz="2400" dirty="0">
+                <a:solidFill>
+                  <a:schemeClr val="tx1"/>
+                </a:solidFill>
+                <a:latin typeface="Times New Roman" panose="02020603050405020304" pitchFamily="18" charset="0"/>
+                <a:cs typeface="Times New Roman" panose="02020603050405020304" pitchFamily="18" charset="0"/>
+              </a:rPr>
+              <a:t>)</a:t>
+            </a:r>
+          </a:p>
+          <a:p>
+            <a:pPr marL="0" indent="0" algn="just">
+              <a:buNone/>
+            </a:pPr>
+            <a:r>
+              <a:rPr lang="pt-BR" sz="2400" dirty="0">
+                <a:solidFill>
+                  <a:schemeClr val="tx1"/>
+                </a:solidFill>
+                <a:latin typeface="Times New Roman" panose="02020603050405020304" pitchFamily="18" charset="0"/>
+                <a:cs typeface="Times New Roman" panose="02020603050405020304" pitchFamily="18" charset="0"/>
+              </a:rPr>
+              <a:t>– Podemos </a:t>
+            </a:r>
+            <a:r>
+              <a:rPr lang="pt-BR" sz="2400" b="1" dirty="0">
                 <a:solidFill>
                   <a:srgbClr val="FF0000"/>
                 </a:solidFill>
                 <a:latin typeface="Times New Roman" panose="02020603050405020304" pitchFamily="18" charset="0"/>
                 <a:cs typeface="Times New Roman" panose="02020603050405020304" pitchFamily="18" charset="0"/>
               </a:rPr>
-              <a:t>insert</a:t>
-            </a:r>
-            <a:endParaRPr lang="pt-BR" sz="2000" b="1" dirty="0">
+              <a:t>imprimir </a:t>
+            </a:r>
+            <a:r>
+              <a:rPr lang="pt-BR" sz="2400" dirty="0">
+                <a:solidFill>
+                  <a:schemeClr val="tx1"/>
+                </a:solidFill>
+                <a:latin typeface="Times New Roman" panose="02020603050405020304" pitchFamily="18" charset="0"/>
+                <a:cs typeface="Times New Roman" panose="02020603050405020304" pitchFamily="18" charset="0"/>
+              </a:rPr>
+              <a:t>a lista, (</a:t>
+            </a:r>
+            <a:r>
+              <a:rPr lang="pt-BR" sz="2400" b="1" dirty="0">
+                <a:latin typeface="Times New Roman" panose="02020603050405020304" pitchFamily="18" charset="0"/>
+                <a:cs typeface="Times New Roman" panose="02020603050405020304" pitchFamily="18" charset="0"/>
+              </a:rPr>
+              <a:t>print</a:t>
+            </a:r>
+            <a:r>
+              <a:rPr lang="pt-BR" sz="2400" b="1" dirty="0">
+                <a:solidFill>
+                  <a:srgbClr val="FF0000"/>
+                </a:solidFill>
+                <a:latin typeface="Times New Roman" panose="02020603050405020304" pitchFamily="18" charset="0"/>
+                <a:cs typeface="Times New Roman" panose="02020603050405020304" pitchFamily="18" charset="0"/>
+              </a:rPr>
+              <a:t>(lista)</a:t>
+            </a:r>
+            <a:r>
+              <a:rPr lang="pt-BR" sz="2400" dirty="0">
+                <a:solidFill>
+                  <a:schemeClr val="tx1"/>
+                </a:solidFill>
+                <a:latin typeface="Times New Roman" panose="02020603050405020304" pitchFamily="18" charset="0"/>
+                <a:cs typeface="Times New Roman" panose="02020603050405020304" pitchFamily="18" charset="0"/>
+              </a:rPr>
+              <a:t>)</a:t>
+            </a:r>
+          </a:p>
+          <a:p>
+            <a:pPr marL="0" indent="0" algn="just">
+              <a:buNone/>
+            </a:pPr>
+            <a:r>
+              <a:rPr lang="pt-BR" sz="2400" dirty="0">
+                <a:solidFill>
+                  <a:schemeClr val="tx1"/>
+                </a:solidFill>
+                <a:latin typeface="Times New Roman" panose="02020603050405020304" pitchFamily="18" charset="0"/>
+                <a:cs typeface="Times New Roman" panose="02020603050405020304" pitchFamily="18" charset="0"/>
+              </a:rPr>
+              <a:t>– Podemos </a:t>
+            </a:r>
+            <a:r>
+              <a:rPr lang="pt-BR" sz="2400" b="1" dirty="0">
+                <a:solidFill>
+                  <a:srgbClr val="FF0000"/>
+                </a:solidFill>
+                <a:latin typeface="Times New Roman" panose="02020603050405020304" pitchFamily="18" charset="0"/>
+                <a:cs typeface="Times New Roman" panose="02020603050405020304" pitchFamily="18" charset="0"/>
+              </a:rPr>
+              <a:t>percorrer</a:t>
+            </a:r>
+            <a:r>
+              <a:rPr lang="pt-BR" sz="2400" dirty="0">
+                <a:solidFill>
+                  <a:schemeClr val="tx1"/>
+                </a:solidFill>
+                <a:latin typeface="Times New Roman" panose="02020603050405020304" pitchFamily="18" charset="0"/>
+                <a:cs typeface="Times New Roman" panose="02020603050405020304" pitchFamily="18" charset="0"/>
+              </a:rPr>
+              <a:t> elementos da lista, (</a:t>
+            </a:r>
+            <a:r>
+              <a:rPr lang="pt-BR" sz="2400" b="1" dirty="0">
+                <a:solidFill>
+                  <a:srgbClr val="FF0000"/>
+                </a:solidFill>
+                <a:latin typeface="Times New Roman" panose="02020603050405020304" pitchFamily="18" charset="0"/>
+                <a:cs typeface="Times New Roman" panose="02020603050405020304" pitchFamily="18" charset="0"/>
+              </a:rPr>
+              <a:t>for</a:t>
+            </a:r>
+            <a:r>
+              <a:rPr lang="pt-BR" sz="2400" dirty="0">
+                <a:solidFill>
+                  <a:schemeClr val="tx1"/>
+                </a:solidFill>
+                <a:latin typeface="Times New Roman" panose="02020603050405020304" pitchFamily="18" charset="0"/>
+                <a:cs typeface="Times New Roman" panose="02020603050405020304" pitchFamily="18" charset="0"/>
+              </a:rPr>
+              <a:t> ou </a:t>
+            </a:r>
+            <a:r>
+              <a:rPr lang="pt-BR" sz="2400" b="1" dirty="0" err="1">
+                <a:solidFill>
+                  <a:srgbClr val="FF0000"/>
+                </a:solidFill>
+                <a:latin typeface="Times New Roman" panose="02020603050405020304" pitchFamily="18" charset="0"/>
+                <a:cs typeface="Times New Roman" panose="02020603050405020304" pitchFamily="18" charset="0"/>
+              </a:rPr>
+              <a:t>while</a:t>
+            </a:r>
+            <a:r>
+              <a:rPr lang="pt-BR" sz="2400" dirty="0">
+                <a:solidFill>
+                  <a:schemeClr val="tx1"/>
+                </a:solidFill>
+                <a:latin typeface="Times New Roman" panose="02020603050405020304" pitchFamily="18" charset="0"/>
+                <a:cs typeface="Times New Roman" panose="02020603050405020304" pitchFamily="18" charset="0"/>
+              </a:rPr>
+              <a:t>).</a:t>
+            </a:r>
+          </a:p>
+          <a:p>
+            <a:pPr marL="0" indent="0" algn="just">
+              <a:buNone/>
+            </a:pPr>
+            <a:r>
+              <a:rPr lang="pt-BR" sz="2400" dirty="0">
+                <a:solidFill>
+                  <a:schemeClr val="tx1"/>
+                </a:solidFill>
+                <a:latin typeface="Times New Roman" panose="02020603050405020304" pitchFamily="18" charset="0"/>
+                <a:cs typeface="Times New Roman" panose="02020603050405020304" pitchFamily="18" charset="0"/>
+              </a:rPr>
+              <a:t>– Podemos </a:t>
+            </a:r>
+            <a:r>
+              <a:rPr lang="pt-BR" sz="2400" b="1" dirty="0">
+                <a:solidFill>
+                  <a:srgbClr val="FF0000"/>
+                </a:solidFill>
+                <a:latin typeface="Times New Roman" panose="02020603050405020304" pitchFamily="18" charset="0"/>
+                <a:cs typeface="Times New Roman" panose="02020603050405020304" pitchFamily="18" charset="0"/>
+              </a:rPr>
+              <a:t>ver</a:t>
+            </a:r>
+            <a:r>
+              <a:rPr lang="pt-BR" sz="2400" dirty="0">
+                <a:solidFill>
+                  <a:schemeClr val="tx1"/>
+                </a:solidFill>
+                <a:latin typeface="Times New Roman" panose="02020603050405020304" pitchFamily="18" charset="0"/>
+                <a:cs typeface="Times New Roman" panose="02020603050405020304" pitchFamily="18" charset="0"/>
+              </a:rPr>
+              <a:t> o tamanho da lista, (</a:t>
+            </a:r>
+            <a:r>
+              <a:rPr lang="pt-BR" sz="2400" b="1" dirty="0" err="1">
+                <a:latin typeface="Times New Roman" panose="02020603050405020304" pitchFamily="18" charset="0"/>
+                <a:cs typeface="Times New Roman" panose="02020603050405020304" pitchFamily="18" charset="0"/>
+              </a:rPr>
+              <a:t>len</a:t>
+            </a:r>
+            <a:r>
+              <a:rPr lang="pt-BR" sz="2400" b="1" dirty="0">
+                <a:solidFill>
+                  <a:srgbClr val="FF0000"/>
+                </a:solidFill>
+                <a:latin typeface="Times New Roman" panose="02020603050405020304" pitchFamily="18" charset="0"/>
+                <a:cs typeface="Times New Roman" panose="02020603050405020304" pitchFamily="18" charset="0"/>
+              </a:rPr>
+              <a:t>(lista)</a:t>
+            </a:r>
+            <a:r>
+              <a:rPr lang="pt-BR" sz="2400" dirty="0">
+                <a:solidFill>
+                  <a:schemeClr val="tx1"/>
+                </a:solidFill>
+                <a:latin typeface="Times New Roman" panose="02020603050405020304" pitchFamily="18" charset="0"/>
+                <a:cs typeface="Times New Roman" panose="02020603050405020304" pitchFamily="18" charset="0"/>
+              </a:rPr>
+              <a:t>).</a:t>
+            </a:r>
+          </a:p>
+          <a:p>
+            <a:pPr marL="0" indent="0" algn="just">
+              <a:buNone/>
+            </a:pPr>
+            <a:endParaRPr lang="pt-BR" sz="2400" dirty="0">
               <a:solidFill>
-                <a:srgbClr val="FF0000"/>
+                <a:schemeClr val="tx1"/>
               </a:solidFill>
               <a:latin typeface="Times New Roman" panose="02020603050405020304" pitchFamily="18" charset="0"/>
               <a:cs typeface="Times New Roman" panose="02020603050405020304" pitchFamily="18" charset="0"/>
             </a:endParaRPr>
-          </a:p>
-          <a:p>
-            <a:pPr marL="0" indent="0" algn="just">
-              <a:buNone/>
-            </a:pPr>
-            <a:r>
-              <a:rPr lang="pt-BR" sz="2000" dirty="0">
-                <a:solidFill>
-                  <a:schemeClr val="tx1"/>
-                </a:solidFill>
-                <a:latin typeface="Times New Roman" panose="02020603050405020304" pitchFamily="18" charset="0"/>
-                <a:cs typeface="Times New Roman" panose="02020603050405020304" pitchFamily="18" charset="0"/>
-              </a:rPr>
-              <a:t>– Podemos excluir elementos com </a:t>
-            </a:r>
-            <a:r>
-              <a:rPr lang="pt-BR" sz="2000" b="1" dirty="0">
-                <a:solidFill>
-                  <a:srgbClr val="FF0000"/>
-                </a:solidFill>
-                <a:latin typeface="Times New Roman" panose="02020603050405020304" pitchFamily="18" charset="0"/>
-                <a:cs typeface="Times New Roman" panose="02020603050405020304" pitchFamily="18" charset="0"/>
-              </a:rPr>
-              <a:t>pop</a:t>
-            </a:r>
-            <a:r>
-              <a:rPr lang="pt-BR" sz="2000" dirty="0">
-                <a:solidFill>
-                  <a:schemeClr val="tx1"/>
-                </a:solidFill>
-                <a:latin typeface="Times New Roman" panose="02020603050405020304" pitchFamily="18" charset="0"/>
-                <a:cs typeface="Times New Roman" panose="02020603050405020304" pitchFamily="18" charset="0"/>
-              </a:rPr>
-              <a:t> ou </a:t>
-            </a:r>
-            <a:r>
-              <a:rPr lang="pt-BR" sz="2000" b="1" dirty="0">
-                <a:solidFill>
-                  <a:srgbClr val="FF0000"/>
-                </a:solidFill>
-                <a:latin typeface="Times New Roman" panose="02020603050405020304" pitchFamily="18" charset="0"/>
-                <a:cs typeface="Times New Roman" panose="02020603050405020304" pitchFamily="18" charset="0"/>
-              </a:rPr>
-              <a:t>remove</a:t>
-            </a:r>
-          </a:p>
-          <a:p>
-            <a:pPr marL="0" indent="0" algn="just">
-              <a:buNone/>
-            </a:pPr>
-            <a:r>
-              <a:rPr lang="pt-BR" sz="2000" dirty="0">
-                <a:solidFill>
-                  <a:schemeClr val="tx1"/>
-                </a:solidFill>
-                <a:latin typeface="Times New Roman" panose="02020603050405020304" pitchFamily="18" charset="0"/>
-                <a:cs typeface="Times New Roman" panose="02020603050405020304" pitchFamily="18" charset="0"/>
-              </a:rPr>
-              <a:t>– Podemos </a:t>
-            </a:r>
-            <a:r>
-              <a:rPr lang="pt-BR" sz="2000" b="1" dirty="0">
-                <a:solidFill>
-                  <a:srgbClr val="FF0000"/>
-                </a:solidFill>
-                <a:latin typeface="Times New Roman" panose="02020603050405020304" pitchFamily="18" charset="0"/>
-                <a:cs typeface="Times New Roman" panose="02020603050405020304" pitchFamily="18" charset="0"/>
-              </a:rPr>
-              <a:t>modificar</a:t>
-            </a:r>
-            <a:r>
-              <a:rPr lang="pt-BR" sz="2000" dirty="0">
-                <a:solidFill>
-                  <a:schemeClr val="tx1"/>
-                </a:solidFill>
-                <a:latin typeface="Times New Roman" panose="02020603050405020304" pitchFamily="18" charset="0"/>
-                <a:cs typeface="Times New Roman" panose="02020603050405020304" pitchFamily="18" charset="0"/>
-              </a:rPr>
-              <a:t> um elemento da lista</a:t>
-            </a:r>
-          </a:p>
-          <a:p>
-            <a:pPr marL="0" indent="0" algn="just">
-              <a:buNone/>
-            </a:pPr>
-            <a:r>
-              <a:rPr lang="pt-BR" sz="2000" dirty="0">
-                <a:solidFill>
-                  <a:schemeClr val="tx1"/>
-                </a:solidFill>
-                <a:latin typeface="Times New Roman" panose="02020603050405020304" pitchFamily="18" charset="0"/>
-                <a:cs typeface="Times New Roman" panose="02020603050405020304" pitchFamily="18" charset="0"/>
-              </a:rPr>
-              <a:t>– Podemos </a:t>
-            </a:r>
-            <a:r>
-              <a:rPr lang="pt-BR" sz="2000" b="1" dirty="0">
-                <a:solidFill>
-                  <a:srgbClr val="FF0000"/>
-                </a:solidFill>
-                <a:latin typeface="Times New Roman" panose="02020603050405020304" pitchFamily="18" charset="0"/>
-                <a:cs typeface="Times New Roman" panose="02020603050405020304" pitchFamily="18" charset="0"/>
-              </a:rPr>
-              <a:t>imprimir (print)</a:t>
-            </a:r>
-            <a:r>
-              <a:rPr lang="pt-BR" sz="2000" dirty="0">
-                <a:solidFill>
-                  <a:schemeClr val="tx1"/>
-                </a:solidFill>
-                <a:latin typeface="Times New Roman" panose="02020603050405020304" pitchFamily="18" charset="0"/>
-                <a:cs typeface="Times New Roman" panose="02020603050405020304" pitchFamily="18" charset="0"/>
-              </a:rPr>
-              <a:t> a lista</a:t>
-            </a:r>
-          </a:p>
-          <a:p>
-            <a:pPr marL="0" indent="0" algn="just">
-              <a:buNone/>
-            </a:pPr>
-            <a:r>
-              <a:rPr lang="pt-BR" sz="2000" dirty="0">
-                <a:solidFill>
-                  <a:schemeClr val="tx1"/>
-                </a:solidFill>
-                <a:latin typeface="Times New Roman" panose="02020603050405020304" pitchFamily="18" charset="0"/>
-                <a:cs typeface="Times New Roman" panose="02020603050405020304" pitchFamily="18" charset="0"/>
-              </a:rPr>
-              <a:t>– Podemos </a:t>
-            </a:r>
-            <a:r>
-              <a:rPr lang="pt-BR" sz="2000" b="1" dirty="0">
-                <a:solidFill>
-                  <a:srgbClr val="FF0000"/>
-                </a:solidFill>
-                <a:latin typeface="Times New Roman" panose="02020603050405020304" pitchFamily="18" charset="0"/>
-                <a:cs typeface="Times New Roman" panose="02020603050405020304" pitchFamily="18" charset="0"/>
-              </a:rPr>
-              <a:t>percorrer</a:t>
-            </a:r>
-            <a:r>
-              <a:rPr lang="pt-BR" sz="2000" dirty="0">
-                <a:solidFill>
-                  <a:schemeClr val="tx1"/>
-                </a:solidFill>
-                <a:latin typeface="Times New Roman" panose="02020603050405020304" pitchFamily="18" charset="0"/>
-                <a:cs typeface="Times New Roman" panose="02020603050405020304" pitchFamily="18" charset="0"/>
-              </a:rPr>
-              <a:t> elementos da lista.</a:t>
-            </a:r>
           </a:p>
         </p:txBody>
       </p:sp>
@@ -12737,114 +13376,268 @@
               <a:buNone/>
             </a:pPr>
             <a:r>
-              <a:rPr lang="pt-BR" b="1" dirty="0">
+              <a:rPr lang="pt-BR" sz="2400" dirty="0">
+                <a:solidFill>
+                  <a:schemeClr val="tx1"/>
+                </a:solidFill>
+                <a:latin typeface="Times New Roman" panose="02020603050405020304" pitchFamily="18" charset="0"/>
+                <a:cs typeface="Times New Roman" panose="02020603050405020304" pitchFamily="18" charset="0"/>
+              </a:rPr>
+              <a:t>– Podemos adicionar elemento com </a:t>
+            </a:r>
+            <a:r>
+              <a:rPr lang="pt-BR" sz="2400" b="1" dirty="0" err="1">
                 <a:solidFill>
                   <a:srgbClr val="FF0000"/>
                 </a:solidFill>
                 <a:latin typeface="Times New Roman" panose="02020603050405020304" pitchFamily="18" charset="0"/>
                 <a:cs typeface="Times New Roman" panose="02020603050405020304" pitchFamily="18" charset="0"/>
               </a:rPr>
-              <a:t>Exemplo Lista:  </a:t>
-            </a:r>
-            <a:r>
-              <a:rPr lang="pt-BR" dirty="0" err="1">
-                <a:solidFill>
-                  <a:schemeClr val="tx1"/>
-                </a:solidFill>
-                <a:latin typeface="Times New Roman" panose="02020603050405020304" pitchFamily="18" charset="0"/>
-                <a:cs typeface="Times New Roman" panose="02020603050405020304" pitchFamily="18" charset="0"/>
-              </a:rPr>
-              <a:t>umaLista</a:t>
-            </a:r>
-            <a:r>
-              <a:rPr lang="pt-BR" dirty="0">
-                <a:solidFill>
-                  <a:schemeClr val="tx1"/>
-                </a:solidFill>
-                <a:latin typeface="Times New Roman" panose="02020603050405020304" pitchFamily="18" charset="0"/>
-                <a:cs typeface="Times New Roman" panose="02020603050405020304" pitchFamily="18" charset="0"/>
-              </a:rPr>
-              <a:t> = [1, 4, 8, 5, 7, 9]</a:t>
-            </a:r>
-          </a:p>
-          <a:p>
-            <a:pPr algn="just">
-              <a:buFontTx/>
-              <a:buChar char="-"/>
+              <a:t>append</a:t>
+            </a:r>
+            <a:r>
+              <a:rPr lang="pt-BR" sz="2400" b="1" dirty="0">
+                <a:solidFill>
+                  <a:srgbClr val="FF0000"/>
+                </a:solidFill>
+                <a:latin typeface="Times New Roman" panose="02020603050405020304" pitchFamily="18" charset="0"/>
+                <a:cs typeface="Times New Roman" panose="02020603050405020304" pitchFamily="18" charset="0"/>
+              </a:rPr>
+              <a:t> </a:t>
+            </a:r>
+            <a:r>
+              <a:rPr lang="pt-BR" sz="2400" b="1" dirty="0">
+                <a:latin typeface="Times New Roman" panose="02020603050405020304" pitchFamily="18" charset="0"/>
+                <a:cs typeface="Times New Roman" panose="02020603050405020304" pitchFamily="18" charset="0"/>
+              </a:rPr>
+              <a:t>(final da lista), (</a:t>
+            </a:r>
+            <a:r>
+              <a:rPr lang="pt-BR" sz="2400" b="1" dirty="0" err="1">
+                <a:latin typeface="Times New Roman" panose="02020603050405020304" pitchFamily="18" charset="0"/>
+                <a:cs typeface="Times New Roman" panose="02020603050405020304" pitchFamily="18" charset="0"/>
+              </a:rPr>
+              <a:t>lista</a:t>
+            </a:r>
+            <a:r>
+              <a:rPr lang="pt-BR" sz="2400" b="1" dirty="0" err="1">
+                <a:solidFill>
+                  <a:srgbClr val="FF0000"/>
+                </a:solidFill>
+                <a:latin typeface="Times New Roman" panose="02020603050405020304" pitchFamily="18" charset="0"/>
+                <a:cs typeface="Times New Roman" panose="02020603050405020304" pitchFamily="18" charset="0"/>
+              </a:rPr>
+              <a:t>.append</a:t>
+            </a:r>
+            <a:r>
+              <a:rPr lang="pt-BR" sz="2400" b="1" dirty="0">
+                <a:solidFill>
+                  <a:srgbClr val="FF0000"/>
+                </a:solidFill>
+                <a:latin typeface="Times New Roman" panose="02020603050405020304" pitchFamily="18" charset="0"/>
+                <a:cs typeface="Times New Roman" panose="02020603050405020304" pitchFamily="18" charset="0"/>
+              </a:rPr>
+              <a:t>(17)</a:t>
+            </a:r>
+            <a:r>
+              <a:rPr lang="pt-BR" sz="2400" b="1" dirty="0">
+                <a:latin typeface="Times New Roman" panose="02020603050405020304" pitchFamily="18" charset="0"/>
+                <a:cs typeface="Times New Roman" panose="02020603050405020304" pitchFamily="18" charset="0"/>
+              </a:rPr>
+              <a:t>)</a:t>
+            </a:r>
+          </a:p>
+          <a:p>
+            <a:pPr marL="0" indent="0" algn="just">
+              <a:buNone/>
             </a:pPr>
             <a:r>
-              <a:rPr lang="pt-BR" dirty="0">
-                <a:latin typeface="Times New Roman" panose="02020603050405020304" pitchFamily="18" charset="0"/>
-                <a:cs typeface="Times New Roman" panose="02020603050405020304" pitchFamily="18" charset="0"/>
-              </a:rPr>
-              <a:t>Imprimindo um único elemento: print(</a:t>
-            </a:r>
-            <a:r>
-              <a:rPr lang="pt-BR" dirty="0" err="1">
-                <a:latin typeface="Times New Roman" panose="02020603050405020304" pitchFamily="18" charset="0"/>
-                <a:cs typeface="Times New Roman" panose="02020603050405020304" pitchFamily="18" charset="0"/>
-              </a:rPr>
-              <a:t>umaLista</a:t>
-            </a:r>
-            <a:r>
-              <a:rPr lang="pt-BR" dirty="0">
-                <a:latin typeface="Times New Roman" panose="02020603050405020304" pitchFamily="18" charset="0"/>
-                <a:cs typeface="Times New Roman" panose="02020603050405020304" pitchFamily="18" charset="0"/>
-              </a:rPr>
-              <a:t>[2]) =&gt; 8</a:t>
-            </a:r>
-          </a:p>
-          <a:p>
-            <a:pPr algn="just">
-              <a:buFontTx/>
-              <a:buChar char="-"/>
+              <a:rPr lang="pt-BR" sz="2400" dirty="0">
+                <a:solidFill>
+                  <a:schemeClr val="tx1"/>
+                </a:solidFill>
+                <a:latin typeface="Times New Roman" panose="02020603050405020304" pitchFamily="18" charset="0"/>
+                <a:cs typeface="Times New Roman" panose="02020603050405020304" pitchFamily="18" charset="0"/>
+              </a:rPr>
+              <a:t>– Podemos adicionar elemento com </a:t>
+            </a:r>
+            <a:r>
+              <a:rPr lang="pt-BR" sz="2400" b="1" dirty="0" err="1">
+                <a:solidFill>
+                  <a:srgbClr val="FF0000"/>
+                </a:solidFill>
+                <a:latin typeface="Times New Roman" panose="02020603050405020304" pitchFamily="18" charset="0"/>
+                <a:cs typeface="Times New Roman" panose="02020603050405020304" pitchFamily="18" charset="0"/>
+              </a:rPr>
+              <a:t>insert</a:t>
+            </a:r>
+            <a:r>
+              <a:rPr lang="pt-BR" sz="2400" b="1" dirty="0">
+                <a:solidFill>
+                  <a:srgbClr val="FF0000"/>
+                </a:solidFill>
+                <a:latin typeface="Times New Roman" panose="02020603050405020304" pitchFamily="18" charset="0"/>
+                <a:cs typeface="Times New Roman" panose="02020603050405020304" pitchFamily="18" charset="0"/>
+              </a:rPr>
+              <a:t> </a:t>
+            </a:r>
+            <a:r>
+              <a:rPr lang="pt-BR" sz="2400" b="1" dirty="0">
+                <a:latin typeface="Times New Roman" panose="02020603050405020304" pitchFamily="18" charset="0"/>
+                <a:cs typeface="Times New Roman" panose="02020603050405020304" pitchFamily="18" charset="0"/>
+              </a:rPr>
+              <a:t>(posição, elemento), (</a:t>
+            </a:r>
+            <a:r>
+              <a:rPr lang="pt-BR" sz="2400" b="1" dirty="0" err="1">
+                <a:latin typeface="Times New Roman" panose="02020603050405020304" pitchFamily="18" charset="0"/>
+                <a:cs typeface="Times New Roman" panose="02020603050405020304" pitchFamily="18" charset="0"/>
+              </a:rPr>
+              <a:t>lista</a:t>
+            </a:r>
+            <a:r>
+              <a:rPr lang="pt-BR" sz="2400" b="1" dirty="0" err="1">
+                <a:solidFill>
+                  <a:srgbClr val="FF0000"/>
+                </a:solidFill>
+                <a:latin typeface="Times New Roman" panose="02020603050405020304" pitchFamily="18" charset="0"/>
+                <a:cs typeface="Times New Roman" panose="02020603050405020304" pitchFamily="18" charset="0"/>
+              </a:rPr>
+              <a:t>.insert</a:t>
+            </a:r>
+            <a:r>
+              <a:rPr lang="pt-BR" sz="2400" b="1" dirty="0">
+                <a:solidFill>
+                  <a:srgbClr val="FF0000"/>
+                </a:solidFill>
+                <a:latin typeface="Times New Roman" panose="02020603050405020304" pitchFamily="18" charset="0"/>
+                <a:cs typeface="Times New Roman" panose="02020603050405020304" pitchFamily="18" charset="0"/>
+              </a:rPr>
+              <a:t>(1, -9)</a:t>
+            </a:r>
+            <a:r>
+              <a:rPr lang="pt-BR" sz="2400" b="1" dirty="0">
+                <a:latin typeface="Times New Roman" panose="02020603050405020304" pitchFamily="18" charset="0"/>
+                <a:cs typeface="Times New Roman" panose="02020603050405020304" pitchFamily="18" charset="0"/>
+              </a:rPr>
+              <a:t>),</a:t>
+            </a:r>
+            <a:r>
+              <a:rPr lang="pt-BR" sz="2400" b="1" dirty="0">
+                <a:solidFill>
+                  <a:srgbClr val="FF0000"/>
+                </a:solidFill>
+                <a:latin typeface="Times New Roman" panose="02020603050405020304" pitchFamily="18" charset="0"/>
+                <a:cs typeface="Times New Roman" panose="02020603050405020304" pitchFamily="18" charset="0"/>
+              </a:rPr>
+              <a:t> senão existir insere no final da lista</a:t>
+            </a:r>
+            <a:r>
+              <a:rPr lang="pt-BR" sz="2400" b="1" dirty="0">
+                <a:latin typeface="Times New Roman" panose="02020603050405020304" pitchFamily="18" charset="0"/>
+                <a:cs typeface="Times New Roman" panose="02020603050405020304" pitchFamily="18" charset="0"/>
+              </a:rPr>
+              <a:t>.</a:t>
+            </a:r>
+          </a:p>
+          <a:p>
+            <a:pPr marL="0" indent="0" algn="just">
+              <a:buNone/>
             </a:pPr>
             <a:r>
-              <a:rPr lang="pt-BR" dirty="0">
-                <a:solidFill>
-                  <a:schemeClr val="tx1"/>
-                </a:solidFill>
-                <a:latin typeface="Times New Roman" panose="02020603050405020304" pitchFamily="18" charset="0"/>
-                <a:cs typeface="Times New Roman" panose="02020603050405020304" pitchFamily="18" charset="0"/>
-              </a:rPr>
-              <a:t>Seleciona tudo até o indicado com”</a:t>
-            </a:r>
-            <a:r>
-              <a:rPr lang="pt-BR" b="1" dirty="0">
-                <a:solidFill>
-                  <a:srgbClr val="0070C0"/>
-                </a:solidFill>
-                <a:latin typeface="Times New Roman" panose="02020603050405020304" pitchFamily="18" charset="0"/>
-                <a:cs typeface="Times New Roman" panose="02020603050405020304" pitchFamily="18" charset="0"/>
-              </a:rPr>
-              <a:t>:</a:t>
-            </a:r>
-            <a:r>
-              <a:rPr lang="pt-BR" dirty="0">
-                <a:latin typeface="Times New Roman" panose="02020603050405020304" pitchFamily="18" charset="0"/>
-                <a:cs typeface="Times New Roman" panose="02020603050405020304" pitchFamily="18" charset="0"/>
-              </a:rPr>
-              <a:t>”</a:t>
-            </a:r>
-            <a:r>
-              <a:rPr lang="pt-BR" dirty="0">
-                <a:solidFill>
-                  <a:schemeClr val="tx1"/>
-                </a:solidFill>
-                <a:latin typeface="Times New Roman" panose="02020603050405020304" pitchFamily="18" charset="0"/>
-                <a:cs typeface="Times New Roman" panose="02020603050405020304" pitchFamily="18" charset="0"/>
-              </a:rPr>
-              <a:t> </a:t>
-            </a:r>
-            <a:r>
-              <a:rPr lang="pt-BR" b="1" dirty="0">
+              <a:rPr lang="pt-BR" sz="2400" dirty="0">
+                <a:solidFill>
+                  <a:schemeClr val="tx1"/>
+                </a:solidFill>
+                <a:latin typeface="Times New Roman" panose="02020603050405020304" pitchFamily="18" charset="0"/>
+                <a:cs typeface="Times New Roman" panose="02020603050405020304" pitchFamily="18" charset="0"/>
+              </a:rPr>
+              <a:t>– Podemos excluir elemento com </a:t>
+            </a:r>
+            <a:r>
+              <a:rPr lang="pt-BR" sz="2400" b="1" dirty="0">
                 <a:solidFill>
                   <a:srgbClr val="FF0000"/>
                 </a:solidFill>
                 <a:latin typeface="Times New Roman" panose="02020603050405020304" pitchFamily="18" charset="0"/>
                 <a:cs typeface="Times New Roman" panose="02020603050405020304" pitchFamily="18" charset="0"/>
               </a:rPr>
-              <a:t>Atenção: Exclui o último elemento.</a:t>
+              <a:t>pop </a:t>
+            </a:r>
+            <a:r>
+              <a:rPr lang="pt-BR" sz="2400" b="1" dirty="0">
+                <a:latin typeface="Times New Roman" panose="02020603050405020304" pitchFamily="18" charset="0"/>
+                <a:cs typeface="Times New Roman" panose="02020603050405020304" pitchFamily="18" charset="0"/>
+              </a:rPr>
+              <a:t>(exclui o elemento pelo </a:t>
+            </a:r>
+            <a:r>
+              <a:rPr lang="pt-BR" sz="2400" b="1" dirty="0">
+                <a:solidFill>
+                  <a:srgbClr val="FF0000"/>
+                </a:solidFill>
+                <a:latin typeface="Times New Roman" panose="02020603050405020304" pitchFamily="18" charset="0"/>
+                <a:cs typeface="Times New Roman" panose="02020603050405020304" pitchFamily="18" charset="0"/>
+              </a:rPr>
+              <a:t>índice</a:t>
+            </a:r>
+            <a:r>
+              <a:rPr lang="pt-BR" sz="2400" b="1" dirty="0">
+                <a:latin typeface="Times New Roman" panose="02020603050405020304" pitchFamily="18" charset="0"/>
+                <a:cs typeface="Times New Roman" panose="02020603050405020304" pitchFamily="18" charset="0"/>
+              </a:rPr>
+              <a:t>), (</a:t>
+            </a:r>
+            <a:r>
+              <a:rPr lang="pt-BR" sz="2400" b="1" dirty="0" err="1">
+                <a:latin typeface="Times New Roman" panose="02020603050405020304" pitchFamily="18" charset="0"/>
+                <a:cs typeface="Times New Roman" panose="02020603050405020304" pitchFamily="18" charset="0"/>
+              </a:rPr>
+              <a:t>lista</a:t>
+            </a:r>
+            <a:r>
+              <a:rPr lang="pt-BR" sz="2400" b="1" dirty="0" err="1">
+                <a:solidFill>
+                  <a:srgbClr val="FF0000"/>
+                </a:solidFill>
+                <a:latin typeface="Times New Roman" panose="02020603050405020304" pitchFamily="18" charset="0"/>
+                <a:cs typeface="Times New Roman" panose="02020603050405020304" pitchFamily="18" charset="0"/>
+              </a:rPr>
+              <a:t>.pop</a:t>
+            </a:r>
+            <a:r>
+              <a:rPr lang="pt-BR" sz="2400" b="1" dirty="0">
+                <a:solidFill>
+                  <a:srgbClr val="FF0000"/>
+                </a:solidFill>
+                <a:latin typeface="Times New Roman" panose="02020603050405020304" pitchFamily="18" charset="0"/>
+                <a:cs typeface="Times New Roman" panose="02020603050405020304" pitchFamily="18" charset="0"/>
+              </a:rPr>
+              <a:t>(2)</a:t>
+            </a:r>
+            <a:r>
+              <a:rPr lang="pt-BR" sz="2400" b="1" dirty="0">
+                <a:latin typeface="Times New Roman" panose="02020603050405020304" pitchFamily="18" charset="0"/>
+                <a:cs typeface="Times New Roman" panose="02020603050405020304" pitchFamily="18" charset="0"/>
+              </a:rPr>
+              <a:t>), </a:t>
+            </a:r>
+            <a:r>
+              <a:rPr lang="pt-BR" sz="2400" b="1" dirty="0">
+                <a:solidFill>
+                  <a:srgbClr val="FF0000"/>
+                </a:solidFill>
+                <a:latin typeface="Times New Roman" panose="02020603050405020304" pitchFamily="18" charset="0"/>
+                <a:cs typeface="Times New Roman" panose="02020603050405020304" pitchFamily="18" charset="0"/>
+              </a:rPr>
+              <a:t>senão existir erro</a:t>
+            </a:r>
+            <a:r>
+              <a:rPr lang="pt-BR" sz="2400" b="1" dirty="0">
+                <a:latin typeface="Times New Roman" panose="02020603050405020304" pitchFamily="18" charset="0"/>
+                <a:cs typeface="Times New Roman" panose="02020603050405020304" pitchFamily="18" charset="0"/>
+              </a:rPr>
+              <a:t>.</a:t>
             </a:r>
           </a:p>
           <a:p>
@@ -12852,54 +13645,99 @@
               <a:buNone/>
             </a:pPr>
             <a:r>
-              <a:rPr lang="pt-BR" dirty="0">
-                <a:solidFill>
-                  <a:schemeClr val="tx1"/>
-                </a:solidFill>
-                <a:latin typeface="Times New Roman" panose="02020603050405020304" pitchFamily="18" charset="0"/>
-                <a:cs typeface="Times New Roman" panose="02020603050405020304" pitchFamily="18" charset="0"/>
-              </a:rPr>
-              <a:t>   Ex.: </a:t>
-            </a:r>
-            <a:r>
-              <a:rPr lang="pt-BR" b="1" dirty="0">
-                <a:solidFill>
-                  <a:schemeClr val="tx1"/>
-                </a:solidFill>
-                <a:latin typeface="Times New Roman" panose="02020603050405020304" pitchFamily="18" charset="0"/>
-                <a:cs typeface="Times New Roman" panose="02020603050405020304" pitchFamily="18" charset="0"/>
-              </a:rPr>
-              <a:t>print</a:t>
-            </a:r>
-            <a:r>
-              <a:rPr lang="pt-BR" dirty="0">
-                <a:solidFill>
-                  <a:schemeClr val="tx1"/>
-                </a:solidFill>
-                <a:latin typeface="Times New Roman" panose="02020603050405020304" pitchFamily="18" charset="0"/>
-                <a:cs typeface="Times New Roman" panose="02020603050405020304" pitchFamily="18" charset="0"/>
-              </a:rPr>
-              <a:t>(</a:t>
-            </a:r>
-            <a:r>
-              <a:rPr lang="pt-BR" dirty="0" err="1">
-                <a:solidFill>
-                  <a:schemeClr val="tx1"/>
-                </a:solidFill>
-                <a:latin typeface="Times New Roman" panose="02020603050405020304" pitchFamily="18" charset="0"/>
-                <a:cs typeface="Times New Roman" panose="02020603050405020304" pitchFamily="18" charset="0"/>
-              </a:rPr>
-              <a:t>umaLista</a:t>
-            </a:r>
-            <a:r>
-              <a:rPr lang="pt-BR" dirty="0">
-                <a:solidFill>
-                  <a:schemeClr val="tx1"/>
-                </a:solidFill>
-                <a:latin typeface="Times New Roman" panose="02020603050405020304" pitchFamily="18" charset="0"/>
-                <a:cs typeface="Times New Roman" panose="02020603050405020304" pitchFamily="18" charset="0"/>
-              </a:rPr>
-              <a:t>[:3]) =&gt; 1, 4, 8</a:t>
+              <a:rPr lang="pt-BR" sz="2400" dirty="0">
+                <a:solidFill>
+                  <a:schemeClr val="tx1"/>
+                </a:solidFill>
+                <a:latin typeface="Times New Roman" panose="02020603050405020304" pitchFamily="18" charset="0"/>
+                <a:cs typeface="Times New Roman" panose="02020603050405020304" pitchFamily="18" charset="0"/>
+              </a:rPr>
+              <a:t>– Podemos excluir elemento com </a:t>
+            </a:r>
+            <a:r>
+              <a:rPr lang="pt-BR" sz="2400" b="1" dirty="0">
+                <a:solidFill>
+                  <a:srgbClr val="FF0000"/>
+                </a:solidFill>
+                <a:latin typeface="Times New Roman" panose="02020603050405020304" pitchFamily="18" charset="0"/>
+                <a:cs typeface="Times New Roman" panose="02020603050405020304" pitchFamily="18" charset="0"/>
+              </a:rPr>
+              <a:t>remove </a:t>
+            </a:r>
+            <a:r>
+              <a:rPr lang="pt-BR" sz="2400" b="1" dirty="0">
+                <a:latin typeface="Times New Roman" panose="02020603050405020304" pitchFamily="18" charset="0"/>
+                <a:cs typeface="Times New Roman" panose="02020603050405020304" pitchFamily="18" charset="0"/>
+              </a:rPr>
+              <a:t>(exclui o elemento pelo </a:t>
+            </a:r>
+            <a:r>
+              <a:rPr lang="pt-BR" sz="2400" b="1" dirty="0">
+                <a:solidFill>
+                  <a:srgbClr val="FF0000"/>
+                </a:solidFill>
+                <a:latin typeface="Times New Roman" panose="02020603050405020304" pitchFamily="18" charset="0"/>
+                <a:cs typeface="Times New Roman" panose="02020603050405020304" pitchFamily="18" charset="0"/>
+              </a:rPr>
+              <a:t>conteúdo</a:t>
+            </a:r>
+            <a:r>
+              <a:rPr lang="pt-BR" sz="2400" b="1" dirty="0">
+                <a:latin typeface="Times New Roman" panose="02020603050405020304" pitchFamily="18" charset="0"/>
+                <a:cs typeface="Times New Roman" panose="02020603050405020304" pitchFamily="18" charset="0"/>
+              </a:rPr>
+              <a:t>), (</a:t>
+            </a:r>
+            <a:r>
+              <a:rPr lang="pt-BR" sz="2400" b="1" dirty="0" err="1">
+                <a:latin typeface="Times New Roman" panose="02020603050405020304" pitchFamily="18" charset="0"/>
+                <a:cs typeface="Times New Roman" panose="02020603050405020304" pitchFamily="18" charset="0"/>
+              </a:rPr>
+              <a:t>lista</a:t>
+            </a:r>
+            <a:r>
+              <a:rPr lang="pt-BR" sz="2400" b="1" dirty="0" err="1">
+                <a:solidFill>
+                  <a:srgbClr val="FF0000"/>
+                </a:solidFill>
+                <a:latin typeface="Times New Roman" panose="02020603050405020304" pitchFamily="18" charset="0"/>
+                <a:cs typeface="Times New Roman" panose="02020603050405020304" pitchFamily="18" charset="0"/>
+              </a:rPr>
+              <a:t>.remove</a:t>
+            </a:r>
+            <a:r>
+              <a:rPr lang="pt-BR" sz="2400" b="1" dirty="0">
+                <a:solidFill>
+                  <a:srgbClr val="FF0000"/>
+                </a:solidFill>
+                <a:latin typeface="Times New Roman" panose="02020603050405020304" pitchFamily="18" charset="0"/>
+                <a:cs typeface="Times New Roman" panose="02020603050405020304" pitchFamily="18" charset="0"/>
+              </a:rPr>
+              <a:t>(-32)</a:t>
+            </a:r>
+            <a:r>
+              <a:rPr lang="pt-BR" sz="2400" b="1" dirty="0">
+                <a:latin typeface="Times New Roman" panose="02020603050405020304" pitchFamily="18" charset="0"/>
+                <a:cs typeface="Times New Roman" panose="02020603050405020304" pitchFamily="18" charset="0"/>
+              </a:rPr>
+              <a:t>), </a:t>
+            </a:r>
+            <a:r>
+              <a:rPr lang="pt-BR" sz="2400" b="1" dirty="0">
+                <a:solidFill>
+                  <a:srgbClr val="FF0000"/>
+                </a:solidFill>
+                <a:latin typeface="Times New Roman" panose="02020603050405020304" pitchFamily="18" charset="0"/>
+                <a:cs typeface="Times New Roman" panose="02020603050405020304" pitchFamily="18" charset="0"/>
+              </a:rPr>
+              <a:t>senão existir erro</a:t>
+            </a:r>
+            <a:r>
+              <a:rPr lang="pt-BR" sz="2400" b="1" dirty="0">
+                <a:latin typeface="Times New Roman" panose="02020603050405020304" pitchFamily="18" charset="0"/>
+                <a:cs typeface="Times New Roman" panose="02020603050405020304" pitchFamily="18" charset="0"/>
+              </a:rPr>
+              <a:t>.</a:t>
             </a:r>
           </a:p>
         </p:txBody>
@@ -12907,7 +13745,7 @@
     </p:spTree>
     <p:extLst>
       <p:ext uri="{BB962C8B-B14F-4D97-AF65-F5344CB8AC3E}">
-        <p14:creationId xmlns:p14="http://schemas.microsoft.com/office/powerpoint/2010/main" val="2372610511"/>
+        <p14:creationId xmlns:p14="http://schemas.microsoft.com/office/powerpoint/2010/main" val="2021272380"/>
       </p:ext>
     </p:extLst>
   </p:cSld>
@@ -13041,7 +13879,7 @@
                 <a:latin typeface="Times New Roman" panose="02020603050405020304" pitchFamily="18" charset="0"/>
                 <a:cs typeface="Times New Roman" panose="02020603050405020304" pitchFamily="18" charset="0"/>
               </a:rPr>
-              <a:t>Exemplo Lista: </a:t>
+              <a:t>Exemplo Lista:  </a:t>
             </a:r>
             <a:r>
               <a:rPr lang="pt-BR" dirty="0" err="1">
@@ -13071,105 +13909,24 @@
             </a:pPr>
             <a:r>
               <a:rPr lang="pt-BR" dirty="0">
-                <a:solidFill>
-                  <a:schemeClr val="tx1"/>
-                </a:solidFill>
-                <a:latin typeface="Times New Roman" panose="02020603050405020304" pitchFamily="18" charset="0"/>
-                <a:cs typeface="Times New Roman" panose="02020603050405020304" pitchFamily="18" charset="0"/>
-              </a:rPr>
-              <a:t>Seleciona tudo até o indicado com”</a:t>
-            </a:r>
-            <a:r>
-              <a:rPr lang="pt-BR" b="1" dirty="0">
-                <a:solidFill>
-                  <a:srgbClr val="0070C0"/>
-                </a:solidFill>
-                <a:latin typeface="Times New Roman" panose="02020603050405020304" pitchFamily="18" charset="0"/>
-                <a:cs typeface="Times New Roman" panose="02020603050405020304" pitchFamily="18" charset="0"/>
-              </a:rPr>
-              <a:t>:</a:t>
+                <a:latin typeface="Times New Roman" panose="02020603050405020304" pitchFamily="18" charset="0"/>
+                <a:cs typeface="Times New Roman" panose="02020603050405020304" pitchFamily="18" charset="0"/>
+              </a:rPr>
+              <a:t>Imprimindo um único elemento: print(</a:t>
+            </a:r>
+            <a:r>
+              <a:rPr lang="pt-BR" dirty="0" err="1">
+                <a:latin typeface="Times New Roman" panose="02020603050405020304" pitchFamily="18" charset="0"/>
+                <a:cs typeface="Times New Roman" panose="02020603050405020304" pitchFamily="18" charset="0"/>
+              </a:rPr>
+              <a:t>umaLista</a:t>
             </a:r>
             <a:r>
               <a:rPr lang="pt-BR" dirty="0">
                 <a:latin typeface="Times New Roman" panose="02020603050405020304" pitchFamily="18" charset="0"/>
                 <a:cs typeface="Times New Roman" panose="02020603050405020304" pitchFamily="18" charset="0"/>
               </a:rPr>
-              <a:t>”</a:t>
-            </a:r>
-            <a:r>
-              <a:rPr lang="pt-BR" dirty="0">
-                <a:solidFill>
-                  <a:schemeClr val="tx1"/>
-                </a:solidFill>
-                <a:latin typeface="Times New Roman" panose="02020603050405020304" pitchFamily="18" charset="0"/>
-                <a:cs typeface="Times New Roman" panose="02020603050405020304" pitchFamily="18" charset="0"/>
-              </a:rPr>
-              <a:t> </a:t>
-            </a:r>
-            <a:r>
-              <a:rPr lang="pt-BR" b="1" dirty="0">
-                <a:solidFill>
-                  <a:srgbClr val="FF0000"/>
-                </a:solidFill>
-                <a:latin typeface="Times New Roman" panose="02020603050405020304" pitchFamily="18" charset="0"/>
-                <a:cs typeface="Times New Roman" panose="02020603050405020304" pitchFamily="18" charset="0"/>
-              </a:rPr>
-              <a:t>Atenção: Exclui o último elemento.</a:t>
-            </a:r>
-          </a:p>
-          <a:p>
-            <a:pPr marL="0" indent="0" algn="just">
-              <a:buNone/>
-            </a:pPr>
-            <a:r>
-              <a:rPr lang="pt-BR" dirty="0">
-                <a:solidFill>
-                  <a:schemeClr val="tx1"/>
-                </a:solidFill>
-                <a:latin typeface="Times New Roman" panose="02020603050405020304" pitchFamily="18" charset="0"/>
-                <a:cs typeface="Times New Roman" panose="02020603050405020304" pitchFamily="18" charset="0"/>
-              </a:rPr>
-              <a:t>   Ex.: </a:t>
-            </a:r>
-            <a:r>
-              <a:rPr lang="pt-BR" b="1" dirty="0">
-                <a:solidFill>
-                  <a:schemeClr val="tx1"/>
-                </a:solidFill>
-                <a:latin typeface="Times New Roman" panose="02020603050405020304" pitchFamily="18" charset="0"/>
-                <a:cs typeface="Times New Roman" panose="02020603050405020304" pitchFamily="18" charset="0"/>
-              </a:rPr>
-              <a:t>print</a:t>
-            </a:r>
-            <a:r>
-              <a:rPr lang="pt-BR" dirty="0">
-                <a:solidFill>
-                  <a:schemeClr val="tx1"/>
-                </a:solidFill>
-                <a:latin typeface="Times New Roman" panose="02020603050405020304" pitchFamily="18" charset="0"/>
-                <a:cs typeface="Times New Roman" panose="02020603050405020304" pitchFamily="18" charset="0"/>
-              </a:rPr>
-              <a:t>(</a:t>
-            </a:r>
-            <a:r>
-              <a:rPr lang="pt-BR" dirty="0" err="1">
-                <a:solidFill>
-                  <a:schemeClr val="tx1"/>
-                </a:solidFill>
-                <a:latin typeface="Times New Roman" panose="02020603050405020304" pitchFamily="18" charset="0"/>
-                <a:cs typeface="Times New Roman" panose="02020603050405020304" pitchFamily="18" charset="0"/>
-              </a:rPr>
-              <a:t>umaLista</a:t>
-            </a:r>
-            <a:r>
-              <a:rPr lang="pt-BR" dirty="0">
-                <a:solidFill>
-                  <a:schemeClr val="tx1"/>
-                </a:solidFill>
-                <a:latin typeface="Times New Roman" panose="02020603050405020304" pitchFamily="18" charset="0"/>
-                <a:cs typeface="Times New Roman" panose="02020603050405020304" pitchFamily="18" charset="0"/>
-              </a:rPr>
-              <a:t>[1:3]) =&gt; 4, 8</a:t>
+              <a:t>[2]) =&gt; 8</a:t>
             </a:r>
           </a:p>
           <a:p>
@@ -13185,7 +13942,7 @@
                 <a:latin typeface="Times New Roman" panose="02020603050405020304" pitchFamily="18" charset="0"/>
                 <a:cs typeface="Times New Roman" panose="02020603050405020304" pitchFamily="18" charset="0"/>
               </a:rPr>
-              <a:t>Seleciona faixa, da posição informada até o fim com ”</a:t>
+              <a:t>Seleciona tudo até o indicado com”</a:t>
             </a:r>
             <a:r>
               <a:rPr lang="pt-BR" b="1" dirty="0">
@@ -13204,13 +13961,26 @@
               </a:rPr>
               <a:t>”</a:t>
             </a:r>
-            <a:endParaRPr lang="pt-BR" b="1" dirty="0">
-              <a:solidFill>
-                <a:srgbClr val="FF0000"/>
-              </a:solidFill>
-              <a:latin typeface="Times New Roman" panose="02020603050405020304" pitchFamily="18" charset="0"/>
-              <a:cs typeface="Times New Roman" panose="02020603050405020304" pitchFamily="18" charset="0"/>
-            </a:endParaRPr>
+            <a:r>
+              <a:rPr lang="pt-BR" dirty="0">
+                <a:solidFill>
+                  <a:schemeClr val="tx1"/>
+                </a:solidFill>
+                <a:latin typeface="Times New Roman" panose="02020603050405020304" pitchFamily="18" charset="0"/>
+                <a:cs typeface="Times New Roman" panose="02020603050405020304" pitchFamily="18" charset="0"/>
+              </a:rPr>
+              <a:t> </a:t>
+            </a:r>
+            <a:r>
+              <a:rPr lang="pt-BR" b="1" dirty="0">
+                <a:solidFill>
+                  <a:srgbClr val="FF0000"/>
+                </a:solidFill>
+                <a:latin typeface="Times New Roman" panose="02020603050405020304" pitchFamily="18" charset="0"/>
+                <a:cs typeface="Times New Roman" panose="02020603050405020304" pitchFamily="18" charset="0"/>
+              </a:rPr>
+              <a:t>Atenção: Exclui o último elemento.</a:t>
+            </a:r>
           </a:p>
           <a:p>
             <a:pPr marL="0" indent="0" algn="just">
@@ -13264,27 +14034,15 @@
                 <a:latin typeface="Times New Roman" panose="02020603050405020304" pitchFamily="18" charset="0"/>
                 <a:cs typeface="Times New Roman" panose="02020603050405020304" pitchFamily="18" charset="0"/>
               </a:rPr>
-              <a:t>[2:]) =&gt; 8, 5, 7, 9</a:t>
-            </a:r>
-          </a:p>
-          <a:p>
-            <a:pPr marL="0" indent="0" algn="just">
-              <a:buNone/>
-            </a:pPr>
-            <a:endParaRPr lang="pt-BR" dirty="0">
-              <a:solidFill>
-                <a:schemeClr val="tx1"/>
-              </a:solidFill>
-              <a:latin typeface="Times New Roman" panose="02020603050405020304" pitchFamily="18" charset="0"/>
-              <a:cs typeface="Times New Roman" panose="02020603050405020304" pitchFamily="18" charset="0"/>
-            </a:endParaRPr>
+              <a:t>[:3]) =&gt; 1, 4, 8</a:t>
+            </a:r>
           </a:p>
         </p:txBody>
       </p:sp>
     </p:spTree>
     <p:extLst>
       <p:ext uri="{BB962C8B-B14F-4D97-AF65-F5344CB8AC3E}">
-        <p14:creationId xmlns:p14="http://schemas.microsoft.com/office/powerpoint/2010/main" val="3026463142"/>
+        <p14:creationId xmlns:p14="http://schemas.microsoft.com/office/powerpoint/2010/main" val="2372610511"/>
       </p:ext>
     </p:extLst>
   </p:cSld>
@@ -13454,7 +14212,115 @@
                 <a:latin typeface="Times New Roman" panose="02020603050405020304" pitchFamily="18" charset="0"/>
                 <a:cs typeface="Times New Roman" panose="02020603050405020304" pitchFamily="18" charset="0"/>
               </a:rPr>
-              <a:t>Seleciona faixa, “de tanto em tanto” com”:</a:t>
+              <a:t>Seleciona tudo até o indicado com”</a:t>
+            </a:r>
+            <a:r>
+              <a:rPr lang="pt-BR" b="1" dirty="0">
+                <a:solidFill>
+                  <a:srgbClr val="0070C0"/>
+                </a:solidFill>
+                <a:latin typeface="Times New Roman" panose="02020603050405020304" pitchFamily="18" charset="0"/>
+                <a:cs typeface="Times New Roman" panose="02020603050405020304" pitchFamily="18" charset="0"/>
+              </a:rPr>
+              <a:t>:</a:t>
+            </a:r>
+            <a:r>
+              <a:rPr lang="pt-BR" dirty="0">
+                <a:latin typeface="Times New Roman" panose="02020603050405020304" pitchFamily="18" charset="0"/>
+                <a:cs typeface="Times New Roman" panose="02020603050405020304" pitchFamily="18" charset="0"/>
+              </a:rPr>
+              <a:t>”</a:t>
+            </a:r>
+            <a:r>
+              <a:rPr lang="pt-BR" dirty="0">
+                <a:solidFill>
+                  <a:schemeClr val="tx1"/>
+                </a:solidFill>
+                <a:latin typeface="Times New Roman" panose="02020603050405020304" pitchFamily="18" charset="0"/>
+                <a:cs typeface="Times New Roman" panose="02020603050405020304" pitchFamily="18" charset="0"/>
+              </a:rPr>
+              <a:t> </a:t>
+            </a:r>
+            <a:r>
+              <a:rPr lang="pt-BR" b="1" dirty="0">
+                <a:solidFill>
+                  <a:srgbClr val="FF0000"/>
+                </a:solidFill>
+                <a:latin typeface="Times New Roman" panose="02020603050405020304" pitchFamily="18" charset="0"/>
+                <a:cs typeface="Times New Roman" panose="02020603050405020304" pitchFamily="18" charset="0"/>
+              </a:rPr>
+              <a:t>Atenção: Exclui o último elemento.</a:t>
+            </a:r>
+          </a:p>
+          <a:p>
+            <a:pPr marL="0" indent="0" algn="just">
+              <a:buNone/>
+            </a:pPr>
+            <a:r>
+              <a:rPr lang="pt-BR" dirty="0">
+                <a:solidFill>
+                  <a:schemeClr val="tx1"/>
+                </a:solidFill>
+                <a:latin typeface="Times New Roman" panose="02020603050405020304" pitchFamily="18" charset="0"/>
+                <a:cs typeface="Times New Roman" panose="02020603050405020304" pitchFamily="18" charset="0"/>
+              </a:rPr>
+              <a:t>   Ex.: </a:t>
+            </a:r>
+            <a:r>
+              <a:rPr lang="pt-BR" b="1" dirty="0">
+                <a:solidFill>
+                  <a:schemeClr val="tx1"/>
+                </a:solidFill>
+                <a:latin typeface="Times New Roman" panose="02020603050405020304" pitchFamily="18" charset="0"/>
+                <a:cs typeface="Times New Roman" panose="02020603050405020304" pitchFamily="18" charset="0"/>
+              </a:rPr>
+              <a:t>print</a:t>
+            </a:r>
+            <a:r>
+              <a:rPr lang="pt-BR" dirty="0">
+                <a:solidFill>
+                  <a:schemeClr val="tx1"/>
+                </a:solidFill>
+                <a:latin typeface="Times New Roman" panose="02020603050405020304" pitchFamily="18" charset="0"/>
+                <a:cs typeface="Times New Roman" panose="02020603050405020304" pitchFamily="18" charset="0"/>
+              </a:rPr>
+              <a:t>(</a:t>
+            </a:r>
+            <a:r>
+              <a:rPr lang="pt-BR" dirty="0" err="1">
+                <a:solidFill>
+                  <a:schemeClr val="tx1"/>
+                </a:solidFill>
+                <a:latin typeface="Times New Roman" panose="02020603050405020304" pitchFamily="18" charset="0"/>
+                <a:cs typeface="Times New Roman" panose="02020603050405020304" pitchFamily="18" charset="0"/>
+              </a:rPr>
+              <a:t>umaLista</a:t>
+            </a:r>
+            <a:r>
+              <a:rPr lang="pt-BR" dirty="0">
+                <a:solidFill>
+                  <a:schemeClr val="tx1"/>
+                </a:solidFill>
+                <a:latin typeface="Times New Roman" panose="02020603050405020304" pitchFamily="18" charset="0"/>
+                <a:cs typeface="Times New Roman" panose="02020603050405020304" pitchFamily="18" charset="0"/>
+              </a:rPr>
+              <a:t>[1:3]) =&gt; 4, 8</a:t>
+            </a:r>
+          </a:p>
+          <a:p>
+            <a:pPr algn="just">
+              <a:buFontTx/>
+              <a:buChar char="-"/>
+            </a:pPr>
+            <a:r>
+              <a:rPr lang="pt-BR" dirty="0">
+                <a:solidFill>
+                  <a:schemeClr val="tx1"/>
+                </a:solidFill>
+                <a:latin typeface="Times New Roman" panose="02020603050405020304" pitchFamily="18" charset="0"/>
+                <a:cs typeface="Times New Roman" panose="02020603050405020304" pitchFamily="18" charset="0"/>
+              </a:rPr>
+              <a:t>Seleciona faixa, da posição informada até o fim com ”</a:t>
             </a:r>
             <a:r>
               <a:rPr lang="pt-BR" b="1" dirty="0">
@@ -13533,102 +14399,7 @@
                 <a:latin typeface="Times New Roman" panose="02020603050405020304" pitchFamily="18" charset="0"/>
                 <a:cs typeface="Times New Roman" panose="02020603050405020304" pitchFamily="18" charset="0"/>
               </a:rPr>
-              <a:t>[::2]) =&gt; 1, 8, 5, 7</a:t>
-            </a:r>
-          </a:p>
-          <a:p>
-            <a:pPr algn="just">
-              <a:buFontTx/>
-              <a:buChar char="-"/>
-            </a:pPr>
-            <a:r>
-              <a:rPr lang="pt-BR" dirty="0">
-                <a:solidFill>
-                  <a:schemeClr val="tx1"/>
-                </a:solidFill>
-                <a:latin typeface="Times New Roman" panose="02020603050405020304" pitchFamily="18" charset="0"/>
-                <a:cs typeface="Times New Roman" panose="02020603050405020304" pitchFamily="18" charset="0"/>
-              </a:rPr>
-              <a:t>Seleciona faixa, da posição e inicial com ”</a:t>
-            </a:r>
-            <a:r>
-              <a:rPr lang="pt-BR" b="1" dirty="0">
-                <a:solidFill>
-                  <a:srgbClr val="0070C0"/>
-                </a:solidFill>
-                <a:latin typeface="Times New Roman" panose="02020603050405020304" pitchFamily="18" charset="0"/>
-                <a:cs typeface="Times New Roman" panose="02020603050405020304" pitchFamily="18" charset="0"/>
-              </a:rPr>
-              <a:t>:</a:t>
-            </a:r>
-            <a:r>
-              <a:rPr lang="pt-BR" dirty="0">
-                <a:latin typeface="Times New Roman" panose="02020603050405020304" pitchFamily="18" charset="0"/>
-                <a:cs typeface="Times New Roman" panose="02020603050405020304" pitchFamily="18" charset="0"/>
-              </a:rPr>
-              <a:t>”</a:t>
-            </a:r>
-            <a:endParaRPr lang="pt-BR" b="1" dirty="0">
-              <a:solidFill>
-                <a:srgbClr val="FF0000"/>
-              </a:solidFill>
-              <a:latin typeface="Times New Roman" panose="02020603050405020304" pitchFamily="18" charset="0"/>
-              <a:cs typeface="Times New Roman" panose="02020603050405020304" pitchFamily="18" charset="0"/>
-            </a:endParaRPr>
-          </a:p>
-          <a:p>
-            <a:pPr marL="0" indent="0" algn="just">
-              <a:buNone/>
-            </a:pPr>
-            <a:r>
-              <a:rPr lang="pt-BR" dirty="0">
-                <a:solidFill>
-                  <a:schemeClr val="tx1"/>
-                </a:solidFill>
-                <a:latin typeface="Times New Roman" panose="02020603050405020304" pitchFamily="18" charset="0"/>
-                <a:cs typeface="Times New Roman" panose="02020603050405020304" pitchFamily="18" charset="0"/>
-              </a:rPr>
-              <a:t>   Ex.: </a:t>
-            </a:r>
-            <a:r>
-              <a:rPr lang="pt-BR" b="1" dirty="0">
-                <a:solidFill>
-                  <a:schemeClr val="tx1"/>
-                </a:solidFill>
-                <a:latin typeface="Times New Roman" panose="02020603050405020304" pitchFamily="18" charset="0"/>
-                <a:cs typeface="Times New Roman" panose="02020603050405020304" pitchFamily="18" charset="0"/>
-              </a:rPr>
-              <a:t>print</a:t>
-            </a:r>
-            <a:r>
-              <a:rPr lang="pt-BR" dirty="0">
-                <a:solidFill>
-                  <a:schemeClr val="tx1"/>
-                </a:solidFill>
-                <a:latin typeface="Times New Roman" panose="02020603050405020304" pitchFamily="18" charset="0"/>
-                <a:cs typeface="Times New Roman" panose="02020603050405020304" pitchFamily="18" charset="0"/>
-              </a:rPr>
-              <a:t>(</a:t>
-            </a:r>
-            <a:r>
-              <a:rPr lang="pt-BR" dirty="0" err="1">
-                <a:solidFill>
-                  <a:schemeClr val="tx1"/>
-                </a:solidFill>
-                <a:latin typeface="Times New Roman" panose="02020603050405020304" pitchFamily="18" charset="0"/>
-                <a:cs typeface="Times New Roman" panose="02020603050405020304" pitchFamily="18" charset="0"/>
-              </a:rPr>
-              <a:t>umaLista</a:t>
-            </a:r>
-            <a:r>
-              <a:rPr lang="pt-BR" dirty="0">
-                <a:solidFill>
-                  <a:schemeClr val="tx1"/>
-                </a:solidFill>
-                <a:latin typeface="Times New Roman" panose="02020603050405020304" pitchFamily="18" charset="0"/>
-                <a:cs typeface="Times New Roman" panose="02020603050405020304" pitchFamily="18" charset="0"/>
-              </a:rPr>
-              <a:t>[1::3]) =&gt; 4, 7</a:t>
+              <a:t>[2:]) =&gt; 8, 5, 7, 9</a:t>
             </a:r>
           </a:p>
           <a:p>
@@ -13648,7 +14419,7 @@
     </p:spTree>
     <p:extLst>
       <p:ext uri="{BB962C8B-B14F-4D97-AF65-F5344CB8AC3E}">
-        <p14:creationId xmlns:p14="http://schemas.microsoft.com/office/powerpoint/2010/main" val="2660980653"/>
+        <p14:creationId xmlns:p14="http://schemas.microsoft.com/office/powerpoint/2010/main" val="3026463142"/>
       </p:ext>
     </p:extLst>
   </p:cSld>
@@ -13818,17 +14589,24 @@
                 <a:latin typeface="Times New Roman" panose="02020603050405020304" pitchFamily="18" charset="0"/>
                 <a:cs typeface="Times New Roman" panose="02020603050405020304" pitchFamily="18" charset="0"/>
               </a:rPr>
-              <a:t>Apagar, uma faixa da lista com </a:t>
-            </a:r>
-            <a:r>
-              <a:rPr lang="pt-BR" dirty="0" err="1">
-                <a:solidFill>
-                  <a:schemeClr val="tx1"/>
-                </a:solidFill>
-                <a:latin typeface="Times New Roman" panose="02020603050405020304" pitchFamily="18" charset="0"/>
-                <a:cs typeface="Times New Roman" panose="02020603050405020304" pitchFamily="18" charset="0"/>
-              </a:rPr>
-              <a:t>del</a:t>
+              <a:t>Seleciona faixa, “de tanto em tanto” com”:</a:t>
+            </a:r>
+            <a:r>
+              <a:rPr lang="pt-BR" b="1" dirty="0">
+                <a:solidFill>
+                  <a:srgbClr val="0070C0"/>
+                </a:solidFill>
+                <a:latin typeface="Times New Roman" panose="02020603050405020304" pitchFamily="18" charset="0"/>
+                <a:cs typeface="Times New Roman" panose="02020603050405020304" pitchFamily="18" charset="0"/>
+              </a:rPr>
+              <a:t>:</a:t>
+            </a:r>
+            <a:r>
+              <a:rPr lang="pt-BR" dirty="0">
+                <a:latin typeface="Times New Roman" panose="02020603050405020304" pitchFamily="18" charset="0"/>
+                <a:cs typeface="Times New Roman" panose="02020603050405020304" pitchFamily="18" charset="0"/>
+              </a:rPr>
+              <a:t>”</a:t>
             </a:r>
             <a:endParaRPr lang="pt-BR" b="1" dirty="0">
               <a:solidFill>
@@ -13853,14 +14631,14 @@
               <a:t>   Ex.: </a:t>
             </a:r>
             <a:r>
-              <a:rPr lang="pt-BR" b="1" dirty="0" err="1">
-                <a:solidFill>
-                  <a:schemeClr val="tx1"/>
-                </a:solidFill>
-                <a:latin typeface="Times New Roman" panose="02020603050405020304" pitchFamily="18" charset="0"/>
-                <a:cs typeface="Times New Roman" panose="02020603050405020304" pitchFamily="18" charset="0"/>
-              </a:rPr>
-              <a:t>del</a:t>
+              <a:rPr lang="pt-BR" b="1" dirty="0">
+                <a:solidFill>
+                  <a:schemeClr val="tx1"/>
+                </a:solidFill>
+                <a:latin typeface="Times New Roman" panose="02020603050405020304" pitchFamily="18" charset="0"/>
+                <a:cs typeface="Times New Roman" panose="02020603050405020304" pitchFamily="18" charset="0"/>
+              </a:rPr>
+              <a:t>print</a:t>
             </a:r>
             <a:r>
               <a:rPr lang="pt-BR" dirty="0">
@@ -13870,7 +14648,7 @@
                 <a:latin typeface="Times New Roman" panose="02020603050405020304" pitchFamily="18" charset="0"/>
                 <a:cs typeface="Times New Roman" panose="02020603050405020304" pitchFamily="18" charset="0"/>
               </a:rPr>
-              <a:t> </a:t>
+              <a:t>(</a:t>
             </a:r>
             <a:r>
               <a:rPr lang="pt-BR" dirty="0" err="1">
@@ -13883,16 +14661,6 @@
               <a:t>umaLista</a:t>
             </a:r>
             <a:r>
-              <a:rPr lang="pt-BR">
-                <a:solidFill>
-                  <a:schemeClr val="tx1"/>
-                </a:solidFill>
-                <a:latin typeface="Times New Roman" panose="02020603050405020304" pitchFamily="18" charset="0"/>
-                <a:cs typeface="Times New Roman" panose="02020603050405020304" pitchFamily="18" charset="0"/>
-              </a:rPr>
-              <a:t>[1:3</a:t>
-            </a:r>
-            <a:r>
               <a:rPr lang="pt-BR" dirty="0">
                 <a:solidFill>
                   <a:schemeClr val="tx1"/>
@@ -13900,27 +14668,7 @@
                 <a:latin typeface="Times New Roman" panose="02020603050405020304" pitchFamily="18" charset="0"/>
                 <a:cs typeface="Times New Roman" panose="02020603050405020304" pitchFamily="18" charset="0"/>
               </a:rPr>
-              <a:t>]; print(</a:t>
-            </a:r>
-            <a:r>
-              <a:rPr lang="pt-BR" dirty="0" err="1">
-                <a:solidFill>
-                  <a:schemeClr val="tx1"/>
-                </a:solidFill>
-                <a:latin typeface="Times New Roman" panose="02020603050405020304" pitchFamily="18" charset="0"/>
-                <a:cs typeface="Times New Roman" panose="02020603050405020304" pitchFamily="18" charset="0"/>
-              </a:rPr>
-              <a:t>umaLista</a:t>
-            </a:r>
-            <a:r>
-              <a:rPr lang="pt-BR" dirty="0">
-                <a:solidFill>
-                  <a:schemeClr val="tx1"/>
-                </a:solidFill>
-                <a:latin typeface="Times New Roman" panose="02020603050405020304" pitchFamily="18" charset="0"/>
-                <a:cs typeface="Times New Roman" panose="02020603050405020304" pitchFamily="18" charset="0"/>
-              </a:rPr>
-              <a:t>)</a:t>
+              <a:t>[::2]) =&gt; 1, 8, 7</a:t>
             </a:r>
           </a:p>
           <a:p>
@@ -13936,7 +14684,24 @@
                 <a:latin typeface="Times New Roman" panose="02020603050405020304" pitchFamily="18" charset="0"/>
                 <a:cs typeface="Times New Roman" panose="02020603050405020304" pitchFamily="18" charset="0"/>
               </a:rPr>
-              <a:t>Apagar lista totalmente</a:t>
+              <a:t>Seleciona faixa, da posição e inicial com ”</a:t>
+            </a:r>
+            <a:r>
+              <a:rPr lang="pt-BR" b="1" dirty="0">
+                <a:solidFill>
+                  <a:srgbClr val="0070C0"/>
+                </a:solidFill>
+                <a:latin typeface="Times New Roman" panose="02020603050405020304" pitchFamily="18" charset="0"/>
+                <a:cs typeface="Times New Roman" panose="02020603050405020304" pitchFamily="18" charset="0"/>
+              </a:rPr>
+              <a:t>:</a:t>
+            </a:r>
+            <a:r>
+              <a:rPr lang="pt-BR" dirty="0">
+                <a:latin typeface="Times New Roman" panose="02020603050405020304" pitchFamily="18" charset="0"/>
+                <a:cs typeface="Times New Roman" panose="02020603050405020304" pitchFamily="18" charset="0"/>
+              </a:rPr>
+              <a:t>”</a:t>
             </a:r>
             <a:endParaRPr lang="pt-BR" b="1" dirty="0">
               <a:solidFill>
@@ -13961,14 +14726,14 @@
               <a:t>   Ex.: </a:t>
             </a:r>
             <a:r>
-              <a:rPr lang="pt-BR" b="1" dirty="0" err="1">
-                <a:solidFill>
-                  <a:schemeClr val="tx1"/>
-                </a:solidFill>
-                <a:latin typeface="Times New Roman" panose="02020603050405020304" pitchFamily="18" charset="0"/>
-                <a:cs typeface="Times New Roman" panose="02020603050405020304" pitchFamily="18" charset="0"/>
-              </a:rPr>
-              <a:t>del</a:t>
+              <a:rPr lang="pt-BR" b="1" dirty="0">
+                <a:solidFill>
+                  <a:schemeClr val="tx1"/>
+                </a:solidFill>
+                <a:latin typeface="Times New Roman" panose="02020603050405020304" pitchFamily="18" charset="0"/>
+                <a:cs typeface="Times New Roman" panose="02020603050405020304" pitchFamily="18" charset="0"/>
+              </a:rPr>
+              <a:t>print</a:t>
             </a:r>
             <a:r>
               <a:rPr lang="pt-BR" dirty="0">
@@ -13978,7 +14743,7 @@
                 <a:latin typeface="Times New Roman" panose="02020603050405020304" pitchFamily="18" charset="0"/>
                 <a:cs typeface="Times New Roman" panose="02020603050405020304" pitchFamily="18" charset="0"/>
               </a:rPr>
-              <a:t> </a:t>
+              <a:t>(</a:t>
             </a:r>
             <a:r>
               <a:rPr lang="pt-BR" dirty="0" err="1">
@@ -13990,13 +14755,16 @@
               </a:rPr>
               <a:t>umaLista</a:t>
             </a:r>
-            <a:endParaRPr lang="pt-BR" dirty="0">
-              <a:solidFill>
-                <a:schemeClr val="tx1"/>
-              </a:solidFill>
-              <a:latin typeface="Times New Roman" panose="02020603050405020304" pitchFamily="18" charset="0"/>
-              <a:cs typeface="Times New Roman" panose="02020603050405020304" pitchFamily="18" charset="0"/>
-            </a:endParaRPr>
+            <a:r>
+              <a:rPr lang="pt-BR" dirty="0">
+                <a:solidFill>
+                  <a:schemeClr val="tx1"/>
+                </a:solidFill>
+                <a:latin typeface="Times New Roman" panose="02020603050405020304" pitchFamily="18" charset="0"/>
+                <a:cs typeface="Times New Roman" panose="02020603050405020304" pitchFamily="18" charset="0"/>
+              </a:rPr>
+              <a:t>[1::3]) =&gt; 4, 7</a:t>
+            </a:r>
           </a:p>
           <a:p>
             <a:pPr marL="0" indent="0" algn="just">
@@ -14015,7 +14783,7 @@
     </p:spTree>
     <p:extLst>
       <p:ext uri="{BB962C8B-B14F-4D97-AF65-F5344CB8AC3E}">
-        <p14:creationId xmlns:p14="http://schemas.microsoft.com/office/powerpoint/2010/main" val="2615201603"/>
+        <p14:creationId xmlns:p14="http://schemas.microsoft.com/office/powerpoint/2010/main" val="2660980653"/>
       </p:ext>
     </p:extLst>
   </p:cSld>

--- a/01 Classes/Aula 07 Programação Python - Tipos de Dados Aglomerados.pptx
+++ b/01 Classes/Aula 07 Programação Python - Tipos de Dados Aglomerados.pptx
@@ -5,7 +5,7 @@
     <p:sldMasterId id="2147483671" r:id="rId1"/>
   </p:sldMasterIdLst>
   <p:notesMasterIdLst>
-    <p:notesMasterId r:id="rId27"/>
+    <p:notesMasterId r:id="rId29"/>
   </p:notesMasterIdLst>
   <p:sldIdLst>
     <p:sldId id="256" r:id="rId2"/>
@@ -15,24 +15,26 @@
     <p:sldId id="349" r:id="rId6"/>
     <p:sldId id="354" r:id="rId7"/>
     <p:sldId id="348" r:id="rId8"/>
-    <p:sldId id="350" r:id="rId9"/>
-    <p:sldId id="351" r:id="rId10"/>
-    <p:sldId id="352" r:id="rId11"/>
-    <p:sldId id="340" r:id="rId12"/>
-    <p:sldId id="341" r:id="rId13"/>
-    <p:sldId id="343" r:id="rId14"/>
-    <p:sldId id="342" r:id="rId15"/>
-    <p:sldId id="339" r:id="rId16"/>
-    <p:sldId id="344" r:id="rId17"/>
-    <p:sldId id="345" r:id="rId18"/>
-    <p:sldId id="346" r:id="rId19"/>
-    <p:sldId id="347" r:id="rId20"/>
-    <p:sldId id="353" r:id="rId21"/>
-    <p:sldId id="323" r:id="rId22"/>
-    <p:sldId id="333" r:id="rId23"/>
-    <p:sldId id="334" r:id="rId24"/>
-    <p:sldId id="337" r:id="rId25"/>
-    <p:sldId id="309" r:id="rId26"/>
+    <p:sldId id="356" r:id="rId9"/>
+    <p:sldId id="355" r:id="rId10"/>
+    <p:sldId id="350" r:id="rId11"/>
+    <p:sldId id="351" r:id="rId12"/>
+    <p:sldId id="352" r:id="rId13"/>
+    <p:sldId id="340" r:id="rId14"/>
+    <p:sldId id="341" r:id="rId15"/>
+    <p:sldId id="343" r:id="rId16"/>
+    <p:sldId id="342" r:id="rId17"/>
+    <p:sldId id="339" r:id="rId18"/>
+    <p:sldId id="344" r:id="rId19"/>
+    <p:sldId id="345" r:id="rId20"/>
+    <p:sldId id="346" r:id="rId21"/>
+    <p:sldId id="347" r:id="rId22"/>
+    <p:sldId id="353" r:id="rId23"/>
+    <p:sldId id="323" r:id="rId24"/>
+    <p:sldId id="333" r:id="rId25"/>
+    <p:sldId id="334" r:id="rId26"/>
+    <p:sldId id="337" r:id="rId27"/>
+    <p:sldId id="309" r:id="rId28"/>
   </p:sldIdLst>
   <p:sldSz cx="9144000" cy="5143500" type="screen16x9"/>
   <p:notesSz cx="6858000" cy="9144000"/>
@@ -447,7 +449,7 @@
     </p:spTree>
     <p:extLst>
       <p:ext uri="{BB962C8B-B14F-4D97-AF65-F5344CB8AC3E}">
-        <p14:creationId xmlns:p14="http://schemas.microsoft.com/office/powerpoint/2010/main" val="874626551"/>
+        <p14:creationId xmlns:p14="http://schemas.microsoft.com/office/powerpoint/2010/main" val="3821292597"/>
       </p:ext>
     </p:extLst>
   </p:cSld>
@@ -513,7 +515,7 @@
     </p:spTree>
     <p:extLst>
       <p:ext uri="{BB962C8B-B14F-4D97-AF65-F5344CB8AC3E}">
-        <p14:creationId xmlns:p14="http://schemas.microsoft.com/office/powerpoint/2010/main" val="1087326955"/>
+        <p14:creationId xmlns:p14="http://schemas.microsoft.com/office/powerpoint/2010/main" val="1131444248"/>
       </p:ext>
     </p:extLst>
   </p:cSld>
@@ -579,7 +581,7 @@
     </p:spTree>
     <p:extLst>
       <p:ext uri="{BB962C8B-B14F-4D97-AF65-F5344CB8AC3E}">
-        <p14:creationId xmlns:p14="http://schemas.microsoft.com/office/powerpoint/2010/main" val="1193636002"/>
+        <p14:creationId xmlns:p14="http://schemas.microsoft.com/office/powerpoint/2010/main" val="874626551"/>
       </p:ext>
     </p:extLst>
   </p:cSld>
@@ -645,7 +647,7 @@
     </p:spTree>
     <p:extLst>
       <p:ext uri="{BB962C8B-B14F-4D97-AF65-F5344CB8AC3E}">
-        <p14:creationId xmlns:p14="http://schemas.microsoft.com/office/powerpoint/2010/main" val="3877086868"/>
+        <p14:creationId xmlns:p14="http://schemas.microsoft.com/office/powerpoint/2010/main" val="1087326955"/>
       </p:ext>
     </p:extLst>
   </p:cSld>
@@ -711,7 +713,7 @@
     </p:spTree>
     <p:extLst>
       <p:ext uri="{BB962C8B-B14F-4D97-AF65-F5344CB8AC3E}">
-        <p14:creationId xmlns:p14="http://schemas.microsoft.com/office/powerpoint/2010/main" val="3685178982"/>
+        <p14:creationId xmlns:p14="http://schemas.microsoft.com/office/powerpoint/2010/main" val="1193636002"/>
       </p:ext>
     </p:extLst>
   </p:cSld>
@@ -777,7 +779,7 @@
     </p:spTree>
     <p:extLst>
       <p:ext uri="{BB962C8B-B14F-4D97-AF65-F5344CB8AC3E}">
-        <p14:creationId xmlns:p14="http://schemas.microsoft.com/office/powerpoint/2010/main" val="1805732158"/>
+        <p14:creationId xmlns:p14="http://schemas.microsoft.com/office/powerpoint/2010/main" val="3877086868"/>
       </p:ext>
     </p:extLst>
   </p:cSld>
@@ -843,7 +845,7 @@
     </p:spTree>
     <p:extLst>
       <p:ext uri="{BB962C8B-B14F-4D97-AF65-F5344CB8AC3E}">
-        <p14:creationId xmlns:p14="http://schemas.microsoft.com/office/powerpoint/2010/main" val="1661230793"/>
+        <p14:creationId xmlns:p14="http://schemas.microsoft.com/office/powerpoint/2010/main" val="3685178982"/>
       </p:ext>
     </p:extLst>
   </p:cSld>
@@ -909,7 +911,7 @@
     </p:spTree>
     <p:extLst>
       <p:ext uri="{BB962C8B-B14F-4D97-AF65-F5344CB8AC3E}">
-        <p14:creationId xmlns:p14="http://schemas.microsoft.com/office/powerpoint/2010/main" val="731967856"/>
+        <p14:creationId xmlns:p14="http://schemas.microsoft.com/office/powerpoint/2010/main" val="1805732158"/>
       </p:ext>
     </p:extLst>
   </p:cSld>
@@ -975,7 +977,7 @@
     </p:spTree>
     <p:extLst>
       <p:ext uri="{BB962C8B-B14F-4D97-AF65-F5344CB8AC3E}">
-        <p14:creationId xmlns:p14="http://schemas.microsoft.com/office/powerpoint/2010/main" val="3398795520"/>
+        <p14:creationId xmlns:p14="http://schemas.microsoft.com/office/powerpoint/2010/main" val="1661230793"/>
       </p:ext>
     </p:extLst>
   </p:cSld>
@@ -1041,7 +1043,7 @@
     </p:spTree>
     <p:extLst>
       <p:ext uri="{BB962C8B-B14F-4D97-AF65-F5344CB8AC3E}">
-        <p14:creationId xmlns:p14="http://schemas.microsoft.com/office/powerpoint/2010/main" val="2709569597"/>
+        <p14:creationId xmlns:p14="http://schemas.microsoft.com/office/powerpoint/2010/main" val="731967856"/>
       </p:ext>
     </p:extLst>
   </p:cSld>
@@ -1173,7 +1175,7 @@
     </p:spTree>
     <p:extLst>
       <p:ext uri="{BB962C8B-B14F-4D97-AF65-F5344CB8AC3E}">
-        <p14:creationId xmlns:p14="http://schemas.microsoft.com/office/powerpoint/2010/main" val="585304384"/>
+        <p14:creationId xmlns:p14="http://schemas.microsoft.com/office/powerpoint/2010/main" val="3398795520"/>
       </p:ext>
     </p:extLst>
   </p:cSld>
@@ -1239,6 +1241,138 @@
     </p:spTree>
     <p:extLst>
       <p:ext uri="{BB962C8B-B14F-4D97-AF65-F5344CB8AC3E}">
+        <p14:creationId xmlns:p14="http://schemas.microsoft.com/office/powerpoint/2010/main" val="2709569597"/>
+      </p:ext>
+    </p:extLst>
+  </p:cSld>
+  <p:clrMapOvr>
+    <a:masterClrMapping/>
+  </p:clrMapOvr>
+</p:notes>
+</file>
+
+<file path=ppt/notesSlides/notesSlide22.xml><?xml version="1.0" encoding="utf-8"?>
+<p:notes xmlns:a="http://schemas.openxmlformats.org/drawingml/2006/main" xmlns:r="http://schemas.openxmlformats.org/officeDocument/2006/relationships" xmlns:p="http://schemas.openxmlformats.org/presentationml/2006/main">
+  <p:cSld>
+    <p:spTree>
+      <p:nvGrpSpPr>
+        <p:cNvPr id="1" name=""/>
+        <p:cNvGrpSpPr/>
+        <p:nvPr/>
+      </p:nvGrpSpPr>
+      <p:grpSpPr>
+        <a:xfrm>
+          <a:off x="0" y="0"/>
+          <a:ext cx="0" cy="0"/>
+          <a:chOff x="0" y="0"/>
+          <a:chExt cx="0" cy="0"/>
+        </a:xfrm>
+      </p:grpSpPr>
+      <p:sp>
+        <p:nvSpPr>
+          <p:cNvPr id="2" name="Espaço Reservado para Imagem de Slide 1"/>
+          <p:cNvSpPr>
+            <a:spLocks noGrp="1" noRot="1" noChangeAspect="1"/>
+          </p:cNvSpPr>
+          <p:nvPr>
+            <p:ph type="sldImg"/>
+          </p:nvPr>
+        </p:nvSpPr>
+        <p:spPr>
+          <a:xfrm>
+            <a:off x="381000" y="685800"/>
+            <a:ext cx="6096000" cy="3429000"/>
+          </a:xfrm>
+        </p:spPr>
+      </p:sp>
+      <p:sp>
+        <p:nvSpPr>
+          <p:cNvPr id="3" name="Espaço Reservado para Anotações 2"/>
+          <p:cNvSpPr>
+            <a:spLocks noGrp="1"/>
+          </p:cNvSpPr>
+          <p:nvPr>
+            <p:ph type="body" idx="1"/>
+          </p:nvPr>
+        </p:nvSpPr>
+        <p:spPr/>
+        <p:txBody>
+          <a:bodyPr/>
+          <a:lstStyle/>
+          <a:p>
+            <a:endParaRPr lang="pt-BR" dirty="0"/>
+          </a:p>
+        </p:txBody>
+      </p:sp>
+    </p:spTree>
+    <p:extLst>
+      <p:ext uri="{BB962C8B-B14F-4D97-AF65-F5344CB8AC3E}">
+        <p14:creationId xmlns:p14="http://schemas.microsoft.com/office/powerpoint/2010/main" val="585304384"/>
+      </p:ext>
+    </p:extLst>
+  </p:cSld>
+  <p:clrMapOvr>
+    <a:masterClrMapping/>
+  </p:clrMapOvr>
+</p:notes>
+</file>
+
+<file path=ppt/notesSlides/notesSlide23.xml><?xml version="1.0" encoding="utf-8"?>
+<p:notes xmlns:a="http://schemas.openxmlformats.org/drawingml/2006/main" xmlns:r="http://schemas.openxmlformats.org/officeDocument/2006/relationships" xmlns:p="http://schemas.openxmlformats.org/presentationml/2006/main">
+  <p:cSld>
+    <p:spTree>
+      <p:nvGrpSpPr>
+        <p:cNvPr id="1" name=""/>
+        <p:cNvGrpSpPr/>
+        <p:nvPr/>
+      </p:nvGrpSpPr>
+      <p:grpSpPr>
+        <a:xfrm>
+          <a:off x="0" y="0"/>
+          <a:ext cx="0" cy="0"/>
+          <a:chOff x="0" y="0"/>
+          <a:chExt cx="0" cy="0"/>
+        </a:xfrm>
+      </p:grpSpPr>
+      <p:sp>
+        <p:nvSpPr>
+          <p:cNvPr id="2" name="Espaço Reservado para Imagem de Slide 1"/>
+          <p:cNvSpPr>
+            <a:spLocks noGrp="1" noRot="1" noChangeAspect="1"/>
+          </p:cNvSpPr>
+          <p:nvPr>
+            <p:ph type="sldImg"/>
+          </p:nvPr>
+        </p:nvSpPr>
+        <p:spPr>
+          <a:xfrm>
+            <a:off x="381000" y="685800"/>
+            <a:ext cx="6096000" cy="3429000"/>
+          </a:xfrm>
+        </p:spPr>
+      </p:sp>
+      <p:sp>
+        <p:nvSpPr>
+          <p:cNvPr id="3" name="Espaço Reservado para Anotações 2"/>
+          <p:cNvSpPr>
+            <a:spLocks noGrp="1"/>
+          </p:cNvSpPr>
+          <p:nvPr>
+            <p:ph type="body" idx="1"/>
+          </p:nvPr>
+        </p:nvSpPr>
+        <p:spPr/>
+        <p:txBody>
+          <a:bodyPr/>
+          <a:lstStyle/>
+          <a:p>
+            <a:endParaRPr lang="pt-BR" dirty="0"/>
+          </a:p>
+        </p:txBody>
+      </p:sp>
+    </p:spTree>
+    <p:extLst>
+      <p:ext uri="{BB962C8B-B14F-4D97-AF65-F5344CB8AC3E}">
         <p14:creationId xmlns:p14="http://schemas.microsoft.com/office/powerpoint/2010/main" val="2296249050"/>
       </p:ext>
     </p:extLst>
@@ -1249,7 +1383,7 @@
 </p:notes>
 </file>
 
-<file path=ppt/notesSlides/notesSlide22.xml><?xml version="1.0" encoding="utf-8"?>
+<file path=ppt/notesSlides/notesSlide24.xml><?xml version="1.0" encoding="utf-8"?>
 <p:notes xmlns:a="http://schemas.openxmlformats.org/drawingml/2006/main" xmlns:r="http://schemas.openxmlformats.org/officeDocument/2006/relationships" xmlns:p="http://schemas.openxmlformats.org/presentationml/2006/main">
   <p:cSld>
     <p:spTree>
@@ -1569,7 +1703,7 @@
     </p:spTree>
     <p:extLst>
       <p:ext uri="{BB962C8B-B14F-4D97-AF65-F5344CB8AC3E}">
-        <p14:creationId xmlns:p14="http://schemas.microsoft.com/office/powerpoint/2010/main" val="3813042706"/>
+        <p14:creationId xmlns:p14="http://schemas.microsoft.com/office/powerpoint/2010/main" val="3158986882"/>
       </p:ext>
     </p:extLst>
   </p:cSld>
@@ -1635,7 +1769,7 @@
     </p:spTree>
     <p:extLst>
       <p:ext uri="{BB962C8B-B14F-4D97-AF65-F5344CB8AC3E}">
-        <p14:creationId xmlns:p14="http://schemas.microsoft.com/office/powerpoint/2010/main" val="3581898231"/>
+        <p14:creationId xmlns:p14="http://schemas.microsoft.com/office/powerpoint/2010/main" val="1395961111"/>
       </p:ext>
     </p:extLst>
   </p:cSld>
@@ -1701,7 +1835,7 @@
     </p:spTree>
     <p:extLst>
       <p:ext uri="{BB962C8B-B14F-4D97-AF65-F5344CB8AC3E}">
-        <p14:creationId xmlns:p14="http://schemas.microsoft.com/office/powerpoint/2010/main" val="3821292597"/>
+        <p14:creationId xmlns:p14="http://schemas.microsoft.com/office/powerpoint/2010/main" val="3813042706"/>
       </p:ext>
     </p:extLst>
   </p:cSld>
@@ -1767,7 +1901,7 @@
     </p:spTree>
     <p:extLst>
       <p:ext uri="{BB962C8B-B14F-4D97-AF65-F5344CB8AC3E}">
-        <p14:creationId xmlns:p14="http://schemas.microsoft.com/office/powerpoint/2010/main" val="1131444248"/>
+        <p14:creationId xmlns:p14="http://schemas.microsoft.com/office/powerpoint/2010/main" val="3581898231"/>
       </p:ext>
     </p:extLst>
   </p:cSld>
@@ -1916,7 +2050,7 @@
           <a:p>
             <a:fld id="{48A87A34-81AB-432B-8DAE-1953F412C126}" type="datetimeFigureOut">
               <a:rPr lang="en-US" smtClean="0"/>
-              <a:t>9/16/2022</a:t>
+              <a:t>9/20/2022</a:t>
             </a:fld>
             <a:endParaRPr lang="en-US" dirty="0"/>
           </a:p>
@@ -2127,7 +2261,7 @@
           <a:p>
             <a:fld id="{48A87A34-81AB-432B-8DAE-1953F412C126}" type="datetimeFigureOut">
               <a:rPr lang="en-US" smtClean="0"/>
-              <a:t>9/16/2022</a:t>
+              <a:t>9/20/2022</a:t>
             </a:fld>
             <a:endParaRPr lang="en-US" dirty="0"/>
           </a:p>
@@ -2342,7 +2476,7 @@
           <a:p>
             <a:fld id="{48A87A34-81AB-432B-8DAE-1953F412C126}" type="datetimeFigureOut">
               <a:rPr lang="en-US" smtClean="0"/>
-              <a:t>9/16/2022</a:t>
+              <a:t>9/20/2022</a:t>
             </a:fld>
             <a:endParaRPr lang="en-US" dirty="0"/>
           </a:p>
@@ -2710,7 +2844,7 @@
           <a:p>
             <a:fld id="{48A87A34-81AB-432B-8DAE-1953F412C126}" type="datetimeFigureOut">
               <a:rPr lang="en-US" smtClean="0"/>
-              <a:t>9/16/2022</a:t>
+              <a:t>9/20/2022</a:t>
             </a:fld>
             <a:endParaRPr lang="en-US" dirty="0"/>
           </a:p>
@@ -2989,7 +3123,7 @@
           <a:p>
             <a:fld id="{48A87A34-81AB-432B-8DAE-1953F412C126}" type="datetimeFigureOut">
               <a:rPr lang="en-US" smtClean="0"/>
-              <a:t>9/16/2022</a:t>
+              <a:t>9/20/2022</a:t>
             </a:fld>
             <a:endParaRPr lang="en-US" dirty="0"/>
           </a:p>
@@ -3257,7 +3391,7 @@
           <a:p>
             <a:fld id="{48A87A34-81AB-432B-8DAE-1953F412C126}" type="datetimeFigureOut">
               <a:rPr lang="en-US" smtClean="0"/>
-              <a:t>9/16/2022</a:t>
+              <a:t>9/20/2022</a:t>
             </a:fld>
             <a:endParaRPr lang="en-US" dirty="0"/>
           </a:p>
@@ -3673,7 +3807,7 @@
           <a:p>
             <a:fld id="{48A87A34-81AB-432B-8DAE-1953F412C126}" type="datetimeFigureOut">
               <a:rPr lang="en-US" smtClean="0"/>
-              <a:t>9/16/2022</a:t>
+              <a:t>9/20/2022</a:t>
             </a:fld>
             <a:endParaRPr lang="en-US" dirty="0"/>
           </a:p>
@@ -3822,7 +3956,7 @@
           <a:p>
             <a:fld id="{48A87A34-81AB-432B-8DAE-1953F412C126}" type="datetimeFigureOut">
               <a:rPr lang="en-US" smtClean="0"/>
-              <a:t>9/16/2022</a:t>
+              <a:t>9/20/2022</a:t>
             </a:fld>
             <a:endParaRPr lang="en-US" dirty="0"/>
           </a:p>
@@ -3948,7 +4082,7 @@
           <a:p>
             <a:fld id="{48A87A34-81AB-432B-8DAE-1953F412C126}" type="datetimeFigureOut">
               <a:rPr lang="en-US" smtClean="0"/>
-              <a:t>9/16/2022</a:t>
+              <a:t>9/20/2022</a:t>
             </a:fld>
             <a:endParaRPr lang="en-US" dirty="0"/>
           </a:p>
@@ -4199,7 +4333,7 @@
           <a:p>
             <a:fld id="{48A87A34-81AB-432B-8DAE-1953F412C126}" type="datetimeFigureOut">
               <a:rPr lang="en-US" smtClean="0"/>
-              <a:t>9/16/2022</a:t>
+              <a:t>9/20/2022</a:t>
             </a:fld>
             <a:endParaRPr lang="en-US" dirty="0"/>
           </a:p>
@@ -4645,7 +4779,7 @@
             <a:fld id="{48A87A34-81AB-432B-8DAE-1953F412C126}" type="datetimeFigureOut">
               <a:rPr lang="en-US" smtClean="0"/>
               <a:pPr/>
-              <a:t>9/16/2022</a:t>
+              <a:t>9/20/2022</a:t>
             </a:fld>
             <a:endParaRPr lang="en-US" dirty="0"/>
           </a:p>
@@ -4973,7 +5107,7 @@
             <a:fld id="{48A87A34-81AB-432B-8DAE-1953F412C126}" type="datetimeFigureOut">
               <a:rPr lang="en-US" smtClean="0"/>
               <a:pPr/>
-              <a:t>9/16/2022</a:t>
+              <a:t>9/20/2022</a:t>
             </a:fld>
             <a:endParaRPr lang="en-US" dirty="0"/>
           </a:p>
@@ -6157,6 +6291,747 @@
                 <a:latin typeface="Times New Roman" panose="02020603050405020304" pitchFamily="18" charset="0"/>
                 <a:cs typeface="Times New Roman" panose="02020603050405020304" pitchFamily="18" charset="0"/>
               </a:rPr>
+              <a:t>Seleciona tudo até o indicado com”</a:t>
+            </a:r>
+            <a:r>
+              <a:rPr lang="pt-BR" b="1" dirty="0">
+                <a:solidFill>
+                  <a:srgbClr val="0070C0"/>
+                </a:solidFill>
+                <a:latin typeface="Times New Roman" panose="02020603050405020304" pitchFamily="18" charset="0"/>
+                <a:cs typeface="Times New Roman" panose="02020603050405020304" pitchFamily="18" charset="0"/>
+              </a:rPr>
+              <a:t>:</a:t>
+            </a:r>
+            <a:r>
+              <a:rPr lang="pt-BR" dirty="0">
+                <a:latin typeface="Times New Roman" panose="02020603050405020304" pitchFamily="18" charset="0"/>
+                <a:cs typeface="Times New Roman" panose="02020603050405020304" pitchFamily="18" charset="0"/>
+              </a:rPr>
+              <a:t>”</a:t>
+            </a:r>
+            <a:r>
+              <a:rPr lang="pt-BR" dirty="0">
+                <a:solidFill>
+                  <a:schemeClr val="tx1"/>
+                </a:solidFill>
+                <a:latin typeface="Times New Roman" panose="02020603050405020304" pitchFamily="18" charset="0"/>
+                <a:cs typeface="Times New Roman" panose="02020603050405020304" pitchFamily="18" charset="0"/>
+              </a:rPr>
+              <a:t> </a:t>
+            </a:r>
+            <a:r>
+              <a:rPr lang="pt-BR" b="1" dirty="0">
+                <a:solidFill>
+                  <a:srgbClr val="FF0000"/>
+                </a:solidFill>
+                <a:latin typeface="Times New Roman" panose="02020603050405020304" pitchFamily="18" charset="0"/>
+                <a:cs typeface="Times New Roman" panose="02020603050405020304" pitchFamily="18" charset="0"/>
+              </a:rPr>
+              <a:t>Atenção: Exclui o último elemento.</a:t>
+            </a:r>
+          </a:p>
+          <a:p>
+            <a:pPr marL="0" indent="0" algn="just">
+              <a:buNone/>
+            </a:pPr>
+            <a:r>
+              <a:rPr lang="pt-BR" dirty="0">
+                <a:solidFill>
+                  <a:schemeClr val="tx1"/>
+                </a:solidFill>
+                <a:latin typeface="Times New Roman" panose="02020603050405020304" pitchFamily="18" charset="0"/>
+                <a:cs typeface="Times New Roman" panose="02020603050405020304" pitchFamily="18" charset="0"/>
+              </a:rPr>
+              <a:t>   Ex.: </a:t>
+            </a:r>
+            <a:r>
+              <a:rPr lang="pt-BR" b="1" dirty="0">
+                <a:solidFill>
+                  <a:schemeClr val="tx1"/>
+                </a:solidFill>
+                <a:latin typeface="Times New Roman" panose="02020603050405020304" pitchFamily="18" charset="0"/>
+                <a:cs typeface="Times New Roman" panose="02020603050405020304" pitchFamily="18" charset="0"/>
+              </a:rPr>
+              <a:t>print</a:t>
+            </a:r>
+            <a:r>
+              <a:rPr lang="pt-BR" dirty="0">
+                <a:solidFill>
+                  <a:schemeClr val="tx1"/>
+                </a:solidFill>
+                <a:latin typeface="Times New Roman" panose="02020603050405020304" pitchFamily="18" charset="0"/>
+                <a:cs typeface="Times New Roman" panose="02020603050405020304" pitchFamily="18" charset="0"/>
+              </a:rPr>
+              <a:t>(</a:t>
+            </a:r>
+            <a:r>
+              <a:rPr lang="pt-BR" dirty="0" err="1">
+                <a:solidFill>
+                  <a:schemeClr val="tx1"/>
+                </a:solidFill>
+                <a:latin typeface="Times New Roman" panose="02020603050405020304" pitchFamily="18" charset="0"/>
+                <a:cs typeface="Times New Roman" panose="02020603050405020304" pitchFamily="18" charset="0"/>
+              </a:rPr>
+              <a:t>umaLista</a:t>
+            </a:r>
+            <a:r>
+              <a:rPr lang="pt-BR" dirty="0">
+                <a:solidFill>
+                  <a:schemeClr val="tx1"/>
+                </a:solidFill>
+                <a:latin typeface="Times New Roman" panose="02020603050405020304" pitchFamily="18" charset="0"/>
+                <a:cs typeface="Times New Roman" panose="02020603050405020304" pitchFamily="18" charset="0"/>
+              </a:rPr>
+              <a:t>[1:3]) =&gt; 4, 8</a:t>
+            </a:r>
+          </a:p>
+          <a:p>
+            <a:pPr algn="just">
+              <a:buFontTx/>
+              <a:buChar char="-"/>
+            </a:pPr>
+            <a:r>
+              <a:rPr lang="pt-BR" dirty="0">
+                <a:solidFill>
+                  <a:schemeClr val="tx1"/>
+                </a:solidFill>
+                <a:latin typeface="Times New Roman" panose="02020603050405020304" pitchFamily="18" charset="0"/>
+                <a:cs typeface="Times New Roman" panose="02020603050405020304" pitchFamily="18" charset="0"/>
+              </a:rPr>
+              <a:t>Seleciona faixa, da posição informada até o fim com ”</a:t>
+            </a:r>
+            <a:r>
+              <a:rPr lang="pt-BR" b="1" dirty="0">
+                <a:solidFill>
+                  <a:srgbClr val="0070C0"/>
+                </a:solidFill>
+                <a:latin typeface="Times New Roman" panose="02020603050405020304" pitchFamily="18" charset="0"/>
+                <a:cs typeface="Times New Roman" panose="02020603050405020304" pitchFamily="18" charset="0"/>
+              </a:rPr>
+              <a:t>:</a:t>
+            </a:r>
+            <a:r>
+              <a:rPr lang="pt-BR" dirty="0">
+                <a:latin typeface="Times New Roman" panose="02020603050405020304" pitchFamily="18" charset="0"/>
+                <a:cs typeface="Times New Roman" panose="02020603050405020304" pitchFamily="18" charset="0"/>
+              </a:rPr>
+              <a:t>”</a:t>
+            </a:r>
+            <a:endParaRPr lang="pt-BR" b="1" dirty="0">
+              <a:solidFill>
+                <a:srgbClr val="FF0000"/>
+              </a:solidFill>
+              <a:latin typeface="Times New Roman" panose="02020603050405020304" pitchFamily="18" charset="0"/>
+              <a:cs typeface="Times New Roman" panose="02020603050405020304" pitchFamily="18" charset="0"/>
+            </a:endParaRPr>
+          </a:p>
+          <a:p>
+            <a:pPr marL="0" indent="0" algn="just">
+              <a:buNone/>
+            </a:pPr>
+            <a:r>
+              <a:rPr lang="pt-BR" dirty="0">
+                <a:solidFill>
+                  <a:schemeClr val="tx1"/>
+                </a:solidFill>
+                <a:latin typeface="Times New Roman" panose="02020603050405020304" pitchFamily="18" charset="0"/>
+                <a:cs typeface="Times New Roman" panose="02020603050405020304" pitchFamily="18" charset="0"/>
+              </a:rPr>
+              <a:t>   Ex.: </a:t>
+            </a:r>
+            <a:r>
+              <a:rPr lang="pt-BR" b="1" dirty="0">
+                <a:solidFill>
+                  <a:schemeClr val="tx1"/>
+                </a:solidFill>
+                <a:latin typeface="Times New Roman" panose="02020603050405020304" pitchFamily="18" charset="0"/>
+                <a:cs typeface="Times New Roman" panose="02020603050405020304" pitchFamily="18" charset="0"/>
+              </a:rPr>
+              <a:t>print</a:t>
+            </a:r>
+            <a:r>
+              <a:rPr lang="pt-BR" dirty="0">
+                <a:solidFill>
+                  <a:schemeClr val="tx1"/>
+                </a:solidFill>
+                <a:latin typeface="Times New Roman" panose="02020603050405020304" pitchFamily="18" charset="0"/>
+                <a:cs typeface="Times New Roman" panose="02020603050405020304" pitchFamily="18" charset="0"/>
+              </a:rPr>
+              <a:t>(</a:t>
+            </a:r>
+            <a:r>
+              <a:rPr lang="pt-BR" dirty="0" err="1">
+                <a:solidFill>
+                  <a:schemeClr val="tx1"/>
+                </a:solidFill>
+                <a:latin typeface="Times New Roman" panose="02020603050405020304" pitchFamily="18" charset="0"/>
+                <a:cs typeface="Times New Roman" panose="02020603050405020304" pitchFamily="18" charset="0"/>
+              </a:rPr>
+              <a:t>umaLista</a:t>
+            </a:r>
+            <a:r>
+              <a:rPr lang="pt-BR" dirty="0">
+                <a:solidFill>
+                  <a:schemeClr val="tx1"/>
+                </a:solidFill>
+                <a:latin typeface="Times New Roman" panose="02020603050405020304" pitchFamily="18" charset="0"/>
+                <a:cs typeface="Times New Roman" panose="02020603050405020304" pitchFamily="18" charset="0"/>
+              </a:rPr>
+              <a:t>[2:]) =&gt; 8, 5, 7, 9</a:t>
+            </a:r>
+          </a:p>
+          <a:p>
+            <a:pPr marL="0" indent="0" algn="just">
+              <a:buNone/>
+            </a:pPr>
+            <a:endParaRPr lang="pt-BR" dirty="0">
+              <a:solidFill>
+                <a:schemeClr val="tx1"/>
+              </a:solidFill>
+              <a:latin typeface="Times New Roman" panose="02020603050405020304" pitchFamily="18" charset="0"/>
+              <a:cs typeface="Times New Roman" panose="02020603050405020304" pitchFamily="18" charset="0"/>
+            </a:endParaRPr>
+          </a:p>
+        </p:txBody>
+      </p:sp>
+    </p:spTree>
+    <p:extLst>
+      <p:ext uri="{BB962C8B-B14F-4D97-AF65-F5344CB8AC3E}">
+        <p14:creationId xmlns:p14="http://schemas.microsoft.com/office/powerpoint/2010/main" val="3026463142"/>
+      </p:ext>
+    </p:extLst>
+  </p:cSld>
+  <p:clrMapOvr>
+    <a:masterClrMapping/>
+  </p:clrMapOvr>
+  <p:transition spd="med"/>
+</p:sld>
+</file>
+
+<file path=ppt/slides/slide11.xml><?xml version="1.0" encoding="utf-8"?>
+<p:sld xmlns:a="http://schemas.openxmlformats.org/drawingml/2006/main" xmlns:r="http://schemas.openxmlformats.org/officeDocument/2006/relationships" xmlns:p="http://schemas.openxmlformats.org/presentationml/2006/main">
+  <p:cSld>
+    <p:spTree>
+      <p:nvGrpSpPr>
+        <p:cNvPr id="1" name=""/>
+        <p:cNvGrpSpPr/>
+        <p:nvPr/>
+      </p:nvGrpSpPr>
+      <p:grpSpPr>
+        <a:xfrm>
+          <a:off x="0" y="0"/>
+          <a:ext cx="0" cy="0"/>
+          <a:chOff x="0" y="0"/>
+          <a:chExt cx="0" cy="0"/>
+        </a:xfrm>
+      </p:grpSpPr>
+      <p:sp>
+        <p:nvSpPr>
+          <p:cNvPr id="6" name="Title 1"/>
+          <p:cNvSpPr>
+            <a:spLocks noGrp="1"/>
+          </p:cNvSpPr>
+          <p:nvPr>
+            <p:ph type="title"/>
+          </p:nvPr>
+        </p:nvSpPr>
+        <p:spPr/>
+        <p:txBody>
+          <a:bodyPr>
+            <a:normAutofit/>
+          </a:bodyPr>
+          <a:lstStyle/>
+          <a:p>
+            <a:r>
+              <a:rPr lang="en-US" b="1" dirty="0">
+                <a:solidFill>
+                  <a:srgbClr val="0070C0"/>
+                </a:solidFill>
+              </a:rPr>
+              <a:t>Python – </a:t>
+            </a:r>
+            <a:r>
+              <a:rPr lang="en-US" b="1" dirty="0" err="1">
+                <a:solidFill>
+                  <a:srgbClr val="0070C0"/>
+                </a:solidFill>
+              </a:rPr>
+              <a:t>TDados</a:t>
+            </a:r>
+            <a:r>
+              <a:rPr lang="en-US" b="1" dirty="0">
+                <a:solidFill>
+                  <a:srgbClr val="0070C0"/>
+                </a:solidFill>
+              </a:rPr>
+              <a:t> </a:t>
+            </a:r>
+            <a:r>
+              <a:rPr lang="en-US" b="1" dirty="0" err="1">
+                <a:solidFill>
+                  <a:srgbClr val="0070C0"/>
+                </a:solidFill>
+              </a:rPr>
+              <a:t>Aglomerados</a:t>
+            </a:r>
+            <a:r>
+              <a:rPr lang="en-US" b="1" dirty="0">
+                <a:solidFill>
+                  <a:srgbClr val="0070C0"/>
+                </a:solidFill>
+              </a:rPr>
+              <a:t> </a:t>
+            </a:r>
+            <a:r>
+              <a:rPr lang="en-US" b="1" dirty="0" err="1">
+                <a:solidFill>
+                  <a:srgbClr val="0070C0"/>
+                </a:solidFill>
+              </a:rPr>
+              <a:t>Listas</a:t>
+            </a:r>
+            <a:endParaRPr lang="en-US" b="1" dirty="0">
+              <a:solidFill>
+                <a:srgbClr val="0070C0"/>
+              </a:solidFill>
+            </a:endParaRPr>
+          </a:p>
+        </p:txBody>
+      </p:sp>
+      <p:sp>
+        <p:nvSpPr>
+          <p:cNvPr id="8" name="Text Placeholder 2"/>
+          <p:cNvSpPr>
+            <a:spLocks noGrp="1"/>
+          </p:cNvSpPr>
+          <p:nvPr>
+            <p:ph type="body" sz="half" idx="1"/>
+          </p:nvPr>
+        </p:nvSpPr>
+        <p:spPr>
+          <a:xfrm>
+            <a:off x="142865" y="1200150"/>
+            <a:ext cx="8865056" cy="3737370"/>
+          </a:xfrm>
+        </p:spPr>
+        <p:txBody>
+          <a:bodyPr>
+            <a:noAutofit/>
+          </a:bodyPr>
+          <a:lstStyle/>
+          <a:p>
+            <a:pPr marL="0" indent="0" algn="just">
+              <a:buNone/>
+            </a:pPr>
+            <a:r>
+              <a:rPr lang="pt-BR" b="1" dirty="0">
+                <a:solidFill>
+                  <a:srgbClr val="FF0000"/>
+                </a:solidFill>
+                <a:latin typeface="Times New Roman" panose="02020603050405020304" pitchFamily="18" charset="0"/>
+                <a:cs typeface="Times New Roman" panose="02020603050405020304" pitchFamily="18" charset="0"/>
+              </a:rPr>
+              <a:t>Exemplo Lista: </a:t>
+            </a:r>
+            <a:r>
+              <a:rPr lang="pt-BR" dirty="0" err="1">
+                <a:solidFill>
+                  <a:schemeClr val="tx1"/>
+                </a:solidFill>
+                <a:latin typeface="Times New Roman" panose="02020603050405020304" pitchFamily="18" charset="0"/>
+                <a:cs typeface="Times New Roman" panose="02020603050405020304" pitchFamily="18" charset="0"/>
+              </a:rPr>
+              <a:t>umaLista</a:t>
+            </a:r>
+            <a:r>
+              <a:rPr lang="pt-BR" dirty="0">
+                <a:solidFill>
+                  <a:schemeClr val="tx1"/>
+                </a:solidFill>
+                <a:latin typeface="Times New Roman" panose="02020603050405020304" pitchFamily="18" charset="0"/>
+                <a:cs typeface="Times New Roman" panose="02020603050405020304" pitchFamily="18" charset="0"/>
+              </a:rPr>
+              <a:t> = [1, 4, 8, 5, 7, 9]</a:t>
+            </a:r>
+          </a:p>
+          <a:p>
+            <a:pPr algn="just">
+              <a:buFontTx/>
+              <a:buChar char="-"/>
+            </a:pPr>
+            <a:r>
+              <a:rPr lang="pt-BR" dirty="0">
+                <a:solidFill>
+                  <a:schemeClr val="tx1"/>
+                </a:solidFill>
+                <a:latin typeface="Times New Roman" panose="02020603050405020304" pitchFamily="18" charset="0"/>
+                <a:cs typeface="Times New Roman" panose="02020603050405020304" pitchFamily="18" charset="0"/>
+              </a:rPr>
+              <a:t>Seleciona faixa, “de tanto em tanto” com”:</a:t>
+            </a:r>
+            <a:r>
+              <a:rPr lang="pt-BR" b="1" dirty="0">
+                <a:solidFill>
+                  <a:srgbClr val="0070C0"/>
+                </a:solidFill>
+                <a:latin typeface="Times New Roman" panose="02020603050405020304" pitchFamily="18" charset="0"/>
+                <a:cs typeface="Times New Roman" panose="02020603050405020304" pitchFamily="18" charset="0"/>
+              </a:rPr>
+              <a:t>:</a:t>
+            </a:r>
+            <a:r>
+              <a:rPr lang="pt-BR" dirty="0">
+                <a:latin typeface="Times New Roman" panose="02020603050405020304" pitchFamily="18" charset="0"/>
+                <a:cs typeface="Times New Roman" panose="02020603050405020304" pitchFamily="18" charset="0"/>
+              </a:rPr>
+              <a:t>”</a:t>
+            </a:r>
+            <a:endParaRPr lang="pt-BR" b="1" dirty="0">
+              <a:solidFill>
+                <a:srgbClr val="FF0000"/>
+              </a:solidFill>
+              <a:latin typeface="Times New Roman" panose="02020603050405020304" pitchFamily="18" charset="0"/>
+              <a:cs typeface="Times New Roman" panose="02020603050405020304" pitchFamily="18" charset="0"/>
+            </a:endParaRPr>
+          </a:p>
+          <a:p>
+            <a:pPr marL="0" indent="0" algn="just">
+              <a:buNone/>
+            </a:pPr>
+            <a:r>
+              <a:rPr lang="pt-BR" dirty="0">
+                <a:solidFill>
+                  <a:schemeClr val="tx1"/>
+                </a:solidFill>
+                <a:latin typeface="Times New Roman" panose="02020603050405020304" pitchFamily="18" charset="0"/>
+                <a:cs typeface="Times New Roman" panose="02020603050405020304" pitchFamily="18" charset="0"/>
+              </a:rPr>
+              <a:t>   Ex.: </a:t>
+            </a:r>
+            <a:r>
+              <a:rPr lang="pt-BR" b="1" dirty="0">
+                <a:solidFill>
+                  <a:schemeClr val="tx1"/>
+                </a:solidFill>
+                <a:latin typeface="Times New Roman" panose="02020603050405020304" pitchFamily="18" charset="0"/>
+                <a:cs typeface="Times New Roman" panose="02020603050405020304" pitchFamily="18" charset="0"/>
+              </a:rPr>
+              <a:t>print</a:t>
+            </a:r>
+            <a:r>
+              <a:rPr lang="pt-BR" dirty="0">
+                <a:solidFill>
+                  <a:schemeClr val="tx1"/>
+                </a:solidFill>
+                <a:latin typeface="Times New Roman" panose="02020603050405020304" pitchFamily="18" charset="0"/>
+                <a:cs typeface="Times New Roman" panose="02020603050405020304" pitchFamily="18" charset="0"/>
+              </a:rPr>
+              <a:t>(</a:t>
+            </a:r>
+            <a:r>
+              <a:rPr lang="pt-BR" dirty="0" err="1">
+                <a:solidFill>
+                  <a:schemeClr val="tx1"/>
+                </a:solidFill>
+                <a:latin typeface="Times New Roman" panose="02020603050405020304" pitchFamily="18" charset="0"/>
+                <a:cs typeface="Times New Roman" panose="02020603050405020304" pitchFamily="18" charset="0"/>
+              </a:rPr>
+              <a:t>umaLista</a:t>
+            </a:r>
+            <a:r>
+              <a:rPr lang="pt-BR" dirty="0">
+                <a:solidFill>
+                  <a:schemeClr val="tx1"/>
+                </a:solidFill>
+                <a:latin typeface="Times New Roman" panose="02020603050405020304" pitchFamily="18" charset="0"/>
+                <a:cs typeface="Times New Roman" panose="02020603050405020304" pitchFamily="18" charset="0"/>
+              </a:rPr>
+              <a:t>[::2]) =&gt; 1, 8, 7</a:t>
+            </a:r>
+          </a:p>
+          <a:p>
+            <a:pPr algn="just">
+              <a:buFontTx/>
+              <a:buChar char="-"/>
+            </a:pPr>
+            <a:r>
+              <a:rPr lang="pt-BR" dirty="0">
+                <a:solidFill>
+                  <a:schemeClr val="tx1"/>
+                </a:solidFill>
+                <a:latin typeface="Times New Roman" panose="02020603050405020304" pitchFamily="18" charset="0"/>
+                <a:cs typeface="Times New Roman" panose="02020603050405020304" pitchFamily="18" charset="0"/>
+              </a:rPr>
+              <a:t>Seleciona faixa, da posição e inicial com ”</a:t>
+            </a:r>
+            <a:r>
+              <a:rPr lang="pt-BR" b="1" dirty="0">
+                <a:solidFill>
+                  <a:srgbClr val="0070C0"/>
+                </a:solidFill>
+                <a:latin typeface="Times New Roman" panose="02020603050405020304" pitchFamily="18" charset="0"/>
+                <a:cs typeface="Times New Roman" panose="02020603050405020304" pitchFamily="18" charset="0"/>
+              </a:rPr>
+              <a:t>:</a:t>
+            </a:r>
+            <a:r>
+              <a:rPr lang="pt-BR" dirty="0">
+                <a:latin typeface="Times New Roman" panose="02020603050405020304" pitchFamily="18" charset="0"/>
+                <a:cs typeface="Times New Roman" panose="02020603050405020304" pitchFamily="18" charset="0"/>
+              </a:rPr>
+              <a:t>”</a:t>
+            </a:r>
+            <a:endParaRPr lang="pt-BR" b="1" dirty="0">
+              <a:solidFill>
+                <a:srgbClr val="FF0000"/>
+              </a:solidFill>
+              <a:latin typeface="Times New Roman" panose="02020603050405020304" pitchFamily="18" charset="0"/>
+              <a:cs typeface="Times New Roman" panose="02020603050405020304" pitchFamily="18" charset="0"/>
+            </a:endParaRPr>
+          </a:p>
+          <a:p>
+            <a:pPr marL="0" indent="0" algn="just">
+              <a:buNone/>
+            </a:pPr>
+            <a:r>
+              <a:rPr lang="pt-BR" dirty="0">
+                <a:solidFill>
+                  <a:schemeClr val="tx1"/>
+                </a:solidFill>
+                <a:latin typeface="Times New Roman" panose="02020603050405020304" pitchFamily="18" charset="0"/>
+                <a:cs typeface="Times New Roman" panose="02020603050405020304" pitchFamily="18" charset="0"/>
+              </a:rPr>
+              <a:t>   Ex.: </a:t>
+            </a:r>
+            <a:r>
+              <a:rPr lang="pt-BR" b="1" dirty="0">
+                <a:solidFill>
+                  <a:schemeClr val="tx1"/>
+                </a:solidFill>
+                <a:latin typeface="Times New Roman" panose="02020603050405020304" pitchFamily="18" charset="0"/>
+                <a:cs typeface="Times New Roman" panose="02020603050405020304" pitchFamily="18" charset="0"/>
+              </a:rPr>
+              <a:t>print</a:t>
+            </a:r>
+            <a:r>
+              <a:rPr lang="pt-BR" dirty="0">
+                <a:solidFill>
+                  <a:schemeClr val="tx1"/>
+                </a:solidFill>
+                <a:latin typeface="Times New Roman" panose="02020603050405020304" pitchFamily="18" charset="0"/>
+                <a:cs typeface="Times New Roman" panose="02020603050405020304" pitchFamily="18" charset="0"/>
+              </a:rPr>
+              <a:t>(</a:t>
+            </a:r>
+            <a:r>
+              <a:rPr lang="pt-BR" dirty="0" err="1">
+                <a:solidFill>
+                  <a:schemeClr val="tx1"/>
+                </a:solidFill>
+                <a:latin typeface="Times New Roman" panose="02020603050405020304" pitchFamily="18" charset="0"/>
+                <a:cs typeface="Times New Roman" panose="02020603050405020304" pitchFamily="18" charset="0"/>
+              </a:rPr>
+              <a:t>umaLista</a:t>
+            </a:r>
+            <a:r>
+              <a:rPr lang="pt-BR" dirty="0">
+                <a:solidFill>
+                  <a:schemeClr val="tx1"/>
+                </a:solidFill>
+                <a:latin typeface="Times New Roman" panose="02020603050405020304" pitchFamily="18" charset="0"/>
+                <a:cs typeface="Times New Roman" panose="02020603050405020304" pitchFamily="18" charset="0"/>
+              </a:rPr>
+              <a:t>[1::3]) =&gt; 4, 7</a:t>
+            </a:r>
+          </a:p>
+          <a:p>
+            <a:pPr marL="0" indent="0" algn="just">
+              <a:buNone/>
+            </a:pPr>
+            <a:endParaRPr lang="pt-BR" dirty="0">
+              <a:solidFill>
+                <a:schemeClr val="tx1"/>
+              </a:solidFill>
+              <a:latin typeface="Times New Roman" panose="02020603050405020304" pitchFamily="18" charset="0"/>
+              <a:cs typeface="Times New Roman" panose="02020603050405020304" pitchFamily="18" charset="0"/>
+            </a:endParaRPr>
+          </a:p>
+        </p:txBody>
+      </p:sp>
+    </p:spTree>
+    <p:extLst>
+      <p:ext uri="{BB962C8B-B14F-4D97-AF65-F5344CB8AC3E}">
+        <p14:creationId xmlns:p14="http://schemas.microsoft.com/office/powerpoint/2010/main" val="2660980653"/>
+      </p:ext>
+    </p:extLst>
+  </p:cSld>
+  <p:clrMapOvr>
+    <a:masterClrMapping/>
+  </p:clrMapOvr>
+  <p:transition spd="med"/>
+</p:sld>
+</file>
+
+<file path=ppt/slides/slide12.xml><?xml version="1.0" encoding="utf-8"?>
+<p:sld xmlns:a="http://schemas.openxmlformats.org/drawingml/2006/main" xmlns:r="http://schemas.openxmlformats.org/officeDocument/2006/relationships" xmlns:p="http://schemas.openxmlformats.org/presentationml/2006/main">
+  <p:cSld>
+    <p:spTree>
+      <p:nvGrpSpPr>
+        <p:cNvPr id="1" name=""/>
+        <p:cNvGrpSpPr/>
+        <p:nvPr/>
+      </p:nvGrpSpPr>
+      <p:grpSpPr>
+        <a:xfrm>
+          <a:off x="0" y="0"/>
+          <a:ext cx="0" cy="0"/>
+          <a:chOff x="0" y="0"/>
+          <a:chExt cx="0" cy="0"/>
+        </a:xfrm>
+      </p:grpSpPr>
+      <p:sp>
+        <p:nvSpPr>
+          <p:cNvPr id="6" name="Title 1"/>
+          <p:cNvSpPr>
+            <a:spLocks noGrp="1"/>
+          </p:cNvSpPr>
+          <p:nvPr>
+            <p:ph type="title"/>
+          </p:nvPr>
+        </p:nvSpPr>
+        <p:spPr/>
+        <p:txBody>
+          <a:bodyPr>
+            <a:normAutofit/>
+          </a:bodyPr>
+          <a:lstStyle/>
+          <a:p>
+            <a:r>
+              <a:rPr lang="en-US" b="1" dirty="0">
+                <a:solidFill>
+                  <a:srgbClr val="0070C0"/>
+                </a:solidFill>
+              </a:rPr>
+              <a:t>Python – </a:t>
+            </a:r>
+            <a:r>
+              <a:rPr lang="en-US" b="1" dirty="0" err="1">
+                <a:solidFill>
+                  <a:srgbClr val="0070C0"/>
+                </a:solidFill>
+              </a:rPr>
+              <a:t>TDados</a:t>
+            </a:r>
+            <a:r>
+              <a:rPr lang="en-US" b="1" dirty="0">
+                <a:solidFill>
+                  <a:srgbClr val="0070C0"/>
+                </a:solidFill>
+              </a:rPr>
+              <a:t> </a:t>
+            </a:r>
+            <a:r>
+              <a:rPr lang="en-US" b="1" dirty="0" err="1">
+                <a:solidFill>
+                  <a:srgbClr val="0070C0"/>
+                </a:solidFill>
+              </a:rPr>
+              <a:t>Aglomerados</a:t>
+            </a:r>
+            <a:r>
+              <a:rPr lang="en-US" b="1" dirty="0">
+                <a:solidFill>
+                  <a:srgbClr val="0070C0"/>
+                </a:solidFill>
+              </a:rPr>
+              <a:t> </a:t>
+            </a:r>
+            <a:r>
+              <a:rPr lang="en-US" b="1" dirty="0" err="1">
+                <a:solidFill>
+                  <a:srgbClr val="0070C0"/>
+                </a:solidFill>
+              </a:rPr>
+              <a:t>Listas</a:t>
+            </a:r>
+            <a:endParaRPr lang="en-US" b="1" dirty="0">
+              <a:solidFill>
+                <a:srgbClr val="0070C0"/>
+              </a:solidFill>
+            </a:endParaRPr>
+          </a:p>
+        </p:txBody>
+      </p:sp>
+      <p:sp>
+        <p:nvSpPr>
+          <p:cNvPr id="8" name="Text Placeholder 2"/>
+          <p:cNvSpPr>
+            <a:spLocks noGrp="1"/>
+          </p:cNvSpPr>
+          <p:nvPr>
+            <p:ph type="body" sz="half" idx="1"/>
+          </p:nvPr>
+        </p:nvSpPr>
+        <p:spPr>
+          <a:xfrm>
+            <a:off x="142865" y="1200150"/>
+            <a:ext cx="8865056" cy="3737370"/>
+          </a:xfrm>
+        </p:spPr>
+        <p:txBody>
+          <a:bodyPr>
+            <a:noAutofit/>
+          </a:bodyPr>
+          <a:lstStyle/>
+          <a:p>
+            <a:pPr marL="0" indent="0" algn="just">
+              <a:buNone/>
+            </a:pPr>
+            <a:r>
+              <a:rPr lang="pt-BR" b="1" dirty="0">
+                <a:solidFill>
+                  <a:srgbClr val="FF0000"/>
+                </a:solidFill>
+                <a:latin typeface="Times New Roman" panose="02020603050405020304" pitchFamily="18" charset="0"/>
+                <a:cs typeface="Times New Roman" panose="02020603050405020304" pitchFamily="18" charset="0"/>
+              </a:rPr>
+              <a:t>Exemplo Lista: </a:t>
+            </a:r>
+            <a:r>
+              <a:rPr lang="pt-BR" dirty="0" err="1">
+                <a:solidFill>
+                  <a:schemeClr val="tx1"/>
+                </a:solidFill>
+                <a:latin typeface="Times New Roman" panose="02020603050405020304" pitchFamily="18" charset="0"/>
+                <a:cs typeface="Times New Roman" panose="02020603050405020304" pitchFamily="18" charset="0"/>
+              </a:rPr>
+              <a:t>umaLista</a:t>
+            </a:r>
+            <a:r>
+              <a:rPr lang="pt-BR" dirty="0">
+                <a:solidFill>
+                  <a:schemeClr val="tx1"/>
+                </a:solidFill>
+                <a:latin typeface="Times New Roman" panose="02020603050405020304" pitchFamily="18" charset="0"/>
+                <a:cs typeface="Times New Roman" panose="02020603050405020304" pitchFamily="18" charset="0"/>
+              </a:rPr>
+              <a:t> = [1, 4, 8, 5, 7, 9]</a:t>
+            </a:r>
+          </a:p>
+          <a:p>
+            <a:pPr algn="just">
+              <a:buFontTx/>
+              <a:buChar char="-"/>
+            </a:pPr>
+            <a:r>
+              <a:rPr lang="pt-BR" dirty="0">
+                <a:solidFill>
+                  <a:schemeClr val="tx1"/>
+                </a:solidFill>
+                <a:latin typeface="Times New Roman" panose="02020603050405020304" pitchFamily="18" charset="0"/>
+                <a:cs typeface="Times New Roman" panose="02020603050405020304" pitchFamily="18" charset="0"/>
+              </a:rPr>
               <a:t>Apagar, uma faixa da lista com </a:t>
             </a:r>
             <a:r>
@@ -6387,7 +7262,7 @@
 </p:sld>
 </file>
 
-<file path=ppt/slides/slide11.xml><?xml version="1.0" encoding="utf-8"?>
+<file path=ppt/slides/slide13.xml><?xml version="1.0" encoding="utf-8"?>
 <p:sld xmlns:a="http://schemas.openxmlformats.org/drawingml/2006/main" xmlns:r="http://schemas.openxmlformats.org/officeDocument/2006/relationships" xmlns:p="http://schemas.openxmlformats.org/presentationml/2006/main">
   <p:cSld>
     <p:spTree>
@@ -7110,1351 +7985,6 @@
 </p:sld>
 </file>
 
-<file path=ppt/slides/slide12.xml><?xml version="1.0" encoding="utf-8"?>
-<p:sld xmlns:a="http://schemas.openxmlformats.org/drawingml/2006/main" xmlns:r="http://schemas.openxmlformats.org/officeDocument/2006/relationships" xmlns:p="http://schemas.openxmlformats.org/presentationml/2006/main">
-  <p:cSld>
-    <p:spTree>
-      <p:nvGrpSpPr>
-        <p:cNvPr id="1" name=""/>
-        <p:cNvGrpSpPr/>
-        <p:nvPr/>
-      </p:nvGrpSpPr>
-      <p:grpSpPr>
-        <a:xfrm>
-          <a:off x="0" y="0"/>
-          <a:ext cx="0" cy="0"/>
-          <a:chOff x="0" y="0"/>
-          <a:chExt cx="0" cy="0"/>
-        </a:xfrm>
-      </p:grpSpPr>
-      <p:sp>
-        <p:nvSpPr>
-          <p:cNvPr id="6" name="Title 1"/>
-          <p:cNvSpPr>
-            <a:spLocks noGrp="1"/>
-          </p:cNvSpPr>
-          <p:nvPr>
-            <p:ph type="title"/>
-          </p:nvPr>
-        </p:nvSpPr>
-        <p:spPr/>
-        <p:txBody>
-          <a:bodyPr>
-            <a:normAutofit/>
-          </a:bodyPr>
-          <a:lstStyle/>
-          <a:p>
-            <a:r>
-              <a:rPr lang="en-US" b="1" dirty="0">
-                <a:solidFill>
-                  <a:srgbClr val="0070C0"/>
-                </a:solidFill>
-              </a:rPr>
-              <a:t>Python – TD </a:t>
-            </a:r>
-            <a:r>
-              <a:rPr lang="en-US" b="1" dirty="0" err="1">
-                <a:solidFill>
-                  <a:srgbClr val="0070C0"/>
-                </a:solidFill>
-              </a:rPr>
-              <a:t>Aglomerados</a:t>
-            </a:r>
-            <a:r>
-              <a:rPr lang="en-US" b="1" dirty="0">
-                <a:solidFill>
-                  <a:srgbClr val="0070C0"/>
-                </a:solidFill>
-              </a:rPr>
-              <a:t> </a:t>
-            </a:r>
-            <a:r>
-              <a:rPr lang="en-US" b="1" dirty="0" err="1">
-                <a:solidFill>
-                  <a:srgbClr val="0070C0"/>
-                </a:solidFill>
-              </a:rPr>
-              <a:t>Registros</a:t>
-            </a:r>
-            <a:endParaRPr lang="en-US" b="1" dirty="0">
-              <a:solidFill>
-                <a:srgbClr val="0070C0"/>
-              </a:solidFill>
-            </a:endParaRPr>
-          </a:p>
-        </p:txBody>
-      </p:sp>
-      <p:sp>
-        <p:nvSpPr>
-          <p:cNvPr id="8" name="Text Placeholder 2"/>
-          <p:cNvSpPr>
-            <a:spLocks noGrp="1"/>
-          </p:cNvSpPr>
-          <p:nvPr>
-            <p:ph type="body" sz="half" idx="1"/>
-          </p:nvPr>
-        </p:nvSpPr>
-        <p:spPr>
-          <a:xfrm>
-            <a:off x="142865" y="1200150"/>
-            <a:ext cx="8865056" cy="3737370"/>
-          </a:xfrm>
-        </p:spPr>
-        <p:txBody>
-          <a:bodyPr>
-            <a:noAutofit/>
-          </a:bodyPr>
-          <a:lstStyle/>
-          <a:p>
-            <a:pPr marL="0" indent="0" algn="just">
-              <a:buNone/>
-            </a:pPr>
-            <a:r>
-              <a:rPr lang="pt-BR" sz="2400" b="1" dirty="0">
-                <a:solidFill>
-                  <a:srgbClr val="FF0000"/>
-                </a:solidFill>
-                <a:latin typeface="Times New Roman" panose="02020603050405020304" pitchFamily="18" charset="0"/>
-                <a:cs typeface="Times New Roman" panose="02020603050405020304" pitchFamily="18" charset="0"/>
-              </a:rPr>
-              <a:t>Registro (Exemplo: linguagem C)</a:t>
-            </a:r>
-            <a:endParaRPr lang="pt-BR" sz="2400" dirty="0">
-              <a:solidFill>
-                <a:schemeClr val="tx1"/>
-              </a:solidFill>
-              <a:latin typeface="Times New Roman" panose="02020603050405020304" pitchFamily="18" charset="0"/>
-              <a:cs typeface="Times New Roman" panose="02020603050405020304" pitchFamily="18" charset="0"/>
-            </a:endParaRPr>
-          </a:p>
-          <a:p>
-            <a:pPr marL="0" indent="0" algn="just">
-              <a:buNone/>
-            </a:pPr>
-            <a:r>
-              <a:rPr lang="pt-BR" sz="2000" dirty="0">
-                <a:solidFill>
-                  <a:schemeClr val="tx1"/>
-                </a:solidFill>
-                <a:latin typeface="Times New Roman" panose="02020603050405020304" pitchFamily="18" charset="0"/>
-                <a:cs typeface="Times New Roman" panose="02020603050405020304" pitchFamily="18" charset="0"/>
-              </a:rPr>
-              <a:t> </a:t>
-            </a:r>
-          </a:p>
-          <a:p>
-            <a:pPr marL="0" indent="0" algn="just">
-              <a:buNone/>
-            </a:pPr>
-            <a:endParaRPr lang="pt-BR" sz="2000" dirty="0">
-              <a:solidFill>
-                <a:schemeClr val="tx1"/>
-              </a:solidFill>
-              <a:latin typeface="Times New Roman" panose="02020603050405020304" pitchFamily="18" charset="0"/>
-              <a:cs typeface="Times New Roman" panose="02020603050405020304" pitchFamily="18" charset="0"/>
-            </a:endParaRPr>
-          </a:p>
-        </p:txBody>
-      </p:sp>
-      <p:sp>
-        <p:nvSpPr>
-          <p:cNvPr id="3" name="CaixaDeTexto 2">
-            <a:extLst>
-              <a:ext uri="{FF2B5EF4-FFF2-40B4-BE49-F238E27FC236}">
-                <a16:creationId xmlns:a16="http://schemas.microsoft.com/office/drawing/2014/main" id="{6709984F-2047-4B0A-8173-791A8AE310FF}"/>
-              </a:ext>
-            </a:extLst>
-          </p:cNvPr>
-          <p:cNvSpPr txBox="1"/>
-          <p:nvPr/>
-        </p:nvSpPr>
-        <p:spPr>
-          <a:xfrm>
-            <a:off x="638827" y="1648389"/>
-            <a:ext cx="3181611" cy="3046988"/>
-          </a:xfrm>
-          <a:prstGeom prst="rect">
-            <a:avLst/>
-          </a:prstGeom>
-          <a:noFill/>
-        </p:spPr>
-        <p:txBody>
-          <a:bodyPr wrap="square" rtlCol="0">
-            <a:spAutoFit/>
-          </a:bodyPr>
-          <a:lstStyle/>
-          <a:p>
-            <a:pPr marL="0" indent="0" algn="just">
-              <a:buNone/>
-            </a:pPr>
-            <a:r>
-              <a:rPr lang="pt-BR" sz="2400" dirty="0">
-                <a:solidFill>
-                  <a:schemeClr val="tx1"/>
-                </a:solidFill>
-                <a:latin typeface="Times New Roman" panose="02020603050405020304" pitchFamily="18" charset="0"/>
-                <a:cs typeface="Times New Roman" panose="02020603050405020304" pitchFamily="18" charset="0"/>
-              </a:rPr>
-              <a:t>#</a:t>
-            </a:r>
-            <a:r>
-              <a:rPr lang="pt-BR" sz="2400" b="1" dirty="0">
-                <a:solidFill>
-                  <a:schemeClr val="tx1"/>
-                </a:solidFill>
-                <a:latin typeface="Times New Roman" panose="02020603050405020304" pitchFamily="18" charset="0"/>
-                <a:cs typeface="Times New Roman" panose="02020603050405020304" pitchFamily="18" charset="0"/>
-              </a:rPr>
-              <a:t>include</a:t>
-            </a:r>
-            <a:r>
-              <a:rPr lang="pt-BR" sz="2400" dirty="0">
-                <a:solidFill>
-                  <a:schemeClr val="tx1"/>
-                </a:solidFill>
-                <a:latin typeface="Times New Roman" panose="02020603050405020304" pitchFamily="18" charset="0"/>
-                <a:cs typeface="Times New Roman" panose="02020603050405020304" pitchFamily="18" charset="0"/>
-              </a:rPr>
-              <a:t> &lt;</a:t>
-            </a:r>
-            <a:r>
-              <a:rPr lang="pt-BR" sz="2400" b="1" dirty="0" err="1">
-                <a:solidFill>
-                  <a:srgbClr val="FF0000"/>
-                </a:solidFill>
-                <a:latin typeface="Times New Roman" panose="02020603050405020304" pitchFamily="18" charset="0"/>
-                <a:cs typeface="Times New Roman" panose="02020603050405020304" pitchFamily="18" charset="0"/>
-              </a:rPr>
-              <a:t>iostream</a:t>
-            </a:r>
-            <a:r>
-              <a:rPr lang="pt-BR" sz="2400" dirty="0">
-                <a:solidFill>
-                  <a:schemeClr val="tx1"/>
-                </a:solidFill>
-                <a:latin typeface="Times New Roman" panose="02020603050405020304" pitchFamily="18" charset="0"/>
-                <a:cs typeface="Times New Roman" panose="02020603050405020304" pitchFamily="18" charset="0"/>
-              </a:rPr>
-              <a:t>&gt;	</a:t>
-            </a:r>
-            <a:endParaRPr lang="pt-BR" sz="2400" b="1" dirty="0">
-              <a:solidFill>
-                <a:srgbClr val="FF0000"/>
-              </a:solidFill>
-              <a:latin typeface="Times New Roman" panose="02020603050405020304" pitchFamily="18" charset="0"/>
-              <a:cs typeface="Times New Roman" panose="02020603050405020304" pitchFamily="18" charset="0"/>
-            </a:endParaRPr>
-          </a:p>
-          <a:p>
-            <a:pPr marL="0" indent="0" algn="just">
-              <a:buNone/>
-            </a:pPr>
-            <a:r>
-              <a:rPr lang="pt-BR" sz="2400" b="1" dirty="0" err="1">
-                <a:solidFill>
-                  <a:schemeClr val="tx1"/>
-                </a:solidFill>
-                <a:latin typeface="Times New Roman" panose="02020603050405020304" pitchFamily="18" charset="0"/>
-                <a:cs typeface="Times New Roman" panose="02020603050405020304" pitchFamily="18" charset="0"/>
-              </a:rPr>
-              <a:t>using</a:t>
-            </a:r>
-            <a:r>
-              <a:rPr lang="pt-BR" sz="2400" dirty="0">
-                <a:solidFill>
-                  <a:schemeClr val="tx1"/>
-                </a:solidFill>
-                <a:latin typeface="Times New Roman" panose="02020603050405020304" pitchFamily="18" charset="0"/>
-                <a:cs typeface="Times New Roman" panose="02020603050405020304" pitchFamily="18" charset="0"/>
-              </a:rPr>
-              <a:t> </a:t>
-            </a:r>
-            <a:r>
-              <a:rPr lang="pt-BR" sz="2400" b="1" dirty="0" err="1">
-                <a:solidFill>
-                  <a:srgbClr val="FF0000"/>
-                </a:solidFill>
-                <a:latin typeface="Times New Roman" panose="02020603050405020304" pitchFamily="18" charset="0"/>
-                <a:cs typeface="Times New Roman" panose="02020603050405020304" pitchFamily="18" charset="0"/>
-              </a:rPr>
-              <a:t>namespace</a:t>
-            </a:r>
-            <a:r>
-              <a:rPr lang="pt-BR" sz="2400" dirty="0">
-                <a:solidFill>
-                  <a:schemeClr val="tx1"/>
-                </a:solidFill>
-                <a:latin typeface="Times New Roman" panose="02020603050405020304" pitchFamily="18" charset="0"/>
-                <a:cs typeface="Times New Roman" panose="02020603050405020304" pitchFamily="18" charset="0"/>
-              </a:rPr>
-              <a:t> </a:t>
-            </a:r>
-            <a:r>
-              <a:rPr lang="pt-BR" sz="2400" dirty="0" err="1">
-                <a:solidFill>
-                  <a:schemeClr val="tx1"/>
-                </a:solidFill>
-                <a:latin typeface="Times New Roman" panose="02020603050405020304" pitchFamily="18" charset="0"/>
-                <a:cs typeface="Times New Roman" panose="02020603050405020304" pitchFamily="18" charset="0"/>
-              </a:rPr>
-              <a:t>std</a:t>
-            </a:r>
-            <a:r>
-              <a:rPr lang="pt-BR" sz="2400" dirty="0">
-                <a:solidFill>
-                  <a:schemeClr val="tx1"/>
-                </a:solidFill>
-                <a:latin typeface="Times New Roman" panose="02020603050405020304" pitchFamily="18" charset="0"/>
-                <a:cs typeface="Times New Roman" panose="02020603050405020304" pitchFamily="18" charset="0"/>
-              </a:rPr>
-              <a:t>;</a:t>
-            </a:r>
-          </a:p>
-          <a:p>
-            <a:pPr marL="0" indent="0" algn="just">
-              <a:buNone/>
-            </a:pPr>
-            <a:r>
-              <a:rPr lang="pt-BR" sz="2400" b="1" dirty="0" err="1">
-                <a:solidFill>
-                  <a:schemeClr val="tx1"/>
-                </a:solidFill>
-                <a:latin typeface="Times New Roman" panose="02020603050405020304" pitchFamily="18" charset="0"/>
-                <a:cs typeface="Times New Roman" panose="02020603050405020304" pitchFamily="18" charset="0"/>
-              </a:rPr>
-              <a:t>struct</a:t>
-            </a:r>
-            <a:r>
-              <a:rPr lang="pt-BR" sz="2400" dirty="0">
-                <a:solidFill>
-                  <a:schemeClr val="tx1"/>
-                </a:solidFill>
-                <a:latin typeface="Times New Roman" panose="02020603050405020304" pitchFamily="18" charset="0"/>
-                <a:cs typeface="Times New Roman" panose="02020603050405020304" pitchFamily="18" charset="0"/>
-              </a:rPr>
-              <a:t> </a:t>
-            </a:r>
-            <a:r>
-              <a:rPr lang="pt-BR" sz="2400" b="1" dirty="0">
-                <a:solidFill>
-                  <a:srgbClr val="FF0000"/>
-                </a:solidFill>
-                <a:latin typeface="Times New Roman" panose="02020603050405020304" pitchFamily="18" charset="0"/>
-                <a:cs typeface="Times New Roman" panose="02020603050405020304" pitchFamily="18" charset="0"/>
-              </a:rPr>
-              <a:t>Cliente</a:t>
-            </a:r>
-            <a:r>
-              <a:rPr lang="pt-BR" sz="2400" dirty="0">
-                <a:solidFill>
-                  <a:schemeClr val="tx1"/>
-                </a:solidFill>
-                <a:latin typeface="Times New Roman" panose="02020603050405020304" pitchFamily="18" charset="0"/>
-                <a:cs typeface="Times New Roman" panose="02020603050405020304" pitchFamily="18" charset="0"/>
-              </a:rPr>
-              <a:t> {</a:t>
-            </a:r>
-          </a:p>
-          <a:p>
-            <a:pPr marL="0" indent="0" algn="just">
-              <a:buNone/>
-            </a:pPr>
-            <a:r>
-              <a:rPr lang="pt-BR" sz="2400" dirty="0">
-                <a:solidFill>
-                  <a:schemeClr val="tx1"/>
-                </a:solidFill>
-                <a:latin typeface="Times New Roman" panose="02020603050405020304" pitchFamily="18" charset="0"/>
-                <a:cs typeface="Times New Roman" panose="02020603050405020304" pitchFamily="18" charset="0"/>
-              </a:rPr>
-              <a:t>	</a:t>
-            </a:r>
-            <a:r>
-              <a:rPr lang="pt-BR" sz="2400" b="1" dirty="0">
-                <a:solidFill>
-                  <a:schemeClr val="tx1"/>
-                </a:solidFill>
-                <a:latin typeface="Times New Roman" panose="02020603050405020304" pitchFamily="18" charset="0"/>
-                <a:cs typeface="Times New Roman" panose="02020603050405020304" pitchFamily="18" charset="0"/>
-              </a:rPr>
-              <a:t>char</a:t>
-            </a:r>
-            <a:r>
-              <a:rPr lang="pt-BR" sz="2400" dirty="0">
-                <a:solidFill>
-                  <a:schemeClr val="tx1"/>
-                </a:solidFill>
-                <a:latin typeface="Times New Roman" panose="02020603050405020304" pitchFamily="18" charset="0"/>
-                <a:cs typeface="Times New Roman" panose="02020603050405020304" pitchFamily="18" charset="0"/>
-              </a:rPr>
-              <a:t> nome[200];</a:t>
-            </a:r>
-          </a:p>
-          <a:p>
-            <a:pPr marL="0" indent="0" algn="just">
-              <a:buNone/>
-            </a:pPr>
-            <a:r>
-              <a:rPr lang="pt-BR" sz="2400" dirty="0">
-                <a:solidFill>
-                  <a:schemeClr val="tx1"/>
-                </a:solidFill>
-                <a:latin typeface="Times New Roman" panose="02020603050405020304" pitchFamily="18" charset="0"/>
-                <a:cs typeface="Times New Roman" panose="02020603050405020304" pitchFamily="18" charset="0"/>
-              </a:rPr>
-              <a:t>	</a:t>
-            </a:r>
-            <a:r>
-              <a:rPr lang="pt-BR" sz="2400" b="1" dirty="0">
-                <a:solidFill>
-                  <a:schemeClr val="tx1"/>
-                </a:solidFill>
-                <a:latin typeface="Times New Roman" panose="02020603050405020304" pitchFamily="18" charset="0"/>
-                <a:cs typeface="Times New Roman" panose="02020603050405020304" pitchFamily="18" charset="0"/>
-              </a:rPr>
-              <a:t>char</a:t>
-            </a:r>
-            <a:r>
-              <a:rPr lang="pt-BR" sz="2400" dirty="0">
-                <a:solidFill>
-                  <a:schemeClr val="tx1"/>
-                </a:solidFill>
-                <a:latin typeface="Times New Roman" panose="02020603050405020304" pitchFamily="18" charset="0"/>
-                <a:cs typeface="Times New Roman" panose="02020603050405020304" pitchFamily="18" charset="0"/>
-              </a:rPr>
-              <a:t> </a:t>
-            </a:r>
-            <a:r>
-              <a:rPr lang="pt-BR" sz="2400" dirty="0" err="1">
-                <a:solidFill>
-                  <a:schemeClr val="tx1"/>
-                </a:solidFill>
-                <a:latin typeface="Times New Roman" panose="02020603050405020304" pitchFamily="18" charset="0"/>
-                <a:cs typeface="Times New Roman" panose="02020603050405020304" pitchFamily="18" charset="0"/>
-              </a:rPr>
-              <a:t>cpf</a:t>
-            </a:r>
-            <a:r>
-              <a:rPr lang="pt-BR" sz="2400" dirty="0">
-                <a:solidFill>
-                  <a:schemeClr val="tx1"/>
-                </a:solidFill>
-                <a:latin typeface="Times New Roman" panose="02020603050405020304" pitchFamily="18" charset="0"/>
-                <a:cs typeface="Times New Roman" panose="02020603050405020304" pitchFamily="18" charset="0"/>
-              </a:rPr>
-              <a:t>[11];</a:t>
-            </a:r>
-          </a:p>
-          <a:p>
-            <a:pPr marL="0" indent="0" algn="just">
-              <a:buNone/>
-            </a:pPr>
-            <a:r>
-              <a:rPr lang="pt-BR" sz="2400" dirty="0">
-                <a:solidFill>
-                  <a:schemeClr val="tx1"/>
-                </a:solidFill>
-                <a:latin typeface="Times New Roman" panose="02020603050405020304" pitchFamily="18" charset="0"/>
-                <a:cs typeface="Times New Roman" panose="02020603050405020304" pitchFamily="18" charset="0"/>
-              </a:rPr>
-              <a:t>	</a:t>
-            </a:r>
-            <a:r>
-              <a:rPr lang="pt-BR" sz="2400" b="1" dirty="0" err="1">
-                <a:solidFill>
-                  <a:schemeClr val="tx1"/>
-                </a:solidFill>
-                <a:latin typeface="Times New Roman" panose="02020603050405020304" pitchFamily="18" charset="0"/>
-                <a:cs typeface="Times New Roman" panose="02020603050405020304" pitchFamily="18" charset="0"/>
-              </a:rPr>
-              <a:t>float</a:t>
-            </a:r>
-            <a:r>
-              <a:rPr lang="pt-BR" sz="2400" dirty="0">
-                <a:solidFill>
-                  <a:schemeClr val="tx1"/>
-                </a:solidFill>
-                <a:latin typeface="Times New Roman" panose="02020603050405020304" pitchFamily="18" charset="0"/>
-                <a:cs typeface="Times New Roman" panose="02020603050405020304" pitchFamily="18" charset="0"/>
-              </a:rPr>
-              <a:t> limite;</a:t>
-            </a:r>
-          </a:p>
-          <a:p>
-            <a:pPr marL="0" indent="0" algn="just">
-              <a:buNone/>
-            </a:pPr>
-            <a:r>
-              <a:rPr lang="pt-BR" sz="2400" dirty="0">
-                <a:solidFill>
-                  <a:schemeClr val="tx1"/>
-                </a:solidFill>
-                <a:latin typeface="Times New Roman" panose="02020603050405020304" pitchFamily="18" charset="0"/>
-                <a:cs typeface="Times New Roman" panose="02020603050405020304" pitchFamily="18" charset="0"/>
-              </a:rPr>
-              <a:t>	</a:t>
-            </a:r>
-            <a:r>
-              <a:rPr lang="pt-BR" sz="2400" b="1" dirty="0" err="1">
-                <a:solidFill>
-                  <a:schemeClr val="tx1"/>
-                </a:solidFill>
-                <a:latin typeface="Times New Roman" panose="02020603050405020304" pitchFamily="18" charset="0"/>
-                <a:cs typeface="Times New Roman" panose="02020603050405020304" pitchFamily="18" charset="0"/>
-              </a:rPr>
-              <a:t>int</a:t>
-            </a:r>
-            <a:r>
-              <a:rPr lang="pt-BR" sz="2400" dirty="0">
-                <a:solidFill>
-                  <a:schemeClr val="tx1"/>
-                </a:solidFill>
-                <a:latin typeface="Times New Roman" panose="02020603050405020304" pitchFamily="18" charset="0"/>
-                <a:cs typeface="Times New Roman" panose="02020603050405020304" pitchFamily="18" charset="0"/>
-              </a:rPr>
-              <a:t> compras;</a:t>
-            </a:r>
-          </a:p>
-          <a:p>
-            <a:pPr marL="0" indent="0" algn="just">
-              <a:buNone/>
-            </a:pPr>
-            <a:r>
-              <a:rPr lang="pt-BR" sz="2400" dirty="0">
-                <a:solidFill>
-                  <a:schemeClr val="tx1"/>
-                </a:solidFill>
-                <a:latin typeface="Times New Roman" panose="02020603050405020304" pitchFamily="18" charset="0"/>
-                <a:cs typeface="Times New Roman" panose="02020603050405020304" pitchFamily="18" charset="0"/>
-              </a:rPr>
-              <a:t>};</a:t>
-            </a:r>
-            <a:endParaRPr lang="pt-BR" sz="2400" dirty="0"/>
-          </a:p>
-        </p:txBody>
-      </p:sp>
-      <p:sp>
-        <p:nvSpPr>
-          <p:cNvPr id="7" name="CaixaDeTexto 6">
-            <a:extLst>
-              <a:ext uri="{FF2B5EF4-FFF2-40B4-BE49-F238E27FC236}">
-                <a16:creationId xmlns:a16="http://schemas.microsoft.com/office/drawing/2014/main" id="{E4852F60-C492-4ADE-A7A1-83433CCBD955}"/>
-              </a:ext>
-            </a:extLst>
-          </p:cNvPr>
-          <p:cNvSpPr txBox="1"/>
-          <p:nvPr/>
-        </p:nvSpPr>
-        <p:spPr>
-          <a:xfrm>
-            <a:off x="3494762" y="1628888"/>
-            <a:ext cx="5513159" cy="2677656"/>
-          </a:xfrm>
-          <a:prstGeom prst="rect">
-            <a:avLst/>
-          </a:prstGeom>
-          <a:noFill/>
-        </p:spPr>
-        <p:txBody>
-          <a:bodyPr wrap="square" rtlCol="0">
-            <a:spAutoFit/>
-          </a:bodyPr>
-          <a:lstStyle/>
-          <a:p>
-            <a:pPr marL="0" indent="0" algn="just">
-              <a:buNone/>
-            </a:pPr>
-            <a:r>
-              <a:rPr lang="pt-BR" sz="2400" b="1" dirty="0" err="1">
-                <a:solidFill>
-                  <a:schemeClr val="tx1"/>
-                </a:solidFill>
-                <a:latin typeface="Times New Roman" panose="02020603050405020304" pitchFamily="18" charset="0"/>
-                <a:cs typeface="Times New Roman" panose="02020603050405020304" pitchFamily="18" charset="0"/>
-              </a:rPr>
-              <a:t>int</a:t>
-            </a:r>
-            <a:r>
-              <a:rPr lang="pt-BR" sz="2400" dirty="0">
-                <a:solidFill>
-                  <a:schemeClr val="tx1"/>
-                </a:solidFill>
-                <a:latin typeface="Times New Roman" panose="02020603050405020304" pitchFamily="18" charset="0"/>
-                <a:cs typeface="Times New Roman" panose="02020603050405020304" pitchFamily="18" charset="0"/>
-              </a:rPr>
-              <a:t> </a:t>
-            </a:r>
-            <a:r>
-              <a:rPr lang="pt-BR" sz="2400" dirty="0" err="1">
-                <a:solidFill>
-                  <a:schemeClr val="tx1"/>
-                </a:solidFill>
-                <a:latin typeface="Times New Roman" panose="02020603050405020304" pitchFamily="18" charset="0"/>
-                <a:cs typeface="Times New Roman" panose="02020603050405020304" pitchFamily="18" charset="0"/>
-              </a:rPr>
-              <a:t>main</a:t>
-            </a:r>
-            <a:r>
-              <a:rPr lang="pt-BR" sz="2400" dirty="0">
-                <a:solidFill>
-                  <a:schemeClr val="tx1"/>
-                </a:solidFill>
-                <a:latin typeface="Times New Roman" panose="02020603050405020304" pitchFamily="18" charset="0"/>
-                <a:cs typeface="Times New Roman" panose="02020603050405020304" pitchFamily="18" charset="0"/>
-              </a:rPr>
-              <a:t>() {</a:t>
-            </a:r>
-          </a:p>
-          <a:p>
-            <a:pPr marL="0" indent="0" algn="just">
-              <a:buNone/>
-            </a:pPr>
-            <a:r>
-              <a:rPr lang="pt-BR" sz="2400" b="1" dirty="0">
-                <a:solidFill>
-                  <a:schemeClr val="tx1"/>
-                </a:solidFill>
-                <a:latin typeface="Times New Roman" panose="02020603050405020304" pitchFamily="18" charset="0"/>
-                <a:cs typeface="Times New Roman" panose="02020603050405020304" pitchFamily="18" charset="0"/>
-              </a:rPr>
-              <a:t>   </a:t>
-            </a:r>
-            <a:r>
-              <a:rPr lang="pt-BR" sz="2400" b="1" dirty="0" err="1">
-                <a:solidFill>
-                  <a:schemeClr val="tx1"/>
-                </a:solidFill>
-                <a:latin typeface="Times New Roman" panose="02020603050405020304" pitchFamily="18" charset="0"/>
-                <a:cs typeface="Times New Roman" panose="02020603050405020304" pitchFamily="18" charset="0"/>
-              </a:rPr>
-              <a:t>struct</a:t>
-            </a:r>
-            <a:r>
-              <a:rPr lang="pt-BR" sz="2400" dirty="0">
-                <a:solidFill>
-                  <a:schemeClr val="tx1"/>
-                </a:solidFill>
-                <a:latin typeface="Times New Roman" panose="02020603050405020304" pitchFamily="18" charset="0"/>
-                <a:cs typeface="Times New Roman" panose="02020603050405020304" pitchFamily="18" charset="0"/>
-              </a:rPr>
-              <a:t> Cliente </a:t>
-            </a:r>
-            <a:r>
-              <a:rPr lang="pt-BR" sz="2400" b="1" dirty="0" err="1">
-                <a:solidFill>
-                  <a:srgbClr val="FF0000"/>
-                </a:solidFill>
-                <a:latin typeface="Times New Roman" panose="02020603050405020304" pitchFamily="18" charset="0"/>
-                <a:cs typeface="Times New Roman" panose="02020603050405020304" pitchFamily="18" charset="0"/>
-              </a:rPr>
-              <a:t>umCliente</a:t>
-            </a:r>
-            <a:r>
-              <a:rPr lang="pt-BR" sz="2400" dirty="0">
-                <a:solidFill>
-                  <a:schemeClr val="tx1"/>
-                </a:solidFill>
-                <a:latin typeface="Times New Roman" panose="02020603050405020304" pitchFamily="18" charset="0"/>
-                <a:cs typeface="Times New Roman" panose="02020603050405020304" pitchFamily="18" charset="0"/>
-              </a:rPr>
-              <a:t>;</a:t>
-            </a:r>
-          </a:p>
-          <a:p>
-            <a:pPr marL="0" indent="0" algn="just">
-              <a:buNone/>
-            </a:pPr>
-            <a:r>
-              <a:rPr lang="pt-BR" sz="2400" b="1" dirty="0">
-                <a:solidFill>
-                  <a:schemeClr val="tx1"/>
-                </a:solidFill>
-                <a:latin typeface="Times New Roman" panose="02020603050405020304" pitchFamily="18" charset="0"/>
-                <a:cs typeface="Times New Roman" panose="02020603050405020304" pitchFamily="18" charset="0"/>
-              </a:rPr>
-              <a:t>   </a:t>
-            </a:r>
-            <a:r>
-              <a:rPr lang="pt-BR" sz="2400" b="1" dirty="0" err="1">
-                <a:solidFill>
-                  <a:schemeClr val="tx1"/>
-                </a:solidFill>
-                <a:latin typeface="Times New Roman" panose="02020603050405020304" pitchFamily="18" charset="0"/>
-                <a:cs typeface="Times New Roman" panose="02020603050405020304" pitchFamily="18" charset="0"/>
-              </a:rPr>
-              <a:t>strcpy</a:t>
-            </a:r>
-            <a:r>
-              <a:rPr lang="pt-BR" sz="2400" dirty="0">
-                <a:solidFill>
-                  <a:schemeClr val="tx1"/>
-                </a:solidFill>
-                <a:latin typeface="Times New Roman" panose="02020603050405020304" pitchFamily="18" charset="0"/>
-                <a:cs typeface="Times New Roman" panose="02020603050405020304" pitchFamily="18" charset="0"/>
-              </a:rPr>
-              <a:t>(</a:t>
-            </a:r>
-            <a:r>
-              <a:rPr lang="pt-BR" sz="2400" b="1" dirty="0" err="1">
-                <a:solidFill>
-                  <a:srgbClr val="FF0000"/>
-                </a:solidFill>
-                <a:latin typeface="Times New Roman" panose="02020603050405020304" pitchFamily="18" charset="0"/>
-                <a:cs typeface="Times New Roman" panose="02020603050405020304" pitchFamily="18" charset="0"/>
-              </a:rPr>
-              <a:t>umCliente</a:t>
-            </a:r>
-            <a:r>
-              <a:rPr lang="pt-BR" sz="2400" dirty="0" err="1">
-                <a:solidFill>
-                  <a:schemeClr val="tx1"/>
-                </a:solidFill>
-                <a:latin typeface="Times New Roman" panose="02020603050405020304" pitchFamily="18" charset="0"/>
-                <a:cs typeface="Times New Roman" panose="02020603050405020304" pitchFamily="18" charset="0"/>
-              </a:rPr>
-              <a:t>.</a:t>
-            </a:r>
-            <a:r>
-              <a:rPr lang="pt-BR" sz="2400" b="1" dirty="0" err="1">
-                <a:solidFill>
-                  <a:schemeClr val="tx1"/>
-                </a:solidFill>
-                <a:latin typeface="Times New Roman" panose="02020603050405020304" pitchFamily="18" charset="0"/>
-                <a:cs typeface="Times New Roman" panose="02020603050405020304" pitchFamily="18" charset="0"/>
-              </a:rPr>
-              <a:t>nome</a:t>
-            </a:r>
-            <a:r>
-              <a:rPr lang="pt-BR" sz="2400" dirty="0">
-                <a:solidFill>
-                  <a:schemeClr val="tx1"/>
-                </a:solidFill>
-                <a:latin typeface="Times New Roman" panose="02020603050405020304" pitchFamily="18" charset="0"/>
-                <a:cs typeface="Times New Roman" panose="02020603050405020304" pitchFamily="18" charset="0"/>
-              </a:rPr>
-              <a:t>, "Fulano“);</a:t>
-            </a:r>
-          </a:p>
-          <a:p>
-            <a:pPr marL="0" indent="0" algn="just">
-              <a:buNone/>
-            </a:pPr>
-            <a:r>
-              <a:rPr lang="pt-BR" sz="2400" b="1" dirty="0">
-                <a:solidFill>
-                  <a:schemeClr val="tx1"/>
-                </a:solidFill>
-                <a:latin typeface="Times New Roman" panose="02020603050405020304" pitchFamily="18" charset="0"/>
-                <a:cs typeface="Times New Roman" panose="02020603050405020304" pitchFamily="18" charset="0"/>
-              </a:rPr>
-              <a:t>   </a:t>
-            </a:r>
-            <a:r>
-              <a:rPr lang="pt-BR" sz="2400" b="1" dirty="0" err="1">
-                <a:solidFill>
-                  <a:schemeClr val="tx1"/>
-                </a:solidFill>
-                <a:latin typeface="Times New Roman" panose="02020603050405020304" pitchFamily="18" charset="0"/>
-                <a:cs typeface="Times New Roman" panose="02020603050405020304" pitchFamily="18" charset="0"/>
-              </a:rPr>
-              <a:t>strcpy</a:t>
-            </a:r>
-            <a:r>
-              <a:rPr lang="pt-BR" sz="2400" dirty="0">
-                <a:solidFill>
-                  <a:schemeClr val="tx1"/>
-                </a:solidFill>
-                <a:latin typeface="Times New Roman" panose="02020603050405020304" pitchFamily="18" charset="0"/>
-                <a:cs typeface="Times New Roman" panose="02020603050405020304" pitchFamily="18" charset="0"/>
-              </a:rPr>
-              <a:t>(</a:t>
-            </a:r>
-            <a:r>
-              <a:rPr lang="pt-BR" sz="2400" b="1" dirty="0" err="1">
-                <a:solidFill>
-                  <a:srgbClr val="FF0000"/>
-                </a:solidFill>
-                <a:latin typeface="Times New Roman" panose="02020603050405020304" pitchFamily="18" charset="0"/>
-                <a:cs typeface="Times New Roman" panose="02020603050405020304" pitchFamily="18" charset="0"/>
-              </a:rPr>
-              <a:t>umCliente</a:t>
-            </a:r>
-            <a:r>
-              <a:rPr lang="pt-BR" sz="2400" dirty="0" err="1">
-                <a:solidFill>
-                  <a:schemeClr val="tx1"/>
-                </a:solidFill>
-                <a:latin typeface="Times New Roman" panose="02020603050405020304" pitchFamily="18" charset="0"/>
-                <a:cs typeface="Times New Roman" panose="02020603050405020304" pitchFamily="18" charset="0"/>
-              </a:rPr>
-              <a:t>.</a:t>
-            </a:r>
-            <a:r>
-              <a:rPr lang="pt-BR" sz="2400" b="1" dirty="0" err="1">
-                <a:solidFill>
-                  <a:schemeClr val="tx1"/>
-                </a:solidFill>
-                <a:latin typeface="Times New Roman" panose="02020603050405020304" pitchFamily="18" charset="0"/>
-                <a:cs typeface="Times New Roman" panose="02020603050405020304" pitchFamily="18" charset="0"/>
-              </a:rPr>
-              <a:t>cpf</a:t>
-            </a:r>
-            <a:r>
-              <a:rPr lang="pt-BR" sz="2400" dirty="0">
-                <a:solidFill>
-                  <a:schemeClr val="tx1"/>
-                </a:solidFill>
-                <a:latin typeface="Times New Roman" panose="02020603050405020304" pitchFamily="18" charset="0"/>
-                <a:cs typeface="Times New Roman" panose="02020603050405020304" pitchFamily="18" charset="0"/>
-              </a:rPr>
-              <a:t>, "01234567890“);</a:t>
-            </a:r>
-          </a:p>
-          <a:p>
-            <a:pPr marL="0" indent="0" algn="just">
-              <a:buNone/>
-            </a:pPr>
-            <a:r>
-              <a:rPr lang="pt-BR" sz="2400" b="1" dirty="0">
-                <a:solidFill>
-                  <a:srgbClr val="FF0000"/>
-                </a:solidFill>
-                <a:latin typeface="Times New Roman" panose="02020603050405020304" pitchFamily="18" charset="0"/>
-                <a:cs typeface="Times New Roman" panose="02020603050405020304" pitchFamily="18" charset="0"/>
-              </a:rPr>
-              <a:t>   </a:t>
-            </a:r>
-            <a:r>
-              <a:rPr lang="pt-BR" sz="2400" b="1" dirty="0" err="1">
-                <a:solidFill>
-                  <a:srgbClr val="FF0000"/>
-                </a:solidFill>
-                <a:latin typeface="Times New Roman" panose="02020603050405020304" pitchFamily="18" charset="0"/>
-                <a:cs typeface="Times New Roman" panose="02020603050405020304" pitchFamily="18" charset="0"/>
-              </a:rPr>
-              <a:t>umCliente</a:t>
-            </a:r>
-            <a:r>
-              <a:rPr lang="pt-BR" sz="2400" dirty="0" err="1">
-                <a:solidFill>
-                  <a:schemeClr val="tx1"/>
-                </a:solidFill>
-                <a:latin typeface="Times New Roman" panose="02020603050405020304" pitchFamily="18" charset="0"/>
-                <a:cs typeface="Times New Roman" panose="02020603050405020304" pitchFamily="18" charset="0"/>
-              </a:rPr>
-              <a:t>.</a:t>
-            </a:r>
-            <a:r>
-              <a:rPr lang="pt-BR" sz="2400" b="1" dirty="0" err="1">
-                <a:solidFill>
-                  <a:schemeClr val="tx1"/>
-                </a:solidFill>
-                <a:latin typeface="Times New Roman" panose="02020603050405020304" pitchFamily="18" charset="0"/>
-                <a:cs typeface="Times New Roman" panose="02020603050405020304" pitchFamily="18" charset="0"/>
-              </a:rPr>
-              <a:t>limite</a:t>
-            </a:r>
-            <a:r>
-              <a:rPr lang="pt-BR" sz="2400" dirty="0">
-                <a:solidFill>
-                  <a:schemeClr val="tx1"/>
-                </a:solidFill>
-                <a:latin typeface="Times New Roman" panose="02020603050405020304" pitchFamily="18" charset="0"/>
-                <a:cs typeface="Times New Roman" panose="02020603050405020304" pitchFamily="18" charset="0"/>
-              </a:rPr>
-              <a:t> = 5000.0;</a:t>
-            </a:r>
-          </a:p>
-          <a:p>
-            <a:pPr marL="0" indent="0" algn="just">
-              <a:buNone/>
-            </a:pPr>
-            <a:r>
-              <a:rPr lang="pt-BR" sz="2400" b="1" dirty="0">
-                <a:solidFill>
-                  <a:srgbClr val="FF0000"/>
-                </a:solidFill>
-                <a:latin typeface="Times New Roman" panose="02020603050405020304" pitchFamily="18" charset="0"/>
-                <a:cs typeface="Times New Roman" panose="02020603050405020304" pitchFamily="18" charset="0"/>
-              </a:rPr>
-              <a:t>   </a:t>
-            </a:r>
-            <a:r>
-              <a:rPr lang="pt-BR" sz="2400" b="1" dirty="0" err="1">
-                <a:solidFill>
-                  <a:srgbClr val="FF0000"/>
-                </a:solidFill>
-                <a:latin typeface="Times New Roman" panose="02020603050405020304" pitchFamily="18" charset="0"/>
-                <a:cs typeface="Times New Roman" panose="02020603050405020304" pitchFamily="18" charset="0"/>
-              </a:rPr>
-              <a:t>umCliente</a:t>
-            </a:r>
-            <a:r>
-              <a:rPr lang="pt-BR" sz="2400" dirty="0" err="1">
-                <a:solidFill>
-                  <a:schemeClr val="tx1"/>
-                </a:solidFill>
-                <a:latin typeface="Times New Roman" panose="02020603050405020304" pitchFamily="18" charset="0"/>
-                <a:cs typeface="Times New Roman" panose="02020603050405020304" pitchFamily="18" charset="0"/>
-              </a:rPr>
-              <a:t>.</a:t>
-            </a:r>
-            <a:r>
-              <a:rPr lang="pt-BR" sz="2400" b="1" dirty="0" err="1">
-                <a:solidFill>
-                  <a:schemeClr val="tx1"/>
-                </a:solidFill>
-                <a:latin typeface="Times New Roman" panose="02020603050405020304" pitchFamily="18" charset="0"/>
-                <a:cs typeface="Times New Roman" panose="02020603050405020304" pitchFamily="18" charset="0"/>
-              </a:rPr>
-              <a:t>compras</a:t>
-            </a:r>
-            <a:r>
-              <a:rPr lang="pt-BR" sz="2400" dirty="0">
-                <a:solidFill>
-                  <a:schemeClr val="tx1"/>
-                </a:solidFill>
-                <a:latin typeface="Times New Roman" panose="02020603050405020304" pitchFamily="18" charset="0"/>
-                <a:cs typeface="Times New Roman" panose="02020603050405020304" pitchFamily="18" charset="0"/>
-              </a:rPr>
-              <a:t> = 0;</a:t>
-            </a:r>
-          </a:p>
-          <a:p>
-            <a:pPr marL="0" indent="0" algn="just">
-              <a:buNone/>
-            </a:pPr>
-            <a:r>
-              <a:rPr lang="pt-BR" sz="2400" dirty="0">
-                <a:solidFill>
-                  <a:schemeClr val="tx1"/>
-                </a:solidFill>
-                <a:latin typeface="Times New Roman" panose="02020603050405020304" pitchFamily="18" charset="0"/>
-                <a:cs typeface="Times New Roman" panose="02020603050405020304" pitchFamily="18" charset="0"/>
-              </a:rPr>
-              <a:t>}</a:t>
-            </a:r>
-            <a:endParaRPr lang="pt-BR" sz="2400" dirty="0"/>
-          </a:p>
-        </p:txBody>
-      </p:sp>
-    </p:spTree>
-    <p:extLst>
-      <p:ext uri="{BB962C8B-B14F-4D97-AF65-F5344CB8AC3E}">
-        <p14:creationId xmlns:p14="http://schemas.microsoft.com/office/powerpoint/2010/main" val="671563937"/>
-      </p:ext>
-    </p:extLst>
-  </p:cSld>
-  <p:clrMapOvr>
-    <a:masterClrMapping/>
-  </p:clrMapOvr>
-  <p:transition spd="med"/>
-</p:sld>
-</file>
-
-<file path=ppt/slides/slide13.xml><?xml version="1.0" encoding="utf-8"?>
-<p:sld xmlns:a="http://schemas.openxmlformats.org/drawingml/2006/main" xmlns:r="http://schemas.openxmlformats.org/officeDocument/2006/relationships" xmlns:p="http://schemas.openxmlformats.org/presentationml/2006/main">
-  <p:cSld>
-    <p:spTree>
-      <p:nvGrpSpPr>
-        <p:cNvPr id="1" name=""/>
-        <p:cNvGrpSpPr/>
-        <p:nvPr/>
-      </p:nvGrpSpPr>
-      <p:grpSpPr>
-        <a:xfrm>
-          <a:off x="0" y="0"/>
-          <a:ext cx="0" cy="0"/>
-          <a:chOff x="0" y="0"/>
-          <a:chExt cx="0" cy="0"/>
-        </a:xfrm>
-      </p:grpSpPr>
-      <p:sp>
-        <p:nvSpPr>
-          <p:cNvPr id="6" name="Title 1"/>
-          <p:cNvSpPr>
-            <a:spLocks noGrp="1"/>
-          </p:cNvSpPr>
-          <p:nvPr>
-            <p:ph type="title"/>
-          </p:nvPr>
-        </p:nvSpPr>
-        <p:spPr/>
-        <p:txBody>
-          <a:bodyPr>
-            <a:normAutofit/>
-          </a:bodyPr>
-          <a:lstStyle/>
-          <a:p>
-            <a:r>
-              <a:rPr lang="en-US" b="1" dirty="0">
-                <a:solidFill>
-                  <a:srgbClr val="0070C0"/>
-                </a:solidFill>
-              </a:rPr>
-              <a:t>Python – TD </a:t>
-            </a:r>
-            <a:r>
-              <a:rPr lang="en-US" b="1" dirty="0" err="1">
-                <a:solidFill>
-                  <a:srgbClr val="0070C0"/>
-                </a:solidFill>
-              </a:rPr>
-              <a:t>Aglomerados</a:t>
-            </a:r>
-            <a:r>
-              <a:rPr lang="en-US" b="1" dirty="0">
-                <a:solidFill>
-                  <a:srgbClr val="0070C0"/>
-                </a:solidFill>
-              </a:rPr>
-              <a:t> </a:t>
-            </a:r>
-            <a:r>
-              <a:rPr lang="en-US" b="1" dirty="0" err="1">
-                <a:solidFill>
-                  <a:srgbClr val="0070C0"/>
-                </a:solidFill>
-              </a:rPr>
-              <a:t>Registros</a:t>
-            </a:r>
-            <a:endParaRPr lang="en-US" b="1" dirty="0">
-              <a:solidFill>
-                <a:srgbClr val="0070C0"/>
-              </a:solidFill>
-            </a:endParaRPr>
-          </a:p>
-        </p:txBody>
-      </p:sp>
-      <p:sp>
-        <p:nvSpPr>
-          <p:cNvPr id="8" name="Text Placeholder 2"/>
-          <p:cNvSpPr>
-            <a:spLocks noGrp="1"/>
-          </p:cNvSpPr>
-          <p:nvPr>
-            <p:ph type="body" sz="half" idx="1"/>
-          </p:nvPr>
-        </p:nvSpPr>
-        <p:spPr>
-          <a:xfrm>
-            <a:off x="142865" y="1200150"/>
-            <a:ext cx="8865056" cy="3737370"/>
-          </a:xfrm>
-        </p:spPr>
-        <p:txBody>
-          <a:bodyPr>
-            <a:noAutofit/>
-          </a:bodyPr>
-          <a:lstStyle/>
-          <a:p>
-            <a:pPr marL="0" indent="0" algn="just">
-              <a:buNone/>
-            </a:pPr>
-            <a:r>
-              <a:rPr lang="pt-BR" sz="2400" b="1" dirty="0">
-                <a:solidFill>
-                  <a:srgbClr val="FF0000"/>
-                </a:solidFill>
-                <a:latin typeface="Times New Roman" panose="02020603050405020304" pitchFamily="18" charset="0"/>
-                <a:cs typeface="Times New Roman" panose="02020603050405020304" pitchFamily="18" charset="0"/>
-              </a:rPr>
-              <a:t>Registro (Exemplo: </a:t>
-            </a:r>
-            <a:r>
-              <a:rPr lang="pt-BR" sz="2400" b="1" dirty="0">
-                <a:latin typeface="Times New Roman" panose="02020603050405020304" pitchFamily="18" charset="0"/>
-                <a:cs typeface="Times New Roman" panose="02020603050405020304" pitchFamily="18" charset="0"/>
-              </a:rPr>
-              <a:t>Python</a:t>
-            </a:r>
-            <a:r>
-              <a:rPr lang="pt-BR" sz="2400" b="1" dirty="0">
-                <a:solidFill>
-                  <a:srgbClr val="FF0000"/>
-                </a:solidFill>
-                <a:latin typeface="Times New Roman" panose="02020603050405020304" pitchFamily="18" charset="0"/>
-                <a:cs typeface="Times New Roman" panose="02020603050405020304" pitchFamily="18" charset="0"/>
-              </a:rPr>
-              <a:t>)</a:t>
-            </a:r>
-            <a:endParaRPr lang="pt-BR" sz="2400" dirty="0">
-              <a:solidFill>
-                <a:schemeClr val="tx1"/>
-              </a:solidFill>
-              <a:latin typeface="Times New Roman" panose="02020603050405020304" pitchFamily="18" charset="0"/>
-              <a:cs typeface="Times New Roman" panose="02020603050405020304" pitchFamily="18" charset="0"/>
-            </a:endParaRPr>
-          </a:p>
-          <a:p>
-            <a:pPr marL="0" indent="0" algn="just">
-              <a:buNone/>
-            </a:pPr>
-            <a:r>
-              <a:rPr lang="pt-BR" sz="2000" dirty="0">
-                <a:solidFill>
-                  <a:schemeClr val="tx1"/>
-                </a:solidFill>
-                <a:latin typeface="Times New Roman" panose="02020603050405020304" pitchFamily="18" charset="0"/>
-                <a:cs typeface="Times New Roman" panose="02020603050405020304" pitchFamily="18" charset="0"/>
-              </a:rPr>
-              <a:t> </a:t>
-            </a:r>
-          </a:p>
-          <a:p>
-            <a:pPr marL="0" indent="0" algn="just">
-              <a:buNone/>
-            </a:pPr>
-            <a:endParaRPr lang="pt-BR" sz="2000" dirty="0">
-              <a:solidFill>
-                <a:schemeClr val="tx1"/>
-              </a:solidFill>
-              <a:latin typeface="Times New Roman" panose="02020603050405020304" pitchFamily="18" charset="0"/>
-              <a:cs typeface="Times New Roman" panose="02020603050405020304" pitchFamily="18" charset="0"/>
-            </a:endParaRPr>
-          </a:p>
-        </p:txBody>
-      </p:sp>
-      <p:sp>
-        <p:nvSpPr>
-          <p:cNvPr id="3" name="CaixaDeTexto 2">
-            <a:extLst>
-              <a:ext uri="{FF2B5EF4-FFF2-40B4-BE49-F238E27FC236}">
-                <a16:creationId xmlns:a16="http://schemas.microsoft.com/office/drawing/2014/main" id="{6709984F-2047-4B0A-8173-791A8AE310FF}"/>
-              </a:ext>
-            </a:extLst>
-          </p:cNvPr>
-          <p:cNvSpPr txBox="1"/>
-          <p:nvPr/>
-        </p:nvSpPr>
-        <p:spPr>
-          <a:xfrm>
-            <a:off x="186182" y="1730007"/>
-            <a:ext cx="8206255" cy="2308324"/>
-          </a:xfrm>
-          <a:prstGeom prst="rect">
-            <a:avLst/>
-          </a:prstGeom>
-          <a:noFill/>
-        </p:spPr>
-        <p:txBody>
-          <a:bodyPr wrap="square" rtlCol="0">
-            <a:spAutoFit/>
-          </a:bodyPr>
-          <a:lstStyle/>
-          <a:p>
-            <a:r>
-              <a:rPr lang="pt-BR" sz="2400" b="1" dirty="0" err="1">
-                <a:latin typeface="Arial" panose="020B0604020202020204" pitchFamily="34" charset="0"/>
-                <a:cs typeface="Arial" panose="020B0604020202020204" pitchFamily="34" charset="0"/>
-              </a:rPr>
-              <a:t>import</a:t>
-            </a:r>
-            <a:r>
-              <a:rPr lang="pt-BR" sz="2400" b="1" dirty="0">
-                <a:latin typeface="Arial" panose="020B0604020202020204" pitchFamily="34" charset="0"/>
-                <a:cs typeface="Arial" panose="020B0604020202020204" pitchFamily="34" charset="0"/>
-              </a:rPr>
-              <a:t> </a:t>
-            </a:r>
-            <a:r>
-              <a:rPr lang="pt-BR" sz="2400" b="1" dirty="0" err="1">
-                <a:solidFill>
-                  <a:srgbClr val="FF0000"/>
-                </a:solidFill>
-                <a:latin typeface="Arial" panose="020B0604020202020204" pitchFamily="34" charset="0"/>
-                <a:cs typeface="Arial" panose="020B0604020202020204" pitchFamily="34" charset="0"/>
-              </a:rPr>
-              <a:t>struct</a:t>
-            </a:r>
-            <a:endParaRPr lang="pt-BR" sz="2400" b="1" dirty="0">
-              <a:solidFill>
-                <a:srgbClr val="FF0000"/>
-              </a:solidFill>
-              <a:latin typeface="Arial" panose="020B0604020202020204" pitchFamily="34" charset="0"/>
-              <a:cs typeface="Arial" panose="020B0604020202020204" pitchFamily="34" charset="0"/>
-            </a:endParaRPr>
-          </a:p>
-          <a:p>
-            <a:r>
-              <a:rPr lang="pt-BR" sz="2400" b="1" dirty="0">
-                <a:solidFill>
-                  <a:srgbClr val="FF0000"/>
-                </a:solidFill>
-                <a:latin typeface="Arial" panose="020B0604020202020204" pitchFamily="34" charset="0"/>
-                <a:cs typeface="Arial" panose="020B0604020202020204" pitchFamily="34" charset="0"/>
-              </a:rPr>
-              <a:t>Cliente = (‘80s I I 11s f I')</a:t>
-            </a:r>
-          </a:p>
-          <a:p>
-            <a:r>
-              <a:rPr lang="pt-BR" sz="2400" dirty="0" err="1">
-                <a:latin typeface="Arial" panose="020B0604020202020204" pitchFamily="34" charset="0"/>
-                <a:cs typeface="Arial" panose="020B0604020202020204" pitchFamily="34" charset="0"/>
-              </a:rPr>
-              <a:t>umCliente</a:t>
-            </a:r>
-            <a:r>
-              <a:rPr lang="pt-BR" sz="2400" dirty="0">
-                <a:latin typeface="Arial" panose="020B0604020202020204" pitchFamily="34" charset="0"/>
-                <a:cs typeface="Arial" panose="020B0604020202020204" pitchFamily="34" charset="0"/>
-              </a:rPr>
-              <a:t> = </a:t>
-            </a:r>
-            <a:r>
-              <a:rPr lang="pt-BR" sz="2400" b="1" dirty="0" err="1">
-                <a:solidFill>
-                  <a:srgbClr val="FF0000"/>
-                </a:solidFill>
-                <a:latin typeface="Arial" panose="020B0604020202020204" pitchFamily="34" charset="0"/>
-                <a:cs typeface="Arial" panose="020B0604020202020204" pitchFamily="34" charset="0"/>
-              </a:rPr>
-              <a:t>struct</a:t>
-            </a:r>
-            <a:r>
-              <a:rPr lang="pt-BR" sz="2400" dirty="0" err="1">
-                <a:latin typeface="Arial" panose="020B0604020202020204" pitchFamily="34" charset="0"/>
-                <a:cs typeface="Arial" panose="020B0604020202020204" pitchFamily="34" charset="0"/>
-              </a:rPr>
-              <a:t>.</a:t>
-            </a:r>
-            <a:r>
-              <a:rPr lang="pt-BR" sz="2400" b="1" dirty="0" err="1">
-                <a:latin typeface="Arial" panose="020B0604020202020204" pitchFamily="34" charset="0"/>
-                <a:cs typeface="Arial" panose="020B0604020202020204" pitchFamily="34" charset="0"/>
-              </a:rPr>
-              <a:t>pack</a:t>
-            </a:r>
-            <a:r>
-              <a:rPr lang="pt-BR" sz="2400" dirty="0">
-                <a:latin typeface="Arial" panose="020B0604020202020204" pitchFamily="34" charset="0"/>
-                <a:cs typeface="Arial" panose="020B0604020202020204" pitchFamily="34" charset="0"/>
-              </a:rPr>
-              <a:t>(Cliente, </a:t>
-            </a:r>
-            <a:r>
-              <a:rPr lang="pt-BR" sz="2400" dirty="0" err="1">
-                <a:latin typeface="Arial" panose="020B0604020202020204" pitchFamily="34" charset="0"/>
-                <a:cs typeface="Arial" panose="020B0604020202020204" pitchFamily="34" charset="0"/>
-              </a:rPr>
-              <a:t>b"Fulano</a:t>
-            </a:r>
-            <a:r>
-              <a:rPr lang="pt-BR" sz="2400" dirty="0">
-                <a:latin typeface="Arial" panose="020B0604020202020204" pitchFamily="34" charset="0"/>
-                <a:cs typeface="Arial" panose="020B0604020202020204" pitchFamily="34" charset="0"/>
-              </a:rPr>
-              <a:t>", 0, 2, b’123456789001, 5000.00, 3)</a:t>
-            </a:r>
-          </a:p>
-          <a:p>
-            <a:r>
-              <a:rPr lang="pt-BR" sz="2400" b="1" dirty="0">
-                <a:latin typeface="Arial" panose="020B0604020202020204" pitchFamily="34" charset="0"/>
-                <a:cs typeface="Arial" panose="020B0604020202020204" pitchFamily="34" charset="0"/>
-              </a:rPr>
-              <a:t>print</a:t>
-            </a:r>
-            <a:r>
-              <a:rPr lang="pt-BR" sz="2400" dirty="0">
-                <a:latin typeface="Arial" panose="020B0604020202020204" pitchFamily="34" charset="0"/>
-                <a:cs typeface="Arial" panose="020B0604020202020204" pitchFamily="34" charset="0"/>
-              </a:rPr>
-              <a:t>(</a:t>
-            </a:r>
-            <a:r>
-              <a:rPr lang="pt-BR" sz="2400" dirty="0" err="1">
-                <a:latin typeface="Arial" panose="020B0604020202020204" pitchFamily="34" charset="0"/>
-                <a:cs typeface="Arial" panose="020B0604020202020204" pitchFamily="34" charset="0"/>
-              </a:rPr>
-              <a:t>umCliente</a:t>
-            </a:r>
-            <a:r>
-              <a:rPr lang="pt-BR" sz="2400" dirty="0">
-                <a:latin typeface="Arial" panose="020B0604020202020204" pitchFamily="34" charset="0"/>
-                <a:cs typeface="Arial" panose="020B0604020202020204" pitchFamily="34" charset="0"/>
-              </a:rPr>
-              <a:t>)</a:t>
-            </a:r>
-          </a:p>
-          <a:p>
-            <a:r>
-              <a:rPr lang="pt-BR" sz="2400" b="1" dirty="0">
-                <a:latin typeface="Arial" panose="020B0604020202020204" pitchFamily="34" charset="0"/>
-                <a:cs typeface="Arial" panose="020B0604020202020204" pitchFamily="34" charset="0"/>
-              </a:rPr>
-              <a:t>print</a:t>
-            </a:r>
-            <a:r>
-              <a:rPr lang="pt-BR" sz="2400" dirty="0">
-                <a:latin typeface="Arial" panose="020B0604020202020204" pitchFamily="34" charset="0"/>
-                <a:cs typeface="Arial" panose="020B0604020202020204" pitchFamily="34" charset="0"/>
-              </a:rPr>
-              <a:t>(</a:t>
-            </a:r>
-            <a:r>
-              <a:rPr lang="pt-BR" sz="2400" b="1" dirty="0" err="1">
-                <a:solidFill>
-                  <a:srgbClr val="FF0000"/>
-                </a:solidFill>
-                <a:latin typeface="Arial" panose="020B0604020202020204" pitchFamily="34" charset="0"/>
-                <a:cs typeface="Arial" panose="020B0604020202020204" pitchFamily="34" charset="0"/>
-              </a:rPr>
-              <a:t>struct</a:t>
-            </a:r>
-            <a:r>
-              <a:rPr lang="pt-BR" sz="2400" dirty="0" err="1">
-                <a:latin typeface="Arial" panose="020B0604020202020204" pitchFamily="34" charset="0"/>
-                <a:cs typeface="Arial" panose="020B0604020202020204" pitchFamily="34" charset="0"/>
-              </a:rPr>
-              <a:t>.</a:t>
-            </a:r>
-            <a:r>
-              <a:rPr lang="pt-BR" sz="2400" b="1" dirty="0" err="1">
-                <a:latin typeface="Arial" panose="020B0604020202020204" pitchFamily="34" charset="0"/>
-                <a:cs typeface="Arial" panose="020B0604020202020204" pitchFamily="34" charset="0"/>
-              </a:rPr>
-              <a:t>unpack</a:t>
-            </a:r>
-            <a:r>
-              <a:rPr lang="pt-BR" sz="2400" dirty="0">
-                <a:latin typeface="Arial" panose="020B0604020202020204" pitchFamily="34" charset="0"/>
-                <a:cs typeface="Arial" panose="020B0604020202020204" pitchFamily="34" charset="0"/>
-              </a:rPr>
-              <a:t>(Cliente, </a:t>
-            </a:r>
-            <a:r>
-              <a:rPr lang="pt-BR" sz="2400" dirty="0" err="1">
-                <a:latin typeface="Arial" panose="020B0604020202020204" pitchFamily="34" charset="0"/>
-                <a:cs typeface="Arial" panose="020B0604020202020204" pitchFamily="34" charset="0"/>
-              </a:rPr>
-              <a:t>umCliente</a:t>
-            </a:r>
-            <a:r>
-              <a:rPr lang="pt-BR" sz="2400" dirty="0">
-                <a:latin typeface="Arial" panose="020B0604020202020204" pitchFamily="34" charset="0"/>
-                <a:cs typeface="Arial" panose="020B0604020202020204" pitchFamily="34" charset="0"/>
-              </a:rPr>
-              <a:t>))</a:t>
-            </a:r>
-          </a:p>
-        </p:txBody>
-      </p:sp>
-    </p:spTree>
-    <p:extLst>
-      <p:ext uri="{BB962C8B-B14F-4D97-AF65-F5344CB8AC3E}">
-        <p14:creationId xmlns:p14="http://schemas.microsoft.com/office/powerpoint/2010/main" val="1539438958"/>
-      </p:ext>
-    </p:extLst>
-  </p:cSld>
-  <p:clrMapOvr>
-    <a:masterClrMapping/>
-  </p:clrMapOvr>
-  <p:transition spd="med"/>
-</p:sld>
-</file>
-
 <file path=ppt/slides/slide14.xml><?xml version="1.0" encoding="utf-8"?>
 <p:sld xmlns:a="http://schemas.openxmlformats.org/drawingml/2006/main" xmlns:r="http://schemas.openxmlformats.org/officeDocument/2006/relationships" xmlns:p="http://schemas.openxmlformats.org/presentationml/2006/main">
   <p:cSld>
@@ -8551,90 +8081,20 @@
           </a:bodyPr>
           <a:lstStyle/>
           <a:p>
-            <a:pPr algn="just">
-              <a:buFont typeface="Wingdings" panose="05000000000000000000" pitchFamily="2" charset="2"/>
-              <a:buChar char="§"/>
+            <a:pPr marL="0" indent="0" algn="just">
+              <a:buNone/>
             </a:pPr>
             <a:r>
-              <a:rPr lang="pt-BR" b="1" dirty="0">
+              <a:rPr lang="pt-BR" sz="2400" b="1" dirty="0">
                 <a:solidFill>
                   <a:srgbClr val="FF0000"/>
                 </a:solidFill>
                 <a:latin typeface="Times New Roman" panose="02020603050405020304" pitchFamily="18" charset="0"/>
                 <a:cs typeface="Times New Roman" panose="02020603050405020304" pitchFamily="18" charset="0"/>
               </a:rPr>
-              <a:t> Registos </a:t>
-            </a:r>
-            <a:r>
-              <a:rPr lang="pt-BR" b="1" dirty="0">
-                <a:latin typeface="Times New Roman" panose="02020603050405020304" pitchFamily="18" charset="0"/>
-                <a:cs typeface="Times New Roman" panose="02020603050405020304" pitchFamily="18" charset="0"/>
-              </a:rPr>
-              <a:t>em </a:t>
-            </a:r>
-            <a:r>
-              <a:rPr lang="pt-BR" b="1" dirty="0" err="1">
-                <a:latin typeface="Times New Roman" panose="02020603050405020304" pitchFamily="18" charset="0"/>
-                <a:cs typeface="Times New Roman" panose="02020603050405020304" pitchFamily="18" charset="0"/>
-              </a:rPr>
-              <a:t>Pyhton</a:t>
-            </a:r>
-            <a:r>
-              <a:rPr lang="pt-BR" dirty="0">
-                <a:solidFill>
-                  <a:schemeClr val="tx1"/>
-                </a:solidFill>
-                <a:latin typeface="Times New Roman" panose="02020603050405020304" pitchFamily="18" charset="0"/>
-                <a:cs typeface="Times New Roman" panose="02020603050405020304" pitchFamily="18" charset="0"/>
-              </a:rPr>
-              <a:t>: sem nomes dos campos</a:t>
-            </a:r>
-          </a:p>
-          <a:p>
-            <a:pPr marL="0" indent="0" algn="just">
-              <a:buNone/>
-            </a:pPr>
-            <a:r>
-              <a:rPr lang="pt-BR" dirty="0">
-                <a:solidFill>
-                  <a:schemeClr val="tx1"/>
-                </a:solidFill>
-                <a:latin typeface="Times New Roman" panose="02020603050405020304" pitchFamily="18" charset="0"/>
-                <a:cs typeface="Times New Roman" panose="02020603050405020304" pitchFamily="18" charset="0"/>
-              </a:rPr>
-              <a:t>– </a:t>
-            </a:r>
-            <a:r>
-              <a:rPr lang="pt-BR" b="1" dirty="0">
-                <a:solidFill>
-                  <a:schemeClr val="tx1"/>
-                </a:solidFill>
-                <a:latin typeface="Times New Roman" panose="02020603050405020304" pitchFamily="18" charset="0"/>
-                <a:cs typeface="Times New Roman" panose="02020603050405020304" pitchFamily="18" charset="0"/>
-              </a:rPr>
-              <a:t>Foco primário</a:t>
-            </a:r>
-            <a:r>
-              <a:rPr lang="pt-BR" dirty="0">
-                <a:solidFill>
-                  <a:schemeClr val="tx1"/>
-                </a:solidFill>
-                <a:latin typeface="Times New Roman" panose="02020603050405020304" pitchFamily="18" charset="0"/>
-                <a:cs typeface="Times New Roman" panose="02020603050405020304" pitchFamily="18" charset="0"/>
-              </a:rPr>
-              <a:t>: trocar dados com C/C++, </a:t>
-            </a:r>
-            <a:r>
-              <a:rPr lang="pt-BR" dirty="0" err="1">
-                <a:solidFill>
-                  <a:schemeClr val="tx1"/>
-                </a:solidFill>
-                <a:latin typeface="Times New Roman" panose="02020603050405020304" pitchFamily="18" charset="0"/>
-                <a:cs typeface="Times New Roman" panose="02020603050405020304" pitchFamily="18" charset="0"/>
-              </a:rPr>
-              <a:t>etc</a:t>
-            </a:r>
-            <a:endParaRPr lang="pt-BR" dirty="0">
+              <a:t>Registro (Exemplo: linguagem C)</a:t>
+            </a:r>
+            <a:endParaRPr lang="pt-BR" sz="2400" dirty="0">
               <a:solidFill>
                 <a:schemeClr val="tx1"/>
               </a:solidFill>
@@ -8647,72 +8107,580 @@
               <a:buNone/>
             </a:pPr>
             <a:r>
-              <a:rPr lang="pt-BR" dirty="0">
-                <a:solidFill>
-                  <a:schemeClr val="tx1"/>
-                </a:solidFill>
-                <a:latin typeface="Times New Roman" panose="02020603050405020304" pitchFamily="18" charset="0"/>
-                <a:cs typeface="Times New Roman" panose="02020603050405020304" pitchFamily="18" charset="0"/>
-              </a:rPr>
-              <a:t>• Como guardar dados organizados em Python?</a:t>
+              <a:rPr lang="pt-BR" sz="2000" dirty="0">
+                <a:solidFill>
+                  <a:schemeClr val="tx1"/>
+                </a:solidFill>
+                <a:latin typeface="Times New Roman" panose="02020603050405020304" pitchFamily="18" charset="0"/>
+                <a:cs typeface="Times New Roman" panose="02020603050405020304" pitchFamily="18" charset="0"/>
+              </a:rPr>
+              <a:t> </a:t>
             </a:r>
           </a:p>
           <a:p>
             <a:pPr marL="0" indent="0" algn="just">
               <a:buNone/>
             </a:pPr>
-            <a:r>
-              <a:rPr lang="pt-BR" dirty="0">
-                <a:solidFill>
-                  <a:schemeClr val="tx1"/>
-                </a:solidFill>
-                <a:latin typeface="Times New Roman" panose="02020603050405020304" pitchFamily="18" charset="0"/>
-                <a:cs typeface="Times New Roman" panose="02020603050405020304" pitchFamily="18" charset="0"/>
-              </a:rPr>
-              <a:t>– </a:t>
-            </a:r>
-            <a:r>
-              <a:rPr lang="pt-BR" b="1" dirty="0">
-                <a:solidFill>
-                  <a:schemeClr val="tx1"/>
-                </a:solidFill>
-                <a:latin typeface="Times New Roman" panose="02020603050405020304" pitchFamily="18" charset="0"/>
-                <a:cs typeface="Times New Roman" panose="02020603050405020304" pitchFamily="18" charset="0"/>
-              </a:rPr>
-              <a:t>Forma mais conveniente</a:t>
-            </a:r>
-            <a:r>
-              <a:rPr lang="pt-BR" dirty="0">
-                <a:solidFill>
-                  <a:schemeClr val="tx1"/>
-                </a:solidFill>
-                <a:latin typeface="Times New Roman" panose="02020603050405020304" pitchFamily="18" charset="0"/>
-                <a:cs typeface="Times New Roman" panose="02020603050405020304" pitchFamily="18" charset="0"/>
-              </a:rPr>
-              <a:t>... </a:t>
-            </a:r>
-            <a:r>
-              <a:rPr lang="pt-BR" b="1" dirty="0" err="1">
+            <a:endParaRPr lang="pt-BR" sz="2000" dirty="0">
+              <a:solidFill>
+                <a:schemeClr val="tx1"/>
+              </a:solidFill>
+              <a:latin typeface="Times New Roman" panose="02020603050405020304" pitchFamily="18" charset="0"/>
+              <a:cs typeface="Times New Roman" panose="02020603050405020304" pitchFamily="18" charset="0"/>
+            </a:endParaRPr>
+          </a:p>
+        </p:txBody>
+      </p:sp>
+      <p:sp>
+        <p:nvSpPr>
+          <p:cNvPr id="3" name="CaixaDeTexto 2">
+            <a:extLst>
+              <a:ext uri="{FF2B5EF4-FFF2-40B4-BE49-F238E27FC236}">
+                <a16:creationId xmlns:a16="http://schemas.microsoft.com/office/drawing/2014/main" id="{6709984F-2047-4B0A-8173-791A8AE310FF}"/>
+              </a:ext>
+            </a:extLst>
+          </p:cNvPr>
+          <p:cNvSpPr txBox="1"/>
+          <p:nvPr/>
+        </p:nvSpPr>
+        <p:spPr>
+          <a:xfrm>
+            <a:off x="638827" y="1648389"/>
+            <a:ext cx="3181611" cy="3046988"/>
+          </a:xfrm>
+          <a:prstGeom prst="rect">
+            <a:avLst/>
+          </a:prstGeom>
+          <a:noFill/>
+        </p:spPr>
+        <p:txBody>
+          <a:bodyPr wrap="square" rtlCol="0">
+            <a:spAutoFit/>
+          </a:bodyPr>
+          <a:lstStyle/>
+          <a:p>
+            <a:pPr marL="0" indent="0" algn="just">
+              <a:buNone/>
+            </a:pPr>
+            <a:r>
+              <a:rPr lang="pt-BR" sz="2400" dirty="0">
+                <a:solidFill>
+                  <a:schemeClr val="tx1"/>
+                </a:solidFill>
+                <a:latin typeface="Times New Roman" panose="02020603050405020304" pitchFamily="18" charset="0"/>
+                <a:cs typeface="Times New Roman" panose="02020603050405020304" pitchFamily="18" charset="0"/>
+              </a:rPr>
+              <a:t>#</a:t>
+            </a:r>
+            <a:r>
+              <a:rPr lang="pt-BR" sz="2400" b="1" dirty="0">
+                <a:solidFill>
+                  <a:schemeClr val="tx1"/>
+                </a:solidFill>
+                <a:latin typeface="Times New Roman" panose="02020603050405020304" pitchFamily="18" charset="0"/>
+                <a:cs typeface="Times New Roman" panose="02020603050405020304" pitchFamily="18" charset="0"/>
+              </a:rPr>
+              <a:t>include</a:t>
+            </a:r>
+            <a:r>
+              <a:rPr lang="pt-BR" sz="2400" dirty="0">
+                <a:solidFill>
+                  <a:schemeClr val="tx1"/>
+                </a:solidFill>
+                <a:latin typeface="Times New Roman" panose="02020603050405020304" pitchFamily="18" charset="0"/>
+                <a:cs typeface="Times New Roman" panose="02020603050405020304" pitchFamily="18" charset="0"/>
+              </a:rPr>
+              <a:t> &lt;</a:t>
+            </a:r>
+            <a:r>
+              <a:rPr lang="pt-BR" sz="2400" b="1" dirty="0" err="1">
                 <a:solidFill>
                   <a:srgbClr val="FF0000"/>
                 </a:solidFill>
                 <a:latin typeface="Times New Roman" panose="02020603050405020304" pitchFamily="18" charset="0"/>
                 <a:cs typeface="Times New Roman" panose="02020603050405020304" pitchFamily="18" charset="0"/>
               </a:rPr>
-              <a:t>Tuplas</a:t>
-            </a:r>
-            <a:r>
-              <a:rPr lang="pt-BR" b="1" dirty="0">
+              <a:t>iostream</a:t>
+            </a:r>
+            <a:r>
+              <a:rPr lang="pt-BR" sz="2400" dirty="0">
+                <a:solidFill>
+                  <a:schemeClr val="tx1"/>
+                </a:solidFill>
+                <a:latin typeface="Times New Roman" panose="02020603050405020304" pitchFamily="18" charset="0"/>
+                <a:cs typeface="Times New Roman" panose="02020603050405020304" pitchFamily="18" charset="0"/>
+              </a:rPr>
+              <a:t>&gt;	</a:t>
+            </a:r>
+            <a:endParaRPr lang="pt-BR" sz="2400" b="1" dirty="0">
+              <a:solidFill>
+                <a:srgbClr val="FF0000"/>
+              </a:solidFill>
+              <a:latin typeface="Times New Roman" panose="02020603050405020304" pitchFamily="18" charset="0"/>
+              <a:cs typeface="Times New Roman" panose="02020603050405020304" pitchFamily="18" charset="0"/>
+            </a:endParaRPr>
+          </a:p>
+          <a:p>
+            <a:pPr marL="0" indent="0" algn="just">
+              <a:buNone/>
+            </a:pPr>
+            <a:r>
+              <a:rPr lang="pt-BR" sz="2400" b="1" dirty="0" err="1">
+                <a:solidFill>
+                  <a:schemeClr val="tx1"/>
+                </a:solidFill>
+                <a:latin typeface="Times New Roman" panose="02020603050405020304" pitchFamily="18" charset="0"/>
+                <a:cs typeface="Times New Roman" panose="02020603050405020304" pitchFamily="18" charset="0"/>
+              </a:rPr>
+              <a:t>using</a:t>
+            </a:r>
+            <a:r>
+              <a:rPr lang="pt-BR" sz="2400" dirty="0">
+                <a:solidFill>
+                  <a:schemeClr val="tx1"/>
+                </a:solidFill>
+                <a:latin typeface="Times New Roman" panose="02020603050405020304" pitchFamily="18" charset="0"/>
+                <a:cs typeface="Times New Roman" panose="02020603050405020304" pitchFamily="18" charset="0"/>
+              </a:rPr>
+              <a:t> </a:t>
+            </a:r>
+            <a:r>
+              <a:rPr lang="pt-BR" sz="2400" b="1" dirty="0" err="1">
                 <a:solidFill>
                   <a:srgbClr val="FF0000"/>
                 </a:solidFill>
                 <a:latin typeface="Times New Roman" panose="02020603050405020304" pitchFamily="18" charset="0"/>
                 <a:cs typeface="Times New Roman" panose="02020603050405020304" pitchFamily="18" charset="0"/>
               </a:rPr>
-              <a:t> nomeadas</a:t>
-            </a:r>
-            <a:r>
-              <a:rPr lang="pt-BR" dirty="0">
+              <a:t>namespace</a:t>
+            </a:r>
+            <a:r>
+              <a:rPr lang="pt-BR" sz="2400" dirty="0">
+                <a:solidFill>
+                  <a:schemeClr val="tx1"/>
+                </a:solidFill>
+                <a:latin typeface="Times New Roman" panose="02020603050405020304" pitchFamily="18" charset="0"/>
+                <a:cs typeface="Times New Roman" panose="02020603050405020304" pitchFamily="18" charset="0"/>
+              </a:rPr>
+              <a:t> </a:t>
+            </a:r>
+            <a:r>
+              <a:rPr lang="pt-BR" sz="2400" dirty="0" err="1">
+                <a:solidFill>
+                  <a:schemeClr val="tx1"/>
+                </a:solidFill>
+                <a:latin typeface="Times New Roman" panose="02020603050405020304" pitchFamily="18" charset="0"/>
+                <a:cs typeface="Times New Roman" panose="02020603050405020304" pitchFamily="18" charset="0"/>
+              </a:rPr>
+              <a:t>std</a:t>
+            </a:r>
+            <a:r>
+              <a:rPr lang="pt-BR" sz="2400" dirty="0">
+                <a:solidFill>
+                  <a:schemeClr val="tx1"/>
+                </a:solidFill>
+                <a:latin typeface="Times New Roman" panose="02020603050405020304" pitchFamily="18" charset="0"/>
+                <a:cs typeface="Times New Roman" panose="02020603050405020304" pitchFamily="18" charset="0"/>
+              </a:rPr>
+              <a:t>;</a:t>
+            </a:r>
+          </a:p>
+          <a:p>
+            <a:pPr marL="0" indent="0" algn="just">
+              <a:buNone/>
+            </a:pPr>
+            <a:r>
+              <a:rPr lang="pt-BR" sz="2400" b="1" dirty="0" err="1">
+                <a:solidFill>
+                  <a:schemeClr val="tx1"/>
+                </a:solidFill>
+                <a:latin typeface="Times New Roman" panose="02020603050405020304" pitchFamily="18" charset="0"/>
+                <a:cs typeface="Times New Roman" panose="02020603050405020304" pitchFamily="18" charset="0"/>
+              </a:rPr>
+              <a:t>struct</a:t>
+            </a:r>
+            <a:r>
+              <a:rPr lang="pt-BR" sz="2400" dirty="0">
+                <a:solidFill>
+                  <a:schemeClr val="tx1"/>
+                </a:solidFill>
+                <a:latin typeface="Times New Roman" panose="02020603050405020304" pitchFamily="18" charset="0"/>
+                <a:cs typeface="Times New Roman" panose="02020603050405020304" pitchFamily="18" charset="0"/>
+              </a:rPr>
+              <a:t> </a:t>
+            </a:r>
+            <a:r>
+              <a:rPr lang="pt-BR" sz="2400" b="1" dirty="0">
+                <a:solidFill>
+                  <a:srgbClr val="FF0000"/>
+                </a:solidFill>
+                <a:latin typeface="Times New Roman" panose="02020603050405020304" pitchFamily="18" charset="0"/>
+                <a:cs typeface="Times New Roman" panose="02020603050405020304" pitchFamily="18" charset="0"/>
+              </a:rPr>
+              <a:t>Cliente</a:t>
+            </a:r>
+            <a:r>
+              <a:rPr lang="pt-BR" sz="2400" dirty="0">
+                <a:solidFill>
+                  <a:schemeClr val="tx1"/>
+                </a:solidFill>
+                <a:latin typeface="Times New Roman" panose="02020603050405020304" pitchFamily="18" charset="0"/>
+                <a:cs typeface="Times New Roman" panose="02020603050405020304" pitchFamily="18" charset="0"/>
+              </a:rPr>
+              <a:t> {</a:t>
+            </a:r>
+          </a:p>
+          <a:p>
+            <a:pPr marL="0" indent="0" algn="just">
+              <a:buNone/>
+            </a:pPr>
+            <a:r>
+              <a:rPr lang="pt-BR" sz="2400" dirty="0">
+                <a:solidFill>
+                  <a:schemeClr val="tx1"/>
+                </a:solidFill>
+                <a:latin typeface="Times New Roman" panose="02020603050405020304" pitchFamily="18" charset="0"/>
+                <a:cs typeface="Times New Roman" panose="02020603050405020304" pitchFamily="18" charset="0"/>
+              </a:rPr>
+              <a:t>	</a:t>
+            </a:r>
+            <a:r>
+              <a:rPr lang="pt-BR" sz="2400" b="1" dirty="0">
+                <a:solidFill>
+                  <a:schemeClr val="tx1"/>
+                </a:solidFill>
+                <a:latin typeface="Times New Roman" panose="02020603050405020304" pitchFamily="18" charset="0"/>
+                <a:cs typeface="Times New Roman" panose="02020603050405020304" pitchFamily="18" charset="0"/>
+              </a:rPr>
+              <a:t>char</a:t>
+            </a:r>
+            <a:r>
+              <a:rPr lang="pt-BR" sz="2400" dirty="0">
+                <a:solidFill>
+                  <a:schemeClr val="tx1"/>
+                </a:solidFill>
+                <a:latin typeface="Times New Roman" panose="02020603050405020304" pitchFamily="18" charset="0"/>
+                <a:cs typeface="Times New Roman" panose="02020603050405020304" pitchFamily="18" charset="0"/>
+              </a:rPr>
+              <a:t> nome[200];</a:t>
+            </a:r>
+          </a:p>
+          <a:p>
+            <a:pPr marL="0" indent="0" algn="just">
+              <a:buNone/>
+            </a:pPr>
+            <a:r>
+              <a:rPr lang="pt-BR" sz="2400" dirty="0">
+                <a:solidFill>
+                  <a:schemeClr val="tx1"/>
+                </a:solidFill>
+                <a:latin typeface="Times New Roman" panose="02020603050405020304" pitchFamily="18" charset="0"/>
+                <a:cs typeface="Times New Roman" panose="02020603050405020304" pitchFamily="18" charset="0"/>
+              </a:rPr>
+              <a:t>	</a:t>
+            </a:r>
+            <a:r>
+              <a:rPr lang="pt-BR" sz="2400" b="1" dirty="0">
+                <a:solidFill>
+                  <a:schemeClr val="tx1"/>
+                </a:solidFill>
+                <a:latin typeface="Times New Roman" panose="02020603050405020304" pitchFamily="18" charset="0"/>
+                <a:cs typeface="Times New Roman" panose="02020603050405020304" pitchFamily="18" charset="0"/>
+              </a:rPr>
+              <a:t>char</a:t>
+            </a:r>
+            <a:r>
+              <a:rPr lang="pt-BR" sz="2400" dirty="0">
+                <a:solidFill>
+                  <a:schemeClr val="tx1"/>
+                </a:solidFill>
+                <a:latin typeface="Times New Roman" panose="02020603050405020304" pitchFamily="18" charset="0"/>
+                <a:cs typeface="Times New Roman" panose="02020603050405020304" pitchFamily="18" charset="0"/>
+              </a:rPr>
+              <a:t> </a:t>
+            </a:r>
+            <a:r>
+              <a:rPr lang="pt-BR" sz="2400" dirty="0" err="1">
+                <a:solidFill>
+                  <a:schemeClr val="tx1"/>
+                </a:solidFill>
+                <a:latin typeface="Times New Roman" panose="02020603050405020304" pitchFamily="18" charset="0"/>
+                <a:cs typeface="Times New Roman" panose="02020603050405020304" pitchFamily="18" charset="0"/>
+              </a:rPr>
+              <a:t>cpf</a:t>
+            </a:r>
+            <a:r>
+              <a:rPr lang="pt-BR" sz="2400" dirty="0">
+                <a:solidFill>
+                  <a:schemeClr val="tx1"/>
+                </a:solidFill>
+                <a:latin typeface="Times New Roman" panose="02020603050405020304" pitchFamily="18" charset="0"/>
+                <a:cs typeface="Times New Roman" panose="02020603050405020304" pitchFamily="18" charset="0"/>
+              </a:rPr>
+              <a:t>[11];</a:t>
+            </a:r>
+          </a:p>
+          <a:p>
+            <a:pPr marL="0" indent="0" algn="just">
+              <a:buNone/>
+            </a:pPr>
+            <a:r>
+              <a:rPr lang="pt-BR" sz="2400" dirty="0">
+                <a:solidFill>
+                  <a:schemeClr val="tx1"/>
+                </a:solidFill>
+                <a:latin typeface="Times New Roman" panose="02020603050405020304" pitchFamily="18" charset="0"/>
+                <a:cs typeface="Times New Roman" panose="02020603050405020304" pitchFamily="18" charset="0"/>
+              </a:rPr>
+              <a:t>	</a:t>
+            </a:r>
+            <a:r>
+              <a:rPr lang="pt-BR" sz="2400" b="1" dirty="0" err="1">
+                <a:solidFill>
+                  <a:schemeClr val="tx1"/>
+                </a:solidFill>
+                <a:latin typeface="Times New Roman" panose="02020603050405020304" pitchFamily="18" charset="0"/>
+                <a:cs typeface="Times New Roman" panose="02020603050405020304" pitchFamily="18" charset="0"/>
+              </a:rPr>
+              <a:t>float</a:t>
+            </a:r>
+            <a:r>
+              <a:rPr lang="pt-BR" sz="2400" dirty="0">
+                <a:solidFill>
+                  <a:schemeClr val="tx1"/>
+                </a:solidFill>
+                <a:latin typeface="Times New Roman" panose="02020603050405020304" pitchFamily="18" charset="0"/>
+                <a:cs typeface="Times New Roman" panose="02020603050405020304" pitchFamily="18" charset="0"/>
+              </a:rPr>
+              <a:t> limite;</a:t>
+            </a:r>
+          </a:p>
+          <a:p>
+            <a:pPr marL="0" indent="0" algn="just">
+              <a:buNone/>
+            </a:pPr>
+            <a:r>
+              <a:rPr lang="pt-BR" sz="2400" dirty="0">
+                <a:solidFill>
+                  <a:schemeClr val="tx1"/>
+                </a:solidFill>
+                <a:latin typeface="Times New Roman" panose="02020603050405020304" pitchFamily="18" charset="0"/>
+                <a:cs typeface="Times New Roman" panose="02020603050405020304" pitchFamily="18" charset="0"/>
+              </a:rPr>
+              <a:t>	</a:t>
+            </a:r>
+            <a:r>
+              <a:rPr lang="pt-BR" sz="2400" b="1" dirty="0" err="1">
+                <a:solidFill>
+                  <a:schemeClr val="tx1"/>
+                </a:solidFill>
+                <a:latin typeface="Times New Roman" panose="02020603050405020304" pitchFamily="18" charset="0"/>
+                <a:cs typeface="Times New Roman" panose="02020603050405020304" pitchFamily="18" charset="0"/>
+              </a:rPr>
+              <a:t>int</a:t>
+            </a:r>
+            <a:r>
+              <a:rPr lang="pt-BR" sz="2400" dirty="0">
+                <a:solidFill>
+                  <a:schemeClr val="tx1"/>
+                </a:solidFill>
+                <a:latin typeface="Times New Roman" panose="02020603050405020304" pitchFamily="18" charset="0"/>
+                <a:cs typeface="Times New Roman" panose="02020603050405020304" pitchFamily="18" charset="0"/>
+              </a:rPr>
+              <a:t> compras;</a:t>
+            </a:r>
+          </a:p>
+          <a:p>
+            <a:pPr marL="0" indent="0" algn="just">
+              <a:buNone/>
+            </a:pPr>
+            <a:r>
+              <a:rPr lang="pt-BR" sz="2400" dirty="0">
+                <a:solidFill>
+                  <a:schemeClr val="tx1"/>
+                </a:solidFill>
+                <a:latin typeface="Times New Roman" panose="02020603050405020304" pitchFamily="18" charset="0"/>
+                <a:cs typeface="Times New Roman" panose="02020603050405020304" pitchFamily="18" charset="0"/>
+              </a:rPr>
+              <a:t>};</a:t>
+            </a:r>
+            <a:endParaRPr lang="pt-BR" sz="2400" dirty="0"/>
+          </a:p>
+        </p:txBody>
+      </p:sp>
+      <p:sp>
+        <p:nvSpPr>
+          <p:cNvPr id="7" name="CaixaDeTexto 6">
+            <a:extLst>
+              <a:ext uri="{FF2B5EF4-FFF2-40B4-BE49-F238E27FC236}">
+                <a16:creationId xmlns:a16="http://schemas.microsoft.com/office/drawing/2014/main" id="{E4852F60-C492-4ADE-A7A1-83433CCBD955}"/>
+              </a:ext>
+            </a:extLst>
+          </p:cNvPr>
+          <p:cNvSpPr txBox="1"/>
+          <p:nvPr/>
+        </p:nvSpPr>
+        <p:spPr>
+          <a:xfrm>
+            <a:off x="3494762" y="1628888"/>
+            <a:ext cx="5513159" cy="2677656"/>
+          </a:xfrm>
+          <a:prstGeom prst="rect">
+            <a:avLst/>
+          </a:prstGeom>
+          <a:noFill/>
+        </p:spPr>
+        <p:txBody>
+          <a:bodyPr wrap="square" rtlCol="0">
+            <a:spAutoFit/>
+          </a:bodyPr>
+          <a:lstStyle/>
+          <a:p>
+            <a:pPr marL="0" indent="0" algn="just">
+              <a:buNone/>
+            </a:pPr>
+            <a:r>
+              <a:rPr lang="pt-BR" sz="2400" b="1" dirty="0" err="1">
+                <a:solidFill>
+                  <a:schemeClr val="tx1"/>
+                </a:solidFill>
+                <a:latin typeface="Times New Roman" panose="02020603050405020304" pitchFamily="18" charset="0"/>
+                <a:cs typeface="Times New Roman" panose="02020603050405020304" pitchFamily="18" charset="0"/>
+              </a:rPr>
+              <a:t>int</a:t>
+            </a:r>
+            <a:r>
+              <a:rPr lang="pt-BR" sz="2400" dirty="0">
+                <a:solidFill>
+                  <a:schemeClr val="tx1"/>
+                </a:solidFill>
+                <a:latin typeface="Times New Roman" panose="02020603050405020304" pitchFamily="18" charset="0"/>
+                <a:cs typeface="Times New Roman" panose="02020603050405020304" pitchFamily="18" charset="0"/>
+              </a:rPr>
+              <a:t> </a:t>
+            </a:r>
+            <a:r>
+              <a:rPr lang="pt-BR" sz="2400" dirty="0" err="1">
+                <a:solidFill>
+                  <a:schemeClr val="tx1"/>
+                </a:solidFill>
+                <a:latin typeface="Times New Roman" panose="02020603050405020304" pitchFamily="18" charset="0"/>
+                <a:cs typeface="Times New Roman" panose="02020603050405020304" pitchFamily="18" charset="0"/>
+              </a:rPr>
+              <a:t>main</a:t>
+            </a:r>
+            <a:r>
+              <a:rPr lang="pt-BR" sz="2400" dirty="0">
+                <a:solidFill>
+                  <a:schemeClr val="tx1"/>
+                </a:solidFill>
+                <a:latin typeface="Times New Roman" panose="02020603050405020304" pitchFamily="18" charset="0"/>
+                <a:cs typeface="Times New Roman" panose="02020603050405020304" pitchFamily="18" charset="0"/>
+              </a:rPr>
+              <a:t>() {</a:t>
+            </a:r>
+          </a:p>
+          <a:p>
+            <a:pPr marL="0" indent="0" algn="just">
+              <a:buNone/>
+            </a:pPr>
+            <a:r>
+              <a:rPr lang="pt-BR" sz="2400" b="1" dirty="0">
+                <a:solidFill>
+                  <a:schemeClr val="tx1"/>
+                </a:solidFill>
+                <a:latin typeface="Times New Roman" panose="02020603050405020304" pitchFamily="18" charset="0"/>
+                <a:cs typeface="Times New Roman" panose="02020603050405020304" pitchFamily="18" charset="0"/>
+              </a:rPr>
+              <a:t>   </a:t>
+            </a:r>
+            <a:r>
+              <a:rPr lang="pt-BR" sz="2400" b="1" dirty="0" err="1">
+                <a:solidFill>
+                  <a:schemeClr val="tx1"/>
+                </a:solidFill>
+                <a:latin typeface="Times New Roman" panose="02020603050405020304" pitchFamily="18" charset="0"/>
+                <a:cs typeface="Times New Roman" panose="02020603050405020304" pitchFamily="18" charset="0"/>
+              </a:rPr>
+              <a:t>struct</a:t>
+            </a:r>
+            <a:r>
+              <a:rPr lang="pt-BR" sz="2400" dirty="0">
+                <a:solidFill>
+                  <a:schemeClr val="tx1"/>
+                </a:solidFill>
+                <a:latin typeface="Times New Roman" panose="02020603050405020304" pitchFamily="18" charset="0"/>
+                <a:cs typeface="Times New Roman" panose="02020603050405020304" pitchFamily="18" charset="0"/>
+              </a:rPr>
+              <a:t> Cliente </a:t>
+            </a:r>
+            <a:r>
+              <a:rPr lang="pt-BR" sz="2400" b="1" dirty="0" err="1">
+                <a:solidFill>
+                  <a:srgbClr val="FF0000"/>
+                </a:solidFill>
+                <a:latin typeface="Times New Roman" panose="02020603050405020304" pitchFamily="18" charset="0"/>
+                <a:cs typeface="Times New Roman" panose="02020603050405020304" pitchFamily="18" charset="0"/>
+              </a:rPr>
+              <a:t>umCliente</a:t>
+            </a:r>
+            <a:r>
+              <a:rPr lang="pt-BR" sz="2400" dirty="0">
+                <a:solidFill>
+                  <a:schemeClr val="tx1"/>
+                </a:solidFill>
+                <a:latin typeface="Times New Roman" panose="02020603050405020304" pitchFamily="18" charset="0"/>
+                <a:cs typeface="Times New Roman" panose="02020603050405020304" pitchFamily="18" charset="0"/>
+              </a:rPr>
+              <a:t>;</a:t>
+            </a:r>
+          </a:p>
+          <a:p>
+            <a:pPr marL="0" indent="0" algn="just">
+              <a:buNone/>
+            </a:pPr>
+            <a:r>
+              <a:rPr lang="pt-BR" sz="2400" b="1" dirty="0">
+                <a:solidFill>
+                  <a:schemeClr val="tx1"/>
+                </a:solidFill>
+                <a:latin typeface="Times New Roman" panose="02020603050405020304" pitchFamily="18" charset="0"/>
+                <a:cs typeface="Times New Roman" panose="02020603050405020304" pitchFamily="18" charset="0"/>
+              </a:rPr>
+              <a:t>   </a:t>
+            </a:r>
+            <a:r>
+              <a:rPr lang="pt-BR" sz="2400" b="1" dirty="0" err="1">
+                <a:solidFill>
+                  <a:schemeClr val="tx1"/>
+                </a:solidFill>
+                <a:latin typeface="Times New Roman" panose="02020603050405020304" pitchFamily="18" charset="0"/>
+                <a:cs typeface="Times New Roman" panose="02020603050405020304" pitchFamily="18" charset="0"/>
+              </a:rPr>
+              <a:t>strcpy</a:t>
+            </a:r>
+            <a:r>
+              <a:rPr lang="pt-BR" sz="2400" dirty="0">
+                <a:solidFill>
+                  <a:schemeClr val="tx1"/>
+                </a:solidFill>
+                <a:latin typeface="Times New Roman" panose="02020603050405020304" pitchFamily="18" charset="0"/>
+                <a:cs typeface="Times New Roman" panose="02020603050405020304" pitchFamily="18" charset="0"/>
+              </a:rPr>
+              <a:t>(</a:t>
+            </a:r>
+            <a:r>
+              <a:rPr lang="pt-BR" sz="2400" b="1" dirty="0" err="1">
+                <a:solidFill>
+                  <a:srgbClr val="FF0000"/>
+                </a:solidFill>
+                <a:latin typeface="Times New Roman" panose="02020603050405020304" pitchFamily="18" charset="0"/>
+                <a:cs typeface="Times New Roman" panose="02020603050405020304" pitchFamily="18" charset="0"/>
+              </a:rPr>
+              <a:t>umCliente</a:t>
+            </a:r>
+            <a:r>
+              <a:rPr lang="pt-BR" sz="2400" dirty="0" err="1">
                 <a:solidFill>
                   <a:schemeClr val="tx1"/>
                 </a:solidFill>
@@ -8721,13 +8689,234 @@
               </a:rPr>
               <a:t>.</a:t>
             </a:r>
+            <a:r>
+              <a:rPr lang="pt-BR" sz="2400" b="1" dirty="0" err="1">
+                <a:solidFill>
+                  <a:schemeClr val="tx1"/>
+                </a:solidFill>
+                <a:latin typeface="Times New Roman" panose="02020603050405020304" pitchFamily="18" charset="0"/>
+                <a:cs typeface="Times New Roman" panose="02020603050405020304" pitchFamily="18" charset="0"/>
+              </a:rPr>
+              <a:t>nome</a:t>
+            </a:r>
+            <a:r>
+              <a:rPr lang="pt-BR" sz="2400" dirty="0">
+                <a:solidFill>
+                  <a:schemeClr val="tx1"/>
+                </a:solidFill>
+                <a:latin typeface="Times New Roman" panose="02020603050405020304" pitchFamily="18" charset="0"/>
+                <a:cs typeface="Times New Roman" panose="02020603050405020304" pitchFamily="18" charset="0"/>
+              </a:rPr>
+              <a:t>, "Fulano“);</a:t>
+            </a:r>
+          </a:p>
+          <a:p>
+            <a:pPr marL="0" indent="0" algn="just">
+              <a:buNone/>
+            </a:pPr>
+            <a:r>
+              <a:rPr lang="pt-BR" sz="2400" b="1" dirty="0">
+                <a:solidFill>
+                  <a:schemeClr val="tx1"/>
+                </a:solidFill>
+                <a:latin typeface="Times New Roman" panose="02020603050405020304" pitchFamily="18" charset="0"/>
+                <a:cs typeface="Times New Roman" panose="02020603050405020304" pitchFamily="18" charset="0"/>
+              </a:rPr>
+              <a:t>   </a:t>
+            </a:r>
+            <a:r>
+              <a:rPr lang="pt-BR" sz="2400" b="1" dirty="0" err="1">
+                <a:solidFill>
+                  <a:schemeClr val="tx1"/>
+                </a:solidFill>
+                <a:latin typeface="Times New Roman" panose="02020603050405020304" pitchFamily="18" charset="0"/>
+                <a:cs typeface="Times New Roman" panose="02020603050405020304" pitchFamily="18" charset="0"/>
+              </a:rPr>
+              <a:t>strcpy</a:t>
+            </a:r>
+            <a:r>
+              <a:rPr lang="pt-BR" sz="2400" dirty="0">
+                <a:solidFill>
+                  <a:schemeClr val="tx1"/>
+                </a:solidFill>
+                <a:latin typeface="Times New Roman" panose="02020603050405020304" pitchFamily="18" charset="0"/>
+                <a:cs typeface="Times New Roman" panose="02020603050405020304" pitchFamily="18" charset="0"/>
+              </a:rPr>
+              <a:t>(</a:t>
+            </a:r>
+            <a:r>
+              <a:rPr lang="pt-BR" sz="2400" b="1" dirty="0" err="1">
+                <a:solidFill>
+                  <a:srgbClr val="FF0000"/>
+                </a:solidFill>
+                <a:latin typeface="Times New Roman" panose="02020603050405020304" pitchFamily="18" charset="0"/>
+                <a:cs typeface="Times New Roman" panose="02020603050405020304" pitchFamily="18" charset="0"/>
+              </a:rPr>
+              <a:t>umCliente</a:t>
+            </a:r>
+            <a:r>
+              <a:rPr lang="pt-BR" sz="2400" dirty="0" err="1">
+                <a:solidFill>
+                  <a:schemeClr val="tx1"/>
+                </a:solidFill>
+                <a:latin typeface="Times New Roman" panose="02020603050405020304" pitchFamily="18" charset="0"/>
+                <a:cs typeface="Times New Roman" panose="02020603050405020304" pitchFamily="18" charset="0"/>
+              </a:rPr>
+              <a:t>.</a:t>
+            </a:r>
+            <a:r>
+              <a:rPr lang="pt-BR" sz="2400" b="1" dirty="0" err="1">
+                <a:solidFill>
+                  <a:schemeClr val="tx1"/>
+                </a:solidFill>
+                <a:latin typeface="Times New Roman" panose="02020603050405020304" pitchFamily="18" charset="0"/>
+                <a:cs typeface="Times New Roman" panose="02020603050405020304" pitchFamily="18" charset="0"/>
+              </a:rPr>
+              <a:t>cpf</a:t>
+            </a:r>
+            <a:r>
+              <a:rPr lang="pt-BR" sz="2400" dirty="0">
+                <a:solidFill>
+                  <a:schemeClr val="tx1"/>
+                </a:solidFill>
+                <a:latin typeface="Times New Roman" panose="02020603050405020304" pitchFamily="18" charset="0"/>
+                <a:cs typeface="Times New Roman" panose="02020603050405020304" pitchFamily="18" charset="0"/>
+              </a:rPr>
+              <a:t>, "01234567890“);</a:t>
+            </a:r>
+          </a:p>
+          <a:p>
+            <a:pPr marL="0" indent="0" algn="just">
+              <a:buNone/>
+            </a:pPr>
+            <a:r>
+              <a:rPr lang="pt-BR" sz="2400" b="1" dirty="0">
+                <a:solidFill>
+                  <a:srgbClr val="FF0000"/>
+                </a:solidFill>
+                <a:latin typeface="Times New Roman" panose="02020603050405020304" pitchFamily="18" charset="0"/>
+                <a:cs typeface="Times New Roman" panose="02020603050405020304" pitchFamily="18" charset="0"/>
+              </a:rPr>
+              <a:t>   </a:t>
+            </a:r>
+            <a:r>
+              <a:rPr lang="pt-BR" sz="2400" b="1" dirty="0" err="1">
+                <a:solidFill>
+                  <a:srgbClr val="FF0000"/>
+                </a:solidFill>
+                <a:latin typeface="Times New Roman" panose="02020603050405020304" pitchFamily="18" charset="0"/>
+                <a:cs typeface="Times New Roman" panose="02020603050405020304" pitchFamily="18" charset="0"/>
+              </a:rPr>
+              <a:t>umCliente</a:t>
+            </a:r>
+            <a:r>
+              <a:rPr lang="pt-BR" sz="2400" dirty="0" err="1">
+                <a:solidFill>
+                  <a:schemeClr val="tx1"/>
+                </a:solidFill>
+                <a:latin typeface="Times New Roman" panose="02020603050405020304" pitchFamily="18" charset="0"/>
+                <a:cs typeface="Times New Roman" panose="02020603050405020304" pitchFamily="18" charset="0"/>
+              </a:rPr>
+              <a:t>.</a:t>
+            </a:r>
+            <a:r>
+              <a:rPr lang="pt-BR" sz="2400" b="1" dirty="0" err="1">
+                <a:solidFill>
+                  <a:schemeClr val="tx1"/>
+                </a:solidFill>
+                <a:latin typeface="Times New Roman" panose="02020603050405020304" pitchFamily="18" charset="0"/>
+                <a:cs typeface="Times New Roman" panose="02020603050405020304" pitchFamily="18" charset="0"/>
+              </a:rPr>
+              <a:t>limite</a:t>
+            </a:r>
+            <a:r>
+              <a:rPr lang="pt-BR" sz="2400" dirty="0">
+                <a:solidFill>
+                  <a:schemeClr val="tx1"/>
+                </a:solidFill>
+                <a:latin typeface="Times New Roman" panose="02020603050405020304" pitchFamily="18" charset="0"/>
+                <a:cs typeface="Times New Roman" panose="02020603050405020304" pitchFamily="18" charset="0"/>
+              </a:rPr>
+              <a:t> = 5000.0;</a:t>
+            </a:r>
+          </a:p>
+          <a:p>
+            <a:pPr marL="0" indent="0" algn="just">
+              <a:buNone/>
+            </a:pPr>
+            <a:r>
+              <a:rPr lang="pt-BR" sz="2400" b="1" dirty="0">
+                <a:solidFill>
+                  <a:srgbClr val="FF0000"/>
+                </a:solidFill>
+                <a:latin typeface="Times New Roman" panose="02020603050405020304" pitchFamily="18" charset="0"/>
+                <a:cs typeface="Times New Roman" panose="02020603050405020304" pitchFamily="18" charset="0"/>
+              </a:rPr>
+              <a:t>   </a:t>
+            </a:r>
+            <a:r>
+              <a:rPr lang="pt-BR" sz="2400" b="1" dirty="0" err="1">
+                <a:solidFill>
+                  <a:srgbClr val="FF0000"/>
+                </a:solidFill>
+                <a:latin typeface="Times New Roman" panose="02020603050405020304" pitchFamily="18" charset="0"/>
+                <a:cs typeface="Times New Roman" panose="02020603050405020304" pitchFamily="18" charset="0"/>
+              </a:rPr>
+              <a:t>umCliente</a:t>
+            </a:r>
+            <a:r>
+              <a:rPr lang="pt-BR" sz="2400" dirty="0" err="1">
+                <a:solidFill>
+                  <a:schemeClr val="tx1"/>
+                </a:solidFill>
+                <a:latin typeface="Times New Roman" panose="02020603050405020304" pitchFamily="18" charset="0"/>
+                <a:cs typeface="Times New Roman" panose="02020603050405020304" pitchFamily="18" charset="0"/>
+              </a:rPr>
+              <a:t>.</a:t>
+            </a:r>
+            <a:r>
+              <a:rPr lang="pt-BR" sz="2400" b="1" dirty="0" err="1">
+                <a:solidFill>
+                  <a:schemeClr val="tx1"/>
+                </a:solidFill>
+                <a:latin typeface="Times New Roman" panose="02020603050405020304" pitchFamily="18" charset="0"/>
+                <a:cs typeface="Times New Roman" panose="02020603050405020304" pitchFamily="18" charset="0"/>
+              </a:rPr>
+              <a:t>compras</a:t>
+            </a:r>
+            <a:r>
+              <a:rPr lang="pt-BR" sz="2400" dirty="0">
+                <a:solidFill>
+                  <a:schemeClr val="tx1"/>
+                </a:solidFill>
+                <a:latin typeface="Times New Roman" panose="02020603050405020304" pitchFamily="18" charset="0"/>
+                <a:cs typeface="Times New Roman" panose="02020603050405020304" pitchFamily="18" charset="0"/>
+              </a:rPr>
+              <a:t> = 0;</a:t>
+            </a:r>
+          </a:p>
+          <a:p>
+            <a:pPr marL="0" indent="0" algn="just">
+              <a:buNone/>
+            </a:pPr>
+            <a:r>
+              <a:rPr lang="pt-BR" sz="2400" dirty="0">
+                <a:solidFill>
+                  <a:schemeClr val="tx1"/>
+                </a:solidFill>
+                <a:latin typeface="Times New Roman" panose="02020603050405020304" pitchFamily="18" charset="0"/>
+                <a:cs typeface="Times New Roman" panose="02020603050405020304" pitchFamily="18" charset="0"/>
+              </a:rPr>
+              <a:t>}</a:t>
+            </a:r>
+            <a:endParaRPr lang="pt-BR" sz="2400" dirty="0"/>
           </a:p>
         </p:txBody>
       </p:sp>
     </p:spTree>
     <p:extLst>
       <p:ext uri="{BB962C8B-B14F-4D97-AF65-F5344CB8AC3E}">
-        <p14:creationId xmlns:p14="http://schemas.microsoft.com/office/powerpoint/2010/main" val="2125755638"/>
+        <p14:creationId xmlns:p14="http://schemas.microsoft.com/office/powerpoint/2010/main" val="671563937"/>
       </p:ext>
     </p:extLst>
   </p:cSld>
@@ -8778,7 +8967,7 @@
                   <a:srgbClr val="0070C0"/>
                 </a:solidFill>
               </a:rPr>
-              <a:t>Python – </a:t>
+              <a:t>Python – TD </a:t>
             </a:r>
             <a:r>
               <a:rPr lang="en-US" b="1" dirty="0" err="1">
@@ -8786,7 +8975,7 @@
                   <a:srgbClr val="0070C0"/>
                 </a:solidFill>
               </a:rPr>
-              <a:t>TDados</a:t>
+              <a:t>Aglomerados</a:t>
             </a:r>
             <a:r>
               <a:rPr lang="en-US" b="1" dirty="0">
@@ -8802,23 +8991,7 @@
                   <a:srgbClr val="0070C0"/>
                 </a:solidFill>
               </a:rPr>
-              <a:t>Aglomerados</a:t>
-            </a:r>
-            <a:r>
-              <a:rPr lang="en-US" b="1" dirty="0">
-                <a:solidFill>
-                  <a:srgbClr val="0070C0"/>
-                </a:solidFill>
-              </a:rPr>
-              <a:t> </a:t>
-            </a:r>
-            <a:r>
-              <a:rPr lang="en-US" b="1" dirty="0" err="1">
-                <a:solidFill>
-                  <a:srgbClr val="0070C0"/>
-                </a:solidFill>
-              </a:rPr>
-              <a:t>Tuplas</a:t>
+              <a:t>Registros</a:t>
             </a:r>
             <a:endParaRPr lang="en-US" b="1" dirty="0">
               <a:solidFill>
@@ -8850,198 +9023,37 @@
           </a:bodyPr>
           <a:lstStyle/>
           <a:p>
-            <a:pPr algn="just">
-              <a:buFont typeface="Wingdings" panose="05000000000000000000" pitchFamily="2" charset="2"/>
-              <a:buChar char="§"/>
+            <a:pPr marL="0" indent="0" algn="just">
+              <a:buNone/>
             </a:pPr>
             <a:r>
-              <a:rPr lang="pt-BR" sz="3200" b="1" dirty="0">
+              <a:rPr lang="pt-BR" sz="2400" b="1" dirty="0">
                 <a:solidFill>
                   <a:srgbClr val="FF0000"/>
                 </a:solidFill>
                 <a:latin typeface="Times New Roman" panose="02020603050405020304" pitchFamily="18" charset="0"/>
                 <a:cs typeface="Times New Roman" panose="02020603050405020304" pitchFamily="18" charset="0"/>
               </a:rPr>
-              <a:t> </a:t>
-            </a:r>
-            <a:r>
-              <a:rPr lang="pt-BR" sz="3200" b="1" dirty="0" err="1">
+              <a:t>Registro (Exemplo: </a:t>
+            </a:r>
+            <a:r>
+              <a:rPr lang="pt-BR" sz="2400" b="1" dirty="0">
+                <a:latin typeface="Times New Roman" panose="02020603050405020304" pitchFamily="18" charset="0"/>
+                <a:cs typeface="Times New Roman" panose="02020603050405020304" pitchFamily="18" charset="0"/>
+              </a:rPr>
+              <a:t>Python</a:t>
+            </a:r>
+            <a:r>
+              <a:rPr lang="pt-BR" sz="2400" b="1" dirty="0">
                 <a:solidFill>
                   <a:srgbClr val="FF0000"/>
                 </a:solidFill>
                 <a:latin typeface="Times New Roman" panose="02020603050405020304" pitchFamily="18" charset="0"/>
                 <a:cs typeface="Times New Roman" panose="02020603050405020304" pitchFamily="18" charset="0"/>
               </a:rPr>
-              <a:t>Tuplas</a:t>
-            </a:r>
-            <a:r>
-              <a:rPr lang="pt-BR" sz="3200" b="1" dirty="0">
-                <a:latin typeface="Times New Roman" panose="02020603050405020304" pitchFamily="18" charset="0"/>
-                <a:cs typeface="Times New Roman" panose="02020603050405020304" pitchFamily="18" charset="0"/>
-              </a:rPr>
-              <a:t> - Agrupamentos</a:t>
-            </a:r>
-            <a:r>
-              <a:rPr lang="pt-BR" sz="3200" dirty="0">
-                <a:latin typeface="Times New Roman" panose="02020603050405020304" pitchFamily="18" charset="0"/>
-                <a:cs typeface="Times New Roman" panose="02020603050405020304" pitchFamily="18" charset="0"/>
-              </a:rPr>
-              <a:t> de dados </a:t>
-            </a:r>
-            <a:r>
-              <a:rPr lang="pt-BR" sz="3200" b="1" dirty="0">
-                <a:solidFill>
-                  <a:srgbClr val="FF0000"/>
-                </a:solidFill>
-                <a:latin typeface="Times New Roman" panose="02020603050405020304" pitchFamily="18" charset="0"/>
-                <a:cs typeface="Times New Roman" panose="02020603050405020304" pitchFamily="18" charset="0"/>
-              </a:rPr>
-              <a:t>não nomeados </a:t>
-            </a:r>
-          </a:p>
-          <a:p>
-            <a:pPr marL="0" indent="0" algn="just">
-              <a:buNone/>
-            </a:pPr>
-            <a:r>
-              <a:rPr lang="pt-BR" sz="3200" dirty="0">
-                <a:latin typeface="Times New Roman" panose="02020603050405020304" pitchFamily="18" charset="0"/>
-                <a:cs typeface="Times New Roman" panose="02020603050405020304" pitchFamily="18" charset="0"/>
-              </a:rPr>
-              <a:t>– Existe em Python, F#</a:t>
-            </a:r>
-            <a:r>
-              <a:rPr lang="pt-BR" sz="3200" dirty="0">
-                <a:solidFill>
-                  <a:schemeClr val="tx1"/>
-                </a:solidFill>
-                <a:latin typeface="Times New Roman" panose="02020603050405020304" pitchFamily="18" charset="0"/>
-                <a:cs typeface="Times New Roman" panose="02020603050405020304" pitchFamily="18" charset="0"/>
-              </a:rPr>
-              <a:t> (F Sharp .NET), </a:t>
-            </a:r>
-            <a:r>
-              <a:rPr lang="pt-BR" sz="3200" dirty="0" err="1">
-                <a:solidFill>
-                  <a:schemeClr val="tx1"/>
-                </a:solidFill>
-                <a:latin typeface="Times New Roman" panose="02020603050405020304" pitchFamily="18" charset="0"/>
-                <a:cs typeface="Times New Roman" panose="02020603050405020304" pitchFamily="18" charset="0"/>
-              </a:rPr>
-              <a:t>etc</a:t>
-            </a:r>
-            <a:r>
-              <a:rPr lang="pt-BR" sz="3200" dirty="0">
-                <a:latin typeface="Times New Roman" panose="02020603050405020304" pitchFamily="18" charset="0"/>
-                <a:cs typeface="Times New Roman" panose="02020603050405020304" pitchFamily="18" charset="0"/>
-              </a:rPr>
-              <a:t> </a:t>
-            </a:r>
-          </a:p>
-          <a:p>
-            <a:pPr marL="0" indent="0" algn="just">
-              <a:buNone/>
-            </a:pPr>
-            <a:r>
-              <a:rPr lang="pt-BR" sz="3200" dirty="0">
-                <a:latin typeface="Times New Roman" panose="02020603050405020304" pitchFamily="18" charset="0"/>
-                <a:cs typeface="Times New Roman" panose="02020603050405020304" pitchFamily="18" charset="0"/>
-              </a:rPr>
-              <a:t>– É como definir um </a:t>
-            </a:r>
-            <a:r>
-              <a:rPr lang="pt-BR" sz="3200" b="1" dirty="0">
-                <a:latin typeface="Times New Roman" panose="02020603050405020304" pitchFamily="18" charset="0"/>
-                <a:cs typeface="Times New Roman" panose="02020603050405020304" pitchFamily="18" charset="0"/>
-              </a:rPr>
-              <a:t>registro</a:t>
-            </a:r>
-            <a:r>
-              <a:rPr lang="pt-BR" sz="3200" dirty="0">
-                <a:latin typeface="Times New Roman" panose="02020603050405020304" pitchFamily="18" charset="0"/>
-                <a:cs typeface="Times New Roman" panose="02020603050405020304" pitchFamily="18" charset="0"/>
-              </a:rPr>
-              <a:t>, porém </a:t>
-            </a:r>
-            <a:r>
-              <a:rPr lang="pt-BR" sz="3200" b="1" dirty="0">
-                <a:solidFill>
-                  <a:srgbClr val="FF0000"/>
-                </a:solidFill>
-                <a:latin typeface="Times New Roman" panose="02020603050405020304" pitchFamily="18" charset="0"/>
-                <a:cs typeface="Times New Roman" panose="02020603050405020304" pitchFamily="18" charset="0"/>
-              </a:rPr>
-              <a:t>imutável</a:t>
-            </a:r>
-            <a:r>
-              <a:rPr lang="pt-BR" sz="3200" dirty="0">
-                <a:latin typeface="Times New Roman" panose="02020603050405020304" pitchFamily="18" charset="0"/>
-                <a:cs typeface="Times New Roman" panose="02020603050405020304" pitchFamily="18" charset="0"/>
-              </a:rPr>
-              <a:t> </a:t>
-            </a:r>
-          </a:p>
-          <a:p>
-            <a:pPr algn="just">
-              <a:buFont typeface="Wingdings" panose="05000000000000000000" pitchFamily="2" charset="2"/>
-              <a:buChar char="§"/>
-            </a:pPr>
-            <a:r>
-              <a:rPr lang="pt-BR" sz="3200" dirty="0">
-                <a:latin typeface="Times New Roman" panose="02020603050405020304" pitchFamily="18" charset="0"/>
-                <a:cs typeface="Times New Roman" panose="02020603050405020304" pitchFamily="18" charset="0"/>
-              </a:rPr>
-              <a:t> Em </a:t>
-            </a:r>
-            <a:r>
-              <a:rPr lang="pt-BR" sz="3200" b="1" dirty="0">
-                <a:latin typeface="Times New Roman" panose="02020603050405020304" pitchFamily="18" charset="0"/>
-                <a:cs typeface="Times New Roman" panose="02020603050405020304" pitchFamily="18" charset="0"/>
-              </a:rPr>
-              <a:t>Python</a:t>
-            </a:r>
-            <a:r>
-              <a:rPr lang="pt-BR" sz="3200" dirty="0">
-                <a:latin typeface="Times New Roman" panose="02020603050405020304" pitchFamily="18" charset="0"/>
-                <a:cs typeface="Times New Roman" panose="02020603050405020304" pitchFamily="18" charset="0"/>
-              </a:rPr>
-              <a:t> são dados separados por vírgulas </a:t>
-            </a:r>
-          </a:p>
-          <a:p>
-            <a:pPr marL="0" indent="0" algn="just">
-              <a:buNone/>
-            </a:pPr>
-            <a:r>
-              <a:rPr lang="pt-BR" sz="3200" dirty="0">
-                <a:latin typeface="Times New Roman" panose="02020603050405020304" pitchFamily="18" charset="0"/>
-                <a:cs typeface="Times New Roman" panose="02020603050405020304" pitchFamily="18" charset="0"/>
-              </a:rPr>
-              <a:t>– Definido por</a:t>
-            </a:r>
-            <a:r>
-              <a:rPr lang="pt-BR" sz="3200" b="1" dirty="0">
-                <a:solidFill>
-                  <a:srgbClr val="FF0000"/>
-                </a:solidFill>
-                <a:latin typeface="Times New Roman" panose="02020603050405020304" pitchFamily="18" charset="0"/>
-                <a:cs typeface="Times New Roman" panose="02020603050405020304" pitchFamily="18" charset="0"/>
-              </a:rPr>
-              <a:t> parênteses</a:t>
-            </a:r>
-            <a:r>
-              <a:rPr lang="pt-BR" sz="3200" dirty="0">
-                <a:latin typeface="Times New Roman" panose="02020603050405020304" pitchFamily="18" charset="0"/>
-                <a:cs typeface="Times New Roman" panose="02020603050405020304" pitchFamily="18" charset="0"/>
-              </a:rPr>
-              <a:t> </a:t>
-            </a:r>
-          </a:p>
-          <a:p>
-            <a:pPr marL="0" indent="0" algn="just">
-              <a:buNone/>
-            </a:pPr>
-            <a:endParaRPr lang="pt-BR" sz="3200" dirty="0">
+              <a:t>)</a:t>
+            </a:r>
+            <a:endParaRPr lang="pt-BR" sz="2400" dirty="0">
               <a:solidFill>
                 <a:schemeClr val="tx1"/>
               </a:solidFill>
@@ -9049,12 +9061,265 @@
               <a:cs typeface="Times New Roman" panose="02020603050405020304" pitchFamily="18" charset="0"/>
             </a:endParaRPr>
           </a:p>
+          <a:p>
+            <a:pPr marL="0" indent="0" algn="just">
+              <a:buNone/>
+            </a:pPr>
+            <a:r>
+              <a:rPr lang="pt-BR" sz="2000" dirty="0">
+                <a:solidFill>
+                  <a:schemeClr val="tx1"/>
+                </a:solidFill>
+                <a:latin typeface="Times New Roman" panose="02020603050405020304" pitchFamily="18" charset="0"/>
+                <a:cs typeface="Times New Roman" panose="02020603050405020304" pitchFamily="18" charset="0"/>
+              </a:rPr>
+              <a:t> </a:t>
+            </a:r>
+          </a:p>
+          <a:p>
+            <a:pPr marL="0" indent="0" algn="just">
+              <a:buNone/>
+            </a:pPr>
+            <a:endParaRPr lang="pt-BR" sz="2000" dirty="0">
+              <a:solidFill>
+                <a:schemeClr val="tx1"/>
+              </a:solidFill>
+              <a:latin typeface="Times New Roman" panose="02020603050405020304" pitchFamily="18" charset="0"/>
+              <a:cs typeface="Times New Roman" panose="02020603050405020304" pitchFamily="18" charset="0"/>
+            </a:endParaRPr>
+          </a:p>
+        </p:txBody>
+      </p:sp>
+      <p:sp>
+        <p:nvSpPr>
+          <p:cNvPr id="3" name="CaixaDeTexto 2">
+            <a:extLst>
+              <a:ext uri="{FF2B5EF4-FFF2-40B4-BE49-F238E27FC236}">
+                <a16:creationId xmlns:a16="http://schemas.microsoft.com/office/drawing/2014/main" id="{6709984F-2047-4B0A-8173-791A8AE310FF}"/>
+              </a:ext>
+            </a:extLst>
+          </p:cNvPr>
+          <p:cNvSpPr txBox="1"/>
+          <p:nvPr/>
+        </p:nvSpPr>
+        <p:spPr>
+          <a:xfrm>
+            <a:off x="186182" y="1730007"/>
+            <a:ext cx="8206255" cy="2308324"/>
+          </a:xfrm>
+          <a:prstGeom prst="rect">
+            <a:avLst/>
+          </a:prstGeom>
+          <a:noFill/>
+        </p:spPr>
+        <p:txBody>
+          <a:bodyPr wrap="square" rtlCol="0">
+            <a:spAutoFit/>
+          </a:bodyPr>
+          <a:lstStyle/>
+          <a:p>
+            <a:r>
+              <a:rPr lang="pt-BR" sz="2400" b="1" dirty="0" err="1">
+                <a:latin typeface="Arial" panose="020B0604020202020204" pitchFamily="34" charset="0"/>
+                <a:cs typeface="Arial" panose="020B0604020202020204" pitchFamily="34" charset="0"/>
+              </a:rPr>
+              <a:t>import</a:t>
+            </a:r>
+            <a:r>
+              <a:rPr lang="pt-BR" sz="2400" b="1" dirty="0">
+                <a:latin typeface="Arial" panose="020B0604020202020204" pitchFamily="34" charset="0"/>
+                <a:cs typeface="Arial" panose="020B0604020202020204" pitchFamily="34" charset="0"/>
+              </a:rPr>
+              <a:t> </a:t>
+            </a:r>
+            <a:r>
+              <a:rPr lang="pt-BR" sz="2400" b="1" dirty="0" err="1">
+                <a:solidFill>
+                  <a:srgbClr val="FF0000"/>
+                </a:solidFill>
+                <a:latin typeface="Arial" panose="020B0604020202020204" pitchFamily="34" charset="0"/>
+                <a:cs typeface="Arial" panose="020B0604020202020204" pitchFamily="34" charset="0"/>
+              </a:rPr>
+              <a:t>struct</a:t>
+            </a:r>
+            <a:endParaRPr lang="pt-BR" sz="2400" b="1" dirty="0">
+              <a:solidFill>
+                <a:srgbClr val="FF0000"/>
+              </a:solidFill>
+              <a:latin typeface="Arial" panose="020B0604020202020204" pitchFamily="34" charset="0"/>
+              <a:cs typeface="Arial" panose="020B0604020202020204" pitchFamily="34" charset="0"/>
+            </a:endParaRPr>
+          </a:p>
+          <a:p>
+            <a:r>
+              <a:rPr lang="pt-BR" sz="2400" b="1" dirty="0">
+                <a:solidFill>
+                  <a:srgbClr val="FF0000"/>
+                </a:solidFill>
+                <a:latin typeface="Arial" panose="020B0604020202020204" pitchFamily="34" charset="0"/>
+                <a:cs typeface="Arial" panose="020B0604020202020204" pitchFamily="34" charset="0"/>
+              </a:rPr>
+              <a:t>Cliente = (‘80s I I 11s f I')</a:t>
+            </a:r>
+          </a:p>
+          <a:p>
+            <a:r>
+              <a:rPr lang="pt-BR" sz="2400" dirty="0" err="1">
+                <a:latin typeface="Arial" panose="020B0604020202020204" pitchFamily="34" charset="0"/>
+                <a:cs typeface="Arial" panose="020B0604020202020204" pitchFamily="34" charset="0"/>
+              </a:rPr>
+              <a:t>umCliente</a:t>
+            </a:r>
+            <a:r>
+              <a:rPr lang="pt-BR" sz="2400" dirty="0">
+                <a:latin typeface="Arial" panose="020B0604020202020204" pitchFamily="34" charset="0"/>
+                <a:cs typeface="Arial" panose="020B0604020202020204" pitchFamily="34" charset="0"/>
+              </a:rPr>
+              <a:t> = </a:t>
+            </a:r>
+            <a:r>
+              <a:rPr lang="pt-BR" sz="2400" b="1" dirty="0" err="1">
+                <a:solidFill>
+                  <a:srgbClr val="FF0000"/>
+                </a:solidFill>
+                <a:latin typeface="Arial" panose="020B0604020202020204" pitchFamily="34" charset="0"/>
+                <a:cs typeface="Arial" panose="020B0604020202020204" pitchFamily="34" charset="0"/>
+              </a:rPr>
+              <a:t>struct</a:t>
+            </a:r>
+            <a:r>
+              <a:rPr lang="pt-BR" sz="2400" dirty="0" err="1">
+                <a:latin typeface="Arial" panose="020B0604020202020204" pitchFamily="34" charset="0"/>
+                <a:cs typeface="Arial" panose="020B0604020202020204" pitchFamily="34" charset="0"/>
+              </a:rPr>
+              <a:t>.</a:t>
+            </a:r>
+            <a:r>
+              <a:rPr lang="pt-BR" sz="2400" b="1" dirty="0" err="1">
+                <a:latin typeface="Arial" panose="020B0604020202020204" pitchFamily="34" charset="0"/>
+                <a:cs typeface="Arial" panose="020B0604020202020204" pitchFamily="34" charset="0"/>
+              </a:rPr>
+              <a:t>pack</a:t>
+            </a:r>
+            <a:r>
+              <a:rPr lang="pt-BR" sz="2400" dirty="0">
+                <a:latin typeface="Arial" panose="020B0604020202020204" pitchFamily="34" charset="0"/>
+                <a:cs typeface="Arial" panose="020B0604020202020204" pitchFamily="34" charset="0"/>
+              </a:rPr>
+              <a:t>(Cliente, </a:t>
+            </a:r>
+            <a:r>
+              <a:rPr lang="pt-BR" sz="2400" dirty="0" err="1">
+                <a:latin typeface="Arial" panose="020B0604020202020204" pitchFamily="34" charset="0"/>
+                <a:cs typeface="Arial" panose="020B0604020202020204" pitchFamily="34" charset="0"/>
+              </a:rPr>
+              <a:t>b"Fulano</a:t>
+            </a:r>
+            <a:r>
+              <a:rPr lang="pt-BR" sz="2400" dirty="0">
+                <a:latin typeface="Arial" panose="020B0604020202020204" pitchFamily="34" charset="0"/>
+                <a:cs typeface="Arial" panose="020B0604020202020204" pitchFamily="34" charset="0"/>
+              </a:rPr>
+              <a:t>", 0, 2, b’123456789001, 5000.00, 3)</a:t>
+            </a:r>
+          </a:p>
+          <a:p>
+            <a:r>
+              <a:rPr lang="pt-BR" sz="2400" b="1" dirty="0">
+                <a:latin typeface="Arial" panose="020B0604020202020204" pitchFamily="34" charset="0"/>
+                <a:cs typeface="Arial" panose="020B0604020202020204" pitchFamily="34" charset="0"/>
+              </a:rPr>
+              <a:t>print</a:t>
+            </a:r>
+            <a:r>
+              <a:rPr lang="pt-BR" sz="2400" dirty="0">
+                <a:latin typeface="Arial" panose="020B0604020202020204" pitchFamily="34" charset="0"/>
+                <a:cs typeface="Arial" panose="020B0604020202020204" pitchFamily="34" charset="0"/>
+              </a:rPr>
+              <a:t>(</a:t>
+            </a:r>
+            <a:r>
+              <a:rPr lang="pt-BR" sz="2400" dirty="0" err="1">
+                <a:latin typeface="Arial" panose="020B0604020202020204" pitchFamily="34" charset="0"/>
+                <a:cs typeface="Arial" panose="020B0604020202020204" pitchFamily="34" charset="0"/>
+              </a:rPr>
+              <a:t>umCliente</a:t>
+            </a:r>
+            <a:r>
+              <a:rPr lang="pt-BR" sz="2400" dirty="0">
+                <a:latin typeface="Arial" panose="020B0604020202020204" pitchFamily="34" charset="0"/>
+                <a:cs typeface="Arial" panose="020B0604020202020204" pitchFamily="34" charset="0"/>
+              </a:rPr>
+              <a:t>)</a:t>
+            </a:r>
+          </a:p>
+          <a:p>
+            <a:r>
+              <a:rPr lang="pt-BR" sz="2400" b="1" dirty="0">
+                <a:latin typeface="Arial" panose="020B0604020202020204" pitchFamily="34" charset="0"/>
+                <a:cs typeface="Arial" panose="020B0604020202020204" pitchFamily="34" charset="0"/>
+              </a:rPr>
+              <a:t>print</a:t>
+            </a:r>
+            <a:r>
+              <a:rPr lang="pt-BR" sz="2400" dirty="0">
+                <a:latin typeface="Arial" panose="020B0604020202020204" pitchFamily="34" charset="0"/>
+                <a:cs typeface="Arial" panose="020B0604020202020204" pitchFamily="34" charset="0"/>
+              </a:rPr>
+              <a:t>(</a:t>
+            </a:r>
+            <a:r>
+              <a:rPr lang="pt-BR" sz="2400" b="1" dirty="0" err="1">
+                <a:solidFill>
+                  <a:srgbClr val="FF0000"/>
+                </a:solidFill>
+                <a:latin typeface="Arial" panose="020B0604020202020204" pitchFamily="34" charset="0"/>
+                <a:cs typeface="Arial" panose="020B0604020202020204" pitchFamily="34" charset="0"/>
+              </a:rPr>
+              <a:t>struct</a:t>
+            </a:r>
+            <a:r>
+              <a:rPr lang="pt-BR" sz="2400" dirty="0" err="1">
+                <a:latin typeface="Arial" panose="020B0604020202020204" pitchFamily="34" charset="0"/>
+                <a:cs typeface="Arial" panose="020B0604020202020204" pitchFamily="34" charset="0"/>
+              </a:rPr>
+              <a:t>.</a:t>
+            </a:r>
+            <a:r>
+              <a:rPr lang="pt-BR" sz="2400" b="1" dirty="0" err="1">
+                <a:latin typeface="Arial" panose="020B0604020202020204" pitchFamily="34" charset="0"/>
+                <a:cs typeface="Arial" panose="020B0604020202020204" pitchFamily="34" charset="0"/>
+              </a:rPr>
+              <a:t>unpack</a:t>
+            </a:r>
+            <a:r>
+              <a:rPr lang="pt-BR" sz="2400" dirty="0">
+                <a:latin typeface="Arial" panose="020B0604020202020204" pitchFamily="34" charset="0"/>
+                <a:cs typeface="Arial" panose="020B0604020202020204" pitchFamily="34" charset="0"/>
+              </a:rPr>
+              <a:t>(Cliente, </a:t>
+            </a:r>
+            <a:r>
+              <a:rPr lang="pt-BR" sz="2400" dirty="0" err="1">
+                <a:latin typeface="Arial" panose="020B0604020202020204" pitchFamily="34" charset="0"/>
+                <a:cs typeface="Arial" panose="020B0604020202020204" pitchFamily="34" charset="0"/>
+              </a:rPr>
+              <a:t>umCliente</a:t>
+            </a:r>
+            <a:r>
+              <a:rPr lang="pt-BR" sz="2400" dirty="0">
+                <a:latin typeface="Arial" panose="020B0604020202020204" pitchFamily="34" charset="0"/>
+                <a:cs typeface="Arial" panose="020B0604020202020204" pitchFamily="34" charset="0"/>
+              </a:rPr>
+              <a:t>))</a:t>
+            </a:r>
+          </a:p>
         </p:txBody>
       </p:sp>
     </p:spTree>
     <p:extLst>
       <p:ext uri="{BB962C8B-B14F-4D97-AF65-F5344CB8AC3E}">
-        <p14:creationId xmlns:p14="http://schemas.microsoft.com/office/powerpoint/2010/main" val="1638486864"/>
+        <p14:creationId xmlns:p14="http://schemas.microsoft.com/office/powerpoint/2010/main" val="1539438958"/>
       </p:ext>
     </p:extLst>
   </p:cSld>
@@ -9105,7 +9370,7 @@
                   <a:srgbClr val="0070C0"/>
                 </a:solidFill>
               </a:rPr>
-              <a:t>Python – </a:t>
+              <a:t>Python – TD </a:t>
             </a:r>
             <a:r>
               <a:rPr lang="en-US" b="1" dirty="0" err="1">
@@ -9113,7 +9378,7 @@
                   <a:srgbClr val="0070C0"/>
                 </a:solidFill>
               </a:rPr>
-              <a:t>TDados</a:t>
+              <a:t>Aglomerados</a:t>
             </a:r>
             <a:r>
               <a:rPr lang="en-US" b="1" dirty="0">
@@ -9129,23 +9394,7 @@
                   <a:srgbClr val="0070C0"/>
                 </a:solidFill>
               </a:rPr>
-              <a:t>Aglomerados</a:t>
-            </a:r>
-            <a:r>
-              <a:rPr lang="en-US" b="1" dirty="0">
-                <a:solidFill>
-                  <a:srgbClr val="0070C0"/>
-                </a:solidFill>
-              </a:rPr>
-              <a:t> </a:t>
-            </a:r>
-            <a:r>
-              <a:rPr lang="en-US" b="1" dirty="0" err="1">
-                <a:solidFill>
-                  <a:srgbClr val="0070C0"/>
-                </a:solidFill>
-              </a:rPr>
-              <a:t>Tuplas</a:t>
+              <a:t>Registros</a:t>
             </a:r>
             <a:endParaRPr lang="en-US" b="1" dirty="0">
               <a:solidFill>
@@ -9177,84 +9426,93 @@
           </a:bodyPr>
           <a:lstStyle/>
           <a:p>
+            <a:pPr algn="just">
+              <a:buFont typeface="Wingdings" panose="05000000000000000000" pitchFamily="2" charset="2"/>
+              <a:buChar char="§"/>
+            </a:pPr>
+            <a:r>
+              <a:rPr lang="pt-BR" b="1" dirty="0">
+                <a:solidFill>
+                  <a:srgbClr val="FF0000"/>
+                </a:solidFill>
+                <a:latin typeface="Times New Roman" panose="02020603050405020304" pitchFamily="18" charset="0"/>
+                <a:cs typeface="Times New Roman" panose="02020603050405020304" pitchFamily="18" charset="0"/>
+              </a:rPr>
+              <a:t> Registos </a:t>
+            </a:r>
+            <a:r>
+              <a:rPr lang="pt-BR" b="1" dirty="0">
+                <a:latin typeface="Times New Roman" panose="02020603050405020304" pitchFamily="18" charset="0"/>
+                <a:cs typeface="Times New Roman" panose="02020603050405020304" pitchFamily="18" charset="0"/>
+              </a:rPr>
+              <a:t>em </a:t>
+            </a:r>
+            <a:r>
+              <a:rPr lang="pt-BR" b="1" dirty="0" err="1">
+                <a:latin typeface="Times New Roman" panose="02020603050405020304" pitchFamily="18" charset="0"/>
+                <a:cs typeface="Times New Roman" panose="02020603050405020304" pitchFamily="18" charset="0"/>
+              </a:rPr>
+              <a:t>Pyhton</a:t>
+            </a:r>
+            <a:r>
+              <a:rPr lang="pt-BR" dirty="0">
+                <a:solidFill>
+                  <a:schemeClr val="tx1"/>
+                </a:solidFill>
+                <a:latin typeface="Times New Roman" panose="02020603050405020304" pitchFamily="18" charset="0"/>
+                <a:cs typeface="Times New Roman" panose="02020603050405020304" pitchFamily="18" charset="0"/>
+              </a:rPr>
+              <a:t>: sem nomes dos campos</a:t>
+            </a:r>
+          </a:p>
+          <a:p>
             <a:pPr marL="0" indent="0" algn="just">
               <a:buNone/>
             </a:pPr>
             <a:r>
-              <a:rPr lang="pt-BR" sz="3200" b="1" dirty="0">
-                <a:solidFill>
-                  <a:srgbClr val="FF0000"/>
-                </a:solidFill>
-                <a:latin typeface="Times New Roman" panose="02020603050405020304" pitchFamily="18" charset="0"/>
-                <a:cs typeface="Times New Roman" panose="02020603050405020304" pitchFamily="18" charset="0"/>
-              </a:rPr>
-              <a:t>Exemplo1</a:t>
-            </a:r>
-            <a:r>
-              <a:rPr lang="pt-BR" sz="3200" dirty="0">
-                <a:latin typeface="Times New Roman" panose="02020603050405020304" pitchFamily="18" charset="0"/>
-                <a:cs typeface="Times New Roman" panose="02020603050405020304" pitchFamily="18" charset="0"/>
-              </a:rPr>
-              <a:t>:</a:t>
-            </a:r>
-          </a:p>
-          <a:p>
-            <a:pPr marL="0" indent="0" algn="just">
-              <a:buNone/>
-            </a:pPr>
-            <a:r>
-              <a:rPr lang="pt-BR" sz="3200" dirty="0" err="1">
-                <a:latin typeface="Times New Roman" panose="02020603050405020304" pitchFamily="18" charset="0"/>
-                <a:cs typeface="Times New Roman" panose="02020603050405020304" pitchFamily="18" charset="0"/>
-              </a:rPr>
-              <a:t>umaTupla</a:t>
-            </a:r>
-            <a:r>
-              <a:rPr lang="pt-BR" sz="3200" dirty="0">
-                <a:latin typeface="Times New Roman" panose="02020603050405020304" pitchFamily="18" charset="0"/>
-                <a:cs typeface="Times New Roman" panose="02020603050405020304" pitchFamily="18" charset="0"/>
-              </a:rPr>
-              <a:t> = (15, 9.4, “pera”)</a:t>
-            </a:r>
-          </a:p>
-          <a:p>
-            <a:pPr marL="0" indent="0" algn="just">
-              <a:buNone/>
-            </a:pPr>
-            <a:r>
-              <a:rPr lang="pt-BR" sz="3200" b="1" dirty="0">
-                <a:latin typeface="Times New Roman" panose="02020603050405020304" pitchFamily="18" charset="0"/>
-                <a:cs typeface="Times New Roman" panose="02020603050405020304" pitchFamily="18" charset="0"/>
-              </a:rPr>
-              <a:t>print</a:t>
-            </a:r>
-            <a:r>
-              <a:rPr lang="pt-BR" sz="3200" dirty="0">
-                <a:latin typeface="Times New Roman" panose="02020603050405020304" pitchFamily="18" charset="0"/>
-                <a:cs typeface="Times New Roman" panose="02020603050405020304" pitchFamily="18" charset="0"/>
-              </a:rPr>
-              <a:t>(</a:t>
-            </a:r>
-            <a:r>
-              <a:rPr lang="pt-BR" sz="3200" dirty="0" err="1">
-                <a:latin typeface="Times New Roman" panose="02020603050405020304" pitchFamily="18" charset="0"/>
-                <a:cs typeface="Times New Roman" panose="02020603050405020304" pitchFamily="18" charset="0"/>
-              </a:rPr>
-              <a:t>umaTupla</a:t>
-            </a:r>
-            <a:r>
-              <a:rPr lang="pt-BR" sz="3200" dirty="0">
-                <a:latin typeface="Times New Roman" panose="02020603050405020304" pitchFamily="18" charset="0"/>
-                <a:cs typeface="Times New Roman" panose="02020603050405020304" pitchFamily="18" charset="0"/>
-              </a:rPr>
-              <a:t>)</a:t>
-            </a:r>
-          </a:p>
-          <a:p>
-            <a:pPr marL="0" indent="0" algn="just">
-              <a:buNone/>
-            </a:pPr>
-            <a:endParaRPr lang="pt-BR" sz="3200" dirty="0">
+              <a:rPr lang="pt-BR" dirty="0">
+                <a:solidFill>
+                  <a:schemeClr val="tx1"/>
+                </a:solidFill>
+                <a:latin typeface="Times New Roman" panose="02020603050405020304" pitchFamily="18" charset="0"/>
+                <a:cs typeface="Times New Roman" panose="02020603050405020304" pitchFamily="18" charset="0"/>
+              </a:rPr>
+              <a:t>– </a:t>
+            </a:r>
+            <a:r>
+              <a:rPr lang="pt-BR" b="1" dirty="0">
+                <a:solidFill>
+                  <a:schemeClr val="tx1"/>
+                </a:solidFill>
+                <a:latin typeface="Times New Roman" panose="02020603050405020304" pitchFamily="18" charset="0"/>
+                <a:cs typeface="Times New Roman" panose="02020603050405020304" pitchFamily="18" charset="0"/>
+              </a:rPr>
+              <a:t>Foco primário</a:t>
+            </a:r>
+            <a:r>
+              <a:rPr lang="pt-BR" dirty="0">
+                <a:solidFill>
+                  <a:schemeClr val="tx1"/>
+                </a:solidFill>
+                <a:latin typeface="Times New Roman" panose="02020603050405020304" pitchFamily="18" charset="0"/>
+                <a:cs typeface="Times New Roman" panose="02020603050405020304" pitchFamily="18" charset="0"/>
+              </a:rPr>
+              <a:t>: trocar dados com C/C++, </a:t>
+            </a:r>
+            <a:r>
+              <a:rPr lang="pt-BR" dirty="0" err="1">
+                <a:solidFill>
+                  <a:schemeClr val="tx1"/>
+                </a:solidFill>
+                <a:latin typeface="Times New Roman" panose="02020603050405020304" pitchFamily="18" charset="0"/>
+                <a:cs typeface="Times New Roman" panose="02020603050405020304" pitchFamily="18" charset="0"/>
+              </a:rPr>
+              <a:t>etc</a:t>
+            </a:r>
+            <a:endParaRPr lang="pt-BR" dirty="0">
+              <a:solidFill>
+                <a:schemeClr val="tx1"/>
+              </a:solidFill>
               <a:latin typeface="Times New Roman" panose="02020603050405020304" pitchFamily="18" charset="0"/>
               <a:cs typeface="Times New Roman" panose="02020603050405020304" pitchFamily="18" charset="0"/>
             </a:endParaRPr>
@@ -9263,17 +9521,88 @@
             <a:pPr marL="0" indent="0" algn="just">
               <a:buNone/>
             </a:pPr>
-            <a:endParaRPr lang="pt-BR" sz="3200" dirty="0">
-              <a:latin typeface="Times New Roman" panose="02020603050405020304" pitchFamily="18" charset="0"/>
-              <a:cs typeface="Times New Roman" panose="02020603050405020304" pitchFamily="18" charset="0"/>
-            </a:endParaRPr>
+            <a:r>
+              <a:rPr lang="pt-BR" dirty="0">
+                <a:solidFill>
+                  <a:schemeClr val="tx1"/>
+                </a:solidFill>
+                <a:latin typeface="Times New Roman" panose="02020603050405020304" pitchFamily="18" charset="0"/>
+                <a:cs typeface="Times New Roman" panose="02020603050405020304" pitchFamily="18" charset="0"/>
+              </a:rPr>
+              <a:t>• Como guardar dados organizados em Python?</a:t>
+            </a:r>
+          </a:p>
+          <a:p>
+            <a:pPr marL="0" indent="0" algn="just">
+              <a:buNone/>
+            </a:pPr>
+            <a:r>
+              <a:rPr lang="pt-BR" dirty="0">
+                <a:solidFill>
+                  <a:schemeClr val="tx1"/>
+                </a:solidFill>
+                <a:latin typeface="Times New Roman" panose="02020603050405020304" pitchFamily="18" charset="0"/>
+                <a:cs typeface="Times New Roman" panose="02020603050405020304" pitchFamily="18" charset="0"/>
+              </a:rPr>
+              <a:t>– </a:t>
+            </a:r>
+            <a:r>
+              <a:rPr lang="pt-BR" b="1" dirty="0">
+                <a:solidFill>
+                  <a:schemeClr val="tx1"/>
+                </a:solidFill>
+                <a:latin typeface="Times New Roman" panose="02020603050405020304" pitchFamily="18" charset="0"/>
+                <a:cs typeface="Times New Roman" panose="02020603050405020304" pitchFamily="18" charset="0"/>
+              </a:rPr>
+              <a:t>Forma mais conveniente</a:t>
+            </a:r>
+            <a:r>
+              <a:rPr lang="pt-BR" dirty="0">
+                <a:solidFill>
+                  <a:schemeClr val="tx1"/>
+                </a:solidFill>
+                <a:latin typeface="Times New Roman" panose="02020603050405020304" pitchFamily="18" charset="0"/>
+                <a:cs typeface="Times New Roman" panose="02020603050405020304" pitchFamily="18" charset="0"/>
+              </a:rPr>
+              <a:t>... </a:t>
+            </a:r>
+            <a:r>
+              <a:rPr lang="pt-BR" b="1" dirty="0" err="1">
+                <a:solidFill>
+                  <a:srgbClr val="FF0000"/>
+                </a:solidFill>
+                <a:latin typeface="Times New Roman" panose="02020603050405020304" pitchFamily="18" charset="0"/>
+                <a:cs typeface="Times New Roman" panose="02020603050405020304" pitchFamily="18" charset="0"/>
+              </a:rPr>
+              <a:t>Tuplas</a:t>
+            </a:r>
+            <a:r>
+              <a:rPr lang="pt-BR" b="1" dirty="0">
+                <a:solidFill>
+                  <a:srgbClr val="FF0000"/>
+                </a:solidFill>
+                <a:latin typeface="Times New Roman" panose="02020603050405020304" pitchFamily="18" charset="0"/>
+                <a:cs typeface="Times New Roman" panose="02020603050405020304" pitchFamily="18" charset="0"/>
+              </a:rPr>
+              <a:t> nomeadas</a:t>
+            </a:r>
+            <a:r>
+              <a:rPr lang="pt-BR" dirty="0">
+                <a:solidFill>
+                  <a:schemeClr val="tx1"/>
+                </a:solidFill>
+                <a:latin typeface="Times New Roman" panose="02020603050405020304" pitchFamily="18" charset="0"/>
+                <a:cs typeface="Times New Roman" panose="02020603050405020304" pitchFamily="18" charset="0"/>
+              </a:rPr>
+              <a:t>.</a:t>
+            </a:r>
           </a:p>
         </p:txBody>
       </p:sp>
     </p:spTree>
     <p:extLst>
       <p:ext uri="{BB962C8B-B14F-4D97-AF65-F5344CB8AC3E}">
-        <p14:creationId xmlns:p14="http://schemas.microsoft.com/office/powerpoint/2010/main" val="2360510460"/>
+        <p14:creationId xmlns:p14="http://schemas.microsoft.com/office/powerpoint/2010/main" val="2125755638"/>
       </p:ext>
     </p:extLst>
   </p:cSld>
@@ -9396,25 +9725,162 @@
           </a:bodyPr>
           <a:lstStyle/>
           <a:p>
+            <a:pPr algn="just">
+              <a:buFont typeface="Wingdings" panose="05000000000000000000" pitchFamily="2" charset="2"/>
+              <a:buChar char="§"/>
+            </a:pPr>
+            <a:r>
+              <a:rPr lang="pt-BR" sz="3200" b="1" dirty="0">
+                <a:solidFill>
+                  <a:srgbClr val="FF0000"/>
+                </a:solidFill>
+                <a:latin typeface="Times New Roman" panose="02020603050405020304" pitchFamily="18" charset="0"/>
+                <a:cs typeface="Times New Roman" panose="02020603050405020304" pitchFamily="18" charset="0"/>
+              </a:rPr>
+              <a:t> </a:t>
+            </a:r>
+            <a:r>
+              <a:rPr lang="pt-BR" sz="3200" b="1" dirty="0" err="1">
+                <a:solidFill>
+                  <a:srgbClr val="FF0000"/>
+                </a:solidFill>
+                <a:latin typeface="Times New Roman" panose="02020603050405020304" pitchFamily="18" charset="0"/>
+                <a:cs typeface="Times New Roman" panose="02020603050405020304" pitchFamily="18" charset="0"/>
+              </a:rPr>
+              <a:t>Tuplas</a:t>
+            </a:r>
+            <a:r>
+              <a:rPr lang="pt-BR" sz="3200" b="1" dirty="0">
+                <a:latin typeface="Times New Roman" panose="02020603050405020304" pitchFamily="18" charset="0"/>
+                <a:cs typeface="Times New Roman" panose="02020603050405020304" pitchFamily="18" charset="0"/>
+              </a:rPr>
+              <a:t> - Agrupamentos</a:t>
+            </a:r>
+            <a:r>
+              <a:rPr lang="pt-BR" sz="3200" dirty="0">
+                <a:latin typeface="Times New Roman" panose="02020603050405020304" pitchFamily="18" charset="0"/>
+                <a:cs typeface="Times New Roman" panose="02020603050405020304" pitchFamily="18" charset="0"/>
+              </a:rPr>
+              <a:t> de dados </a:t>
+            </a:r>
+            <a:r>
+              <a:rPr lang="pt-BR" sz="3200" b="1" dirty="0">
+                <a:solidFill>
+                  <a:srgbClr val="FF0000"/>
+                </a:solidFill>
+                <a:latin typeface="Times New Roman" panose="02020603050405020304" pitchFamily="18" charset="0"/>
+                <a:cs typeface="Times New Roman" panose="02020603050405020304" pitchFamily="18" charset="0"/>
+              </a:rPr>
+              <a:t>não nomeados </a:t>
+            </a:r>
+          </a:p>
+          <a:p>
             <a:pPr marL="0" indent="0" algn="just">
               <a:buNone/>
             </a:pPr>
             <a:r>
-              <a:rPr lang="pt-BR" b="1" dirty="0">
+              <a:rPr lang="pt-BR" sz="3200" dirty="0">
+                <a:latin typeface="Times New Roman" panose="02020603050405020304" pitchFamily="18" charset="0"/>
+                <a:cs typeface="Times New Roman" panose="02020603050405020304" pitchFamily="18" charset="0"/>
+              </a:rPr>
+              <a:t>– Existe em Python, F#</a:t>
+            </a:r>
+            <a:r>
+              <a:rPr lang="pt-BR" sz="3200" dirty="0">
+                <a:solidFill>
+                  <a:schemeClr val="tx1"/>
+                </a:solidFill>
+                <a:latin typeface="Times New Roman" panose="02020603050405020304" pitchFamily="18" charset="0"/>
+                <a:cs typeface="Times New Roman" panose="02020603050405020304" pitchFamily="18" charset="0"/>
+              </a:rPr>
+              <a:t> (F Sharp .NET), </a:t>
+            </a:r>
+            <a:r>
+              <a:rPr lang="pt-BR" sz="3200" dirty="0" err="1">
+                <a:solidFill>
+                  <a:schemeClr val="tx1"/>
+                </a:solidFill>
+                <a:latin typeface="Times New Roman" panose="02020603050405020304" pitchFamily="18" charset="0"/>
+                <a:cs typeface="Times New Roman" panose="02020603050405020304" pitchFamily="18" charset="0"/>
+              </a:rPr>
+              <a:t>etc</a:t>
+            </a:r>
+            <a:r>
+              <a:rPr lang="pt-BR" sz="3200" dirty="0">
+                <a:latin typeface="Times New Roman" panose="02020603050405020304" pitchFamily="18" charset="0"/>
+                <a:cs typeface="Times New Roman" panose="02020603050405020304" pitchFamily="18" charset="0"/>
+              </a:rPr>
+              <a:t> </a:t>
+            </a:r>
+          </a:p>
+          <a:p>
+            <a:pPr marL="0" indent="0" algn="just">
+              <a:buNone/>
+            </a:pPr>
+            <a:r>
+              <a:rPr lang="pt-BR" sz="3200" dirty="0">
+                <a:latin typeface="Times New Roman" panose="02020603050405020304" pitchFamily="18" charset="0"/>
+                <a:cs typeface="Times New Roman" panose="02020603050405020304" pitchFamily="18" charset="0"/>
+              </a:rPr>
+              <a:t>– É como definir um </a:t>
+            </a:r>
+            <a:r>
+              <a:rPr lang="pt-BR" sz="3200" b="1" dirty="0">
+                <a:latin typeface="Times New Roman" panose="02020603050405020304" pitchFamily="18" charset="0"/>
+                <a:cs typeface="Times New Roman" panose="02020603050405020304" pitchFamily="18" charset="0"/>
+              </a:rPr>
+              <a:t>registro</a:t>
+            </a:r>
+            <a:r>
+              <a:rPr lang="pt-BR" sz="3200" dirty="0">
+                <a:latin typeface="Times New Roman" panose="02020603050405020304" pitchFamily="18" charset="0"/>
+                <a:cs typeface="Times New Roman" panose="02020603050405020304" pitchFamily="18" charset="0"/>
+              </a:rPr>
+              <a:t>, porém </a:t>
+            </a:r>
+            <a:r>
+              <a:rPr lang="pt-BR" sz="3200" b="1" dirty="0">
                 <a:solidFill>
                   <a:srgbClr val="FF0000"/>
                 </a:solidFill>
                 <a:latin typeface="Times New Roman" panose="02020603050405020304" pitchFamily="18" charset="0"/>
                 <a:cs typeface="Times New Roman" panose="02020603050405020304" pitchFamily="18" charset="0"/>
               </a:rPr>
-              <a:t>Exemplo2</a:t>
-            </a:r>
-            <a:r>
-              <a:rPr lang="pt-BR" dirty="0">
-                <a:latin typeface="Times New Roman" panose="02020603050405020304" pitchFamily="18" charset="0"/>
-                <a:cs typeface="Times New Roman" panose="02020603050405020304" pitchFamily="18" charset="0"/>
-              </a:rPr>
-              <a:t>:</a:t>
+              <a:t>imutável</a:t>
+            </a:r>
+            <a:r>
+              <a:rPr lang="pt-BR" sz="3200" dirty="0">
+                <a:latin typeface="Times New Roman" panose="02020603050405020304" pitchFamily="18" charset="0"/>
+                <a:cs typeface="Times New Roman" panose="02020603050405020304" pitchFamily="18" charset="0"/>
+              </a:rPr>
+              <a:t> </a:t>
+            </a:r>
+          </a:p>
+          <a:p>
+            <a:pPr algn="just">
+              <a:buFont typeface="Wingdings" panose="05000000000000000000" pitchFamily="2" charset="2"/>
+              <a:buChar char="§"/>
+            </a:pPr>
+            <a:r>
+              <a:rPr lang="pt-BR" sz="3200" dirty="0">
+                <a:latin typeface="Times New Roman" panose="02020603050405020304" pitchFamily="18" charset="0"/>
+                <a:cs typeface="Times New Roman" panose="02020603050405020304" pitchFamily="18" charset="0"/>
+              </a:rPr>
+              <a:t> Em </a:t>
+            </a:r>
+            <a:r>
+              <a:rPr lang="pt-BR" sz="3200" b="1" dirty="0">
+                <a:latin typeface="Times New Roman" panose="02020603050405020304" pitchFamily="18" charset="0"/>
+                <a:cs typeface="Times New Roman" panose="02020603050405020304" pitchFamily="18" charset="0"/>
+              </a:rPr>
+              <a:t>Python</a:t>
+            </a:r>
+            <a:r>
+              <a:rPr lang="pt-BR" sz="3200" dirty="0">
+                <a:latin typeface="Times New Roman" panose="02020603050405020304" pitchFamily="18" charset="0"/>
+                <a:cs typeface="Times New Roman" panose="02020603050405020304" pitchFamily="18" charset="0"/>
+              </a:rPr>
+              <a:t> são dados separados por vírgulas </a:t>
             </a:r>
           </a:p>
           <a:p>
@@ -9422,105 +9888,48 @@
               <a:buNone/>
             </a:pPr>
             <a:r>
-              <a:rPr lang="pt-BR" dirty="0">
-                <a:latin typeface="Times New Roman" panose="02020603050405020304" pitchFamily="18" charset="0"/>
-                <a:cs typeface="Times New Roman" panose="02020603050405020304" pitchFamily="18" charset="0"/>
-              </a:rPr>
-              <a:t>cliente = (“Julia Cardoso", "01234567890", 7000.0, 17)</a:t>
+              <a:rPr lang="pt-BR" sz="3200" dirty="0">
+                <a:latin typeface="Times New Roman" panose="02020603050405020304" pitchFamily="18" charset="0"/>
+                <a:cs typeface="Times New Roman" panose="02020603050405020304" pitchFamily="18" charset="0"/>
+              </a:rPr>
+              <a:t>– Definido por</a:t>
+            </a:r>
+            <a:r>
+              <a:rPr lang="pt-BR" sz="3200" b="1" dirty="0">
+                <a:solidFill>
+                  <a:srgbClr val="FF0000"/>
+                </a:solidFill>
+                <a:latin typeface="Times New Roman" panose="02020603050405020304" pitchFamily="18" charset="0"/>
+                <a:cs typeface="Times New Roman" panose="02020603050405020304" pitchFamily="18" charset="0"/>
+              </a:rPr>
+              <a:t> parênteses</a:t>
+            </a:r>
+            <a:r>
+              <a:rPr lang="pt-BR" sz="3200" dirty="0">
+                <a:latin typeface="Times New Roman" panose="02020603050405020304" pitchFamily="18" charset="0"/>
+                <a:cs typeface="Times New Roman" panose="02020603050405020304" pitchFamily="18" charset="0"/>
+              </a:rPr>
+              <a:t> </a:t>
             </a:r>
           </a:p>
           <a:p>
             <a:pPr marL="0" indent="0" algn="just">
               <a:buNone/>
             </a:pPr>
-            <a:r>
-              <a:rPr lang="pt-BR" b="1" dirty="0">
-                <a:latin typeface="Times New Roman" panose="02020603050405020304" pitchFamily="18" charset="0"/>
-                <a:cs typeface="Times New Roman" panose="02020603050405020304" pitchFamily="18" charset="0"/>
-              </a:rPr>
-              <a:t>print</a:t>
-            </a:r>
-            <a:r>
-              <a:rPr lang="pt-BR" dirty="0">
-                <a:latin typeface="Times New Roman" panose="02020603050405020304" pitchFamily="18" charset="0"/>
-                <a:cs typeface="Times New Roman" panose="02020603050405020304" pitchFamily="18" charset="0"/>
-              </a:rPr>
-              <a:t> (cliente)</a:t>
-            </a:r>
-          </a:p>
-          <a:p>
-            <a:pPr marL="0" indent="0" algn="just">
-              <a:buNone/>
-            </a:pPr>
-            <a:endParaRPr lang="pt-BR" dirty="0">
+            <a:endParaRPr lang="pt-BR" sz="3200" dirty="0">
+              <a:solidFill>
+                <a:schemeClr val="tx1"/>
+              </a:solidFill>
               <a:latin typeface="Times New Roman" panose="02020603050405020304" pitchFamily="18" charset="0"/>
               <a:cs typeface="Times New Roman" panose="02020603050405020304" pitchFamily="18" charset="0"/>
             </a:endParaRPr>
           </a:p>
-          <a:p>
-            <a:pPr marL="0" indent="0" algn="just">
-              <a:buNone/>
-            </a:pPr>
-            <a:r>
-              <a:rPr lang="pt-BR" b="1" dirty="0">
-                <a:latin typeface="Times New Roman" panose="02020603050405020304" pitchFamily="18" charset="0"/>
-                <a:cs typeface="Times New Roman" panose="02020603050405020304" pitchFamily="18" charset="0"/>
-              </a:rPr>
-              <a:t>Nota</a:t>
-            </a:r>
-            <a:r>
-              <a:rPr lang="pt-BR" dirty="0">
-                <a:latin typeface="Times New Roman" panose="02020603050405020304" pitchFamily="18" charset="0"/>
-                <a:cs typeface="Times New Roman" panose="02020603050405020304" pitchFamily="18" charset="0"/>
-              </a:rPr>
-              <a:t>: O acesso é como em </a:t>
-            </a:r>
-            <a:r>
-              <a:rPr lang="pt-BR" b="1" dirty="0">
-                <a:solidFill>
-                  <a:srgbClr val="FF0000"/>
-                </a:solidFill>
-                <a:latin typeface="Times New Roman" panose="02020603050405020304" pitchFamily="18" charset="0"/>
-                <a:cs typeface="Times New Roman" panose="02020603050405020304" pitchFamily="18" charset="0"/>
-              </a:rPr>
-              <a:t>lista (: e ::)</a:t>
-            </a:r>
-          </a:p>
-          <a:p>
-            <a:pPr marL="0" indent="0" algn="just">
-              <a:buNone/>
-            </a:pPr>
-            <a:r>
-              <a:rPr lang="pt-BR" dirty="0">
-                <a:latin typeface="Times New Roman" panose="02020603050405020304" pitchFamily="18" charset="0"/>
-                <a:cs typeface="Times New Roman" panose="02020603050405020304" pitchFamily="18" charset="0"/>
-              </a:rPr>
-              <a:t>	   </a:t>
-            </a:r>
-            <a:r>
-              <a:rPr lang="pt-BR" b="1" dirty="0" err="1">
-                <a:solidFill>
-                  <a:srgbClr val="FF0000"/>
-                </a:solidFill>
-                <a:latin typeface="Times New Roman" panose="02020603050405020304" pitchFamily="18" charset="0"/>
-                <a:cs typeface="Times New Roman" panose="02020603050405020304" pitchFamily="18" charset="0"/>
-              </a:rPr>
-              <a:t>Tupla</a:t>
-            </a:r>
-            <a:r>
-              <a:rPr lang="pt-BR" dirty="0">
-                <a:latin typeface="Times New Roman" panose="02020603050405020304" pitchFamily="18" charset="0"/>
-                <a:cs typeface="Times New Roman" panose="02020603050405020304" pitchFamily="18" charset="0"/>
-              </a:rPr>
-              <a:t>, não podemos mudar um elemento!</a:t>
-            </a:r>
-          </a:p>
         </p:txBody>
       </p:sp>
     </p:spTree>
     <p:extLst>
       <p:ext uri="{BB962C8B-B14F-4D97-AF65-F5344CB8AC3E}">
-        <p14:creationId xmlns:p14="http://schemas.microsoft.com/office/powerpoint/2010/main" val="3895288765"/>
+        <p14:creationId xmlns:p14="http://schemas.microsoft.com/office/powerpoint/2010/main" val="1638486864"/>
       </p:ext>
     </p:extLst>
   </p:cSld>
@@ -9647,159 +10056,99 @@
               <a:buNone/>
             </a:pPr>
             <a:r>
-              <a:rPr lang="pt-BR" dirty="0">
-                <a:latin typeface="Times New Roman" panose="02020603050405020304" pitchFamily="18" charset="0"/>
-                <a:cs typeface="Times New Roman" panose="02020603050405020304" pitchFamily="18" charset="0"/>
-              </a:rPr>
-              <a:t>cliente[1] = "1234“ # </a:t>
-            </a:r>
-            <a:r>
-              <a:rPr lang="pt-BR" b="1" dirty="0" err="1">
+              <a:rPr lang="pt-BR" sz="3200" b="1" dirty="0">
                 <a:solidFill>
                   <a:srgbClr val="FF0000"/>
                 </a:solidFill>
                 <a:latin typeface="Times New Roman" panose="02020603050405020304" pitchFamily="18" charset="0"/>
                 <a:cs typeface="Times New Roman" panose="02020603050405020304" pitchFamily="18" charset="0"/>
               </a:rPr>
-              <a:t>Tupla</a:t>
-            </a:r>
-            <a:r>
-              <a:rPr lang="pt-BR" b="1" dirty="0">
-                <a:solidFill>
-                  <a:srgbClr val="FF0000"/>
-                </a:solidFill>
-                <a:latin typeface="Times New Roman" panose="02020603050405020304" pitchFamily="18" charset="0"/>
-                <a:cs typeface="Times New Roman" panose="02020603050405020304" pitchFamily="18" charset="0"/>
-              </a:rPr>
-              <a:t>, </a:t>
-            </a:r>
-            <a:r>
-              <a:rPr lang="pt-BR" b="1" dirty="0" err="1">
-                <a:solidFill>
-                  <a:srgbClr val="FF0000"/>
-                </a:solidFill>
-                <a:latin typeface="Times New Roman" panose="02020603050405020304" pitchFamily="18" charset="0"/>
-                <a:cs typeface="Times New Roman" panose="02020603050405020304" pitchFamily="18" charset="0"/>
-              </a:rPr>
-              <a:t>error</a:t>
-            </a:r>
-            <a:r>
-              <a:rPr lang="pt-BR" dirty="0">
-                <a:latin typeface="Times New Roman" panose="02020603050405020304" pitchFamily="18" charset="0"/>
-                <a:cs typeface="Times New Roman" panose="02020603050405020304" pitchFamily="18" charset="0"/>
-              </a:rPr>
-              <a:t>, não pode alterar.</a:t>
+              <a:t>Exemplo1</a:t>
+            </a:r>
+            <a:r>
+              <a:rPr lang="pt-BR" sz="3200" dirty="0">
+                <a:latin typeface="Times New Roman" panose="02020603050405020304" pitchFamily="18" charset="0"/>
+                <a:cs typeface="Times New Roman" panose="02020603050405020304" pitchFamily="18" charset="0"/>
+              </a:rPr>
+              <a:t>:</a:t>
             </a:r>
           </a:p>
           <a:p>
             <a:pPr marL="0" indent="0" algn="just">
               <a:buNone/>
             </a:pPr>
-            <a:endParaRPr lang="pt-BR" dirty="0">
+            <a:r>
+              <a:rPr lang="pt-BR" sz="3200" dirty="0" err="1">
+                <a:latin typeface="Times New Roman" panose="02020603050405020304" pitchFamily="18" charset="0"/>
+                <a:cs typeface="Times New Roman" panose="02020603050405020304" pitchFamily="18" charset="0"/>
+              </a:rPr>
+              <a:t>umaTupla</a:t>
+            </a:r>
+            <a:r>
+              <a:rPr lang="pt-BR" sz="3200" dirty="0">
+                <a:latin typeface="Times New Roman" panose="02020603050405020304" pitchFamily="18" charset="0"/>
+                <a:cs typeface="Times New Roman" panose="02020603050405020304" pitchFamily="18" charset="0"/>
+              </a:rPr>
+              <a:t> = (15, 9.4, “pera”)</a:t>
+            </a:r>
+          </a:p>
+          <a:p>
+            <a:pPr marL="0" indent="0" algn="just">
+              <a:buNone/>
+            </a:pPr>
+            <a:r>
+              <a:rPr lang="pt-BR" sz="3200" b="1" dirty="0">
+                <a:latin typeface="Times New Roman" panose="02020603050405020304" pitchFamily="18" charset="0"/>
+                <a:cs typeface="Times New Roman" panose="02020603050405020304" pitchFamily="18" charset="0"/>
+              </a:rPr>
+              <a:t>print</a:t>
+            </a:r>
+            <a:r>
+              <a:rPr lang="pt-BR" sz="3200" dirty="0">
+                <a:latin typeface="Times New Roman" panose="02020603050405020304" pitchFamily="18" charset="0"/>
+                <a:cs typeface="Times New Roman" panose="02020603050405020304" pitchFamily="18" charset="0"/>
+              </a:rPr>
+              <a:t>(</a:t>
+            </a:r>
+            <a:r>
+              <a:rPr lang="pt-BR" sz="3200" dirty="0" err="1">
+                <a:latin typeface="Times New Roman" panose="02020603050405020304" pitchFamily="18" charset="0"/>
+                <a:cs typeface="Times New Roman" panose="02020603050405020304" pitchFamily="18" charset="0"/>
+              </a:rPr>
+              <a:t>umaTupla</a:t>
+            </a:r>
+            <a:r>
+              <a:rPr lang="pt-BR" sz="3200" dirty="0">
+                <a:latin typeface="Times New Roman" panose="02020603050405020304" pitchFamily="18" charset="0"/>
+                <a:cs typeface="Times New Roman" panose="02020603050405020304" pitchFamily="18" charset="0"/>
+              </a:rPr>
+              <a:t>)</a:t>
+            </a:r>
+          </a:p>
+          <a:p>
+            <a:pPr marL="0" indent="0" algn="just">
+              <a:buNone/>
+            </a:pPr>
+            <a:endParaRPr lang="pt-BR" sz="3200" dirty="0">
               <a:latin typeface="Times New Roman" panose="02020603050405020304" pitchFamily="18" charset="0"/>
               <a:cs typeface="Times New Roman" panose="02020603050405020304" pitchFamily="18" charset="0"/>
             </a:endParaRPr>
           </a:p>
           <a:p>
-            <a:pPr algn="just">
-              <a:buFont typeface="Wingdings" panose="05000000000000000000" pitchFamily="2" charset="2"/>
-              <a:buChar char="§"/>
+            <a:pPr marL="0" indent="0" algn="just">
+              <a:buNone/>
             </a:pPr>
-            <a:r>
-              <a:rPr lang="pt-BR" b="1" dirty="0">
-                <a:solidFill>
-                  <a:srgbClr val="FF0000"/>
-                </a:solidFill>
-                <a:latin typeface="Times New Roman" panose="02020603050405020304" pitchFamily="18" charset="0"/>
-                <a:cs typeface="Times New Roman" panose="02020603050405020304" pitchFamily="18" charset="0"/>
-              </a:rPr>
-              <a:t>Apagando uma </a:t>
-            </a:r>
-            <a:r>
-              <a:rPr lang="pt-BR" b="1" dirty="0" err="1">
-                <a:solidFill>
-                  <a:srgbClr val="FF0000"/>
-                </a:solidFill>
-                <a:latin typeface="Times New Roman" panose="02020603050405020304" pitchFamily="18" charset="0"/>
-                <a:cs typeface="Times New Roman" panose="02020603050405020304" pitchFamily="18" charset="0"/>
-              </a:rPr>
-              <a:t>Tupla</a:t>
-            </a:r>
-            <a:r>
-              <a:rPr lang="pt-BR" b="1" dirty="0">
-                <a:solidFill>
-                  <a:srgbClr val="FF0000"/>
-                </a:solidFill>
-                <a:latin typeface="Times New Roman" panose="02020603050405020304" pitchFamily="18" charset="0"/>
-                <a:cs typeface="Times New Roman" panose="02020603050405020304" pitchFamily="18" charset="0"/>
-              </a:rPr>
-              <a:t>: </a:t>
-            </a:r>
-            <a:r>
-              <a:rPr lang="pt-BR" b="1" dirty="0" err="1">
-                <a:latin typeface="Times New Roman" panose="02020603050405020304" pitchFamily="18" charset="0"/>
-                <a:cs typeface="Times New Roman" panose="02020603050405020304" pitchFamily="18" charset="0"/>
-              </a:rPr>
-              <a:t>del</a:t>
-            </a:r>
-            <a:r>
-              <a:rPr lang="pt-BR" dirty="0">
-                <a:latin typeface="Times New Roman" panose="02020603050405020304" pitchFamily="18" charset="0"/>
-                <a:cs typeface="Times New Roman" panose="02020603050405020304" pitchFamily="18" charset="0"/>
-              </a:rPr>
-              <a:t> nome da </a:t>
-            </a:r>
-            <a:r>
-              <a:rPr lang="pt-BR" dirty="0" err="1">
-                <a:latin typeface="Times New Roman" panose="02020603050405020304" pitchFamily="18" charset="0"/>
-                <a:cs typeface="Times New Roman" panose="02020603050405020304" pitchFamily="18" charset="0"/>
-              </a:rPr>
-              <a:t>Tupla</a:t>
-            </a:r>
-            <a:endParaRPr lang="pt-BR" dirty="0">
+            <a:endParaRPr lang="pt-BR" sz="3200" dirty="0">
               <a:latin typeface="Times New Roman" panose="02020603050405020304" pitchFamily="18" charset="0"/>
               <a:cs typeface="Times New Roman" panose="02020603050405020304" pitchFamily="18" charset="0"/>
             </a:endParaRPr>
           </a:p>
-          <a:p>
-            <a:pPr marL="0" indent="0" algn="just">
-              <a:buNone/>
-            </a:pPr>
-            <a:r>
-              <a:rPr lang="pt-BR" b="1" dirty="0">
-                <a:latin typeface="Times New Roman" panose="02020603050405020304" pitchFamily="18" charset="0"/>
-                <a:cs typeface="Times New Roman" panose="02020603050405020304" pitchFamily="18" charset="0"/>
-              </a:rPr>
-              <a:t>	Exemplo</a:t>
-            </a:r>
-            <a:r>
-              <a:rPr lang="pt-BR" dirty="0">
-                <a:latin typeface="Times New Roman" panose="02020603050405020304" pitchFamily="18" charset="0"/>
-                <a:cs typeface="Times New Roman" panose="02020603050405020304" pitchFamily="18" charset="0"/>
-              </a:rPr>
-              <a:t>: </a:t>
-            </a:r>
-            <a:r>
-              <a:rPr lang="pt-BR" b="1" dirty="0" err="1">
-                <a:latin typeface="Times New Roman" panose="02020603050405020304" pitchFamily="18" charset="0"/>
-                <a:cs typeface="Times New Roman" panose="02020603050405020304" pitchFamily="18" charset="0"/>
-              </a:rPr>
-              <a:t>del</a:t>
-            </a:r>
-            <a:r>
-              <a:rPr lang="pt-BR" dirty="0">
-                <a:latin typeface="Times New Roman" panose="02020603050405020304" pitchFamily="18" charset="0"/>
-                <a:cs typeface="Times New Roman" panose="02020603050405020304" pitchFamily="18" charset="0"/>
-              </a:rPr>
-              <a:t> cliente</a:t>
-            </a:r>
-          </a:p>
         </p:txBody>
       </p:sp>
     </p:spTree>
     <p:extLst>
       <p:ext uri="{BB962C8B-B14F-4D97-AF65-F5344CB8AC3E}">
-        <p14:creationId xmlns:p14="http://schemas.microsoft.com/office/powerpoint/2010/main" val="1018798093"/>
+        <p14:creationId xmlns:p14="http://schemas.microsoft.com/office/powerpoint/2010/main" val="2360510460"/>
       </p:ext>
     </p:extLst>
   </p:cSld>
@@ -9922,234 +10271,56 @@
           </a:bodyPr>
           <a:lstStyle/>
           <a:p>
-            <a:pPr algn="just">
-              <a:buFont typeface="Wingdings" panose="05000000000000000000" pitchFamily="2" charset="2"/>
-              <a:buChar char="§"/>
+            <a:pPr marL="0" indent="0" algn="just">
+              <a:buNone/>
             </a:pPr>
             <a:r>
-              <a:rPr lang="pt-BR" b="1" dirty="0" err="1">
+              <a:rPr lang="pt-BR" b="1" dirty="0">
                 <a:solidFill>
                   <a:srgbClr val="FF0000"/>
                 </a:solidFill>
                 <a:latin typeface="Times New Roman" panose="02020603050405020304" pitchFamily="18" charset="0"/>
                 <a:cs typeface="Times New Roman" panose="02020603050405020304" pitchFamily="18" charset="0"/>
               </a:rPr>
-              <a:t>Tupla</a:t>
-            </a:r>
+              <a:t>Exemplo2</a:t>
+            </a:r>
+            <a:r>
+              <a:rPr lang="pt-BR" dirty="0">
+                <a:latin typeface="Times New Roman" panose="02020603050405020304" pitchFamily="18" charset="0"/>
+                <a:cs typeface="Times New Roman" panose="02020603050405020304" pitchFamily="18" charset="0"/>
+              </a:rPr>
+              <a:t>:</a:t>
+            </a:r>
+          </a:p>
+          <a:p>
+            <a:pPr marL="0" indent="0" algn="just">
+              <a:buNone/>
+            </a:pPr>
+            <a:r>
+              <a:rPr lang="pt-BR" dirty="0">
+                <a:latin typeface="Times New Roman" panose="02020603050405020304" pitchFamily="18" charset="0"/>
+                <a:cs typeface="Times New Roman" panose="02020603050405020304" pitchFamily="18" charset="0"/>
+              </a:rPr>
+              <a:t>cliente = (“Julia Cardoso", "01234567890", 7000.0, 17)</a:t>
+            </a:r>
+          </a:p>
+          <a:p>
+            <a:pPr marL="0" indent="0" algn="just">
+              <a:buNone/>
+            </a:pPr>
             <a:r>
               <a:rPr lang="pt-BR" b="1" dirty="0">
-                <a:solidFill>
-                  <a:srgbClr val="FF0000"/>
-                </a:solidFill>
-                <a:latin typeface="Times New Roman" panose="02020603050405020304" pitchFamily="18" charset="0"/>
-                <a:cs typeface="Times New Roman" panose="02020603050405020304" pitchFamily="18" charset="0"/>
-              </a:rPr>
-              <a:t> Nomeada</a:t>
-            </a:r>
-          </a:p>
-          <a:p>
-            <a:pPr marL="0" indent="0" algn="just">
-              <a:buNone/>
-            </a:pPr>
-            <a:r>
-              <a:rPr lang="pt-BR" b="1" dirty="0">
-                <a:latin typeface="Times New Roman" panose="02020603050405020304" pitchFamily="18" charset="0"/>
-                <a:cs typeface="Times New Roman" panose="02020603050405020304" pitchFamily="18" charset="0"/>
-              </a:rPr>
-              <a:t>Similar a </a:t>
-            </a:r>
-            <a:r>
-              <a:rPr lang="pt-BR" b="1" dirty="0" err="1">
-                <a:latin typeface="Times New Roman" panose="02020603050405020304" pitchFamily="18" charset="0"/>
-                <a:cs typeface="Times New Roman" panose="02020603050405020304" pitchFamily="18" charset="0"/>
-              </a:rPr>
-              <a:t>struct</a:t>
-            </a:r>
-            <a:r>
-              <a:rPr lang="pt-BR" b="1" dirty="0">
-                <a:latin typeface="Times New Roman" panose="02020603050405020304" pitchFamily="18" charset="0"/>
-                <a:cs typeface="Times New Roman" panose="02020603050405020304" pitchFamily="18" charset="0"/>
-              </a:rPr>
-              <a:t> em C. </a:t>
-            </a:r>
-            <a:r>
-              <a:rPr lang="pt-BR" b="1" dirty="0">
-                <a:solidFill>
-                  <a:srgbClr val="FF0000"/>
-                </a:solidFill>
-                <a:latin typeface="Times New Roman" panose="02020603050405020304" pitchFamily="18" charset="0"/>
-                <a:cs typeface="Times New Roman" panose="02020603050405020304" pitchFamily="18" charset="0"/>
-              </a:rPr>
-              <a:t>Os campos, porém, são imutáveis.</a:t>
-            </a:r>
-          </a:p>
-          <a:p>
-            <a:pPr marL="619125" lvl="1" indent="0" algn="just">
-              <a:buNone/>
-            </a:pPr>
-            <a:r>
-              <a:rPr lang="pt-BR" sz="2400" dirty="0" err="1">
-                <a:latin typeface="Times New Roman" panose="02020603050405020304" pitchFamily="18" charset="0"/>
-                <a:cs typeface="Times New Roman" panose="02020603050405020304" pitchFamily="18" charset="0"/>
-              </a:rPr>
-              <a:t>from</a:t>
-            </a:r>
-            <a:r>
-              <a:rPr lang="pt-BR" sz="2400" dirty="0">
-                <a:latin typeface="Times New Roman" panose="02020603050405020304" pitchFamily="18" charset="0"/>
-                <a:cs typeface="Times New Roman" panose="02020603050405020304" pitchFamily="18" charset="0"/>
-              </a:rPr>
-              <a:t> </a:t>
-            </a:r>
-            <a:r>
-              <a:rPr lang="pt-BR" sz="2400" dirty="0" err="1">
-                <a:latin typeface="Times New Roman" panose="02020603050405020304" pitchFamily="18" charset="0"/>
-                <a:cs typeface="Times New Roman" panose="02020603050405020304" pitchFamily="18" charset="0"/>
-              </a:rPr>
-              <a:t>collections</a:t>
-            </a:r>
-            <a:r>
-              <a:rPr lang="pt-BR" sz="2400" dirty="0">
-                <a:latin typeface="Times New Roman" panose="02020603050405020304" pitchFamily="18" charset="0"/>
-                <a:cs typeface="Times New Roman" panose="02020603050405020304" pitchFamily="18" charset="0"/>
-              </a:rPr>
-              <a:t> </a:t>
-            </a:r>
-            <a:r>
-              <a:rPr lang="pt-BR" sz="2400" dirty="0" err="1">
-                <a:latin typeface="Times New Roman" panose="02020603050405020304" pitchFamily="18" charset="0"/>
-                <a:cs typeface="Times New Roman" panose="02020603050405020304" pitchFamily="18" charset="0"/>
-              </a:rPr>
-              <a:t>import</a:t>
-            </a:r>
-            <a:r>
-              <a:rPr lang="pt-BR" sz="2400" dirty="0">
-                <a:latin typeface="Times New Roman" panose="02020603050405020304" pitchFamily="18" charset="0"/>
-                <a:cs typeface="Times New Roman" panose="02020603050405020304" pitchFamily="18" charset="0"/>
-              </a:rPr>
-              <a:t> </a:t>
-            </a:r>
-            <a:r>
-              <a:rPr lang="pt-BR" sz="2400" dirty="0" err="1">
-                <a:latin typeface="Times New Roman" panose="02020603050405020304" pitchFamily="18" charset="0"/>
-                <a:cs typeface="Times New Roman" panose="02020603050405020304" pitchFamily="18" charset="0"/>
-              </a:rPr>
-              <a:t>namedtuple</a:t>
-            </a:r>
-            <a:endParaRPr lang="pt-BR" sz="2400" dirty="0">
-              <a:latin typeface="Times New Roman" panose="02020603050405020304" pitchFamily="18" charset="0"/>
-              <a:cs typeface="Times New Roman" panose="02020603050405020304" pitchFamily="18" charset="0"/>
-            </a:endParaRPr>
-          </a:p>
-          <a:p>
-            <a:pPr marL="619125" lvl="1" indent="0" algn="just">
-              <a:buNone/>
-            </a:pPr>
-            <a:r>
-              <a:rPr lang="pt-BR" sz="2400" dirty="0">
-                <a:latin typeface="Times New Roman" panose="02020603050405020304" pitchFamily="18" charset="0"/>
-                <a:cs typeface="Times New Roman" panose="02020603050405020304" pitchFamily="18" charset="0"/>
-              </a:rPr>
-              <a:t>Cliente = </a:t>
-            </a:r>
-            <a:r>
-              <a:rPr lang="pt-BR" sz="2400" dirty="0" err="1">
-                <a:latin typeface="Times New Roman" panose="02020603050405020304" pitchFamily="18" charset="0"/>
-                <a:cs typeface="Times New Roman" panose="02020603050405020304" pitchFamily="18" charset="0"/>
-              </a:rPr>
-              <a:t>namedtuple</a:t>
-            </a:r>
-            <a:r>
-              <a:rPr lang="pt-BR" sz="2400" dirty="0">
-                <a:latin typeface="Times New Roman" panose="02020603050405020304" pitchFamily="18" charset="0"/>
-                <a:cs typeface="Times New Roman" panose="02020603050405020304" pitchFamily="18" charset="0"/>
-              </a:rPr>
-              <a:t>(‘Cliente’, ‘nome </a:t>
-            </a:r>
-            <a:r>
-              <a:rPr lang="pt-BR" sz="2400" dirty="0" err="1">
-                <a:latin typeface="Times New Roman" panose="02020603050405020304" pitchFamily="18" charset="0"/>
-                <a:cs typeface="Times New Roman" panose="02020603050405020304" pitchFamily="18" charset="0"/>
-              </a:rPr>
-              <a:t>cpf</a:t>
-            </a:r>
-            <a:r>
-              <a:rPr lang="pt-BR" sz="2400" dirty="0">
-                <a:latin typeface="Times New Roman" panose="02020603050405020304" pitchFamily="18" charset="0"/>
-                <a:cs typeface="Times New Roman" panose="02020603050405020304" pitchFamily="18" charset="0"/>
-              </a:rPr>
-              <a:t> limite compras’)</a:t>
-            </a:r>
-          </a:p>
-          <a:p>
-            <a:pPr marL="619125" lvl="1" indent="0" algn="just">
-              <a:buNone/>
-            </a:pPr>
-            <a:r>
-              <a:rPr lang="pt-BR" sz="2400" dirty="0" err="1">
-                <a:latin typeface="Times New Roman" panose="02020603050405020304" pitchFamily="18" charset="0"/>
-                <a:cs typeface="Times New Roman" panose="02020603050405020304" pitchFamily="18" charset="0"/>
-              </a:rPr>
-              <a:t>umCliente</a:t>
-            </a:r>
-            <a:r>
-              <a:rPr lang="pt-BR" sz="2400" dirty="0">
-                <a:latin typeface="Times New Roman" panose="02020603050405020304" pitchFamily="18" charset="0"/>
-                <a:cs typeface="Times New Roman" panose="02020603050405020304" pitchFamily="18" charset="0"/>
-              </a:rPr>
-              <a:t> = Cliente(‘Fulano’, ‘01234567890’, 5000.00, 300.00)</a:t>
-            </a:r>
-          </a:p>
-          <a:p>
-            <a:pPr marL="619125" lvl="1" indent="0" algn="just">
-              <a:buNone/>
-            </a:pPr>
-            <a:r>
-              <a:rPr lang="pt-BR" sz="2400" dirty="0">
-                <a:latin typeface="Times New Roman" panose="02020603050405020304" pitchFamily="18" charset="0"/>
-                <a:cs typeface="Times New Roman" panose="02020603050405020304" pitchFamily="18" charset="0"/>
-              </a:rPr>
-              <a:t>print (</a:t>
-            </a:r>
-            <a:r>
-              <a:rPr lang="pt-BR" sz="2400" dirty="0" err="1">
-                <a:latin typeface="Times New Roman" panose="02020603050405020304" pitchFamily="18" charset="0"/>
-                <a:cs typeface="Times New Roman" panose="02020603050405020304" pitchFamily="18" charset="0"/>
-              </a:rPr>
-              <a:t>umCliente</a:t>
-            </a:r>
-            <a:r>
-              <a:rPr lang="pt-BR" sz="2400" dirty="0">
-                <a:latin typeface="Times New Roman" panose="02020603050405020304" pitchFamily="18" charset="0"/>
-                <a:cs typeface="Times New Roman" panose="02020603050405020304" pitchFamily="18" charset="0"/>
-              </a:rPr>
-              <a:t>)</a:t>
-            </a:r>
-          </a:p>
-          <a:p>
-            <a:pPr marL="619125" lvl="1" indent="0" algn="just">
-              <a:buNone/>
-            </a:pPr>
-            <a:r>
-              <a:rPr lang="pt-BR" sz="2400" dirty="0">
-                <a:latin typeface="Times New Roman" panose="02020603050405020304" pitchFamily="18" charset="0"/>
-                <a:cs typeface="Times New Roman" panose="02020603050405020304" pitchFamily="18" charset="0"/>
-              </a:rPr>
-              <a:t>print(</a:t>
-            </a:r>
-            <a:r>
-              <a:rPr lang="pt-BR" sz="2400" dirty="0" err="1">
-                <a:latin typeface="Times New Roman" panose="02020603050405020304" pitchFamily="18" charset="0"/>
-                <a:cs typeface="Times New Roman" panose="02020603050405020304" pitchFamily="18" charset="0"/>
-              </a:rPr>
-              <a:t>umCliente.cpf</a:t>
-            </a:r>
-            <a:r>
-              <a:rPr lang="pt-BR" sz="2400" dirty="0">
-                <a:latin typeface="Times New Roman" panose="02020603050405020304" pitchFamily="18" charset="0"/>
-                <a:cs typeface="Times New Roman" panose="02020603050405020304" pitchFamily="18" charset="0"/>
-              </a:rPr>
-              <a:t>)</a:t>
+                <a:latin typeface="Times New Roman" panose="02020603050405020304" pitchFamily="18" charset="0"/>
+                <a:cs typeface="Times New Roman" panose="02020603050405020304" pitchFamily="18" charset="0"/>
+              </a:rPr>
+              <a:t>print</a:t>
+            </a:r>
+            <a:r>
+              <a:rPr lang="pt-BR" dirty="0">
+                <a:latin typeface="Times New Roman" panose="02020603050405020304" pitchFamily="18" charset="0"/>
+                <a:cs typeface="Times New Roman" panose="02020603050405020304" pitchFamily="18" charset="0"/>
+              </a:rPr>
+              <a:t> (cliente)</a:t>
             </a:r>
           </a:p>
           <a:p>
@@ -10161,12 +10332,70 @@
               <a:cs typeface="Times New Roman" panose="02020603050405020304" pitchFamily="18" charset="0"/>
             </a:endParaRPr>
           </a:p>
+          <a:p>
+            <a:pPr marL="0" indent="0" algn="just">
+              <a:buNone/>
+            </a:pPr>
+            <a:r>
+              <a:rPr lang="pt-BR" b="1" dirty="0">
+                <a:latin typeface="Times New Roman" panose="02020603050405020304" pitchFamily="18" charset="0"/>
+                <a:cs typeface="Times New Roman" panose="02020603050405020304" pitchFamily="18" charset="0"/>
+              </a:rPr>
+              <a:t>Nota</a:t>
+            </a:r>
+            <a:r>
+              <a:rPr lang="pt-BR" dirty="0">
+                <a:latin typeface="Times New Roman" panose="02020603050405020304" pitchFamily="18" charset="0"/>
+                <a:cs typeface="Times New Roman" panose="02020603050405020304" pitchFamily="18" charset="0"/>
+              </a:rPr>
+              <a:t>: O acesso é como em </a:t>
+            </a:r>
+            <a:r>
+              <a:rPr lang="pt-BR" b="1" dirty="0">
+                <a:solidFill>
+                  <a:srgbClr val="FF0000"/>
+                </a:solidFill>
+                <a:latin typeface="Times New Roman" panose="02020603050405020304" pitchFamily="18" charset="0"/>
+                <a:cs typeface="Times New Roman" panose="02020603050405020304" pitchFamily="18" charset="0"/>
+              </a:rPr>
+              <a:t>lista (: e ::)</a:t>
+            </a:r>
+          </a:p>
+          <a:p>
+            <a:pPr marL="0" indent="0" algn="just">
+              <a:buNone/>
+            </a:pPr>
+            <a:r>
+              <a:rPr lang="pt-BR" dirty="0">
+                <a:latin typeface="Times New Roman" panose="02020603050405020304" pitchFamily="18" charset="0"/>
+                <a:cs typeface="Times New Roman" panose="02020603050405020304" pitchFamily="18" charset="0"/>
+              </a:rPr>
+              <a:t>	   </a:t>
+            </a:r>
+            <a:r>
+              <a:rPr lang="pt-BR" b="1" dirty="0" err="1">
+                <a:solidFill>
+                  <a:srgbClr val="FF0000"/>
+                </a:solidFill>
+                <a:latin typeface="Times New Roman" panose="02020603050405020304" pitchFamily="18" charset="0"/>
+                <a:cs typeface="Times New Roman" panose="02020603050405020304" pitchFamily="18" charset="0"/>
+              </a:rPr>
+              <a:t>Tupla</a:t>
+            </a:r>
+            <a:r>
+              <a:rPr lang="pt-BR" dirty="0">
+                <a:latin typeface="Times New Roman" panose="02020603050405020304" pitchFamily="18" charset="0"/>
+                <a:cs typeface="Times New Roman" panose="02020603050405020304" pitchFamily="18" charset="0"/>
+              </a:rPr>
+              <a:t>, não podemos mudar um elemento!</a:t>
+            </a:r>
+          </a:p>
         </p:txBody>
       </p:sp>
     </p:spTree>
     <p:extLst>
       <p:ext uri="{BB962C8B-B14F-4D97-AF65-F5344CB8AC3E}">
-        <p14:creationId xmlns:p14="http://schemas.microsoft.com/office/powerpoint/2010/main" val="3590522157"/>
+        <p14:creationId xmlns:p14="http://schemas.microsoft.com/office/powerpoint/2010/main" val="3895288765"/>
       </p:ext>
     </p:extLst>
   </p:cSld>
@@ -10759,8 +10988,21 @@
                   <a:srgbClr val="0070C0"/>
                 </a:solidFill>
               </a:rPr>
-              <a:t> SETs</a:t>
-            </a:r>
+              <a:t> </a:t>
+            </a:r>
+            <a:r>
+              <a:rPr lang="en-US" b="1" dirty="0" err="1">
+                <a:solidFill>
+                  <a:srgbClr val="0070C0"/>
+                </a:solidFill>
+              </a:rPr>
+              <a:t>Tuplas</a:t>
+            </a:r>
+            <a:endParaRPr lang="en-US" b="1" dirty="0">
+              <a:solidFill>
+                <a:srgbClr val="0070C0"/>
+              </a:solidFill>
+            </a:endParaRPr>
           </a:p>
         </p:txBody>
       </p:sp>
@@ -10786,6 +11028,64 @@
           </a:bodyPr>
           <a:lstStyle/>
           <a:p>
+            <a:pPr marL="0" indent="0" algn="just">
+              <a:buNone/>
+            </a:pPr>
+            <a:r>
+              <a:rPr lang="pt-BR" dirty="0">
+                <a:latin typeface="Times New Roman" panose="02020603050405020304" pitchFamily="18" charset="0"/>
+                <a:cs typeface="Times New Roman" panose="02020603050405020304" pitchFamily="18" charset="0"/>
+              </a:rPr>
+              <a:t>cliente[1] = "1234“ # </a:t>
+            </a:r>
+            <a:r>
+              <a:rPr lang="pt-BR" b="1" dirty="0" err="1">
+                <a:solidFill>
+                  <a:srgbClr val="FF0000"/>
+                </a:solidFill>
+                <a:latin typeface="Times New Roman" panose="02020603050405020304" pitchFamily="18" charset="0"/>
+                <a:cs typeface="Times New Roman" panose="02020603050405020304" pitchFamily="18" charset="0"/>
+              </a:rPr>
+              <a:t>Tupla</a:t>
+            </a:r>
+            <a:r>
+              <a:rPr lang="pt-BR" b="1" dirty="0">
+                <a:solidFill>
+                  <a:srgbClr val="FF0000"/>
+                </a:solidFill>
+                <a:latin typeface="Times New Roman" panose="02020603050405020304" pitchFamily="18" charset="0"/>
+                <a:cs typeface="Times New Roman" panose="02020603050405020304" pitchFamily="18" charset="0"/>
+              </a:rPr>
+              <a:t>, </a:t>
+            </a:r>
+            <a:r>
+              <a:rPr lang="pt-BR" b="1" dirty="0" err="1">
+                <a:solidFill>
+                  <a:srgbClr val="FF0000"/>
+                </a:solidFill>
+                <a:latin typeface="Times New Roman" panose="02020603050405020304" pitchFamily="18" charset="0"/>
+                <a:cs typeface="Times New Roman" panose="02020603050405020304" pitchFamily="18" charset="0"/>
+              </a:rPr>
+              <a:t>error</a:t>
+            </a:r>
+            <a:r>
+              <a:rPr lang="pt-BR" dirty="0">
+                <a:latin typeface="Times New Roman" panose="02020603050405020304" pitchFamily="18" charset="0"/>
+                <a:cs typeface="Times New Roman" panose="02020603050405020304" pitchFamily="18" charset="0"/>
+              </a:rPr>
+              <a:t>, não pode alterar.</a:t>
+            </a:r>
+          </a:p>
+          <a:p>
+            <a:pPr marL="0" indent="0" algn="just">
+              <a:buNone/>
+            </a:pPr>
+            <a:endParaRPr lang="pt-BR" dirty="0">
+              <a:latin typeface="Times New Roman" panose="02020603050405020304" pitchFamily="18" charset="0"/>
+              <a:cs typeface="Times New Roman" panose="02020603050405020304" pitchFamily="18" charset="0"/>
+            </a:endParaRPr>
+          </a:p>
+          <a:p>
             <a:pPr algn="just">
               <a:buFont typeface="Wingdings" panose="05000000000000000000" pitchFamily="2" charset="2"/>
               <a:buChar char="§"/>
@@ -10798,64 +11098,50 @@
                 <a:latin typeface="Times New Roman" panose="02020603050405020304" pitchFamily="18" charset="0"/>
                 <a:cs typeface="Times New Roman" panose="02020603050405020304" pitchFamily="18" charset="0"/>
               </a:rPr>
-              <a:t>Conjunto</a:t>
-            </a:r>
-            <a:r>
-              <a:rPr lang="pt-BR" sz="2000" b="1" dirty="0">
+              <a:t>Apagando uma </a:t>
+            </a:r>
+            <a:r>
+              <a:rPr lang="pt-BR" b="1" dirty="0" err="1">
                 <a:solidFill>
                   <a:srgbClr val="FF0000"/>
                 </a:solidFill>
                 <a:latin typeface="Times New Roman" panose="02020603050405020304" pitchFamily="18" charset="0"/>
                 <a:cs typeface="Times New Roman" panose="02020603050405020304" pitchFamily="18" charset="0"/>
               </a:rPr>
-              <a:t> - </a:t>
+              <a:t>Tupla</a:t>
             </a:r>
             <a:r>
               <a:rPr lang="pt-BR" b="1" dirty="0">
-                <a:latin typeface="Times New Roman" panose="02020603050405020304" pitchFamily="18" charset="0"/>
-                <a:cs typeface="Times New Roman" panose="02020603050405020304" pitchFamily="18" charset="0"/>
-              </a:rPr>
-              <a:t>Sets</a:t>
-            </a:r>
-            <a:r>
-              <a:rPr lang="pt-BR" sz="2000" dirty="0">
-                <a:latin typeface="Times New Roman" panose="02020603050405020304" pitchFamily="18" charset="0"/>
-                <a:cs typeface="Times New Roman" panose="02020603050405020304" pitchFamily="18" charset="0"/>
-              </a:rPr>
-              <a:t> </a:t>
-            </a:r>
-          </a:p>
-          <a:p>
-            <a:pPr marL="0" indent="0" algn="just">
-              <a:buNone/>
-            </a:pPr>
-            <a:r>
-              <a:rPr lang="pt-BR" sz="2000" dirty="0">
-                <a:latin typeface="Times New Roman" panose="02020603050405020304" pitchFamily="18" charset="0"/>
-                <a:cs typeface="Times New Roman" panose="02020603050405020304" pitchFamily="18" charset="0"/>
-              </a:rPr>
-              <a:t>são estruturas disponíveis como </a:t>
-            </a:r>
-            <a:r>
-              <a:rPr lang="pt-BR" sz="2000" b="1" i="1" dirty="0" err="1">
-                <a:latin typeface="Times New Roman" panose="02020603050405020304" pitchFamily="18" charset="0"/>
-                <a:cs typeface="Times New Roman" panose="02020603050405020304" pitchFamily="18" charset="0"/>
-              </a:rPr>
-              <a:t>builtins</a:t>
-            </a:r>
-            <a:r>
-              <a:rPr lang="pt-BR" sz="2000" dirty="0">
-                <a:latin typeface="Times New Roman" panose="02020603050405020304" pitchFamily="18" charset="0"/>
-                <a:cs typeface="Times New Roman" panose="02020603050405020304" pitchFamily="18" charset="0"/>
-              </a:rPr>
-              <a:t> do Python, utilizadas para representar coleções desordenadas de elementos únicos.</a:t>
-            </a:r>
-          </a:p>
-          <a:p>
-            <a:pPr marL="0" indent="0" algn="just">
-              <a:buNone/>
-            </a:pPr>
-            <a:endParaRPr lang="pt-BR" sz="2000" dirty="0">
+                <a:solidFill>
+                  <a:srgbClr val="FF0000"/>
+                </a:solidFill>
+                <a:latin typeface="Times New Roman" panose="02020603050405020304" pitchFamily="18" charset="0"/>
+                <a:cs typeface="Times New Roman" panose="02020603050405020304" pitchFamily="18" charset="0"/>
+              </a:rPr>
+              <a:t>: </a:t>
+            </a:r>
+            <a:r>
+              <a:rPr lang="pt-BR" b="1" dirty="0" err="1">
+                <a:latin typeface="Times New Roman" panose="02020603050405020304" pitchFamily="18" charset="0"/>
+                <a:cs typeface="Times New Roman" panose="02020603050405020304" pitchFamily="18" charset="0"/>
+              </a:rPr>
+              <a:t>del</a:t>
+            </a:r>
+            <a:r>
+              <a:rPr lang="pt-BR" dirty="0">
+                <a:latin typeface="Times New Roman" panose="02020603050405020304" pitchFamily="18" charset="0"/>
+                <a:cs typeface="Times New Roman" panose="02020603050405020304" pitchFamily="18" charset="0"/>
+              </a:rPr>
+              <a:t> nome da </a:t>
+            </a:r>
+            <a:r>
+              <a:rPr lang="pt-BR" dirty="0" err="1">
+                <a:latin typeface="Times New Roman" panose="02020603050405020304" pitchFamily="18" charset="0"/>
+                <a:cs typeface="Times New Roman" panose="02020603050405020304" pitchFamily="18" charset="0"/>
+              </a:rPr>
+              <a:t>Tupla</a:t>
+            </a:r>
+            <a:endParaRPr lang="pt-BR" dirty="0">
               <a:latin typeface="Times New Roman" panose="02020603050405020304" pitchFamily="18" charset="0"/>
               <a:cs typeface="Times New Roman" panose="02020603050405020304" pitchFamily="18" charset="0"/>
             </a:endParaRPr>
@@ -10865,166 +11151,40 @@
               <a:buNone/>
             </a:pPr>
             <a:r>
-              <a:rPr lang="pt-BR" sz="2000" dirty="0">
-                <a:latin typeface="Times New Roman" panose="02020603050405020304" pitchFamily="18" charset="0"/>
-                <a:cs typeface="Times New Roman" panose="02020603050405020304" pitchFamily="18" charset="0"/>
-              </a:rPr>
-              <a:t>Os elementos não são armazenados em uma ordem específica e confiável; </a:t>
-            </a:r>
-            <a:r>
-              <a:rPr lang="pt-BR" sz="2000" b="1" dirty="0">
-                <a:latin typeface="Times New Roman" panose="02020603050405020304" pitchFamily="18" charset="0"/>
-                <a:cs typeface="Times New Roman" panose="02020603050405020304" pitchFamily="18" charset="0"/>
-              </a:rPr>
-              <a:t>Conjuntos não contém elementos repetidos</a:t>
-            </a:r>
-            <a:r>
-              <a:rPr lang="pt-BR" sz="2000" dirty="0">
-                <a:latin typeface="Times New Roman" panose="02020603050405020304" pitchFamily="18" charset="0"/>
-                <a:cs typeface="Times New Roman" panose="02020603050405020304" pitchFamily="18" charset="0"/>
-              </a:rPr>
-              <a:t>.</a:t>
-            </a:r>
-          </a:p>
-          <a:p>
-            <a:pPr marL="0" indent="0" algn="just">
-              <a:buNone/>
-            </a:pPr>
-            <a:r>
-              <a:rPr lang="da-DK" sz="2000" b="1" dirty="0">
-                <a:latin typeface="Times New Roman" panose="02020603050405020304" pitchFamily="18" charset="0"/>
-                <a:cs typeface="Times New Roman" panose="02020603050405020304" pitchFamily="18" charset="0"/>
-              </a:rPr>
-              <a:t>set</a:t>
-            </a:r>
-            <a:r>
-              <a:rPr lang="da-DK" sz="2000" dirty="0">
-                <a:latin typeface="Times New Roman" panose="02020603050405020304" pitchFamily="18" charset="0"/>
-                <a:cs typeface="Times New Roman" panose="02020603050405020304" pitchFamily="18" charset="0"/>
-              </a:rPr>
-              <a:t>([1, 2, 3, 4])</a:t>
-            </a:r>
-            <a:r>
-              <a:rPr lang="pt-BR" sz="2000" dirty="0">
-                <a:latin typeface="Times New Roman" panose="02020603050405020304" pitchFamily="18" charset="0"/>
-                <a:cs typeface="Times New Roman" panose="02020603050405020304" pitchFamily="18" charset="0"/>
-              </a:rPr>
-              <a:t> ou </a:t>
-            </a:r>
-            <a:r>
-              <a:rPr lang="pt-BR" sz="2000" b="1" dirty="0">
-                <a:latin typeface="Times New Roman" panose="02020603050405020304" pitchFamily="18" charset="0"/>
-                <a:cs typeface="Times New Roman" panose="02020603050405020304" pitchFamily="18" charset="0"/>
-              </a:rPr>
-              <a:t>s</a:t>
-            </a:r>
-            <a:r>
-              <a:rPr lang="pt-BR" sz="2000" dirty="0">
-                <a:latin typeface="Times New Roman" panose="02020603050405020304" pitchFamily="18" charset="0"/>
-                <a:cs typeface="Times New Roman" panose="02020603050405020304" pitchFamily="18" charset="0"/>
-              </a:rPr>
-              <a:t> </a:t>
-            </a:r>
-            <a:r>
-              <a:rPr lang="da-DK" sz="2000" dirty="0">
-                <a:latin typeface="Times New Roman" panose="02020603050405020304" pitchFamily="18" charset="0"/>
-                <a:cs typeface="Times New Roman" panose="02020603050405020304" pitchFamily="18" charset="0"/>
-              </a:rPr>
-              <a:t>= {1, 2, 3, 4}; </a:t>
-            </a:r>
-          </a:p>
-          <a:p>
-            <a:pPr marL="0" indent="0" algn="just">
-              <a:buNone/>
-            </a:pPr>
-            <a:r>
-              <a:rPr lang="da-DK" sz="2000" dirty="0">
-                <a:latin typeface="Times New Roman" panose="02020603050405020304" pitchFamily="18" charset="0"/>
-                <a:cs typeface="Times New Roman" panose="02020603050405020304" pitchFamily="18" charset="0"/>
-              </a:rPr>
-              <a:t>Ex.: </a:t>
-            </a:r>
-            <a:r>
-              <a:rPr lang="pt-BR" sz="2000" dirty="0">
-                <a:latin typeface="Times New Roman" panose="02020603050405020304" pitchFamily="18" charset="0"/>
-                <a:cs typeface="Times New Roman" panose="02020603050405020304" pitchFamily="18" charset="0"/>
-              </a:rPr>
-              <a:t>a</a:t>
-            </a:r>
-            <a:r>
-              <a:rPr lang="da-DK" sz="2000" dirty="0">
-                <a:latin typeface="Times New Roman" panose="02020603050405020304" pitchFamily="18" charset="0"/>
-                <a:cs typeface="Times New Roman" panose="02020603050405020304" pitchFamily="18" charset="0"/>
-              </a:rPr>
-              <a:t>={1, 2, 3, 4};  e </a:t>
-            </a:r>
-            <a:r>
-              <a:rPr lang="pt-BR" sz="2000" dirty="0">
-                <a:latin typeface="Times New Roman" panose="02020603050405020304" pitchFamily="18" charset="0"/>
-                <a:cs typeface="Times New Roman" panose="02020603050405020304" pitchFamily="18" charset="0"/>
-              </a:rPr>
-              <a:t>b</a:t>
-            </a:r>
-            <a:r>
-              <a:rPr lang="da-DK" sz="2000" dirty="0">
-                <a:latin typeface="Times New Roman" panose="02020603050405020304" pitchFamily="18" charset="0"/>
-                <a:cs typeface="Times New Roman" panose="02020603050405020304" pitchFamily="18" charset="0"/>
-              </a:rPr>
-              <a:t>={1, 5, 3, 7}; a.</a:t>
-            </a:r>
-            <a:r>
-              <a:rPr lang="da-DK" sz="2000" b="1" dirty="0">
-                <a:latin typeface="Times New Roman" panose="02020603050405020304" pitchFamily="18" charset="0"/>
-                <a:cs typeface="Times New Roman" panose="02020603050405020304" pitchFamily="18" charset="0"/>
-              </a:rPr>
-              <a:t>union</a:t>
-            </a:r>
-            <a:r>
-              <a:rPr lang="da-DK" sz="2000" dirty="0">
-                <a:latin typeface="Times New Roman" panose="02020603050405020304" pitchFamily="18" charset="0"/>
-                <a:cs typeface="Times New Roman" panose="02020603050405020304" pitchFamily="18" charset="0"/>
-              </a:rPr>
-              <a:t>(b); a. </a:t>
-            </a:r>
-            <a:r>
-              <a:rPr lang="da-DK" sz="2000" b="1" dirty="0">
-                <a:latin typeface="Times New Roman" panose="02020603050405020304" pitchFamily="18" charset="0"/>
-                <a:cs typeface="Times New Roman" panose="02020603050405020304" pitchFamily="18" charset="0"/>
-              </a:rPr>
-              <a:t>intersection</a:t>
-            </a:r>
-            <a:r>
-              <a:rPr lang="da-DK" sz="2000" dirty="0">
-                <a:latin typeface="Times New Roman" panose="02020603050405020304" pitchFamily="18" charset="0"/>
-                <a:cs typeface="Times New Roman" panose="02020603050405020304" pitchFamily="18" charset="0"/>
-              </a:rPr>
-              <a:t>(b); a. </a:t>
-            </a:r>
-            <a:r>
-              <a:rPr lang="da-DK" sz="2000" b="1" dirty="0">
-                <a:latin typeface="Times New Roman" panose="02020603050405020304" pitchFamily="18" charset="0"/>
-                <a:cs typeface="Times New Roman" panose="02020603050405020304" pitchFamily="18" charset="0"/>
-              </a:rPr>
-              <a:t>difference</a:t>
-            </a:r>
-            <a:r>
-              <a:rPr lang="da-DK" sz="2000" dirty="0">
-                <a:latin typeface="Times New Roman" panose="02020603050405020304" pitchFamily="18" charset="0"/>
-                <a:cs typeface="Times New Roman" panose="02020603050405020304" pitchFamily="18" charset="0"/>
-              </a:rPr>
-              <a:t>(b)</a:t>
-            </a:r>
-            <a:endParaRPr lang="pt-BR" sz="2000" dirty="0">
-              <a:latin typeface="Times New Roman" panose="02020603050405020304" pitchFamily="18" charset="0"/>
-              <a:cs typeface="Times New Roman" panose="02020603050405020304" pitchFamily="18" charset="0"/>
-            </a:endParaRPr>
+              <a:rPr lang="pt-BR" b="1" dirty="0">
+                <a:latin typeface="Times New Roman" panose="02020603050405020304" pitchFamily="18" charset="0"/>
+                <a:cs typeface="Times New Roman" panose="02020603050405020304" pitchFamily="18" charset="0"/>
+              </a:rPr>
+              <a:t>	Exemplo</a:t>
+            </a:r>
+            <a:r>
+              <a:rPr lang="pt-BR" dirty="0">
+                <a:latin typeface="Times New Roman" panose="02020603050405020304" pitchFamily="18" charset="0"/>
+                <a:cs typeface="Times New Roman" panose="02020603050405020304" pitchFamily="18" charset="0"/>
+              </a:rPr>
+              <a:t>: </a:t>
+            </a:r>
+            <a:r>
+              <a:rPr lang="pt-BR" b="1" dirty="0" err="1">
+                <a:latin typeface="Times New Roman" panose="02020603050405020304" pitchFamily="18" charset="0"/>
+                <a:cs typeface="Times New Roman" panose="02020603050405020304" pitchFamily="18" charset="0"/>
+              </a:rPr>
+              <a:t>del</a:t>
+            </a:r>
+            <a:r>
+              <a:rPr lang="pt-BR" dirty="0">
+                <a:latin typeface="Times New Roman" panose="02020603050405020304" pitchFamily="18" charset="0"/>
+                <a:cs typeface="Times New Roman" panose="02020603050405020304" pitchFamily="18" charset="0"/>
+              </a:rPr>
+              <a:t> cliente</a:t>
+            </a:r>
           </a:p>
         </p:txBody>
       </p:sp>
     </p:spTree>
     <p:extLst>
       <p:ext uri="{BB962C8B-B14F-4D97-AF65-F5344CB8AC3E}">
-        <p14:creationId xmlns:p14="http://schemas.microsoft.com/office/powerpoint/2010/main" val="1679403773"/>
+        <p14:creationId xmlns:p14="http://schemas.microsoft.com/office/powerpoint/2010/main" val="1018798093"/>
       </p:ext>
     </p:extLst>
   </p:cSld>
@@ -11070,12 +11230,20 @@
           <a:lstStyle/>
           <a:p>
             <a:r>
+              <a:rPr lang="en-US" b="1" dirty="0">
+                <a:solidFill>
+                  <a:srgbClr val="0070C0"/>
+                </a:solidFill>
+              </a:rPr>
+              <a:t>Python – </a:t>
+            </a:r>
+            <a:r>
               <a:rPr lang="en-US" b="1" dirty="0" err="1">
                 <a:solidFill>
                   <a:srgbClr val="0070C0"/>
                 </a:solidFill>
               </a:rPr>
-              <a:t>Leitura</a:t>
+              <a:t>TDados</a:t>
             </a:r>
             <a:r>
               <a:rPr lang="en-US" b="1" dirty="0">
@@ -11091,7 +11259,23 @@
                   <a:srgbClr val="0070C0"/>
                 </a:solidFill>
               </a:rPr>
-              <a:t>Específica</a:t>
+              <a:t>Aglomerados</a:t>
+            </a:r>
+            <a:r>
+              <a:rPr lang="en-US" b="1" dirty="0">
+                <a:solidFill>
+                  <a:srgbClr val="0070C0"/>
+                </a:solidFill>
+              </a:rPr>
+              <a:t> </a:t>
+            </a:r>
+            <a:r>
+              <a:rPr lang="en-US" b="1" dirty="0" err="1">
+                <a:solidFill>
+                  <a:srgbClr val="0070C0"/>
+                </a:solidFill>
+              </a:rPr>
+              <a:t>Tuplas</a:t>
             </a:r>
             <a:endParaRPr lang="en-US" b="1" dirty="0">
               <a:solidFill>
@@ -11113,8 +11297,8 @@
         </p:nvSpPr>
         <p:spPr>
           <a:xfrm>
-            <a:off x="142865" y="1200151"/>
-            <a:ext cx="8865056" cy="3394472"/>
+            <a:off x="142865" y="1200150"/>
+            <a:ext cx="8865056" cy="3737370"/>
           </a:xfrm>
         </p:spPr>
         <p:txBody>
@@ -11123,6 +11307,237 @@
           </a:bodyPr>
           <a:lstStyle/>
           <a:p>
+            <a:pPr algn="just">
+              <a:buFont typeface="Wingdings" panose="05000000000000000000" pitchFamily="2" charset="2"/>
+              <a:buChar char="§"/>
+            </a:pPr>
+            <a:r>
+              <a:rPr lang="pt-BR" b="1" dirty="0" err="1">
+                <a:solidFill>
+                  <a:srgbClr val="FF0000"/>
+                </a:solidFill>
+                <a:latin typeface="Times New Roman" panose="02020603050405020304" pitchFamily="18" charset="0"/>
+                <a:cs typeface="Times New Roman" panose="02020603050405020304" pitchFamily="18" charset="0"/>
+              </a:rPr>
+              <a:t>Tupla</a:t>
+            </a:r>
+            <a:r>
+              <a:rPr lang="pt-BR" b="1" dirty="0">
+                <a:solidFill>
+                  <a:srgbClr val="FF0000"/>
+                </a:solidFill>
+                <a:latin typeface="Times New Roman" panose="02020603050405020304" pitchFamily="18" charset="0"/>
+                <a:cs typeface="Times New Roman" panose="02020603050405020304" pitchFamily="18" charset="0"/>
+              </a:rPr>
+              <a:t> Nomeada</a:t>
+            </a:r>
+          </a:p>
+          <a:p>
+            <a:pPr marL="0" indent="0" algn="just">
+              <a:buNone/>
+            </a:pPr>
+            <a:r>
+              <a:rPr lang="pt-BR" b="1" dirty="0">
+                <a:latin typeface="Times New Roman" panose="02020603050405020304" pitchFamily="18" charset="0"/>
+                <a:cs typeface="Times New Roman" panose="02020603050405020304" pitchFamily="18" charset="0"/>
+              </a:rPr>
+              <a:t>Similar a </a:t>
+            </a:r>
+            <a:r>
+              <a:rPr lang="pt-BR" b="1" dirty="0" err="1">
+                <a:latin typeface="Times New Roman" panose="02020603050405020304" pitchFamily="18" charset="0"/>
+                <a:cs typeface="Times New Roman" panose="02020603050405020304" pitchFamily="18" charset="0"/>
+              </a:rPr>
+              <a:t>struct</a:t>
+            </a:r>
+            <a:r>
+              <a:rPr lang="pt-BR" b="1" dirty="0">
+                <a:latin typeface="Times New Roman" panose="02020603050405020304" pitchFamily="18" charset="0"/>
+                <a:cs typeface="Times New Roman" panose="02020603050405020304" pitchFamily="18" charset="0"/>
+              </a:rPr>
+              <a:t> em C. </a:t>
+            </a:r>
+            <a:r>
+              <a:rPr lang="pt-BR" b="1" dirty="0">
+                <a:solidFill>
+                  <a:srgbClr val="FF0000"/>
+                </a:solidFill>
+                <a:latin typeface="Times New Roman" panose="02020603050405020304" pitchFamily="18" charset="0"/>
+                <a:cs typeface="Times New Roman" panose="02020603050405020304" pitchFamily="18" charset="0"/>
+              </a:rPr>
+              <a:t>Os campos, porém, são imutáveis.</a:t>
+            </a:r>
+          </a:p>
+          <a:p>
+            <a:pPr marL="619125" lvl="1" indent="0" algn="just">
+              <a:buNone/>
+            </a:pPr>
+            <a:r>
+              <a:rPr lang="pt-BR" sz="2400" dirty="0" err="1">
+                <a:latin typeface="Times New Roman" panose="02020603050405020304" pitchFamily="18" charset="0"/>
+                <a:cs typeface="Times New Roman" panose="02020603050405020304" pitchFamily="18" charset="0"/>
+              </a:rPr>
+              <a:t>from</a:t>
+            </a:r>
+            <a:r>
+              <a:rPr lang="pt-BR" sz="2400" dirty="0">
+                <a:latin typeface="Times New Roman" panose="02020603050405020304" pitchFamily="18" charset="0"/>
+                <a:cs typeface="Times New Roman" panose="02020603050405020304" pitchFamily="18" charset="0"/>
+              </a:rPr>
+              <a:t> </a:t>
+            </a:r>
+            <a:r>
+              <a:rPr lang="pt-BR" sz="2400" dirty="0" err="1">
+                <a:latin typeface="Times New Roman" panose="02020603050405020304" pitchFamily="18" charset="0"/>
+                <a:cs typeface="Times New Roman" panose="02020603050405020304" pitchFamily="18" charset="0"/>
+              </a:rPr>
+              <a:t>collections</a:t>
+            </a:r>
+            <a:r>
+              <a:rPr lang="pt-BR" sz="2400" dirty="0">
+                <a:latin typeface="Times New Roman" panose="02020603050405020304" pitchFamily="18" charset="0"/>
+                <a:cs typeface="Times New Roman" panose="02020603050405020304" pitchFamily="18" charset="0"/>
+              </a:rPr>
+              <a:t> </a:t>
+            </a:r>
+            <a:r>
+              <a:rPr lang="pt-BR" sz="2400" dirty="0" err="1">
+                <a:latin typeface="Times New Roman" panose="02020603050405020304" pitchFamily="18" charset="0"/>
+                <a:cs typeface="Times New Roman" panose="02020603050405020304" pitchFamily="18" charset="0"/>
+              </a:rPr>
+              <a:t>import</a:t>
+            </a:r>
+            <a:r>
+              <a:rPr lang="pt-BR" sz="2400" dirty="0">
+                <a:latin typeface="Times New Roman" panose="02020603050405020304" pitchFamily="18" charset="0"/>
+                <a:cs typeface="Times New Roman" panose="02020603050405020304" pitchFamily="18" charset="0"/>
+              </a:rPr>
+              <a:t> </a:t>
+            </a:r>
+            <a:r>
+              <a:rPr lang="pt-BR" sz="2400" dirty="0" err="1">
+                <a:latin typeface="Times New Roman" panose="02020603050405020304" pitchFamily="18" charset="0"/>
+                <a:cs typeface="Times New Roman" panose="02020603050405020304" pitchFamily="18" charset="0"/>
+              </a:rPr>
+              <a:t>namedtuple</a:t>
+            </a:r>
+            <a:endParaRPr lang="pt-BR" sz="2400" dirty="0">
+              <a:latin typeface="Times New Roman" panose="02020603050405020304" pitchFamily="18" charset="0"/>
+              <a:cs typeface="Times New Roman" panose="02020603050405020304" pitchFamily="18" charset="0"/>
+            </a:endParaRPr>
+          </a:p>
+          <a:p>
+            <a:pPr marL="619125" lvl="1" indent="0" algn="just">
+              <a:buNone/>
+            </a:pPr>
+            <a:r>
+              <a:rPr lang="pt-BR" sz="2400" dirty="0">
+                <a:latin typeface="Times New Roman" panose="02020603050405020304" pitchFamily="18" charset="0"/>
+                <a:cs typeface="Times New Roman" panose="02020603050405020304" pitchFamily="18" charset="0"/>
+              </a:rPr>
+              <a:t>Cliente = </a:t>
+            </a:r>
+            <a:r>
+              <a:rPr lang="pt-BR" sz="2400" dirty="0" err="1">
+                <a:latin typeface="Times New Roman" panose="02020603050405020304" pitchFamily="18" charset="0"/>
+                <a:cs typeface="Times New Roman" panose="02020603050405020304" pitchFamily="18" charset="0"/>
+              </a:rPr>
+              <a:t>namedtuple</a:t>
+            </a:r>
+            <a:r>
+              <a:rPr lang="pt-BR" sz="2400" dirty="0">
+                <a:latin typeface="Times New Roman" panose="02020603050405020304" pitchFamily="18" charset="0"/>
+                <a:cs typeface="Times New Roman" panose="02020603050405020304" pitchFamily="18" charset="0"/>
+              </a:rPr>
+              <a:t>(‘Cliente’, ‘nome </a:t>
+            </a:r>
+            <a:r>
+              <a:rPr lang="pt-BR" sz="2400" dirty="0" err="1">
+                <a:latin typeface="Times New Roman" panose="02020603050405020304" pitchFamily="18" charset="0"/>
+                <a:cs typeface="Times New Roman" panose="02020603050405020304" pitchFamily="18" charset="0"/>
+              </a:rPr>
+              <a:t>cpf</a:t>
+            </a:r>
+            <a:r>
+              <a:rPr lang="pt-BR" sz="2400" dirty="0">
+                <a:latin typeface="Times New Roman" panose="02020603050405020304" pitchFamily="18" charset="0"/>
+                <a:cs typeface="Times New Roman" panose="02020603050405020304" pitchFamily="18" charset="0"/>
+              </a:rPr>
+              <a:t> limite compras’)</a:t>
+            </a:r>
+          </a:p>
+          <a:p>
+            <a:pPr marL="619125" lvl="1" indent="0" algn="just">
+              <a:buNone/>
+            </a:pPr>
+            <a:r>
+              <a:rPr lang="pt-BR" sz="2400" dirty="0" err="1">
+                <a:latin typeface="Times New Roman" panose="02020603050405020304" pitchFamily="18" charset="0"/>
+                <a:cs typeface="Times New Roman" panose="02020603050405020304" pitchFamily="18" charset="0"/>
+              </a:rPr>
+              <a:t>umCliente</a:t>
+            </a:r>
+            <a:r>
+              <a:rPr lang="pt-BR" sz="2400" dirty="0">
+                <a:latin typeface="Times New Roman" panose="02020603050405020304" pitchFamily="18" charset="0"/>
+                <a:cs typeface="Times New Roman" panose="02020603050405020304" pitchFamily="18" charset="0"/>
+              </a:rPr>
+              <a:t> = Cliente(‘Fulano’, ‘01234567890’, 5000.00, 300.00)</a:t>
+            </a:r>
+          </a:p>
+          <a:p>
+            <a:pPr marL="619125" lvl="1" indent="0" algn="just">
+              <a:buNone/>
+            </a:pPr>
+            <a:r>
+              <a:rPr lang="pt-BR" sz="2400" dirty="0">
+                <a:latin typeface="Times New Roman" panose="02020603050405020304" pitchFamily="18" charset="0"/>
+                <a:cs typeface="Times New Roman" panose="02020603050405020304" pitchFamily="18" charset="0"/>
+              </a:rPr>
+              <a:t>print (</a:t>
+            </a:r>
+            <a:r>
+              <a:rPr lang="pt-BR" sz="2400" dirty="0" err="1">
+                <a:latin typeface="Times New Roman" panose="02020603050405020304" pitchFamily="18" charset="0"/>
+                <a:cs typeface="Times New Roman" panose="02020603050405020304" pitchFamily="18" charset="0"/>
+              </a:rPr>
+              <a:t>umCliente</a:t>
+            </a:r>
+            <a:r>
+              <a:rPr lang="pt-BR" sz="2400" dirty="0">
+                <a:latin typeface="Times New Roman" panose="02020603050405020304" pitchFamily="18" charset="0"/>
+                <a:cs typeface="Times New Roman" panose="02020603050405020304" pitchFamily="18" charset="0"/>
+              </a:rPr>
+              <a:t>)</a:t>
+            </a:r>
+          </a:p>
+          <a:p>
+            <a:pPr marL="619125" lvl="1" indent="0" algn="just">
+              <a:buNone/>
+            </a:pPr>
+            <a:r>
+              <a:rPr lang="pt-BR" sz="2400" dirty="0">
+                <a:latin typeface="Times New Roman" panose="02020603050405020304" pitchFamily="18" charset="0"/>
+                <a:cs typeface="Times New Roman" panose="02020603050405020304" pitchFamily="18" charset="0"/>
+              </a:rPr>
+              <a:t>print(</a:t>
+            </a:r>
+            <a:r>
+              <a:rPr lang="pt-BR" sz="2400" dirty="0" err="1">
+                <a:latin typeface="Times New Roman" panose="02020603050405020304" pitchFamily="18" charset="0"/>
+                <a:cs typeface="Times New Roman" panose="02020603050405020304" pitchFamily="18" charset="0"/>
+              </a:rPr>
+              <a:t>umCliente.cpf</a:t>
+            </a:r>
+            <a:r>
+              <a:rPr lang="pt-BR" sz="2400" dirty="0">
+                <a:latin typeface="Times New Roman" panose="02020603050405020304" pitchFamily="18" charset="0"/>
+                <a:cs typeface="Times New Roman" panose="02020603050405020304" pitchFamily="18" charset="0"/>
+              </a:rPr>
+              <a:t>)</a:t>
+            </a:r>
+          </a:p>
+          <a:p>
             <a:pPr marL="0" indent="0" algn="just">
               <a:buNone/>
             </a:pPr>
@@ -11131,125 +11546,12 @@
               <a:cs typeface="Times New Roman" panose="02020603050405020304" pitchFamily="18" charset="0"/>
             </a:endParaRPr>
           </a:p>
-          <a:p>
-            <a:pPr marL="0" indent="0" algn="just">
-              <a:buNone/>
-            </a:pPr>
-            <a:r>
-              <a:rPr lang="pt-BR" dirty="0">
-                <a:latin typeface="Times New Roman" panose="02020603050405020304" pitchFamily="18" charset="0"/>
-                <a:cs typeface="Times New Roman" panose="02020603050405020304" pitchFamily="18" charset="0"/>
-              </a:rPr>
-              <a:t>[1] Site:</a:t>
-            </a:r>
-          </a:p>
-          <a:p>
-            <a:pPr marL="0" indent="0" algn="just">
-              <a:buNone/>
-            </a:pPr>
-            <a:r>
-              <a:rPr lang="pt-BR" dirty="0">
-                <a:latin typeface="Times New Roman" panose="02020603050405020304" pitchFamily="18" charset="0"/>
-                <a:cs typeface="Times New Roman" panose="02020603050405020304" pitchFamily="18" charset="0"/>
-              </a:rPr>
-              <a:t> </a:t>
-            </a:r>
-            <a:r>
-              <a:rPr lang="pt-BR" dirty="0">
-                <a:latin typeface="Times New Roman" panose="02020603050405020304" pitchFamily="18" charset="0"/>
-                <a:cs typeface="Times New Roman" panose="02020603050405020304" pitchFamily="18" charset="0"/>
-                <a:hlinkClick r:id="rId3"/>
-              </a:rPr>
-              <a:t>https://www.w3schools.com/python/python_variables.asp</a:t>
-            </a:r>
-            <a:endParaRPr lang="pt-BR" dirty="0">
-              <a:latin typeface="Times New Roman" panose="02020603050405020304" pitchFamily="18" charset="0"/>
-              <a:cs typeface="Times New Roman" panose="02020603050405020304" pitchFamily="18" charset="0"/>
-            </a:endParaRPr>
-          </a:p>
-          <a:p>
-            <a:pPr marL="0" indent="0" algn="just">
-              <a:buNone/>
-            </a:pPr>
-            <a:endParaRPr lang="pt-BR" dirty="0">
-              <a:latin typeface="Times New Roman" panose="02020603050405020304" pitchFamily="18" charset="0"/>
-              <a:cs typeface="Times New Roman" panose="02020603050405020304" pitchFamily="18" charset="0"/>
-            </a:endParaRPr>
-          </a:p>
-          <a:p>
-            <a:pPr marL="0" indent="0" algn="just">
-              <a:buNone/>
-            </a:pPr>
-            <a:r>
-              <a:rPr lang="pt-BR" dirty="0">
-                <a:latin typeface="Times New Roman" panose="02020603050405020304" pitchFamily="18" charset="0"/>
-                <a:cs typeface="Times New Roman" panose="02020603050405020304" pitchFamily="18" charset="0"/>
-              </a:rPr>
-              <a:t>[2] Site: </a:t>
-            </a:r>
-            <a:r>
-              <a:rPr lang="pt-BR" dirty="0">
-                <a:latin typeface="Times New Roman" panose="02020603050405020304" pitchFamily="18" charset="0"/>
-                <a:cs typeface="Times New Roman" panose="02020603050405020304" pitchFamily="18" charset="0"/>
-                <a:hlinkClick r:id="rId4"/>
-              </a:rPr>
-              <a:t>https://docs.python.org/pt-br/3/tutorial/</a:t>
-            </a:r>
-            <a:endParaRPr lang="pt-BR" dirty="0">
-              <a:latin typeface="Times New Roman" panose="02020603050405020304" pitchFamily="18" charset="0"/>
-              <a:cs typeface="Times New Roman" panose="02020603050405020304" pitchFamily="18" charset="0"/>
-            </a:endParaRPr>
-          </a:p>
-          <a:p>
-            <a:pPr marL="0" indent="0" algn="just">
-              <a:buNone/>
-            </a:pPr>
-            <a:endParaRPr lang="pt-BR" dirty="0">
-              <a:latin typeface="Times New Roman" panose="02020603050405020304" pitchFamily="18" charset="0"/>
-              <a:cs typeface="Times New Roman" panose="02020603050405020304" pitchFamily="18" charset="0"/>
-            </a:endParaRPr>
-          </a:p>
-          <a:p>
-            <a:pPr marL="0" indent="0" algn="just">
-              <a:buNone/>
-            </a:pPr>
-            <a:endParaRPr lang="pt-BR" dirty="0">
-              <a:latin typeface="Times New Roman" panose="02020603050405020304" pitchFamily="18" charset="0"/>
-              <a:cs typeface="Times New Roman" panose="02020603050405020304" pitchFamily="18" charset="0"/>
-            </a:endParaRPr>
-          </a:p>
-          <a:p>
-            <a:pPr marL="0" indent="0" algn="just">
-              <a:buNone/>
-            </a:pPr>
-            <a:endParaRPr lang="pt-BR" dirty="0">
-              <a:latin typeface="Times New Roman" panose="02020603050405020304" pitchFamily="18" charset="0"/>
-              <a:cs typeface="Times New Roman" panose="02020603050405020304" pitchFamily="18" charset="0"/>
-            </a:endParaRPr>
-          </a:p>
-          <a:p>
-            <a:pPr marL="0" indent="0" algn="just">
-              <a:buNone/>
-            </a:pPr>
-            <a:endParaRPr lang="pt-BR" dirty="0">
-              <a:latin typeface="Times New Roman" panose="02020603050405020304" pitchFamily="18" charset="0"/>
-              <a:cs typeface="Times New Roman" panose="02020603050405020304" pitchFamily="18" charset="0"/>
-            </a:endParaRPr>
-          </a:p>
-          <a:p>
-            <a:pPr marL="0" indent="0" algn="just">
-              <a:buNone/>
-            </a:pPr>
-            <a:endParaRPr lang="pt-BR" dirty="0">
-              <a:latin typeface="Calibri" panose="020F0502020204030204" pitchFamily="34" charset="0"/>
-            </a:endParaRPr>
-          </a:p>
         </p:txBody>
       </p:sp>
     </p:spTree>
     <p:extLst>
       <p:ext uri="{BB962C8B-B14F-4D97-AF65-F5344CB8AC3E}">
-        <p14:creationId xmlns:p14="http://schemas.microsoft.com/office/powerpoint/2010/main" val="2747596967"/>
+        <p14:creationId xmlns:p14="http://schemas.microsoft.com/office/powerpoint/2010/main" val="3590522157"/>
       </p:ext>
     </p:extLst>
   </p:cSld>
@@ -11295,12 +11597,20 @@
           <a:lstStyle/>
           <a:p>
             <a:r>
+              <a:rPr lang="en-US" b="1" dirty="0">
+                <a:solidFill>
+                  <a:srgbClr val="0070C0"/>
+                </a:solidFill>
+              </a:rPr>
+              <a:t>Python – </a:t>
+            </a:r>
+            <a:r>
               <a:rPr lang="en-US" b="1" dirty="0" err="1">
                 <a:solidFill>
                   <a:srgbClr val="0070C0"/>
                 </a:solidFill>
               </a:rPr>
-              <a:t>Aprenda</a:t>
+              <a:t>TDados</a:t>
             </a:r>
             <a:r>
               <a:rPr lang="en-US" b="1" dirty="0">
@@ -11308,7 +11618,23 @@
                   <a:srgbClr val="0070C0"/>
                 </a:solidFill>
               </a:rPr>
-              <a:t>+</a:t>
+              <a:t> </a:t>
+            </a:r>
+            <a:r>
+              <a:rPr lang="en-US" b="1" dirty="0" err="1">
+                <a:solidFill>
+                  <a:srgbClr val="0070C0"/>
+                </a:solidFill>
+              </a:rPr>
+              <a:t>Aglomerados</a:t>
+            </a:r>
+            <a:r>
+              <a:rPr lang="en-US" b="1" dirty="0">
+                <a:solidFill>
+                  <a:srgbClr val="0070C0"/>
+                </a:solidFill>
+              </a:rPr>
+              <a:t> SETs</a:t>
             </a:r>
           </a:p>
         </p:txBody>
@@ -11325,8 +11651,8 @@
         </p:nvSpPr>
         <p:spPr>
           <a:xfrm>
-            <a:off x="142865" y="1200151"/>
-            <a:ext cx="8865056" cy="3394472"/>
+            <a:off x="142865" y="1200150"/>
+            <a:ext cx="8865056" cy="3737370"/>
           </a:xfrm>
         </p:spPr>
         <p:txBody>
@@ -11335,6 +11661,72 @@
           </a:bodyPr>
           <a:lstStyle/>
           <a:p>
+            <a:pPr algn="just">
+              <a:buFont typeface="Wingdings" panose="05000000000000000000" pitchFamily="2" charset="2"/>
+              <a:buChar char="§"/>
+            </a:pPr>
+            <a:r>
+              <a:rPr lang="pt-BR" b="1" dirty="0">
+                <a:solidFill>
+                  <a:srgbClr val="FF0000"/>
+                </a:solidFill>
+                <a:latin typeface="Times New Roman" panose="02020603050405020304" pitchFamily="18" charset="0"/>
+                <a:cs typeface="Times New Roman" panose="02020603050405020304" pitchFamily="18" charset="0"/>
+              </a:rPr>
+              <a:t>Conjunto</a:t>
+            </a:r>
+            <a:r>
+              <a:rPr lang="pt-BR" sz="2000" b="1" dirty="0">
+                <a:solidFill>
+                  <a:srgbClr val="FF0000"/>
+                </a:solidFill>
+                <a:latin typeface="Times New Roman" panose="02020603050405020304" pitchFamily="18" charset="0"/>
+                <a:cs typeface="Times New Roman" panose="02020603050405020304" pitchFamily="18" charset="0"/>
+              </a:rPr>
+              <a:t> - </a:t>
+            </a:r>
+            <a:r>
+              <a:rPr lang="pt-BR" b="1" dirty="0">
+                <a:latin typeface="Times New Roman" panose="02020603050405020304" pitchFamily="18" charset="0"/>
+                <a:cs typeface="Times New Roman" panose="02020603050405020304" pitchFamily="18" charset="0"/>
+              </a:rPr>
+              <a:t>Sets</a:t>
+            </a:r>
+            <a:r>
+              <a:rPr lang="pt-BR" sz="2000" dirty="0">
+                <a:latin typeface="Times New Roman" panose="02020603050405020304" pitchFamily="18" charset="0"/>
+                <a:cs typeface="Times New Roman" panose="02020603050405020304" pitchFamily="18" charset="0"/>
+              </a:rPr>
+              <a:t> </a:t>
+            </a:r>
+          </a:p>
+          <a:p>
+            <a:pPr marL="0" indent="0" algn="just">
+              <a:buNone/>
+            </a:pPr>
+            <a:r>
+              <a:rPr lang="pt-BR" sz="2000" dirty="0">
+                <a:latin typeface="Times New Roman" panose="02020603050405020304" pitchFamily="18" charset="0"/>
+                <a:cs typeface="Times New Roman" panose="02020603050405020304" pitchFamily="18" charset="0"/>
+              </a:rPr>
+              <a:t>são estruturas disponíveis como </a:t>
+            </a:r>
+            <a:r>
+              <a:rPr lang="pt-BR" sz="2000" b="1" i="1" dirty="0" err="1">
+                <a:latin typeface="Times New Roman" panose="02020603050405020304" pitchFamily="18" charset="0"/>
+                <a:cs typeface="Times New Roman" panose="02020603050405020304" pitchFamily="18" charset="0"/>
+              </a:rPr>
+              <a:t>builtins</a:t>
+            </a:r>
+            <a:r>
+              <a:rPr lang="pt-BR" sz="2000" dirty="0">
+                <a:latin typeface="Times New Roman" panose="02020603050405020304" pitchFamily="18" charset="0"/>
+                <a:cs typeface="Times New Roman" panose="02020603050405020304" pitchFamily="18" charset="0"/>
+              </a:rPr>
+              <a:t> do Python, utilizadas para representar coleções desordenadas de elementos únicos.</a:t>
+            </a:r>
+          </a:p>
+          <a:p>
             <a:pPr marL="0" indent="0" algn="just">
               <a:buNone/>
             </a:pPr>
@@ -11352,145 +11744,162 @@
                 <a:latin typeface="Times New Roman" panose="02020603050405020304" pitchFamily="18" charset="0"/>
                 <a:cs typeface="Times New Roman" panose="02020603050405020304" pitchFamily="18" charset="0"/>
               </a:rPr>
-              <a:t>[1] </a:t>
+              <a:t>Os elementos não são armazenados em uma ordem específica e confiável; </a:t>
+            </a:r>
+            <a:r>
+              <a:rPr lang="pt-BR" sz="2000" b="1" dirty="0">
+                <a:latin typeface="Times New Roman" panose="02020603050405020304" pitchFamily="18" charset="0"/>
+                <a:cs typeface="Times New Roman" panose="02020603050405020304" pitchFamily="18" charset="0"/>
+              </a:rPr>
+              <a:t>Conjuntos não contém elementos repetidos</a:t>
             </a:r>
             <a:r>
               <a:rPr lang="pt-BR" sz="2000" dirty="0">
                 <a:latin typeface="Times New Roman" panose="02020603050405020304" pitchFamily="18" charset="0"/>
                 <a:cs typeface="Times New Roman" panose="02020603050405020304" pitchFamily="18" charset="0"/>
-                <a:hlinkClick r:id="rId3"/>
-              </a:rPr>
-              <a:t>https://www.programiz.com/python-programming/variables-constants-literals</a:t>
+              </a:rPr>
+              <a:t>.</a:t>
+            </a:r>
+          </a:p>
+          <a:p>
+            <a:pPr marL="0" indent="0" algn="just">
+              <a:buNone/>
+            </a:pPr>
+            <a:r>
+              <a:rPr lang="da-DK" sz="2000" b="1" dirty="0">
+                <a:latin typeface="Times New Roman" panose="02020603050405020304" pitchFamily="18" charset="0"/>
+                <a:cs typeface="Times New Roman" panose="02020603050405020304" pitchFamily="18" charset="0"/>
+              </a:rPr>
+              <a:t>set</a:t>
+            </a:r>
+            <a:r>
+              <a:rPr lang="da-DK" sz="2000" dirty="0">
+                <a:latin typeface="Times New Roman" panose="02020603050405020304" pitchFamily="18" charset="0"/>
+                <a:cs typeface="Times New Roman" panose="02020603050405020304" pitchFamily="18" charset="0"/>
+              </a:rPr>
+              <a:t>([1, 2, 3, 4])</a:t>
+            </a:r>
+            <a:r>
+              <a:rPr lang="pt-BR" sz="2000" dirty="0">
+                <a:latin typeface="Times New Roman" panose="02020603050405020304" pitchFamily="18" charset="0"/>
+                <a:cs typeface="Times New Roman" panose="02020603050405020304" pitchFamily="18" charset="0"/>
+              </a:rPr>
+              <a:t> ou </a:t>
+            </a:r>
+            <a:r>
+              <a:rPr lang="pt-BR" sz="2000" b="1" dirty="0">
+                <a:latin typeface="Times New Roman" panose="02020603050405020304" pitchFamily="18" charset="0"/>
+                <a:cs typeface="Times New Roman" panose="02020603050405020304" pitchFamily="18" charset="0"/>
+              </a:rPr>
+              <a:t>s</a:t>
+            </a:r>
+            <a:r>
+              <a:rPr lang="pt-BR" sz="2000" dirty="0">
+                <a:latin typeface="Times New Roman" panose="02020603050405020304" pitchFamily="18" charset="0"/>
+                <a:cs typeface="Times New Roman" panose="02020603050405020304" pitchFamily="18" charset="0"/>
+              </a:rPr>
+              <a:t> </a:t>
+            </a:r>
+            <a:r>
+              <a:rPr lang="da-DK" sz="2000" dirty="0">
+                <a:latin typeface="Times New Roman" panose="02020603050405020304" pitchFamily="18" charset="0"/>
+                <a:cs typeface="Times New Roman" panose="02020603050405020304" pitchFamily="18" charset="0"/>
+              </a:rPr>
+              <a:t>= {1, 2, 3, 4}; </a:t>
+            </a:r>
+          </a:p>
+          <a:p>
+            <a:pPr marL="0" indent="0" algn="just">
+              <a:buNone/>
+            </a:pPr>
+            <a:r>
+              <a:rPr lang="da-DK" sz="2000" dirty="0">
+                <a:latin typeface="Times New Roman" panose="02020603050405020304" pitchFamily="18" charset="0"/>
+                <a:cs typeface="Times New Roman" panose="02020603050405020304" pitchFamily="18" charset="0"/>
+              </a:rPr>
+              <a:t>Ex.: </a:t>
+            </a:r>
+            <a:r>
+              <a:rPr lang="pt-BR" sz="2000" dirty="0">
+                <a:latin typeface="Times New Roman" panose="02020603050405020304" pitchFamily="18" charset="0"/>
+                <a:cs typeface="Times New Roman" panose="02020603050405020304" pitchFamily="18" charset="0"/>
+              </a:rPr>
+              <a:t>a</a:t>
+            </a:r>
+            <a:r>
+              <a:rPr lang="da-DK" sz="2000" dirty="0">
+                <a:latin typeface="Times New Roman" panose="02020603050405020304" pitchFamily="18" charset="0"/>
+                <a:cs typeface="Times New Roman" panose="02020603050405020304" pitchFamily="18" charset="0"/>
+              </a:rPr>
+              <a:t>={1, 2, 3, 4};  e </a:t>
+            </a:r>
+            <a:r>
+              <a:rPr lang="pt-BR" sz="2000" dirty="0">
+                <a:latin typeface="Times New Roman" panose="02020603050405020304" pitchFamily="18" charset="0"/>
+                <a:cs typeface="Times New Roman" panose="02020603050405020304" pitchFamily="18" charset="0"/>
+              </a:rPr>
+              <a:t>b</a:t>
+            </a:r>
+            <a:r>
+              <a:rPr lang="da-DK" sz="2000" dirty="0">
+                <a:latin typeface="Times New Roman" panose="02020603050405020304" pitchFamily="18" charset="0"/>
+                <a:cs typeface="Times New Roman" panose="02020603050405020304" pitchFamily="18" charset="0"/>
+              </a:rPr>
+              <a:t>={1, 5, 3, 7}; a.</a:t>
+            </a:r>
+            <a:r>
+              <a:rPr lang="da-DK" sz="2000" b="1" dirty="0">
+                <a:latin typeface="Times New Roman" panose="02020603050405020304" pitchFamily="18" charset="0"/>
+                <a:cs typeface="Times New Roman" panose="02020603050405020304" pitchFamily="18" charset="0"/>
+              </a:rPr>
+              <a:t>union</a:t>
+            </a:r>
+            <a:r>
+              <a:rPr lang="da-DK" sz="2000" dirty="0">
+                <a:latin typeface="Times New Roman" panose="02020603050405020304" pitchFamily="18" charset="0"/>
+                <a:cs typeface="Times New Roman" panose="02020603050405020304" pitchFamily="18" charset="0"/>
+              </a:rPr>
+              <a:t>(b); a. </a:t>
+            </a:r>
+            <a:r>
+              <a:rPr lang="da-DK" sz="2000" b="1" dirty="0">
+                <a:latin typeface="Times New Roman" panose="02020603050405020304" pitchFamily="18" charset="0"/>
+                <a:cs typeface="Times New Roman" panose="02020603050405020304" pitchFamily="18" charset="0"/>
+              </a:rPr>
+              <a:t>intersection</a:t>
+            </a:r>
+            <a:r>
+              <a:rPr lang="da-DK" sz="2000" dirty="0">
+                <a:latin typeface="Times New Roman" panose="02020603050405020304" pitchFamily="18" charset="0"/>
+                <a:cs typeface="Times New Roman" panose="02020603050405020304" pitchFamily="18" charset="0"/>
+              </a:rPr>
+              <a:t>(b); a. </a:t>
+            </a:r>
+            <a:r>
+              <a:rPr lang="da-DK" sz="2000" b="1" dirty="0">
+                <a:latin typeface="Times New Roman" panose="02020603050405020304" pitchFamily="18" charset="0"/>
+                <a:cs typeface="Times New Roman" panose="02020603050405020304" pitchFamily="18" charset="0"/>
+              </a:rPr>
+              <a:t>difference</a:t>
+            </a:r>
+            <a:r>
+              <a:rPr lang="da-DK" sz="2000" dirty="0">
+                <a:latin typeface="Times New Roman" panose="02020603050405020304" pitchFamily="18" charset="0"/>
+                <a:cs typeface="Times New Roman" panose="02020603050405020304" pitchFamily="18" charset="0"/>
+              </a:rPr>
+              <a:t>(b)</a:t>
             </a:r>
             <a:endParaRPr lang="pt-BR" sz="2000" dirty="0">
               <a:latin typeface="Times New Roman" panose="02020603050405020304" pitchFamily="18" charset="0"/>
               <a:cs typeface="Times New Roman" panose="02020603050405020304" pitchFamily="18" charset="0"/>
             </a:endParaRPr>
           </a:p>
-          <a:p>
-            <a:pPr marL="0" indent="0" algn="just">
-              <a:buNone/>
-            </a:pPr>
-            <a:endParaRPr lang="pt-BR" sz="2000" dirty="0">
-              <a:latin typeface="Times New Roman" panose="02020603050405020304" pitchFamily="18" charset="0"/>
-              <a:cs typeface="Times New Roman" panose="02020603050405020304" pitchFamily="18" charset="0"/>
-            </a:endParaRPr>
-          </a:p>
-          <a:p>
-            <a:pPr marL="0" indent="0" algn="just">
-              <a:buNone/>
-            </a:pPr>
-            <a:r>
-              <a:rPr lang="pt-BR" sz="2000" dirty="0">
-                <a:latin typeface="Times New Roman" panose="02020603050405020304" pitchFamily="18" charset="0"/>
-                <a:cs typeface="Times New Roman" panose="02020603050405020304" pitchFamily="18" charset="0"/>
-              </a:rPr>
-              <a:t>[2] </a:t>
-            </a:r>
-            <a:r>
-              <a:rPr lang="pt-BR" sz="2000" dirty="0">
-                <a:latin typeface="Times New Roman" panose="02020603050405020304" pitchFamily="18" charset="0"/>
-                <a:cs typeface="Times New Roman" panose="02020603050405020304" pitchFamily="18" charset="0"/>
-                <a:hlinkClick r:id="rId4"/>
-              </a:rPr>
-              <a:t>https://www.programiz.com/python-programming/examples/swap-variables</a:t>
-            </a:r>
-            <a:endParaRPr lang="pt-BR" sz="2000" dirty="0">
-              <a:latin typeface="Times New Roman" panose="02020603050405020304" pitchFamily="18" charset="0"/>
-              <a:cs typeface="Times New Roman" panose="02020603050405020304" pitchFamily="18" charset="0"/>
-            </a:endParaRPr>
-          </a:p>
-          <a:p>
-            <a:pPr marL="0" indent="0" algn="just">
-              <a:buNone/>
-            </a:pPr>
-            <a:endParaRPr lang="pt-BR" sz="2000" dirty="0">
-              <a:latin typeface="Times New Roman" panose="02020603050405020304" pitchFamily="18" charset="0"/>
-              <a:cs typeface="Times New Roman" panose="02020603050405020304" pitchFamily="18" charset="0"/>
-            </a:endParaRPr>
-          </a:p>
-          <a:p>
-            <a:pPr marL="0" indent="0" algn="just">
-              <a:buNone/>
-            </a:pPr>
-            <a:r>
-              <a:rPr lang="pt-BR" sz="2000" dirty="0">
-                <a:latin typeface="Times New Roman" panose="02020603050405020304" pitchFamily="18" charset="0"/>
-                <a:cs typeface="Times New Roman" panose="02020603050405020304" pitchFamily="18" charset="0"/>
-              </a:rPr>
-              <a:t>- </a:t>
-            </a:r>
-            <a:r>
-              <a:rPr lang="pt-BR" sz="2000" dirty="0" err="1">
-                <a:latin typeface="Times New Roman" panose="02020603050405020304" pitchFamily="18" charset="0"/>
-                <a:cs typeface="Times New Roman" panose="02020603050405020304" pitchFamily="18" charset="0"/>
-              </a:rPr>
-              <a:t>Tuplas</a:t>
-            </a:r>
-            <a:r>
-              <a:rPr lang="pt-BR" sz="2000" dirty="0">
-                <a:latin typeface="Times New Roman" panose="02020603050405020304" pitchFamily="18" charset="0"/>
-                <a:cs typeface="Times New Roman" panose="02020603050405020304" pitchFamily="18" charset="0"/>
-              </a:rPr>
-              <a:t> Nomeadas</a:t>
-            </a:r>
-          </a:p>
-          <a:p>
-            <a:pPr marL="0" indent="0" algn="just">
-              <a:buNone/>
-            </a:pPr>
-            <a:r>
-              <a:rPr lang="pt-BR" sz="2000" dirty="0">
-                <a:latin typeface="Times New Roman" panose="02020603050405020304" pitchFamily="18" charset="0"/>
-                <a:cs typeface="Times New Roman" panose="02020603050405020304" pitchFamily="18" charset="0"/>
-              </a:rPr>
-              <a:t>[3] </a:t>
-            </a:r>
-            <a:r>
-              <a:rPr lang="pt-BR" sz="2000" dirty="0">
-                <a:latin typeface="Times New Roman" panose="02020603050405020304" pitchFamily="18" charset="0"/>
-                <a:cs typeface="Times New Roman" panose="02020603050405020304" pitchFamily="18" charset="0"/>
-                <a:hlinkClick r:id="rId5"/>
-              </a:rPr>
-              <a:t>https://www.youtube.com/watch?v=IkoaXbLsUg8</a:t>
-            </a:r>
-            <a:endParaRPr lang="pt-BR" sz="2000" dirty="0">
-              <a:latin typeface="Times New Roman" panose="02020603050405020304" pitchFamily="18" charset="0"/>
-              <a:cs typeface="Times New Roman" panose="02020603050405020304" pitchFamily="18" charset="0"/>
-            </a:endParaRPr>
-          </a:p>
-          <a:p>
-            <a:pPr marL="0" indent="0" algn="just">
-              <a:buNone/>
-            </a:pPr>
-            <a:endParaRPr lang="pt-BR" sz="2000" dirty="0">
-              <a:latin typeface="Times New Roman" panose="02020603050405020304" pitchFamily="18" charset="0"/>
-              <a:cs typeface="Times New Roman" panose="02020603050405020304" pitchFamily="18" charset="0"/>
-            </a:endParaRPr>
-          </a:p>
-          <a:p>
-            <a:pPr marL="0" indent="0" algn="just">
-              <a:buNone/>
-            </a:pPr>
-            <a:endParaRPr lang="pt-BR" sz="2000" dirty="0">
-              <a:latin typeface="Times New Roman" panose="02020603050405020304" pitchFamily="18" charset="0"/>
-              <a:cs typeface="Times New Roman" panose="02020603050405020304" pitchFamily="18" charset="0"/>
-            </a:endParaRPr>
-          </a:p>
-          <a:p>
-            <a:pPr marL="0" indent="0" algn="just">
-              <a:buNone/>
-            </a:pPr>
-            <a:endParaRPr lang="pt-BR" sz="2000" dirty="0">
-              <a:latin typeface="Calibri" panose="020F0502020204030204" pitchFamily="34" charset="0"/>
-            </a:endParaRPr>
-          </a:p>
         </p:txBody>
       </p:sp>
     </p:spTree>
     <p:extLst>
       <p:ext uri="{BB962C8B-B14F-4D97-AF65-F5344CB8AC3E}">
-        <p14:creationId xmlns:p14="http://schemas.microsoft.com/office/powerpoint/2010/main" val="3680270425"/>
+        <p14:creationId xmlns:p14="http://schemas.microsoft.com/office/powerpoint/2010/main" val="1679403773"/>
       </p:ext>
     </p:extLst>
   </p:cSld>
@@ -11541,7 +11950,7 @@
                   <a:srgbClr val="0070C0"/>
                 </a:solidFill>
               </a:rPr>
-              <a:t>Dinâmica</a:t>
+              <a:t>Leitura</a:t>
             </a:r>
             <a:r>
               <a:rPr lang="en-US" b="1" dirty="0">
@@ -11549,7 +11958,7 @@
                   <a:srgbClr val="0070C0"/>
                 </a:solidFill>
               </a:rPr>
-              <a:t>/</a:t>
+              <a:t> </a:t>
             </a:r>
             <a:r>
               <a:rPr lang="en-US" b="1" dirty="0" err="1">
@@ -11557,7 +11966,7 @@
                   <a:srgbClr val="0070C0"/>
                 </a:solidFill>
               </a:rPr>
-              <a:t>Atividades</a:t>
+              <a:t>Específica</a:t>
             </a:r>
             <a:endParaRPr lang="en-US" b="1" dirty="0">
               <a:solidFill>
@@ -11579,8 +11988,8 @@
         </p:nvSpPr>
         <p:spPr>
           <a:xfrm>
-            <a:off x="139472" y="1063230"/>
-            <a:ext cx="8865056" cy="3606305"/>
+            <a:off x="142865" y="1200151"/>
+            <a:ext cx="8865056" cy="3394472"/>
           </a:xfrm>
         </p:spPr>
         <p:txBody>
@@ -11589,16 +11998,24 @@
           </a:bodyPr>
           <a:lstStyle/>
           <a:p>
-            <a:pPr algn="just">
-              <a:buFontTx/>
-              <a:buChar char="-"/>
+            <a:pPr marL="0" indent="0" algn="just">
+              <a:buNone/>
             </a:pPr>
+            <a:endParaRPr lang="pt-BR" dirty="0">
+              <a:latin typeface="Times New Roman" panose="02020603050405020304" pitchFamily="18" charset="0"/>
+              <a:cs typeface="Times New Roman" panose="02020603050405020304" pitchFamily="18" charset="0"/>
+            </a:endParaRPr>
+          </a:p>
+          <a:p>
+            <a:pPr marL="0" indent="0" algn="just">
+              <a:buNone/>
+            </a:pPr>
             <a:r>
               <a:rPr lang="pt-BR" dirty="0">
                 <a:latin typeface="Times New Roman" panose="02020603050405020304" pitchFamily="18" charset="0"/>
                 <a:cs typeface="Times New Roman" panose="02020603050405020304" pitchFamily="18" charset="0"/>
               </a:rPr>
-              <a:t>Exercícios de Fixação</a:t>
+              <a:t>[1] Site:</a:t>
             </a:r>
           </a:p>
           <a:p>
@@ -11610,15 +12027,104 @@
                 <a:latin typeface="Times New Roman" panose="02020603050405020304" pitchFamily="18" charset="0"/>
                 <a:cs typeface="Times New Roman" panose="02020603050405020304" pitchFamily="18" charset="0"/>
               </a:rPr>
-              <a:t>	Desafios em Sala de Aula.</a:t>
-            </a:r>
+              <a:t> </a:t>
+            </a:r>
+            <a:r>
+              <a:rPr lang="pt-BR" dirty="0">
+                <a:latin typeface="Times New Roman" panose="02020603050405020304" pitchFamily="18" charset="0"/>
+                <a:cs typeface="Times New Roman" panose="02020603050405020304" pitchFamily="18" charset="0"/>
+                <a:hlinkClick r:id="rId3"/>
+              </a:rPr>
+              <a:t>https://www.w3schools.com/python/python_variables.asp</a:t>
+            </a:r>
+            <a:endParaRPr lang="pt-BR" dirty="0">
+              <a:latin typeface="Times New Roman" panose="02020603050405020304" pitchFamily="18" charset="0"/>
+              <a:cs typeface="Times New Roman" panose="02020603050405020304" pitchFamily="18" charset="0"/>
+            </a:endParaRPr>
+          </a:p>
+          <a:p>
+            <a:pPr marL="0" indent="0" algn="just">
+              <a:buNone/>
+            </a:pPr>
+            <a:endParaRPr lang="pt-BR" dirty="0">
+              <a:latin typeface="Times New Roman" panose="02020603050405020304" pitchFamily="18" charset="0"/>
+              <a:cs typeface="Times New Roman" panose="02020603050405020304" pitchFamily="18" charset="0"/>
+            </a:endParaRPr>
+          </a:p>
+          <a:p>
+            <a:pPr marL="0" indent="0" algn="just">
+              <a:buNone/>
+            </a:pPr>
+            <a:r>
+              <a:rPr lang="pt-BR" dirty="0">
+                <a:latin typeface="Times New Roman" panose="02020603050405020304" pitchFamily="18" charset="0"/>
+                <a:cs typeface="Times New Roman" panose="02020603050405020304" pitchFamily="18" charset="0"/>
+              </a:rPr>
+              <a:t>[2] Site: </a:t>
+            </a:r>
+            <a:r>
+              <a:rPr lang="pt-BR" dirty="0">
+                <a:latin typeface="Times New Roman" panose="02020603050405020304" pitchFamily="18" charset="0"/>
+                <a:cs typeface="Times New Roman" panose="02020603050405020304" pitchFamily="18" charset="0"/>
+                <a:hlinkClick r:id="rId4"/>
+              </a:rPr>
+              <a:t>https://docs.python.org/pt-br/3/tutorial/</a:t>
+            </a:r>
+            <a:endParaRPr lang="pt-BR" dirty="0">
+              <a:latin typeface="Times New Roman" panose="02020603050405020304" pitchFamily="18" charset="0"/>
+              <a:cs typeface="Times New Roman" panose="02020603050405020304" pitchFamily="18" charset="0"/>
+            </a:endParaRPr>
+          </a:p>
+          <a:p>
+            <a:pPr marL="0" indent="0" algn="just">
+              <a:buNone/>
+            </a:pPr>
+            <a:endParaRPr lang="pt-BR" dirty="0">
+              <a:latin typeface="Times New Roman" panose="02020603050405020304" pitchFamily="18" charset="0"/>
+              <a:cs typeface="Times New Roman" panose="02020603050405020304" pitchFamily="18" charset="0"/>
+            </a:endParaRPr>
+          </a:p>
+          <a:p>
+            <a:pPr marL="0" indent="0" algn="just">
+              <a:buNone/>
+            </a:pPr>
+            <a:endParaRPr lang="pt-BR" dirty="0">
+              <a:latin typeface="Times New Roman" panose="02020603050405020304" pitchFamily="18" charset="0"/>
+              <a:cs typeface="Times New Roman" panose="02020603050405020304" pitchFamily="18" charset="0"/>
+            </a:endParaRPr>
+          </a:p>
+          <a:p>
+            <a:pPr marL="0" indent="0" algn="just">
+              <a:buNone/>
+            </a:pPr>
+            <a:endParaRPr lang="pt-BR" dirty="0">
+              <a:latin typeface="Times New Roman" panose="02020603050405020304" pitchFamily="18" charset="0"/>
+              <a:cs typeface="Times New Roman" panose="02020603050405020304" pitchFamily="18" charset="0"/>
+            </a:endParaRPr>
+          </a:p>
+          <a:p>
+            <a:pPr marL="0" indent="0" algn="just">
+              <a:buNone/>
+            </a:pPr>
+            <a:endParaRPr lang="pt-BR" dirty="0">
+              <a:latin typeface="Times New Roman" panose="02020603050405020304" pitchFamily="18" charset="0"/>
+              <a:cs typeface="Times New Roman" panose="02020603050405020304" pitchFamily="18" charset="0"/>
+            </a:endParaRPr>
+          </a:p>
+          <a:p>
+            <a:pPr marL="0" indent="0" algn="just">
+              <a:buNone/>
+            </a:pPr>
+            <a:endParaRPr lang="pt-BR" dirty="0">
+              <a:latin typeface="Calibri" panose="020F0502020204030204" pitchFamily="34" charset="0"/>
+            </a:endParaRPr>
           </a:p>
         </p:txBody>
       </p:sp>
     </p:spTree>
     <p:extLst>
       <p:ext uri="{BB962C8B-B14F-4D97-AF65-F5344CB8AC3E}">
-        <p14:creationId xmlns:p14="http://schemas.microsoft.com/office/powerpoint/2010/main" val="2470652989"/>
+        <p14:creationId xmlns:p14="http://schemas.microsoft.com/office/powerpoint/2010/main" val="2747596967"/>
       </p:ext>
     </p:extLst>
   </p:cSld>
@@ -11669,6 +12175,375 @@
                   <a:srgbClr val="0070C0"/>
                 </a:solidFill>
               </a:rPr>
+              <a:t>Aprenda</a:t>
+            </a:r>
+            <a:r>
+              <a:rPr lang="en-US" b="1" dirty="0">
+                <a:solidFill>
+                  <a:srgbClr val="0070C0"/>
+                </a:solidFill>
+              </a:rPr>
+              <a:t>+</a:t>
+            </a:r>
+          </a:p>
+        </p:txBody>
+      </p:sp>
+      <p:sp>
+        <p:nvSpPr>
+          <p:cNvPr id="8" name="Text Placeholder 2"/>
+          <p:cNvSpPr>
+            <a:spLocks noGrp="1"/>
+          </p:cNvSpPr>
+          <p:nvPr>
+            <p:ph type="body" sz="half" idx="1"/>
+          </p:nvPr>
+        </p:nvSpPr>
+        <p:spPr>
+          <a:xfrm>
+            <a:off x="142865" y="1200151"/>
+            <a:ext cx="8865056" cy="3394472"/>
+          </a:xfrm>
+        </p:spPr>
+        <p:txBody>
+          <a:bodyPr>
+            <a:noAutofit/>
+          </a:bodyPr>
+          <a:lstStyle/>
+          <a:p>
+            <a:pPr marL="0" indent="0" algn="just">
+              <a:buNone/>
+            </a:pPr>
+            <a:endParaRPr lang="pt-BR" sz="2000" dirty="0">
+              <a:latin typeface="Times New Roman" panose="02020603050405020304" pitchFamily="18" charset="0"/>
+              <a:cs typeface="Times New Roman" panose="02020603050405020304" pitchFamily="18" charset="0"/>
+            </a:endParaRPr>
+          </a:p>
+          <a:p>
+            <a:pPr marL="0" indent="0" algn="just">
+              <a:buNone/>
+            </a:pPr>
+            <a:r>
+              <a:rPr lang="pt-BR" sz="2000" dirty="0">
+                <a:latin typeface="Times New Roman" panose="02020603050405020304" pitchFamily="18" charset="0"/>
+                <a:cs typeface="Times New Roman" panose="02020603050405020304" pitchFamily="18" charset="0"/>
+              </a:rPr>
+              <a:t>[1] </a:t>
+            </a:r>
+            <a:r>
+              <a:rPr lang="pt-BR" sz="2000" dirty="0">
+                <a:latin typeface="Times New Roman" panose="02020603050405020304" pitchFamily="18" charset="0"/>
+                <a:cs typeface="Times New Roman" panose="02020603050405020304" pitchFamily="18" charset="0"/>
+                <a:hlinkClick r:id="rId3"/>
+              </a:rPr>
+              <a:t>https://www.programiz.com/python-programming/variables-constants-literals</a:t>
+            </a:r>
+            <a:endParaRPr lang="pt-BR" sz="2000" dirty="0">
+              <a:latin typeface="Times New Roman" panose="02020603050405020304" pitchFamily="18" charset="0"/>
+              <a:cs typeface="Times New Roman" panose="02020603050405020304" pitchFamily="18" charset="0"/>
+            </a:endParaRPr>
+          </a:p>
+          <a:p>
+            <a:pPr marL="0" indent="0" algn="just">
+              <a:buNone/>
+            </a:pPr>
+            <a:endParaRPr lang="pt-BR" sz="2000" dirty="0">
+              <a:latin typeface="Times New Roman" panose="02020603050405020304" pitchFamily="18" charset="0"/>
+              <a:cs typeface="Times New Roman" panose="02020603050405020304" pitchFamily="18" charset="0"/>
+            </a:endParaRPr>
+          </a:p>
+          <a:p>
+            <a:pPr marL="0" indent="0" algn="just">
+              <a:buNone/>
+            </a:pPr>
+            <a:r>
+              <a:rPr lang="pt-BR" sz="2000" dirty="0">
+                <a:latin typeface="Times New Roman" panose="02020603050405020304" pitchFamily="18" charset="0"/>
+                <a:cs typeface="Times New Roman" panose="02020603050405020304" pitchFamily="18" charset="0"/>
+              </a:rPr>
+              <a:t>[2] </a:t>
+            </a:r>
+            <a:r>
+              <a:rPr lang="pt-BR" sz="2000" dirty="0">
+                <a:latin typeface="Times New Roman" panose="02020603050405020304" pitchFamily="18" charset="0"/>
+                <a:cs typeface="Times New Roman" panose="02020603050405020304" pitchFamily="18" charset="0"/>
+                <a:hlinkClick r:id="rId4"/>
+              </a:rPr>
+              <a:t>https://www.programiz.com/python-programming/examples/swap-variables</a:t>
+            </a:r>
+            <a:endParaRPr lang="pt-BR" sz="2000" dirty="0">
+              <a:latin typeface="Times New Roman" panose="02020603050405020304" pitchFamily="18" charset="0"/>
+              <a:cs typeface="Times New Roman" panose="02020603050405020304" pitchFamily="18" charset="0"/>
+            </a:endParaRPr>
+          </a:p>
+          <a:p>
+            <a:pPr marL="0" indent="0" algn="just">
+              <a:buNone/>
+            </a:pPr>
+            <a:endParaRPr lang="pt-BR" sz="2000" dirty="0">
+              <a:latin typeface="Times New Roman" panose="02020603050405020304" pitchFamily="18" charset="0"/>
+              <a:cs typeface="Times New Roman" panose="02020603050405020304" pitchFamily="18" charset="0"/>
+            </a:endParaRPr>
+          </a:p>
+          <a:p>
+            <a:pPr marL="0" indent="0" algn="just">
+              <a:buNone/>
+            </a:pPr>
+            <a:r>
+              <a:rPr lang="pt-BR" sz="2000" dirty="0">
+                <a:latin typeface="Times New Roman" panose="02020603050405020304" pitchFamily="18" charset="0"/>
+                <a:cs typeface="Times New Roman" panose="02020603050405020304" pitchFamily="18" charset="0"/>
+              </a:rPr>
+              <a:t>- </a:t>
+            </a:r>
+            <a:r>
+              <a:rPr lang="pt-BR" sz="2000" dirty="0" err="1">
+                <a:latin typeface="Times New Roman" panose="02020603050405020304" pitchFamily="18" charset="0"/>
+                <a:cs typeface="Times New Roman" panose="02020603050405020304" pitchFamily="18" charset="0"/>
+              </a:rPr>
+              <a:t>Tuplas</a:t>
+            </a:r>
+            <a:r>
+              <a:rPr lang="pt-BR" sz="2000" dirty="0">
+                <a:latin typeface="Times New Roman" panose="02020603050405020304" pitchFamily="18" charset="0"/>
+                <a:cs typeface="Times New Roman" panose="02020603050405020304" pitchFamily="18" charset="0"/>
+              </a:rPr>
+              <a:t> Nomeadas</a:t>
+            </a:r>
+          </a:p>
+          <a:p>
+            <a:pPr marL="0" indent="0" algn="just">
+              <a:buNone/>
+            </a:pPr>
+            <a:r>
+              <a:rPr lang="pt-BR" sz="2000" dirty="0">
+                <a:latin typeface="Times New Roman" panose="02020603050405020304" pitchFamily="18" charset="0"/>
+                <a:cs typeface="Times New Roman" panose="02020603050405020304" pitchFamily="18" charset="0"/>
+              </a:rPr>
+              <a:t>[3] </a:t>
+            </a:r>
+            <a:r>
+              <a:rPr lang="pt-BR" sz="2000" dirty="0">
+                <a:latin typeface="Times New Roman" panose="02020603050405020304" pitchFamily="18" charset="0"/>
+                <a:cs typeface="Times New Roman" panose="02020603050405020304" pitchFamily="18" charset="0"/>
+                <a:hlinkClick r:id="rId5"/>
+              </a:rPr>
+              <a:t>https://www.youtube.com/watch?v=IkoaXbLsUg8</a:t>
+            </a:r>
+            <a:endParaRPr lang="pt-BR" sz="2000" dirty="0">
+              <a:latin typeface="Times New Roman" panose="02020603050405020304" pitchFamily="18" charset="0"/>
+              <a:cs typeface="Times New Roman" panose="02020603050405020304" pitchFamily="18" charset="0"/>
+            </a:endParaRPr>
+          </a:p>
+          <a:p>
+            <a:pPr marL="0" indent="0" algn="just">
+              <a:buNone/>
+            </a:pPr>
+            <a:endParaRPr lang="pt-BR" sz="2000" dirty="0">
+              <a:latin typeface="Times New Roman" panose="02020603050405020304" pitchFamily="18" charset="0"/>
+              <a:cs typeface="Times New Roman" panose="02020603050405020304" pitchFamily="18" charset="0"/>
+            </a:endParaRPr>
+          </a:p>
+          <a:p>
+            <a:pPr marL="0" indent="0" algn="just">
+              <a:buNone/>
+            </a:pPr>
+            <a:endParaRPr lang="pt-BR" sz="2000" dirty="0">
+              <a:latin typeface="Times New Roman" panose="02020603050405020304" pitchFamily="18" charset="0"/>
+              <a:cs typeface="Times New Roman" panose="02020603050405020304" pitchFamily="18" charset="0"/>
+            </a:endParaRPr>
+          </a:p>
+          <a:p>
+            <a:pPr marL="0" indent="0" algn="just">
+              <a:buNone/>
+            </a:pPr>
+            <a:endParaRPr lang="pt-BR" sz="2000" dirty="0">
+              <a:latin typeface="Calibri" panose="020F0502020204030204" pitchFamily="34" charset="0"/>
+            </a:endParaRPr>
+          </a:p>
+        </p:txBody>
+      </p:sp>
+    </p:spTree>
+    <p:extLst>
+      <p:ext uri="{BB962C8B-B14F-4D97-AF65-F5344CB8AC3E}">
+        <p14:creationId xmlns:p14="http://schemas.microsoft.com/office/powerpoint/2010/main" val="3680270425"/>
+      </p:ext>
+    </p:extLst>
+  </p:cSld>
+  <p:clrMapOvr>
+    <a:masterClrMapping/>
+  </p:clrMapOvr>
+  <p:transition spd="med"/>
+</p:sld>
+</file>
+
+<file path=ppt/slides/slide25.xml><?xml version="1.0" encoding="utf-8"?>
+<p:sld xmlns:a="http://schemas.openxmlformats.org/drawingml/2006/main" xmlns:r="http://schemas.openxmlformats.org/officeDocument/2006/relationships" xmlns:p="http://schemas.openxmlformats.org/presentationml/2006/main">
+  <p:cSld>
+    <p:spTree>
+      <p:nvGrpSpPr>
+        <p:cNvPr id="1" name=""/>
+        <p:cNvGrpSpPr/>
+        <p:nvPr/>
+      </p:nvGrpSpPr>
+      <p:grpSpPr>
+        <a:xfrm>
+          <a:off x="0" y="0"/>
+          <a:ext cx="0" cy="0"/>
+          <a:chOff x="0" y="0"/>
+          <a:chExt cx="0" cy="0"/>
+        </a:xfrm>
+      </p:grpSpPr>
+      <p:sp>
+        <p:nvSpPr>
+          <p:cNvPr id="6" name="Title 1"/>
+          <p:cNvSpPr>
+            <a:spLocks noGrp="1"/>
+          </p:cNvSpPr>
+          <p:nvPr>
+            <p:ph type="title"/>
+          </p:nvPr>
+        </p:nvSpPr>
+        <p:spPr/>
+        <p:txBody>
+          <a:bodyPr>
+            <a:normAutofit/>
+          </a:bodyPr>
+          <a:lstStyle/>
+          <a:p>
+            <a:r>
+              <a:rPr lang="en-US" b="1" dirty="0" err="1">
+                <a:solidFill>
+                  <a:srgbClr val="0070C0"/>
+                </a:solidFill>
+              </a:rPr>
+              <a:t>Dinâmica</a:t>
+            </a:r>
+            <a:r>
+              <a:rPr lang="en-US" b="1" dirty="0">
+                <a:solidFill>
+                  <a:srgbClr val="0070C0"/>
+                </a:solidFill>
+              </a:rPr>
+              <a:t>/</a:t>
+            </a:r>
+            <a:r>
+              <a:rPr lang="en-US" b="1" dirty="0" err="1">
+                <a:solidFill>
+                  <a:srgbClr val="0070C0"/>
+                </a:solidFill>
+              </a:rPr>
+              <a:t>Atividades</a:t>
+            </a:r>
+            <a:endParaRPr lang="en-US" b="1" dirty="0">
+              <a:solidFill>
+                <a:srgbClr val="0070C0"/>
+              </a:solidFill>
+            </a:endParaRPr>
+          </a:p>
+        </p:txBody>
+      </p:sp>
+      <p:sp>
+        <p:nvSpPr>
+          <p:cNvPr id="8" name="Text Placeholder 2"/>
+          <p:cNvSpPr>
+            <a:spLocks noGrp="1"/>
+          </p:cNvSpPr>
+          <p:nvPr>
+            <p:ph type="body" sz="half" idx="1"/>
+          </p:nvPr>
+        </p:nvSpPr>
+        <p:spPr>
+          <a:xfrm>
+            <a:off x="139472" y="1063230"/>
+            <a:ext cx="8865056" cy="3606305"/>
+          </a:xfrm>
+        </p:spPr>
+        <p:txBody>
+          <a:bodyPr>
+            <a:noAutofit/>
+          </a:bodyPr>
+          <a:lstStyle/>
+          <a:p>
+            <a:pPr algn="just">
+              <a:buFontTx/>
+              <a:buChar char="-"/>
+            </a:pPr>
+            <a:r>
+              <a:rPr lang="pt-BR" dirty="0">
+                <a:latin typeface="Times New Roman" panose="02020603050405020304" pitchFamily="18" charset="0"/>
+                <a:cs typeface="Times New Roman" panose="02020603050405020304" pitchFamily="18" charset="0"/>
+              </a:rPr>
+              <a:t>Exercícios de Fixação</a:t>
+            </a:r>
+          </a:p>
+          <a:p>
+            <a:pPr marL="0" indent="0" algn="just">
+              <a:buNone/>
+            </a:pPr>
+            <a:r>
+              <a:rPr lang="pt-BR" dirty="0">
+                <a:latin typeface="Times New Roman" panose="02020603050405020304" pitchFamily="18" charset="0"/>
+                <a:cs typeface="Times New Roman" panose="02020603050405020304" pitchFamily="18" charset="0"/>
+              </a:rPr>
+              <a:t>	Desafios em Sala de Aula.</a:t>
+            </a:r>
+          </a:p>
+        </p:txBody>
+      </p:sp>
+    </p:spTree>
+    <p:extLst>
+      <p:ext uri="{BB962C8B-B14F-4D97-AF65-F5344CB8AC3E}">
+        <p14:creationId xmlns:p14="http://schemas.microsoft.com/office/powerpoint/2010/main" val="2470652989"/>
+      </p:ext>
+    </p:extLst>
+  </p:cSld>
+  <p:clrMapOvr>
+    <a:masterClrMapping/>
+  </p:clrMapOvr>
+  <p:transition spd="med"/>
+</p:sld>
+</file>
+
+<file path=ppt/slides/slide26.xml><?xml version="1.0" encoding="utf-8"?>
+<p:sld xmlns:a="http://schemas.openxmlformats.org/drawingml/2006/main" xmlns:r="http://schemas.openxmlformats.org/officeDocument/2006/relationships" xmlns:p="http://schemas.openxmlformats.org/presentationml/2006/main">
+  <p:cSld>
+    <p:spTree>
+      <p:nvGrpSpPr>
+        <p:cNvPr id="1" name=""/>
+        <p:cNvGrpSpPr/>
+        <p:nvPr/>
+      </p:nvGrpSpPr>
+      <p:grpSpPr>
+        <a:xfrm>
+          <a:off x="0" y="0"/>
+          <a:ext cx="0" cy="0"/>
+          <a:chOff x="0" y="0"/>
+          <a:chExt cx="0" cy="0"/>
+        </a:xfrm>
+      </p:grpSpPr>
+      <p:sp>
+        <p:nvSpPr>
+          <p:cNvPr id="6" name="Title 1"/>
+          <p:cNvSpPr>
+            <a:spLocks noGrp="1"/>
+          </p:cNvSpPr>
+          <p:nvPr>
+            <p:ph type="title"/>
+          </p:nvPr>
+        </p:nvSpPr>
+        <p:spPr/>
+        <p:txBody>
+          <a:bodyPr>
+            <a:normAutofit/>
+          </a:bodyPr>
+          <a:lstStyle/>
+          <a:p>
+            <a:r>
+              <a:rPr lang="en-US" b="1" dirty="0" err="1">
+                <a:solidFill>
+                  <a:srgbClr val="0070C0"/>
+                </a:solidFill>
+              </a:rPr>
               <a:t>Referências</a:t>
             </a:r>
             <a:r>
@@ -11830,7 +12705,7 @@
 </p:sld>
 </file>
 
-<file path=ppt/slides/slide25.xml><?xml version="1.0" encoding="utf-8"?>
+<file path=ppt/slides/slide27.xml><?xml version="1.0" encoding="utf-8"?>
 <p:sld xmlns:a="http://schemas.openxmlformats.org/drawingml/2006/main" xmlns:r="http://schemas.openxmlformats.org/officeDocument/2006/relationships" xmlns:p="http://schemas.openxmlformats.org/presentationml/2006/main">
   <p:cSld>
     <p:spTree>
@@ -13879,7 +14754,72 @@
                 <a:latin typeface="Times New Roman" panose="02020603050405020304" pitchFamily="18" charset="0"/>
                 <a:cs typeface="Times New Roman" panose="02020603050405020304" pitchFamily="18" charset="0"/>
               </a:rPr>
-              <a:t>Exemplo Lista:  </a:t>
+              <a:t>Exemplo Removendo da Lista: </a:t>
+            </a:r>
+            <a:r>
+              <a:rPr lang="pt-BR" dirty="0">
+                <a:solidFill>
+                  <a:schemeClr val="tx1"/>
+                </a:solidFill>
+                <a:latin typeface="Times New Roman" panose="02020603050405020304" pitchFamily="18" charset="0"/>
+                <a:cs typeface="Times New Roman" panose="02020603050405020304" pitchFamily="18" charset="0"/>
+              </a:rPr>
+              <a:t>lista = [3, 7, 9, 0, 7, 1, 4]</a:t>
+            </a:r>
+          </a:p>
+          <a:p>
+            <a:pPr marL="0" indent="0" algn="just">
+              <a:buNone/>
+            </a:pPr>
+            <a:r>
+              <a:rPr lang="pt-BR" dirty="0">
+                <a:solidFill>
+                  <a:schemeClr val="tx1"/>
+                </a:solidFill>
+                <a:latin typeface="Times New Roman" panose="02020603050405020304" pitchFamily="18" charset="0"/>
+                <a:cs typeface="Times New Roman" panose="02020603050405020304" pitchFamily="18" charset="0"/>
+              </a:rPr>
+              <a:t># </a:t>
+            </a:r>
+            <a:r>
+              <a:rPr lang="pt-BR" b="1" dirty="0" err="1">
+                <a:solidFill>
+                  <a:schemeClr val="tx1"/>
+                </a:solidFill>
+                <a:latin typeface="Times New Roman" panose="02020603050405020304" pitchFamily="18" charset="0"/>
+                <a:cs typeface="Times New Roman" panose="02020603050405020304" pitchFamily="18" charset="0"/>
+              </a:rPr>
+              <a:t>while</a:t>
+            </a:r>
+            <a:r>
+              <a:rPr lang="pt-BR" dirty="0">
+                <a:solidFill>
+                  <a:schemeClr val="tx1"/>
+                </a:solidFill>
+                <a:latin typeface="Times New Roman" panose="02020603050405020304" pitchFamily="18" charset="0"/>
+                <a:cs typeface="Times New Roman" panose="02020603050405020304" pitchFamily="18" charset="0"/>
+              </a:rPr>
+              <a:t> 7 </a:t>
+            </a:r>
+            <a:r>
+              <a:rPr lang="pt-BR" b="1" dirty="0">
+                <a:solidFill>
+                  <a:schemeClr val="tx1"/>
+                </a:solidFill>
+                <a:latin typeface="Times New Roman" panose="02020603050405020304" pitchFamily="18" charset="0"/>
+                <a:cs typeface="Times New Roman" panose="02020603050405020304" pitchFamily="18" charset="0"/>
+              </a:rPr>
+              <a:t>in</a:t>
+            </a:r>
+            <a:r>
+              <a:rPr lang="pt-BR" dirty="0">
+                <a:solidFill>
+                  <a:schemeClr val="tx1"/>
+                </a:solidFill>
+                <a:latin typeface="Times New Roman" panose="02020603050405020304" pitchFamily="18" charset="0"/>
+                <a:cs typeface="Times New Roman" panose="02020603050405020304" pitchFamily="18" charset="0"/>
+              </a:rPr>
+              <a:t> lista: </a:t>
             </a:r>
             <a:r>
               <a:rPr lang="pt-BR" dirty="0" err="1">
@@ -13889,7 +14829,17 @@
                 <a:latin typeface="Times New Roman" panose="02020603050405020304" pitchFamily="18" charset="0"/>
                 <a:cs typeface="Times New Roman" panose="02020603050405020304" pitchFamily="18" charset="0"/>
               </a:rPr>
-              <a:t>umaLista</a:t>
+              <a:t>lista.</a:t>
+            </a:r>
+            <a:r>
+              <a:rPr lang="pt-BR" b="1" dirty="0" err="1">
+                <a:solidFill>
+                  <a:schemeClr val="tx1"/>
+                </a:solidFill>
+                <a:latin typeface="Times New Roman" panose="02020603050405020304" pitchFamily="18" charset="0"/>
+                <a:cs typeface="Times New Roman" panose="02020603050405020304" pitchFamily="18" charset="0"/>
+              </a:rPr>
+              <a:t>remove</a:t>
             </a:r>
             <a:r>
               <a:rPr lang="pt-BR" dirty="0">
@@ -13899,40 +14849,147 @@
                 <a:latin typeface="Times New Roman" panose="02020603050405020304" pitchFamily="18" charset="0"/>
                 <a:cs typeface="Times New Roman" panose="02020603050405020304" pitchFamily="18" charset="0"/>
               </a:rPr>
-              <a:t> = [1, 4, 8, 5, 7, 9]</a:t>
-            </a:r>
-          </a:p>
-          <a:p>
-            <a:pPr algn="just">
-              <a:buFontTx/>
-              <a:buChar char="-"/>
+              <a:t>(7)</a:t>
+            </a:r>
+          </a:p>
+          <a:p>
+            <a:pPr marL="0" indent="0" algn="just">
+              <a:buNone/>
             </a:pPr>
             <a:r>
               <a:rPr lang="pt-BR" dirty="0">
-                <a:latin typeface="Times New Roman" panose="02020603050405020304" pitchFamily="18" charset="0"/>
-                <a:cs typeface="Times New Roman" panose="02020603050405020304" pitchFamily="18" charset="0"/>
-              </a:rPr>
-              <a:t>Imprimindo um único elemento: print(</a:t>
+                <a:solidFill>
+                  <a:schemeClr val="tx1"/>
+                </a:solidFill>
+                <a:latin typeface="Times New Roman" panose="02020603050405020304" pitchFamily="18" charset="0"/>
+                <a:cs typeface="Times New Roman" panose="02020603050405020304" pitchFamily="18" charset="0"/>
+              </a:rPr>
+              <a:t># lista[:] = (</a:t>
             </a:r>
             <a:r>
               <a:rPr lang="pt-BR" dirty="0" err="1">
-                <a:latin typeface="Times New Roman" panose="02020603050405020304" pitchFamily="18" charset="0"/>
-                <a:cs typeface="Times New Roman" panose="02020603050405020304" pitchFamily="18" charset="0"/>
-              </a:rPr>
-              <a:t>umaLista</a:t>
+                <a:solidFill>
+                  <a:schemeClr val="tx1"/>
+                </a:solidFill>
+                <a:latin typeface="Times New Roman" panose="02020603050405020304" pitchFamily="18" charset="0"/>
+                <a:cs typeface="Times New Roman" panose="02020603050405020304" pitchFamily="18" charset="0"/>
+              </a:rPr>
+              <a:t>value</a:t>
             </a:r>
             <a:r>
               <a:rPr lang="pt-BR" dirty="0">
-                <a:latin typeface="Times New Roman" panose="02020603050405020304" pitchFamily="18" charset="0"/>
-                <a:cs typeface="Times New Roman" panose="02020603050405020304" pitchFamily="18" charset="0"/>
-              </a:rPr>
-              <a:t>[2]) =&gt; 8</a:t>
-            </a:r>
-          </a:p>
-          <a:p>
-            <a:pPr algn="just">
-              <a:buFontTx/>
-              <a:buChar char="-"/>
+                <a:solidFill>
+                  <a:schemeClr val="tx1"/>
+                </a:solidFill>
+                <a:latin typeface="Times New Roman" panose="02020603050405020304" pitchFamily="18" charset="0"/>
+                <a:cs typeface="Times New Roman" panose="02020603050405020304" pitchFamily="18" charset="0"/>
+              </a:rPr>
+              <a:t> </a:t>
+            </a:r>
+            <a:r>
+              <a:rPr lang="pt-BR" b="1" dirty="0">
+                <a:solidFill>
+                  <a:schemeClr val="tx1"/>
+                </a:solidFill>
+                <a:latin typeface="Times New Roman" panose="02020603050405020304" pitchFamily="18" charset="0"/>
+                <a:cs typeface="Times New Roman" panose="02020603050405020304" pitchFamily="18" charset="0"/>
+              </a:rPr>
+              <a:t>for</a:t>
+            </a:r>
+            <a:r>
+              <a:rPr lang="pt-BR" dirty="0">
+                <a:solidFill>
+                  <a:schemeClr val="tx1"/>
+                </a:solidFill>
+                <a:latin typeface="Times New Roman" panose="02020603050405020304" pitchFamily="18" charset="0"/>
+                <a:cs typeface="Times New Roman" panose="02020603050405020304" pitchFamily="18" charset="0"/>
+              </a:rPr>
+              <a:t> </a:t>
+            </a:r>
+            <a:r>
+              <a:rPr lang="pt-BR" dirty="0" err="1">
+                <a:solidFill>
+                  <a:schemeClr val="tx1"/>
+                </a:solidFill>
+                <a:latin typeface="Times New Roman" panose="02020603050405020304" pitchFamily="18" charset="0"/>
+                <a:cs typeface="Times New Roman" panose="02020603050405020304" pitchFamily="18" charset="0"/>
+              </a:rPr>
+              <a:t>value</a:t>
+            </a:r>
+            <a:r>
+              <a:rPr lang="pt-BR" dirty="0">
+                <a:solidFill>
+                  <a:schemeClr val="tx1"/>
+                </a:solidFill>
+                <a:latin typeface="Times New Roman" panose="02020603050405020304" pitchFamily="18" charset="0"/>
+                <a:cs typeface="Times New Roman" panose="02020603050405020304" pitchFamily="18" charset="0"/>
+              </a:rPr>
+              <a:t> </a:t>
+            </a:r>
+            <a:r>
+              <a:rPr lang="pt-BR" b="1" dirty="0">
+                <a:solidFill>
+                  <a:schemeClr val="tx1"/>
+                </a:solidFill>
+                <a:latin typeface="Times New Roman" panose="02020603050405020304" pitchFamily="18" charset="0"/>
+                <a:cs typeface="Times New Roman" panose="02020603050405020304" pitchFamily="18" charset="0"/>
+              </a:rPr>
+              <a:t>in</a:t>
+            </a:r>
+            <a:r>
+              <a:rPr lang="pt-BR" dirty="0">
+                <a:solidFill>
+                  <a:schemeClr val="tx1"/>
+                </a:solidFill>
+                <a:latin typeface="Times New Roman" panose="02020603050405020304" pitchFamily="18" charset="0"/>
+                <a:cs typeface="Times New Roman" panose="02020603050405020304" pitchFamily="18" charset="0"/>
+              </a:rPr>
+              <a:t> lista </a:t>
+            </a:r>
+            <a:r>
+              <a:rPr lang="pt-BR" b="1" dirty="0" err="1">
+                <a:solidFill>
+                  <a:schemeClr val="tx1"/>
+                </a:solidFill>
+                <a:latin typeface="Times New Roman" panose="02020603050405020304" pitchFamily="18" charset="0"/>
+                <a:cs typeface="Times New Roman" panose="02020603050405020304" pitchFamily="18" charset="0"/>
+              </a:rPr>
+              <a:t>if</a:t>
+            </a:r>
+            <a:r>
+              <a:rPr lang="pt-BR" dirty="0">
+                <a:solidFill>
+                  <a:schemeClr val="tx1"/>
+                </a:solidFill>
+                <a:latin typeface="Times New Roman" panose="02020603050405020304" pitchFamily="18" charset="0"/>
+                <a:cs typeface="Times New Roman" panose="02020603050405020304" pitchFamily="18" charset="0"/>
+              </a:rPr>
+              <a:t> </a:t>
+            </a:r>
+            <a:r>
+              <a:rPr lang="pt-BR" dirty="0" err="1">
+                <a:solidFill>
+                  <a:schemeClr val="tx1"/>
+                </a:solidFill>
+                <a:latin typeface="Times New Roman" panose="02020603050405020304" pitchFamily="18" charset="0"/>
+                <a:cs typeface="Times New Roman" panose="02020603050405020304" pitchFamily="18" charset="0"/>
+              </a:rPr>
+              <a:t>value</a:t>
+            </a:r>
+            <a:r>
+              <a:rPr lang="pt-BR" dirty="0">
+                <a:solidFill>
+                  <a:schemeClr val="tx1"/>
+                </a:solidFill>
+                <a:latin typeface="Times New Roman" panose="02020603050405020304" pitchFamily="18" charset="0"/>
+                <a:cs typeface="Times New Roman" panose="02020603050405020304" pitchFamily="18" charset="0"/>
+              </a:rPr>
+              <a:t> != 7)</a:t>
+            </a:r>
+          </a:p>
+          <a:p>
+            <a:pPr marL="0" indent="0" algn="just">
+              <a:buNone/>
             </a:pPr>
             <a:r>
               <a:rPr lang="pt-BR" dirty="0">
@@ -13942,24 +14999,82 @@
                 <a:latin typeface="Times New Roman" panose="02020603050405020304" pitchFamily="18" charset="0"/>
                 <a:cs typeface="Times New Roman" panose="02020603050405020304" pitchFamily="18" charset="0"/>
               </a:rPr>
-              <a:t>Seleciona tudo até o indicado com”</a:t>
+              <a:t># lista = </a:t>
+            </a:r>
+            <a:r>
+              <a:rPr lang="pt-BR" b="1" dirty="0" err="1">
+                <a:solidFill>
+                  <a:srgbClr val="FF0000"/>
+                </a:solidFill>
+                <a:latin typeface="Times New Roman" panose="02020603050405020304" pitchFamily="18" charset="0"/>
+                <a:cs typeface="Times New Roman" panose="02020603050405020304" pitchFamily="18" charset="0"/>
+              </a:rPr>
+              <a:t>list</a:t>
+            </a:r>
+            <a:r>
+              <a:rPr lang="pt-BR" dirty="0">
+                <a:solidFill>
+                  <a:schemeClr val="tx1"/>
+                </a:solidFill>
+                <a:latin typeface="Times New Roman" panose="02020603050405020304" pitchFamily="18" charset="0"/>
+                <a:cs typeface="Times New Roman" panose="02020603050405020304" pitchFamily="18" charset="0"/>
+              </a:rPr>
+              <a:t>(</a:t>
+            </a:r>
+            <a:r>
+              <a:rPr lang="pt-BR" b="1" dirty="0" err="1">
+                <a:solidFill>
+                  <a:schemeClr val="tx1"/>
+                </a:solidFill>
+                <a:latin typeface="Times New Roman" panose="02020603050405020304" pitchFamily="18" charset="0"/>
+                <a:cs typeface="Times New Roman" panose="02020603050405020304" pitchFamily="18" charset="0"/>
+              </a:rPr>
+              <a:t>filter</a:t>
+            </a:r>
+            <a:r>
+              <a:rPr lang="pt-BR" dirty="0">
+                <a:solidFill>
+                  <a:schemeClr val="tx1"/>
+                </a:solidFill>
+                <a:latin typeface="Times New Roman" panose="02020603050405020304" pitchFamily="18" charset="0"/>
+                <a:cs typeface="Times New Roman" panose="02020603050405020304" pitchFamily="18" charset="0"/>
+              </a:rPr>
+              <a:t>(</a:t>
             </a:r>
             <a:r>
               <a:rPr lang="pt-BR" b="1" dirty="0">
                 <a:solidFill>
-                  <a:srgbClr val="0070C0"/>
-                </a:solidFill>
-                <a:latin typeface="Times New Roman" panose="02020603050405020304" pitchFamily="18" charset="0"/>
-                <a:cs typeface="Times New Roman" panose="02020603050405020304" pitchFamily="18" charset="0"/>
-              </a:rPr>
-              <a:t>:</a:t>
+                  <a:schemeClr val="tx1"/>
+                </a:solidFill>
+                <a:latin typeface="Times New Roman" panose="02020603050405020304" pitchFamily="18" charset="0"/>
+                <a:cs typeface="Times New Roman" panose="02020603050405020304" pitchFamily="18" charset="0"/>
+              </a:rPr>
+              <a:t>lambda</a:t>
             </a:r>
             <a:r>
               <a:rPr lang="pt-BR" dirty="0">
-                <a:latin typeface="Times New Roman" panose="02020603050405020304" pitchFamily="18" charset="0"/>
-                <a:cs typeface="Times New Roman" panose="02020603050405020304" pitchFamily="18" charset="0"/>
-              </a:rPr>
-              <a:t>”</a:t>
+                <a:solidFill>
+                  <a:schemeClr val="tx1"/>
+                </a:solidFill>
+                <a:latin typeface="Times New Roman" panose="02020603050405020304" pitchFamily="18" charset="0"/>
+                <a:cs typeface="Times New Roman" panose="02020603050405020304" pitchFamily="18" charset="0"/>
+              </a:rPr>
+              <a:t> a: a != 7, lista))</a:t>
+            </a:r>
+          </a:p>
+          <a:p>
+            <a:pPr marL="0" indent="0" algn="just">
+              <a:buNone/>
+            </a:pPr>
+            <a:r>
+              <a:rPr lang="pt-BR" b="1" dirty="0">
+                <a:solidFill>
+                  <a:schemeClr val="tx1"/>
+                </a:solidFill>
+                <a:latin typeface="Times New Roman" panose="02020603050405020304" pitchFamily="18" charset="0"/>
+                <a:cs typeface="Times New Roman" panose="02020603050405020304" pitchFamily="18" charset="0"/>
+              </a:rPr>
+              <a:t>print</a:t>
             </a:r>
             <a:r>
               <a:rPr lang="pt-BR" dirty="0">
@@ -13969,72 +15084,7 @@
                 <a:latin typeface="Times New Roman" panose="02020603050405020304" pitchFamily="18" charset="0"/>
                 <a:cs typeface="Times New Roman" panose="02020603050405020304" pitchFamily="18" charset="0"/>
               </a:rPr>
-              <a:t> </a:t>
-            </a:r>
-            <a:r>
-              <a:rPr lang="pt-BR" b="1" dirty="0">
-                <a:solidFill>
-                  <a:srgbClr val="FF0000"/>
-                </a:solidFill>
-                <a:latin typeface="Times New Roman" panose="02020603050405020304" pitchFamily="18" charset="0"/>
-                <a:cs typeface="Times New Roman" panose="02020603050405020304" pitchFamily="18" charset="0"/>
-              </a:rPr>
-              <a:t>Atenção: Exclui o último elemento.</a:t>
-            </a:r>
-          </a:p>
-          <a:p>
-            <a:pPr marL="0" indent="0" algn="just">
-              <a:buNone/>
-            </a:pPr>
-            <a:r>
-              <a:rPr lang="pt-BR" dirty="0">
-                <a:solidFill>
-                  <a:schemeClr val="tx1"/>
-                </a:solidFill>
-                <a:latin typeface="Times New Roman" panose="02020603050405020304" pitchFamily="18" charset="0"/>
-                <a:cs typeface="Times New Roman" panose="02020603050405020304" pitchFamily="18" charset="0"/>
-              </a:rPr>
-              <a:t>   Ex.: </a:t>
-            </a:r>
-            <a:r>
-              <a:rPr lang="pt-BR" b="1" dirty="0">
-                <a:solidFill>
-                  <a:schemeClr val="tx1"/>
-                </a:solidFill>
-                <a:latin typeface="Times New Roman" panose="02020603050405020304" pitchFamily="18" charset="0"/>
-                <a:cs typeface="Times New Roman" panose="02020603050405020304" pitchFamily="18" charset="0"/>
-              </a:rPr>
-              <a:t>print</a:t>
-            </a:r>
-            <a:r>
-              <a:rPr lang="pt-BR" dirty="0">
-                <a:solidFill>
-                  <a:schemeClr val="tx1"/>
-                </a:solidFill>
-                <a:latin typeface="Times New Roman" panose="02020603050405020304" pitchFamily="18" charset="0"/>
-                <a:cs typeface="Times New Roman" panose="02020603050405020304" pitchFamily="18" charset="0"/>
-              </a:rPr>
-              <a:t>(</a:t>
-            </a:r>
-            <a:r>
-              <a:rPr lang="pt-BR" dirty="0" err="1">
-                <a:solidFill>
-                  <a:schemeClr val="tx1"/>
-                </a:solidFill>
-                <a:latin typeface="Times New Roman" panose="02020603050405020304" pitchFamily="18" charset="0"/>
-                <a:cs typeface="Times New Roman" panose="02020603050405020304" pitchFamily="18" charset="0"/>
-              </a:rPr>
-              <a:t>umaLista</a:t>
-            </a:r>
-            <a:r>
-              <a:rPr lang="pt-BR" dirty="0">
-                <a:solidFill>
-                  <a:schemeClr val="tx1"/>
-                </a:solidFill>
-                <a:latin typeface="Times New Roman" panose="02020603050405020304" pitchFamily="18" charset="0"/>
-                <a:cs typeface="Times New Roman" panose="02020603050405020304" pitchFamily="18" charset="0"/>
-              </a:rPr>
-              <a:t>[:3]) =&gt; 1, 4, 8</a:t>
+              <a:t>(lista)</a:t>
             </a:r>
           </a:p>
         </p:txBody>
@@ -14176,236 +15226,8 @@
                 <a:latin typeface="Times New Roman" panose="02020603050405020304" pitchFamily="18" charset="0"/>
                 <a:cs typeface="Times New Roman" panose="02020603050405020304" pitchFamily="18" charset="0"/>
               </a:rPr>
-              <a:t>Exemplo Lista: </a:t>
-            </a:r>
-            <a:r>
-              <a:rPr lang="pt-BR" dirty="0" err="1">
-                <a:solidFill>
-                  <a:schemeClr val="tx1"/>
-                </a:solidFill>
-                <a:latin typeface="Times New Roman" panose="02020603050405020304" pitchFamily="18" charset="0"/>
-                <a:cs typeface="Times New Roman" panose="02020603050405020304" pitchFamily="18" charset="0"/>
-              </a:rPr>
-              <a:t>umaLista</a:t>
-            </a:r>
-            <a:r>
-              <a:rPr lang="pt-BR" dirty="0">
-                <a:solidFill>
-                  <a:schemeClr val="tx1"/>
-                </a:solidFill>
-                <a:latin typeface="Times New Roman" panose="02020603050405020304" pitchFamily="18" charset="0"/>
-                <a:cs typeface="Times New Roman" panose="02020603050405020304" pitchFamily="18" charset="0"/>
-              </a:rPr>
-              <a:t> = [1, 4, 8, 5, 7, 9]</a:t>
-            </a:r>
-          </a:p>
-          <a:p>
-            <a:pPr algn="just">
-              <a:buFontTx/>
-              <a:buChar char="-"/>
-            </a:pPr>
-            <a:r>
-              <a:rPr lang="pt-BR" dirty="0">
-                <a:solidFill>
-                  <a:schemeClr val="tx1"/>
-                </a:solidFill>
-                <a:latin typeface="Times New Roman" panose="02020603050405020304" pitchFamily="18" charset="0"/>
-                <a:cs typeface="Times New Roman" panose="02020603050405020304" pitchFamily="18" charset="0"/>
-              </a:rPr>
-              <a:t>Seleciona tudo até o indicado com”</a:t>
-            </a:r>
-            <a:r>
-              <a:rPr lang="pt-BR" b="1" dirty="0">
-                <a:solidFill>
-                  <a:srgbClr val="0070C0"/>
-                </a:solidFill>
-                <a:latin typeface="Times New Roman" panose="02020603050405020304" pitchFamily="18" charset="0"/>
-                <a:cs typeface="Times New Roman" panose="02020603050405020304" pitchFamily="18" charset="0"/>
-              </a:rPr>
-              <a:t>:</a:t>
-            </a:r>
-            <a:r>
-              <a:rPr lang="pt-BR" dirty="0">
-                <a:latin typeface="Times New Roman" panose="02020603050405020304" pitchFamily="18" charset="0"/>
-                <a:cs typeface="Times New Roman" panose="02020603050405020304" pitchFamily="18" charset="0"/>
-              </a:rPr>
-              <a:t>”</a:t>
-            </a:r>
-            <a:r>
-              <a:rPr lang="pt-BR" dirty="0">
-                <a:solidFill>
-                  <a:schemeClr val="tx1"/>
-                </a:solidFill>
-                <a:latin typeface="Times New Roman" panose="02020603050405020304" pitchFamily="18" charset="0"/>
-                <a:cs typeface="Times New Roman" panose="02020603050405020304" pitchFamily="18" charset="0"/>
-              </a:rPr>
-              <a:t> </a:t>
-            </a:r>
-            <a:r>
-              <a:rPr lang="pt-BR" b="1" dirty="0">
-                <a:solidFill>
-                  <a:srgbClr val="FF0000"/>
-                </a:solidFill>
-                <a:latin typeface="Times New Roman" panose="02020603050405020304" pitchFamily="18" charset="0"/>
-                <a:cs typeface="Times New Roman" panose="02020603050405020304" pitchFamily="18" charset="0"/>
-              </a:rPr>
-              <a:t>Atenção: Exclui o último elemento.</a:t>
-            </a:r>
-          </a:p>
-          <a:p>
-            <a:pPr marL="0" indent="0" algn="just">
-              <a:buNone/>
-            </a:pPr>
-            <a:r>
-              <a:rPr lang="pt-BR" dirty="0">
-                <a:solidFill>
-                  <a:schemeClr val="tx1"/>
-                </a:solidFill>
-                <a:latin typeface="Times New Roman" panose="02020603050405020304" pitchFamily="18" charset="0"/>
-                <a:cs typeface="Times New Roman" panose="02020603050405020304" pitchFamily="18" charset="0"/>
-              </a:rPr>
-              <a:t>   Ex.: </a:t>
-            </a:r>
-            <a:r>
-              <a:rPr lang="pt-BR" b="1" dirty="0">
-                <a:solidFill>
-                  <a:schemeClr val="tx1"/>
-                </a:solidFill>
-                <a:latin typeface="Times New Roman" panose="02020603050405020304" pitchFamily="18" charset="0"/>
-                <a:cs typeface="Times New Roman" panose="02020603050405020304" pitchFamily="18" charset="0"/>
-              </a:rPr>
-              <a:t>print</a:t>
-            </a:r>
-            <a:r>
-              <a:rPr lang="pt-BR" dirty="0">
-                <a:solidFill>
-                  <a:schemeClr val="tx1"/>
-                </a:solidFill>
-                <a:latin typeface="Times New Roman" panose="02020603050405020304" pitchFamily="18" charset="0"/>
-                <a:cs typeface="Times New Roman" panose="02020603050405020304" pitchFamily="18" charset="0"/>
-              </a:rPr>
-              <a:t>(</a:t>
-            </a:r>
-            <a:r>
-              <a:rPr lang="pt-BR" dirty="0" err="1">
-                <a:solidFill>
-                  <a:schemeClr val="tx1"/>
-                </a:solidFill>
-                <a:latin typeface="Times New Roman" panose="02020603050405020304" pitchFamily="18" charset="0"/>
-                <a:cs typeface="Times New Roman" panose="02020603050405020304" pitchFamily="18" charset="0"/>
-              </a:rPr>
-              <a:t>umaLista</a:t>
-            </a:r>
-            <a:r>
-              <a:rPr lang="pt-BR" dirty="0">
-                <a:solidFill>
-                  <a:schemeClr val="tx1"/>
-                </a:solidFill>
-                <a:latin typeface="Times New Roman" panose="02020603050405020304" pitchFamily="18" charset="0"/>
-                <a:cs typeface="Times New Roman" panose="02020603050405020304" pitchFamily="18" charset="0"/>
-              </a:rPr>
-              <a:t>[1:3]) =&gt; 4, 8</a:t>
-            </a:r>
-          </a:p>
-          <a:p>
-            <a:pPr algn="just">
-              <a:buFontTx/>
-              <a:buChar char="-"/>
-            </a:pPr>
-            <a:r>
-              <a:rPr lang="pt-BR" dirty="0">
-                <a:solidFill>
-                  <a:schemeClr val="tx1"/>
-                </a:solidFill>
-                <a:latin typeface="Times New Roman" panose="02020603050405020304" pitchFamily="18" charset="0"/>
-                <a:cs typeface="Times New Roman" panose="02020603050405020304" pitchFamily="18" charset="0"/>
-              </a:rPr>
-              <a:t>Seleciona faixa, da posição informada até o fim com ”</a:t>
-            </a:r>
-            <a:r>
-              <a:rPr lang="pt-BR" b="1" dirty="0">
-                <a:solidFill>
-                  <a:srgbClr val="0070C0"/>
-                </a:solidFill>
-                <a:latin typeface="Times New Roman" panose="02020603050405020304" pitchFamily="18" charset="0"/>
-                <a:cs typeface="Times New Roman" panose="02020603050405020304" pitchFamily="18" charset="0"/>
-              </a:rPr>
-              <a:t>:</a:t>
-            </a:r>
-            <a:r>
-              <a:rPr lang="pt-BR" dirty="0">
-                <a:latin typeface="Times New Roman" panose="02020603050405020304" pitchFamily="18" charset="0"/>
-                <a:cs typeface="Times New Roman" panose="02020603050405020304" pitchFamily="18" charset="0"/>
-              </a:rPr>
-              <a:t>”</a:t>
-            </a:r>
-            <a:endParaRPr lang="pt-BR" b="1" dirty="0">
-              <a:solidFill>
-                <a:srgbClr val="FF0000"/>
-              </a:solidFill>
-              <a:latin typeface="Times New Roman" panose="02020603050405020304" pitchFamily="18" charset="0"/>
-              <a:cs typeface="Times New Roman" panose="02020603050405020304" pitchFamily="18" charset="0"/>
-            </a:endParaRPr>
-          </a:p>
-          <a:p>
-            <a:pPr marL="0" indent="0" algn="just">
-              <a:buNone/>
-            </a:pPr>
-            <a:r>
-              <a:rPr lang="pt-BR" dirty="0">
-                <a:solidFill>
-                  <a:schemeClr val="tx1"/>
-                </a:solidFill>
-                <a:latin typeface="Times New Roman" panose="02020603050405020304" pitchFamily="18" charset="0"/>
-                <a:cs typeface="Times New Roman" panose="02020603050405020304" pitchFamily="18" charset="0"/>
-              </a:rPr>
-              <a:t>   Ex.: </a:t>
-            </a:r>
-            <a:r>
-              <a:rPr lang="pt-BR" b="1" dirty="0">
-                <a:solidFill>
-                  <a:schemeClr val="tx1"/>
-                </a:solidFill>
-                <a:latin typeface="Times New Roman" panose="02020603050405020304" pitchFamily="18" charset="0"/>
-                <a:cs typeface="Times New Roman" panose="02020603050405020304" pitchFamily="18" charset="0"/>
-              </a:rPr>
-              <a:t>print</a:t>
-            </a:r>
-            <a:r>
-              <a:rPr lang="pt-BR" dirty="0">
-                <a:solidFill>
-                  <a:schemeClr val="tx1"/>
-                </a:solidFill>
-                <a:latin typeface="Times New Roman" panose="02020603050405020304" pitchFamily="18" charset="0"/>
-                <a:cs typeface="Times New Roman" panose="02020603050405020304" pitchFamily="18" charset="0"/>
-              </a:rPr>
-              <a:t>(</a:t>
-            </a:r>
-            <a:r>
-              <a:rPr lang="pt-BR" dirty="0" err="1">
-                <a:solidFill>
-                  <a:schemeClr val="tx1"/>
-                </a:solidFill>
-                <a:latin typeface="Times New Roman" panose="02020603050405020304" pitchFamily="18" charset="0"/>
-                <a:cs typeface="Times New Roman" panose="02020603050405020304" pitchFamily="18" charset="0"/>
-              </a:rPr>
-              <a:t>umaLista</a:t>
-            </a:r>
-            <a:r>
-              <a:rPr lang="pt-BR" dirty="0">
-                <a:solidFill>
-                  <a:schemeClr val="tx1"/>
-                </a:solidFill>
-                <a:latin typeface="Times New Roman" panose="02020603050405020304" pitchFamily="18" charset="0"/>
-                <a:cs typeface="Times New Roman" panose="02020603050405020304" pitchFamily="18" charset="0"/>
-              </a:rPr>
-              <a:t>[2:]) =&gt; 8, 5, 7, 9</a:t>
-            </a:r>
-          </a:p>
-          <a:p>
-            <a:pPr marL="0" indent="0" algn="just">
-              <a:buNone/>
-            </a:pPr>
+              <a:t>Exemplo Gerando uma Lista:</a:t>
+            </a:r>
             <a:endParaRPr lang="pt-BR" dirty="0">
               <a:solidFill>
                 <a:schemeClr val="tx1"/>
@@ -14414,12 +15236,422 @@
               <a:cs typeface="Times New Roman" panose="02020603050405020304" pitchFamily="18" charset="0"/>
             </a:endParaRPr>
           </a:p>
+          <a:p>
+            <a:pPr marL="0" indent="0" algn="just">
+              <a:buNone/>
+            </a:pPr>
+            <a:r>
+              <a:rPr lang="pt-BR" dirty="0">
+                <a:solidFill>
+                  <a:schemeClr val="tx1"/>
+                </a:solidFill>
+                <a:latin typeface="Times New Roman" panose="02020603050405020304" pitchFamily="18" charset="0"/>
+                <a:cs typeface="Times New Roman" panose="02020603050405020304" pitchFamily="18" charset="0"/>
+              </a:rPr>
+              <a:t>#lista[:] = ( </a:t>
+            </a:r>
+            <a:r>
+              <a:rPr lang="pt-BR" dirty="0" err="1">
+                <a:solidFill>
+                  <a:schemeClr val="tx1"/>
+                </a:solidFill>
+                <a:latin typeface="Times New Roman" panose="02020603050405020304" pitchFamily="18" charset="0"/>
+                <a:cs typeface="Times New Roman" panose="02020603050405020304" pitchFamily="18" charset="0"/>
+              </a:rPr>
+              <a:t>value</a:t>
+            </a:r>
+            <a:r>
+              <a:rPr lang="pt-BR" dirty="0">
+                <a:solidFill>
+                  <a:schemeClr val="tx1"/>
+                </a:solidFill>
+                <a:latin typeface="Times New Roman" panose="02020603050405020304" pitchFamily="18" charset="0"/>
+                <a:cs typeface="Times New Roman" panose="02020603050405020304" pitchFamily="18" charset="0"/>
+              </a:rPr>
+              <a:t> </a:t>
+            </a:r>
+            <a:r>
+              <a:rPr lang="pt-BR" b="1" dirty="0">
+                <a:solidFill>
+                  <a:schemeClr val="tx1"/>
+                </a:solidFill>
+                <a:latin typeface="Times New Roman" panose="02020603050405020304" pitchFamily="18" charset="0"/>
+                <a:cs typeface="Times New Roman" panose="02020603050405020304" pitchFamily="18" charset="0"/>
+              </a:rPr>
+              <a:t>for</a:t>
+            </a:r>
+            <a:r>
+              <a:rPr lang="pt-BR" dirty="0">
+                <a:solidFill>
+                  <a:schemeClr val="tx1"/>
+                </a:solidFill>
+                <a:latin typeface="Times New Roman" panose="02020603050405020304" pitchFamily="18" charset="0"/>
+                <a:cs typeface="Times New Roman" panose="02020603050405020304" pitchFamily="18" charset="0"/>
+              </a:rPr>
+              <a:t> </a:t>
+            </a:r>
+            <a:r>
+              <a:rPr lang="pt-BR" dirty="0" err="1">
+                <a:solidFill>
+                  <a:schemeClr val="tx1"/>
+                </a:solidFill>
+                <a:latin typeface="Times New Roman" panose="02020603050405020304" pitchFamily="18" charset="0"/>
+                <a:cs typeface="Times New Roman" panose="02020603050405020304" pitchFamily="18" charset="0"/>
+              </a:rPr>
+              <a:t>value</a:t>
+            </a:r>
+            <a:r>
+              <a:rPr lang="pt-BR" dirty="0">
+                <a:solidFill>
+                  <a:schemeClr val="tx1"/>
+                </a:solidFill>
+                <a:latin typeface="Times New Roman" panose="02020603050405020304" pitchFamily="18" charset="0"/>
+                <a:cs typeface="Times New Roman" panose="02020603050405020304" pitchFamily="18" charset="0"/>
+              </a:rPr>
+              <a:t> </a:t>
+            </a:r>
+            <a:r>
+              <a:rPr lang="pt-BR" b="1" dirty="0">
+                <a:solidFill>
+                  <a:schemeClr val="tx1"/>
+                </a:solidFill>
+                <a:latin typeface="Times New Roman" panose="02020603050405020304" pitchFamily="18" charset="0"/>
+                <a:cs typeface="Times New Roman" panose="02020603050405020304" pitchFamily="18" charset="0"/>
+              </a:rPr>
+              <a:t>in</a:t>
+            </a:r>
+            <a:r>
+              <a:rPr lang="pt-BR" dirty="0">
+                <a:solidFill>
+                  <a:schemeClr val="tx1"/>
+                </a:solidFill>
+                <a:latin typeface="Times New Roman" panose="02020603050405020304" pitchFamily="18" charset="0"/>
+                <a:cs typeface="Times New Roman" panose="02020603050405020304" pitchFamily="18" charset="0"/>
+              </a:rPr>
+              <a:t> </a:t>
+            </a:r>
+            <a:r>
+              <a:rPr lang="pt-BR" b="1" dirty="0">
+                <a:solidFill>
+                  <a:schemeClr val="tx1"/>
+                </a:solidFill>
+                <a:latin typeface="Times New Roman" panose="02020603050405020304" pitchFamily="18" charset="0"/>
+                <a:cs typeface="Times New Roman" panose="02020603050405020304" pitchFamily="18" charset="0"/>
+              </a:rPr>
+              <a:t>range</a:t>
+            </a:r>
+            <a:r>
+              <a:rPr lang="pt-BR" dirty="0">
+                <a:solidFill>
+                  <a:schemeClr val="tx1"/>
+                </a:solidFill>
+                <a:latin typeface="Times New Roman" panose="02020603050405020304" pitchFamily="18" charset="0"/>
+                <a:cs typeface="Times New Roman" panose="02020603050405020304" pitchFamily="18" charset="0"/>
+              </a:rPr>
+              <a:t>(0,20,2))</a:t>
+            </a:r>
+          </a:p>
+          <a:p>
+            <a:pPr marL="0" indent="0" algn="just">
+              <a:buNone/>
+            </a:pPr>
+            <a:r>
+              <a:rPr lang="pt-BR" dirty="0">
+                <a:solidFill>
+                  <a:schemeClr val="tx1"/>
+                </a:solidFill>
+                <a:latin typeface="Times New Roman" panose="02020603050405020304" pitchFamily="18" charset="0"/>
+                <a:cs typeface="Times New Roman" panose="02020603050405020304" pitchFamily="18" charset="0"/>
+              </a:rPr>
+              <a:t>#lista = ( [</a:t>
+            </a:r>
+            <a:r>
+              <a:rPr lang="pt-BR" dirty="0" err="1">
+                <a:solidFill>
+                  <a:schemeClr val="tx1"/>
+                </a:solidFill>
+                <a:latin typeface="Times New Roman" panose="02020603050405020304" pitchFamily="18" charset="0"/>
+                <a:cs typeface="Times New Roman" panose="02020603050405020304" pitchFamily="18" charset="0"/>
+              </a:rPr>
+              <a:t>value</a:t>
+            </a:r>
+            <a:r>
+              <a:rPr lang="pt-BR" dirty="0">
+                <a:solidFill>
+                  <a:schemeClr val="tx1"/>
+                </a:solidFill>
+                <a:latin typeface="Times New Roman" panose="02020603050405020304" pitchFamily="18" charset="0"/>
+                <a:cs typeface="Times New Roman" panose="02020603050405020304" pitchFamily="18" charset="0"/>
+              </a:rPr>
+              <a:t> </a:t>
+            </a:r>
+            <a:r>
+              <a:rPr lang="pt-BR" b="1" dirty="0">
+                <a:solidFill>
+                  <a:schemeClr val="tx1"/>
+                </a:solidFill>
+                <a:latin typeface="Times New Roman" panose="02020603050405020304" pitchFamily="18" charset="0"/>
+                <a:cs typeface="Times New Roman" panose="02020603050405020304" pitchFamily="18" charset="0"/>
+              </a:rPr>
+              <a:t>for</a:t>
+            </a:r>
+            <a:r>
+              <a:rPr lang="pt-BR" dirty="0">
+                <a:solidFill>
+                  <a:schemeClr val="tx1"/>
+                </a:solidFill>
+                <a:latin typeface="Times New Roman" panose="02020603050405020304" pitchFamily="18" charset="0"/>
+                <a:cs typeface="Times New Roman" panose="02020603050405020304" pitchFamily="18" charset="0"/>
+              </a:rPr>
+              <a:t> </a:t>
+            </a:r>
+            <a:r>
+              <a:rPr lang="pt-BR" dirty="0" err="1">
+                <a:solidFill>
+                  <a:schemeClr val="tx1"/>
+                </a:solidFill>
+                <a:latin typeface="Times New Roman" panose="02020603050405020304" pitchFamily="18" charset="0"/>
+                <a:cs typeface="Times New Roman" panose="02020603050405020304" pitchFamily="18" charset="0"/>
+              </a:rPr>
+              <a:t>value</a:t>
+            </a:r>
+            <a:r>
+              <a:rPr lang="pt-BR" dirty="0">
+                <a:solidFill>
+                  <a:schemeClr val="tx1"/>
+                </a:solidFill>
+                <a:latin typeface="Times New Roman" panose="02020603050405020304" pitchFamily="18" charset="0"/>
+                <a:cs typeface="Times New Roman" panose="02020603050405020304" pitchFamily="18" charset="0"/>
+              </a:rPr>
+              <a:t> </a:t>
+            </a:r>
+            <a:r>
+              <a:rPr lang="pt-BR" b="1" dirty="0">
+                <a:solidFill>
+                  <a:schemeClr val="tx1"/>
+                </a:solidFill>
+                <a:latin typeface="Times New Roman" panose="02020603050405020304" pitchFamily="18" charset="0"/>
+                <a:cs typeface="Times New Roman" panose="02020603050405020304" pitchFamily="18" charset="0"/>
+              </a:rPr>
+              <a:t>in</a:t>
+            </a:r>
+            <a:r>
+              <a:rPr lang="pt-BR" dirty="0">
+                <a:solidFill>
+                  <a:schemeClr val="tx1"/>
+                </a:solidFill>
+                <a:latin typeface="Times New Roman" panose="02020603050405020304" pitchFamily="18" charset="0"/>
+                <a:cs typeface="Times New Roman" panose="02020603050405020304" pitchFamily="18" charset="0"/>
+              </a:rPr>
+              <a:t> </a:t>
+            </a:r>
+            <a:r>
+              <a:rPr lang="pt-BR" b="1" dirty="0">
+                <a:solidFill>
+                  <a:schemeClr val="tx1"/>
+                </a:solidFill>
+                <a:latin typeface="Times New Roman" panose="02020603050405020304" pitchFamily="18" charset="0"/>
+                <a:cs typeface="Times New Roman" panose="02020603050405020304" pitchFamily="18" charset="0"/>
+              </a:rPr>
+              <a:t>range</a:t>
+            </a:r>
+            <a:r>
+              <a:rPr lang="pt-BR" dirty="0">
+                <a:solidFill>
+                  <a:schemeClr val="tx1"/>
+                </a:solidFill>
+                <a:latin typeface="Times New Roman" panose="02020603050405020304" pitchFamily="18" charset="0"/>
+                <a:cs typeface="Times New Roman" panose="02020603050405020304" pitchFamily="18" charset="0"/>
+              </a:rPr>
+              <a:t>(0,20,2)])</a:t>
+            </a:r>
+          </a:p>
+          <a:p>
+            <a:pPr marL="0" indent="0" algn="just">
+              <a:buNone/>
+            </a:pPr>
+            <a:r>
+              <a:rPr lang="pt-BR" dirty="0">
+                <a:solidFill>
+                  <a:schemeClr val="tx1"/>
+                </a:solidFill>
+                <a:latin typeface="Times New Roman" panose="02020603050405020304" pitchFamily="18" charset="0"/>
+                <a:cs typeface="Times New Roman" panose="02020603050405020304" pitchFamily="18" charset="0"/>
+              </a:rPr>
+              <a:t>#lista = ( [</a:t>
+            </a:r>
+            <a:r>
+              <a:rPr lang="pt-BR" dirty="0" err="1">
+                <a:solidFill>
+                  <a:schemeClr val="tx1"/>
+                </a:solidFill>
+                <a:latin typeface="Times New Roman" panose="02020603050405020304" pitchFamily="18" charset="0"/>
+                <a:cs typeface="Times New Roman" panose="02020603050405020304" pitchFamily="18" charset="0"/>
+              </a:rPr>
+              <a:t>value</a:t>
+            </a:r>
+            <a:r>
+              <a:rPr lang="pt-BR" dirty="0">
+                <a:solidFill>
+                  <a:schemeClr val="tx1"/>
+                </a:solidFill>
+                <a:latin typeface="Times New Roman" panose="02020603050405020304" pitchFamily="18" charset="0"/>
+                <a:cs typeface="Times New Roman" panose="02020603050405020304" pitchFamily="18" charset="0"/>
+              </a:rPr>
+              <a:t> </a:t>
+            </a:r>
+            <a:r>
+              <a:rPr lang="pt-BR" b="1" dirty="0">
+                <a:solidFill>
+                  <a:schemeClr val="tx1"/>
+                </a:solidFill>
+                <a:latin typeface="Times New Roman" panose="02020603050405020304" pitchFamily="18" charset="0"/>
+                <a:cs typeface="Times New Roman" panose="02020603050405020304" pitchFamily="18" charset="0"/>
+              </a:rPr>
+              <a:t>for</a:t>
+            </a:r>
+            <a:r>
+              <a:rPr lang="pt-BR" dirty="0">
+                <a:solidFill>
+                  <a:schemeClr val="tx1"/>
+                </a:solidFill>
+                <a:latin typeface="Times New Roman" panose="02020603050405020304" pitchFamily="18" charset="0"/>
+                <a:cs typeface="Times New Roman" panose="02020603050405020304" pitchFamily="18" charset="0"/>
+              </a:rPr>
+              <a:t> </a:t>
+            </a:r>
+            <a:r>
+              <a:rPr lang="pt-BR" dirty="0" err="1">
+                <a:solidFill>
+                  <a:schemeClr val="tx1"/>
+                </a:solidFill>
+                <a:latin typeface="Times New Roman" panose="02020603050405020304" pitchFamily="18" charset="0"/>
+                <a:cs typeface="Times New Roman" panose="02020603050405020304" pitchFamily="18" charset="0"/>
+              </a:rPr>
+              <a:t>value</a:t>
+            </a:r>
+            <a:r>
+              <a:rPr lang="pt-BR" dirty="0">
+                <a:solidFill>
+                  <a:schemeClr val="tx1"/>
+                </a:solidFill>
+                <a:latin typeface="Times New Roman" panose="02020603050405020304" pitchFamily="18" charset="0"/>
+                <a:cs typeface="Times New Roman" panose="02020603050405020304" pitchFamily="18" charset="0"/>
+              </a:rPr>
+              <a:t> </a:t>
+            </a:r>
+            <a:r>
+              <a:rPr lang="pt-BR" b="1" dirty="0">
+                <a:solidFill>
+                  <a:schemeClr val="tx1"/>
+                </a:solidFill>
+                <a:latin typeface="Times New Roman" panose="02020603050405020304" pitchFamily="18" charset="0"/>
+                <a:cs typeface="Times New Roman" panose="02020603050405020304" pitchFamily="18" charset="0"/>
+              </a:rPr>
+              <a:t>in</a:t>
+            </a:r>
+            <a:r>
+              <a:rPr lang="pt-BR" dirty="0">
+                <a:solidFill>
+                  <a:schemeClr val="tx1"/>
+                </a:solidFill>
+                <a:latin typeface="Times New Roman" panose="02020603050405020304" pitchFamily="18" charset="0"/>
+                <a:cs typeface="Times New Roman" panose="02020603050405020304" pitchFamily="18" charset="0"/>
+              </a:rPr>
+              <a:t> </a:t>
+            </a:r>
+            <a:r>
+              <a:rPr lang="pt-BR" b="1" dirty="0">
+                <a:solidFill>
+                  <a:schemeClr val="tx1"/>
+                </a:solidFill>
+                <a:latin typeface="Times New Roman" panose="02020603050405020304" pitchFamily="18" charset="0"/>
+                <a:cs typeface="Times New Roman" panose="02020603050405020304" pitchFamily="18" charset="0"/>
+              </a:rPr>
+              <a:t>range</a:t>
+            </a:r>
+            <a:r>
+              <a:rPr lang="pt-BR" dirty="0">
+                <a:solidFill>
+                  <a:schemeClr val="tx1"/>
+                </a:solidFill>
+                <a:latin typeface="Times New Roman" panose="02020603050405020304" pitchFamily="18" charset="0"/>
+                <a:cs typeface="Times New Roman" panose="02020603050405020304" pitchFamily="18" charset="0"/>
+              </a:rPr>
+              <a:t>(0,20) </a:t>
+            </a:r>
+            <a:r>
+              <a:rPr lang="pt-BR" b="1" dirty="0" err="1">
+                <a:solidFill>
+                  <a:schemeClr val="tx1"/>
+                </a:solidFill>
+                <a:latin typeface="Times New Roman" panose="02020603050405020304" pitchFamily="18" charset="0"/>
+                <a:cs typeface="Times New Roman" panose="02020603050405020304" pitchFamily="18" charset="0"/>
+              </a:rPr>
+              <a:t>if</a:t>
+            </a:r>
+            <a:r>
+              <a:rPr lang="pt-BR" dirty="0">
+                <a:solidFill>
+                  <a:schemeClr val="tx1"/>
+                </a:solidFill>
+                <a:latin typeface="Times New Roman" panose="02020603050405020304" pitchFamily="18" charset="0"/>
+                <a:cs typeface="Times New Roman" panose="02020603050405020304" pitchFamily="18" charset="0"/>
+              </a:rPr>
+              <a:t> </a:t>
+            </a:r>
+            <a:r>
+              <a:rPr lang="pt-BR" dirty="0" err="1">
+                <a:solidFill>
+                  <a:schemeClr val="tx1"/>
+                </a:solidFill>
+                <a:latin typeface="Times New Roman" panose="02020603050405020304" pitchFamily="18" charset="0"/>
+                <a:cs typeface="Times New Roman" panose="02020603050405020304" pitchFamily="18" charset="0"/>
+              </a:rPr>
+              <a:t>value</a:t>
+            </a:r>
+            <a:r>
+              <a:rPr lang="pt-BR" dirty="0">
+                <a:solidFill>
+                  <a:schemeClr val="tx1"/>
+                </a:solidFill>
+                <a:latin typeface="Times New Roman" panose="02020603050405020304" pitchFamily="18" charset="0"/>
+                <a:cs typeface="Times New Roman" panose="02020603050405020304" pitchFamily="18" charset="0"/>
+              </a:rPr>
+              <a:t> % 2 == 1])</a:t>
+            </a:r>
+          </a:p>
+          <a:p>
+            <a:pPr marL="0" indent="0" algn="just">
+              <a:buNone/>
+            </a:pPr>
+            <a:r>
+              <a:rPr lang="pt-BR" b="1" dirty="0">
+                <a:solidFill>
+                  <a:schemeClr val="tx1"/>
+                </a:solidFill>
+                <a:latin typeface="Times New Roman" panose="02020603050405020304" pitchFamily="18" charset="0"/>
+                <a:cs typeface="Times New Roman" panose="02020603050405020304" pitchFamily="18" charset="0"/>
+              </a:rPr>
+              <a:t>print</a:t>
+            </a:r>
+            <a:r>
+              <a:rPr lang="pt-BR" dirty="0">
+                <a:solidFill>
+                  <a:schemeClr val="tx1"/>
+                </a:solidFill>
+                <a:latin typeface="Times New Roman" panose="02020603050405020304" pitchFamily="18" charset="0"/>
+                <a:cs typeface="Times New Roman" panose="02020603050405020304" pitchFamily="18" charset="0"/>
+              </a:rPr>
+              <a:t>(lista)</a:t>
+            </a:r>
+          </a:p>
         </p:txBody>
       </p:sp>
     </p:spTree>
     <p:extLst>
       <p:ext uri="{BB962C8B-B14F-4D97-AF65-F5344CB8AC3E}">
-        <p14:creationId xmlns:p14="http://schemas.microsoft.com/office/powerpoint/2010/main" val="3026463142"/>
+        <p14:creationId xmlns:p14="http://schemas.microsoft.com/office/powerpoint/2010/main" val="526156523"/>
       </p:ext>
     </p:extLst>
   </p:cSld>
@@ -14553,7 +15785,7 @@
                 <a:latin typeface="Times New Roman" panose="02020603050405020304" pitchFamily="18" charset="0"/>
                 <a:cs typeface="Times New Roman" panose="02020603050405020304" pitchFamily="18" charset="0"/>
               </a:rPr>
-              <a:t>Exemplo Lista: </a:t>
+              <a:t>Exemplo Lista:  </a:t>
             </a:r>
             <a:r>
               <a:rPr lang="pt-BR" dirty="0" err="1">
@@ -14583,92 +15815,24 @@
             </a:pPr>
             <a:r>
               <a:rPr lang="pt-BR" dirty="0">
-                <a:solidFill>
-                  <a:schemeClr val="tx1"/>
-                </a:solidFill>
-                <a:latin typeface="Times New Roman" panose="02020603050405020304" pitchFamily="18" charset="0"/>
-                <a:cs typeface="Times New Roman" panose="02020603050405020304" pitchFamily="18" charset="0"/>
-              </a:rPr>
-              <a:t>Seleciona faixa, “de tanto em tanto” com”:</a:t>
-            </a:r>
-            <a:r>
-              <a:rPr lang="pt-BR" b="1" dirty="0">
-                <a:solidFill>
-                  <a:srgbClr val="0070C0"/>
-                </a:solidFill>
-                <a:latin typeface="Times New Roman" panose="02020603050405020304" pitchFamily="18" charset="0"/>
-                <a:cs typeface="Times New Roman" panose="02020603050405020304" pitchFamily="18" charset="0"/>
-              </a:rPr>
-              <a:t>:</a:t>
+                <a:latin typeface="Times New Roman" panose="02020603050405020304" pitchFamily="18" charset="0"/>
+                <a:cs typeface="Times New Roman" panose="02020603050405020304" pitchFamily="18" charset="0"/>
+              </a:rPr>
+              <a:t>Imprimindo um único elemento: print(</a:t>
+            </a:r>
+            <a:r>
+              <a:rPr lang="pt-BR" dirty="0" err="1">
+                <a:latin typeface="Times New Roman" panose="02020603050405020304" pitchFamily="18" charset="0"/>
+                <a:cs typeface="Times New Roman" panose="02020603050405020304" pitchFamily="18" charset="0"/>
+              </a:rPr>
+              <a:t>umaLista</a:t>
             </a:r>
             <a:r>
               <a:rPr lang="pt-BR" dirty="0">
                 <a:latin typeface="Times New Roman" panose="02020603050405020304" pitchFamily="18" charset="0"/>
                 <a:cs typeface="Times New Roman" panose="02020603050405020304" pitchFamily="18" charset="0"/>
               </a:rPr>
-              <a:t>”</a:t>
-            </a:r>
-            <a:endParaRPr lang="pt-BR" b="1" dirty="0">
-              <a:solidFill>
-                <a:srgbClr val="FF0000"/>
-              </a:solidFill>
-              <a:latin typeface="Times New Roman" panose="02020603050405020304" pitchFamily="18" charset="0"/>
-              <a:cs typeface="Times New Roman" panose="02020603050405020304" pitchFamily="18" charset="0"/>
-            </a:endParaRPr>
-          </a:p>
-          <a:p>
-            <a:pPr marL="0" indent="0" algn="just">
-              <a:buNone/>
-            </a:pPr>
-            <a:r>
-              <a:rPr lang="pt-BR" dirty="0">
-                <a:solidFill>
-                  <a:schemeClr val="tx1"/>
-                </a:solidFill>
-                <a:latin typeface="Times New Roman" panose="02020603050405020304" pitchFamily="18" charset="0"/>
-                <a:cs typeface="Times New Roman" panose="02020603050405020304" pitchFamily="18" charset="0"/>
-              </a:rPr>
-              <a:t>   Ex.: </a:t>
-            </a:r>
-            <a:r>
-              <a:rPr lang="pt-BR" b="1" dirty="0">
-                <a:solidFill>
-                  <a:schemeClr val="tx1"/>
-                </a:solidFill>
-                <a:latin typeface="Times New Roman" panose="02020603050405020304" pitchFamily="18" charset="0"/>
-                <a:cs typeface="Times New Roman" panose="02020603050405020304" pitchFamily="18" charset="0"/>
-              </a:rPr>
-              <a:t>print</a:t>
-            </a:r>
-            <a:r>
-              <a:rPr lang="pt-BR" dirty="0">
-                <a:solidFill>
-                  <a:schemeClr val="tx1"/>
-                </a:solidFill>
-                <a:latin typeface="Times New Roman" panose="02020603050405020304" pitchFamily="18" charset="0"/>
-                <a:cs typeface="Times New Roman" panose="02020603050405020304" pitchFamily="18" charset="0"/>
-              </a:rPr>
-              <a:t>(</a:t>
-            </a:r>
-            <a:r>
-              <a:rPr lang="pt-BR" dirty="0" err="1">
-                <a:solidFill>
-                  <a:schemeClr val="tx1"/>
-                </a:solidFill>
-                <a:latin typeface="Times New Roman" panose="02020603050405020304" pitchFamily="18" charset="0"/>
-                <a:cs typeface="Times New Roman" panose="02020603050405020304" pitchFamily="18" charset="0"/>
-              </a:rPr>
-              <a:t>umaLista</a:t>
-            </a:r>
-            <a:r>
-              <a:rPr lang="pt-BR" dirty="0">
-                <a:solidFill>
-                  <a:schemeClr val="tx1"/>
-                </a:solidFill>
-                <a:latin typeface="Times New Roman" panose="02020603050405020304" pitchFamily="18" charset="0"/>
-                <a:cs typeface="Times New Roman" panose="02020603050405020304" pitchFamily="18" charset="0"/>
-              </a:rPr>
-              <a:t>[::2]) =&gt; 1, 8, 7</a:t>
+              <a:t>[2]) =&gt; 8</a:t>
             </a:r>
           </a:p>
           <a:p>
@@ -14684,7 +15848,7 @@
                 <a:latin typeface="Times New Roman" panose="02020603050405020304" pitchFamily="18" charset="0"/>
                 <a:cs typeface="Times New Roman" panose="02020603050405020304" pitchFamily="18" charset="0"/>
               </a:rPr>
-              <a:t>Seleciona faixa, da posição e inicial com ”</a:t>
+              <a:t>Seleciona tudo até o indicado com”</a:t>
             </a:r>
             <a:r>
               <a:rPr lang="pt-BR" b="1" dirty="0">
@@ -14703,13 +15867,26 @@
               </a:rPr>
               <a:t>”</a:t>
             </a:r>
-            <a:endParaRPr lang="pt-BR" b="1" dirty="0">
-              <a:solidFill>
-                <a:srgbClr val="FF0000"/>
-              </a:solidFill>
-              <a:latin typeface="Times New Roman" panose="02020603050405020304" pitchFamily="18" charset="0"/>
-              <a:cs typeface="Times New Roman" panose="02020603050405020304" pitchFamily="18" charset="0"/>
-            </a:endParaRPr>
+            <a:r>
+              <a:rPr lang="pt-BR" dirty="0">
+                <a:solidFill>
+                  <a:schemeClr val="tx1"/>
+                </a:solidFill>
+                <a:latin typeface="Times New Roman" panose="02020603050405020304" pitchFamily="18" charset="0"/>
+                <a:cs typeface="Times New Roman" panose="02020603050405020304" pitchFamily="18" charset="0"/>
+              </a:rPr>
+              <a:t> </a:t>
+            </a:r>
+            <a:r>
+              <a:rPr lang="pt-BR" b="1" dirty="0">
+                <a:solidFill>
+                  <a:srgbClr val="FF0000"/>
+                </a:solidFill>
+                <a:latin typeface="Times New Roman" panose="02020603050405020304" pitchFamily="18" charset="0"/>
+                <a:cs typeface="Times New Roman" panose="02020603050405020304" pitchFamily="18" charset="0"/>
+              </a:rPr>
+              <a:t>Atenção: Exclui o último elemento.</a:t>
+            </a:r>
           </a:p>
           <a:p>
             <a:pPr marL="0" indent="0" algn="just">
@@ -14763,27 +15940,15 @@
                 <a:latin typeface="Times New Roman" panose="02020603050405020304" pitchFamily="18" charset="0"/>
                 <a:cs typeface="Times New Roman" panose="02020603050405020304" pitchFamily="18" charset="0"/>
               </a:rPr>
-              <a:t>[1::3]) =&gt; 4, 7</a:t>
-            </a:r>
-          </a:p>
-          <a:p>
-            <a:pPr marL="0" indent="0" algn="just">
-              <a:buNone/>
-            </a:pPr>
-            <a:endParaRPr lang="pt-BR" dirty="0">
-              <a:solidFill>
-                <a:schemeClr val="tx1"/>
-              </a:solidFill>
-              <a:latin typeface="Times New Roman" panose="02020603050405020304" pitchFamily="18" charset="0"/>
-              <a:cs typeface="Times New Roman" panose="02020603050405020304" pitchFamily="18" charset="0"/>
-            </a:endParaRPr>
+              <a:t>[:3]) =&gt; 1, 4, 8</a:t>
+            </a:r>
           </a:p>
         </p:txBody>
       </p:sp>
     </p:spTree>
     <p:extLst>
       <p:ext uri="{BB962C8B-B14F-4D97-AF65-F5344CB8AC3E}">
-        <p14:creationId xmlns:p14="http://schemas.microsoft.com/office/powerpoint/2010/main" val="2660980653"/>
+        <p14:creationId xmlns:p14="http://schemas.microsoft.com/office/powerpoint/2010/main" val="3464170927"/>
       </p:ext>
     </p:extLst>
   </p:cSld>

--- a/01 Classes/Aula 07 Programação Python - Tipos de Dados Aglomerados.pptx
+++ b/01 Classes/Aula 07 Programação Python - Tipos de Dados Aglomerados.pptx
@@ -2050,7 +2050,7 @@
           <a:p>
             <a:fld id="{48A87A34-81AB-432B-8DAE-1953F412C126}" type="datetimeFigureOut">
               <a:rPr lang="en-US" smtClean="0"/>
-              <a:t>9/20/2022</a:t>
+              <a:t>9/22/2022</a:t>
             </a:fld>
             <a:endParaRPr lang="en-US" dirty="0"/>
           </a:p>
@@ -2261,7 +2261,7 @@
           <a:p>
             <a:fld id="{48A87A34-81AB-432B-8DAE-1953F412C126}" type="datetimeFigureOut">
               <a:rPr lang="en-US" smtClean="0"/>
-              <a:t>9/20/2022</a:t>
+              <a:t>9/22/2022</a:t>
             </a:fld>
             <a:endParaRPr lang="en-US" dirty="0"/>
           </a:p>
@@ -2476,7 +2476,7 @@
           <a:p>
             <a:fld id="{48A87A34-81AB-432B-8DAE-1953F412C126}" type="datetimeFigureOut">
               <a:rPr lang="en-US" smtClean="0"/>
-              <a:t>9/20/2022</a:t>
+              <a:t>9/22/2022</a:t>
             </a:fld>
             <a:endParaRPr lang="en-US" dirty="0"/>
           </a:p>
@@ -2844,7 +2844,7 @@
           <a:p>
             <a:fld id="{48A87A34-81AB-432B-8DAE-1953F412C126}" type="datetimeFigureOut">
               <a:rPr lang="en-US" smtClean="0"/>
-              <a:t>9/20/2022</a:t>
+              <a:t>9/22/2022</a:t>
             </a:fld>
             <a:endParaRPr lang="en-US" dirty="0"/>
           </a:p>
@@ -3123,7 +3123,7 @@
           <a:p>
             <a:fld id="{48A87A34-81AB-432B-8DAE-1953F412C126}" type="datetimeFigureOut">
               <a:rPr lang="en-US" smtClean="0"/>
-              <a:t>9/20/2022</a:t>
+              <a:t>9/22/2022</a:t>
             </a:fld>
             <a:endParaRPr lang="en-US" dirty="0"/>
           </a:p>
@@ -3391,7 +3391,7 @@
           <a:p>
             <a:fld id="{48A87A34-81AB-432B-8DAE-1953F412C126}" type="datetimeFigureOut">
               <a:rPr lang="en-US" smtClean="0"/>
-              <a:t>9/20/2022</a:t>
+              <a:t>9/22/2022</a:t>
             </a:fld>
             <a:endParaRPr lang="en-US" dirty="0"/>
           </a:p>
@@ -3807,7 +3807,7 @@
           <a:p>
             <a:fld id="{48A87A34-81AB-432B-8DAE-1953F412C126}" type="datetimeFigureOut">
               <a:rPr lang="en-US" smtClean="0"/>
-              <a:t>9/20/2022</a:t>
+              <a:t>9/22/2022</a:t>
             </a:fld>
             <a:endParaRPr lang="en-US" dirty="0"/>
           </a:p>
@@ -3956,7 +3956,7 @@
           <a:p>
             <a:fld id="{48A87A34-81AB-432B-8DAE-1953F412C126}" type="datetimeFigureOut">
               <a:rPr lang="en-US" smtClean="0"/>
-              <a:t>9/20/2022</a:t>
+              <a:t>9/22/2022</a:t>
             </a:fld>
             <a:endParaRPr lang="en-US" dirty="0"/>
           </a:p>
@@ -4082,7 +4082,7 @@
           <a:p>
             <a:fld id="{48A87A34-81AB-432B-8DAE-1953F412C126}" type="datetimeFigureOut">
               <a:rPr lang="en-US" smtClean="0"/>
-              <a:t>9/20/2022</a:t>
+              <a:t>9/22/2022</a:t>
             </a:fld>
             <a:endParaRPr lang="en-US" dirty="0"/>
           </a:p>
@@ -4333,7 +4333,7 @@
           <a:p>
             <a:fld id="{48A87A34-81AB-432B-8DAE-1953F412C126}" type="datetimeFigureOut">
               <a:rPr lang="en-US" smtClean="0"/>
-              <a:t>9/20/2022</a:t>
+              <a:t>9/22/2022</a:t>
             </a:fld>
             <a:endParaRPr lang="en-US" dirty="0"/>
           </a:p>
@@ -4779,7 +4779,7 @@
             <a:fld id="{48A87A34-81AB-432B-8DAE-1953F412C126}" type="datetimeFigureOut">
               <a:rPr lang="en-US" smtClean="0"/>
               <a:pPr/>
-              <a:t>9/20/2022</a:t>
+              <a:t>9/22/2022</a:t>
             </a:fld>
             <a:endParaRPr lang="en-US" dirty="0"/>
           </a:p>
@@ -5107,7 +5107,7 @@
             <a:fld id="{48A87A34-81AB-432B-8DAE-1953F412C126}" type="datetimeFigureOut">
               <a:rPr lang="en-US" smtClean="0"/>
               <a:pPr/>
-              <a:t>9/20/2022</a:t>
+              <a:t>9/22/2022</a:t>
             </a:fld>
             <a:endParaRPr lang="en-US" dirty="0"/>
           </a:p>
@@ -6989,7 +6989,7 @@
               <a:buNone/>
             </a:pPr>
             <a:r>
-              <a:rPr lang="pt-BR" b="1" dirty="0">
+              <a:rPr lang="pt-BR" sz="2400" b="1" dirty="0">
                 <a:solidFill>
                   <a:srgbClr val="FF0000"/>
                 </a:solidFill>
@@ -6999,7 +6999,7 @@
               <a:t>Exemplo Lista: </a:t>
             </a:r>
             <a:r>
-              <a:rPr lang="pt-BR" dirty="0" err="1">
+              <a:rPr lang="pt-BR" sz="2400" dirty="0" err="1">
                 <a:solidFill>
                   <a:schemeClr val="tx1"/>
                 </a:solidFill>
@@ -7009,7 +7009,7 @@
               <a:t>umaLista</a:t>
             </a:r>
             <a:r>
-              <a:rPr lang="pt-BR" dirty="0">
+              <a:rPr lang="pt-BR" sz="2400" dirty="0">
                 <a:solidFill>
                   <a:schemeClr val="tx1"/>
                 </a:solidFill>
@@ -7025,7 +7025,7 @@
               <a:buChar char="-"/>
             </a:pPr>
             <a:r>
-              <a:rPr lang="pt-BR" dirty="0">
+              <a:rPr lang="pt-BR" sz="2400" dirty="0">
                 <a:solidFill>
                   <a:schemeClr val="tx1"/>
                 </a:solidFill>
@@ -7035,7 +7035,7 @@
               <a:t>Apagar, uma faixa da lista com </a:t>
             </a:r>
             <a:r>
-              <a:rPr lang="pt-BR" dirty="0" err="1">
+              <a:rPr lang="pt-BR" sz="2400" b="1" dirty="0" err="1">
                 <a:solidFill>
                   <a:schemeClr val="tx1"/>
                 </a:solidFill>
@@ -7044,7 +7044,27 @@
               </a:rPr>
               <a:t>del</a:t>
             </a:r>
-            <a:endParaRPr lang="pt-BR" b="1" dirty="0">
+            <a:r>
+              <a:rPr lang="pt-BR" sz="2400" dirty="0">
+                <a:solidFill>
+                  <a:schemeClr val="tx1"/>
+                </a:solidFill>
+                <a:latin typeface="Times New Roman" panose="02020603050405020304" pitchFamily="18" charset="0"/>
+                <a:cs typeface="Times New Roman" panose="02020603050405020304" pitchFamily="18" charset="0"/>
+              </a:rPr>
+              <a:t> ou </a:t>
+            </a:r>
+            <a:r>
+              <a:rPr lang="pt-BR" sz="2400" b="1" dirty="0" err="1">
+                <a:solidFill>
+                  <a:srgbClr val="FF0000"/>
+                </a:solidFill>
+                <a:latin typeface="Times New Roman" panose="02020603050405020304" pitchFamily="18" charset="0"/>
+                <a:cs typeface="Times New Roman" panose="02020603050405020304" pitchFamily="18" charset="0"/>
+              </a:rPr>
+              <a:t>clear</a:t>
+            </a:r>
+            <a:endParaRPr lang="pt-BR" sz="2400" b="1" dirty="0">
               <a:solidFill>
                 <a:srgbClr val="FF0000"/>
               </a:solidFill>
@@ -7057,7 +7077,7 @@
               <a:buNone/>
             </a:pPr>
             <a:r>
-              <a:rPr lang="pt-BR" dirty="0">
+              <a:rPr lang="pt-BR" sz="2400" dirty="0">
                 <a:solidFill>
                   <a:schemeClr val="tx1"/>
                 </a:solidFill>
@@ -7067,7 +7087,7 @@
               <a:t>   Ex.: </a:t>
             </a:r>
             <a:r>
-              <a:rPr lang="pt-BR" b="1" dirty="0" err="1">
+              <a:rPr lang="pt-BR" sz="2400" b="1" dirty="0" err="1">
                 <a:solidFill>
                   <a:schemeClr val="tx1"/>
                 </a:solidFill>
@@ -7077,7 +7097,7 @@
               <a:t>del</a:t>
             </a:r>
             <a:r>
-              <a:rPr lang="pt-BR" dirty="0">
+              <a:rPr lang="pt-BR" sz="2400" dirty="0">
                 <a:solidFill>
                   <a:schemeClr val="tx1"/>
                 </a:solidFill>
@@ -7087,7 +7107,7 @@
               <a:t> </a:t>
             </a:r>
             <a:r>
-              <a:rPr lang="pt-BR" dirty="0" err="1">
+              <a:rPr lang="pt-BR" sz="2400" dirty="0" err="1">
                 <a:solidFill>
                   <a:schemeClr val="tx1"/>
                 </a:solidFill>
@@ -7097,66 +7117,14 @@
               <a:t>umaLista</a:t>
             </a:r>
             <a:r>
-              <a:rPr lang="pt-BR" dirty="0">
-                <a:solidFill>
-                  <a:schemeClr val="tx1"/>
-                </a:solidFill>
-                <a:latin typeface="Times New Roman" panose="02020603050405020304" pitchFamily="18" charset="0"/>
-                <a:cs typeface="Times New Roman" panose="02020603050405020304" pitchFamily="18" charset="0"/>
-              </a:rPr>
-              <a:t>[1:3]; </a:t>
-            </a:r>
-          </a:p>
-          <a:p>
-            <a:pPr marL="0" indent="0" algn="just">
-              <a:buNone/>
-            </a:pPr>
-            <a:r>
-              <a:rPr lang="pt-BR" dirty="0">
-                <a:latin typeface="Times New Roman" panose="02020603050405020304" pitchFamily="18" charset="0"/>
-                <a:cs typeface="Times New Roman" panose="02020603050405020304" pitchFamily="18" charset="0"/>
-              </a:rPr>
-              <a:t>          </a:t>
-            </a:r>
-            <a:r>
-              <a:rPr lang="pt-BR" b="1" dirty="0">
-                <a:solidFill>
-                  <a:schemeClr val="tx1"/>
-                </a:solidFill>
-                <a:latin typeface="Times New Roman" panose="02020603050405020304" pitchFamily="18" charset="0"/>
-                <a:cs typeface="Times New Roman" panose="02020603050405020304" pitchFamily="18" charset="0"/>
-              </a:rPr>
-              <a:t>print</a:t>
-            </a:r>
-            <a:r>
-              <a:rPr lang="pt-BR" dirty="0">
-                <a:solidFill>
-                  <a:schemeClr val="tx1"/>
-                </a:solidFill>
-                <a:latin typeface="Times New Roman" panose="02020603050405020304" pitchFamily="18" charset="0"/>
-                <a:cs typeface="Times New Roman" panose="02020603050405020304" pitchFamily="18" charset="0"/>
-              </a:rPr>
-              <a:t>(</a:t>
-            </a:r>
-            <a:r>
-              <a:rPr lang="pt-BR" dirty="0" err="1">
-                <a:solidFill>
-                  <a:schemeClr val="tx1"/>
-                </a:solidFill>
-                <a:latin typeface="Times New Roman" panose="02020603050405020304" pitchFamily="18" charset="0"/>
-                <a:cs typeface="Times New Roman" panose="02020603050405020304" pitchFamily="18" charset="0"/>
-              </a:rPr>
-              <a:t>umaLista</a:t>
-            </a:r>
-            <a:r>
-              <a:rPr lang="pt-BR" dirty="0">
-                <a:solidFill>
-                  <a:schemeClr val="tx1"/>
-                </a:solidFill>
-                <a:latin typeface="Times New Roman" panose="02020603050405020304" pitchFamily="18" charset="0"/>
-                <a:cs typeface="Times New Roman" panose="02020603050405020304" pitchFamily="18" charset="0"/>
-              </a:rPr>
-              <a:t>) # 1, 5, 7, 9</a:t>
+              <a:rPr lang="pt-BR" sz="2400" dirty="0">
+                <a:solidFill>
+                  <a:schemeClr val="tx1"/>
+                </a:solidFill>
+                <a:latin typeface="Times New Roman" panose="02020603050405020304" pitchFamily="18" charset="0"/>
+                <a:cs typeface="Times New Roman" panose="02020603050405020304" pitchFamily="18" charset="0"/>
+              </a:rPr>
+              <a:t>[1:3]; # 1, 5, 7, 9</a:t>
             </a:r>
           </a:p>
           <a:p>
@@ -7165,16 +7133,36 @@
               <a:buChar char="-"/>
             </a:pPr>
             <a:r>
-              <a:rPr lang="pt-BR" dirty="0">
-                <a:solidFill>
-                  <a:schemeClr val="tx1"/>
-                </a:solidFill>
-                <a:latin typeface="Times New Roman" panose="02020603050405020304" pitchFamily="18" charset="0"/>
-                <a:cs typeface="Times New Roman" panose="02020603050405020304" pitchFamily="18" charset="0"/>
-              </a:rPr>
-              <a:t>Apagar lista totalmente</a:t>
-            </a:r>
-            <a:endParaRPr lang="pt-BR" b="1" dirty="0">
+              <a:rPr lang="pt-BR" sz="2400" dirty="0">
+                <a:solidFill>
+                  <a:schemeClr val="tx1"/>
+                </a:solidFill>
+                <a:latin typeface="Times New Roman" panose="02020603050405020304" pitchFamily="18" charset="0"/>
+                <a:cs typeface="Times New Roman" panose="02020603050405020304" pitchFamily="18" charset="0"/>
+              </a:rPr>
+              <a:t>Apagar lista totalmente e </a:t>
+            </a:r>
+            <a:r>
+              <a:rPr lang="pt-BR" sz="2400" b="1" dirty="0">
+                <a:solidFill>
+                  <a:schemeClr val="tx1"/>
+                </a:solidFill>
+                <a:latin typeface="Times New Roman" panose="02020603050405020304" pitchFamily="18" charset="0"/>
+                <a:cs typeface="Times New Roman" panose="02020603050405020304" pitchFamily="18" charset="0"/>
+              </a:rPr>
+              <a:t>destrói</a:t>
+            </a:r>
+            <a:r>
+              <a:rPr lang="pt-BR" sz="2400" dirty="0">
+                <a:solidFill>
+                  <a:schemeClr val="tx1"/>
+                </a:solidFill>
+                <a:latin typeface="Times New Roman" panose="02020603050405020304" pitchFamily="18" charset="0"/>
+                <a:cs typeface="Times New Roman" panose="02020603050405020304" pitchFamily="18" charset="0"/>
+              </a:rPr>
+              <a:t> a lista na memória</a:t>
+            </a:r>
+            <a:endParaRPr lang="pt-BR" sz="2400" b="1" dirty="0">
               <a:solidFill>
                 <a:srgbClr val="FF0000"/>
               </a:solidFill>
@@ -7187,7 +7175,7 @@
               <a:buNone/>
             </a:pPr>
             <a:r>
-              <a:rPr lang="pt-BR" dirty="0">
+              <a:rPr lang="pt-BR" sz="2400" dirty="0">
                 <a:solidFill>
                   <a:schemeClr val="tx1"/>
                 </a:solidFill>
@@ -7197,7 +7185,7 @@
               <a:t>   Ex.: </a:t>
             </a:r>
             <a:r>
-              <a:rPr lang="pt-BR" b="1" dirty="0" err="1">
+              <a:rPr lang="pt-BR" sz="2400" b="1" dirty="0" err="1">
                 <a:solidFill>
                   <a:schemeClr val="tx1"/>
                 </a:solidFill>
@@ -7207,7 +7195,7 @@
               <a:t>del</a:t>
             </a:r>
             <a:r>
-              <a:rPr lang="pt-BR" dirty="0">
+              <a:rPr lang="pt-BR" sz="2400" dirty="0">
                 <a:solidFill>
                   <a:schemeClr val="tx1"/>
                 </a:solidFill>
@@ -7217,7 +7205,7 @@
               <a:t> </a:t>
             </a:r>
             <a:r>
-              <a:rPr lang="pt-BR" dirty="0" err="1">
+              <a:rPr lang="pt-BR" sz="2400" dirty="0" err="1">
                 <a:solidFill>
                   <a:schemeClr val="tx1"/>
                 </a:solidFill>
@@ -7226,7 +7214,7 @@
               </a:rPr>
               <a:t>umaLista</a:t>
             </a:r>
-            <a:endParaRPr lang="pt-BR" dirty="0">
+            <a:endParaRPr lang="pt-BR" sz="2400" dirty="0">
               <a:solidFill>
                 <a:schemeClr val="tx1"/>
               </a:solidFill>
@@ -7235,10 +7223,118 @@
             </a:endParaRPr>
           </a:p>
           <a:p>
+            <a:pPr algn="just">
+              <a:buFontTx/>
+              <a:buChar char="-"/>
+            </a:pPr>
+            <a:r>
+              <a:rPr lang="pt-BR" sz="2400" dirty="0">
+                <a:solidFill>
+                  <a:schemeClr val="tx1"/>
+                </a:solidFill>
+                <a:latin typeface="Times New Roman" panose="02020603050405020304" pitchFamily="18" charset="0"/>
+                <a:cs typeface="Times New Roman" panose="02020603050405020304" pitchFamily="18" charset="0"/>
+              </a:rPr>
+              <a:t>Limpa a lista totalmente e </a:t>
+            </a:r>
+            <a:r>
+              <a:rPr lang="pt-BR" sz="2400" b="1" dirty="0">
+                <a:solidFill>
+                  <a:schemeClr val="tx1"/>
+                </a:solidFill>
+                <a:latin typeface="Times New Roman" panose="02020603050405020304" pitchFamily="18" charset="0"/>
+                <a:cs typeface="Times New Roman" panose="02020603050405020304" pitchFamily="18" charset="0"/>
+              </a:rPr>
+              <a:t>NÃO</a:t>
+            </a:r>
+            <a:r>
+              <a:rPr lang="pt-BR" sz="2400" dirty="0">
+                <a:solidFill>
+                  <a:schemeClr val="tx1"/>
+                </a:solidFill>
+                <a:latin typeface="Times New Roman" panose="02020603050405020304" pitchFamily="18" charset="0"/>
+                <a:cs typeface="Times New Roman" panose="02020603050405020304" pitchFamily="18" charset="0"/>
+              </a:rPr>
+              <a:t> </a:t>
+            </a:r>
+            <a:r>
+              <a:rPr lang="pt-BR" sz="2400" b="1" dirty="0">
+                <a:solidFill>
+                  <a:schemeClr val="tx1"/>
+                </a:solidFill>
+                <a:latin typeface="Times New Roman" panose="02020603050405020304" pitchFamily="18" charset="0"/>
+                <a:cs typeface="Times New Roman" panose="02020603050405020304" pitchFamily="18" charset="0"/>
+              </a:rPr>
+              <a:t>destrói</a:t>
+            </a:r>
+            <a:r>
+              <a:rPr lang="pt-BR" sz="2400" dirty="0">
+                <a:solidFill>
+                  <a:schemeClr val="tx1"/>
+                </a:solidFill>
+                <a:latin typeface="Times New Roman" panose="02020603050405020304" pitchFamily="18" charset="0"/>
+                <a:cs typeface="Times New Roman" panose="02020603050405020304" pitchFamily="18" charset="0"/>
+              </a:rPr>
+              <a:t> a lista na memória</a:t>
+            </a:r>
+            <a:endParaRPr lang="pt-BR" sz="2400" b="1" dirty="0">
+              <a:solidFill>
+                <a:srgbClr val="FF0000"/>
+              </a:solidFill>
+              <a:latin typeface="Times New Roman" panose="02020603050405020304" pitchFamily="18" charset="0"/>
+              <a:cs typeface="Times New Roman" panose="02020603050405020304" pitchFamily="18" charset="0"/>
+            </a:endParaRPr>
+          </a:p>
+          <a:p>
             <a:pPr marL="0" indent="0" algn="just">
               <a:buNone/>
             </a:pPr>
-            <a:endParaRPr lang="pt-BR" dirty="0">
+            <a:r>
+              <a:rPr lang="pt-BR" sz="2400" dirty="0">
+                <a:solidFill>
+                  <a:schemeClr val="tx1"/>
+                </a:solidFill>
+                <a:latin typeface="Times New Roman" panose="02020603050405020304" pitchFamily="18" charset="0"/>
+                <a:cs typeface="Times New Roman" panose="02020603050405020304" pitchFamily="18" charset="0"/>
+              </a:rPr>
+              <a:t>   Ex.: </a:t>
+            </a:r>
+            <a:r>
+              <a:rPr lang="pt-BR" sz="2400" dirty="0" err="1">
+                <a:solidFill>
+                  <a:schemeClr val="tx1"/>
+                </a:solidFill>
+                <a:latin typeface="Times New Roman" panose="02020603050405020304" pitchFamily="18" charset="0"/>
+                <a:cs typeface="Times New Roman" panose="02020603050405020304" pitchFamily="18" charset="0"/>
+              </a:rPr>
+              <a:t>umaLista.</a:t>
+            </a:r>
+            <a:r>
+              <a:rPr lang="pt-BR" sz="2400" b="1" dirty="0" err="1">
+                <a:solidFill>
+                  <a:schemeClr val="tx1"/>
+                </a:solidFill>
+                <a:latin typeface="Times New Roman" panose="02020603050405020304" pitchFamily="18" charset="0"/>
+                <a:cs typeface="Times New Roman" panose="02020603050405020304" pitchFamily="18" charset="0"/>
+              </a:rPr>
+              <a:t>clear</a:t>
+            </a:r>
+            <a:r>
+              <a:rPr lang="pt-BR" sz="2400" dirty="0">
+                <a:solidFill>
+                  <a:schemeClr val="tx1"/>
+                </a:solidFill>
+                <a:latin typeface="Times New Roman" panose="02020603050405020304" pitchFamily="18" charset="0"/>
+                <a:cs typeface="Times New Roman" panose="02020603050405020304" pitchFamily="18" charset="0"/>
+              </a:rPr>
+              <a:t>()</a:t>
+            </a:r>
+          </a:p>
+          <a:p>
+            <a:pPr marL="0" indent="0" algn="just">
+              <a:buNone/>
+            </a:pPr>
+            <a:endParaRPr lang="pt-BR" sz="2400" dirty="0">
               <a:solidFill>
                 <a:schemeClr val="tx1"/>
               </a:solidFill>
@@ -14258,7 +14354,7 @@
                 <a:latin typeface="Times New Roman" panose="02020603050405020304" pitchFamily="18" charset="0"/>
                 <a:cs typeface="Times New Roman" panose="02020603050405020304" pitchFamily="18" charset="0"/>
               </a:rPr>
-              <a:t>– Podemos adicionar elemento com </a:t>
+              <a:t>– adicionar elemento com </a:t>
             </a:r>
             <a:r>
               <a:rPr lang="pt-BR" sz="2400" b="1" dirty="0" err="1">
@@ -14334,7 +14430,7 @@
                 <a:latin typeface="Times New Roman" panose="02020603050405020304" pitchFamily="18" charset="0"/>
                 <a:cs typeface="Times New Roman" panose="02020603050405020304" pitchFamily="18" charset="0"/>
               </a:rPr>
-              <a:t>– Podemos adicionar elemento com </a:t>
+              <a:t>– adicionar elemento com </a:t>
             </a:r>
             <a:r>
               <a:rPr lang="pt-BR" sz="2400" b="1" dirty="0" err="1">
@@ -14427,7 +14523,7 @@
                 <a:latin typeface="Times New Roman" panose="02020603050405020304" pitchFamily="18" charset="0"/>
                 <a:cs typeface="Times New Roman" panose="02020603050405020304" pitchFamily="18" charset="0"/>
               </a:rPr>
-              <a:t>– Podemos excluir elemento com </a:t>
+              <a:t>– excluir elemento com </a:t>
             </a:r>
             <a:r>
               <a:rPr lang="pt-BR" sz="2400" b="1" dirty="0">
@@ -14527,7 +14623,7 @@
                 <a:latin typeface="Times New Roman" panose="02020603050405020304" pitchFamily="18" charset="0"/>
                 <a:cs typeface="Times New Roman" panose="02020603050405020304" pitchFamily="18" charset="0"/>
               </a:rPr>
-              <a:t>– Podemos excluir elemento com </a:t>
+              <a:t>– excluir elemento com </a:t>
             </a:r>
             <a:r>
               <a:rPr lang="pt-BR" sz="2400" b="1" dirty="0">
@@ -14606,6 +14702,60 @@
                 <a:cs typeface="Times New Roman" panose="02020603050405020304" pitchFamily="18" charset="0"/>
               </a:rPr>
               <a:t>senão existir erro</a:t>
+            </a:r>
+            <a:r>
+              <a:rPr lang="pt-BR" sz="2400" b="1" dirty="0">
+                <a:latin typeface="Times New Roman" panose="02020603050405020304" pitchFamily="18" charset="0"/>
+                <a:cs typeface="Times New Roman" panose="02020603050405020304" pitchFamily="18" charset="0"/>
+              </a:rPr>
+              <a:t>.</a:t>
+            </a:r>
+          </a:p>
+          <a:p>
+            <a:pPr marL="0" indent="0" algn="just">
+              <a:buNone/>
+            </a:pPr>
+            <a:r>
+              <a:rPr lang="pt-BR" sz="2400" b="1" dirty="0">
+                <a:latin typeface="Times New Roman" panose="02020603050405020304" pitchFamily="18" charset="0"/>
+                <a:cs typeface="Times New Roman" panose="02020603050405020304" pitchFamily="18" charset="0"/>
+              </a:rPr>
+              <a:t>Nota: </a:t>
+            </a:r>
+            <a:r>
+              <a:rPr lang="pt-BR" sz="2400" dirty="0">
+                <a:latin typeface="Times New Roman" panose="02020603050405020304" pitchFamily="18" charset="0"/>
+                <a:cs typeface="Times New Roman" panose="02020603050405020304" pitchFamily="18" charset="0"/>
+              </a:rPr>
+              <a:t>Ainda existem os métodos</a:t>
+            </a:r>
+            <a:r>
+              <a:rPr lang="pt-BR" sz="2400" b="1" dirty="0">
+                <a:latin typeface="Times New Roman" panose="02020603050405020304" pitchFamily="18" charset="0"/>
+                <a:cs typeface="Times New Roman" panose="02020603050405020304" pitchFamily="18" charset="0"/>
+              </a:rPr>
+              <a:t>: </a:t>
+            </a:r>
+            <a:r>
+              <a:rPr lang="pt-BR" sz="2400" b="1" dirty="0" err="1">
+                <a:latin typeface="Times New Roman" panose="02020603050405020304" pitchFamily="18" charset="0"/>
+                <a:cs typeface="Times New Roman" panose="02020603050405020304" pitchFamily="18" charset="0"/>
+              </a:rPr>
+              <a:t>del</a:t>
+            </a:r>
+            <a:r>
+              <a:rPr lang="pt-BR" sz="2400" b="1" dirty="0">
+                <a:latin typeface="Times New Roman" panose="02020603050405020304" pitchFamily="18" charset="0"/>
+                <a:cs typeface="Times New Roman" panose="02020603050405020304" pitchFamily="18" charset="0"/>
+              </a:rPr>
+              <a:t> e </a:t>
+            </a:r>
+            <a:r>
+              <a:rPr lang="pt-BR" sz="2400" b="1" dirty="0" err="1">
+                <a:latin typeface="Times New Roman" panose="02020603050405020304" pitchFamily="18" charset="0"/>
+                <a:cs typeface="Times New Roman" panose="02020603050405020304" pitchFamily="18" charset="0"/>
+              </a:rPr>
+              <a:t>clear</a:t>
             </a:r>
             <a:r>
               <a:rPr lang="pt-BR" sz="2400" b="1" dirty="0">

--- a/01 Classes/Aula 07 Programação Python - Tipos de Dados Aglomerados.pptx
+++ b/01 Classes/Aula 07 Programação Python - Tipos de Dados Aglomerados.pptx
@@ -5,7 +5,7 @@
     <p:sldMasterId id="2147483671" r:id="rId1"/>
   </p:sldMasterIdLst>
   <p:notesMasterIdLst>
-    <p:notesMasterId r:id="rId29"/>
+    <p:notesMasterId r:id="rId30"/>
   </p:notesMasterIdLst>
   <p:sldIdLst>
     <p:sldId id="256" r:id="rId2"/>
@@ -30,11 +30,12 @@
     <p:sldId id="346" r:id="rId21"/>
     <p:sldId id="347" r:id="rId22"/>
     <p:sldId id="353" r:id="rId23"/>
-    <p:sldId id="323" r:id="rId24"/>
-    <p:sldId id="333" r:id="rId25"/>
-    <p:sldId id="334" r:id="rId26"/>
-    <p:sldId id="337" r:id="rId27"/>
-    <p:sldId id="309" r:id="rId28"/>
+    <p:sldId id="357" r:id="rId24"/>
+    <p:sldId id="323" r:id="rId25"/>
+    <p:sldId id="333" r:id="rId26"/>
+    <p:sldId id="334" r:id="rId27"/>
+    <p:sldId id="337" r:id="rId28"/>
+    <p:sldId id="309" r:id="rId29"/>
   </p:sldIdLst>
   <p:sldSz cx="9144000" cy="5143500" type="screen16x9"/>
   <p:notesSz cx="6858000" cy="9144000"/>
@@ -1241,7 +1242,7 @@
     </p:spTree>
     <p:extLst>
       <p:ext uri="{BB962C8B-B14F-4D97-AF65-F5344CB8AC3E}">
-        <p14:creationId xmlns:p14="http://schemas.microsoft.com/office/powerpoint/2010/main" val="2709569597"/>
+        <p14:creationId xmlns:p14="http://schemas.microsoft.com/office/powerpoint/2010/main" val="2598361263"/>
       </p:ext>
     </p:extLst>
   </p:cSld>
@@ -1307,7 +1308,7 @@
     </p:spTree>
     <p:extLst>
       <p:ext uri="{BB962C8B-B14F-4D97-AF65-F5344CB8AC3E}">
-        <p14:creationId xmlns:p14="http://schemas.microsoft.com/office/powerpoint/2010/main" val="585304384"/>
+        <p14:creationId xmlns:p14="http://schemas.microsoft.com/office/powerpoint/2010/main" val="2709569597"/>
       </p:ext>
     </p:extLst>
   </p:cSld>
@@ -1373,6 +1374,72 @@
     </p:spTree>
     <p:extLst>
       <p:ext uri="{BB962C8B-B14F-4D97-AF65-F5344CB8AC3E}">
+        <p14:creationId xmlns:p14="http://schemas.microsoft.com/office/powerpoint/2010/main" val="585304384"/>
+      </p:ext>
+    </p:extLst>
+  </p:cSld>
+  <p:clrMapOvr>
+    <a:masterClrMapping/>
+  </p:clrMapOvr>
+</p:notes>
+</file>
+
+<file path=ppt/notesSlides/notesSlide24.xml><?xml version="1.0" encoding="utf-8"?>
+<p:notes xmlns:a="http://schemas.openxmlformats.org/drawingml/2006/main" xmlns:r="http://schemas.openxmlformats.org/officeDocument/2006/relationships" xmlns:p="http://schemas.openxmlformats.org/presentationml/2006/main">
+  <p:cSld>
+    <p:spTree>
+      <p:nvGrpSpPr>
+        <p:cNvPr id="1" name=""/>
+        <p:cNvGrpSpPr/>
+        <p:nvPr/>
+      </p:nvGrpSpPr>
+      <p:grpSpPr>
+        <a:xfrm>
+          <a:off x="0" y="0"/>
+          <a:ext cx="0" cy="0"/>
+          <a:chOff x="0" y="0"/>
+          <a:chExt cx="0" cy="0"/>
+        </a:xfrm>
+      </p:grpSpPr>
+      <p:sp>
+        <p:nvSpPr>
+          <p:cNvPr id="2" name="Espaço Reservado para Imagem de Slide 1"/>
+          <p:cNvSpPr>
+            <a:spLocks noGrp="1" noRot="1" noChangeAspect="1"/>
+          </p:cNvSpPr>
+          <p:nvPr>
+            <p:ph type="sldImg"/>
+          </p:nvPr>
+        </p:nvSpPr>
+        <p:spPr>
+          <a:xfrm>
+            <a:off x="381000" y="685800"/>
+            <a:ext cx="6096000" cy="3429000"/>
+          </a:xfrm>
+        </p:spPr>
+      </p:sp>
+      <p:sp>
+        <p:nvSpPr>
+          <p:cNvPr id="3" name="Espaço Reservado para Anotações 2"/>
+          <p:cNvSpPr>
+            <a:spLocks noGrp="1"/>
+          </p:cNvSpPr>
+          <p:nvPr>
+            <p:ph type="body" idx="1"/>
+          </p:nvPr>
+        </p:nvSpPr>
+        <p:spPr/>
+        <p:txBody>
+          <a:bodyPr/>
+          <a:lstStyle/>
+          <a:p>
+            <a:endParaRPr lang="pt-BR" dirty="0"/>
+          </a:p>
+        </p:txBody>
+      </p:sp>
+    </p:spTree>
+    <p:extLst>
+      <p:ext uri="{BB962C8B-B14F-4D97-AF65-F5344CB8AC3E}">
         <p14:creationId xmlns:p14="http://schemas.microsoft.com/office/powerpoint/2010/main" val="2296249050"/>
       </p:ext>
     </p:extLst>
@@ -1383,7 +1450,7 @@
 </p:notes>
 </file>
 
-<file path=ppt/notesSlides/notesSlide24.xml><?xml version="1.0" encoding="utf-8"?>
+<file path=ppt/notesSlides/notesSlide25.xml><?xml version="1.0" encoding="utf-8"?>
 <p:notes xmlns:a="http://schemas.openxmlformats.org/drawingml/2006/main" xmlns:r="http://schemas.openxmlformats.org/officeDocument/2006/relationships" xmlns:p="http://schemas.openxmlformats.org/presentationml/2006/main">
   <p:cSld>
     <p:spTree>
@@ -2050,7 +2117,7 @@
           <a:p>
             <a:fld id="{48A87A34-81AB-432B-8DAE-1953F412C126}" type="datetimeFigureOut">
               <a:rPr lang="en-US" smtClean="0"/>
-              <a:t>9/22/2022</a:t>
+              <a:t>9/25/2022</a:t>
             </a:fld>
             <a:endParaRPr lang="en-US" dirty="0"/>
           </a:p>
@@ -2261,7 +2328,7 @@
           <a:p>
             <a:fld id="{48A87A34-81AB-432B-8DAE-1953F412C126}" type="datetimeFigureOut">
               <a:rPr lang="en-US" smtClean="0"/>
-              <a:t>9/22/2022</a:t>
+              <a:t>9/25/2022</a:t>
             </a:fld>
             <a:endParaRPr lang="en-US" dirty="0"/>
           </a:p>
@@ -2476,7 +2543,7 @@
           <a:p>
             <a:fld id="{48A87A34-81AB-432B-8DAE-1953F412C126}" type="datetimeFigureOut">
               <a:rPr lang="en-US" smtClean="0"/>
-              <a:t>9/22/2022</a:t>
+              <a:t>9/25/2022</a:t>
             </a:fld>
             <a:endParaRPr lang="en-US" dirty="0"/>
           </a:p>
@@ -2844,7 +2911,7 @@
           <a:p>
             <a:fld id="{48A87A34-81AB-432B-8DAE-1953F412C126}" type="datetimeFigureOut">
               <a:rPr lang="en-US" smtClean="0"/>
-              <a:t>9/22/2022</a:t>
+              <a:t>9/25/2022</a:t>
             </a:fld>
             <a:endParaRPr lang="en-US" dirty="0"/>
           </a:p>
@@ -3123,7 +3190,7 @@
           <a:p>
             <a:fld id="{48A87A34-81AB-432B-8DAE-1953F412C126}" type="datetimeFigureOut">
               <a:rPr lang="en-US" smtClean="0"/>
-              <a:t>9/22/2022</a:t>
+              <a:t>9/25/2022</a:t>
             </a:fld>
             <a:endParaRPr lang="en-US" dirty="0"/>
           </a:p>
@@ -3391,7 +3458,7 @@
           <a:p>
             <a:fld id="{48A87A34-81AB-432B-8DAE-1953F412C126}" type="datetimeFigureOut">
               <a:rPr lang="en-US" smtClean="0"/>
-              <a:t>9/22/2022</a:t>
+              <a:t>9/25/2022</a:t>
             </a:fld>
             <a:endParaRPr lang="en-US" dirty="0"/>
           </a:p>
@@ -3807,7 +3874,7 @@
           <a:p>
             <a:fld id="{48A87A34-81AB-432B-8DAE-1953F412C126}" type="datetimeFigureOut">
               <a:rPr lang="en-US" smtClean="0"/>
-              <a:t>9/22/2022</a:t>
+              <a:t>9/25/2022</a:t>
             </a:fld>
             <a:endParaRPr lang="en-US" dirty="0"/>
           </a:p>
@@ -3956,7 +4023,7 @@
           <a:p>
             <a:fld id="{48A87A34-81AB-432B-8DAE-1953F412C126}" type="datetimeFigureOut">
               <a:rPr lang="en-US" smtClean="0"/>
-              <a:t>9/22/2022</a:t>
+              <a:t>9/25/2022</a:t>
             </a:fld>
             <a:endParaRPr lang="en-US" dirty="0"/>
           </a:p>
@@ -4082,7 +4149,7 @@
           <a:p>
             <a:fld id="{48A87A34-81AB-432B-8DAE-1953F412C126}" type="datetimeFigureOut">
               <a:rPr lang="en-US" smtClean="0"/>
-              <a:t>9/22/2022</a:t>
+              <a:t>9/25/2022</a:t>
             </a:fld>
             <a:endParaRPr lang="en-US" dirty="0"/>
           </a:p>
@@ -4333,7 +4400,7 @@
           <a:p>
             <a:fld id="{48A87A34-81AB-432B-8DAE-1953F412C126}" type="datetimeFigureOut">
               <a:rPr lang="en-US" smtClean="0"/>
-              <a:t>9/22/2022</a:t>
+              <a:t>9/25/2022</a:t>
             </a:fld>
             <a:endParaRPr lang="en-US" dirty="0"/>
           </a:p>
@@ -4779,7 +4846,7 @@
             <a:fld id="{48A87A34-81AB-432B-8DAE-1953F412C126}" type="datetimeFigureOut">
               <a:rPr lang="en-US" smtClean="0"/>
               <a:pPr/>
-              <a:t>9/22/2022</a:t>
+              <a:t>9/25/2022</a:t>
             </a:fld>
             <a:endParaRPr lang="en-US" dirty="0"/>
           </a:p>
@@ -5107,7 +5174,7 @@
             <a:fld id="{48A87A34-81AB-432B-8DAE-1953F412C126}" type="datetimeFigureOut">
               <a:rPr lang="en-US" smtClean="0"/>
               <a:pPr/>
-              <a:t>9/22/2022</a:t>
+              <a:t>9/25/2022</a:t>
             </a:fld>
             <a:endParaRPr lang="en-US" dirty="0"/>
           </a:p>
@@ -9617,15 +9684,45 @@
             <a:pPr marL="0" indent="0" algn="just">
               <a:buNone/>
             </a:pPr>
+            <a:endParaRPr lang="pt-BR" dirty="0">
+              <a:solidFill>
+                <a:schemeClr val="tx1"/>
+              </a:solidFill>
+              <a:latin typeface="Times New Roman" panose="02020603050405020304" pitchFamily="18" charset="0"/>
+              <a:cs typeface="Times New Roman" panose="02020603050405020304" pitchFamily="18" charset="0"/>
+            </a:endParaRPr>
+          </a:p>
+          <a:p>
+            <a:pPr algn="just">
+              <a:buFont typeface="Wingdings" panose="05000000000000000000" pitchFamily="2" charset="2"/>
+              <a:buChar char="§"/>
+            </a:pPr>
             <a:r>
               <a:rPr lang="pt-BR" dirty="0">
-                <a:solidFill>
-                  <a:schemeClr val="tx1"/>
-                </a:solidFill>
-                <a:latin typeface="Times New Roman" panose="02020603050405020304" pitchFamily="18" charset="0"/>
-                <a:cs typeface="Times New Roman" panose="02020603050405020304" pitchFamily="18" charset="0"/>
-              </a:rPr>
-              <a:t>• Como guardar dados organizados em Python?</a:t>
+                <a:latin typeface="Times New Roman" panose="02020603050405020304" pitchFamily="18" charset="0"/>
+                <a:cs typeface="Times New Roman" panose="02020603050405020304" pitchFamily="18" charset="0"/>
+              </a:rPr>
+              <a:t> </a:t>
+            </a:r>
+            <a:r>
+              <a:rPr lang="pt-BR" b="1" dirty="0">
+                <a:solidFill>
+                  <a:srgbClr val="FF0000"/>
+                </a:solidFill>
+                <a:latin typeface="Times New Roman" panose="02020603050405020304" pitchFamily="18" charset="0"/>
+                <a:cs typeface="Times New Roman" panose="02020603050405020304" pitchFamily="18" charset="0"/>
+              </a:rPr>
+              <a:t>Como guardar dados organizados em Python</a:t>
+            </a:r>
+            <a:r>
+              <a:rPr lang="pt-BR" dirty="0">
+                <a:solidFill>
+                  <a:schemeClr val="tx1"/>
+                </a:solidFill>
+                <a:latin typeface="Times New Roman" panose="02020603050405020304" pitchFamily="18" charset="0"/>
+                <a:cs typeface="Times New Roman" panose="02020603050405020304" pitchFamily="18" charset="0"/>
+              </a:rPr>
+              <a:t>?</a:t>
             </a:r>
           </a:p>
           <a:p>
@@ -10166,7 +10263,21 @@
                 <a:latin typeface="Times New Roman" panose="02020603050405020304" pitchFamily="18" charset="0"/>
                 <a:cs typeface="Times New Roman" panose="02020603050405020304" pitchFamily="18" charset="0"/>
               </a:rPr>
-              <a:t>:</a:t>
+              <a:t>: </a:t>
+            </a:r>
+            <a:r>
+              <a:rPr lang="pt-BR" sz="3200" b="1" dirty="0" err="1">
+                <a:latin typeface="Times New Roman" panose="02020603050405020304" pitchFamily="18" charset="0"/>
+                <a:cs typeface="Times New Roman" panose="02020603050405020304" pitchFamily="18" charset="0"/>
+              </a:rPr>
+              <a:t>Tupla</a:t>
+            </a:r>
+            <a:r>
+              <a:rPr lang="pt-BR" sz="3200" b="1" dirty="0">
+                <a:latin typeface="Times New Roman" panose="02020603050405020304" pitchFamily="18" charset="0"/>
+                <a:cs typeface="Times New Roman" panose="02020603050405020304" pitchFamily="18" charset="0"/>
+              </a:rPr>
+              <a:t> não nomeada</a:t>
             </a:r>
           </a:p>
           <a:p>
@@ -10645,12 +10756,20 @@
               </a:rPr>
             </a:br>
             <a:r>
+              <a:rPr lang="pt-BR" sz="3200" b="1">
+                <a:solidFill>
+                  <a:schemeClr val="bg1"/>
+                </a:solidFill>
+              </a:rPr>
+              <a:t>  Tipos </a:t>
+            </a:r>
+            <a:r>
               <a:rPr lang="pt-BR" sz="3200" b="1" dirty="0">
                 <a:solidFill>
                   <a:schemeClr val="bg1"/>
                 </a:solidFill>
               </a:rPr>
-              <a:t>	Tipos de dados aglomerados:	</a:t>
+              <a:t>de dados aglomerados:	</a:t>
             </a:r>
             <a:br>
               <a:rPr lang="pt-BR" sz="3200" b="1" dirty="0">
@@ -10660,12 +10779,20 @@
               </a:rPr>
             </a:br>
             <a:r>
+              <a:rPr lang="pt-BR" sz="3200" b="1">
+                <a:solidFill>
+                  <a:schemeClr val="bg1"/>
+                </a:solidFill>
+              </a:rPr>
+              <a:t>  Listas</a:t>
+            </a:r>
+            <a:r>
               <a:rPr lang="pt-BR" sz="3200" b="1" dirty="0">
                 <a:solidFill>
                   <a:schemeClr val="bg1"/>
                 </a:solidFill>
               </a:rPr>
-              <a:t>	Listas, </a:t>
+              <a:t>, </a:t>
             </a:r>
             <a:r>
               <a:rPr lang="pt-BR" sz="3200" b="1" dirty="0" err="1">
@@ -10681,7 +10808,7 @@
                   <a:schemeClr val="bg1"/>
                 </a:solidFill>
               </a:rPr>
-              <a:t> E </a:t>
+              <a:t>, </a:t>
             </a:r>
             <a:r>
               <a:rPr lang="pt-BR" sz="3200" b="1" dirty="0" err="1">
@@ -10691,11 +10818,14 @@
               </a:rPr>
               <a:t>SETs</a:t>
             </a:r>
-            <a:endParaRPr lang="pt-BR" sz="3200" b="1" dirty="0">
-              <a:solidFill>
-                <a:schemeClr val="bg1"/>
-              </a:solidFill>
-            </a:endParaRPr>
+            <a:r>
+              <a:rPr lang="pt-BR" sz="3200" b="1" dirty="0">
+                <a:solidFill>
+                  <a:schemeClr val="bg1"/>
+                </a:solidFill>
+              </a:rPr>
+              <a:t>, DICS</a:t>
+            </a:r>
           </a:p>
         </p:txBody>
       </p:sp>
@@ -11132,27 +11262,17 @@
                 <a:latin typeface="Times New Roman" panose="02020603050405020304" pitchFamily="18" charset="0"/>
                 <a:cs typeface="Times New Roman" panose="02020603050405020304" pitchFamily="18" charset="0"/>
               </a:rPr>
-              <a:t>cliente[1] = "1234“ # </a:t>
-            </a:r>
-            <a:r>
-              <a:rPr lang="pt-BR" b="1" dirty="0" err="1">
+              <a:t>cliente[1] = "12345678900" #</a:t>
+            </a:r>
+            <a:r>
+              <a:rPr lang="pt-BR" b="1" dirty="0">
                 <a:solidFill>
                   <a:srgbClr val="FF0000"/>
                 </a:solidFill>
                 <a:latin typeface="Times New Roman" panose="02020603050405020304" pitchFamily="18" charset="0"/>
                 <a:cs typeface="Times New Roman" panose="02020603050405020304" pitchFamily="18" charset="0"/>
               </a:rPr>
-              <a:t>Tupla</a:t>
-            </a:r>
-            <a:r>
-              <a:rPr lang="pt-BR" b="1" dirty="0">
-                <a:solidFill>
-                  <a:srgbClr val="FF0000"/>
-                </a:solidFill>
-                <a:latin typeface="Times New Roman" panose="02020603050405020304" pitchFamily="18" charset="0"/>
-                <a:cs typeface="Times New Roman" panose="02020603050405020304" pitchFamily="18" charset="0"/>
-              </a:rPr>
-              <a:t>, </a:t>
+              <a:t>Tupla, </a:t>
             </a:r>
             <a:r>
               <a:rPr lang="pt-BR" b="1" dirty="0" err="1">
@@ -11469,11 +11589,25 @@
               <a:buNone/>
             </a:pPr>
             <a:r>
+              <a:rPr lang="pt-BR" sz="2400" b="1" dirty="0" err="1">
+                <a:latin typeface="Times New Roman" panose="02020603050405020304" pitchFamily="18" charset="0"/>
+                <a:cs typeface="Times New Roman" panose="02020603050405020304" pitchFamily="18" charset="0"/>
+              </a:rPr>
+              <a:t>from</a:t>
+            </a:r>
+            <a:r>
+              <a:rPr lang="pt-BR" sz="2400" dirty="0">
+                <a:latin typeface="Times New Roman" panose="02020603050405020304" pitchFamily="18" charset="0"/>
+                <a:cs typeface="Times New Roman" panose="02020603050405020304" pitchFamily="18" charset="0"/>
+              </a:rPr>
+              <a:t> </a:t>
+            </a:r>
+            <a:r>
               <a:rPr lang="pt-BR" sz="2400" dirty="0" err="1">
                 <a:latin typeface="Times New Roman" panose="02020603050405020304" pitchFamily="18" charset="0"/>
                 <a:cs typeface="Times New Roman" panose="02020603050405020304" pitchFamily="18" charset="0"/>
               </a:rPr>
-              <a:t>from</a:t>
+              <a:t>collections</a:t>
             </a:r>
             <a:r>
               <a:rPr lang="pt-BR" sz="2400" dirty="0">
@@ -11483,21 +11617,7 @@
               <a:t> </a:t>
             </a:r>
             <a:r>
-              <a:rPr lang="pt-BR" sz="2400" dirty="0" err="1">
-                <a:latin typeface="Times New Roman" panose="02020603050405020304" pitchFamily="18" charset="0"/>
-                <a:cs typeface="Times New Roman" panose="02020603050405020304" pitchFamily="18" charset="0"/>
-              </a:rPr>
-              <a:t>collections</a:t>
-            </a:r>
-            <a:r>
-              <a:rPr lang="pt-BR" sz="2400" dirty="0">
-                <a:latin typeface="Times New Roman" panose="02020603050405020304" pitchFamily="18" charset="0"/>
-                <a:cs typeface="Times New Roman" panose="02020603050405020304" pitchFamily="18" charset="0"/>
-              </a:rPr>
-              <a:t> </a:t>
-            </a:r>
-            <a:r>
-              <a:rPr lang="pt-BR" sz="2400" dirty="0" err="1">
+              <a:rPr lang="pt-BR" sz="2400" b="1" dirty="0" err="1">
                 <a:latin typeface="Times New Roman" panose="02020603050405020304" pitchFamily="18" charset="0"/>
                 <a:cs typeface="Times New Roman" panose="02020603050405020304" pitchFamily="18" charset="0"/>
               </a:rPr>
@@ -11534,32 +11654,51 @@
               <a:t>Cliente = </a:t>
             </a:r>
             <a:r>
+              <a:rPr lang="pt-BR" sz="2400" b="1" dirty="0" err="1">
+                <a:latin typeface="Times New Roman" panose="02020603050405020304" pitchFamily="18" charset="0"/>
+                <a:cs typeface="Times New Roman" panose="02020603050405020304" pitchFamily="18" charset="0"/>
+              </a:rPr>
+              <a:t>namedtuple</a:t>
+            </a:r>
+            <a:r>
+              <a:rPr lang="pt-BR" sz="2400" dirty="0">
+                <a:latin typeface="Times New Roman" panose="02020603050405020304" pitchFamily="18" charset="0"/>
+                <a:cs typeface="Times New Roman" panose="02020603050405020304" pitchFamily="18" charset="0"/>
+              </a:rPr>
+              <a:t>(‘Cliente’, ‘nome </a:t>
+            </a:r>
+            <a:r>
               <a:rPr lang="pt-BR" sz="2400" dirty="0" err="1">
                 <a:latin typeface="Times New Roman" panose="02020603050405020304" pitchFamily="18" charset="0"/>
                 <a:cs typeface="Times New Roman" panose="02020603050405020304" pitchFamily="18" charset="0"/>
               </a:rPr>
-              <a:t>namedtuple</a:t>
+              <a:t>cpf</a:t>
             </a:r>
             <a:r>
               <a:rPr lang="pt-BR" sz="2400" dirty="0">
                 <a:latin typeface="Times New Roman" panose="02020603050405020304" pitchFamily="18" charset="0"/>
                 <a:cs typeface="Times New Roman" panose="02020603050405020304" pitchFamily="18" charset="0"/>
               </a:rPr>
-              <a:t>(‘Cliente’, ‘nome </a:t>
-            </a:r>
+              <a:t> limite compras’)</a:t>
+            </a:r>
+          </a:p>
+          <a:p>
+            <a:pPr marL="619125" lvl="1" indent="0" algn="just">
+              <a:buNone/>
+            </a:pPr>
             <a:r>
               <a:rPr lang="pt-BR" sz="2400" dirty="0" err="1">
                 <a:latin typeface="Times New Roman" panose="02020603050405020304" pitchFamily="18" charset="0"/>
                 <a:cs typeface="Times New Roman" panose="02020603050405020304" pitchFamily="18" charset="0"/>
               </a:rPr>
-              <a:t>cpf</a:t>
+              <a:t>umCliente</a:t>
             </a:r>
             <a:r>
               <a:rPr lang="pt-BR" sz="2400" dirty="0">
                 <a:latin typeface="Times New Roman" panose="02020603050405020304" pitchFamily="18" charset="0"/>
                 <a:cs typeface="Times New Roman" panose="02020603050405020304" pitchFamily="18" charset="0"/>
               </a:rPr>
-              <a:t> limite compras’)</a:t>
+              <a:t> = Cliente(‘Fulano’, ‘01234567890’, 5000.00, 300.00)</a:t>
             </a:r>
           </a:p>
           <a:p>
@@ -11567,6 +11706,20 @@
               <a:buNone/>
             </a:pPr>
             <a:r>
+              <a:rPr lang="pt-BR" sz="2400" b="1" dirty="0">
+                <a:latin typeface="Times New Roman" panose="02020603050405020304" pitchFamily="18" charset="0"/>
+                <a:cs typeface="Times New Roman" panose="02020603050405020304" pitchFamily="18" charset="0"/>
+              </a:rPr>
+              <a:t>print</a:t>
+            </a:r>
+            <a:r>
+              <a:rPr lang="pt-BR" sz="2400" dirty="0">
+                <a:latin typeface="Times New Roman" panose="02020603050405020304" pitchFamily="18" charset="0"/>
+                <a:cs typeface="Times New Roman" panose="02020603050405020304" pitchFamily="18" charset="0"/>
+              </a:rPr>
+              <a:t>(</a:t>
+            </a:r>
+            <a:r>
               <a:rPr lang="pt-BR" sz="2400" dirty="0" err="1">
                 <a:latin typeface="Times New Roman" panose="02020603050405020304" pitchFamily="18" charset="0"/>
                 <a:cs typeface="Times New Roman" panose="02020603050405020304" pitchFamily="18" charset="0"/>
@@ -11578,7 +11731,7 @@
                 <a:latin typeface="Times New Roman" panose="02020603050405020304" pitchFamily="18" charset="0"/>
                 <a:cs typeface="Times New Roman" panose="02020603050405020304" pitchFamily="18" charset="0"/>
               </a:rPr>
-              <a:t> = Cliente(‘Fulano’, ‘01234567890’, 5000.00, 300.00)</a:t>
+              <a:t>)</a:t>
             </a:r>
           </a:p>
           <a:p>
@@ -11586,37 +11739,18 @@
               <a:buNone/>
             </a:pPr>
             <a:r>
+              <a:rPr lang="pt-BR" sz="2400" b="1" dirty="0">
+                <a:latin typeface="Times New Roman" panose="02020603050405020304" pitchFamily="18" charset="0"/>
+                <a:cs typeface="Times New Roman" panose="02020603050405020304" pitchFamily="18" charset="0"/>
+              </a:rPr>
+              <a:t>print</a:t>
+            </a:r>
+            <a:r>
               <a:rPr lang="pt-BR" sz="2400" dirty="0">
                 <a:latin typeface="Times New Roman" panose="02020603050405020304" pitchFamily="18" charset="0"/>
                 <a:cs typeface="Times New Roman" panose="02020603050405020304" pitchFamily="18" charset="0"/>
               </a:rPr>
-              <a:t>print (</a:t>
-            </a:r>
-            <a:r>
-              <a:rPr lang="pt-BR" sz="2400" dirty="0" err="1">
-                <a:latin typeface="Times New Roman" panose="02020603050405020304" pitchFamily="18" charset="0"/>
-                <a:cs typeface="Times New Roman" panose="02020603050405020304" pitchFamily="18" charset="0"/>
-              </a:rPr>
-              <a:t>umCliente</a:t>
-            </a:r>
-            <a:r>
-              <a:rPr lang="pt-BR" sz="2400" dirty="0">
-                <a:latin typeface="Times New Roman" panose="02020603050405020304" pitchFamily="18" charset="0"/>
-                <a:cs typeface="Times New Roman" panose="02020603050405020304" pitchFamily="18" charset="0"/>
-              </a:rPr>
-              <a:t>)</a:t>
-            </a:r>
-          </a:p>
-          <a:p>
-            <a:pPr marL="619125" lvl="1" indent="0" algn="just">
-              <a:buNone/>
-            </a:pPr>
-            <a:r>
-              <a:rPr lang="pt-BR" sz="2400" dirty="0">
-                <a:latin typeface="Times New Roman" panose="02020603050405020304" pitchFamily="18" charset="0"/>
-                <a:cs typeface="Times New Roman" panose="02020603050405020304" pitchFamily="18" charset="0"/>
-              </a:rPr>
-              <a:t>print(</a:t>
+              <a:t>(</a:t>
             </a:r>
             <a:r>
               <a:rPr lang="pt-BR" sz="2400" dirty="0" err="1">
@@ -11805,7 +11939,7 @@
                 <a:latin typeface="Times New Roman" panose="02020603050405020304" pitchFamily="18" charset="0"/>
                 <a:cs typeface="Times New Roman" panose="02020603050405020304" pitchFamily="18" charset="0"/>
               </a:rPr>
-              <a:t>são estruturas disponíveis como </a:t>
+              <a:t>São estruturas disponíveis como </a:t>
             </a:r>
             <a:r>
               <a:rPr lang="pt-BR" sz="2000" b="1" i="1" dirty="0" err="1">
@@ -11840,21 +11974,66 @@
                 <a:latin typeface="Times New Roman" panose="02020603050405020304" pitchFamily="18" charset="0"/>
                 <a:cs typeface="Times New Roman" panose="02020603050405020304" pitchFamily="18" charset="0"/>
               </a:rPr>
-              <a:t>Os elementos não são armazenados em uma ordem específica e confiável; </a:t>
+              <a:t>Coleções: </a:t>
             </a:r>
             <a:r>
               <a:rPr lang="pt-BR" sz="2000" b="1" dirty="0">
                 <a:latin typeface="Times New Roman" panose="02020603050405020304" pitchFamily="18" charset="0"/>
                 <a:cs typeface="Times New Roman" panose="02020603050405020304" pitchFamily="18" charset="0"/>
               </a:rPr>
-              <a:t>Conjuntos não contém elementos repetidos</a:t>
+              <a:t>Não ordenadas</a:t>
             </a:r>
             <a:r>
               <a:rPr lang="pt-BR" sz="2000" dirty="0">
                 <a:latin typeface="Times New Roman" panose="02020603050405020304" pitchFamily="18" charset="0"/>
                 <a:cs typeface="Times New Roman" panose="02020603050405020304" pitchFamily="18" charset="0"/>
               </a:rPr>
-              <a:t>.</a:t>
+              <a:t>; </a:t>
+            </a:r>
+            <a:r>
+              <a:rPr lang="pt-BR" sz="2000" b="1" dirty="0">
+                <a:latin typeface="Times New Roman" panose="02020603050405020304" pitchFamily="18" charset="0"/>
+                <a:cs typeface="Times New Roman" panose="02020603050405020304" pitchFamily="18" charset="0"/>
+              </a:rPr>
+              <a:t>Mutáveis</a:t>
+            </a:r>
+            <a:r>
+              <a:rPr lang="pt-BR" sz="2000" dirty="0">
+                <a:latin typeface="Times New Roman" panose="02020603050405020304" pitchFamily="18" charset="0"/>
+                <a:cs typeface="Times New Roman" panose="02020603050405020304" pitchFamily="18" charset="0"/>
+              </a:rPr>
+              <a:t>; </a:t>
+            </a:r>
+            <a:r>
+              <a:rPr lang="pt-BR" sz="2000" b="1" dirty="0">
+                <a:solidFill>
+                  <a:srgbClr val="FF0000"/>
+                </a:solidFill>
+                <a:latin typeface="Times New Roman" panose="02020603050405020304" pitchFamily="18" charset="0"/>
+                <a:cs typeface="Times New Roman" panose="02020603050405020304" pitchFamily="18" charset="0"/>
+              </a:rPr>
+              <a:t>Não indexadas</a:t>
+            </a:r>
+            <a:r>
+              <a:rPr lang="pt-BR" sz="2000" dirty="0">
+                <a:latin typeface="Times New Roman" panose="02020603050405020304" pitchFamily="18" charset="0"/>
+                <a:cs typeface="Times New Roman" panose="02020603050405020304" pitchFamily="18" charset="0"/>
+              </a:rPr>
+              <a:t>; </a:t>
+            </a:r>
+            <a:r>
+              <a:rPr lang="pt-BR" sz="2000" b="1" dirty="0">
+                <a:latin typeface="Times New Roman" panose="02020603050405020304" pitchFamily="18" charset="0"/>
+                <a:cs typeface="Times New Roman" panose="02020603050405020304" pitchFamily="18" charset="0"/>
+              </a:rPr>
+              <a:t>não permitem elementos repetidos</a:t>
+            </a:r>
+            <a:r>
+              <a:rPr lang="pt-BR" sz="2000" dirty="0">
+                <a:latin typeface="Times New Roman" panose="02020603050405020304" pitchFamily="18" charset="0"/>
+                <a:cs typeface="Times New Roman" panose="02020603050405020304" pitchFamily="18" charset="0"/>
+              </a:rPr>
+              <a:t>. </a:t>
             </a:r>
           </a:p>
           <a:p>
@@ -11901,7 +12080,7 @@
                 <a:latin typeface="Times New Roman" panose="02020603050405020304" pitchFamily="18" charset="0"/>
                 <a:cs typeface="Times New Roman" panose="02020603050405020304" pitchFamily="18" charset="0"/>
               </a:rPr>
-              <a:t>= {1, 2, 3, 4}; </a:t>
+              <a:t>= {1, 2, 3, 4};</a:t>
             </a:r>
           </a:p>
           <a:p>
@@ -12033,7 +12212,12 @@
             <p:ph type="title"/>
           </p:nvPr>
         </p:nvSpPr>
-        <p:spPr/>
+        <p:spPr>
+          <a:xfrm>
+            <a:off x="270164" y="603390"/>
+            <a:ext cx="8020977" cy="786926"/>
+          </a:xfrm>
+        </p:spPr>
         <p:txBody>
           <a:bodyPr>
             <a:normAutofit/>
@@ -12041,12 +12225,20 @@
           <a:lstStyle/>
           <a:p>
             <a:r>
+              <a:rPr lang="en-US" b="1" dirty="0">
+                <a:solidFill>
+                  <a:srgbClr val="0070C0"/>
+                </a:solidFill>
+              </a:rPr>
+              <a:t>Python – </a:t>
+            </a:r>
+            <a:r>
               <a:rPr lang="en-US" b="1" dirty="0" err="1">
                 <a:solidFill>
                   <a:srgbClr val="0070C0"/>
                 </a:solidFill>
               </a:rPr>
-              <a:t>Leitura</a:t>
+              <a:t>TDados</a:t>
             </a:r>
             <a:r>
               <a:rPr lang="en-US" b="1" dirty="0">
@@ -12062,7 +12254,23 @@
                   <a:srgbClr val="0070C0"/>
                 </a:solidFill>
               </a:rPr>
-              <a:t>Específica</a:t>
+              <a:t>Aglomerados</a:t>
+            </a:r>
+            <a:r>
+              <a:rPr lang="en-US" b="1" dirty="0">
+                <a:solidFill>
+                  <a:srgbClr val="0070C0"/>
+                </a:solidFill>
+              </a:rPr>
+              <a:t> </a:t>
+            </a:r>
+            <a:r>
+              <a:rPr lang="en-US" b="1" dirty="0" err="1">
+                <a:solidFill>
+                  <a:srgbClr val="0070C0"/>
+                </a:solidFill>
+              </a:rPr>
+              <a:t>DicIONÁRIO</a:t>
             </a:r>
             <a:endParaRPr lang="en-US" b="1" dirty="0">
               <a:solidFill>
@@ -12084,8 +12292,8 @@
         </p:nvSpPr>
         <p:spPr>
           <a:xfrm>
-            <a:off x="142865" y="1200151"/>
-            <a:ext cx="8865056" cy="3394472"/>
+            <a:off x="142865" y="1200150"/>
+            <a:ext cx="8865056" cy="3737370"/>
           </a:xfrm>
         </p:spPr>
         <p:txBody>
@@ -12094,125 +12302,327 @@
           </a:bodyPr>
           <a:lstStyle/>
           <a:p>
+            <a:pPr algn="just">
+              <a:buFont typeface="Wingdings" panose="05000000000000000000" pitchFamily="2" charset="2"/>
+              <a:buChar char="§"/>
+            </a:pPr>
+            <a:r>
+              <a:rPr lang="pt-BR" sz="2000" b="1" dirty="0">
+                <a:solidFill>
+                  <a:srgbClr val="FF0000"/>
+                </a:solidFill>
+                <a:latin typeface="Times New Roman" panose="02020603050405020304" pitchFamily="18" charset="0"/>
+                <a:cs typeface="Times New Roman" panose="02020603050405020304" pitchFamily="18" charset="0"/>
+              </a:rPr>
+              <a:t> </a:t>
+            </a:r>
+            <a:r>
+              <a:rPr lang="pt-BR" b="1" dirty="0">
+                <a:latin typeface="Times New Roman" panose="02020603050405020304" pitchFamily="18" charset="0"/>
+                <a:cs typeface="Times New Roman" panose="02020603050405020304" pitchFamily="18" charset="0"/>
+              </a:rPr>
+              <a:t>Dicionários</a:t>
+            </a:r>
+            <a:r>
+              <a:rPr lang="pt-BR" sz="2000" dirty="0">
+                <a:latin typeface="Times New Roman" panose="02020603050405020304" pitchFamily="18" charset="0"/>
+                <a:cs typeface="Times New Roman" panose="02020603050405020304" pitchFamily="18" charset="0"/>
+              </a:rPr>
+              <a:t> </a:t>
+            </a:r>
+          </a:p>
+          <a:p>
             <a:pPr marL="0" indent="0" algn="just">
               <a:buNone/>
             </a:pPr>
-            <a:endParaRPr lang="pt-BR" dirty="0">
+            <a:r>
+              <a:rPr lang="pt-BR" sz="2000" dirty="0">
+                <a:latin typeface="Times New Roman" panose="02020603050405020304" pitchFamily="18" charset="0"/>
+                <a:cs typeface="Times New Roman" panose="02020603050405020304" pitchFamily="18" charset="0"/>
+              </a:rPr>
+              <a:t>São estruturas Python, utilizadas para representar coleções que guarda valores </a:t>
+            </a:r>
+            <a:r>
+              <a:rPr lang="pt-BR" sz="2000" b="1" dirty="0">
+                <a:latin typeface="Times New Roman" panose="02020603050405020304" pitchFamily="18" charset="0"/>
+                <a:cs typeface="Times New Roman" panose="02020603050405020304" pitchFamily="18" charset="0"/>
+              </a:rPr>
+              <a:t>multidimensionais</a:t>
+            </a:r>
+            <a:r>
+              <a:rPr lang="pt-BR" sz="2000" dirty="0">
+                <a:latin typeface="Times New Roman" panose="02020603050405020304" pitchFamily="18" charset="0"/>
+                <a:cs typeface="Times New Roman" panose="02020603050405020304" pitchFamily="18" charset="0"/>
+              </a:rPr>
+              <a:t> </a:t>
+            </a:r>
+            <a:r>
+              <a:rPr lang="pt-BR" sz="2000" b="1" dirty="0">
+                <a:solidFill>
+                  <a:srgbClr val="FF0000"/>
+                </a:solidFill>
+                <a:latin typeface="Times New Roman" panose="02020603050405020304" pitchFamily="18" charset="0"/>
+                <a:cs typeface="Times New Roman" panose="02020603050405020304" pitchFamily="18" charset="0"/>
+              </a:rPr>
+              <a:t>para cada índice</a:t>
+            </a:r>
+            <a:r>
+              <a:rPr lang="pt-BR" sz="2000" dirty="0">
+                <a:latin typeface="Times New Roman" panose="02020603050405020304" pitchFamily="18" charset="0"/>
+                <a:cs typeface="Times New Roman" panose="02020603050405020304" pitchFamily="18" charset="0"/>
+              </a:rPr>
+              <a:t>. É um dicionário de chaves (termos) que estão associadas a valores (significados dos termos). </a:t>
+            </a:r>
+          </a:p>
+          <a:p>
+            <a:pPr marL="0" indent="0" algn="just">
+              <a:buNone/>
+            </a:pPr>
+            <a:r>
+              <a:rPr lang="pt-BR" sz="2000" b="1" dirty="0">
+                <a:latin typeface="Times New Roman" panose="02020603050405020304" pitchFamily="18" charset="0"/>
+                <a:cs typeface="Times New Roman" panose="02020603050405020304" pitchFamily="18" charset="0"/>
+              </a:rPr>
+              <a:t>Nota</a:t>
+            </a:r>
+            <a:r>
+              <a:rPr lang="pt-BR" sz="2000" dirty="0">
+                <a:latin typeface="Times New Roman" panose="02020603050405020304" pitchFamily="18" charset="0"/>
+                <a:cs typeface="Times New Roman" panose="02020603050405020304" pitchFamily="18" charset="0"/>
+              </a:rPr>
+              <a:t>: </a:t>
+            </a:r>
+            <a:r>
+              <a:rPr lang="pt-BR" sz="2000" b="1" dirty="0">
+                <a:solidFill>
+                  <a:srgbClr val="FF0000"/>
+                </a:solidFill>
+                <a:latin typeface="Times New Roman" panose="02020603050405020304" pitchFamily="18" charset="0"/>
+                <a:cs typeface="Times New Roman" panose="02020603050405020304" pitchFamily="18" charset="0"/>
+              </a:rPr>
+              <a:t>Métodos</a:t>
+            </a:r>
+            <a:r>
+              <a:rPr lang="pt-BR" sz="2000" dirty="0">
+                <a:latin typeface="Times New Roman" panose="02020603050405020304" pitchFamily="18" charset="0"/>
+                <a:cs typeface="Times New Roman" panose="02020603050405020304" pitchFamily="18" charset="0"/>
+              </a:rPr>
+              <a:t>: </a:t>
+            </a:r>
+            <a:r>
+              <a:rPr lang="pt-BR" sz="2000" dirty="0" err="1">
+                <a:latin typeface="Times New Roman" panose="02020603050405020304" pitchFamily="18" charset="0"/>
+                <a:cs typeface="Times New Roman" panose="02020603050405020304" pitchFamily="18" charset="0"/>
+              </a:rPr>
+              <a:t>dic.</a:t>
+            </a:r>
+            <a:r>
+              <a:rPr lang="pt-BR" sz="2000" b="1" dirty="0" err="1">
+                <a:latin typeface="Times New Roman" panose="02020603050405020304" pitchFamily="18" charset="0"/>
+                <a:cs typeface="Times New Roman" panose="02020603050405020304" pitchFamily="18" charset="0"/>
+              </a:rPr>
+              <a:t>get</a:t>
+            </a:r>
+            <a:r>
+              <a:rPr lang="pt-BR" sz="2000" dirty="0">
+                <a:latin typeface="Times New Roman" panose="02020603050405020304" pitchFamily="18" charset="0"/>
+                <a:cs typeface="Times New Roman" panose="02020603050405020304" pitchFamily="18" charset="0"/>
+              </a:rPr>
+              <a:t>(atributo), </a:t>
+            </a:r>
+            <a:r>
+              <a:rPr lang="pt-BR" sz="2000" dirty="0" err="1">
+                <a:latin typeface="Times New Roman" panose="02020603050405020304" pitchFamily="18" charset="0"/>
+                <a:cs typeface="Times New Roman" panose="02020603050405020304" pitchFamily="18" charset="0"/>
+              </a:rPr>
+              <a:t>dic.</a:t>
+            </a:r>
+            <a:r>
+              <a:rPr lang="pt-BR" sz="2000" b="1" dirty="0" err="1">
+                <a:latin typeface="Times New Roman" panose="02020603050405020304" pitchFamily="18" charset="0"/>
+                <a:cs typeface="Times New Roman" panose="02020603050405020304" pitchFamily="18" charset="0"/>
+              </a:rPr>
+              <a:t>keys</a:t>
+            </a:r>
+            <a:r>
+              <a:rPr lang="pt-BR" sz="2000" dirty="0">
+                <a:latin typeface="Times New Roman" panose="02020603050405020304" pitchFamily="18" charset="0"/>
+                <a:cs typeface="Times New Roman" panose="02020603050405020304" pitchFamily="18" charset="0"/>
+              </a:rPr>
+              <a:t>(); </a:t>
+            </a:r>
+            <a:r>
+              <a:rPr lang="pt-BR" sz="2000" dirty="0" err="1">
+                <a:latin typeface="Times New Roman" panose="02020603050405020304" pitchFamily="18" charset="0"/>
+                <a:cs typeface="Times New Roman" panose="02020603050405020304" pitchFamily="18" charset="0"/>
+              </a:rPr>
+              <a:t>dic.</a:t>
+            </a:r>
+            <a:r>
+              <a:rPr lang="pt-BR" sz="2000" b="1" dirty="0" err="1">
+                <a:latin typeface="Times New Roman" panose="02020603050405020304" pitchFamily="18" charset="0"/>
+                <a:cs typeface="Times New Roman" panose="02020603050405020304" pitchFamily="18" charset="0"/>
+              </a:rPr>
+              <a:t>values</a:t>
+            </a:r>
+            <a:r>
+              <a:rPr lang="pt-BR" sz="2000" dirty="0">
+                <a:latin typeface="Times New Roman" panose="02020603050405020304" pitchFamily="18" charset="0"/>
+                <a:cs typeface="Times New Roman" panose="02020603050405020304" pitchFamily="18" charset="0"/>
+              </a:rPr>
+              <a:t>(); </a:t>
+            </a:r>
+            <a:r>
+              <a:rPr lang="pt-BR" sz="2000" b="1" dirty="0">
+                <a:latin typeface="Times New Roman" panose="02020603050405020304" pitchFamily="18" charset="0"/>
+                <a:cs typeface="Times New Roman" panose="02020603050405020304" pitchFamily="18" charset="0"/>
+              </a:rPr>
+              <a:t>update; pop; </a:t>
+            </a:r>
+            <a:r>
+              <a:rPr lang="pt-BR" sz="2000" b="1" dirty="0" err="1">
+                <a:latin typeface="Times New Roman" panose="02020603050405020304" pitchFamily="18" charset="0"/>
+                <a:cs typeface="Times New Roman" panose="02020603050405020304" pitchFamily="18" charset="0"/>
+              </a:rPr>
+              <a:t>len</a:t>
+            </a:r>
+            <a:r>
+              <a:rPr lang="pt-BR" sz="2000" b="1" dirty="0">
+                <a:latin typeface="Times New Roman" panose="02020603050405020304" pitchFamily="18" charset="0"/>
+                <a:cs typeface="Times New Roman" panose="02020603050405020304" pitchFamily="18" charset="0"/>
+              </a:rPr>
+              <a:t>, etc</a:t>
+            </a:r>
+            <a:r>
+              <a:rPr lang="pt-BR" sz="2000" dirty="0">
+                <a:latin typeface="Times New Roman" panose="02020603050405020304" pitchFamily="18" charset="0"/>
+                <a:cs typeface="Times New Roman" panose="02020603050405020304" pitchFamily="18" charset="0"/>
+              </a:rPr>
+              <a:t>.</a:t>
+            </a:r>
+          </a:p>
+          <a:p>
+            <a:pPr marL="0" indent="0" algn="just">
+              <a:buNone/>
+            </a:pPr>
+            <a:r>
+              <a:rPr lang="da-DK" sz="2000" b="1" dirty="0">
+                <a:latin typeface="Times New Roman" panose="02020603050405020304" pitchFamily="18" charset="0"/>
+                <a:cs typeface="Times New Roman" panose="02020603050405020304" pitchFamily="18" charset="0"/>
+              </a:rPr>
+              <a:t>dicAlu = </a:t>
+            </a:r>
+            <a:r>
+              <a:rPr lang="da-DK" sz="2000" dirty="0">
+                <a:latin typeface="Times New Roman" panose="02020603050405020304" pitchFamily="18" charset="0"/>
+                <a:cs typeface="Times New Roman" panose="02020603050405020304" pitchFamily="18" charset="0"/>
+              </a:rPr>
+              <a:t>{‘nome’: ‘Julila’, ‘idade’:17, ‘disciplina’:[‘java’, ‘python’], ‘altura’:1.55};</a:t>
+            </a:r>
+          </a:p>
+          <a:p>
+            <a:pPr marL="0" indent="0" algn="just">
+              <a:buNone/>
+            </a:pPr>
+            <a:r>
+              <a:rPr lang="en-US" sz="2000" b="1" dirty="0">
+                <a:latin typeface="Times New Roman" panose="02020603050405020304" pitchFamily="18" charset="0"/>
+                <a:cs typeface="Times New Roman" panose="02020603050405020304" pitchFamily="18" charset="0"/>
+              </a:rPr>
+              <a:t>for</a:t>
+            </a:r>
+            <a:r>
+              <a:rPr lang="en-US" sz="2000" dirty="0">
+                <a:latin typeface="Times New Roman" panose="02020603050405020304" pitchFamily="18" charset="0"/>
+                <a:cs typeface="Times New Roman" panose="02020603050405020304" pitchFamily="18" charset="0"/>
+              </a:rPr>
+              <a:t> key </a:t>
+            </a:r>
+            <a:r>
+              <a:rPr lang="en-US" sz="2000" b="1" dirty="0">
+                <a:latin typeface="Times New Roman" panose="02020603050405020304" pitchFamily="18" charset="0"/>
+                <a:cs typeface="Times New Roman" panose="02020603050405020304" pitchFamily="18" charset="0"/>
+              </a:rPr>
+              <a:t>in</a:t>
+            </a:r>
+            <a:r>
+              <a:rPr lang="en-US" sz="2000" dirty="0">
+                <a:latin typeface="Times New Roman" panose="02020603050405020304" pitchFamily="18" charset="0"/>
+                <a:cs typeface="Times New Roman" panose="02020603050405020304" pitchFamily="18" charset="0"/>
+              </a:rPr>
+              <a:t> </a:t>
+            </a:r>
+            <a:r>
+              <a:rPr lang="en-US" sz="2000" dirty="0" err="1">
+                <a:latin typeface="Times New Roman" panose="02020603050405020304" pitchFamily="18" charset="0"/>
+                <a:cs typeface="Times New Roman" panose="02020603050405020304" pitchFamily="18" charset="0"/>
+              </a:rPr>
+              <a:t>dicAlu</a:t>
+            </a:r>
+            <a:r>
+              <a:rPr lang="en-US" sz="2000" dirty="0">
+                <a:latin typeface="Times New Roman" panose="02020603050405020304" pitchFamily="18" charset="0"/>
+                <a:cs typeface="Times New Roman" panose="02020603050405020304" pitchFamily="18" charset="0"/>
+              </a:rPr>
+              <a:t>[</a:t>
+            </a:r>
+            <a:r>
+              <a:rPr lang="en-US" sz="2000" dirty="0" err="1">
+                <a:latin typeface="Times New Roman" panose="02020603050405020304" pitchFamily="18" charset="0"/>
+                <a:cs typeface="Times New Roman" panose="02020603050405020304" pitchFamily="18" charset="0"/>
+              </a:rPr>
+              <a:t>i</a:t>
+            </a:r>
+            <a:r>
+              <a:rPr lang="en-US" sz="2000" dirty="0">
+                <a:latin typeface="Times New Roman" panose="02020603050405020304" pitchFamily="18" charset="0"/>
+                <a:cs typeface="Times New Roman" panose="02020603050405020304" pitchFamily="18" charset="0"/>
+              </a:rPr>
+              <a:t>].</a:t>
+            </a:r>
+            <a:r>
+              <a:rPr lang="en-US" sz="2000" b="1" dirty="0">
+                <a:latin typeface="Times New Roman" panose="02020603050405020304" pitchFamily="18" charset="0"/>
+                <a:cs typeface="Times New Roman" panose="02020603050405020304" pitchFamily="18" charset="0"/>
+              </a:rPr>
+              <a:t>keys</a:t>
+            </a:r>
+            <a:r>
+              <a:rPr lang="en-US" sz="2000" dirty="0">
+                <a:latin typeface="Times New Roman" panose="02020603050405020304" pitchFamily="18" charset="0"/>
+                <a:cs typeface="Times New Roman" panose="02020603050405020304" pitchFamily="18" charset="0"/>
+              </a:rPr>
+              <a:t>():</a:t>
+            </a:r>
+          </a:p>
+          <a:p>
+            <a:pPr marL="0" indent="0" algn="just">
+              <a:buNone/>
+            </a:pPr>
+            <a:r>
+              <a:rPr lang="en-US" sz="2000" dirty="0">
+                <a:latin typeface="Times New Roman" panose="02020603050405020304" pitchFamily="18" charset="0"/>
+                <a:cs typeface="Times New Roman" panose="02020603050405020304" pitchFamily="18" charset="0"/>
+              </a:rPr>
+              <a:t>       </a:t>
+            </a:r>
+            <a:r>
+              <a:rPr lang="en-US" sz="2000" b="1" dirty="0">
+                <a:latin typeface="Times New Roman" panose="02020603050405020304" pitchFamily="18" charset="0"/>
+                <a:cs typeface="Times New Roman" panose="02020603050405020304" pitchFamily="18" charset="0"/>
+              </a:rPr>
+              <a:t>print</a:t>
+            </a:r>
+            <a:r>
+              <a:rPr lang="en-US" sz="2000" dirty="0">
+                <a:latin typeface="Times New Roman" panose="02020603050405020304" pitchFamily="18" charset="0"/>
+                <a:cs typeface="Times New Roman" panose="02020603050405020304" pitchFamily="18" charset="0"/>
+              </a:rPr>
+              <a:t>(key, end = ' ')</a:t>
+            </a:r>
+            <a:endParaRPr lang="pt-BR" sz="2000" dirty="0">
               <a:latin typeface="Times New Roman" panose="02020603050405020304" pitchFamily="18" charset="0"/>
               <a:cs typeface="Times New Roman" panose="02020603050405020304" pitchFamily="18" charset="0"/>
-            </a:endParaRPr>
-          </a:p>
-          <a:p>
-            <a:pPr marL="0" indent="0" algn="just">
-              <a:buNone/>
-            </a:pPr>
-            <a:r>
-              <a:rPr lang="pt-BR" dirty="0">
-                <a:latin typeface="Times New Roman" panose="02020603050405020304" pitchFamily="18" charset="0"/>
-                <a:cs typeface="Times New Roman" panose="02020603050405020304" pitchFamily="18" charset="0"/>
-              </a:rPr>
-              <a:t>[1] Site:</a:t>
-            </a:r>
-          </a:p>
-          <a:p>
-            <a:pPr marL="0" indent="0" algn="just">
-              <a:buNone/>
-            </a:pPr>
-            <a:r>
-              <a:rPr lang="pt-BR" dirty="0">
-                <a:latin typeface="Times New Roman" panose="02020603050405020304" pitchFamily="18" charset="0"/>
-                <a:cs typeface="Times New Roman" panose="02020603050405020304" pitchFamily="18" charset="0"/>
-              </a:rPr>
-              <a:t> </a:t>
-            </a:r>
-            <a:r>
-              <a:rPr lang="pt-BR" dirty="0">
-                <a:latin typeface="Times New Roman" panose="02020603050405020304" pitchFamily="18" charset="0"/>
-                <a:cs typeface="Times New Roman" panose="02020603050405020304" pitchFamily="18" charset="0"/>
-                <a:hlinkClick r:id="rId3"/>
-              </a:rPr>
-              <a:t>https://www.w3schools.com/python/python_variables.asp</a:t>
-            </a:r>
-            <a:endParaRPr lang="pt-BR" dirty="0">
-              <a:latin typeface="Times New Roman" panose="02020603050405020304" pitchFamily="18" charset="0"/>
-              <a:cs typeface="Times New Roman" panose="02020603050405020304" pitchFamily="18" charset="0"/>
-            </a:endParaRPr>
-          </a:p>
-          <a:p>
-            <a:pPr marL="0" indent="0" algn="just">
-              <a:buNone/>
-            </a:pPr>
-            <a:endParaRPr lang="pt-BR" dirty="0">
-              <a:latin typeface="Times New Roman" panose="02020603050405020304" pitchFamily="18" charset="0"/>
-              <a:cs typeface="Times New Roman" panose="02020603050405020304" pitchFamily="18" charset="0"/>
-            </a:endParaRPr>
-          </a:p>
-          <a:p>
-            <a:pPr marL="0" indent="0" algn="just">
-              <a:buNone/>
-            </a:pPr>
-            <a:r>
-              <a:rPr lang="pt-BR" dirty="0">
-                <a:latin typeface="Times New Roman" panose="02020603050405020304" pitchFamily="18" charset="0"/>
-                <a:cs typeface="Times New Roman" panose="02020603050405020304" pitchFamily="18" charset="0"/>
-              </a:rPr>
-              <a:t>[2] Site: </a:t>
-            </a:r>
-            <a:r>
-              <a:rPr lang="pt-BR" dirty="0">
-                <a:latin typeface="Times New Roman" panose="02020603050405020304" pitchFamily="18" charset="0"/>
-                <a:cs typeface="Times New Roman" panose="02020603050405020304" pitchFamily="18" charset="0"/>
-                <a:hlinkClick r:id="rId4"/>
-              </a:rPr>
-              <a:t>https://docs.python.org/pt-br/3/tutorial/</a:t>
-            </a:r>
-            <a:endParaRPr lang="pt-BR" dirty="0">
-              <a:latin typeface="Times New Roman" panose="02020603050405020304" pitchFamily="18" charset="0"/>
-              <a:cs typeface="Times New Roman" panose="02020603050405020304" pitchFamily="18" charset="0"/>
-            </a:endParaRPr>
-          </a:p>
-          <a:p>
-            <a:pPr marL="0" indent="0" algn="just">
-              <a:buNone/>
-            </a:pPr>
-            <a:endParaRPr lang="pt-BR" dirty="0">
-              <a:latin typeface="Times New Roman" panose="02020603050405020304" pitchFamily="18" charset="0"/>
-              <a:cs typeface="Times New Roman" panose="02020603050405020304" pitchFamily="18" charset="0"/>
-            </a:endParaRPr>
-          </a:p>
-          <a:p>
-            <a:pPr marL="0" indent="0" algn="just">
-              <a:buNone/>
-            </a:pPr>
-            <a:endParaRPr lang="pt-BR" dirty="0">
-              <a:latin typeface="Times New Roman" panose="02020603050405020304" pitchFamily="18" charset="0"/>
-              <a:cs typeface="Times New Roman" panose="02020603050405020304" pitchFamily="18" charset="0"/>
-            </a:endParaRPr>
-          </a:p>
-          <a:p>
-            <a:pPr marL="0" indent="0" algn="just">
-              <a:buNone/>
-            </a:pPr>
-            <a:endParaRPr lang="pt-BR" dirty="0">
-              <a:latin typeface="Times New Roman" panose="02020603050405020304" pitchFamily="18" charset="0"/>
-              <a:cs typeface="Times New Roman" panose="02020603050405020304" pitchFamily="18" charset="0"/>
-            </a:endParaRPr>
-          </a:p>
-          <a:p>
-            <a:pPr marL="0" indent="0" algn="just">
-              <a:buNone/>
-            </a:pPr>
-            <a:endParaRPr lang="pt-BR" dirty="0">
-              <a:latin typeface="Times New Roman" panose="02020603050405020304" pitchFamily="18" charset="0"/>
-              <a:cs typeface="Times New Roman" panose="02020603050405020304" pitchFamily="18" charset="0"/>
-            </a:endParaRPr>
-          </a:p>
-          <a:p>
-            <a:pPr marL="0" indent="0" algn="just">
-              <a:buNone/>
-            </a:pPr>
-            <a:endParaRPr lang="pt-BR" dirty="0">
-              <a:latin typeface="Calibri" panose="020F0502020204030204" pitchFamily="34" charset="0"/>
             </a:endParaRPr>
           </a:p>
         </p:txBody>
@@ -12220,7 +12630,7 @@
     </p:spTree>
     <p:extLst>
       <p:ext uri="{BB962C8B-B14F-4D97-AF65-F5344CB8AC3E}">
-        <p14:creationId xmlns:p14="http://schemas.microsoft.com/office/powerpoint/2010/main" val="2747596967"/>
+        <p14:creationId xmlns:p14="http://schemas.microsoft.com/office/powerpoint/2010/main" val="3410658428"/>
       </p:ext>
     </p:extLst>
   </p:cSld>
@@ -12271,7 +12681,7 @@
                   <a:srgbClr val="0070C0"/>
                 </a:solidFill>
               </a:rPr>
-              <a:t>Aprenda</a:t>
+              <a:t>Leitura</a:t>
             </a:r>
             <a:r>
               <a:rPr lang="en-US" b="1" dirty="0">
@@ -12279,8 +12689,21 @@
                   <a:srgbClr val="0070C0"/>
                 </a:solidFill>
               </a:rPr>
-              <a:t>+</a:t>
-            </a:r>
+              <a:t> </a:t>
+            </a:r>
+            <a:r>
+              <a:rPr lang="en-US" b="1" dirty="0" err="1">
+                <a:solidFill>
+                  <a:srgbClr val="0070C0"/>
+                </a:solidFill>
+              </a:rPr>
+              <a:t>Específica</a:t>
+            </a:r>
+            <a:endParaRPr lang="en-US" b="1" dirty="0">
+              <a:solidFill>
+                <a:srgbClr val="0070C0"/>
+              </a:solidFill>
+            </a:endParaRPr>
           </a:p>
         </p:txBody>
       </p:sp>
@@ -12309,7 +12732,7 @@
             <a:pPr marL="0" indent="0" algn="just">
               <a:buNone/>
             </a:pPr>
-            <a:endParaRPr lang="pt-BR" sz="2000" dirty="0">
+            <a:endParaRPr lang="pt-BR" dirty="0">
               <a:latin typeface="Times New Roman" panose="02020603050405020304" pitchFamily="18" charset="0"/>
               <a:cs typeface="Times New Roman" panose="02020603050405020304" pitchFamily="18" charset="0"/>
             </a:endParaRPr>
@@ -12319,21 +12742,33 @@
               <a:buNone/>
             </a:pPr>
             <a:r>
-              <a:rPr lang="pt-BR" sz="2000" dirty="0">
-                <a:latin typeface="Times New Roman" panose="02020603050405020304" pitchFamily="18" charset="0"/>
-                <a:cs typeface="Times New Roman" panose="02020603050405020304" pitchFamily="18" charset="0"/>
-              </a:rPr>
-              <a:t>[1] </a:t>
-            </a:r>
-            <a:r>
-              <a:rPr lang="pt-BR" sz="2000" dirty="0">
+              <a:rPr lang="pt-BR" dirty="0">
+                <a:latin typeface="Times New Roman" panose="02020603050405020304" pitchFamily="18" charset="0"/>
+                <a:cs typeface="Times New Roman" panose="02020603050405020304" pitchFamily="18" charset="0"/>
+              </a:rPr>
+              <a:t>[1] Site:</a:t>
+            </a:r>
+          </a:p>
+          <a:p>
+            <a:pPr marL="0" indent="0" algn="just">
+              <a:buNone/>
+            </a:pPr>
+            <a:r>
+              <a:rPr lang="pt-BR" dirty="0">
+                <a:latin typeface="Times New Roman" panose="02020603050405020304" pitchFamily="18" charset="0"/>
+                <a:cs typeface="Times New Roman" panose="02020603050405020304" pitchFamily="18" charset="0"/>
+              </a:rPr>
+              <a:t> </a:t>
+            </a:r>
+            <a:r>
+              <a:rPr lang="pt-BR" dirty="0">
                 <a:latin typeface="Times New Roman" panose="02020603050405020304" pitchFamily="18" charset="0"/>
                 <a:cs typeface="Times New Roman" panose="02020603050405020304" pitchFamily="18" charset="0"/>
                 <a:hlinkClick r:id="rId3"/>
               </a:rPr>
-              <a:t>https://www.programiz.com/python-programming/variables-constants-literals</a:t>
-            </a:r>
-            <a:endParaRPr lang="pt-BR" sz="2000" dirty="0">
+              <a:t>https://www.w3schools.com/python/python_variables.asp</a:t>
+            </a:r>
+            <a:endParaRPr lang="pt-BR" dirty="0">
               <a:latin typeface="Times New Roman" panose="02020603050405020304" pitchFamily="18" charset="0"/>
               <a:cs typeface="Times New Roman" panose="02020603050405020304" pitchFamily="18" charset="0"/>
             </a:endParaRPr>
@@ -12342,7 +12777,7 @@
             <a:pPr marL="0" indent="0" algn="just">
               <a:buNone/>
             </a:pPr>
-            <a:endParaRPr lang="pt-BR" sz="2000" dirty="0">
+            <a:endParaRPr lang="pt-BR" dirty="0">
               <a:latin typeface="Times New Roman" panose="02020603050405020304" pitchFamily="18" charset="0"/>
               <a:cs typeface="Times New Roman" panose="02020603050405020304" pitchFamily="18" charset="0"/>
             </a:endParaRPr>
@@ -12352,21 +12787,21 @@
               <a:buNone/>
             </a:pPr>
             <a:r>
-              <a:rPr lang="pt-BR" sz="2000" dirty="0">
-                <a:latin typeface="Times New Roman" panose="02020603050405020304" pitchFamily="18" charset="0"/>
-                <a:cs typeface="Times New Roman" panose="02020603050405020304" pitchFamily="18" charset="0"/>
-              </a:rPr>
-              <a:t>[2] </a:t>
-            </a:r>
-            <a:r>
-              <a:rPr lang="pt-BR" sz="2000" dirty="0">
+              <a:rPr lang="pt-BR" dirty="0">
+                <a:latin typeface="Times New Roman" panose="02020603050405020304" pitchFamily="18" charset="0"/>
+                <a:cs typeface="Times New Roman" panose="02020603050405020304" pitchFamily="18" charset="0"/>
+              </a:rPr>
+              <a:t>[2] Site: </a:t>
+            </a:r>
+            <a:r>
+              <a:rPr lang="pt-BR" dirty="0">
                 <a:latin typeface="Times New Roman" panose="02020603050405020304" pitchFamily="18" charset="0"/>
                 <a:cs typeface="Times New Roman" panose="02020603050405020304" pitchFamily="18" charset="0"/>
                 <a:hlinkClick r:id="rId4"/>
               </a:rPr>
-              <a:t>https://www.programiz.com/python-programming/examples/swap-variables</a:t>
-            </a:r>
-            <a:endParaRPr lang="pt-BR" sz="2000" dirty="0">
+              <a:t>https://docs.python.org/pt-br/3/tutorial/</a:t>
+            </a:r>
+            <a:endParaRPr lang="pt-BR" dirty="0">
               <a:latin typeface="Times New Roman" panose="02020603050405020304" pitchFamily="18" charset="0"/>
               <a:cs typeface="Times New Roman" panose="02020603050405020304" pitchFamily="18" charset="0"/>
             </a:endParaRPr>
@@ -12375,7 +12810,7 @@
             <a:pPr marL="0" indent="0" algn="just">
               <a:buNone/>
             </a:pPr>
-            <a:endParaRPr lang="pt-BR" sz="2000" dirty="0">
+            <a:endParaRPr lang="pt-BR" dirty="0">
               <a:latin typeface="Times New Roman" panose="02020603050405020304" pitchFamily="18" charset="0"/>
               <a:cs typeface="Times New Roman" panose="02020603050405020304" pitchFamily="18" charset="0"/>
             </a:endParaRPr>
@@ -12384,48 +12819,7 @@
             <a:pPr marL="0" indent="0" algn="just">
               <a:buNone/>
             </a:pPr>
-            <a:r>
-              <a:rPr lang="pt-BR" sz="2000" dirty="0">
-                <a:latin typeface="Times New Roman" panose="02020603050405020304" pitchFamily="18" charset="0"/>
-                <a:cs typeface="Times New Roman" panose="02020603050405020304" pitchFamily="18" charset="0"/>
-              </a:rPr>
-              <a:t>- </a:t>
-            </a:r>
-            <a:r>
-              <a:rPr lang="pt-BR" sz="2000" dirty="0" err="1">
-                <a:latin typeface="Times New Roman" panose="02020603050405020304" pitchFamily="18" charset="0"/>
-                <a:cs typeface="Times New Roman" panose="02020603050405020304" pitchFamily="18" charset="0"/>
-              </a:rPr>
-              <a:t>Tuplas</a:t>
-            </a:r>
-            <a:r>
-              <a:rPr lang="pt-BR" sz="2000" dirty="0">
-                <a:latin typeface="Times New Roman" panose="02020603050405020304" pitchFamily="18" charset="0"/>
-                <a:cs typeface="Times New Roman" panose="02020603050405020304" pitchFamily="18" charset="0"/>
-              </a:rPr>
-              <a:t> Nomeadas</a:t>
-            </a:r>
-          </a:p>
-          <a:p>
-            <a:pPr marL="0" indent="0" algn="just">
-              <a:buNone/>
-            </a:pPr>
-            <a:r>
-              <a:rPr lang="pt-BR" sz="2000" dirty="0">
-                <a:latin typeface="Times New Roman" panose="02020603050405020304" pitchFamily="18" charset="0"/>
-                <a:cs typeface="Times New Roman" panose="02020603050405020304" pitchFamily="18" charset="0"/>
-              </a:rPr>
-              <a:t>[3] </a:t>
-            </a:r>
-            <a:r>
-              <a:rPr lang="pt-BR" sz="2000" dirty="0">
-                <a:latin typeface="Times New Roman" panose="02020603050405020304" pitchFamily="18" charset="0"/>
-                <a:cs typeface="Times New Roman" panose="02020603050405020304" pitchFamily="18" charset="0"/>
-                <a:hlinkClick r:id="rId5"/>
-              </a:rPr>
-              <a:t>https://www.youtube.com/watch?v=IkoaXbLsUg8</a:t>
-            </a:r>
-            <a:endParaRPr lang="pt-BR" sz="2000" dirty="0">
+            <a:endParaRPr lang="pt-BR" dirty="0">
               <a:latin typeface="Times New Roman" panose="02020603050405020304" pitchFamily="18" charset="0"/>
               <a:cs typeface="Times New Roman" panose="02020603050405020304" pitchFamily="18" charset="0"/>
             </a:endParaRPr>
@@ -12434,7 +12828,7 @@
             <a:pPr marL="0" indent="0" algn="just">
               <a:buNone/>
             </a:pPr>
-            <a:endParaRPr lang="pt-BR" sz="2000" dirty="0">
+            <a:endParaRPr lang="pt-BR" dirty="0">
               <a:latin typeface="Times New Roman" panose="02020603050405020304" pitchFamily="18" charset="0"/>
               <a:cs typeface="Times New Roman" panose="02020603050405020304" pitchFamily="18" charset="0"/>
             </a:endParaRPr>
@@ -12443,7 +12837,7 @@
             <a:pPr marL="0" indent="0" algn="just">
               <a:buNone/>
             </a:pPr>
-            <a:endParaRPr lang="pt-BR" sz="2000" dirty="0">
+            <a:endParaRPr lang="pt-BR" dirty="0">
               <a:latin typeface="Times New Roman" panose="02020603050405020304" pitchFamily="18" charset="0"/>
               <a:cs typeface="Times New Roman" panose="02020603050405020304" pitchFamily="18" charset="0"/>
             </a:endParaRPr>
@@ -12452,7 +12846,7 @@
             <a:pPr marL="0" indent="0" algn="just">
               <a:buNone/>
             </a:pPr>
-            <a:endParaRPr lang="pt-BR" sz="2000" dirty="0">
+            <a:endParaRPr lang="pt-BR" dirty="0">
               <a:latin typeface="Calibri" panose="020F0502020204030204" pitchFamily="34" charset="0"/>
             </a:endParaRPr>
           </a:p>
@@ -12461,7 +12855,7 @@
     </p:spTree>
     <p:extLst>
       <p:ext uri="{BB962C8B-B14F-4D97-AF65-F5344CB8AC3E}">
-        <p14:creationId xmlns:p14="http://schemas.microsoft.com/office/powerpoint/2010/main" val="3680270425"/>
+        <p14:creationId xmlns:p14="http://schemas.microsoft.com/office/powerpoint/2010/main" val="2747596967"/>
       </p:ext>
     </p:extLst>
   </p:cSld>
@@ -12512,7 +12906,7 @@
                   <a:srgbClr val="0070C0"/>
                 </a:solidFill>
               </a:rPr>
-              <a:t>Dinâmica</a:t>
+              <a:t>Aprenda</a:t>
             </a:r>
             <a:r>
               <a:rPr lang="en-US" b="1" dirty="0">
@@ -12520,21 +12914,8 @@
                   <a:srgbClr val="0070C0"/>
                 </a:solidFill>
               </a:rPr>
-              <a:t>/</a:t>
-            </a:r>
-            <a:r>
-              <a:rPr lang="en-US" b="1" dirty="0" err="1">
-                <a:solidFill>
-                  <a:srgbClr val="0070C0"/>
-                </a:solidFill>
-              </a:rPr>
-              <a:t>Atividades</a:t>
-            </a:r>
-            <a:endParaRPr lang="en-US" b="1" dirty="0">
-              <a:solidFill>
-                <a:srgbClr val="0070C0"/>
-              </a:solidFill>
-            </a:endParaRPr>
+              <a:t>+</a:t>
+            </a:r>
           </a:p>
         </p:txBody>
       </p:sp>
@@ -12550,8 +12931,8 @@
         </p:nvSpPr>
         <p:spPr>
           <a:xfrm>
-            <a:off x="139472" y="1063230"/>
-            <a:ext cx="8865056" cy="3606305"/>
+            <a:off x="142865" y="1200151"/>
+            <a:ext cx="8865056" cy="3394472"/>
           </a:xfrm>
         </p:spPr>
         <p:txBody>
@@ -12560,36 +12941,162 @@
           </a:bodyPr>
           <a:lstStyle/>
           <a:p>
-            <a:pPr algn="just">
-              <a:buFontTx/>
-              <a:buChar char="-"/>
+            <a:pPr marL="0" indent="0" algn="just">
+              <a:buNone/>
             </a:pPr>
-            <a:r>
-              <a:rPr lang="pt-BR" dirty="0">
-                <a:latin typeface="Times New Roman" panose="02020603050405020304" pitchFamily="18" charset="0"/>
-                <a:cs typeface="Times New Roman" panose="02020603050405020304" pitchFamily="18" charset="0"/>
-              </a:rPr>
-              <a:t>Exercícios de Fixação</a:t>
-            </a:r>
+            <a:endParaRPr lang="pt-BR" sz="2000" dirty="0">
+              <a:latin typeface="Times New Roman" panose="02020603050405020304" pitchFamily="18" charset="0"/>
+              <a:cs typeface="Times New Roman" panose="02020603050405020304" pitchFamily="18" charset="0"/>
+            </a:endParaRPr>
           </a:p>
           <a:p>
             <a:pPr marL="0" indent="0" algn="just">
               <a:buNone/>
             </a:pPr>
             <a:r>
-              <a:rPr lang="pt-BR" dirty="0">
-                <a:latin typeface="Times New Roman" panose="02020603050405020304" pitchFamily="18" charset="0"/>
-                <a:cs typeface="Times New Roman" panose="02020603050405020304" pitchFamily="18" charset="0"/>
-              </a:rPr>
-              <a:t>	Desafios em Sala de Aula.</a:t>
-            </a:r>
+              <a:rPr lang="pt-BR" sz="2000" dirty="0">
+                <a:latin typeface="Times New Roman" panose="02020603050405020304" pitchFamily="18" charset="0"/>
+                <a:cs typeface="Times New Roman" panose="02020603050405020304" pitchFamily="18" charset="0"/>
+              </a:rPr>
+              <a:t>[1] </a:t>
+            </a:r>
+            <a:r>
+              <a:rPr lang="pt-BR" sz="2000" dirty="0">
+                <a:latin typeface="Times New Roman" panose="02020603050405020304" pitchFamily="18" charset="0"/>
+                <a:cs typeface="Times New Roman" panose="02020603050405020304" pitchFamily="18" charset="0"/>
+                <a:hlinkClick r:id="rId3"/>
+              </a:rPr>
+              <a:t>https://www.programiz.com/python-programming/variables-constants-literals</a:t>
+            </a:r>
+            <a:endParaRPr lang="pt-BR" sz="2000" dirty="0">
+              <a:latin typeface="Times New Roman" panose="02020603050405020304" pitchFamily="18" charset="0"/>
+              <a:cs typeface="Times New Roman" panose="02020603050405020304" pitchFamily="18" charset="0"/>
+            </a:endParaRPr>
+          </a:p>
+          <a:p>
+            <a:pPr marL="0" indent="0" algn="just">
+              <a:buNone/>
+            </a:pPr>
+            <a:endParaRPr lang="pt-BR" sz="2000" dirty="0">
+              <a:latin typeface="Times New Roman" panose="02020603050405020304" pitchFamily="18" charset="0"/>
+              <a:cs typeface="Times New Roman" panose="02020603050405020304" pitchFamily="18" charset="0"/>
+            </a:endParaRPr>
+          </a:p>
+          <a:p>
+            <a:pPr marL="0" indent="0" algn="just">
+              <a:buNone/>
+            </a:pPr>
+            <a:r>
+              <a:rPr lang="pt-BR" sz="2000" dirty="0">
+                <a:latin typeface="Times New Roman" panose="02020603050405020304" pitchFamily="18" charset="0"/>
+                <a:cs typeface="Times New Roman" panose="02020603050405020304" pitchFamily="18" charset="0"/>
+              </a:rPr>
+              <a:t>[2] </a:t>
+            </a:r>
+            <a:r>
+              <a:rPr lang="pt-BR" sz="2000" dirty="0">
+                <a:latin typeface="Times New Roman" panose="02020603050405020304" pitchFamily="18" charset="0"/>
+                <a:cs typeface="Times New Roman" panose="02020603050405020304" pitchFamily="18" charset="0"/>
+                <a:hlinkClick r:id="rId4"/>
+              </a:rPr>
+              <a:t>https://www.programiz.com/python-programming/examples/swap-variables</a:t>
+            </a:r>
+            <a:endParaRPr lang="pt-BR" sz="2000" dirty="0">
+              <a:latin typeface="Times New Roman" panose="02020603050405020304" pitchFamily="18" charset="0"/>
+              <a:cs typeface="Times New Roman" panose="02020603050405020304" pitchFamily="18" charset="0"/>
+            </a:endParaRPr>
+          </a:p>
+          <a:p>
+            <a:pPr marL="0" indent="0" algn="just">
+              <a:buNone/>
+            </a:pPr>
+            <a:endParaRPr lang="pt-BR" sz="2000" dirty="0">
+              <a:latin typeface="Times New Roman" panose="02020603050405020304" pitchFamily="18" charset="0"/>
+              <a:cs typeface="Times New Roman" panose="02020603050405020304" pitchFamily="18" charset="0"/>
+            </a:endParaRPr>
+          </a:p>
+          <a:p>
+            <a:pPr marL="0" indent="0" algn="just">
+              <a:buNone/>
+            </a:pPr>
+            <a:r>
+              <a:rPr lang="pt-BR" sz="2000" dirty="0">
+                <a:latin typeface="Times New Roman" panose="02020603050405020304" pitchFamily="18" charset="0"/>
+                <a:cs typeface="Times New Roman" panose="02020603050405020304" pitchFamily="18" charset="0"/>
+              </a:rPr>
+              <a:t>- </a:t>
+            </a:r>
+            <a:r>
+              <a:rPr lang="pt-BR" sz="2000" dirty="0" err="1">
+                <a:latin typeface="Times New Roman" panose="02020603050405020304" pitchFamily="18" charset="0"/>
+                <a:cs typeface="Times New Roman" panose="02020603050405020304" pitchFamily="18" charset="0"/>
+              </a:rPr>
+              <a:t>Tuplas</a:t>
+            </a:r>
+            <a:r>
+              <a:rPr lang="pt-BR" sz="2000" dirty="0">
+                <a:latin typeface="Times New Roman" panose="02020603050405020304" pitchFamily="18" charset="0"/>
+                <a:cs typeface="Times New Roman" panose="02020603050405020304" pitchFamily="18" charset="0"/>
+              </a:rPr>
+              <a:t> Nomeadas</a:t>
+            </a:r>
+          </a:p>
+          <a:p>
+            <a:pPr marL="0" indent="0" algn="just">
+              <a:buNone/>
+            </a:pPr>
+            <a:r>
+              <a:rPr lang="pt-BR" sz="2000" dirty="0">
+                <a:latin typeface="Times New Roman" panose="02020603050405020304" pitchFamily="18" charset="0"/>
+                <a:cs typeface="Times New Roman" panose="02020603050405020304" pitchFamily="18" charset="0"/>
+              </a:rPr>
+              <a:t>[3] </a:t>
+            </a:r>
+            <a:r>
+              <a:rPr lang="pt-BR" sz="2000" dirty="0">
+                <a:latin typeface="Times New Roman" panose="02020603050405020304" pitchFamily="18" charset="0"/>
+                <a:cs typeface="Times New Roman" panose="02020603050405020304" pitchFamily="18" charset="0"/>
+                <a:hlinkClick r:id="rId5"/>
+              </a:rPr>
+              <a:t>https://www.youtube.com/watch?v=IkoaXbLsUg8</a:t>
+            </a:r>
+            <a:endParaRPr lang="pt-BR" sz="2000" dirty="0">
+              <a:latin typeface="Times New Roman" panose="02020603050405020304" pitchFamily="18" charset="0"/>
+              <a:cs typeface="Times New Roman" panose="02020603050405020304" pitchFamily="18" charset="0"/>
+            </a:endParaRPr>
+          </a:p>
+          <a:p>
+            <a:pPr marL="0" indent="0" algn="just">
+              <a:buNone/>
+            </a:pPr>
+            <a:endParaRPr lang="pt-BR" sz="2000" dirty="0">
+              <a:latin typeface="Times New Roman" panose="02020603050405020304" pitchFamily="18" charset="0"/>
+              <a:cs typeface="Times New Roman" panose="02020603050405020304" pitchFamily="18" charset="0"/>
+            </a:endParaRPr>
+          </a:p>
+          <a:p>
+            <a:pPr marL="0" indent="0" algn="just">
+              <a:buNone/>
+            </a:pPr>
+            <a:endParaRPr lang="pt-BR" sz="2000" dirty="0">
+              <a:latin typeface="Times New Roman" panose="02020603050405020304" pitchFamily="18" charset="0"/>
+              <a:cs typeface="Times New Roman" panose="02020603050405020304" pitchFamily="18" charset="0"/>
+            </a:endParaRPr>
+          </a:p>
+          <a:p>
+            <a:pPr marL="0" indent="0" algn="just">
+              <a:buNone/>
+            </a:pPr>
+            <a:endParaRPr lang="pt-BR" sz="2000" dirty="0">
+              <a:latin typeface="Calibri" panose="020F0502020204030204" pitchFamily="34" charset="0"/>
+            </a:endParaRPr>
           </a:p>
         </p:txBody>
       </p:sp>
     </p:spTree>
     <p:extLst>
       <p:ext uri="{BB962C8B-B14F-4D97-AF65-F5344CB8AC3E}">
-        <p14:creationId xmlns:p14="http://schemas.microsoft.com/office/powerpoint/2010/main" val="2470652989"/>
+        <p14:creationId xmlns:p14="http://schemas.microsoft.com/office/powerpoint/2010/main" val="3680270425"/>
       </p:ext>
     </p:extLst>
   </p:cSld>
@@ -12640,6 +13147,134 @@
                   <a:srgbClr val="0070C0"/>
                 </a:solidFill>
               </a:rPr>
+              <a:t>Dinâmica</a:t>
+            </a:r>
+            <a:r>
+              <a:rPr lang="en-US" b="1" dirty="0">
+                <a:solidFill>
+                  <a:srgbClr val="0070C0"/>
+                </a:solidFill>
+              </a:rPr>
+              <a:t>/</a:t>
+            </a:r>
+            <a:r>
+              <a:rPr lang="en-US" b="1" dirty="0" err="1">
+                <a:solidFill>
+                  <a:srgbClr val="0070C0"/>
+                </a:solidFill>
+              </a:rPr>
+              <a:t>Atividades</a:t>
+            </a:r>
+            <a:endParaRPr lang="en-US" b="1" dirty="0">
+              <a:solidFill>
+                <a:srgbClr val="0070C0"/>
+              </a:solidFill>
+            </a:endParaRPr>
+          </a:p>
+        </p:txBody>
+      </p:sp>
+      <p:sp>
+        <p:nvSpPr>
+          <p:cNvPr id="8" name="Text Placeholder 2"/>
+          <p:cNvSpPr>
+            <a:spLocks noGrp="1"/>
+          </p:cNvSpPr>
+          <p:nvPr>
+            <p:ph type="body" sz="half" idx="1"/>
+          </p:nvPr>
+        </p:nvSpPr>
+        <p:spPr>
+          <a:xfrm>
+            <a:off x="139472" y="1063230"/>
+            <a:ext cx="8865056" cy="3606305"/>
+          </a:xfrm>
+        </p:spPr>
+        <p:txBody>
+          <a:bodyPr>
+            <a:noAutofit/>
+          </a:bodyPr>
+          <a:lstStyle/>
+          <a:p>
+            <a:pPr algn="just">
+              <a:buFontTx/>
+              <a:buChar char="-"/>
+            </a:pPr>
+            <a:r>
+              <a:rPr lang="pt-BR" dirty="0">
+                <a:latin typeface="Times New Roman" panose="02020603050405020304" pitchFamily="18" charset="0"/>
+                <a:cs typeface="Times New Roman" panose="02020603050405020304" pitchFamily="18" charset="0"/>
+              </a:rPr>
+              <a:t>Exercícios de Fixação</a:t>
+            </a:r>
+          </a:p>
+          <a:p>
+            <a:pPr marL="0" indent="0" algn="just">
+              <a:buNone/>
+            </a:pPr>
+            <a:r>
+              <a:rPr lang="pt-BR" dirty="0">
+                <a:latin typeface="Times New Roman" panose="02020603050405020304" pitchFamily="18" charset="0"/>
+                <a:cs typeface="Times New Roman" panose="02020603050405020304" pitchFamily="18" charset="0"/>
+              </a:rPr>
+              <a:t>	Desafios em Sala de Aula.</a:t>
+            </a:r>
+          </a:p>
+        </p:txBody>
+      </p:sp>
+    </p:spTree>
+    <p:extLst>
+      <p:ext uri="{BB962C8B-B14F-4D97-AF65-F5344CB8AC3E}">
+        <p14:creationId xmlns:p14="http://schemas.microsoft.com/office/powerpoint/2010/main" val="2470652989"/>
+      </p:ext>
+    </p:extLst>
+  </p:cSld>
+  <p:clrMapOvr>
+    <a:masterClrMapping/>
+  </p:clrMapOvr>
+  <p:transition spd="med"/>
+</p:sld>
+</file>
+
+<file path=ppt/slides/slide27.xml><?xml version="1.0" encoding="utf-8"?>
+<p:sld xmlns:a="http://schemas.openxmlformats.org/drawingml/2006/main" xmlns:r="http://schemas.openxmlformats.org/officeDocument/2006/relationships" xmlns:p="http://schemas.openxmlformats.org/presentationml/2006/main">
+  <p:cSld>
+    <p:spTree>
+      <p:nvGrpSpPr>
+        <p:cNvPr id="1" name=""/>
+        <p:cNvGrpSpPr/>
+        <p:nvPr/>
+      </p:nvGrpSpPr>
+      <p:grpSpPr>
+        <a:xfrm>
+          <a:off x="0" y="0"/>
+          <a:ext cx="0" cy="0"/>
+          <a:chOff x="0" y="0"/>
+          <a:chExt cx="0" cy="0"/>
+        </a:xfrm>
+      </p:grpSpPr>
+      <p:sp>
+        <p:nvSpPr>
+          <p:cNvPr id="6" name="Title 1"/>
+          <p:cNvSpPr>
+            <a:spLocks noGrp="1"/>
+          </p:cNvSpPr>
+          <p:nvPr>
+            <p:ph type="title"/>
+          </p:nvPr>
+        </p:nvSpPr>
+        <p:spPr/>
+        <p:txBody>
+          <a:bodyPr>
+            <a:normAutofit/>
+          </a:bodyPr>
+          <a:lstStyle/>
+          <a:p>
+            <a:r>
+              <a:rPr lang="en-US" b="1" dirty="0" err="1">
+                <a:solidFill>
+                  <a:srgbClr val="0070C0"/>
+                </a:solidFill>
+              </a:rPr>
               <a:t>Referências</a:t>
             </a:r>
             <a:r>
@@ -12801,7 +13436,7 @@
 </p:sld>
 </file>
 
-<file path=ppt/slides/slide27.xml><?xml version="1.0" encoding="utf-8"?>
+<file path=ppt/slides/slide28.xml><?xml version="1.0" encoding="utf-8"?>
 <p:sld xmlns:a="http://schemas.openxmlformats.org/drawingml/2006/main" xmlns:r="http://schemas.openxmlformats.org/officeDocument/2006/relationships" xmlns:p="http://schemas.openxmlformats.org/presentationml/2006/main">
   <p:cSld>
     <p:spTree>
@@ -14748,7 +15383,7 @@
                 <a:latin typeface="Times New Roman" panose="02020603050405020304" pitchFamily="18" charset="0"/>
                 <a:cs typeface="Times New Roman" panose="02020603050405020304" pitchFamily="18" charset="0"/>
               </a:rPr>
-              <a:t> e </a:t>
+              <a:t>, </a:t>
             </a:r>
             <a:r>
               <a:rPr lang="pt-BR" sz="2400" b="1" dirty="0" err="1">
@@ -14762,8 +15397,19 @@
                 <a:latin typeface="Times New Roman" panose="02020603050405020304" pitchFamily="18" charset="0"/>
                 <a:cs typeface="Times New Roman" panose="02020603050405020304" pitchFamily="18" charset="0"/>
               </a:rPr>
-              <a:t>.</a:t>
-            </a:r>
+              <a:t>, reverse, </a:t>
+            </a:r>
+            <a:r>
+              <a:rPr lang="pt-BR" sz="2400" b="1">
+                <a:latin typeface="Times New Roman" panose="02020603050405020304" pitchFamily="18" charset="0"/>
+                <a:cs typeface="Times New Roman" panose="02020603050405020304" pitchFamily="18" charset="0"/>
+              </a:rPr>
+              <a:t>copy.</a:t>
+            </a:r>
+            <a:endParaRPr lang="pt-BR" sz="2400" b="1" dirty="0">
+              <a:latin typeface="Times New Roman" panose="02020603050405020304" pitchFamily="18" charset="0"/>
+              <a:cs typeface="Times New Roman" panose="02020603050405020304" pitchFamily="18" charset="0"/>
+            </a:endParaRPr>
           </a:p>
         </p:txBody>
       </p:sp>

--- a/01 Classes/Aula 07 Programação Python - Tipos de Dados Aglomerados.pptx
+++ b/01 Classes/Aula 07 Programação Python - Tipos de Dados Aglomerados.pptx
@@ -2117,7 +2117,7 @@
           <a:p>
             <a:fld id="{48A87A34-81AB-432B-8DAE-1953F412C126}" type="datetimeFigureOut">
               <a:rPr lang="en-US" smtClean="0"/>
-              <a:t>9/25/2022</a:t>
+              <a:t>9/6/2023</a:t>
             </a:fld>
             <a:endParaRPr lang="en-US" dirty="0"/>
           </a:p>
@@ -2328,7 +2328,7 @@
           <a:p>
             <a:fld id="{48A87A34-81AB-432B-8DAE-1953F412C126}" type="datetimeFigureOut">
               <a:rPr lang="en-US" smtClean="0"/>
-              <a:t>9/25/2022</a:t>
+              <a:t>9/6/2023</a:t>
             </a:fld>
             <a:endParaRPr lang="en-US" dirty="0"/>
           </a:p>
@@ -2543,7 +2543,7 @@
           <a:p>
             <a:fld id="{48A87A34-81AB-432B-8DAE-1953F412C126}" type="datetimeFigureOut">
               <a:rPr lang="en-US" smtClean="0"/>
-              <a:t>9/25/2022</a:t>
+              <a:t>9/6/2023</a:t>
             </a:fld>
             <a:endParaRPr lang="en-US" dirty="0"/>
           </a:p>
@@ -2911,7 +2911,7 @@
           <a:p>
             <a:fld id="{48A87A34-81AB-432B-8DAE-1953F412C126}" type="datetimeFigureOut">
               <a:rPr lang="en-US" smtClean="0"/>
-              <a:t>9/25/2022</a:t>
+              <a:t>9/6/2023</a:t>
             </a:fld>
             <a:endParaRPr lang="en-US" dirty="0"/>
           </a:p>
@@ -3190,7 +3190,7 @@
           <a:p>
             <a:fld id="{48A87A34-81AB-432B-8DAE-1953F412C126}" type="datetimeFigureOut">
               <a:rPr lang="en-US" smtClean="0"/>
-              <a:t>9/25/2022</a:t>
+              <a:t>9/6/2023</a:t>
             </a:fld>
             <a:endParaRPr lang="en-US" dirty="0"/>
           </a:p>
@@ -3458,7 +3458,7 @@
           <a:p>
             <a:fld id="{48A87A34-81AB-432B-8DAE-1953F412C126}" type="datetimeFigureOut">
               <a:rPr lang="en-US" smtClean="0"/>
-              <a:t>9/25/2022</a:t>
+              <a:t>9/6/2023</a:t>
             </a:fld>
             <a:endParaRPr lang="en-US" dirty="0"/>
           </a:p>
@@ -3874,7 +3874,7 @@
           <a:p>
             <a:fld id="{48A87A34-81AB-432B-8DAE-1953F412C126}" type="datetimeFigureOut">
               <a:rPr lang="en-US" smtClean="0"/>
-              <a:t>9/25/2022</a:t>
+              <a:t>9/6/2023</a:t>
             </a:fld>
             <a:endParaRPr lang="en-US" dirty="0"/>
           </a:p>
@@ -4023,7 +4023,7 @@
           <a:p>
             <a:fld id="{48A87A34-81AB-432B-8DAE-1953F412C126}" type="datetimeFigureOut">
               <a:rPr lang="en-US" smtClean="0"/>
-              <a:t>9/25/2022</a:t>
+              <a:t>9/6/2023</a:t>
             </a:fld>
             <a:endParaRPr lang="en-US" dirty="0"/>
           </a:p>
@@ -4149,7 +4149,7 @@
           <a:p>
             <a:fld id="{48A87A34-81AB-432B-8DAE-1953F412C126}" type="datetimeFigureOut">
               <a:rPr lang="en-US" smtClean="0"/>
-              <a:t>9/25/2022</a:t>
+              <a:t>9/6/2023</a:t>
             </a:fld>
             <a:endParaRPr lang="en-US" dirty="0"/>
           </a:p>
@@ -4400,7 +4400,7 @@
           <a:p>
             <a:fld id="{48A87A34-81AB-432B-8DAE-1953F412C126}" type="datetimeFigureOut">
               <a:rPr lang="en-US" smtClean="0"/>
-              <a:t>9/25/2022</a:t>
+              <a:t>9/6/2023</a:t>
             </a:fld>
             <a:endParaRPr lang="en-US" dirty="0"/>
           </a:p>
@@ -4846,7 +4846,7 @@
             <a:fld id="{48A87A34-81AB-432B-8DAE-1953F412C126}" type="datetimeFigureOut">
               <a:rPr lang="en-US" smtClean="0"/>
               <a:pPr/>
-              <a:t>9/25/2022</a:t>
+              <a:t>9/6/2023</a:t>
             </a:fld>
             <a:endParaRPr lang="en-US" dirty="0"/>
           </a:p>
@@ -5174,7 +5174,7 @@
             <a:fld id="{48A87A34-81AB-432B-8DAE-1953F412C126}" type="datetimeFigureOut">
               <a:rPr lang="en-US" smtClean="0"/>
               <a:pPr/>
-              <a:t>9/25/2022</a:t>
+              <a:t>9/6/2023</a:t>
             </a:fld>
             <a:endParaRPr lang="en-US" dirty="0"/>
           </a:p>
@@ -6692,7 +6692,7 @@
               <a:buNone/>
             </a:pPr>
             <a:r>
-              <a:rPr lang="pt-BR" b="1" dirty="0">
+              <a:rPr lang="pt-BR" sz="2400" b="1" dirty="0">
                 <a:solidFill>
                   <a:srgbClr val="FF0000"/>
                 </a:solidFill>
@@ -6702,7 +6702,7 @@
               <a:t>Exemplo Lista: </a:t>
             </a:r>
             <a:r>
-              <a:rPr lang="pt-BR" dirty="0" err="1">
+              <a:rPr lang="pt-BR" sz="2400" dirty="0" err="1">
                 <a:solidFill>
                   <a:schemeClr val="tx1"/>
                 </a:solidFill>
@@ -6712,7 +6712,7 @@
               <a:t>umaLista</a:t>
             </a:r>
             <a:r>
-              <a:rPr lang="pt-BR" dirty="0">
+              <a:rPr lang="pt-BR" sz="2400" dirty="0">
                 <a:solidFill>
                   <a:schemeClr val="tx1"/>
                 </a:solidFill>
@@ -6728,33 +6728,33 @@
               <a:buChar char="-"/>
             </a:pPr>
             <a:r>
-              <a:rPr lang="pt-BR" dirty="0">
-                <a:solidFill>
-                  <a:schemeClr val="tx1"/>
-                </a:solidFill>
-                <a:latin typeface="Times New Roman" panose="02020603050405020304" pitchFamily="18" charset="0"/>
-                <a:cs typeface="Times New Roman" panose="02020603050405020304" pitchFamily="18" charset="0"/>
-              </a:rPr>
-              <a:t>Seleciona faixa, “de tanto em tanto” com”:</a:t>
-            </a:r>
-            <a:r>
-              <a:rPr lang="pt-BR" b="1" dirty="0">
+              <a:rPr lang="pt-BR" sz="2400" dirty="0">
+                <a:solidFill>
+                  <a:schemeClr val="tx1"/>
+                </a:solidFill>
+                <a:latin typeface="Times New Roman" panose="02020603050405020304" pitchFamily="18" charset="0"/>
+                <a:cs typeface="Times New Roman" panose="02020603050405020304" pitchFamily="18" charset="0"/>
+              </a:rPr>
+              <a:t>Seleciona faixa, “de tanto em tanto” com salto de 2 ”</a:t>
+            </a:r>
+            <a:r>
+              <a:rPr lang="pt-BR" sz="2400" b="1" dirty="0">
                 <a:solidFill>
                   <a:srgbClr val="0070C0"/>
                 </a:solidFill>
                 <a:latin typeface="Times New Roman" panose="02020603050405020304" pitchFamily="18" charset="0"/>
                 <a:cs typeface="Times New Roman" panose="02020603050405020304" pitchFamily="18" charset="0"/>
               </a:rPr>
-              <a:t>:</a:t>
-            </a:r>
-            <a:r>
-              <a:rPr lang="pt-BR" dirty="0">
+              <a:t> ::</a:t>
+            </a:r>
+            <a:r>
+              <a:rPr lang="pt-BR" sz="2400" dirty="0">
                 <a:latin typeface="Times New Roman" panose="02020603050405020304" pitchFamily="18" charset="0"/>
                 <a:cs typeface="Times New Roman" panose="02020603050405020304" pitchFamily="18" charset="0"/>
               </a:rPr>
               <a:t>”</a:t>
             </a:r>
-            <a:endParaRPr lang="pt-BR" b="1" dirty="0">
+            <a:endParaRPr lang="pt-BR" sz="2400" b="1" dirty="0">
               <a:solidFill>
                 <a:srgbClr val="FF0000"/>
               </a:solidFill>
@@ -6767,7 +6767,7 @@
               <a:buNone/>
             </a:pPr>
             <a:r>
-              <a:rPr lang="pt-BR" dirty="0">
+              <a:rPr lang="pt-BR" sz="2400" dirty="0">
                 <a:solidFill>
                   <a:schemeClr val="tx1"/>
                 </a:solidFill>
@@ -6777,7 +6777,7 @@
               <a:t>   Ex.: </a:t>
             </a:r>
             <a:r>
-              <a:rPr lang="pt-BR" b="1" dirty="0">
+              <a:rPr lang="pt-BR" sz="2400" b="1" dirty="0">
                 <a:solidFill>
                   <a:schemeClr val="tx1"/>
                 </a:solidFill>
@@ -6787,7 +6787,7 @@
               <a:t>print</a:t>
             </a:r>
             <a:r>
-              <a:rPr lang="pt-BR" dirty="0">
+              <a:rPr lang="pt-BR" sz="2400" dirty="0">
                 <a:solidFill>
                   <a:schemeClr val="tx1"/>
                 </a:solidFill>
@@ -6797,7 +6797,7 @@
               <a:t>(</a:t>
             </a:r>
             <a:r>
-              <a:rPr lang="pt-BR" dirty="0" err="1">
+              <a:rPr lang="pt-BR" sz="2400" dirty="0" err="1">
                 <a:solidFill>
                   <a:schemeClr val="tx1"/>
                 </a:solidFill>
@@ -6807,7 +6807,7 @@
               <a:t>umaLista</a:t>
             </a:r>
             <a:r>
-              <a:rPr lang="pt-BR" dirty="0">
+              <a:rPr lang="pt-BR" sz="2400" dirty="0">
                 <a:solidFill>
                   <a:schemeClr val="tx1"/>
                 </a:solidFill>
@@ -6823,17 +6823,17 @@
               <a:buChar char="-"/>
             </a:pPr>
             <a:r>
-              <a:rPr lang="pt-BR" dirty="0">
-                <a:solidFill>
-                  <a:schemeClr val="tx1"/>
-                </a:solidFill>
-                <a:latin typeface="Times New Roman" panose="02020603050405020304" pitchFamily="18" charset="0"/>
-                <a:cs typeface="Times New Roman" panose="02020603050405020304" pitchFamily="18" charset="0"/>
-              </a:rPr>
-              <a:t>Seleciona faixa, da posição e inicial com ”</a:t>
-            </a:r>
-            <a:r>
-              <a:rPr lang="pt-BR" b="1" dirty="0">
+              <a:rPr lang="pt-BR" sz="2400" dirty="0">
+                <a:solidFill>
+                  <a:schemeClr val="tx1"/>
+                </a:solidFill>
+                <a:latin typeface="Times New Roman" panose="02020603050405020304" pitchFamily="18" charset="0"/>
+                <a:cs typeface="Times New Roman" panose="02020603050405020304" pitchFamily="18" charset="0"/>
+              </a:rPr>
+              <a:t>Seleciona faixa, da posição inicial com salto de 3 ”</a:t>
+            </a:r>
+            <a:r>
+              <a:rPr lang="pt-BR" sz="2400" b="1" dirty="0">
                 <a:solidFill>
                   <a:srgbClr val="0070C0"/>
                 </a:solidFill>
@@ -6843,13 +6843,13 @@
               <a:t>:</a:t>
             </a:r>
             <a:r>
-              <a:rPr lang="pt-BR" dirty="0">
+              <a:rPr lang="pt-BR" sz="2400" dirty="0">
                 <a:latin typeface="Times New Roman" panose="02020603050405020304" pitchFamily="18" charset="0"/>
                 <a:cs typeface="Times New Roman" panose="02020603050405020304" pitchFamily="18" charset="0"/>
               </a:rPr>
               <a:t>”</a:t>
             </a:r>
-            <a:endParaRPr lang="pt-BR" b="1" dirty="0">
+            <a:endParaRPr lang="pt-BR" sz="2400" b="1" dirty="0">
               <a:solidFill>
                 <a:srgbClr val="FF0000"/>
               </a:solidFill>
@@ -6862,7 +6862,7 @@
               <a:buNone/>
             </a:pPr>
             <a:r>
-              <a:rPr lang="pt-BR" dirty="0">
+              <a:rPr lang="pt-BR" sz="2400" dirty="0">
                 <a:solidFill>
                   <a:schemeClr val="tx1"/>
                 </a:solidFill>
@@ -6872,7 +6872,7 @@
               <a:t>   Ex.: </a:t>
             </a:r>
             <a:r>
-              <a:rPr lang="pt-BR" b="1" dirty="0">
+              <a:rPr lang="pt-BR" sz="2400" b="1" dirty="0">
                 <a:solidFill>
                   <a:schemeClr val="tx1"/>
                 </a:solidFill>
@@ -6882,7 +6882,7 @@
               <a:t>print</a:t>
             </a:r>
             <a:r>
-              <a:rPr lang="pt-BR" dirty="0">
+              <a:rPr lang="pt-BR" sz="2400" dirty="0">
                 <a:solidFill>
                   <a:schemeClr val="tx1"/>
                 </a:solidFill>
@@ -6892,7 +6892,7 @@
               <a:t>(</a:t>
             </a:r>
             <a:r>
-              <a:rPr lang="pt-BR" dirty="0" err="1">
+              <a:rPr lang="pt-BR" sz="2400" dirty="0" err="1">
                 <a:solidFill>
                   <a:schemeClr val="tx1"/>
                 </a:solidFill>
@@ -6902,7 +6902,7 @@
               <a:t>umaLista</a:t>
             </a:r>
             <a:r>
-              <a:rPr lang="pt-BR" dirty="0">
+              <a:rPr lang="pt-BR" sz="2400" dirty="0">
                 <a:solidFill>
                   <a:schemeClr val="tx1"/>
                 </a:solidFill>
@@ -6913,16 +6913,99 @@
             </a:r>
           </a:p>
           <a:p>
-            <a:pPr marL="0" indent="0" algn="just">
-              <a:buNone/>
+            <a:pPr algn="just">
+              <a:buFontTx/>
+              <a:buChar char="-"/>
             </a:pPr>
-            <a:endParaRPr lang="pt-BR" dirty="0">
+            <a:r>
+              <a:rPr lang="pt-BR" sz="2400" dirty="0">
+                <a:solidFill>
+                  <a:schemeClr val="tx1"/>
+                </a:solidFill>
+                <a:latin typeface="Times New Roman" panose="02020603050405020304" pitchFamily="18" charset="0"/>
+                <a:cs typeface="Times New Roman" panose="02020603050405020304" pitchFamily="18" charset="0"/>
+              </a:rPr>
+              <a:t>Seleciona faixa, da posição inicial com salto de 2 ”</a:t>
+            </a:r>
+            <a:r>
+              <a:rPr lang="pt-BR" sz="2400" b="1" dirty="0">
+                <a:solidFill>
+                  <a:srgbClr val="0070C0"/>
+                </a:solidFill>
+                <a:latin typeface="Times New Roman" panose="02020603050405020304" pitchFamily="18" charset="0"/>
+                <a:cs typeface="Times New Roman" panose="02020603050405020304" pitchFamily="18" charset="0"/>
+              </a:rPr>
+              <a:t>:</a:t>
+            </a:r>
+            <a:r>
+              <a:rPr lang="pt-BR" sz="2400" dirty="0">
+                <a:latin typeface="Times New Roman" panose="02020603050405020304" pitchFamily="18" charset="0"/>
+                <a:cs typeface="Times New Roman" panose="02020603050405020304" pitchFamily="18" charset="0"/>
+              </a:rPr>
+              <a:t>”</a:t>
+            </a:r>
+            <a:endParaRPr lang="pt-BR" sz="2400" b="1" dirty="0">
               <a:solidFill>
-                <a:schemeClr val="tx1"/>
+                <a:srgbClr val="FF0000"/>
               </a:solidFill>
               <a:latin typeface="Times New Roman" panose="02020603050405020304" pitchFamily="18" charset="0"/>
               <a:cs typeface="Times New Roman" panose="02020603050405020304" pitchFamily="18" charset="0"/>
             </a:endParaRPr>
+          </a:p>
+          <a:p>
+            <a:pPr marL="0" indent="0" algn="just">
+              <a:buNone/>
+            </a:pPr>
+            <a:r>
+              <a:rPr lang="pt-BR" sz="2400" dirty="0">
+                <a:solidFill>
+                  <a:schemeClr val="tx1"/>
+                </a:solidFill>
+                <a:latin typeface="Times New Roman" panose="02020603050405020304" pitchFamily="18" charset="0"/>
+                <a:cs typeface="Times New Roman" panose="02020603050405020304" pitchFamily="18" charset="0"/>
+              </a:rPr>
+              <a:t>   Ex.: </a:t>
+            </a:r>
+            <a:r>
+              <a:rPr lang="pt-BR" sz="2400" b="1" dirty="0">
+                <a:solidFill>
+                  <a:schemeClr val="tx1"/>
+                </a:solidFill>
+                <a:latin typeface="Times New Roman" panose="02020603050405020304" pitchFamily="18" charset="0"/>
+                <a:cs typeface="Times New Roman" panose="02020603050405020304" pitchFamily="18" charset="0"/>
+              </a:rPr>
+              <a:t>print</a:t>
+            </a:r>
+            <a:r>
+              <a:rPr lang="pt-BR" sz="2400" dirty="0">
+                <a:solidFill>
+                  <a:schemeClr val="tx1"/>
+                </a:solidFill>
+                <a:latin typeface="Times New Roman" panose="02020603050405020304" pitchFamily="18" charset="0"/>
+                <a:cs typeface="Times New Roman" panose="02020603050405020304" pitchFamily="18" charset="0"/>
+              </a:rPr>
+              <a:t>(</a:t>
+            </a:r>
+            <a:r>
+              <a:rPr lang="pt-BR" sz="2400" dirty="0" err="1">
+                <a:solidFill>
+                  <a:schemeClr val="tx1"/>
+                </a:solidFill>
+                <a:latin typeface="Times New Roman" panose="02020603050405020304" pitchFamily="18" charset="0"/>
+                <a:cs typeface="Times New Roman" panose="02020603050405020304" pitchFamily="18" charset="0"/>
+              </a:rPr>
+              <a:t>umaLista</a:t>
+            </a:r>
+            <a:r>
+              <a:rPr lang="pt-BR" sz="2400" dirty="0">
+                <a:solidFill>
+                  <a:schemeClr val="tx1"/>
+                </a:solidFill>
+                <a:latin typeface="Times New Roman" panose="02020603050405020304" pitchFamily="18" charset="0"/>
+                <a:cs typeface="Times New Roman" panose="02020603050405020304" pitchFamily="18" charset="0"/>
+              </a:rPr>
+              <a:t>[1:3:2]) =&gt; 4</a:t>
+            </a:r>
           </a:p>
         </p:txBody>
       </p:sp>
@@ -7191,7 +7274,7 @@
                 <a:latin typeface="Times New Roman" panose="02020603050405020304" pitchFamily="18" charset="0"/>
                 <a:cs typeface="Times New Roman" panose="02020603050405020304" pitchFamily="18" charset="0"/>
               </a:rPr>
-              <a:t>[1:3]; # 1, 5, 7, 9</a:t>
+              <a:t>[1:3] # 1, 5, 7, 9</a:t>
             </a:r>
           </a:p>
           <a:p>
@@ -12080,7 +12163,7 @@
                 <a:latin typeface="Times New Roman" panose="02020603050405020304" pitchFamily="18" charset="0"/>
                 <a:cs typeface="Times New Roman" panose="02020603050405020304" pitchFamily="18" charset="0"/>
               </a:rPr>
-              <a:t>= {1, 2, 3, 4};</a:t>
+              <a:t>= {1, 2, 3, 4}</a:t>
             </a:r>
           </a:p>
           <a:p>
@@ -12517,7 +12600,7 @@
                 <a:latin typeface="Times New Roman" panose="02020603050405020304" pitchFamily="18" charset="0"/>
                 <a:cs typeface="Times New Roman" panose="02020603050405020304" pitchFamily="18" charset="0"/>
               </a:rPr>
-              <a:t>{‘nome’: ‘Julila’, ‘idade’:17, ‘disciplina’:[‘java’, ‘python’], ‘altura’:1.55};</a:t>
+              <a:t>{‘nome’: ‘Julila’, ‘idade’:17, ‘disciplina’:[‘java’, ‘python’], ‘altura’:1.55}</a:t>
             </a:r>
           </a:p>
           <a:p>
@@ -12766,12 +12849,15 @@
                 <a:cs typeface="Times New Roman" panose="02020603050405020304" pitchFamily="18" charset="0"/>
                 <a:hlinkClick r:id="rId3"/>
               </a:rPr>
-              <a:t>https://www.w3schools.com/python/python_variables.asp</a:t>
-            </a:r>
-            <a:endParaRPr lang="pt-BR" dirty="0">
-              <a:latin typeface="Times New Roman" panose="02020603050405020304" pitchFamily="18" charset="0"/>
-              <a:cs typeface="Times New Roman" panose="02020603050405020304" pitchFamily="18" charset="0"/>
-            </a:endParaRPr>
+              <a:t>https://www.w3schools.com/python/python_datatypes.asp</a:t>
+            </a:r>
+            <a:r>
+              <a:rPr lang="pt-BR" dirty="0">
+                <a:latin typeface="Times New Roman" panose="02020603050405020304" pitchFamily="18" charset="0"/>
+                <a:cs typeface="Times New Roman" panose="02020603050405020304" pitchFamily="18" charset="0"/>
+              </a:rPr>
+              <a:t> </a:t>
+            </a:r>
           </a:p>
           <a:p>
             <a:pPr marL="0" indent="0" algn="just">
@@ -12931,8 +13017,8 @@
         </p:nvSpPr>
         <p:spPr>
           <a:xfrm>
-            <a:off x="142865" y="1200151"/>
-            <a:ext cx="8865056" cy="3394472"/>
+            <a:off x="142865" y="1200150"/>
+            <a:ext cx="8865056" cy="3595133"/>
           </a:xfrm>
         </p:spPr>
         <p:txBody>
@@ -12944,7 +13030,48 @@
             <a:pPr marL="0" indent="0" algn="just">
               <a:buNone/>
             </a:pPr>
-            <a:endParaRPr lang="pt-BR" sz="2000" dirty="0">
+            <a:r>
+              <a:rPr lang="pt-BR" sz="2400" dirty="0">
+                <a:latin typeface="Times New Roman" panose="02020603050405020304" pitchFamily="18" charset="0"/>
+                <a:cs typeface="Times New Roman" panose="02020603050405020304" pitchFamily="18" charset="0"/>
+              </a:rPr>
+              <a:t>[1] </a:t>
+            </a:r>
+            <a:r>
+              <a:rPr lang="pt-BR" sz="2400" b="1" dirty="0">
+                <a:latin typeface="Times New Roman" panose="02020603050405020304" pitchFamily="18" charset="0"/>
+                <a:cs typeface="Times New Roman" panose="02020603050405020304" pitchFamily="18" charset="0"/>
+              </a:rPr>
+              <a:t>Aglomerados</a:t>
+            </a:r>
+            <a:r>
+              <a:rPr lang="pt-BR" sz="2400" dirty="0">
+                <a:latin typeface="Times New Roman" panose="02020603050405020304" pitchFamily="18" charset="0"/>
+                <a:cs typeface="Times New Roman" panose="02020603050405020304" pitchFamily="18" charset="0"/>
+              </a:rPr>
+              <a:t>: </a:t>
+            </a:r>
+            <a:r>
+              <a:rPr lang="pt-BR" sz="2400" dirty="0">
+                <a:latin typeface="Times New Roman" panose="02020603050405020304" pitchFamily="18" charset="0"/>
+                <a:cs typeface="Times New Roman" panose="02020603050405020304" pitchFamily="18" charset="0"/>
+                <a:hlinkClick r:id="rId3"/>
+              </a:rPr>
+              <a:t>https://youtu.be/zGlB7Yl5lZc</a:t>
+            </a:r>
+            <a:r>
+              <a:rPr lang="pt-BR" sz="2400" dirty="0">
+                <a:latin typeface="Times New Roman" panose="02020603050405020304" pitchFamily="18" charset="0"/>
+                <a:cs typeface="Times New Roman" panose="02020603050405020304" pitchFamily="18" charset="0"/>
+              </a:rPr>
+              <a:t> </a:t>
+            </a:r>
+          </a:p>
+          <a:p>
+            <a:pPr marL="0" indent="0" algn="just">
+              <a:buNone/>
+            </a:pPr>
+            <a:endParaRPr lang="pt-BR" sz="2400" dirty="0">
               <a:latin typeface="Times New Roman" panose="02020603050405020304" pitchFamily="18" charset="0"/>
               <a:cs typeface="Times New Roman" panose="02020603050405020304" pitchFamily="18" charset="0"/>
             </a:endParaRPr>
@@ -12954,21 +13081,47 @@
               <a:buNone/>
             </a:pPr>
             <a:r>
-              <a:rPr lang="pt-BR" sz="2000" dirty="0">
-                <a:latin typeface="Times New Roman" panose="02020603050405020304" pitchFamily="18" charset="0"/>
-                <a:cs typeface="Times New Roman" panose="02020603050405020304" pitchFamily="18" charset="0"/>
-              </a:rPr>
-              <a:t>[1] </a:t>
-            </a:r>
-            <a:r>
-              <a:rPr lang="pt-BR" sz="2000" dirty="0">
-                <a:latin typeface="Times New Roman" panose="02020603050405020304" pitchFamily="18" charset="0"/>
-                <a:cs typeface="Times New Roman" panose="02020603050405020304" pitchFamily="18" charset="0"/>
-                <a:hlinkClick r:id="rId3"/>
-              </a:rPr>
-              <a:t>https://www.programiz.com/python-programming/variables-constants-literals</a:t>
-            </a:r>
-            <a:endParaRPr lang="pt-BR" sz="2000" dirty="0">
+              <a:rPr lang="pt-BR" sz="2400" dirty="0">
+                <a:latin typeface="Times New Roman" panose="02020603050405020304" pitchFamily="18" charset="0"/>
+                <a:cs typeface="Times New Roman" panose="02020603050405020304" pitchFamily="18" charset="0"/>
+              </a:rPr>
+              <a:t>[2] </a:t>
+            </a:r>
+            <a:r>
+              <a:rPr lang="pt-BR" sz="2400" b="1" dirty="0">
+                <a:latin typeface="Times New Roman" panose="02020603050405020304" pitchFamily="18" charset="0"/>
+                <a:cs typeface="Times New Roman" panose="02020603050405020304" pitchFamily="18" charset="0"/>
+              </a:rPr>
+              <a:t>Aglomerados</a:t>
+            </a:r>
+            <a:r>
+              <a:rPr lang="pt-BR" sz="2400" dirty="0">
+                <a:latin typeface="Times New Roman" panose="02020603050405020304" pitchFamily="18" charset="0"/>
+                <a:cs typeface="Times New Roman" panose="02020603050405020304" pitchFamily="18" charset="0"/>
+              </a:rPr>
+              <a:t>:  </a:t>
+            </a:r>
+            <a:r>
+              <a:rPr lang="pt-BR" sz="2400" dirty="0">
+                <a:latin typeface="Times New Roman" panose="02020603050405020304" pitchFamily="18" charset="0"/>
+                <a:cs typeface="Times New Roman" panose="02020603050405020304" pitchFamily="18" charset="0"/>
+                <a:hlinkClick r:id="rId4"/>
+              </a:rPr>
+              <a:t>https://youtu.be/FKX07yoxLJ8</a:t>
+            </a:r>
+            <a:r>
+              <a:rPr lang="pt-BR" sz="2400" dirty="0">
+                <a:latin typeface="Times New Roman" panose="02020603050405020304" pitchFamily="18" charset="0"/>
+                <a:cs typeface="Times New Roman" panose="02020603050405020304" pitchFamily="18" charset="0"/>
+              </a:rPr>
+              <a:t> </a:t>
+            </a:r>
+          </a:p>
+          <a:p>
+            <a:pPr marL="0" indent="0" algn="just">
+              <a:buNone/>
+            </a:pPr>
+            <a:endParaRPr lang="pt-BR" sz="2400" dirty="0">
               <a:latin typeface="Times New Roman" panose="02020603050405020304" pitchFamily="18" charset="0"/>
               <a:cs typeface="Times New Roman" panose="02020603050405020304" pitchFamily="18" charset="0"/>
             </a:endParaRPr>
@@ -12977,7 +13130,41 @@
             <a:pPr marL="0" indent="0" algn="just">
               <a:buNone/>
             </a:pPr>
-            <a:endParaRPr lang="pt-BR" sz="2000" dirty="0">
+            <a:r>
+              <a:rPr lang="pt-BR" sz="2400" dirty="0">
+                <a:latin typeface="Times New Roman" panose="02020603050405020304" pitchFamily="18" charset="0"/>
+                <a:cs typeface="Times New Roman" panose="02020603050405020304" pitchFamily="18" charset="0"/>
+              </a:rPr>
+              <a:t>[3] </a:t>
+            </a:r>
+            <a:r>
+              <a:rPr lang="pt-BR" sz="2400" b="1" dirty="0">
+                <a:latin typeface="Times New Roman" panose="02020603050405020304" pitchFamily="18" charset="0"/>
+                <a:cs typeface="Times New Roman" panose="02020603050405020304" pitchFamily="18" charset="0"/>
+              </a:rPr>
+              <a:t>Tuplas Nomeadas:</a:t>
+            </a:r>
+          </a:p>
+          <a:p>
+            <a:pPr marL="0" indent="0" algn="just">
+              <a:buNone/>
+            </a:pPr>
+            <a:r>
+              <a:rPr lang="pt-BR" sz="2400" b="1">
+                <a:latin typeface="Times New Roman" panose="02020603050405020304" pitchFamily="18" charset="0"/>
+                <a:cs typeface="Times New Roman" panose="02020603050405020304" pitchFamily="18" charset="0"/>
+              </a:rPr>
+              <a:t>	 </a:t>
+            </a:r>
+            <a:r>
+              <a:rPr lang="pt-BR" sz="2400" dirty="0">
+                <a:latin typeface="Times New Roman" panose="02020603050405020304" pitchFamily="18" charset="0"/>
+                <a:cs typeface="Times New Roman" panose="02020603050405020304" pitchFamily="18" charset="0"/>
+                <a:hlinkClick r:id="rId5"/>
+              </a:rPr>
+              <a:t>https://www.youtube.com/watch?v=IkoaXbLsUg8</a:t>
+            </a:r>
+            <a:endParaRPr lang="pt-BR" sz="2400" dirty="0">
               <a:latin typeface="Times New Roman" panose="02020603050405020304" pitchFamily="18" charset="0"/>
               <a:cs typeface="Times New Roman" panose="02020603050405020304" pitchFamily="18" charset="0"/>
             </a:endParaRPr>
@@ -12986,22 +13173,7 @@
             <a:pPr marL="0" indent="0" algn="just">
               <a:buNone/>
             </a:pPr>
-            <a:r>
-              <a:rPr lang="pt-BR" sz="2000" dirty="0">
-                <a:latin typeface="Times New Roman" panose="02020603050405020304" pitchFamily="18" charset="0"/>
-                <a:cs typeface="Times New Roman" panose="02020603050405020304" pitchFamily="18" charset="0"/>
-              </a:rPr>
-              <a:t>[2] </a:t>
-            </a:r>
-            <a:r>
-              <a:rPr lang="pt-BR" sz="2000" dirty="0">
-                <a:latin typeface="Times New Roman" panose="02020603050405020304" pitchFamily="18" charset="0"/>
-                <a:cs typeface="Times New Roman" panose="02020603050405020304" pitchFamily="18" charset="0"/>
-                <a:hlinkClick r:id="rId4"/>
-              </a:rPr>
-              <a:t>https://www.programiz.com/python-programming/examples/swap-variables</a:t>
-            </a:r>
-            <a:endParaRPr lang="pt-BR" sz="2000" dirty="0">
+            <a:endParaRPr lang="pt-BR" sz="2400" dirty="0">
               <a:latin typeface="Times New Roman" panose="02020603050405020304" pitchFamily="18" charset="0"/>
               <a:cs typeface="Times New Roman" panose="02020603050405020304" pitchFamily="18" charset="0"/>
             </a:endParaRPr>
@@ -13010,7 +13182,7 @@
             <a:pPr marL="0" indent="0" algn="just">
               <a:buNone/>
             </a:pPr>
-            <a:endParaRPr lang="pt-BR" sz="2000" dirty="0">
+            <a:endParaRPr lang="pt-BR" sz="2400" dirty="0">
               <a:latin typeface="Times New Roman" panose="02020603050405020304" pitchFamily="18" charset="0"/>
               <a:cs typeface="Times New Roman" panose="02020603050405020304" pitchFamily="18" charset="0"/>
             </a:endParaRPr>
@@ -13019,75 +13191,7 @@
             <a:pPr marL="0" indent="0" algn="just">
               <a:buNone/>
             </a:pPr>
-            <a:r>
-              <a:rPr lang="pt-BR" sz="2000" dirty="0">
-                <a:latin typeface="Times New Roman" panose="02020603050405020304" pitchFamily="18" charset="0"/>
-                <a:cs typeface="Times New Roman" panose="02020603050405020304" pitchFamily="18" charset="0"/>
-              </a:rPr>
-              <a:t>- </a:t>
-            </a:r>
-            <a:r>
-              <a:rPr lang="pt-BR" sz="2000" dirty="0" err="1">
-                <a:latin typeface="Times New Roman" panose="02020603050405020304" pitchFamily="18" charset="0"/>
-                <a:cs typeface="Times New Roman" panose="02020603050405020304" pitchFamily="18" charset="0"/>
-              </a:rPr>
-              <a:t>Tuplas</a:t>
-            </a:r>
-            <a:r>
-              <a:rPr lang="pt-BR" sz="2000" dirty="0">
-                <a:latin typeface="Times New Roman" panose="02020603050405020304" pitchFamily="18" charset="0"/>
-                <a:cs typeface="Times New Roman" panose="02020603050405020304" pitchFamily="18" charset="0"/>
-              </a:rPr>
-              <a:t> Nomeadas</a:t>
-            </a:r>
-          </a:p>
-          <a:p>
-            <a:pPr marL="0" indent="0" algn="just">
-              <a:buNone/>
-            </a:pPr>
-            <a:r>
-              <a:rPr lang="pt-BR" sz="2000" dirty="0">
-                <a:latin typeface="Times New Roman" panose="02020603050405020304" pitchFamily="18" charset="0"/>
-                <a:cs typeface="Times New Roman" panose="02020603050405020304" pitchFamily="18" charset="0"/>
-              </a:rPr>
-              <a:t>[3] </a:t>
-            </a:r>
-            <a:r>
-              <a:rPr lang="pt-BR" sz="2000" dirty="0">
-                <a:latin typeface="Times New Roman" panose="02020603050405020304" pitchFamily="18" charset="0"/>
-                <a:cs typeface="Times New Roman" panose="02020603050405020304" pitchFamily="18" charset="0"/>
-                <a:hlinkClick r:id="rId5"/>
-              </a:rPr>
-              <a:t>https://www.youtube.com/watch?v=IkoaXbLsUg8</a:t>
-            </a:r>
-            <a:endParaRPr lang="pt-BR" sz="2000" dirty="0">
-              <a:latin typeface="Times New Roman" panose="02020603050405020304" pitchFamily="18" charset="0"/>
-              <a:cs typeface="Times New Roman" panose="02020603050405020304" pitchFamily="18" charset="0"/>
-            </a:endParaRPr>
-          </a:p>
-          <a:p>
-            <a:pPr marL="0" indent="0" algn="just">
-              <a:buNone/>
-            </a:pPr>
-            <a:endParaRPr lang="pt-BR" sz="2000" dirty="0">
-              <a:latin typeface="Times New Roman" panose="02020603050405020304" pitchFamily="18" charset="0"/>
-              <a:cs typeface="Times New Roman" panose="02020603050405020304" pitchFamily="18" charset="0"/>
-            </a:endParaRPr>
-          </a:p>
-          <a:p>
-            <a:pPr marL="0" indent="0" algn="just">
-              <a:buNone/>
-            </a:pPr>
-            <a:endParaRPr lang="pt-BR" sz="2000" dirty="0">
-              <a:latin typeface="Times New Roman" panose="02020603050405020304" pitchFamily="18" charset="0"/>
-              <a:cs typeface="Times New Roman" panose="02020603050405020304" pitchFamily="18" charset="0"/>
-            </a:endParaRPr>
-          </a:p>
-          <a:p>
-            <a:pPr marL="0" indent="0" algn="just">
-              <a:buNone/>
-            </a:pPr>
-            <a:endParaRPr lang="pt-BR" sz="2000" dirty="0">
+            <a:endParaRPr lang="pt-BR" sz="2400" dirty="0">
               <a:latin typeface="Calibri" panose="020F0502020204030204" pitchFamily="34" charset="0"/>
             </a:endParaRPr>
           </a:p>

--- a/01 Classes/Aula 07 Programação Python - Tipos de Dados Aglomerados.pptx
+++ b/01 Classes/Aula 07 Programação Python - Tipos de Dados Aglomerados.pptx
@@ -2117,7 +2117,7 @@
           <a:p>
             <a:fld id="{48A87A34-81AB-432B-8DAE-1953F412C126}" type="datetimeFigureOut">
               <a:rPr lang="en-US" smtClean="0"/>
-              <a:t>9/6/2023</a:t>
+              <a:t>9/9/2025</a:t>
             </a:fld>
             <a:endParaRPr lang="en-US" dirty="0"/>
           </a:p>
@@ -2328,7 +2328,7 @@
           <a:p>
             <a:fld id="{48A87A34-81AB-432B-8DAE-1953F412C126}" type="datetimeFigureOut">
               <a:rPr lang="en-US" smtClean="0"/>
-              <a:t>9/6/2023</a:t>
+              <a:t>9/9/2025</a:t>
             </a:fld>
             <a:endParaRPr lang="en-US" dirty="0"/>
           </a:p>
@@ -2543,7 +2543,7 @@
           <a:p>
             <a:fld id="{48A87A34-81AB-432B-8DAE-1953F412C126}" type="datetimeFigureOut">
               <a:rPr lang="en-US" smtClean="0"/>
-              <a:t>9/6/2023</a:t>
+              <a:t>9/9/2025</a:t>
             </a:fld>
             <a:endParaRPr lang="en-US" dirty="0"/>
           </a:p>
@@ -2911,7 +2911,7 @@
           <a:p>
             <a:fld id="{48A87A34-81AB-432B-8DAE-1953F412C126}" type="datetimeFigureOut">
               <a:rPr lang="en-US" smtClean="0"/>
-              <a:t>9/6/2023</a:t>
+              <a:t>9/9/2025</a:t>
             </a:fld>
             <a:endParaRPr lang="en-US" dirty="0"/>
           </a:p>
@@ -3190,7 +3190,7 @@
           <a:p>
             <a:fld id="{48A87A34-81AB-432B-8DAE-1953F412C126}" type="datetimeFigureOut">
               <a:rPr lang="en-US" smtClean="0"/>
-              <a:t>9/6/2023</a:t>
+              <a:t>9/9/2025</a:t>
             </a:fld>
             <a:endParaRPr lang="en-US" dirty="0"/>
           </a:p>
@@ -3458,7 +3458,7 @@
           <a:p>
             <a:fld id="{48A87A34-81AB-432B-8DAE-1953F412C126}" type="datetimeFigureOut">
               <a:rPr lang="en-US" smtClean="0"/>
-              <a:t>9/6/2023</a:t>
+              <a:t>9/9/2025</a:t>
             </a:fld>
             <a:endParaRPr lang="en-US" dirty="0"/>
           </a:p>
@@ -3874,7 +3874,7 @@
           <a:p>
             <a:fld id="{48A87A34-81AB-432B-8DAE-1953F412C126}" type="datetimeFigureOut">
               <a:rPr lang="en-US" smtClean="0"/>
-              <a:t>9/6/2023</a:t>
+              <a:t>9/9/2025</a:t>
             </a:fld>
             <a:endParaRPr lang="en-US" dirty="0"/>
           </a:p>
@@ -4023,7 +4023,7 @@
           <a:p>
             <a:fld id="{48A87A34-81AB-432B-8DAE-1953F412C126}" type="datetimeFigureOut">
               <a:rPr lang="en-US" smtClean="0"/>
-              <a:t>9/6/2023</a:t>
+              <a:t>9/9/2025</a:t>
             </a:fld>
             <a:endParaRPr lang="en-US" dirty="0"/>
           </a:p>
@@ -4149,7 +4149,7 @@
           <a:p>
             <a:fld id="{48A87A34-81AB-432B-8DAE-1953F412C126}" type="datetimeFigureOut">
               <a:rPr lang="en-US" smtClean="0"/>
-              <a:t>9/6/2023</a:t>
+              <a:t>9/9/2025</a:t>
             </a:fld>
             <a:endParaRPr lang="en-US" dirty="0"/>
           </a:p>
@@ -4400,7 +4400,7 @@
           <a:p>
             <a:fld id="{48A87A34-81AB-432B-8DAE-1953F412C126}" type="datetimeFigureOut">
               <a:rPr lang="en-US" smtClean="0"/>
-              <a:t>9/6/2023</a:t>
+              <a:t>9/9/2025</a:t>
             </a:fld>
             <a:endParaRPr lang="en-US" dirty="0"/>
           </a:p>
@@ -4846,7 +4846,7 @@
             <a:fld id="{48A87A34-81AB-432B-8DAE-1953F412C126}" type="datetimeFigureOut">
               <a:rPr lang="en-US" smtClean="0"/>
               <a:pPr/>
-              <a:t>9/6/2023</a:t>
+              <a:t>9/9/2025</a:t>
             </a:fld>
             <a:endParaRPr lang="en-US" dirty="0"/>
           </a:p>
@@ -5013,6 +5013,13 @@
             <a:schemeClr val="lt1"/>
           </a:fontRef>
         </p:style>
+        <p:txBody>
+          <a:bodyPr/>
+          <a:lstStyle/>
+          <a:p>
+            <a:endParaRPr lang="pt-BR"/>
+          </a:p>
+        </p:txBody>
       </p:sp>
       <p:pic>
         <p:nvPicPr>
@@ -5174,7 +5181,7 @@
             <a:fld id="{48A87A34-81AB-432B-8DAE-1953F412C126}" type="datetimeFigureOut">
               <a:rPr lang="en-US" smtClean="0"/>
               <a:pPr/>
-              <a:t>9/6/2023</a:t>
+              <a:t>9/9/2025</a:t>
             </a:fld>
             <a:endParaRPr lang="en-US" dirty="0"/>
           </a:p>
@@ -6315,7 +6322,7 @@
               <a:buNone/>
             </a:pPr>
             <a:r>
-              <a:rPr lang="pt-BR" b="1" dirty="0">
+              <a:rPr lang="pt-BR" sz="2400" b="1" dirty="0">
                 <a:solidFill>
                   <a:srgbClr val="FF0000"/>
                 </a:solidFill>
@@ -6325,7 +6332,7 @@
               <a:t>Exemplo Lista: </a:t>
             </a:r>
             <a:r>
-              <a:rPr lang="pt-BR" dirty="0" err="1">
+              <a:rPr lang="pt-BR" sz="2400" dirty="0" err="1">
                 <a:solidFill>
                   <a:schemeClr val="tx1"/>
                 </a:solidFill>
@@ -6335,7 +6342,7 @@
               <a:t>umaLista</a:t>
             </a:r>
             <a:r>
-              <a:rPr lang="pt-BR" dirty="0">
+              <a:rPr lang="pt-BR" sz="2400" dirty="0">
                 <a:solidFill>
                   <a:schemeClr val="tx1"/>
                 </a:solidFill>
@@ -6351,17 +6358,24 @@
               <a:buChar char="-"/>
             </a:pPr>
             <a:r>
-              <a:rPr lang="pt-BR" dirty="0">
-                <a:solidFill>
-                  <a:schemeClr val="tx1"/>
-                </a:solidFill>
-                <a:latin typeface="Times New Roman" panose="02020603050405020304" pitchFamily="18" charset="0"/>
-                <a:cs typeface="Times New Roman" panose="02020603050405020304" pitchFamily="18" charset="0"/>
-              </a:rPr>
-              <a:t>Seleciona tudo até o indicado com”</a:t>
-            </a:r>
-            <a:r>
-              <a:rPr lang="pt-BR" b="1" dirty="0">
+              <a:rPr lang="pt-BR" sz="2400" dirty="0">
+                <a:solidFill>
+                  <a:schemeClr val="tx1"/>
+                </a:solidFill>
+                <a:latin typeface="Times New Roman" panose="02020603050405020304" pitchFamily="18" charset="0"/>
+                <a:cs typeface="Times New Roman" panose="02020603050405020304" pitchFamily="18" charset="0"/>
+              </a:rPr>
+              <a:t>Seleciona tudo até o indicado com</a:t>
+            </a:r>
+            <a:r>
+              <a:rPr lang="en-US" sz="2400" dirty="0">
+                <a:latin typeface="Times New Roman" panose="02020603050405020304" pitchFamily="18" charset="0"/>
+                <a:cs typeface="Times New Roman" panose="02020603050405020304" pitchFamily="18" charset="0"/>
+              </a:rPr>
+              <a:t> '</a:t>
+            </a:r>
+            <a:r>
+              <a:rPr lang="pt-BR" sz="2400" b="1" dirty="0">
                 <a:solidFill>
                   <a:srgbClr val="0070C0"/>
                 </a:solidFill>
@@ -6371,14 +6385,14 @@
               <a:t>:</a:t>
             </a:r>
             <a:r>
-              <a:rPr lang="pt-BR" dirty="0">
-                <a:latin typeface="Times New Roman" panose="02020603050405020304" pitchFamily="18" charset="0"/>
-                <a:cs typeface="Times New Roman" panose="02020603050405020304" pitchFamily="18" charset="0"/>
-              </a:rPr>
-              <a:t>”</a:t>
-            </a:r>
-            <a:r>
-              <a:rPr lang="pt-BR" dirty="0">
+              <a:rPr lang="en-US" sz="2400" dirty="0">
+                <a:latin typeface="Times New Roman" panose="02020603050405020304" pitchFamily="18" charset="0"/>
+                <a:cs typeface="Times New Roman" panose="02020603050405020304" pitchFamily="18" charset="0"/>
+              </a:rPr>
+              <a:t>'</a:t>
+            </a:r>
+            <a:r>
+              <a:rPr lang="pt-BR" sz="2400" dirty="0">
                 <a:solidFill>
                   <a:schemeClr val="tx1"/>
                 </a:solidFill>
@@ -6388,7 +6402,7 @@
               <a:t> </a:t>
             </a:r>
             <a:r>
-              <a:rPr lang="pt-BR" b="1" dirty="0">
+              <a:rPr lang="pt-BR" sz="2400" b="1" dirty="0">
                 <a:solidFill>
                   <a:srgbClr val="FF0000"/>
                 </a:solidFill>
@@ -6403,7 +6417,7 @@
               <a:buNone/>
             </a:pPr>
             <a:r>
-              <a:rPr lang="pt-BR" dirty="0">
+              <a:rPr lang="pt-BR" sz="2400" dirty="0">
                 <a:solidFill>
                   <a:schemeClr val="tx1"/>
                 </a:solidFill>
@@ -6413,7 +6427,7 @@
               <a:t>   Ex.: </a:t>
             </a:r>
             <a:r>
-              <a:rPr lang="pt-BR" b="1" dirty="0">
+              <a:rPr lang="pt-BR" sz="2400" b="1" dirty="0">
                 <a:solidFill>
                   <a:schemeClr val="tx1"/>
                 </a:solidFill>
@@ -6423,7 +6437,7 @@
               <a:t>print</a:t>
             </a:r>
             <a:r>
-              <a:rPr lang="pt-BR" dirty="0">
+              <a:rPr lang="pt-BR" sz="2400" dirty="0">
                 <a:solidFill>
                   <a:schemeClr val="tx1"/>
                 </a:solidFill>
@@ -6433,7 +6447,7 @@
               <a:t>(</a:t>
             </a:r>
             <a:r>
-              <a:rPr lang="pt-BR" dirty="0" err="1">
+              <a:rPr lang="pt-BR" sz="2400" dirty="0" err="1">
                 <a:solidFill>
                   <a:schemeClr val="tx1"/>
                 </a:solidFill>
@@ -6443,7 +6457,7 @@
               <a:t>umaLista</a:t>
             </a:r>
             <a:r>
-              <a:rPr lang="pt-BR" dirty="0">
+              <a:rPr lang="pt-BR" sz="2400" dirty="0">
                 <a:solidFill>
                   <a:schemeClr val="tx1"/>
                 </a:solidFill>
@@ -6459,17 +6473,24 @@
               <a:buChar char="-"/>
             </a:pPr>
             <a:r>
-              <a:rPr lang="pt-BR" dirty="0">
-                <a:solidFill>
-                  <a:schemeClr val="tx1"/>
-                </a:solidFill>
-                <a:latin typeface="Times New Roman" panose="02020603050405020304" pitchFamily="18" charset="0"/>
-                <a:cs typeface="Times New Roman" panose="02020603050405020304" pitchFamily="18" charset="0"/>
-              </a:rPr>
-              <a:t>Seleciona faixa, da posição informada até o fim com ”</a:t>
-            </a:r>
-            <a:r>
-              <a:rPr lang="pt-BR" b="1" dirty="0">
+              <a:rPr lang="pt-BR" sz="2400" dirty="0">
+                <a:solidFill>
+                  <a:schemeClr val="tx1"/>
+                </a:solidFill>
+                <a:latin typeface="Times New Roman" panose="02020603050405020304" pitchFamily="18" charset="0"/>
+                <a:cs typeface="Times New Roman" panose="02020603050405020304" pitchFamily="18" charset="0"/>
+              </a:rPr>
+              <a:t>Seleciona faixa, da posição informada até o fim com </a:t>
+            </a:r>
+            <a:r>
+              <a:rPr lang="en-US" sz="2400" dirty="0">
+                <a:latin typeface="Times New Roman" panose="02020603050405020304" pitchFamily="18" charset="0"/>
+                <a:cs typeface="Times New Roman" panose="02020603050405020304" pitchFamily="18" charset="0"/>
+              </a:rPr>
+              <a:t>'</a:t>
+            </a:r>
+            <a:r>
+              <a:rPr lang="pt-BR" sz="2400" b="1" dirty="0">
                 <a:solidFill>
                   <a:srgbClr val="0070C0"/>
                 </a:solidFill>
@@ -6479,13 +6500,13 @@
               <a:t>:</a:t>
             </a:r>
             <a:r>
-              <a:rPr lang="pt-BR" dirty="0">
-                <a:latin typeface="Times New Roman" panose="02020603050405020304" pitchFamily="18" charset="0"/>
-                <a:cs typeface="Times New Roman" panose="02020603050405020304" pitchFamily="18" charset="0"/>
-              </a:rPr>
-              <a:t>”</a:t>
-            </a:r>
-            <a:endParaRPr lang="pt-BR" b="1" dirty="0">
+              <a:rPr lang="en-US" sz="2400" dirty="0">
+                <a:latin typeface="Times New Roman" panose="02020603050405020304" pitchFamily="18" charset="0"/>
+                <a:cs typeface="Times New Roman" panose="02020603050405020304" pitchFamily="18" charset="0"/>
+              </a:rPr>
+              <a:t>'</a:t>
+            </a:r>
+            <a:endParaRPr lang="pt-BR" sz="2400" b="1" dirty="0">
               <a:solidFill>
                 <a:srgbClr val="FF0000"/>
               </a:solidFill>
@@ -6498,7 +6519,7 @@
               <a:buNone/>
             </a:pPr>
             <a:r>
-              <a:rPr lang="pt-BR" dirty="0">
+              <a:rPr lang="pt-BR" sz="2400" dirty="0">
                 <a:solidFill>
                   <a:schemeClr val="tx1"/>
                 </a:solidFill>
@@ -6508,7 +6529,7 @@
               <a:t>   Ex.: </a:t>
             </a:r>
             <a:r>
-              <a:rPr lang="pt-BR" b="1" dirty="0">
+              <a:rPr lang="pt-BR" sz="2400" b="1" dirty="0">
                 <a:solidFill>
                   <a:schemeClr val="tx1"/>
                 </a:solidFill>
@@ -6518,7 +6539,7 @@
               <a:t>print</a:t>
             </a:r>
             <a:r>
-              <a:rPr lang="pt-BR" dirty="0">
+              <a:rPr lang="pt-BR" sz="2400" dirty="0">
                 <a:solidFill>
                   <a:schemeClr val="tx1"/>
                 </a:solidFill>
@@ -6528,7 +6549,7 @@
               <a:t>(</a:t>
             </a:r>
             <a:r>
-              <a:rPr lang="pt-BR" dirty="0" err="1">
+              <a:rPr lang="pt-BR" sz="2400" dirty="0" err="1">
                 <a:solidFill>
                   <a:schemeClr val="tx1"/>
                 </a:solidFill>
@@ -6538,7 +6559,7 @@
               <a:t>umaLista</a:t>
             </a:r>
             <a:r>
-              <a:rPr lang="pt-BR" dirty="0">
+              <a:rPr lang="pt-BR" sz="2400" dirty="0">
                 <a:solidFill>
                   <a:schemeClr val="tx1"/>
                 </a:solidFill>
@@ -6552,7 +6573,7 @@
             <a:pPr marL="0" indent="0" algn="just">
               <a:buNone/>
             </a:pPr>
-            <a:endParaRPr lang="pt-BR" dirty="0">
+            <a:endParaRPr lang="pt-BR" sz="2400" dirty="0">
               <a:solidFill>
                 <a:schemeClr val="tx1"/>
               </a:solidFill>
@@ -6735,24 +6756,65 @@
                 <a:latin typeface="Times New Roman" panose="02020603050405020304" pitchFamily="18" charset="0"/>
                 <a:cs typeface="Times New Roman" panose="02020603050405020304" pitchFamily="18" charset="0"/>
               </a:rPr>
-              <a:t>Seleciona faixa, “de tanto em tanto” com salto de 2 ”</a:t>
+              <a:t>Seleciona faixa, </a:t>
+            </a:r>
+            <a:r>
+              <a:rPr lang="en-US" sz="2400" dirty="0">
+                <a:latin typeface="Times New Roman" panose="02020603050405020304" pitchFamily="18" charset="0"/>
+                <a:cs typeface="Times New Roman" panose="02020603050405020304" pitchFamily="18" charset="0"/>
+              </a:rPr>
+              <a:t>'</a:t>
             </a:r>
             <a:r>
               <a:rPr lang="pt-BR" sz="2400" b="1" dirty="0">
                 <a:solidFill>
+                  <a:srgbClr val="FF0000"/>
+                </a:solidFill>
+                <a:latin typeface="Times New Roman" panose="02020603050405020304" pitchFamily="18" charset="0"/>
+                <a:cs typeface="Times New Roman" panose="02020603050405020304" pitchFamily="18" charset="0"/>
+              </a:rPr>
+              <a:t>de tanto em tanto</a:t>
+            </a:r>
+            <a:r>
+              <a:rPr lang="en-US" sz="2400" dirty="0">
+                <a:latin typeface="Times New Roman" panose="02020603050405020304" pitchFamily="18" charset="0"/>
+                <a:cs typeface="Times New Roman" panose="02020603050405020304" pitchFamily="18" charset="0"/>
+              </a:rPr>
+              <a:t>'</a:t>
+            </a:r>
+            <a:r>
+              <a:rPr lang="pt-BR" sz="2400" dirty="0">
+                <a:solidFill>
+                  <a:schemeClr val="tx1"/>
+                </a:solidFill>
+                <a:latin typeface="Times New Roman" panose="02020603050405020304" pitchFamily="18" charset="0"/>
+                <a:cs typeface="Times New Roman" panose="02020603050405020304" pitchFamily="18" charset="0"/>
+              </a:rPr>
+              <a:t> com salto de 2 </a:t>
+            </a:r>
+            <a:r>
+              <a:rPr lang="en-US" sz="2400" dirty="0">
+                <a:latin typeface="Times New Roman" panose="02020603050405020304" pitchFamily="18" charset="0"/>
+                <a:cs typeface="Times New Roman" panose="02020603050405020304" pitchFamily="18" charset="0"/>
+              </a:rPr>
+              <a:t>'</a:t>
+            </a:r>
+            <a:r>
+              <a:rPr lang="pt-BR" sz="2400" b="1" dirty="0">
+                <a:solidFill>
                   <a:srgbClr val="0070C0"/>
                 </a:solidFill>
                 <a:latin typeface="Times New Roman" panose="02020603050405020304" pitchFamily="18" charset="0"/>
                 <a:cs typeface="Times New Roman" panose="02020603050405020304" pitchFamily="18" charset="0"/>
               </a:rPr>
-              <a:t> ::</a:t>
-            </a:r>
-            <a:r>
-              <a:rPr lang="pt-BR" sz="2400" dirty="0">
-                <a:latin typeface="Times New Roman" panose="02020603050405020304" pitchFamily="18" charset="0"/>
-                <a:cs typeface="Times New Roman" panose="02020603050405020304" pitchFamily="18" charset="0"/>
-              </a:rPr>
-              <a:t>”</a:t>
+              <a:t>::</a:t>
+            </a:r>
+            <a:r>
+              <a:rPr lang="en-US" sz="2400" dirty="0">
+                <a:latin typeface="Times New Roman" panose="02020603050405020304" pitchFamily="18" charset="0"/>
+                <a:cs typeface="Times New Roman" panose="02020603050405020304" pitchFamily="18" charset="0"/>
+              </a:rPr>
+              <a:t>'</a:t>
             </a:r>
             <a:endParaRPr lang="pt-BR" sz="2400" b="1" dirty="0">
               <a:solidFill>
@@ -6830,7 +6892,14 @@
                 <a:latin typeface="Times New Roman" panose="02020603050405020304" pitchFamily="18" charset="0"/>
                 <a:cs typeface="Times New Roman" panose="02020603050405020304" pitchFamily="18" charset="0"/>
               </a:rPr>
-              <a:t>Seleciona faixa, da posição inicial com salto de 3 ”</a:t>
+              <a:t>Seleciona faixa, da posição inicial com salto de 3 </a:t>
+            </a:r>
+            <a:r>
+              <a:rPr lang="en-US" sz="2400" dirty="0">
+                <a:latin typeface="Times New Roman" panose="02020603050405020304" pitchFamily="18" charset="0"/>
+                <a:cs typeface="Times New Roman" panose="02020603050405020304" pitchFamily="18" charset="0"/>
+              </a:rPr>
+              <a:t>'</a:t>
             </a:r>
             <a:r>
               <a:rPr lang="pt-BR" sz="2400" b="1" dirty="0">
@@ -6843,11 +6912,11 @@
               <a:t>:</a:t>
             </a:r>
             <a:r>
-              <a:rPr lang="pt-BR" sz="2400" dirty="0">
-                <a:latin typeface="Times New Roman" panose="02020603050405020304" pitchFamily="18" charset="0"/>
-                <a:cs typeface="Times New Roman" panose="02020603050405020304" pitchFamily="18" charset="0"/>
-              </a:rPr>
-              <a:t>”</a:t>
+              <a:rPr lang="en-US" sz="2400" dirty="0">
+                <a:latin typeface="Times New Roman" panose="02020603050405020304" pitchFamily="18" charset="0"/>
+                <a:cs typeface="Times New Roman" panose="02020603050405020304" pitchFamily="18" charset="0"/>
+              </a:rPr>
+              <a:t>'</a:t>
             </a:r>
             <a:endParaRPr lang="pt-BR" sz="2400" b="1" dirty="0">
               <a:solidFill>
@@ -6925,7 +6994,14 @@
                 <a:latin typeface="Times New Roman" panose="02020603050405020304" pitchFamily="18" charset="0"/>
                 <a:cs typeface="Times New Roman" panose="02020603050405020304" pitchFamily="18" charset="0"/>
               </a:rPr>
-              <a:t>Seleciona faixa, da posição inicial com salto de 2 ”</a:t>
+              <a:t>Seleciona faixa, da posição inicial com salto de 2 </a:t>
+            </a:r>
+            <a:r>
+              <a:rPr lang="en-US" sz="2400" dirty="0">
+                <a:latin typeface="Times New Roman" panose="02020603050405020304" pitchFamily="18" charset="0"/>
+                <a:cs typeface="Times New Roman" panose="02020603050405020304" pitchFamily="18" charset="0"/>
+              </a:rPr>
+              <a:t>'</a:t>
             </a:r>
             <a:r>
               <a:rPr lang="pt-BR" sz="2400" b="1" dirty="0">
@@ -6938,11 +7014,11 @@
               <a:t>:</a:t>
             </a:r>
             <a:r>
-              <a:rPr lang="pt-BR" sz="2400" dirty="0">
-                <a:latin typeface="Times New Roman" panose="02020603050405020304" pitchFamily="18" charset="0"/>
-                <a:cs typeface="Times New Roman" panose="02020603050405020304" pitchFamily="18" charset="0"/>
-              </a:rPr>
-              <a:t>”</a:t>
+              <a:rPr lang="en-US" sz="2400" dirty="0">
+                <a:latin typeface="Times New Roman" panose="02020603050405020304" pitchFamily="18" charset="0"/>
+                <a:cs typeface="Times New Roman" panose="02020603050405020304" pitchFamily="18" charset="0"/>
+              </a:rPr>
+              <a:t>'</a:t>
             </a:r>
             <a:endParaRPr lang="pt-BR" sz="2400" b="1" dirty="0">
               <a:solidFill>
@@ -7732,7 +7808,14 @@
                 <a:latin typeface="Times New Roman" panose="02020603050405020304" pitchFamily="18" charset="0"/>
                 <a:cs typeface="Times New Roman" panose="02020603050405020304" pitchFamily="18" charset="0"/>
               </a:rPr>
-              <a:t>Forma realmente um “</a:t>
+              <a:t>Forma realmente um </a:t>
+            </a:r>
+            <a:r>
+              <a:rPr lang="en-US" sz="2000" dirty="0">
+                <a:latin typeface="Times New Roman" panose="02020603050405020304" pitchFamily="18" charset="0"/>
+                <a:cs typeface="Times New Roman" panose="02020603050405020304" pitchFamily="18" charset="0"/>
+              </a:rPr>
+              <a:t>'</a:t>
             </a:r>
             <a:r>
               <a:rPr lang="pt-BR" sz="2000" b="1" dirty="0">
@@ -7745,15 +7828,19 @@
               <a:t>grupo de dados</a:t>
             </a:r>
             <a:r>
-              <a:rPr lang="pt-BR" sz="2000" dirty="0">
-                <a:solidFill>
-                  <a:schemeClr val="tx1"/>
-                </a:solidFill>
-                <a:latin typeface="Times New Roman" panose="02020603050405020304" pitchFamily="18" charset="0"/>
-                <a:cs typeface="Times New Roman" panose="02020603050405020304" pitchFamily="18" charset="0"/>
-              </a:rPr>
-              <a:t>”</a:t>
-            </a:r>
+              <a:rPr lang="en-US" sz="2000" dirty="0">
+                <a:latin typeface="Times New Roman" panose="02020603050405020304" pitchFamily="18" charset="0"/>
+                <a:cs typeface="Times New Roman" panose="02020603050405020304" pitchFamily="18" charset="0"/>
+              </a:rPr>
+              <a:t>'</a:t>
+            </a:r>
+            <a:endParaRPr lang="pt-BR" sz="2000" dirty="0">
+              <a:solidFill>
+                <a:schemeClr val="tx1"/>
+              </a:solidFill>
+              <a:latin typeface="Times New Roman" panose="02020603050405020304" pitchFamily="18" charset="0"/>
+              <a:cs typeface="Times New Roman" panose="02020603050405020304" pitchFamily="18" charset="0"/>
+            </a:endParaRPr>
           </a:p>
           <a:p>
             <a:pPr marL="0" indent="0" algn="just">
@@ -8882,9 +8969,7 @@
             </a:r>
           </a:p>
           <a:p>
-            <a:pPr marL="0" indent="0" algn="just">
-              <a:buNone/>
-            </a:pPr>
+            <a:pPr algn="just"/>
             <a:r>
               <a:rPr lang="pt-BR" sz="2400" b="1" dirty="0">
                 <a:solidFill>
@@ -8953,13 +9038,45 @@
                 <a:latin typeface="Times New Roman" panose="02020603050405020304" pitchFamily="18" charset="0"/>
                 <a:cs typeface="Times New Roman" panose="02020603050405020304" pitchFamily="18" charset="0"/>
               </a:rPr>
-              <a:t>, "Fulano“);</a:t>
-            </a:r>
-          </a:p>
-          <a:p>
-            <a:pPr marL="0" indent="0" algn="just">
-              <a:buNone/>
-            </a:pPr>
+              <a:t>, </a:t>
+            </a:r>
+            <a:r>
+              <a:rPr lang="en-US" sz="2400" dirty="0">
+                <a:latin typeface="Times New Roman" panose="02020603050405020304" pitchFamily="18" charset="0"/>
+                <a:cs typeface="Times New Roman" panose="02020603050405020304" pitchFamily="18" charset="0"/>
+              </a:rPr>
+              <a:t>'</a:t>
+            </a:r>
+            <a:r>
+              <a:rPr lang="pt-BR" sz="2400" dirty="0">
+                <a:solidFill>
+                  <a:schemeClr val="tx1"/>
+                </a:solidFill>
+                <a:latin typeface="Times New Roman" panose="02020603050405020304" pitchFamily="18" charset="0"/>
+                <a:cs typeface="Times New Roman" panose="02020603050405020304" pitchFamily="18" charset="0"/>
+              </a:rPr>
+              <a:t>Fulano</a:t>
+            </a:r>
+            <a:r>
+              <a:rPr lang="en-US" sz="2400" dirty="0">
+                <a:latin typeface="Times New Roman" panose="02020603050405020304" pitchFamily="18" charset="0"/>
+                <a:cs typeface="Times New Roman" panose="02020603050405020304" pitchFamily="18" charset="0"/>
+              </a:rPr>
+              <a:t>'</a:t>
+            </a:r>
+            <a:r>
+              <a:rPr lang="pt-BR" sz="2400" dirty="0">
+                <a:solidFill>
+                  <a:schemeClr val="tx1"/>
+                </a:solidFill>
+                <a:latin typeface="Times New Roman" panose="02020603050405020304" pitchFamily="18" charset="0"/>
+                <a:cs typeface="Times New Roman" panose="02020603050405020304" pitchFamily="18" charset="0"/>
+              </a:rPr>
+              <a:t>);</a:t>
+            </a:r>
+          </a:p>
+          <a:p>
+            <a:pPr algn="just"/>
             <a:r>
               <a:rPr lang="pt-BR" sz="2400" b="1" dirty="0">
                 <a:solidFill>
@@ -9028,7 +9145,41 @@
                 <a:latin typeface="Times New Roman" panose="02020603050405020304" pitchFamily="18" charset="0"/>
                 <a:cs typeface="Times New Roman" panose="02020603050405020304" pitchFamily="18" charset="0"/>
               </a:rPr>
-              <a:t>, "01234567890“);</a:t>
+              <a:t>, </a:t>
+            </a:r>
+            <a:r>
+              <a:rPr lang="en-US" sz="2400" dirty="0">
+                <a:latin typeface="Times New Roman" panose="02020603050405020304" pitchFamily="18" charset="0"/>
+                <a:cs typeface="Times New Roman" panose="02020603050405020304" pitchFamily="18" charset="0"/>
+              </a:rPr>
+              <a:t>'</a:t>
+            </a:r>
+            <a:r>
+              <a:rPr lang="pt-BR" sz="2400" dirty="0">
+                <a:solidFill>
+                  <a:schemeClr val="tx1"/>
+                </a:solidFill>
+                <a:latin typeface="Times New Roman" panose="02020603050405020304" pitchFamily="18" charset="0"/>
+                <a:cs typeface="Times New Roman" panose="02020603050405020304" pitchFamily="18" charset="0"/>
+              </a:rPr>
+              <a:t>01234567890</a:t>
+            </a:r>
+            <a:r>
+              <a:rPr lang="en-US" sz="2400" dirty="0">
+                <a:latin typeface="Times New Roman" panose="02020603050405020304" pitchFamily="18" charset="0"/>
+                <a:cs typeface="Times New Roman" panose="02020603050405020304" pitchFamily="18" charset="0"/>
+              </a:rPr>
+              <a:t>'</a:t>
+            </a:r>
+            <a:r>
+              <a:rPr lang="pt-BR" sz="2400" dirty="0">
+                <a:solidFill>
+                  <a:schemeClr val="tx1"/>
+                </a:solidFill>
+                <a:latin typeface="Times New Roman" panose="02020603050405020304" pitchFamily="18" charset="0"/>
+                <a:cs typeface="Times New Roman" panose="02020603050405020304" pitchFamily="18" charset="0"/>
+              </a:rPr>
+              <a:t>);</a:t>
             </a:r>
           </a:p>
           <a:p>
@@ -9278,6 +9429,7 @@
                   <a:srgbClr val="FF0000"/>
                 </a:solidFill>
                 <a:latin typeface="Times New Roman" panose="02020603050405020304" pitchFamily="18" charset="0"/>
+                <a:ea typeface="Tahoma" panose="020B0604030504040204" pitchFamily="34" charset="0"/>
                 <a:cs typeface="Times New Roman" panose="02020603050405020304" pitchFamily="18" charset="0"/>
               </a:rPr>
               <a:t>Registro (Exemplo: </a:t>
@@ -9285,6 +9437,7 @@
             <a:r>
               <a:rPr lang="pt-BR" sz="2400" b="1" dirty="0">
                 <a:latin typeface="Times New Roman" panose="02020603050405020304" pitchFamily="18" charset="0"/>
+                <a:ea typeface="Tahoma" panose="020B0604030504040204" pitchFamily="34" charset="0"/>
                 <a:cs typeface="Times New Roman" panose="02020603050405020304" pitchFamily="18" charset="0"/>
               </a:rPr>
               <a:t>Python</a:t>
@@ -9295,6 +9448,7 @@
                   <a:srgbClr val="FF0000"/>
                 </a:solidFill>
                 <a:latin typeface="Times New Roman" panose="02020603050405020304" pitchFamily="18" charset="0"/>
+                <a:ea typeface="Tahoma" panose="020B0604030504040204" pitchFamily="34" charset="0"/>
                 <a:cs typeface="Times New Roman" panose="02020603050405020304" pitchFamily="18" charset="0"/>
               </a:rPr>
               <a:t>)</a:t>
@@ -9304,6 +9458,7 @@
                 <a:schemeClr val="tx1"/>
               </a:solidFill>
               <a:latin typeface="Times New Roman" panose="02020603050405020304" pitchFamily="18" charset="0"/>
+              <a:ea typeface="Tahoma" panose="020B0604030504040204" pitchFamily="34" charset="0"/>
               <a:cs typeface="Times New Roman" panose="02020603050405020304" pitchFamily="18" charset="0"/>
             </a:endParaRPr>
           </a:p>
@@ -9316,8 +9471,9 @@
                 <a:solidFill>
                   <a:schemeClr val="tx1"/>
                 </a:solidFill>
-                <a:latin typeface="Times New Roman" panose="02020603050405020304" pitchFamily="18" charset="0"/>
-                <a:cs typeface="Times New Roman" panose="02020603050405020304" pitchFamily="18" charset="0"/>
+                <a:latin typeface="Tahoma" panose="020B0604030504040204" pitchFamily="34" charset="0"/>
+                <a:ea typeface="Tahoma" panose="020B0604030504040204" pitchFamily="34" charset="0"/>
+                <a:cs typeface="Tahoma" panose="020B0604030504040204" pitchFamily="34" charset="0"/>
               </a:rPr>
               <a:t> </a:t>
             </a:r>
@@ -9330,8 +9486,9 @@
               <a:solidFill>
                 <a:schemeClr val="tx1"/>
               </a:solidFill>
-              <a:latin typeface="Times New Roman" panose="02020603050405020304" pitchFamily="18" charset="0"/>
-              <a:cs typeface="Times New Roman" panose="02020603050405020304" pitchFamily="18" charset="0"/>
+              <a:latin typeface="Tahoma" panose="020B0604030504040204" pitchFamily="34" charset="0"/>
+              <a:ea typeface="Tahoma" panose="020B0604030504040204" pitchFamily="34" charset="0"/>
+              <a:cs typeface="Tahoma" panose="020B0604030504040204" pitchFamily="34" charset="0"/>
             </a:endParaRPr>
           </a:p>
         </p:txBody>
@@ -9351,7 +9508,7 @@
         <p:spPr>
           <a:xfrm>
             <a:off x="186182" y="1730007"/>
-            <a:ext cx="8206255" cy="2308324"/>
+            <a:ext cx="8206255" cy="3046988"/>
           </a:xfrm>
           <a:prstGeom prst="rect">
             <a:avLst/>
@@ -9366,15 +9523,15 @@
           <a:p>
             <a:r>
               <a:rPr lang="pt-BR" sz="2400" b="1" dirty="0" err="1">
-                <a:latin typeface="Arial" panose="020B0604020202020204" pitchFamily="34" charset="0"/>
-                <a:cs typeface="Arial" panose="020B0604020202020204" pitchFamily="34" charset="0"/>
+                <a:latin typeface="Times New Roman" panose="02020603050405020304" pitchFamily="18" charset="0"/>
+                <a:cs typeface="Times New Roman" panose="02020603050405020304" pitchFamily="18" charset="0"/>
               </a:rPr>
               <a:t>import</a:t>
             </a:r>
             <a:r>
               <a:rPr lang="pt-BR" sz="2400" b="1" dirty="0">
-                <a:latin typeface="Arial" panose="020B0604020202020204" pitchFamily="34" charset="0"/>
-                <a:cs typeface="Arial" panose="020B0604020202020204" pitchFamily="34" charset="0"/>
+                <a:latin typeface="Times New Roman" panose="02020603050405020304" pitchFamily="18" charset="0"/>
+                <a:cs typeface="Times New Roman" panose="02020603050405020304" pitchFamily="18" charset="0"/>
               </a:rPr>
               <a:t> </a:t>
             </a:r>
@@ -9383,8 +9540,8 @@
                 <a:solidFill>
                   <a:srgbClr val="FF0000"/>
                 </a:solidFill>
-                <a:latin typeface="Arial" panose="020B0604020202020204" pitchFamily="34" charset="0"/>
-                <a:cs typeface="Arial" panose="020B0604020202020204" pitchFamily="34" charset="0"/>
+                <a:latin typeface="Times New Roman" panose="02020603050405020304" pitchFamily="18" charset="0"/>
+                <a:cs typeface="Times New Roman" panose="02020603050405020304" pitchFamily="18" charset="0"/>
               </a:rPr>
               <a:t>struct</a:t>
             </a:r>
@@ -9392,18 +9549,27 @@
               <a:solidFill>
                 <a:srgbClr val="FF0000"/>
               </a:solidFill>
-              <a:latin typeface="Arial" panose="020B0604020202020204" pitchFamily="34" charset="0"/>
-              <a:cs typeface="Arial" panose="020B0604020202020204" pitchFamily="34" charset="0"/>
+              <a:latin typeface="Times New Roman" panose="02020603050405020304" pitchFamily="18" charset="0"/>
+              <a:cs typeface="Times New Roman" panose="02020603050405020304" pitchFamily="18" charset="0"/>
             </a:endParaRPr>
           </a:p>
           <a:p>
+            <a:endParaRPr lang="pt-BR" sz="2400" b="1" dirty="0">
+              <a:solidFill>
+                <a:srgbClr val="FF0000"/>
+              </a:solidFill>
+              <a:latin typeface="Times New Roman" panose="02020603050405020304" pitchFamily="18" charset="0"/>
+              <a:cs typeface="Times New Roman" panose="02020603050405020304" pitchFamily="18" charset="0"/>
+            </a:endParaRPr>
+          </a:p>
+          <a:p>
             <a:r>
               <a:rPr lang="pt-BR" sz="2400" b="1" dirty="0">
                 <a:solidFill>
                   <a:srgbClr val="FF0000"/>
                 </a:solidFill>
-                <a:latin typeface="Arial" panose="020B0604020202020204" pitchFamily="34" charset="0"/>
-                <a:cs typeface="Arial" panose="020B0604020202020204" pitchFamily="34" charset="0"/>
+                <a:latin typeface="Times New Roman" panose="02020603050405020304" pitchFamily="18" charset="0"/>
+                <a:cs typeface="Times New Roman" panose="02020603050405020304" pitchFamily="18" charset="0"/>
               </a:rPr>
               <a:t>Cliente = (‘80s I I 11s f I')</a:t>
             </a:r>
@@ -9411,15 +9577,15 @@
           <a:p>
             <a:r>
               <a:rPr lang="pt-BR" sz="2400" dirty="0" err="1">
-                <a:latin typeface="Arial" panose="020B0604020202020204" pitchFamily="34" charset="0"/>
-                <a:cs typeface="Arial" panose="020B0604020202020204" pitchFamily="34" charset="0"/>
+                <a:latin typeface="Times New Roman" panose="02020603050405020304" pitchFamily="18" charset="0"/>
+                <a:cs typeface="Times New Roman" panose="02020603050405020304" pitchFamily="18" charset="0"/>
               </a:rPr>
               <a:t>umCliente</a:t>
             </a:r>
             <a:r>
               <a:rPr lang="pt-BR" sz="2400" dirty="0">
-                <a:latin typeface="Arial" panose="020B0604020202020204" pitchFamily="34" charset="0"/>
-                <a:cs typeface="Arial" panose="020B0604020202020204" pitchFamily="34" charset="0"/>
+                <a:latin typeface="Times New Roman" panose="02020603050405020304" pitchFamily="18" charset="0"/>
+                <a:cs typeface="Times New Roman" panose="02020603050405020304" pitchFamily="18" charset="0"/>
               </a:rPr>
               <a:t> = </a:t>
             </a:r>
@@ -9428,134 +9594,182 @@
                 <a:solidFill>
                   <a:srgbClr val="FF0000"/>
                 </a:solidFill>
-                <a:latin typeface="Arial" panose="020B0604020202020204" pitchFamily="34" charset="0"/>
-                <a:cs typeface="Arial" panose="020B0604020202020204" pitchFamily="34" charset="0"/>
+                <a:latin typeface="Times New Roman" panose="02020603050405020304" pitchFamily="18" charset="0"/>
+                <a:cs typeface="Times New Roman" panose="02020603050405020304" pitchFamily="18" charset="0"/>
               </a:rPr>
               <a:t>struct</a:t>
             </a:r>
             <a:r>
               <a:rPr lang="pt-BR" sz="2400" dirty="0" err="1">
-                <a:latin typeface="Arial" panose="020B0604020202020204" pitchFamily="34" charset="0"/>
-                <a:cs typeface="Arial" panose="020B0604020202020204" pitchFamily="34" charset="0"/>
+                <a:latin typeface="Times New Roman" panose="02020603050405020304" pitchFamily="18" charset="0"/>
+                <a:cs typeface="Times New Roman" panose="02020603050405020304" pitchFamily="18" charset="0"/>
               </a:rPr>
               <a:t>.</a:t>
             </a:r>
             <a:r>
               <a:rPr lang="pt-BR" sz="2400" b="1" dirty="0" err="1">
-                <a:latin typeface="Arial" panose="020B0604020202020204" pitchFamily="34" charset="0"/>
-                <a:cs typeface="Arial" panose="020B0604020202020204" pitchFamily="34" charset="0"/>
+                <a:latin typeface="Times New Roman" panose="02020603050405020304" pitchFamily="18" charset="0"/>
+                <a:cs typeface="Times New Roman" panose="02020603050405020304" pitchFamily="18" charset="0"/>
               </a:rPr>
               <a:t>pack</a:t>
             </a:r>
             <a:r>
               <a:rPr lang="pt-BR" sz="2400" dirty="0">
-                <a:latin typeface="Arial" panose="020B0604020202020204" pitchFamily="34" charset="0"/>
-                <a:cs typeface="Arial" panose="020B0604020202020204" pitchFamily="34" charset="0"/>
+                <a:latin typeface="Times New Roman" panose="02020603050405020304" pitchFamily="18" charset="0"/>
+                <a:cs typeface="Times New Roman" panose="02020603050405020304" pitchFamily="18" charset="0"/>
+              </a:rPr>
+              <a:t>(Cliente, b</a:t>
+            </a:r>
+            <a:r>
+              <a:rPr lang="en-US" sz="2400" dirty="0">
+                <a:latin typeface="Times New Roman" panose="02020603050405020304" pitchFamily="18" charset="0"/>
+                <a:cs typeface="Times New Roman" panose="02020603050405020304" pitchFamily="18" charset="0"/>
+              </a:rPr>
+              <a:t> '</a:t>
+            </a:r>
+            <a:r>
+              <a:rPr lang="pt-BR" sz="2400" dirty="0">
+                <a:latin typeface="Times New Roman" panose="02020603050405020304" pitchFamily="18" charset="0"/>
+                <a:cs typeface="Times New Roman" panose="02020603050405020304" pitchFamily="18" charset="0"/>
+              </a:rPr>
+              <a:t>Fulano</a:t>
+            </a:r>
+            <a:r>
+              <a:rPr lang="en-US" sz="2400" dirty="0">
+                <a:latin typeface="Times New Roman" panose="02020603050405020304" pitchFamily="18" charset="0"/>
+                <a:cs typeface="Times New Roman" panose="02020603050405020304" pitchFamily="18" charset="0"/>
+              </a:rPr>
+              <a:t>' </a:t>
+            </a:r>
+            <a:r>
+              <a:rPr lang="pt-BR" sz="2400" dirty="0">
+                <a:latin typeface="Times New Roman" panose="02020603050405020304" pitchFamily="18" charset="0"/>
+                <a:cs typeface="Times New Roman" panose="02020603050405020304" pitchFamily="18" charset="0"/>
+              </a:rPr>
+              <a:t>, 0, 2, b</a:t>
+            </a:r>
+            <a:r>
+              <a:rPr lang="en-US" sz="2400" dirty="0">
+                <a:latin typeface="Times New Roman" panose="02020603050405020304" pitchFamily="18" charset="0"/>
+                <a:cs typeface="Times New Roman" panose="02020603050405020304" pitchFamily="18" charset="0"/>
+              </a:rPr>
+              <a:t> '</a:t>
+            </a:r>
+            <a:r>
+              <a:rPr lang="pt-BR" sz="2400" dirty="0">
+                <a:latin typeface="Times New Roman" panose="02020603050405020304" pitchFamily="18" charset="0"/>
+                <a:cs typeface="Times New Roman" panose="02020603050405020304" pitchFamily="18" charset="0"/>
+              </a:rPr>
+              <a:t>123456789001</a:t>
+            </a:r>
+            <a:r>
+              <a:rPr lang="en-US" sz="2400" dirty="0">
+                <a:latin typeface="Times New Roman" panose="02020603050405020304" pitchFamily="18" charset="0"/>
+                <a:cs typeface="Times New Roman" panose="02020603050405020304" pitchFamily="18" charset="0"/>
+              </a:rPr>
+              <a:t>'</a:t>
+            </a:r>
+            <a:r>
+              <a:rPr lang="pt-BR" sz="2400" dirty="0">
+                <a:latin typeface="Times New Roman" panose="02020603050405020304" pitchFamily="18" charset="0"/>
+                <a:cs typeface="Times New Roman" panose="02020603050405020304" pitchFamily="18" charset="0"/>
+              </a:rPr>
+              <a:t>, 5000.00, 3)</a:t>
+            </a:r>
+          </a:p>
+          <a:p>
+            <a:endParaRPr lang="pt-BR" sz="2400" dirty="0">
+              <a:latin typeface="Times New Roman" panose="02020603050405020304" pitchFamily="18" charset="0"/>
+              <a:cs typeface="Times New Roman" panose="02020603050405020304" pitchFamily="18" charset="0"/>
+            </a:endParaRPr>
+          </a:p>
+          <a:p>
+            <a:r>
+              <a:rPr lang="pt-BR" sz="2400" b="1" dirty="0">
+                <a:latin typeface="Times New Roman" panose="02020603050405020304" pitchFamily="18" charset="0"/>
+                <a:cs typeface="Times New Roman" panose="02020603050405020304" pitchFamily="18" charset="0"/>
+              </a:rPr>
+              <a:t>print</a:t>
+            </a:r>
+            <a:r>
+              <a:rPr lang="pt-BR" sz="2400" dirty="0">
+                <a:latin typeface="Times New Roman" panose="02020603050405020304" pitchFamily="18" charset="0"/>
+                <a:cs typeface="Times New Roman" panose="02020603050405020304" pitchFamily="18" charset="0"/>
+              </a:rPr>
+              <a:t>(</a:t>
+            </a:r>
+            <a:r>
+              <a:rPr lang="pt-BR" sz="2400" dirty="0" err="1">
+                <a:latin typeface="Times New Roman" panose="02020603050405020304" pitchFamily="18" charset="0"/>
+                <a:cs typeface="Times New Roman" panose="02020603050405020304" pitchFamily="18" charset="0"/>
+              </a:rPr>
+              <a:t>umCliente</a:t>
+            </a:r>
+            <a:r>
+              <a:rPr lang="pt-BR" sz="2400" dirty="0">
+                <a:latin typeface="Times New Roman" panose="02020603050405020304" pitchFamily="18" charset="0"/>
+                <a:cs typeface="Times New Roman" panose="02020603050405020304" pitchFamily="18" charset="0"/>
+              </a:rPr>
+              <a:t>)</a:t>
+            </a:r>
+          </a:p>
+          <a:p>
+            <a:r>
+              <a:rPr lang="pt-BR" sz="2400" b="1" dirty="0">
+                <a:latin typeface="Times New Roman" panose="02020603050405020304" pitchFamily="18" charset="0"/>
+                <a:cs typeface="Times New Roman" panose="02020603050405020304" pitchFamily="18" charset="0"/>
+              </a:rPr>
+              <a:t>print</a:t>
+            </a:r>
+            <a:r>
+              <a:rPr lang="pt-BR" sz="2400" dirty="0">
+                <a:latin typeface="Times New Roman" panose="02020603050405020304" pitchFamily="18" charset="0"/>
+                <a:cs typeface="Times New Roman" panose="02020603050405020304" pitchFamily="18" charset="0"/>
+              </a:rPr>
+              <a:t>(</a:t>
+            </a:r>
+            <a:r>
+              <a:rPr lang="pt-BR" sz="2400" b="1" dirty="0" err="1">
+                <a:solidFill>
+                  <a:srgbClr val="FF0000"/>
+                </a:solidFill>
+                <a:latin typeface="Times New Roman" panose="02020603050405020304" pitchFamily="18" charset="0"/>
+                <a:cs typeface="Times New Roman" panose="02020603050405020304" pitchFamily="18" charset="0"/>
+              </a:rPr>
+              <a:t>struct</a:t>
+            </a:r>
+            <a:r>
+              <a:rPr lang="pt-BR" sz="2400" dirty="0" err="1">
+                <a:latin typeface="Times New Roman" panose="02020603050405020304" pitchFamily="18" charset="0"/>
+                <a:cs typeface="Times New Roman" panose="02020603050405020304" pitchFamily="18" charset="0"/>
+              </a:rPr>
+              <a:t>.</a:t>
+            </a:r>
+            <a:r>
+              <a:rPr lang="pt-BR" sz="2400" b="1" dirty="0" err="1">
+                <a:latin typeface="Times New Roman" panose="02020603050405020304" pitchFamily="18" charset="0"/>
+                <a:cs typeface="Times New Roman" panose="02020603050405020304" pitchFamily="18" charset="0"/>
+              </a:rPr>
+              <a:t>unpack</a:t>
+            </a:r>
+            <a:r>
+              <a:rPr lang="pt-BR" sz="2400" dirty="0">
+                <a:latin typeface="Times New Roman" panose="02020603050405020304" pitchFamily="18" charset="0"/>
+                <a:cs typeface="Times New Roman" panose="02020603050405020304" pitchFamily="18" charset="0"/>
               </a:rPr>
               <a:t>(Cliente, </a:t>
             </a:r>
             <a:r>
               <a:rPr lang="pt-BR" sz="2400" dirty="0" err="1">
-                <a:latin typeface="Arial" panose="020B0604020202020204" pitchFamily="34" charset="0"/>
-                <a:cs typeface="Arial" panose="020B0604020202020204" pitchFamily="34" charset="0"/>
-              </a:rPr>
-              <a:t>b"Fulano</a:t>
+                <a:latin typeface="Times New Roman" panose="02020603050405020304" pitchFamily="18" charset="0"/>
+                <a:cs typeface="Times New Roman" panose="02020603050405020304" pitchFamily="18" charset="0"/>
+              </a:rPr>
+              <a:t>umCliente</a:t>
             </a:r>
             <a:r>
               <a:rPr lang="pt-BR" sz="2400" dirty="0">
-                <a:latin typeface="Arial" panose="020B0604020202020204" pitchFamily="34" charset="0"/>
-                <a:cs typeface="Arial" panose="020B0604020202020204" pitchFamily="34" charset="0"/>
-              </a:rPr>
-              <a:t>", 0, 2, b’123456789001, 5000.00, 3)</a:t>
-            </a:r>
-          </a:p>
-          <a:p>
-            <a:r>
-              <a:rPr lang="pt-BR" sz="2400" b="1" dirty="0">
-                <a:latin typeface="Arial" panose="020B0604020202020204" pitchFamily="34" charset="0"/>
-                <a:cs typeface="Arial" panose="020B0604020202020204" pitchFamily="34" charset="0"/>
-              </a:rPr>
-              <a:t>print</a:t>
-            </a:r>
-            <a:r>
-              <a:rPr lang="pt-BR" sz="2400" dirty="0">
-                <a:latin typeface="Arial" panose="020B0604020202020204" pitchFamily="34" charset="0"/>
-                <a:cs typeface="Arial" panose="020B0604020202020204" pitchFamily="34" charset="0"/>
-              </a:rPr>
-              <a:t>(</a:t>
-            </a:r>
-            <a:r>
-              <a:rPr lang="pt-BR" sz="2400" dirty="0" err="1">
-                <a:latin typeface="Arial" panose="020B0604020202020204" pitchFamily="34" charset="0"/>
-                <a:cs typeface="Arial" panose="020B0604020202020204" pitchFamily="34" charset="0"/>
-              </a:rPr>
-              <a:t>umCliente</a:t>
-            </a:r>
-            <a:r>
-              <a:rPr lang="pt-BR" sz="2400" dirty="0">
-                <a:latin typeface="Arial" panose="020B0604020202020204" pitchFamily="34" charset="0"/>
-                <a:cs typeface="Arial" panose="020B0604020202020204" pitchFamily="34" charset="0"/>
-              </a:rPr>
-              <a:t>)</a:t>
-            </a:r>
-          </a:p>
-          <a:p>
-            <a:r>
-              <a:rPr lang="pt-BR" sz="2400" b="1" dirty="0">
-                <a:latin typeface="Arial" panose="020B0604020202020204" pitchFamily="34" charset="0"/>
-                <a:cs typeface="Arial" panose="020B0604020202020204" pitchFamily="34" charset="0"/>
-              </a:rPr>
-              <a:t>print</a:t>
-            </a:r>
-            <a:r>
-              <a:rPr lang="pt-BR" sz="2400" dirty="0">
-                <a:latin typeface="Arial" panose="020B0604020202020204" pitchFamily="34" charset="0"/>
-                <a:cs typeface="Arial" panose="020B0604020202020204" pitchFamily="34" charset="0"/>
-              </a:rPr>
-              <a:t>(</a:t>
-            </a:r>
-            <a:r>
-              <a:rPr lang="pt-BR" sz="2400" b="1" dirty="0" err="1">
-                <a:solidFill>
-                  <a:srgbClr val="FF0000"/>
-                </a:solidFill>
-                <a:latin typeface="Arial" panose="020B0604020202020204" pitchFamily="34" charset="0"/>
-                <a:cs typeface="Arial" panose="020B0604020202020204" pitchFamily="34" charset="0"/>
-              </a:rPr>
-              <a:t>struct</a:t>
-            </a:r>
-            <a:r>
-              <a:rPr lang="pt-BR" sz="2400" dirty="0" err="1">
-                <a:latin typeface="Arial" panose="020B0604020202020204" pitchFamily="34" charset="0"/>
-                <a:cs typeface="Arial" panose="020B0604020202020204" pitchFamily="34" charset="0"/>
-              </a:rPr>
-              <a:t>.</a:t>
-            </a:r>
-            <a:r>
-              <a:rPr lang="pt-BR" sz="2400" b="1" dirty="0" err="1">
-                <a:latin typeface="Arial" panose="020B0604020202020204" pitchFamily="34" charset="0"/>
-                <a:cs typeface="Arial" panose="020B0604020202020204" pitchFamily="34" charset="0"/>
-              </a:rPr>
-              <a:t>unpack</a:t>
-            </a:r>
-            <a:r>
-              <a:rPr lang="pt-BR" sz="2400" dirty="0">
-                <a:latin typeface="Arial" panose="020B0604020202020204" pitchFamily="34" charset="0"/>
-                <a:cs typeface="Arial" panose="020B0604020202020204" pitchFamily="34" charset="0"/>
-              </a:rPr>
-              <a:t>(Cliente, </a:t>
-            </a:r>
-            <a:r>
-              <a:rPr lang="pt-BR" sz="2400" dirty="0" err="1">
-                <a:latin typeface="Arial" panose="020B0604020202020204" pitchFamily="34" charset="0"/>
-                <a:cs typeface="Arial" panose="020B0604020202020204" pitchFamily="34" charset="0"/>
-              </a:rPr>
-              <a:t>umCliente</a:t>
-            </a:r>
-            <a:r>
-              <a:rPr lang="pt-BR" sz="2400" dirty="0">
-                <a:latin typeface="Arial" panose="020B0604020202020204" pitchFamily="34" charset="0"/>
-                <a:cs typeface="Arial" panose="020B0604020202020204" pitchFamily="34" charset="0"/>
+                <a:latin typeface="Times New Roman" panose="02020603050405020304" pitchFamily="18" charset="0"/>
+                <a:cs typeface="Times New Roman" panose="02020603050405020304" pitchFamily="18" charset="0"/>
               </a:rPr>
               <a:t>))</a:t>
             </a:r>
@@ -9677,7 +9891,7 @@
               <a:buChar char="§"/>
             </a:pPr>
             <a:r>
-              <a:rPr lang="pt-BR" b="1" dirty="0">
+              <a:rPr lang="pt-BR" sz="2400" b="1" dirty="0">
                 <a:solidFill>
                   <a:srgbClr val="FF0000"/>
                 </a:solidFill>
@@ -9687,21 +9901,21 @@
               <a:t> Registos </a:t>
             </a:r>
             <a:r>
-              <a:rPr lang="pt-BR" b="1" dirty="0">
+              <a:rPr lang="pt-BR" sz="2400" b="1" dirty="0">
                 <a:latin typeface="Times New Roman" panose="02020603050405020304" pitchFamily="18" charset="0"/>
                 <a:cs typeface="Times New Roman" panose="02020603050405020304" pitchFamily="18" charset="0"/>
               </a:rPr>
               <a:t>em </a:t>
             </a:r>
             <a:r>
-              <a:rPr lang="pt-BR" b="1" dirty="0" err="1">
+              <a:rPr lang="pt-BR" sz="2400" b="1" dirty="0" err="1">
                 <a:latin typeface="Times New Roman" panose="02020603050405020304" pitchFamily="18" charset="0"/>
                 <a:cs typeface="Times New Roman" panose="02020603050405020304" pitchFamily="18" charset="0"/>
               </a:rPr>
               <a:t>Pyhton</a:t>
             </a:r>
             <a:r>
-              <a:rPr lang="pt-BR" dirty="0">
+              <a:rPr lang="pt-BR" sz="2400" dirty="0">
                 <a:solidFill>
                   <a:schemeClr val="tx1"/>
                 </a:solidFill>
@@ -9716,7 +9930,7 @@
               <a:buNone/>
             </a:pPr>
             <a:r>
-              <a:rPr lang="pt-BR" dirty="0">
+              <a:rPr lang="pt-BR" sz="2400" dirty="0">
                 <a:solidFill>
                   <a:schemeClr val="tx1"/>
                 </a:solidFill>
@@ -9726,7 +9940,7 @@
               <a:t>– </a:t>
             </a:r>
             <a:r>
-              <a:rPr lang="pt-BR" b="1" dirty="0">
+              <a:rPr lang="pt-BR" sz="2400" b="1" dirty="0">
                 <a:solidFill>
                   <a:schemeClr val="tx1"/>
                 </a:solidFill>
@@ -9736,7 +9950,7 @@
               <a:t>Foco primário</a:t>
             </a:r>
             <a:r>
-              <a:rPr lang="pt-BR" dirty="0">
+              <a:rPr lang="pt-BR" sz="2400" dirty="0">
                 <a:solidFill>
                   <a:schemeClr val="tx1"/>
                 </a:solidFill>
@@ -9746,7 +9960,7 @@
               <a:t>: trocar dados com C/C++, </a:t>
             </a:r>
             <a:r>
-              <a:rPr lang="pt-BR" dirty="0" err="1">
+              <a:rPr lang="pt-BR" sz="2400" dirty="0" err="1">
                 <a:solidFill>
                   <a:schemeClr val="tx1"/>
                 </a:solidFill>
@@ -9755,7 +9969,7 @@
               </a:rPr>
               <a:t>etc</a:t>
             </a:r>
-            <a:endParaRPr lang="pt-BR" dirty="0">
+            <a:endParaRPr lang="pt-BR" sz="2400" dirty="0">
               <a:solidFill>
                 <a:schemeClr val="tx1"/>
               </a:solidFill>
@@ -9767,7 +9981,7 @@
             <a:pPr marL="0" indent="0" algn="just">
               <a:buNone/>
             </a:pPr>
-            <a:endParaRPr lang="pt-BR" dirty="0">
+            <a:endParaRPr lang="pt-BR" sz="2400" dirty="0">
               <a:solidFill>
                 <a:schemeClr val="tx1"/>
               </a:solidFill>
@@ -9781,14 +9995,14 @@
               <a:buChar char="§"/>
             </a:pPr>
             <a:r>
-              <a:rPr lang="pt-BR" dirty="0">
+              <a:rPr lang="pt-BR" sz="2400" dirty="0">
                 <a:latin typeface="Times New Roman" panose="02020603050405020304" pitchFamily="18" charset="0"/>
                 <a:cs typeface="Times New Roman" panose="02020603050405020304" pitchFamily="18" charset="0"/>
               </a:rPr>
               <a:t> </a:t>
             </a:r>
             <a:r>
-              <a:rPr lang="pt-BR" b="1" dirty="0">
+              <a:rPr lang="pt-BR" sz="2400" b="1" dirty="0">
                 <a:solidFill>
                   <a:srgbClr val="FF0000"/>
                 </a:solidFill>
@@ -9798,7 +10012,7 @@
               <a:t>Como guardar dados organizados em Python</a:t>
             </a:r>
             <a:r>
-              <a:rPr lang="pt-BR" dirty="0">
+              <a:rPr lang="pt-BR" sz="2400" dirty="0">
                 <a:solidFill>
                   <a:schemeClr val="tx1"/>
                 </a:solidFill>
@@ -9813,7 +10027,7 @@
               <a:buNone/>
             </a:pPr>
             <a:r>
-              <a:rPr lang="pt-BR" dirty="0">
+              <a:rPr lang="pt-BR" sz="2400" dirty="0">
                 <a:solidFill>
                   <a:schemeClr val="tx1"/>
                 </a:solidFill>
@@ -9823,7 +10037,7 @@
               <a:t>– </a:t>
             </a:r>
             <a:r>
-              <a:rPr lang="pt-BR" b="1" dirty="0">
+              <a:rPr lang="pt-BR" sz="2400" b="1" dirty="0">
                 <a:solidFill>
                   <a:schemeClr val="tx1"/>
                 </a:solidFill>
@@ -9833,7 +10047,7 @@
               <a:t>Forma mais conveniente</a:t>
             </a:r>
             <a:r>
-              <a:rPr lang="pt-BR" dirty="0">
+              <a:rPr lang="pt-BR" sz="2400" dirty="0">
                 <a:solidFill>
                   <a:schemeClr val="tx1"/>
                 </a:solidFill>
@@ -9843,7 +10057,7 @@
               <a:t>... </a:t>
             </a:r>
             <a:r>
-              <a:rPr lang="pt-BR" b="1" dirty="0" err="1">
+              <a:rPr lang="pt-BR" sz="2400" b="1" dirty="0" err="1">
                 <a:solidFill>
                   <a:srgbClr val="FF0000"/>
                 </a:solidFill>
@@ -9853,7 +10067,7 @@
               <a:t>Tuplas</a:t>
             </a:r>
             <a:r>
-              <a:rPr lang="pt-BR" b="1" dirty="0">
+              <a:rPr lang="pt-BR" sz="2400" b="1" dirty="0">
                 <a:solidFill>
                   <a:srgbClr val="FF0000"/>
                 </a:solidFill>
@@ -9863,7 +10077,7 @@
               <a:t> nomeadas</a:t>
             </a:r>
             <a:r>
-              <a:rPr lang="pt-BR" dirty="0">
+              <a:rPr lang="pt-BR" sz="2400" dirty="0">
                 <a:solidFill>
                   <a:schemeClr val="tx1"/>
                 </a:solidFill>
@@ -10006,7 +10220,7 @@
               <a:buChar char="§"/>
             </a:pPr>
             <a:r>
-              <a:rPr lang="pt-BR" sz="3200" b="1" dirty="0">
+              <a:rPr lang="pt-BR" sz="2400" b="1" dirty="0">
                 <a:solidFill>
                   <a:srgbClr val="FF0000"/>
                 </a:solidFill>
@@ -10016,7 +10230,7 @@
               <a:t> </a:t>
             </a:r>
             <a:r>
-              <a:rPr lang="pt-BR" sz="3200" b="1" dirty="0" err="1">
+              <a:rPr lang="pt-BR" sz="2400" b="1" dirty="0" err="1">
                 <a:solidFill>
                   <a:srgbClr val="FF0000"/>
                 </a:solidFill>
@@ -10026,21 +10240,21 @@
               <a:t>Tuplas</a:t>
             </a:r>
             <a:r>
-              <a:rPr lang="pt-BR" sz="3200" b="1" dirty="0">
+              <a:rPr lang="pt-BR" sz="2400" b="1" dirty="0">
                 <a:latin typeface="Times New Roman" panose="02020603050405020304" pitchFamily="18" charset="0"/>
                 <a:cs typeface="Times New Roman" panose="02020603050405020304" pitchFamily="18" charset="0"/>
               </a:rPr>
               <a:t> - Agrupamentos</a:t>
             </a:r>
             <a:r>
-              <a:rPr lang="pt-BR" sz="3200" dirty="0">
+              <a:rPr lang="pt-BR" sz="2400" dirty="0">
                 <a:latin typeface="Times New Roman" panose="02020603050405020304" pitchFamily="18" charset="0"/>
                 <a:cs typeface="Times New Roman" panose="02020603050405020304" pitchFamily="18" charset="0"/>
               </a:rPr>
               <a:t> de dados </a:t>
             </a:r>
             <a:r>
-              <a:rPr lang="pt-BR" sz="3200" b="1" dirty="0">
+              <a:rPr lang="pt-BR" sz="2400" b="1" dirty="0">
                 <a:solidFill>
                   <a:srgbClr val="FF0000"/>
                 </a:solidFill>
@@ -10055,14 +10269,14 @@
               <a:buNone/>
             </a:pPr>
             <a:r>
-              <a:rPr lang="pt-BR" sz="3200" dirty="0">
+              <a:rPr lang="pt-BR" sz="2400" dirty="0">
                 <a:latin typeface="Times New Roman" panose="02020603050405020304" pitchFamily="18" charset="0"/>
                 <a:cs typeface="Times New Roman" panose="02020603050405020304" pitchFamily="18" charset="0"/>
               </a:rPr>
               <a:t>– Existe em Python, F#</a:t>
             </a:r>
             <a:r>
-              <a:rPr lang="pt-BR" sz="3200" dirty="0">
+              <a:rPr lang="pt-BR" sz="2400" dirty="0">
                 <a:solidFill>
                   <a:schemeClr val="tx1"/>
                 </a:solidFill>
@@ -10072,7 +10286,7 @@
               <a:t> (F Sharp .NET), </a:t>
             </a:r>
             <a:r>
-              <a:rPr lang="pt-BR" sz="3200" dirty="0" err="1">
+              <a:rPr lang="pt-BR" sz="2400" dirty="0" err="1">
                 <a:solidFill>
                   <a:schemeClr val="tx1"/>
                 </a:solidFill>
@@ -10082,7 +10296,7 @@
               <a:t>etc</a:t>
             </a:r>
             <a:r>
-              <a:rPr lang="pt-BR" sz="3200" dirty="0">
+              <a:rPr lang="pt-BR" sz="2400" dirty="0">
                 <a:latin typeface="Times New Roman" panose="02020603050405020304" pitchFamily="18" charset="0"/>
                 <a:cs typeface="Times New Roman" panose="02020603050405020304" pitchFamily="18" charset="0"/>
               </a:rPr>
@@ -10094,28 +10308,28 @@
               <a:buNone/>
             </a:pPr>
             <a:r>
-              <a:rPr lang="pt-BR" sz="3200" dirty="0">
+              <a:rPr lang="pt-BR" sz="2400" dirty="0">
                 <a:latin typeface="Times New Roman" panose="02020603050405020304" pitchFamily="18" charset="0"/>
                 <a:cs typeface="Times New Roman" panose="02020603050405020304" pitchFamily="18" charset="0"/>
               </a:rPr>
               <a:t>– É como definir um </a:t>
             </a:r>
             <a:r>
-              <a:rPr lang="pt-BR" sz="3200" b="1" dirty="0">
+              <a:rPr lang="pt-BR" sz="2400" b="1" dirty="0">
                 <a:latin typeface="Times New Roman" panose="02020603050405020304" pitchFamily="18" charset="0"/>
                 <a:cs typeface="Times New Roman" panose="02020603050405020304" pitchFamily="18" charset="0"/>
               </a:rPr>
               <a:t>registro</a:t>
             </a:r>
             <a:r>
-              <a:rPr lang="pt-BR" sz="3200" dirty="0">
+              <a:rPr lang="pt-BR" sz="2400" dirty="0">
                 <a:latin typeface="Times New Roman" panose="02020603050405020304" pitchFamily="18" charset="0"/>
                 <a:cs typeface="Times New Roman" panose="02020603050405020304" pitchFamily="18" charset="0"/>
               </a:rPr>
               <a:t>, porém </a:t>
             </a:r>
             <a:r>
-              <a:rPr lang="pt-BR" sz="3200" b="1" dirty="0">
+              <a:rPr lang="pt-BR" sz="2400" b="1" dirty="0">
                 <a:solidFill>
                   <a:srgbClr val="FF0000"/>
                 </a:solidFill>
@@ -10125,12 +10339,21 @@
               <a:t>imutável</a:t>
             </a:r>
             <a:r>
-              <a:rPr lang="pt-BR" sz="3200" dirty="0">
+              <a:rPr lang="pt-BR" sz="2400" dirty="0">
                 <a:latin typeface="Times New Roman" panose="02020603050405020304" pitchFamily="18" charset="0"/>
                 <a:cs typeface="Times New Roman" panose="02020603050405020304" pitchFamily="18" charset="0"/>
               </a:rPr>
               <a:t> </a:t>
             </a:r>
+          </a:p>
+          <a:p>
+            <a:pPr marL="0" indent="0" algn="just">
+              <a:buNone/>
+            </a:pPr>
+            <a:endParaRPr lang="pt-BR" sz="2400" dirty="0">
+              <a:latin typeface="Times New Roman" panose="02020603050405020304" pitchFamily="18" charset="0"/>
+              <a:cs typeface="Times New Roman" panose="02020603050405020304" pitchFamily="18" charset="0"/>
+            </a:endParaRPr>
           </a:p>
           <a:p>
             <a:pPr algn="just">
@@ -10138,21 +10361,21 @@
               <a:buChar char="§"/>
             </a:pPr>
             <a:r>
-              <a:rPr lang="pt-BR" sz="3200" dirty="0">
+              <a:rPr lang="pt-BR" sz="2400" dirty="0">
                 <a:latin typeface="Times New Roman" panose="02020603050405020304" pitchFamily="18" charset="0"/>
                 <a:cs typeface="Times New Roman" panose="02020603050405020304" pitchFamily="18" charset="0"/>
               </a:rPr>
               <a:t> Em </a:t>
             </a:r>
             <a:r>
-              <a:rPr lang="pt-BR" sz="3200" b="1" dirty="0">
+              <a:rPr lang="pt-BR" sz="2400" b="1" dirty="0">
                 <a:latin typeface="Times New Roman" panose="02020603050405020304" pitchFamily="18" charset="0"/>
                 <a:cs typeface="Times New Roman" panose="02020603050405020304" pitchFamily="18" charset="0"/>
               </a:rPr>
               <a:t>Python</a:t>
             </a:r>
             <a:r>
-              <a:rPr lang="pt-BR" sz="3200" dirty="0">
+              <a:rPr lang="pt-BR" sz="2400" dirty="0">
                 <a:latin typeface="Times New Roman" panose="02020603050405020304" pitchFamily="18" charset="0"/>
                 <a:cs typeface="Times New Roman" panose="02020603050405020304" pitchFamily="18" charset="0"/>
               </a:rPr>
@@ -10164,14 +10387,14 @@
               <a:buNone/>
             </a:pPr>
             <a:r>
-              <a:rPr lang="pt-BR" sz="3200" dirty="0">
+              <a:rPr lang="pt-BR" sz="2400" dirty="0">
                 <a:latin typeface="Times New Roman" panose="02020603050405020304" pitchFamily="18" charset="0"/>
                 <a:cs typeface="Times New Roman" panose="02020603050405020304" pitchFamily="18" charset="0"/>
               </a:rPr>
               <a:t>– Definido por</a:t>
             </a:r>
             <a:r>
-              <a:rPr lang="pt-BR" sz="3200" b="1" dirty="0">
+              <a:rPr lang="pt-BR" sz="2400" b="1" dirty="0">
                 <a:solidFill>
                   <a:srgbClr val="FF0000"/>
                 </a:solidFill>
@@ -10181,7 +10404,7 @@
               <a:t> parênteses</a:t>
             </a:r>
             <a:r>
-              <a:rPr lang="pt-BR" sz="3200" dirty="0">
+              <a:rPr lang="pt-BR" sz="2400" dirty="0">
                 <a:latin typeface="Times New Roman" panose="02020603050405020304" pitchFamily="18" charset="0"/>
                 <a:cs typeface="Times New Roman" panose="02020603050405020304" pitchFamily="18" charset="0"/>
               </a:rPr>
@@ -10192,7 +10415,7 @@
             <a:pPr marL="0" indent="0" algn="just">
               <a:buNone/>
             </a:pPr>
-            <a:endParaRPr lang="pt-BR" sz="3200" dirty="0">
+            <a:endParaRPr lang="pt-BR" sz="2400" dirty="0">
               <a:solidFill>
                 <a:schemeClr val="tx1"/>
               </a:solidFill>
@@ -10332,7 +10555,7 @@
               <a:buNone/>
             </a:pPr>
             <a:r>
-              <a:rPr lang="pt-BR" sz="3200" b="1" dirty="0">
+              <a:rPr lang="pt-BR" sz="2400" b="1" dirty="0">
                 <a:solidFill>
                   <a:srgbClr val="FF0000"/>
                 </a:solidFill>
@@ -10342,21 +10565,21 @@
               <a:t>Exemplo1</a:t>
             </a:r>
             <a:r>
-              <a:rPr lang="pt-BR" sz="3200" dirty="0">
+              <a:rPr lang="pt-BR" sz="2400" dirty="0">
                 <a:latin typeface="Times New Roman" panose="02020603050405020304" pitchFamily="18" charset="0"/>
                 <a:cs typeface="Times New Roman" panose="02020603050405020304" pitchFamily="18" charset="0"/>
               </a:rPr>
               <a:t>: </a:t>
             </a:r>
             <a:r>
-              <a:rPr lang="pt-BR" sz="3200" b="1" dirty="0" err="1">
+              <a:rPr lang="pt-BR" sz="2400" b="1" dirty="0" err="1">
                 <a:latin typeface="Times New Roman" panose="02020603050405020304" pitchFamily="18" charset="0"/>
                 <a:cs typeface="Times New Roman" panose="02020603050405020304" pitchFamily="18" charset="0"/>
               </a:rPr>
               <a:t>Tupla</a:t>
             </a:r>
             <a:r>
-              <a:rPr lang="pt-BR" sz="3200" b="1" dirty="0">
+              <a:rPr lang="pt-BR" sz="2400" b="1" dirty="0">
                 <a:latin typeface="Times New Roman" panose="02020603050405020304" pitchFamily="18" charset="0"/>
                 <a:cs typeface="Times New Roman" panose="02020603050405020304" pitchFamily="18" charset="0"/>
               </a:rPr>
@@ -10367,59 +10590,7 @@
             <a:pPr marL="0" indent="0" algn="just">
               <a:buNone/>
             </a:pPr>
-            <a:r>
-              <a:rPr lang="pt-BR" sz="3200" dirty="0" err="1">
-                <a:latin typeface="Times New Roman" panose="02020603050405020304" pitchFamily="18" charset="0"/>
-                <a:cs typeface="Times New Roman" panose="02020603050405020304" pitchFamily="18" charset="0"/>
-              </a:rPr>
-              <a:t>umaTupla</a:t>
-            </a:r>
-            <a:r>
-              <a:rPr lang="pt-BR" sz="3200" dirty="0">
-                <a:latin typeface="Times New Roman" panose="02020603050405020304" pitchFamily="18" charset="0"/>
-                <a:cs typeface="Times New Roman" panose="02020603050405020304" pitchFamily="18" charset="0"/>
-              </a:rPr>
-              <a:t> = (15, 9.4, “pera”)</a:t>
-            </a:r>
-          </a:p>
-          <a:p>
-            <a:pPr marL="0" indent="0" algn="just">
-              <a:buNone/>
-            </a:pPr>
-            <a:r>
-              <a:rPr lang="pt-BR" sz="3200" b="1" dirty="0">
-                <a:latin typeface="Times New Roman" panose="02020603050405020304" pitchFamily="18" charset="0"/>
-                <a:cs typeface="Times New Roman" panose="02020603050405020304" pitchFamily="18" charset="0"/>
-              </a:rPr>
-              <a:t>print</a:t>
-            </a:r>
-            <a:r>
-              <a:rPr lang="pt-BR" sz="3200" dirty="0">
-                <a:latin typeface="Times New Roman" panose="02020603050405020304" pitchFamily="18" charset="0"/>
-                <a:cs typeface="Times New Roman" panose="02020603050405020304" pitchFamily="18" charset="0"/>
-              </a:rPr>
-              <a:t>(</a:t>
-            </a:r>
-            <a:r>
-              <a:rPr lang="pt-BR" sz="3200" dirty="0" err="1">
-                <a:latin typeface="Times New Roman" panose="02020603050405020304" pitchFamily="18" charset="0"/>
-                <a:cs typeface="Times New Roman" panose="02020603050405020304" pitchFamily="18" charset="0"/>
-              </a:rPr>
-              <a:t>umaTupla</a:t>
-            </a:r>
-            <a:r>
-              <a:rPr lang="pt-BR" sz="3200" dirty="0">
-                <a:latin typeface="Times New Roman" panose="02020603050405020304" pitchFamily="18" charset="0"/>
-                <a:cs typeface="Times New Roman" panose="02020603050405020304" pitchFamily="18" charset="0"/>
-              </a:rPr>
-              <a:t>)</a:t>
-            </a:r>
-          </a:p>
-          <a:p>
-            <a:pPr marL="0" indent="0" algn="just">
-              <a:buNone/>
-            </a:pPr>
-            <a:endParaRPr lang="pt-BR" sz="3200" dirty="0">
+            <a:endParaRPr lang="pt-BR" sz="2400" dirty="0">
               <a:latin typeface="Times New Roman" panose="02020603050405020304" pitchFamily="18" charset="0"/>
               <a:cs typeface="Times New Roman" panose="02020603050405020304" pitchFamily="18" charset="0"/>
             </a:endParaRPr>
@@ -10428,7 +10599,96 @@
             <a:pPr marL="0" indent="0" algn="just">
               <a:buNone/>
             </a:pPr>
-            <a:endParaRPr lang="pt-BR" sz="3200" dirty="0">
+            <a:r>
+              <a:rPr lang="pt-BR" sz="2400" dirty="0" err="1">
+                <a:latin typeface="Times New Roman" panose="02020603050405020304" pitchFamily="18" charset="0"/>
+                <a:cs typeface="Times New Roman" panose="02020603050405020304" pitchFamily="18" charset="0"/>
+              </a:rPr>
+              <a:t>umaTupla</a:t>
+            </a:r>
+            <a:r>
+              <a:rPr lang="pt-BR" sz="2400" dirty="0">
+                <a:latin typeface="Times New Roman" panose="02020603050405020304" pitchFamily="18" charset="0"/>
+                <a:cs typeface="Times New Roman" panose="02020603050405020304" pitchFamily="18" charset="0"/>
+              </a:rPr>
+              <a:t> = (15, 9.4, </a:t>
+            </a:r>
+            <a:r>
+              <a:rPr lang="en-US" sz="2400" dirty="0">
+                <a:latin typeface="Times New Roman" panose="02020603050405020304" pitchFamily="18" charset="0"/>
+                <a:cs typeface="Times New Roman" panose="02020603050405020304" pitchFamily="18" charset="0"/>
+              </a:rPr>
+              <a:t>'</a:t>
+            </a:r>
+            <a:r>
+              <a:rPr lang="pt-BR" sz="2400" dirty="0">
+                <a:latin typeface="Times New Roman" panose="02020603050405020304" pitchFamily="18" charset="0"/>
+                <a:cs typeface="Times New Roman" panose="02020603050405020304" pitchFamily="18" charset="0"/>
+              </a:rPr>
+              <a:t>pera</a:t>
+            </a:r>
+            <a:r>
+              <a:rPr lang="en-US" sz="2400" dirty="0">
+                <a:latin typeface="Times New Roman" panose="02020603050405020304" pitchFamily="18" charset="0"/>
+                <a:cs typeface="Times New Roman" panose="02020603050405020304" pitchFamily="18" charset="0"/>
+              </a:rPr>
+              <a:t>'</a:t>
+            </a:r>
+            <a:r>
+              <a:rPr lang="pt-BR" sz="2400" dirty="0">
+                <a:latin typeface="Times New Roman" panose="02020603050405020304" pitchFamily="18" charset="0"/>
+                <a:cs typeface="Times New Roman" panose="02020603050405020304" pitchFamily="18" charset="0"/>
+              </a:rPr>
+              <a:t>)</a:t>
+            </a:r>
+          </a:p>
+          <a:p>
+            <a:pPr marL="0" indent="0" algn="just">
+              <a:buNone/>
+            </a:pPr>
+            <a:r>
+              <a:rPr lang="pt-BR" sz="2400" b="1" dirty="0">
+                <a:latin typeface="Times New Roman" panose="02020603050405020304" pitchFamily="18" charset="0"/>
+                <a:cs typeface="Times New Roman" panose="02020603050405020304" pitchFamily="18" charset="0"/>
+              </a:rPr>
+              <a:t>print</a:t>
+            </a:r>
+            <a:r>
+              <a:rPr lang="pt-BR" sz="2400" dirty="0">
+                <a:latin typeface="Times New Roman" panose="02020603050405020304" pitchFamily="18" charset="0"/>
+                <a:cs typeface="Times New Roman" panose="02020603050405020304" pitchFamily="18" charset="0"/>
+              </a:rPr>
+              <a:t>(</a:t>
+            </a:r>
+            <a:r>
+              <a:rPr lang="pt-BR" sz="2400" dirty="0" err="1">
+                <a:latin typeface="Times New Roman" panose="02020603050405020304" pitchFamily="18" charset="0"/>
+                <a:cs typeface="Times New Roman" panose="02020603050405020304" pitchFamily="18" charset="0"/>
+              </a:rPr>
+              <a:t>umaTupla</a:t>
+            </a:r>
+            <a:r>
+              <a:rPr lang="pt-BR" sz="2400" dirty="0">
+                <a:latin typeface="Times New Roman" panose="02020603050405020304" pitchFamily="18" charset="0"/>
+                <a:cs typeface="Times New Roman" panose="02020603050405020304" pitchFamily="18" charset="0"/>
+              </a:rPr>
+              <a:t>)</a:t>
+            </a:r>
+          </a:p>
+          <a:p>
+            <a:pPr marL="0" indent="0" algn="just">
+              <a:buNone/>
+            </a:pPr>
+            <a:endParaRPr lang="pt-BR" sz="2400" dirty="0">
+              <a:latin typeface="Times New Roman" panose="02020603050405020304" pitchFamily="18" charset="0"/>
+              <a:cs typeface="Times New Roman" panose="02020603050405020304" pitchFamily="18" charset="0"/>
+            </a:endParaRPr>
+          </a:p>
+          <a:p>
+            <a:pPr marL="0" indent="0" algn="just">
+              <a:buNone/>
+            </a:pPr>
+            <a:endParaRPr lang="pt-BR" sz="2400" dirty="0">
               <a:latin typeface="Times New Roman" panose="02020603050405020304" pitchFamily="18" charset="0"/>
               <a:cs typeface="Times New Roman" panose="02020603050405020304" pitchFamily="18" charset="0"/>
             </a:endParaRPr>
@@ -10565,7 +10825,7 @@
               <a:buNone/>
             </a:pPr>
             <a:r>
-              <a:rPr lang="pt-BR" b="1" dirty="0">
+              <a:rPr lang="pt-BR" sz="2400" b="1" dirty="0">
                 <a:solidFill>
                   <a:srgbClr val="FF0000"/>
                 </a:solidFill>
@@ -10575,7 +10835,7 @@
               <a:t>Exemplo2</a:t>
             </a:r>
             <a:r>
-              <a:rPr lang="pt-BR" dirty="0">
+              <a:rPr lang="pt-BR" sz="2400" dirty="0">
                 <a:latin typeface="Times New Roman" panose="02020603050405020304" pitchFamily="18" charset="0"/>
                 <a:cs typeface="Times New Roman" panose="02020603050405020304" pitchFamily="18" charset="0"/>
               </a:rPr>
@@ -10587,11 +10847,67 @@
               <a:buNone/>
             </a:pPr>
             <a:r>
-              <a:rPr lang="pt-BR" dirty="0">
-                <a:latin typeface="Times New Roman" panose="02020603050405020304" pitchFamily="18" charset="0"/>
-                <a:cs typeface="Times New Roman" panose="02020603050405020304" pitchFamily="18" charset="0"/>
-              </a:rPr>
-              <a:t>cliente = (“Julia Cardoso", "01234567890", 7000.0, 17)</a:t>
+              <a:rPr lang="pt-BR" sz="2400" dirty="0">
+                <a:latin typeface="Times New Roman" panose="02020603050405020304" pitchFamily="18" charset="0"/>
+                <a:cs typeface="Times New Roman" panose="02020603050405020304" pitchFamily="18" charset="0"/>
+              </a:rPr>
+              <a:t>cliente = (</a:t>
+            </a:r>
+            <a:r>
+              <a:rPr lang="en-US" sz="2400" dirty="0">
+                <a:latin typeface="Times New Roman" panose="02020603050405020304" pitchFamily="18" charset="0"/>
+                <a:cs typeface="Times New Roman" panose="02020603050405020304" pitchFamily="18" charset="0"/>
+              </a:rPr>
+              <a:t>'</a:t>
+            </a:r>
+            <a:r>
+              <a:rPr lang="pt-BR" sz="2400" dirty="0">
+                <a:latin typeface="Times New Roman" panose="02020603050405020304" pitchFamily="18" charset="0"/>
+                <a:cs typeface="Times New Roman" panose="02020603050405020304" pitchFamily="18" charset="0"/>
+              </a:rPr>
+              <a:t>Julia Cardoso</a:t>
+            </a:r>
+            <a:r>
+              <a:rPr lang="en-US" sz="2400" dirty="0">
+                <a:latin typeface="Times New Roman" panose="02020603050405020304" pitchFamily="18" charset="0"/>
+                <a:cs typeface="Times New Roman" panose="02020603050405020304" pitchFamily="18" charset="0"/>
+              </a:rPr>
+              <a:t>' </a:t>
+            </a:r>
+            <a:r>
+              <a:rPr lang="pt-BR" sz="2400" dirty="0">
+                <a:latin typeface="Times New Roman" panose="02020603050405020304" pitchFamily="18" charset="0"/>
+                <a:cs typeface="Times New Roman" panose="02020603050405020304" pitchFamily="18" charset="0"/>
+              </a:rPr>
+              <a:t>, </a:t>
+            </a:r>
+            <a:r>
+              <a:rPr lang="en-US" sz="2400" dirty="0">
+                <a:latin typeface="Times New Roman" panose="02020603050405020304" pitchFamily="18" charset="0"/>
+                <a:cs typeface="Times New Roman" panose="02020603050405020304" pitchFamily="18" charset="0"/>
+              </a:rPr>
+              <a:t>'</a:t>
+            </a:r>
+            <a:r>
+              <a:rPr lang="pt-BR" sz="2400" dirty="0">
+                <a:latin typeface="Times New Roman" panose="02020603050405020304" pitchFamily="18" charset="0"/>
+                <a:cs typeface="Times New Roman" panose="02020603050405020304" pitchFamily="18" charset="0"/>
+              </a:rPr>
+              <a:t>01234567890</a:t>
+            </a:r>
+            <a:r>
+              <a:rPr lang="en-US" sz="2400" dirty="0">
+                <a:latin typeface="Times New Roman" panose="02020603050405020304" pitchFamily="18" charset="0"/>
+                <a:cs typeface="Times New Roman" panose="02020603050405020304" pitchFamily="18" charset="0"/>
+              </a:rPr>
+              <a:t>' </a:t>
+            </a:r>
+            <a:r>
+              <a:rPr lang="pt-BR" sz="2400" dirty="0">
+                <a:latin typeface="Times New Roman" panose="02020603050405020304" pitchFamily="18" charset="0"/>
+                <a:cs typeface="Times New Roman" panose="02020603050405020304" pitchFamily="18" charset="0"/>
+              </a:rPr>
+              <a:t>, 7000.0, 17)</a:t>
             </a:r>
           </a:p>
           <a:p>
@@ -10599,14 +10915,14 @@
               <a:buNone/>
             </a:pPr>
             <a:r>
-              <a:rPr lang="pt-BR" b="1" dirty="0">
+              <a:rPr lang="pt-BR" sz="2400" b="1" dirty="0">
                 <a:latin typeface="Times New Roman" panose="02020603050405020304" pitchFamily="18" charset="0"/>
                 <a:cs typeface="Times New Roman" panose="02020603050405020304" pitchFamily="18" charset="0"/>
               </a:rPr>
               <a:t>print</a:t>
             </a:r>
             <a:r>
-              <a:rPr lang="pt-BR" dirty="0">
+              <a:rPr lang="pt-BR" sz="2400" dirty="0">
                 <a:latin typeface="Times New Roman" panose="02020603050405020304" pitchFamily="18" charset="0"/>
                 <a:cs typeface="Times New Roman" panose="02020603050405020304" pitchFamily="18" charset="0"/>
               </a:rPr>
@@ -10617,7 +10933,7 @@
             <a:pPr marL="0" indent="0" algn="just">
               <a:buNone/>
             </a:pPr>
-            <a:endParaRPr lang="pt-BR" dirty="0">
+            <a:endParaRPr lang="pt-BR" sz="2400" dirty="0">
               <a:latin typeface="Times New Roman" panose="02020603050405020304" pitchFamily="18" charset="0"/>
               <a:cs typeface="Times New Roman" panose="02020603050405020304" pitchFamily="18" charset="0"/>
             </a:endParaRPr>
@@ -10627,21 +10943,21 @@
               <a:buNone/>
             </a:pPr>
             <a:r>
-              <a:rPr lang="pt-BR" b="1" dirty="0">
+              <a:rPr lang="pt-BR" sz="2400" b="1" dirty="0">
                 <a:latin typeface="Times New Roman" panose="02020603050405020304" pitchFamily="18" charset="0"/>
                 <a:cs typeface="Times New Roman" panose="02020603050405020304" pitchFamily="18" charset="0"/>
               </a:rPr>
               <a:t>Nota</a:t>
             </a:r>
             <a:r>
-              <a:rPr lang="pt-BR" dirty="0">
+              <a:rPr lang="pt-BR" sz="2400" dirty="0">
                 <a:latin typeface="Times New Roman" panose="02020603050405020304" pitchFamily="18" charset="0"/>
                 <a:cs typeface="Times New Roman" panose="02020603050405020304" pitchFamily="18" charset="0"/>
               </a:rPr>
               <a:t>: O acesso é como em </a:t>
             </a:r>
             <a:r>
-              <a:rPr lang="pt-BR" b="1" dirty="0">
+              <a:rPr lang="pt-BR" sz="2400" b="1" dirty="0">
                 <a:solidFill>
                   <a:srgbClr val="FF0000"/>
                 </a:solidFill>
@@ -10656,14 +10972,14 @@
               <a:buNone/>
             </a:pPr>
             <a:r>
-              <a:rPr lang="pt-BR" dirty="0">
+              <a:rPr lang="pt-BR" sz="2400" dirty="0">
                 <a:latin typeface="Times New Roman" panose="02020603050405020304" pitchFamily="18" charset="0"/>
                 <a:cs typeface="Times New Roman" panose="02020603050405020304" pitchFamily="18" charset="0"/>
               </a:rPr>
               <a:t>	   </a:t>
             </a:r>
             <a:r>
-              <a:rPr lang="pt-BR" b="1" dirty="0" err="1">
+              <a:rPr lang="pt-BR" sz="2400" b="1" dirty="0" err="1">
                 <a:solidFill>
                   <a:srgbClr val="FF0000"/>
                 </a:solidFill>
@@ -10673,7 +10989,7 @@
               <a:t>Tupla</a:t>
             </a:r>
             <a:r>
-              <a:rPr lang="pt-BR" dirty="0">
+              <a:rPr lang="pt-BR" sz="2400" dirty="0">
                 <a:latin typeface="Times New Roman" panose="02020603050405020304" pitchFamily="18" charset="0"/>
                 <a:cs typeface="Times New Roman" panose="02020603050405020304" pitchFamily="18" charset="0"/>
               </a:rPr>
@@ -11341,14 +11657,42 @@
               <a:buNone/>
             </a:pPr>
             <a:r>
-              <a:rPr lang="pt-BR" dirty="0">
-                <a:latin typeface="Times New Roman" panose="02020603050405020304" pitchFamily="18" charset="0"/>
-                <a:cs typeface="Times New Roman" panose="02020603050405020304" pitchFamily="18" charset="0"/>
-              </a:rPr>
-              <a:t>cliente[1] = "12345678900" #</a:t>
-            </a:r>
-            <a:r>
-              <a:rPr lang="pt-BR" b="1" dirty="0">
+              <a:rPr lang="pt-BR" sz="2400" dirty="0">
+                <a:latin typeface="Times New Roman" panose="02020603050405020304" pitchFamily="18" charset="0"/>
+                <a:cs typeface="Times New Roman" panose="02020603050405020304" pitchFamily="18" charset="0"/>
+              </a:rPr>
+              <a:t>cliente[1] = </a:t>
+            </a:r>
+            <a:r>
+              <a:rPr lang="en-US" sz="2400" dirty="0">
+                <a:latin typeface="Times New Roman" panose="02020603050405020304" pitchFamily="18" charset="0"/>
+                <a:cs typeface="Times New Roman" panose="02020603050405020304" pitchFamily="18" charset="0"/>
+              </a:rPr>
+              <a:t>'</a:t>
+            </a:r>
+            <a:r>
+              <a:rPr lang="pt-BR" sz="2400" dirty="0">
+                <a:latin typeface="Times New Roman" panose="02020603050405020304" pitchFamily="18" charset="0"/>
+                <a:cs typeface="Times New Roman" panose="02020603050405020304" pitchFamily="18" charset="0"/>
+              </a:rPr>
+              <a:t>12345678900</a:t>
+            </a:r>
+            <a:r>
+              <a:rPr lang="en-US" sz="2400" dirty="0">
+                <a:latin typeface="Times New Roman" panose="02020603050405020304" pitchFamily="18" charset="0"/>
+                <a:cs typeface="Times New Roman" panose="02020603050405020304" pitchFamily="18" charset="0"/>
+              </a:rPr>
+              <a:t>' </a:t>
+            </a:r>
+            <a:r>
+              <a:rPr lang="pt-BR" sz="2400" dirty="0">
+                <a:latin typeface="Times New Roman" panose="02020603050405020304" pitchFamily="18" charset="0"/>
+                <a:cs typeface="Times New Roman" panose="02020603050405020304" pitchFamily="18" charset="0"/>
+              </a:rPr>
+              <a:t> #</a:t>
+            </a:r>
+            <a:r>
+              <a:rPr lang="pt-BR" sz="2400" b="1" dirty="0">
                 <a:solidFill>
                   <a:srgbClr val="FF0000"/>
                 </a:solidFill>
@@ -11358,7 +11702,7 @@
               <a:t>Tupla, </a:t>
             </a:r>
             <a:r>
-              <a:rPr lang="pt-BR" b="1" dirty="0" err="1">
+              <a:rPr lang="pt-BR" sz="2400" b="1" dirty="0" err="1">
                 <a:solidFill>
                   <a:srgbClr val="FF0000"/>
                 </a:solidFill>
@@ -11368,7 +11712,7 @@
               <a:t>error</a:t>
             </a:r>
             <a:r>
-              <a:rPr lang="pt-BR" dirty="0">
+              <a:rPr lang="pt-BR" sz="2400" dirty="0">
                 <a:latin typeface="Times New Roman" panose="02020603050405020304" pitchFamily="18" charset="0"/>
                 <a:cs typeface="Times New Roman" panose="02020603050405020304" pitchFamily="18" charset="0"/>
               </a:rPr>
@@ -11379,7 +11723,7 @@
             <a:pPr marL="0" indent="0" algn="just">
               <a:buNone/>
             </a:pPr>
-            <a:endParaRPr lang="pt-BR" dirty="0">
+            <a:endParaRPr lang="pt-BR" sz="2400" dirty="0">
               <a:latin typeface="Times New Roman" panose="02020603050405020304" pitchFamily="18" charset="0"/>
               <a:cs typeface="Times New Roman" panose="02020603050405020304" pitchFamily="18" charset="0"/>
             </a:endParaRPr>
@@ -11390,7 +11734,7 @@
               <a:buChar char="§"/>
             </a:pPr>
             <a:r>
-              <a:rPr lang="pt-BR" b="1" dirty="0">
+              <a:rPr lang="pt-BR" sz="2400" b="1" dirty="0">
                 <a:solidFill>
                   <a:srgbClr val="FF0000"/>
                 </a:solidFill>
@@ -11400,7 +11744,7 @@
               <a:t>Apagando uma </a:t>
             </a:r>
             <a:r>
-              <a:rPr lang="pt-BR" b="1" dirty="0" err="1">
+              <a:rPr lang="pt-BR" sz="2400" b="1" dirty="0" err="1">
                 <a:solidFill>
                   <a:srgbClr val="FF0000"/>
                 </a:solidFill>
@@ -11410,7 +11754,7 @@
               <a:t>Tupla</a:t>
             </a:r>
             <a:r>
-              <a:rPr lang="pt-BR" b="1" dirty="0">
+              <a:rPr lang="pt-BR" sz="2400" b="1" dirty="0">
                 <a:solidFill>
                   <a:srgbClr val="FF0000"/>
                 </a:solidFill>
@@ -11420,27 +11764,27 @@
               <a:t>: </a:t>
             </a:r>
             <a:r>
-              <a:rPr lang="pt-BR" b="1" dirty="0" err="1">
+              <a:rPr lang="pt-BR" sz="2400" b="1" dirty="0" err="1">
                 <a:latin typeface="Times New Roman" panose="02020603050405020304" pitchFamily="18" charset="0"/>
                 <a:cs typeface="Times New Roman" panose="02020603050405020304" pitchFamily="18" charset="0"/>
               </a:rPr>
               <a:t>del</a:t>
             </a:r>
             <a:r>
-              <a:rPr lang="pt-BR" dirty="0">
+              <a:rPr lang="pt-BR" sz="2400" dirty="0">
                 <a:latin typeface="Times New Roman" panose="02020603050405020304" pitchFamily="18" charset="0"/>
                 <a:cs typeface="Times New Roman" panose="02020603050405020304" pitchFamily="18" charset="0"/>
               </a:rPr>
               <a:t> nome da </a:t>
             </a:r>
             <a:r>
-              <a:rPr lang="pt-BR" dirty="0" err="1">
+              <a:rPr lang="pt-BR" sz="2400" dirty="0" err="1">
                 <a:latin typeface="Times New Roman" panose="02020603050405020304" pitchFamily="18" charset="0"/>
                 <a:cs typeface="Times New Roman" panose="02020603050405020304" pitchFamily="18" charset="0"/>
               </a:rPr>
               <a:t>Tupla</a:t>
             </a:r>
-            <a:endParaRPr lang="pt-BR" dirty="0">
+            <a:endParaRPr lang="pt-BR" sz="2400" dirty="0">
               <a:latin typeface="Times New Roman" panose="02020603050405020304" pitchFamily="18" charset="0"/>
               <a:cs typeface="Times New Roman" panose="02020603050405020304" pitchFamily="18" charset="0"/>
             </a:endParaRPr>
@@ -11450,28 +11794,28 @@
               <a:buNone/>
             </a:pPr>
             <a:r>
-              <a:rPr lang="pt-BR" b="1" dirty="0">
+              <a:rPr lang="pt-BR" sz="2400" b="1" dirty="0">
                 <a:latin typeface="Times New Roman" panose="02020603050405020304" pitchFamily="18" charset="0"/>
                 <a:cs typeface="Times New Roman" panose="02020603050405020304" pitchFamily="18" charset="0"/>
               </a:rPr>
               <a:t>	Exemplo</a:t>
             </a:r>
             <a:r>
-              <a:rPr lang="pt-BR" dirty="0">
+              <a:rPr lang="pt-BR" sz="2400" dirty="0">
                 <a:latin typeface="Times New Roman" panose="02020603050405020304" pitchFamily="18" charset="0"/>
                 <a:cs typeface="Times New Roman" panose="02020603050405020304" pitchFamily="18" charset="0"/>
               </a:rPr>
               <a:t>: </a:t>
             </a:r>
             <a:r>
-              <a:rPr lang="pt-BR" b="1" dirty="0" err="1">
+              <a:rPr lang="pt-BR" sz="2400" b="1" dirty="0" err="1">
                 <a:latin typeface="Times New Roman" panose="02020603050405020304" pitchFamily="18" charset="0"/>
                 <a:cs typeface="Times New Roman" panose="02020603050405020304" pitchFamily="18" charset="0"/>
               </a:rPr>
               <a:t>del</a:t>
             </a:r>
             <a:r>
-              <a:rPr lang="pt-BR" dirty="0">
+              <a:rPr lang="pt-BR" sz="2400" dirty="0">
                 <a:latin typeface="Times New Roman" panose="02020603050405020304" pitchFamily="18" charset="0"/>
                 <a:cs typeface="Times New Roman" panose="02020603050405020304" pitchFamily="18" charset="0"/>
               </a:rPr>
@@ -11611,7 +11955,7 @@
               <a:buChar char="§"/>
             </a:pPr>
             <a:r>
-              <a:rPr lang="pt-BR" b="1" dirty="0" err="1">
+              <a:rPr lang="pt-BR" sz="2000" b="1" dirty="0" err="1">
                 <a:solidFill>
                   <a:srgbClr val="FF0000"/>
                 </a:solidFill>
@@ -11621,7 +11965,7 @@
               <a:t>Tupla</a:t>
             </a:r>
             <a:r>
-              <a:rPr lang="pt-BR" b="1" dirty="0">
+              <a:rPr lang="pt-BR" sz="2000" b="1" dirty="0">
                 <a:solidFill>
                   <a:srgbClr val="FF0000"/>
                 </a:solidFill>
@@ -11636,28 +11980,28 @@
               <a:buNone/>
             </a:pPr>
             <a:r>
-              <a:rPr lang="pt-BR" b="1" dirty="0">
+              <a:rPr lang="pt-BR" sz="2000" b="1" dirty="0">
                 <a:latin typeface="Times New Roman" panose="02020603050405020304" pitchFamily="18" charset="0"/>
                 <a:cs typeface="Times New Roman" panose="02020603050405020304" pitchFamily="18" charset="0"/>
               </a:rPr>
               <a:t>Similar a </a:t>
             </a:r>
             <a:r>
-              <a:rPr lang="pt-BR" b="1" dirty="0" err="1">
+              <a:rPr lang="pt-BR" sz="2000" b="1" dirty="0" err="1">
                 <a:latin typeface="Times New Roman" panose="02020603050405020304" pitchFamily="18" charset="0"/>
                 <a:cs typeface="Times New Roman" panose="02020603050405020304" pitchFamily="18" charset="0"/>
               </a:rPr>
               <a:t>struct</a:t>
             </a:r>
             <a:r>
-              <a:rPr lang="pt-BR" b="1" dirty="0">
+              <a:rPr lang="pt-BR" sz="2000" b="1" dirty="0">
                 <a:latin typeface="Times New Roman" panose="02020603050405020304" pitchFamily="18" charset="0"/>
                 <a:cs typeface="Times New Roman" panose="02020603050405020304" pitchFamily="18" charset="0"/>
               </a:rPr>
               <a:t> em C. </a:t>
             </a:r>
             <a:r>
-              <a:rPr lang="pt-BR" b="1" dirty="0">
+              <a:rPr lang="pt-BR" sz="2000" b="1" dirty="0">
                 <a:solidFill>
                   <a:srgbClr val="FF0000"/>
                 </a:solidFill>
@@ -11672,55 +12016,55 @@
               <a:buNone/>
             </a:pPr>
             <a:r>
-              <a:rPr lang="pt-BR" sz="2400" b="1" dirty="0" err="1">
+              <a:rPr lang="pt-BR" sz="2000" b="1" dirty="0" err="1">
                 <a:latin typeface="Times New Roman" panose="02020603050405020304" pitchFamily="18" charset="0"/>
                 <a:cs typeface="Times New Roman" panose="02020603050405020304" pitchFamily="18" charset="0"/>
               </a:rPr>
               <a:t>from</a:t>
             </a:r>
             <a:r>
-              <a:rPr lang="pt-BR" sz="2400" dirty="0">
+              <a:rPr lang="pt-BR" sz="2000" dirty="0">
                 <a:latin typeface="Times New Roman" panose="02020603050405020304" pitchFamily="18" charset="0"/>
                 <a:cs typeface="Times New Roman" panose="02020603050405020304" pitchFamily="18" charset="0"/>
               </a:rPr>
               <a:t> </a:t>
             </a:r>
             <a:r>
-              <a:rPr lang="pt-BR" sz="2400" dirty="0" err="1">
+              <a:rPr lang="pt-BR" sz="2000" dirty="0" err="1">
                 <a:latin typeface="Times New Roman" panose="02020603050405020304" pitchFamily="18" charset="0"/>
                 <a:cs typeface="Times New Roman" panose="02020603050405020304" pitchFamily="18" charset="0"/>
               </a:rPr>
               <a:t>collections</a:t>
             </a:r>
             <a:r>
-              <a:rPr lang="pt-BR" sz="2400" dirty="0">
+              <a:rPr lang="pt-BR" sz="2000" dirty="0">
                 <a:latin typeface="Times New Roman" panose="02020603050405020304" pitchFamily="18" charset="0"/>
                 <a:cs typeface="Times New Roman" panose="02020603050405020304" pitchFamily="18" charset="0"/>
               </a:rPr>
               <a:t> </a:t>
             </a:r>
             <a:r>
-              <a:rPr lang="pt-BR" sz="2400" b="1" dirty="0" err="1">
+              <a:rPr lang="pt-BR" sz="2000" b="1" dirty="0" err="1">
                 <a:latin typeface="Times New Roman" panose="02020603050405020304" pitchFamily="18" charset="0"/>
                 <a:cs typeface="Times New Roman" panose="02020603050405020304" pitchFamily="18" charset="0"/>
               </a:rPr>
               <a:t>import</a:t>
             </a:r>
             <a:r>
-              <a:rPr lang="pt-BR" sz="2400" dirty="0">
+              <a:rPr lang="pt-BR" sz="2000" dirty="0">
                 <a:latin typeface="Times New Roman" panose="02020603050405020304" pitchFamily="18" charset="0"/>
                 <a:cs typeface="Times New Roman" panose="02020603050405020304" pitchFamily="18" charset="0"/>
               </a:rPr>
               <a:t> </a:t>
             </a:r>
             <a:r>
-              <a:rPr lang="pt-BR" sz="2400" dirty="0" err="1">
+              <a:rPr lang="pt-BR" sz="2000" dirty="0" err="1">
                 <a:latin typeface="Times New Roman" panose="02020603050405020304" pitchFamily="18" charset="0"/>
                 <a:cs typeface="Times New Roman" panose="02020603050405020304" pitchFamily="18" charset="0"/>
               </a:rPr>
               <a:t>namedtuple</a:t>
             </a:r>
-            <a:endParaRPr lang="pt-BR" sz="2400" dirty="0">
+            <a:endParaRPr lang="pt-BR" sz="2000" dirty="0">
               <a:latin typeface="Times New Roman" panose="02020603050405020304" pitchFamily="18" charset="0"/>
               <a:cs typeface="Times New Roman" panose="02020603050405020304" pitchFamily="18" charset="0"/>
             </a:endParaRPr>
@@ -11730,39 +12074,95 @@
               <a:buNone/>
             </a:pPr>
             <a:r>
-              <a:rPr lang="pt-BR" sz="2400" dirty="0">
+              <a:rPr lang="pt-BR" sz="2000" dirty="0">
                 <a:latin typeface="Times New Roman" panose="02020603050405020304" pitchFamily="18" charset="0"/>
                 <a:cs typeface="Times New Roman" panose="02020603050405020304" pitchFamily="18" charset="0"/>
               </a:rPr>
               <a:t>Cliente = </a:t>
             </a:r>
             <a:r>
-              <a:rPr lang="pt-BR" sz="2400" b="1" dirty="0" err="1">
+              <a:rPr lang="pt-BR" sz="2000" b="1" dirty="0" err="1">
                 <a:latin typeface="Times New Roman" panose="02020603050405020304" pitchFamily="18" charset="0"/>
                 <a:cs typeface="Times New Roman" panose="02020603050405020304" pitchFamily="18" charset="0"/>
               </a:rPr>
               <a:t>namedtuple</a:t>
             </a:r>
             <a:r>
-              <a:rPr lang="pt-BR" sz="2400" dirty="0">
-                <a:latin typeface="Times New Roman" panose="02020603050405020304" pitchFamily="18" charset="0"/>
-                <a:cs typeface="Times New Roman" panose="02020603050405020304" pitchFamily="18" charset="0"/>
-              </a:rPr>
-              <a:t>(‘Cliente’, ‘nome </a:t>
-            </a:r>
-            <a:r>
-              <a:rPr lang="pt-BR" sz="2400" dirty="0" err="1">
+              <a:rPr lang="pt-BR" sz="2000" dirty="0">
+                <a:latin typeface="Times New Roman" panose="02020603050405020304" pitchFamily="18" charset="0"/>
+                <a:cs typeface="Times New Roman" panose="02020603050405020304" pitchFamily="18" charset="0"/>
+              </a:rPr>
+              <a:t>(</a:t>
+            </a:r>
+            <a:r>
+              <a:rPr lang="en-US" sz="2000" dirty="0">
+                <a:latin typeface="Times New Roman" panose="02020603050405020304" pitchFamily="18" charset="0"/>
+                <a:cs typeface="Times New Roman" panose="02020603050405020304" pitchFamily="18" charset="0"/>
+              </a:rPr>
+              <a:t>'</a:t>
+            </a:r>
+            <a:r>
+              <a:rPr lang="pt-BR" sz="2000" dirty="0">
+                <a:latin typeface="Times New Roman" panose="02020603050405020304" pitchFamily="18" charset="0"/>
+                <a:cs typeface="Times New Roman" panose="02020603050405020304" pitchFamily="18" charset="0"/>
+              </a:rPr>
+              <a:t>Cliente</a:t>
+            </a:r>
+            <a:r>
+              <a:rPr lang="en-US" sz="2000" dirty="0">
+                <a:latin typeface="Times New Roman" panose="02020603050405020304" pitchFamily="18" charset="0"/>
+                <a:cs typeface="Times New Roman" panose="02020603050405020304" pitchFamily="18" charset="0"/>
+              </a:rPr>
+              <a:t>'</a:t>
+            </a:r>
+            <a:r>
+              <a:rPr lang="pt-BR" sz="2000" dirty="0">
+                <a:latin typeface="Times New Roman" panose="02020603050405020304" pitchFamily="18" charset="0"/>
+                <a:cs typeface="Times New Roman" panose="02020603050405020304" pitchFamily="18" charset="0"/>
+              </a:rPr>
+              <a:t>, </a:t>
+            </a:r>
+            <a:r>
+              <a:rPr lang="en-US" sz="2000" dirty="0">
+                <a:latin typeface="Times New Roman" panose="02020603050405020304" pitchFamily="18" charset="0"/>
+                <a:cs typeface="Times New Roman" panose="02020603050405020304" pitchFamily="18" charset="0"/>
+              </a:rPr>
+              <a:t>'</a:t>
+            </a:r>
+            <a:r>
+              <a:rPr lang="pt-BR" sz="2000" dirty="0">
+                <a:latin typeface="Times New Roman" panose="02020603050405020304" pitchFamily="18" charset="0"/>
+                <a:cs typeface="Times New Roman" panose="02020603050405020304" pitchFamily="18" charset="0"/>
+              </a:rPr>
+              <a:t>nome </a:t>
+            </a:r>
+            <a:r>
+              <a:rPr lang="pt-BR" sz="2000" dirty="0" err="1">
                 <a:latin typeface="Times New Roman" panose="02020603050405020304" pitchFamily="18" charset="0"/>
                 <a:cs typeface="Times New Roman" panose="02020603050405020304" pitchFamily="18" charset="0"/>
               </a:rPr>
               <a:t>cpf</a:t>
             </a:r>
             <a:r>
-              <a:rPr lang="pt-BR" sz="2400" dirty="0">
-                <a:latin typeface="Times New Roman" panose="02020603050405020304" pitchFamily="18" charset="0"/>
-                <a:cs typeface="Times New Roman" panose="02020603050405020304" pitchFamily="18" charset="0"/>
-              </a:rPr>
-              <a:t> limite compras’)</a:t>
+              <a:rPr lang="pt-BR" sz="2000" dirty="0">
+                <a:latin typeface="Times New Roman" panose="02020603050405020304" pitchFamily="18" charset="0"/>
+                <a:cs typeface="Times New Roman" panose="02020603050405020304" pitchFamily="18" charset="0"/>
+              </a:rPr>
+              <a:t> limite compras</a:t>
+            </a:r>
+            <a:r>
+              <a:rPr lang="en-US" sz="2000" dirty="0">
+                <a:latin typeface="Times New Roman" panose="02020603050405020304" pitchFamily="18" charset="0"/>
+                <a:cs typeface="Times New Roman" panose="02020603050405020304" pitchFamily="18" charset="0"/>
+              </a:rPr>
+              <a:t>'</a:t>
+            </a:r>
+            <a:r>
+              <a:rPr lang="pt-BR" sz="2000" dirty="0">
+                <a:latin typeface="Times New Roman" panose="02020603050405020304" pitchFamily="18" charset="0"/>
+                <a:cs typeface="Times New Roman" panose="02020603050405020304" pitchFamily="18" charset="0"/>
+              </a:rPr>
+              <a:t>)</a:t>
             </a:r>
           </a:p>
           <a:p>
@@ -11770,18 +12170,74 @@
               <a:buNone/>
             </a:pPr>
             <a:r>
-              <a:rPr lang="pt-BR" sz="2400" dirty="0" err="1">
+              <a:rPr lang="pt-BR" sz="2000" dirty="0" err="1">
                 <a:latin typeface="Times New Roman" panose="02020603050405020304" pitchFamily="18" charset="0"/>
                 <a:cs typeface="Times New Roman" panose="02020603050405020304" pitchFamily="18" charset="0"/>
               </a:rPr>
               <a:t>umCliente</a:t>
             </a:r>
             <a:r>
-              <a:rPr lang="pt-BR" sz="2400" dirty="0">
-                <a:latin typeface="Times New Roman" panose="02020603050405020304" pitchFamily="18" charset="0"/>
-                <a:cs typeface="Times New Roman" panose="02020603050405020304" pitchFamily="18" charset="0"/>
-              </a:rPr>
-              <a:t> = Cliente(‘Fulano’, ‘01234567890’, 5000.00, 300.00)</a:t>
+              <a:rPr lang="pt-BR" sz="2000" dirty="0">
+                <a:latin typeface="Times New Roman" panose="02020603050405020304" pitchFamily="18" charset="0"/>
+                <a:cs typeface="Times New Roman" panose="02020603050405020304" pitchFamily="18" charset="0"/>
+              </a:rPr>
+              <a:t> = Cliente(</a:t>
+            </a:r>
+            <a:r>
+              <a:rPr lang="en-US" sz="2000" dirty="0">
+                <a:latin typeface="Times New Roman" panose="02020603050405020304" pitchFamily="18" charset="0"/>
+                <a:cs typeface="Times New Roman" panose="02020603050405020304" pitchFamily="18" charset="0"/>
+              </a:rPr>
+              <a:t>'</a:t>
+            </a:r>
+            <a:r>
+              <a:rPr lang="pt-BR" sz="2000" dirty="0">
+                <a:latin typeface="Times New Roman" panose="02020603050405020304" pitchFamily="18" charset="0"/>
+                <a:cs typeface="Times New Roman" panose="02020603050405020304" pitchFamily="18" charset="0"/>
+              </a:rPr>
+              <a:t>Fulano</a:t>
+            </a:r>
+            <a:r>
+              <a:rPr lang="en-US" sz="2000" dirty="0">
+                <a:latin typeface="Times New Roman" panose="02020603050405020304" pitchFamily="18" charset="0"/>
+                <a:cs typeface="Times New Roman" panose="02020603050405020304" pitchFamily="18" charset="0"/>
+              </a:rPr>
+              <a:t>'</a:t>
+            </a:r>
+            <a:r>
+              <a:rPr lang="pt-BR" sz="2000" dirty="0">
+                <a:latin typeface="Times New Roman" panose="02020603050405020304" pitchFamily="18" charset="0"/>
+                <a:cs typeface="Times New Roman" panose="02020603050405020304" pitchFamily="18" charset="0"/>
+              </a:rPr>
+              <a:t>, </a:t>
+            </a:r>
+            <a:r>
+              <a:rPr lang="en-US" sz="2000" dirty="0">
+                <a:latin typeface="Times New Roman" panose="02020603050405020304" pitchFamily="18" charset="0"/>
+                <a:cs typeface="Times New Roman" panose="02020603050405020304" pitchFamily="18" charset="0"/>
+              </a:rPr>
+              <a:t>'</a:t>
+            </a:r>
+            <a:r>
+              <a:rPr lang="pt-BR" sz="2000" dirty="0">
+                <a:latin typeface="Times New Roman" panose="02020603050405020304" pitchFamily="18" charset="0"/>
+                <a:cs typeface="Times New Roman" panose="02020603050405020304" pitchFamily="18" charset="0"/>
+              </a:rPr>
+              <a:t>01234567890</a:t>
+            </a:r>
+            <a:r>
+              <a:rPr lang="en-US" sz="2000" dirty="0">
+                <a:latin typeface="Times New Roman" panose="02020603050405020304" pitchFamily="18" charset="0"/>
+                <a:cs typeface="Times New Roman" panose="02020603050405020304" pitchFamily="18" charset="0"/>
+              </a:rPr>
+              <a:t>'</a:t>
+            </a:r>
+            <a:r>
+              <a:rPr lang="pt-BR" sz="2000" dirty="0">
+                <a:latin typeface="Times New Roman" panose="02020603050405020304" pitchFamily="18" charset="0"/>
+                <a:cs typeface="Times New Roman" panose="02020603050405020304" pitchFamily="18" charset="0"/>
+              </a:rPr>
+              <a:t>, 5000.00, 300.00)</a:t>
             </a:r>
           </a:p>
           <a:p>
@@ -11789,28 +12245,28 @@
               <a:buNone/>
             </a:pPr>
             <a:r>
-              <a:rPr lang="pt-BR" sz="2400" b="1" dirty="0">
+              <a:rPr lang="pt-BR" sz="2000" b="1" dirty="0">
                 <a:latin typeface="Times New Roman" panose="02020603050405020304" pitchFamily="18" charset="0"/>
                 <a:cs typeface="Times New Roman" panose="02020603050405020304" pitchFamily="18" charset="0"/>
               </a:rPr>
               <a:t>print</a:t>
             </a:r>
             <a:r>
-              <a:rPr lang="pt-BR" sz="2400" dirty="0">
+              <a:rPr lang="pt-BR" sz="2000" dirty="0">
                 <a:latin typeface="Times New Roman" panose="02020603050405020304" pitchFamily="18" charset="0"/>
                 <a:cs typeface="Times New Roman" panose="02020603050405020304" pitchFamily="18" charset="0"/>
               </a:rPr>
               <a:t>(</a:t>
             </a:r>
             <a:r>
-              <a:rPr lang="pt-BR" sz="2400" dirty="0" err="1">
+              <a:rPr lang="pt-BR" sz="2000" dirty="0" err="1">
                 <a:latin typeface="Times New Roman" panose="02020603050405020304" pitchFamily="18" charset="0"/>
                 <a:cs typeface="Times New Roman" panose="02020603050405020304" pitchFamily="18" charset="0"/>
               </a:rPr>
               <a:t>umCliente</a:t>
             </a:r>
             <a:r>
-              <a:rPr lang="pt-BR" sz="2400" dirty="0">
+              <a:rPr lang="pt-BR" sz="2000" dirty="0">
                 <a:latin typeface="Times New Roman" panose="02020603050405020304" pitchFamily="18" charset="0"/>
                 <a:cs typeface="Times New Roman" panose="02020603050405020304" pitchFamily="18" charset="0"/>
               </a:rPr>
@@ -11822,28 +12278,28 @@
               <a:buNone/>
             </a:pPr>
             <a:r>
-              <a:rPr lang="pt-BR" sz="2400" b="1" dirty="0">
+              <a:rPr lang="pt-BR" sz="2000" b="1" dirty="0">
                 <a:latin typeface="Times New Roman" panose="02020603050405020304" pitchFamily="18" charset="0"/>
                 <a:cs typeface="Times New Roman" panose="02020603050405020304" pitchFamily="18" charset="0"/>
               </a:rPr>
               <a:t>print</a:t>
             </a:r>
             <a:r>
-              <a:rPr lang="pt-BR" sz="2400" dirty="0">
+              <a:rPr lang="pt-BR" sz="2000" dirty="0">
                 <a:latin typeface="Times New Roman" panose="02020603050405020304" pitchFamily="18" charset="0"/>
                 <a:cs typeface="Times New Roman" panose="02020603050405020304" pitchFamily="18" charset="0"/>
               </a:rPr>
               <a:t>(</a:t>
             </a:r>
             <a:r>
-              <a:rPr lang="pt-BR" sz="2400" dirty="0" err="1">
+              <a:rPr lang="pt-BR" sz="2000" dirty="0" err="1">
                 <a:latin typeface="Times New Roman" panose="02020603050405020304" pitchFamily="18" charset="0"/>
                 <a:cs typeface="Times New Roman" panose="02020603050405020304" pitchFamily="18" charset="0"/>
               </a:rPr>
               <a:t>umCliente.cpf</a:t>
             </a:r>
             <a:r>
-              <a:rPr lang="pt-BR" sz="2400" dirty="0">
+              <a:rPr lang="pt-BR" sz="2000" dirty="0">
                 <a:latin typeface="Times New Roman" panose="02020603050405020304" pitchFamily="18" charset="0"/>
                 <a:cs typeface="Times New Roman" panose="02020603050405020304" pitchFamily="18" charset="0"/>
               </a:rPr>
@@ -11854,7 +12310,7 @@
             <a:pPr marL="0" indent="0" algn="just">
               <a:buNone/>
             </a:pPr>
-            <a:endParaRPr lang="pt-BR" dirty="0">
+            <a:endParaRPr lang="pt-BR" sz="2000" dirty="0">
               <a:latin typeface="Times New Roman" panose="02020603050405020304" pitchFamily="18" charset="0"/>
               <a:cs typeface="Times New Roman" panose="02020603050405020304" pitchFamily="18" charset="0"/>
             </a:endParaRPr>
@@ -11979,27 +12435,17 @@
               <a:buChar char="§"/>
             </a:pPr>
             <a:r>
-              <a:rPr lang="pt-BR" b="1" dirty="0">
+              <a:rPr lang="pt-BR" sz="2000" b="1" dirty="0">
                 <a:solidFill>
                   <a:srgbClr val="FF0000"/>
                 </a:solidFill>
                 <a:latin typeface="Times New Roman" panose="02020603050405020304" pitchFamily="18" charset="0"/>
                 <a:cs typeface="Times New Roman" panose="02020603050405020304" pitchFamily="18" charset="0"/>
               </a:rPr>
-              <a:t>Conjunto</a:t>
+              <a:t>Conjunto - </a:t>
             </a:r>
             <a:r>
               <a:rPr lang="pt-BR" sz="2000" b="1" dirty="0">
-                <a:solidFill>
-                  <a:srgbClr val="FF0000"/>
-                </a:solidFill>
-                <a:latin typeface="Times New Roman" panose="02020603050405020304" pitchFamily="18" charset="0"/>
-                <a:cs typeface="Times New Roman" panose="02020603050405020304" pitchFamily="18" charset="0"/>
-              </a:rPr>
-              <a:t> - </a:t>
-            </a:r>
-            <a:r>
-              <a:rPr lang="pt-BR" b="1" dirty="0">
                 <a:latin typeface="Times New Roman" panose="02020603050405020304" pitchFamily="18" charset="0"/>
                 <a:cs typeface="Times New Roman" panose="02020603050405020304" pitchFamily="18" charset="0"/>
               </a:rPr>
@@ -12390,281 +12836,442 @@
               <a:buChar char="§"/>
             </a:pPr>
             <a:r>
+              <a:rPr lang="pt-BR" sz="2400" b="1" dirty="0">
+                <a:solidFill>
+                  <a:srgbClr val="FF0000"/>
+                </a:solidFill>
+                <a:latin typeface="Times New Roman" panose="02020603050405020304" pitchFamily="18" charset="0"/>
+                <a:cs typeface="Times New Roman" panose="02020603050405020304" pitchFamily="18" charset="0"/>
+              </a:rPr>
+              <a:t> </a:t>
+            </a:r>
+            <a:r>
+              <a:rPr lang="pt-BR" sz="2400" b="1" dirty="0">
+                <a:latin typeface="Times New Roman" panose="02020603050405020304" pitchFamily="18" charset="0"/>
+                <a:cs typeface="Times New Roman" panose="02020603050405020304" pitchFamily="18" charset="0"/>
+              </a:rPr>
+              <a:t>Dicionários</a:t>
+            </a:r>
+            <a:r>
+              <a:rPr lang="pt-BR" sz="2400" dirty="0">
+                <a:latin typeface="Times New Roman" panose="02020603050405020304" pitchFamily="18" charset="0"/>
+                <a:cs typeface="Times New Roman" panose="02020603050405020304" pitchFamily="18" charset="0"/>
+              </a:rPr>
+              <a:t> </a:t>
+            </a:r>
+          </a:p>
+          <a:p>
+            <a:pPr marL="0" indent="0" algn="just">
+              <a:buNone/>
+            </a:pPr>
+            <a:r>
+              <a:rPr lang="pt-BR" sz="2000" dirty="0">
+                <a:latin typeface="Times New Roman" panose="02020603050405020304" pitchFamily="18" charset="0"/>
+                <a:cs typeface="Times New Roman" panose="02020603050405020304" pitchFamily="18" charset="0"/>
+              </a:rPr>
+              <a:t>São estruturas Python, utilizadas para representar coleções que guarda valores </a:t>
+            </a:r>
+            <a:r>
               <a:rPr lang="pt-BR" sz="2000" b="1" dirty="0">
+                <a:latin typeface="Times New Roman" panose="02020603050405020304" pitchFamily="18" charset="0"/>
+                <a:cs typeface="Times New Roman" panose="02020603050405020304" pitchFamily="18" charset="0"/>
+              </a:rPr>
+              <a:t>multidimensionais</a:t>
+            </a:r>
+            <a:r>
+              <a:rPr lang="pt-BR" sz="2000" dirty="0">
+                <a:latin typeface="Times New Roman" panose="02020603050405020304" pitchFamily="18" charset="0"/>
+                <a:cs typeface="Times New Roman" panose="02020603050405020304" pitchFamily="18" charset="0"/>
+              </a:rPr>
+              <a:t> </a:t>
+            </a:r>
+            <a:r>
+              <a:rPr lang="pt-BR" sz="2000" b="1" dirty="0">
                 <a:solidFill>
                   <a:srgbClr val="FF0000"/>
                 </a:solidFill>
                 <a:latin typeface="Times New Roman" panose="02020603050405020304" pitchFamily="18" charset="0"/>
                 <a:cs typeface="Times New Roman" panose="02020603050405020304" pitchFamily="18" charset="0"/>
               </a:rPr>
+              <a:t>para cada índice</a:t>
+            </a:r>
+            <a:r>
+              <a:rPr lang="pt-BR" sz="2000" dirty="0">
+                <a:latin typeface="Times New Roman" panose="02020603050405020304" pitchFamily="18" charset="0"/>
+                <a:cs typeface="Times New Roman" panose="02020603050405020304" pitchFamily="18" charset="0"/>
+              </a:rPr>
+              <a:t>. É um dicionário de chaves (termos) que estão associadas a valores (significados dos termos). </a:t>
+            </a:r>
+          </a:p>
+          <a:p>
+            <a:pPr marL="0" indent="0" algn="just">
+              <a:buNone/>
+            </a:pPr>
+            <a:r>
+              <a:rPr lang="pt-BR" sz="2000" b="1" dirty="0">
+                <a:latin typeface="Times New Roman" panose="02020603050405020304" pitchFamily="18" charset="0"/>
+                <a:cs typeface="Times New Roman" panose="02020603050405020304" pitchFamily="18" charset="0"/>
+              </a:rPr>
+              <a:t>Nota</a:t>
+            </a:r>
+            <a:r>
+              <a:rPr lang="pt-BR" sz="2000" dirty="0">
+                <a:latin typeface="Times New Roman" panose="02020603050405020304" pitchFamily="18" charset="0"/>
+                <a:cs typeface="Times New Roman" panose="02020603050405020304" pitchFamily="18" charset="0"/>
+              </a:rPr>
+              <a:t>: </a:t>
+            </a:r>
+            <a:r>
+              <a:rPr lang="pt-BR" sz="2000" b="1" dirty="0">
+                <a:solidFill>
+                  <a:srgbClr val="FF0000"/>
+                </a:solidFill>
+                <a:latin typeface="Times New Roman" panose="02020603050405020304" pitchFamily="18" charset="0"/>
+                <a:cs typeface="Times New Roman" panose="02020603050405020304" pitchFamily="18" charset="0"/>
+              </a:rPr>
+              <a:t>Métodos</a:t>
+            </a:r>
+            <a:r>
+              <a:rPr lang="pt-BR" sz="2000" dirty="0">
+                <a:latin typeface="Times New Roman" panose="02020603050405020304" pitchFamily="18" charset="0"/>
+                <a:cs typeface="Times New Roman" panose="02020603050405020304" pitchFamily="18" charset="0"/>
+              </a:rPr>
+              <a:t>: </a:t>
+            </a:r>
+            <a:r>
+              <a:rPr lang="pt-BR" sz="2000" dirty="0" err="1">
+                <a:latin typeface="Times New Roman" panose="02020603050405020304" pitchFamily="18" charset="0"/>
+                <a:cs typeface="Times New Roman" panose="02020603050405020304" pitchFamily="18" charset="0"/>
+              </a:rPr>
+              <a:t>dic.</a:t>
+            </a:r>
+            <a:r>
+              <a:rPr lang="pt-BR" sz="2000" b="1" dirty="0" err="1">
+                <a:latin typeface="Times New Roman" panose="02020603050405020304" pitchFamily="18" charset="0"/>
+                <a:cs typeface="Times New Roman" panose="02020603050405020304" pitchFamily="18" charset="0"/>
+              </a:rPr>
+              <a:t>get</a:t>
+            </a:r>
+            <a:r>
+              <a:rPr lang="pt-BR" sz="2000" dirty="0">
+                <a:latin typeface="Times New Roman" panose="02020603050405020304" pitchFamily="18" charset="0"/>
+                <a:cs typeface="Times New Roman" panose="02020603050405020304" pitchFamily="18" charset="0"/>
+              </a:rPr>
+              <a:t>(atributo), </a:t>
+            </a:r>
+            <a:r>
+              <a:rPr lang="pt-BR" sz="2000" dirty="0" err="1">
+                <a:latin typeface="Times New Roman" panose="02020603050405020304" pitchFamily="18" charset="0"/>
+                <a:cs typeface="Times New Roman" panose="02020603050405020304" pitchFamily="18" charset="0"/>
+              </a:rPr>
+              <a:t>dic.</a:t>
+            </a:r>
+            <a:r>
+              <a:rPr lang="pt-BR" sz="2000" b="1" dirty="0" err="1">
+                <a:latin typeface="Times New Roman" panose="02020603050405020304" pitchFamily="18" charset="0"/>
+                <a:cs typeface="Times New Roman" panose="02020603050405020304" pitchFamily="18" charset="0"/>
+              </a:rPr>
+              <a:t>keys</a:t>
+            </a:r>
+            <a:r>
+              <a:rPr lang="pt-BR" sz="2000" dirty="0">
+                <a:latin typeface="Times New Roman" panose="02020603050405020304" pitchFamily="18" charset="0"/>
+                <a:cs typeface="Times New Roman" panose="02020603050405020304" pitchFamily="18" charset="0"/>
+              </a:rPr>
+              <a:t>(); </a:t>
+            </a:r>
+            <a:r>
+              <a:rPr lang="pt-BR" sz="2000" dirty="0" err="1">
+                <a:latin typeface="Times New Roman" panose="02020603050405020304" pitchFamily="18" charset="0"/>
+                <a:cs typeface="Times New Roman" panose="02020603050405020304" pitchFamily="18" charset="0"/>
+              </a:rPr>
+              <a:t>dic.</a:t>
+            </a:r>
+            <a:r>
+              <a:rPr lang="pt-BR" sz="2000" b="1" dirty="0" err="1">
+                <a:latin typeface="Times New Roman" panose="02020603050405020304" pitchFamily="18" charset="0"/>
+                <a:cs typeface="Times New Roman" panose="02020603050405020304" pitchFamily="18" charset="0"/>
+              </a:rPr>
+              <a:t>values</a:t>
+            </a:r>
+            <a:r>
+              <a:rPr lang="pt-BR" sz="2000" dirty="0">
+                <a:latin typeface="Times New Roman" panose="02020603050405020304" pitchFamily="18" charset="0"/>
+                <a:cs typeface="Times New Roman" panose="02020603050405020304" pitchFamily="18" charset="0"/>
+              </a:rPr>
+              <a:t>(); </a:t>
+            </a:r>
+            <a:r>
+              <a:rPr lang="pt-BR" sz="2000" b="1" dirty="0">
+                <a:latin typeface="Times New Roman" panose="02020603050405020304" pitchFamily="18" charset="0"/>
+                <a:cs typeface="Times New Roman" panose="02020603050405020304" pitchFamily="18" charset="0"/>
+              </a:rPr>
+              <a:t>update; pop; </a:t>
+            </a:r>
+            <a:r>
+              <a:rPr lang="pt-BR" sz="2000" b="1" dirty="0" err="1">
+                <a:latin typeface="Times New Roman" panose="02020603050405020304" pitchFamily="18" charset="0"/>
+                <a:cs typeface="Times New Roman" panose="02020603050405020304" pitchFamily="18" charset="0"/>
+              </a:rPr>
+              <a:t>len</a:t>
+            </a:r>
+            <a:r>
+              <a:rPr lang="pt-BR" sz="2000" b="1" dirty="0">
+                <a:latin typeface="Times New Roman" panose="02020603050405020304" pitchFamily="18" charset="0"/>
+                <a:cs typeface="Times New Roman" panose="02020603050405020304" pitchFamily="18" charset="0"/>
+              </a:rPr>
+              <a:t>, etc</a:t>
+            </a:r>
+            <a:r>
+              <a:rPr lang="pt-BR" sz="2000" dirty="0">
+                <a:latin typeface="Times New Roman" panose="02020603050405020304" pitchFamily="18" charset="0"/>
+                <a:cs typeface="Times New Roman" panose="02020603050405020304" pitchFamily="18" charset="0"/>
+              </a:rPr>
+              <a:t>.</a:t>
+            </a:r>
+          </a:p>
+          <a:p>
+            <a:pPr marL="0" indent="0" algn="just">
+              <a:buNone/>
+            </a:pPr>
+            <a:r>
+              <a:rPr lang="da-DK" sz="2000" b="1" dirty="0">
+                <a:latin typeface="Times New Roman" panose="02020603050405020304" pitchFamily="18" charset="0"/>
+                <a:cs typeface="Times New Roman" panose="02020603050405020304" pitchFamily="18" charset="0"/>
+              </a:rPr>
+              <a:t>dicAlu = </a:t>
+            </a:r>
+            <a:r>
+              <a:rPr lang="da-DK" sz="2000" dirty="0">
+                <a:latin typeface="Times New Roman" panose="02020603050405020304" pitchFamily="18" charset="0"/>
+                <a:cs typeface="Times New Roman" panose="02020603050405020304" pitchFamily="18" charset="0"/>
+              </a:rPr>
+              <a:t>{</a:t>
+            </a:r>
+            <a:r>
+              <a:rPr lang="en-US" sz="2000" dirty="0">
+                <a:latin typeface="Times New Roman" panose="02020603050405020304" pitchFamily="18" charset="0"/>
+                <a:cs typeface="Times New Roman" panose="02020603050405020304" pitchFamily="18" charset="0"/>
+              </a:rPr>
+              <a:t>'</a:t>
+            </a:r>
+            <a:r>
+              <a:rPr lang="da-DK" sz="2000" dirty="0">
+                <a:latin typeface="Times New Roman" panose="02020603050405020304" pitchFamily="18" charset="0"/>
+                <a:cs typeface="Times New Roman" panose="02020603050405020304" pitchFamily="18" charset="0"/>
+              </a:rPr>
+              <a:t>nome</a:t>
+            </a:r>
+            <a:r>
+              <a:rPr lang="en-US" sz="2000" dirty="0">
+                <a:latin typeface="Times New Roman" panose="02020603050405020304" pitchFamily="18" charset="0"/>
+                <a:cs typeface="Times New Roman" panose="02020603050405020304" pitchFamily="18" charset="0"/>
+              </a:rPr>
+              <a:t>' </a:t>
+            </a:r>
+            <a:r>
+              <a:rPr lang="da-DK" sz="2000" dirty="0">
+                <a:latin typeface="Times New Roman" panose="02020603050405020304" pitchFamily="18" charset="0"/>
+                <a:cs typeface="Times New Roman" panose="02020603050405020304" pitchFamily="18" charset="0"/>
+              </a:rPr>
+              <a:t>: </a:t>
+            </a:r>
+            <a:r>
+              <a:rPr lang="en-US" sz="2000" dirty="0">
+                <a:latin typeface="Times New Roman" panose="02020603050405020304" pitchFamily="18" charset="0"/>
+                <a:cs typeface="Times New Roman" panose="02020603050405020304" pitchFamily="18" charset="0"/>
+              </a:rPr>
+              <a:t>'</a:t>
+            </a:r>
+            <a:r>
+              <a:rPr lang="da-DK" sz="2000" dirty="0">
+                <a:latin typeface="Times New Roman" panose="02020603050405020304" pitchFamily="18" charset="0"/>
+                <a:cs typeface="Times New Roman" panose="02020603050405020304" pitchFamily="18" charset="0"/>
+              </a:rPr>
+              <a:t>Julila’, </a:t>
+            </a:r>
+            <a:r>
+              <a:rPr lang="en-US" sz="2000" dirty="0">
+                <a:latin typeface="Times New Roman" panose="02020603050405020304" pitchFamily="18" charset="0"/>
+                <a:cs typeface="Times New Roman" panose="02020603050405020304" pitchFamily="18" charset="0"/>
+              </a:rPr>
+              <a:t>'</a:t>
+            </a:r>
+            <a:r>
+              <a:rPr lang="da-DK" sz="2000" dirty="0">
+                <a:latin typeface="Times New Roman" panose="02020603050405020304" pitchFamily="18" charset="0"/>
+                <a:cs typeface="Times New Roman" panose="02020603050405020304" pitchFamily="18" charset="0"/>
+              </a:rPr>
+              <a:t>idade</a:t>
+            </a:r>
+            <a:r>
+              <a:rPr lang="en-US" sz="2000" dirty="0">
+                <a:latin typeface="Times New Roman" panose="02020603050405020304" pitchFamily="18" charset="0"/>
+                <a:cs typeface="Times New Roman" panose="02020603050405020304" pitchFamily="18" charset="0"/>
+              </a:rPr>
+              <a:t>' </a:t>
+            </a:r>
+            <a:r>
+              <a:rPr lang="da-DK" sz="2000" dirty="0">
+                <a:latin typeface="Times New Roman" panose="02020603050405020304" pitchFamily="18" charset="0"/>
+                <a:cs typeface="Times New Roman" panose="02020603050405020304" pitchFamily="18" charset="0"/>
+              </a:rPr>
+              <a:t>:17, </a:t>
+            </a:r>
+            <a:r>
+              <a:rPr lang="en-US" sz="2000" dirty="0">
+                <a:latin typeface="Times New Roman" panose="02020603050405020304" pitchFamily="18" charset="0"/>
+                <a:cs typeface="Times New Roman" panose="02020603050405020304" pitchFamily="18" charset="0"/>
+              </a:rPr>
+              <a:t>'</a:t>
+            </a:r>
+            <a:r>
+              <a:rPr lang="da-DK" sz="2000" dirty="0">
+                <a:latin typeface="Times New Roman" panose="02020603050405020304" pitchFamily="18" charset="0"/>
+                <a:cs typeface="Times New Roman" panose="02020603050405020304" pitchFamily="18" charset="0"/>
+              </a:rPr>
+              <a:t>disciplina</a:t>
+            </a:r>
+            <a:r>
+              <a:rPr lang="en-US" sz="2000" dirty="0">
+                <a:latin typeface="Times New Roman" panose="02020603050405020304" pitchFamily="18" charset="0"/>
+                <a:cs typeface="Times New Roman" panose="02020603050405020304" pitchFamily="18" charset="0"/>
+              </a:rPr>
+              <a:t>' </a:t>
+            </a:r>
+            <a:r>
+              <a:rPr lang="da-DK" sz="2000" dirty="0">
+                <a:latin typeface="Times New Roman" panose="02020603050405020304" pitchFamily="18" charset="0"/>
+                <a:cs typeface="Times New Roman" panose="02020603050405020304" pitchFamily="18" charset="0"/>
+              </a:rPr>
+              <a:t>:[</a:t>
+            </a:r>
+            <a:r>
+              <a:rPr lang="en-US" sz="2000" dirty="0">
+                <a:latin typeface="Times New Roman" panose="02020603050405020304" pitchFamily="18" charset="0"/>
+                <a:cs typeface="Times New Roman" panose="02020603050405020304" pitchFamily="18" charset="0"/>
+              </a:rPr>
+              <a:t>'</a:t>
+            </a:r>
+            <a:r>
+              <a:rPr lang="da-DK" sz="2000" dirty="0">
+                <a:latin typeface="Times New Roman" panose="02020603050405020304" pitchFamily="18" charset="0"/>
+                <a:cs typeface="Times New Roman" panose="02020603050405020304" pitchFamily="18" charset="0"/>
+              </a:rPr>
+              <a:t>java</a:t>
+            </a:r>
+            <a:r>
+              <a:rPr lang="en-US" sz="2000" dirty="0">
+                <a:latin typeface="Times New Roman" panose="02020603050405020304" pitchFamily="18" charset="0"/>
+                <a:cs typeface="Times New Roman" panose="02020603050405020304" pitchFamily="18" charset="0"/>
+              </a:rPr>
+              <a:t>'</a:t>
+            </a:r>
+            <a:r>
+              <a:rPr lang="da-DK" sz="2000" dirty="0">
+                <a:latin typeface="Times New Roman" panose="02020603050405020304" pitchFamily="18" charset="0"/>
+                <a:cs typeface="Times New Roman" panose="02020603050405020304" pitchFamily="18" charset="0"/>
+              </a:rPr>
+              <a:t>, </a:t>
+            </a:r>
+            <a:r>
+              <a:rPr lang="en-US" sz="2000" dirty="0">
+                <a:latin typeface="Times New Roman" panose="02020603050405020304" pitchFamily="18" charset="0"/>
+                <a:cs typeface="Times New Roman" panose="02020603050405020304" pitchFamily="18" charset="0"/>
+              </a:rPr>
+              <a:t>'</a:t>
+            </a:r>
+            <a:r>
+              <a:rPr lang="da-DK" sz="2000" dirty="0">
+                <a:latin typeface="Times New Roman" panose="02020603050405020304" pitchFamily="18" charset="0"/>
+                <a:cs typeface="Times New Roman" panose="02020603050405020304" pitchFamily="18" charset="0"/>
+              </a:rPr>
+              <a:t>python</a:t>
+            </a:r>
+            <a:r>
+              <a:rPr lang="en-US" sz="2000" dirty="0">
+                <a:latin typeface="Times New Roman" panose="02020603050405020304" pitchFamily="18" charset="0"/>
+                <a:cs typeface="Times New Roman" panose="02020603050405020304" pitchFamily="18" charset="0"/>
+              </a:rPr>
+              <a:t>'</a:t>
+            </a:r>
+            <a:r>
+              <a:rPr lang="da-DK" sz="2000" dirty="0">
+                <a:latin typeface="Times New Roman" panose="02020603050405020304" pitchFamily="18" charset="0"/>
+                <a:cs typeface="Times New Roman" panose="02020603050405020304" pitchFamily="18" charset="0"/>
+              </a:rPr>
+              <a:t>], </a:t>
+            </a:r>
+            <a:r>
+              <a:rPr lang="en-US" sz="2000" dirty="0">
+                <a:latin typeface="Times New Roman" panose="02020603050405020304" pitchFamily="18" charset="0"/>
+                <a:cs typeface="Times New Roman" panose="02020603050405020304" pitchFamily="18" charset="0"/>
+              </a:rPr>
+              <a:t>'</a:t>
+            </a:r>
+            <a:r>
+              <a:rPr lang="da-DK" sz="2000" dirty="0">
+                <a:latin typeface="Times New Roman" panose="02020603050405020304" pitchFamily="18" charset="0"/>
+                <a:cs typeface="Times New Roman" panose="02020603050405020304" pitchFamily="18" charset="0"/>
+              </a:rPr>
+              <a:t>altura</a:t>
+            </a:r>
+            <a:r>
+              <a:rPr lang="en-US" sz="2000" dirty="0">
+                <a:latin typeface="Times New Roman" panose="02020603050405020304" pitchFamily="18" charset="0"/>
+                <a:cs typeface="Times New Roman" panose="02020603050405020304" pitchFamily="18" charset="0"/>
+              </a:rPr>
+              <a:t>'</a:t>
+            </a:r>
+            <a:r>
+              <a:rPr lang="da-DK" sz="2000" dirty="0">
+                <a:latin typeface="Times New Roman" panose="02020603050405020304" pitchFamily="18" charset="0"/>
+                <a:cs typeface="Times New Roman" panose="02020603050405020304" pitchFamily="18" charset="0"/>
+              </a:rPr>
+              <a:t>:1.55}</a:t>
+            </a:r>
+          </a:p>
+          <a:p>
+            <a:pPr marL="0" indent="0" algn="just">
+              <a:buNone/>
+            </a:pPr>
+            <a:r>
+              <a:rPr lang="en-US" sz="2000" b="1" dirty="0">
+                <a:latin typeface="Times New Roman" panose="02020603050405020304" pitchFamily="18" charset="0"/>
+                <a:cs typeface="Times New Roman" panose="02020603050405020304" pitchFamily="18" charset="0"/>
+              </a:rPr>
+              <a:t>for</a:t>
+            </a:r>
+            <a:r>
+              <a:rPr lang="en-US" sz="2000" dirty="0">
+                <a:latin typeface="Times New Roman" panose="02020603050405020304" pitchFamily="18" charset="0"/>
+                <a:cs typeface="Times New Roman" panose="02020603050405020304" pitchFamily="18" charset="0"/>
+              </a:rPr>
+              <a:t> key </a:t>
+            </a:r>
+            <a:r>
+              <a:rPr lang="en-US" sz="2000" b="1" dirty="0">
+                <a:latin typeface="Times New Roman" panose="02020603050405020304" pitchFamily="18" charset="0"/>
+                <a:cs typeface="Times New Roman" panose="02020603050405020304" pitchFamily="18" charset="0"/>
+              </a:rPr>
+              <a:t>in</a:t>
+            </a:r>
+            <a:r>
+              <a:rPr lang="en-US" sz="2000" dirty="0">
+                <a:latin typeface="Times New Roman" panose="02020603050405020304" pitchFamily="18" charset="0"/>
+                <a:cs typeface="Times New Roman" panose="02020603050405020304" pitchFamily="18" charset="0"/>
+              </a:rPr>
               <a:t> </a:t>
             </a:r>
             <a:r>
-              <a:rPr lang="pt-BR" b="1" dirty="0">
-                <a:latin typeface="Times New Roman" panose="02020603050405020304" pitchFamily="18" charset="0"/>
-                <a:cs typeface="Times New Roman" panose="02020603050405020304" pitchFamily="18" charset="0"/>
-              </a:rPr>
-              <a:t>Dicionários</a:t>
-            </a:r>
-            <a:r>
-              <a:rPr lang="pt-BR" sz="2000" dirty="0">
-                <a:latin typeface="Times New Roman" panose="02020603050405020304" pitchFamily="18" charset="0"/>
-                <a:cs typeface="Times New Roman" panose="02020603050405020304" pitchFamily="18" charset="0"/>
-              </a:rPr>
-              <a:t> </a:t>
-            </a:r>
-          </a:p>
-          <a:p>
-            <a:pPr marL="0" indent="0" algn="just">
-              <a:buNone/>
-            </a:pPr>
-            <a:r>
-              <a:rPr lang="pt-BR" sz="2000" dirty="0">
-                <a:latin typeface="Times New Roman" panose="02020603050405020304" pitchFamily="18" charset="0"/>
-                <a:cs typeface="Times New Roman" panose="02020603050405020304" pitchFamily="18" charset="0"/>
-              </a:rPr>
-              <a:t>São estruturas Python, utilizadas para representar coleções que guarda valores </a:t>
-            </a:r>
-            <a:r>
-              <a:rPr lang="pt-BR" sz="2000" b="1" dirty="0">
-                <a:latin typeface="Times New Roman" panose="02020603050405020304" pitchFamily="18" charset="0"/>
-                <a:cs typeface="Times New Roman" panose="02020603050405020304" pitchFamily="18" charset="0"/>
-              </a:rPr>
-              <a:t>multidimensionais</a:t>
-            </a:r>
-            <a:r>
-              <a:rPr lang="pt-BR" sz="2000" dirty="0">
-                <a:latin typeface="Times New Roman" panose="02020603050405020304" pitchFamily="18" charset="0"/>
-                <a:cs typeface="Times New Roman" panose="02020603050405020304" pitchFamily="18" charset="0"/>
-              </a:rPr>
-              <a:t> </a:t>
-            </a:r>
-            <a:r>
-              <a:rPr lang="pt-BR" sz="2000" b="1" dirty="0">
-                <a:solidFill>
-                  <a:srgbClr val="FF0000"/>
-                </a:solidFill>
-                <a:latin typeface="Times New Roman" panose="02020603050405020304" pitchFamily="18" charset="0"/>
-                <a:cs typeface="Times New Roman" panose="02020603050405020304" pitchFamily="18" charset="0"/>
-              </a:rPr>
-              <a:t>para cada índice</a:t>
-            </a:r>
-            <a:r>
-              <a:rPr lang="pt-BR" sz="2000" dirty="0">
-                <a:latin typeface="Times New Roman" panose="02020603050405020304" pitchFamily="18" charset="0"/>
-                <a:cs typeface="Times New Roman" panose="02020603050405020304" pitchFamily="18" charset="0"/>
-              </a:rPr>
-              <a:t>. É um dicionário de chaves (termos) que estão associadas a valores (significados dos termos). </a:t>
-            </a:r>
-          </a:p>
-          <a:p>
-            <a:pPr marL="0" indent="0" algn="just">
-              <a:buNone/>
-            </a:pPr>
-            <a:r>
-              <a:rPr lang="pt-BR" sz="2000" b="1" dirty="0">
-                <a:latin typeface="Times New Roman" panose="02020603050405020304" pitchFamily="18" charset="0"/>
-                <a:cs typeface="Times New Roman" panose="02020603050405020304" pitchFamily="18" charset="0"/>
-              </a:rPr>
-              <a:t>Nota</a:t>
-            </a:r>
-            <a:r>
-              <a:rPr lang="pt-BR" sz="2000" dirty="0">
-                <a:latin typeface="Times New Roman" panose="02020603050405020304" pitchFamily="18" charset="0"/>
-                <a:cs typeface="Times New Roman" panose="02020603050405020304" pitchFamily="18" charset="0"/>
-              </a:rPr>
-              <a:t>: </a:t>
-            </a:r>
-            <a:r>
-              <a:rPr lang="pt-BR" sz="2000" b="1" dirty="0">
-                <a:solidFill>
-                  <a:srgbClr val="FF0000"/>
-                </a:solidFill>
-                <a:latin typeface="Times New Roman" panose="02020603050405020304" pitchFamily="18" charset="0"/>
-                <a:cs typeface="Times New Roman" panose="02020603050405020304" pitchFamily="18" charset="0"/>
-              </a:rPr>
-              <a:t>Métodos</a:t>
-            </a:r>
-            <a:r>
-              <a:rPr lang="pt-BR" sz="2000" dirty="0">
-                <a:latin typeface="Times New Roman" panose="02020603050405020304" pitchFamily="18" charset="0"/>
-                <a:cs typeface="Times New Roman" panose="02020603050405020304" pitchFamily="18" charset="0"/>
-              </a:rPr>
-              <a:t>: </a:t>
-            </a:r>
-            <a:r>
-              <a:rPr lang="pt-BR" sz="2000" dirty="0" err="1">
-                <a:latin typeface="Times New Roman" panose="02020603050405020304" pitchFamily="18" charset="0"/>
-                <a:cs typeface="Times New Roman" panose="02020603050405020304" pitchFamily="18" charset="0"/>
-              </a:rPr>
-              <a:t>dic.</a:t>
-            </a:r>
-            <a:r>
-              <a:rPr lang="pt-BR" sz="2000" b="1" dirty="0" err="1">
-                <a:latin typeface="Times New Roman" panose="02020603050405020304" pitchFamily="18" charset="0"/>
-                <a:cs typeface="Times New Roman" panose="02020603050405020304" pitchFamily="18" charset="0"/>
-              </a:rPr>
-              <a:t>get</a:t>
-            </a:r>
-            <a:r>
-              <a:rPr lang="pt-BR" sz="2000" dirty="0">
-                <a:latin typeface="Times New Roman" panose="02020603050405020304" pitchFamily="18" charset="0"/>
-                <a:cs typeface="Times New Roman" panose="02020603050405020304" pitchFamily="18" charset="0"/>
-              </a:rPr>
-              <a:t>(atributo), </a:t>
-            </a:r>
-            <a:r>
-              <a:rPr lang="pt-BR" sz="2000" dirty="0" err="1">
-                <a:latin typeface="Times New Roman" panose="02020603050405020304" pitchFamily="18" charset="0"/>
-                <a:cs typeface="Times New Roman" panose="02020603050405020304" pitchFamily="18" charset="0"/>
-              </a:rPr>
-              <a:t>dic.</a:t>
-            </a:r>
-            <a:r>
-              <a:rPr lang="pt-BR" sz="2000" b="1" dirty="0" err="1">
-                <a:latin typeface="Times New Roman" panose="02020603050405020304" pitchFamily="18" charset="0"/>
-                <a:cs typeface="Times New Roman" panose="02020603050405020304" pitchFamily="18" charset="0"/>
-              </a:rPr>
-              <a:t>keys</a:t>
-            </a:r>
-            <a:r>
-              <a:rPr lang="pt-BR" sz="2000" dirty="0">
-                <a:latin typeface="Times New Roman" panose="02020603050405020304" pitchFamily="18" charset="0"/>
-                <a:cs typeface="Times New Roman" panose="02020603050405020304" pitchFamily="18" charset="0"/>
-              </a:rPr>
-              <a:t>(); </a:t>
-            </a:r>
-            <a:r>
-              <a:rPr lang="pt-BR" sz="2000" dirty="0" err="1">
-                <a:latin typeface="Times New Roman" panose="02020603050405020304" pitchFamily="18" charset="0"/>
-                <a:cs typeface="Times New Roman" panose="02020603050405020304" pitchFamily="18" charset="0"/>
-              </a:rPr>
-              <a:t>dic.</a:t>
-            </a:r>
-            <a:r>
-              <a:rPr lang="pt-BR" sz="2000" b="1" dirty="0" err="1">
-                <a:latin typeface="Times New Roman" panose="02020603050405020304" pitchFamily="18" charset="0"/>
-                <a:cs typeface="Times New Roman" panose="02020603050405020304" pitchFamily="18" charset="0"/>
-              </a:rPr>
-              <a:t>values</a:t>
-            </a:r>
-            <a:r>
-              <a:rPr lang="pt-BR" sz="2000" dirty="0">
-                <a:latin typeface="Times New Roman" panose="02020603050405020304" pitchFamily="18" charset="0"/>
-                <a:cs typeface="Times New Roman" panose="02020603050405020304" pitchFamily="18" charset="0"/>
-              </a:rPr>
-              <a:t>(); </a:t>
-            </a:r>
-            <a:r>
-              <a:rPr lang="pt-BR" sz="2000" b="1" dirty="0">
-                <a:latin typeface="Times New Roman" panose="02020603050405020304" pitchFamily="18" charset="0"/>
-                <a:cs typeface="Times New Roman" panose="02020603050405020304" pitchFamily="18" charset="0"/>
-              </a:rPr>
-              <a:t>update; pop; </a:t>
-            </a:r>
-            <a:r>
-              <a:rPr lang="pt-BR" sz="2000" b="1" dirty="0" err="1">
-                <a:latin typeface="Times New Roman" panose="02020603050405020304" pitchFamily="18" charset="0"/>
-                <a:cs typeface="Times New Roman" panose="02020603050405020304" pitchFamily="18" charset="0"/>
-              </a:rPr>
-              <a:t>len</a:t>
-            </a:r>
-            <a:r>
-              <a:rPr lang="pt-BR" sz="2000" b="1" dirty="0">
-                <a:latin typeface="Times New Roman" panose="02020603050405020304" pitchFamily="18" charset="0"/>
-                <a:cs typeface="Times New Roman" panose="02020603050405020304" pitchFamily="18" charset="0"/>
-              </a:rPr>
-              <a:t>, etc</a:t>
-            </a:r>
-            <a:r>
-              <a:rPr lang="pt-BR" sz="2000" dirty="0">
-                <a:latin typeface="Times New Roman" panose="02020603050405020304" pitchFamily="18" charset="0"/>
-                <a:cs typeface="Times New Roman" panose="02020603050405020304" pitchFamily="18" charset="0"/>
-              </a:rPr>
-              <a:t>.</a:t>
-            </a:r>
-          </a:p>
-          <a:p>
-            <a:pPr marL="0" indent="0" algn="just">
-              <a:buNone/>
-            </a:pPr>
-            <a:r>
-              <a:rPr lang="da-DK" sz="2000" b="1" dirty="0">
-                <a:latin typeface="Times New Roman" panose="02020603050405020304" pitchFamily="18" charset="0"/>
-                <a:cs typeface="Times New Roman" panose="02020603050405020304" pitchFamily="18" charset="0"/>
-              </a:rPr>
-              <a:t>dicAlu = </a:t>
-            </a:r>
-            <a:r>
-              <a:rPr lang="da-DK" sz="2000" dirty="0">
-                <a:latin typeface="Times New Roman" panose="02020603050405020304" pitchFamily="18" charset="0"/>
-                <a:cs typeface="Times New Roman" panose="02020603050405020304" pitchFamily="18" charset="0"/>
-              </a:rPr>
-              <a:t>{‘nome’: ‘Julila’, ‘idade’:17, ‘disciplina’:[‘java’, ‘python’], ‘altura’:1.55}</a:t>
-            </a:r>
-          </a:p>
-          <a:p>
-            <a:pPr marL="0" indent="0" algn="just">
-              <a:buNone/>
-            </a:pPr>
-            <a:r>
-              <a:rPr lang="en-US" sz="2000" b="1" dirty="0">
-                <a:latin typeface="Times New Roman" panose="02020603050405020304" pitchFamily="18" charset="0"/>
-                <a:cs typeface="Times New Roman" panose="02020603050405020304" pitchFamily="18" charset="0"/>
-              </a:rPr>
-              <a:t>for</a:t>
-            </a:r>
-            <a:r>
-              <a:rPr lang="en-US" sz="2000" dirty="0">
-                <a:latin typeface="Times New Roman" panose="02020603050405020304" pitchFamily="18" charset="0"/>
-                <a:cs typeface="Times New Roman" panose="02020603050405020304" pitchFamily="18" charset="0"/>
-              </a:rPr>
-              <a:t> key </a:t>
-            </a:r>
-            <a:r>
-              <a:rPr lang="en-US" sz="2000" b="1" dirty="0">
-                <a:latin typeface="Times New Roman" panose="02020603050405020304" pitchFamily="18" charset="0"/>
-                <a:cs typeface="Times New Roman" panose="02020603050405020304" pitchFamily="18" charset="0"/>
-              </a:rPr>
-              <a:t>in</a:t>
-            </a:r>
-            <a:r>
-              <a:rPr lang="en-US" sz="2000" dirty="0">
-                <a:latin typeface="Times New Roman" panose="02020603050405020304" pitchFamily="18" charset="0"/>
-                <a:cs typeface="Times New Roman" panose="02020603050405020304" pitchFamily="18" charset="0"/>
-              </a:rPr>
-              <a:t> </a:t>
-            </a:r>
-            <a:r>
               <a:rPr lang="en-US" sz="2000" dirty="0" err="1">
                 <a:latin typeface="Times New Roman" panose="02020603050405020304" pitchFamily="18" charset="0"/>
                 <a:cs typeface="Times New Roman" panose="02020603050405020304" pitchFamily="18" charset="0"/>
               </a:rPr>
-              <a:t>dicAlu</a:t>
-            </a:r>
-            <a:r>
-              <a:rPr lang="en-US" sz="2000" dirty="0">
-                <a:latin typeface="Times New Roman" panose="02020603050405020304" pitchFamily="18" charset="0"/>
-                <a:cs typeface="Times New Roman" panose="02020603050405020304" pitchFamily="18" charset="0"/>
-              </a:rPr>
-              <a:t>[</a:t>
-            </a:r>
-            <a:r>
-              <a:rPr lang="en-US" sz="2000" dirty="0" err="1">
-                <a:latin typeface="Times New Roman" panose="02020603050405020304" pitchFamily="18" charset="0"/>
-                <a:cs typeface="Times New Roman" panose="02020603050405020304" pitchFamily="18" charset="0"/>
-              </a:rPr>
-              <a:t>i</a:t>
-            </a:r>
-            <a:r>
-              <a:rPr lang="en-US" sz="2000" dirty="0">
-                <a:latin typeface="Times New Roman" panose="02020603050405020304" pitchFamily="18" charset="0"/>
-                <a:cs typeface="Times New Roman" panose="02020603050405020304" pitchFamily="18" charset="0"/>
-              </a:rPr>
-              <a:t>].</a:t>
-            </a:r>
-            <a:r>
-              <a:rPr lang="en-US" sz="2000" b="1" dirty="0">
+              <a:t>dicAlu.</a:t>
+            </a:r>
+            <a:r>
+              <a:rPr lang="en-US" sz="2000" b="1" dirty="0" err="1">
                 <a:latin typeface="Times New Roman" panose="02020603050405020304" pitchFamily="18" charset="0"/>
                 <a:cs typeface="Times New Roman" panose="02020603050405020304" pitchFamily="18" charset="0"/>
               </a:rPr>
@@ -16748,7 +17355,14 @@
                 <a:latin typeface="Times New Roman" panose="02020603050405020304" pitchFamily="18" charset="0"/>
                 <a:cs typeface="Times New Roman" panose="02020603050405020304" pitchFamily="18" charset="0"/>
               </a:rPr>
-              <a:t>Seleciona tudo até o indicado com”</a:t>
+              <a:t>Seleciona tudo até o indicado com</a:t>
+            </a:r>
+            <a:r>
+              <a:rPr lang="en-US" dirty="0">
+                <a:latin typeface="Times New Roman" panose="02020603050405020304" pitchFamily="18" charset="0"/>
+                <a:cs typeface="Times New Roman" panose="02020603050405020304" pitchFamily="18" charset="0"/>
+              </a:rPr>
+              <a:t> '</a:t>
             </a:r>
             <a:r>
               <a:rPr lang="pt-BR" b="1" dirty="0">
@@ -16761,11 +17375,11 @@
               <a:t>:</a:t>
             </a:r>
             <a:r>
-              <a:rPr lang="pt-BR" dirty="0">
-                <a:latin typeface="Times New Roman" panose="02020603050405020304" pitchFamily="18" charset="0"/>
-                <a:cs typeface="Times New Roman" panose="02020603050405020304" pitchFamily="18" charset="0"/>
-              </a:rPr>
-              <a:t>”</a:t>
+              <a:rPr lang="en-US" dirty="0">
+                <a:latin typeface="Times New Roman" panose="02020603050405020304" pitchFamily="18" charset="0"/>
+                <a:cs typeface="Times New Roman" panose="02020603050405020304" pitchFamily="18" charset="0"/>
+              </a:rPr>
+              <a:t>'</a:t>
             </a:r>
             <a:r>
               <a:rPr lang="pt-BR" dirty="0">
